--- a/docs/Formation_Angular_003_Angular-avancé.pptx
+++ b/docs/Formation_Angular_003_Angular-avancé.pptx
@@ -5,10 +5,10 @@
     <p:sldMasterId id="2147483648" r:id="rId5"/>
   </p:sldMasterIdLst>
   <p:notesMasterIdLst>
-    <p:notesMasterId r:id="rId21"/>
+    <p:notesMasterId r:id="rId28"/>
   </p:notesMasterIdLst>
   <p:handoutMasterIdLst>
-    <p:handoutMasterId r:id="rId22"/>
+    <p:handoutMasterId r:id="rId29"/>
   </p:handoutMasterIdLst>
   <p:sldIdLst>
     <p:sldId id="315" r:id="rId6"/>
@@ -21,11 +21,18 @@
     <p:sldId id="425" r:id="rId13"/>
     <p:sldId id="428" r:id="rId14"/>
     <p:sldId id="432" r:id="rId15"/>
-    <p:sldId id="429" r:id="rId16"/>
-    <p:sldId id="427" r:id="rId17"/>
-    <p:sldId id="430" r:id="rId18"/>
-    <p:sldId id="431" r:id="rId19"/>
-    <p:sldId id="366" r:id="rId20"/>
+    <p:sldId id="433" r:id="rId16"/>
+    <p:sldId id="435" r:id="rId17"/>
+    <p:sldId id="434" r:id="rId18"/>
+    <p:sldId id="436" r:id="rId19"/>
+    <p:sldId id="437" r:id="rId20"/>
+    <p:sldId id="438" r:id="rId21"/>
+    <p:sldId id="439" r:id="rId22"/>
+    <p:sldId id="429" r:id="rId23"/>
+    <p:sldId id="427" r:id="rId24"/>
+    <p:sldId id="430" r:id="rId25"/>
+    <p:sldId id="431" r:id="rId26"/>
+    <p:sldId id="366" r:id="rId27"/>
   </p:sldIdLst>
   <p:sldSz cx="9144000" cy="6858000" type="screen4x3"/>
   <p:notesSz cx="6858000" cy="9144000"/>
@@ -294,7 +301,7 @@
                 <a:latin typeface="Arial" pitchFamily="34" charset="0"/>
               </a:rPr>
               <a:pPr/>
-              <a:t>25/11/2019</a:t>
+              <a:t>27/11/2019</a:t>
             </a:fld>
             <a:endParaRPr lang="en-GB" dirty="0">
               <a:latin typeface="Arial" pitchFamily="34" charset="0"/>
@@ -473,7 +480,7 @@
             <a:fld id="{B5D7A87D-1CDA-443F-BAE3-82C9C05446C3}" type="datetimeFigureOut">
               <a:rPr lang="en-GB" smtClean="0"/>
               <a:pPr/>
-              <a:t>25/11/2019</a:t>
+              <a:t>27/11/2019</a:t>
             </a:fld>
             <a:endParaRPr lang="en-GB" dirty="0"/>
           </a:p>
@@ -849,7 +856,7 @@
       </p:grpSpPr>
       <p:sp>
         <p:nvSpPr>
-          <p:cNvPr id="2" name="Slide Image Placeholder 1"/>
+          <p:cNvPr id="2" name="Espace réservé de l'image des diapositives 1"/>
           <p:cNvSpPr>
             <a:spLocks noGrp="1" noRot="1" noChangeAspect="1"/>
           </p:cNvSpPr>
@@ -861,7 +868,7 @@
       </p:sp>
       <p:sp>
         <p:nvSpPr>
-          <p:cNvPr id="3" name="Notes Placeholder 2"/>
+          <p:cNvPr id="3" name="Espace réservé des notes 2"/>
           <p:cNvSpPr>
             <a:spLocks noGrp="1"/>
           </p:cNvSpPr>
@@ -871,18 +878,40 @@
         </p:nvSpPr>
         <p:spPr/>
         <p:txBody>
-          <a:bodyPr>
-            <a:normAutofit/>
-          </a:bodyPr>
+          <a:bodyPr/>
           <a:lstStyle/>
           <a:p>
-            <a:endParaRPr lang="en-GB" dirty="0"/>
+            <a:r>
+              <a:rPr lang="fr-FR" dirty="0" smtClean="0"/>
+              <a:t>Meilleure pratique: Injecter</a:t>
+            </a:r>
+            <a:r>
+              <a:rPr lang="fr-FR" baseline="0" dirty="0" smtClean="0"/>
+              <a:t> </a:t>
+            </a:r>
+            <a:r>
+              <a:rPr lang="fr-FR" baseline="0" dirty="0" err="1" smtClean="0"/>
+              <a:t>FormBuilder</a:t>
+            </a:r>
+            <a:r>
+              <a:rPr lang="fr-FR" baseline="0" dirty="0" smtClean="0"/>
+              <a:t> dans le constructeur et utiliser « </a:t>
+            </a:r>
+            <a:r>
+              <a:rPr lang="fr-FR" baseline="0" dirty="0" err="1" smtClean="0"/>
+              <a:t>this.formBuilder.group</a:t>
+            </a:r>
+            <a:r>
+              <a:rPr lang="fr-FR" baseline="0" dirty="0" smtClean="0"/>
+              <a:t>() »</a:t>
+            </a:r>
+            <a:endParaRPr lang="fr-FR" dirty="0"/>
           </a:p>
         </p:txBody>
       </p:sp>
       <p:sp>
         <p:nvSpPr>
-          <p:cNvPr id="4" name="Slide Number Placeholder 3"/>
+          <p:cNvPr id="4" name="Espace réservé du numéro de diapositive 3"/>
           <p:cNvSpPr>
             <a:spLocks noGrp="1"/>
           </p:cNvSpPr>
@@ -907,7 +936,7 @@
     </p:spTree>
     <p:extLst>
       <p:ext uri="{BB962C8B-B14F-4D97-AF65-F5344CB8AC3E}">
-        <p14:creationId xmlns:p14="http://schemas.microsoft.com/office/powerpoint/2010/main" val="2788415077"/>
+        <p14:creationId xmlns:p14="http://schemas.microsoft.com/office/powerpoint/2010/main" val="1053034972"/>
       </p:ext>
     </p:extLst>
   </p:cSld>
@@ -918,6 +947,269 @@
 </file>
 
 <file path=ppt/notesSlides/notesSlide11.xml><?xml version="1.0" encoding="utf-8"?>
+<p:notes xmlns:a="http://schemas.openxmlformats.org/drawingml/2006/main" xmlns:r="http://schemas.openxmlformats.org/officeDocument/2006/relationships" xmlns:p="http://schemas.openxmlformats.org/presentationml/2006/main">
+  <p:cSld>
+    <p:spTree>
+      <p:nvGrpSpPr>
+        <p:cNvPr id="1" name=""/>
+        <p:cNvGrpSpPr/>
+        <p:nvPr/>
+      </p:nvGrpSpPr>
+      <p:grpSpPr>
+        <a:xfrm>
+          <a:off x="0" y="0"/>
+          <a:ext cx="0" cy="0"/>
+          <a:chOff x="0" y="0"/>
+          <a:chExt cx="0" cy="0"/>
+        </a:xfrm>
+      </p:grpSpPr>
+      <p:sp>
+        <p:nvSpPr>
+          <p:cNvPr id="2" name="Espace réservé de l'image des diapositives 1"/>
+          <p:cNvSpPr>
+            <a:spLocks noGrp="1" noRot="1" noChangeAspect="1"/>
+          </p:cNvSpPr>
+          <p:nvPr>
+            <p:ph type="sldImg"/>
+          </p:nvPr>
+        </p:nvSpPr>
+        <p:spPr/>
+      </p:sp>
+      <p:sp>
+        <p:nvSpPr>
+          <p:cNvPr id="3" name="Espace réservé des notes 2"/>
+          <p:cNvSpPr>
+            <a:spLocks noGrp="1"/>
+          </p:cNvSpPr>
+          <p:nvPr>
+            <p:ph type="body" idx="1"/>
+          </p:nvPr>
+        </p:nvSpPr>
+        <p:spPr/>
+        <p:txBody>
+          <a:bodyPr/>
+          <a:lstStyle/>
+          <a:p>
+            <a:endParaRPr lang="fr-FR" dirty="0"/>
+          </a:p>
+        </p:txBody>
+      </p:sp>
+      <p:sp>
+        <p:nvSpPr>
+          <p:cNvPr id="4" name="Espace réservé du numéro de diapositive 3"/>
+          <p:cNvSpPr>
+            <a:spLocks noGrp="1"/>
+          </p:cNvSpPr>
+          <p:nvPr>
+            <p:ph type="sldNum" sz="quarter" idx="10"/>
+          </p:nvPr>
+        </p:nvSpPr>
+        <p:spPr/>
+        <p:txBody>
+          <a:bodyPr/>
+          <a:lstStyle/>
+          <a:p>
+            <a:fld id="{20B9C825-F38E-45BB-92C1-043DE61C9183}" type="slidenum">
+              <a:rPr lang="en-GB" smtClean="0"/>
+              <a:pPr/>
+              <a:t>14</a:t>
+            </a:fld>
+            <a:endParaRPr lang="en-GB" dirty="0"/>
+          </a:p>
+        </p:txBody>
+      </p:sp>
+    </p:spTree>
+    <p:extLst>
+      <p:ext uri="{BB962C8B-B14F-4D97-AF65-F5344CB8AC3E}">
+        <p14:creationId xmlns:p14="http://schemas.microsoft.com/office/powerpoint/2010/main" val="329949448"/>
+      </p:ext>
+    </p:extLst>
+  </p:cSld>
+  <p:clrMapOvr>
+    <a:masterClrMapping/>
+  </p:clrMapOvr>
+</p:notes>
+</file>
+
+<file path=ppt/notesSlides/notesSlide12.xml><?xml version="1.0" encoding="utf-8"?>
+<p:notes xmlns:a="http://schemas.openxmlformats.org/drawingml/2006/main" xmlns:r="http://schemas.openxmlformats.org/officeDocument/2006/relationships" xmlns:p="http://schemas.openxmlformats.org/presentationml/2006/main">
+  <p:cSld>
+    <p:spTree>
+      <p:nvGrpSpPr>
+        <p:cNvPr id="1" name=""/>
+        <p:cNvGrpSpPr/>
+        <p:nvPr/>
+      </p:nvGrpSpPr>
+      <p:grpSpPr>
+        <a:xfrm>
+          <a:off x="0" y="0"/>
+          <a:ext cx="0" cy="0"/>
+          <a:chOff x="0" y="0"/>
+          <a:chExt cx="0" cy="0"/>
+        </a:xfrm>
+      </p:grpSpPr>
+      <p:sp>
+        <p:nvSpPr>
+          <p:cNvPr id="2" name="Espace réservé de l'image des diapositives 1"/>
+          <p:cNvSpPr>
+            <a:spLocks noGrp="1" noRot="1" noChangeAspect="1"/>
+          </p:cNvSpPr>
+          <p:nvPr>
+            <p:ph type="sldImg"/>
+          </p:nvPr>
+        </p:nvSpPr>
+        <p:spPr/>
+      </p:sp>
+      <p:sp>
+        <p:nvSpPr>
+          <p:cNvPr id="3" name="Espace réservé des notes 2"/>
+          <p:cNvSpPr>
+            <a:spLocks noGrp="1"/>
+          </p:cNvSpPr>
+          <p:nvPr>
+            <p:ph type="body" idx="1"/>
+          </p:nvPr>
+        </p:nvSpPr>
+        <p:spPr/>
+        <p:txBody>
+          <a:bodyPr/>
+          <a:lstStyle/>
+          <a:p>
+            <a:endParaRPr lang="fr-FR" sz="1200" kern="1200" dirty="0" smtClean="0">
+              <a:solidFill>
+                <a:schemeClr val="tx1"/>
+              </a:solidFill>
+              <a:effectLst/>
+              <a:latin typeface="Arial" pitchFamily="34" charset="0"/>
+              <a:ea typeface="+mn-ea"/>
+              <a:cs typeface="+mn-cs"/>
+            </a:endParaRPr>
+          </a:p>
+        </p:txBody>
+      </p:sp>
+      <p:sp>
+        <p:nvSpPr>
+          <p:cNvPr id="4" name="Espace réservé du numéro de diapositive 3"/>
+          <p:cNvSpPr>
+            <a:spLocks noGrp="1"/>
+          </p:cNvSpPr>
+          <p:nvPr>
+            <p:ph type="sldNum" sz="quarter" idx="10"/>
+          </p:nvPr>
+        </p:nvSpPr>
+        <p:spPr/>
+        <p:txBody>
+          <a:bodyPr/>
+          <a:lstStyle/>
+          <a:p>
+            <a:fld id="{20B9C825-F38E-45BB-92C1-043DE61C9183}" type="slidenum">
+              <a:rPr lang="en-GB" smtClean="0"/>
+              <a:pPr/>
+              <a:t>15</a:t>
+            </a:fld>
+            <a:endParaRPr lang="en-GB" dirty="0"/>
+          </a:p>
+        </p:txBody>
+      </p:sp>
+    </p:spTree>
+    <p:extLst>
+      <p:ext uri="{BB962C8B-B14F-4D97-AF65-F5344CB8AC3E}">
+        <p14:creationId xmlns:p14="http://schemas.microsoft.com/office/powerpoint/2010/main" val="920888595"/>
+      </p:ext>
+    </p:extLst>
+  </p:cSld>
+  <p:clrMapOvr>
+    <a:masterClrMapping/>
+  </p:clrMapOvr>
+</p:notes>
+</file>
+
+<file path=ppt/notesSlides/notesSlide13.xml><?xml version="1.0" encoding="utf-8"?>
+<p:notes xmlns:a="http://schemas.openxmlformats.org/drawingml/2006/main" xmlns:r="http://schemas.openxmlformats.org/officeDocument/2006/relationships" xmlns:p="http://schemas.openxmlformats.org/presentationml/2006/main">
+  <p:cSld>
+    <p:spTree>
+      <p:nvGrpSpPr>
+        <p:cNvPr id="1" name=""/>
+        <p:cNvGrpSpPr/>
+        <p:nvPr/>
+      </p:nvGrpSpPr>
+      <p:grpSpPr>
+        <a:xfrm>
+          <a:off x="0" y="0"/>
+          <a:ext cx="0" cy="0"/>
+          <a:chOff x="0" y="0"/>
+          <a:chExt cx="0" cy="0"/>
+        </a:xfrm>
+      </p:grpSpPr>
+      <p:sp>
+        <p:nvSpPr>
+          <p:cNvPr id="2" name="Espace réservé de l'image des diapositives 1"/>
+          <p:cNvSpPr>
+            <a:spLocks noGrp="1" noRot="1" noChangeAspect="1"/>
+          </p:cNvSpPr>
+          <p:nvPr>
+            <p:ph type="sldImg"/>
+          </p:nvPr>
+        </p:nvSpPr>
+        <p:spPr/>
+      </p:sp>
+      <p:sp>
+        <p:nvSpPr>
+          <p:cNvPr id="3" name="Espace réservé des notes 2"/>
+          <p:cNvSpPr>
+            <a:spLocks noGrp="1"/>
+          </p:cNvSpPr>
+          <p:nvPr>
+            <p:ph type="body" idx="1"/>
+          </p:nvPr>
+        </p:nvSpPr>
+        <p:spPr/>
+        <p:txBody>
+          <a:bodyPr/>
+          <a:lstStyle/>
+          <a:p>
+            <a:endParaRPr lang="fr-FR" dirty="0"/>
+          </a:p>
+        </p:txBody>
+      </p:sp>
+      <p:sp>
+        <p:nvSpPr>
+          <p:cNvPr id="4" name="Espace réservé du numéro de diapositive 3"/>
+          <p:cNvSpPr>
+            <a:spLocks noGrp="1"/>
+          </p:cNvSpPr>
+          <p:nvPr>
+            <p:ph type="sldNum" sz="quarter" idx="10"/>
+          </p:nvPr>
+        </p:nvSpPr>
+        <p:spPr/>
+        <p:txBody>
+          <a:bodyPr/>
+          <a:lstStyle/>
+          <a:p>
+            <a:fld id="{20B9C825-F38E-45BB-92C1-043DE61C9183}" type="slidenum">
+              <a:rPr lang="en-GB" smtClean="0"/>
+              <a:pPr/>
+              <a:t>16</a:t>
+            </a:fld>
+            <a:endParaRPr lang="en-GB" dirty="0"/>
+          </a:p>
+        </p:txBody>
+      </p:sp>
+    </p:spTree>
+    <p:extLst>
+      <p:ext uri="{BB962C8B-B14F-4D97-AF65-F5344CB8AC3E}">
+        <p14:creationId xmlns:p14="http://schemas.microsoft.com/office/powerpoint/2010/main" val="4086388110"/>
+      </p:ext>
+    </p:extLst>
+  </p:cSld>
+  <p:clrMapOvr>
+    <a:masterClrMapping/>
+  </p:clrMapOvr>
+</p:notes>
+</file>
+
+<file path=ppt/notesSlides/notesSlide14.xml><?xml version="1.0" encoding="utf-8"?>
 <p:notes xmlns:a="http://schemas.openxmlformats.org/drawingml/2006/main" xmlns:r="http://schemas.openxmlformats.org/officeDocument/2006/relationships" xmlns:p="http://schemas.openxmlformats.org/presentationml/2006/main">
   <p:cSld>
     <p:spTree>
@@ -985,7 +1277,7 @@
             <a:fld id="{20B9C825-F38E-45BB-92C1-043DE61C9183}" type="slidenum">
               <a:rPr lang="en-GB" smtClean="0"/>
               <a:pPr/>
-              <a:t>13</a:t>
+              <a:t>17</a:t>
             </a:fld>
             <a:endParaRPr lang="en-GB" dirty="0"/>
           </a:p>
@@ -994,7 +1286,7 @@
     </p:spTree>
     <p:extLst>
       <p:ext uri="{BB962C8B-B14F-4D97-AF65-F5344CB8AC3E}">
-        <p14:creationId xmlns:p14="http://schemas.microsoft.com/office/powerpoint/2010/main" val="2572130740"/>
+        <p14:creationId xmlns:p14="http://schemas.microsoft.com/office/powerpoint/2010/main" val="2565275198"/>
       </p:ext>
     </p:extLst>
   </p:cSld>
@@ -1004,7 +1296,7 @@
 </p:notes>
 </file>
 
-<file path=ppt/notesSlides/notesSlide12.xml><?xml version="1.0" encoding="utf-8"?>
+<file path=ppt/notesSlides/notesSlide15.xml><?xml version="1.0" encoding="utf-8"?>
 <p:notes xmlns:a="http://schemas.openxmlformats.org/drawingml/2006/main" xmlns:r="http://schemas.openxmlformats.org/officeDocument/2006/relationships" xmlns:p="http://schemas.openxmlformats.org/presentationml/2006/main">
   <p:cSld>
     <p:spTree>
@@ -1072,7 +1364,181 @@
             <a:fld id="{20B9C825-F38E-45BB-92C1-043DE61C9183}" type="slidenum">
               <a:rPr lang="en-GB" smtClean="0"/>
               <a:pPr/>
-              <a:t>15</a:t>
+              <a:t>18</a:t>
+            </a:fld>
+            <a:endParaRPr lang="en-GB" dirty="0"/>
+          </a:p>
+        </p:txBody>
+      </p:sp>
+    </p:spTree>
+    <p:extLst>
+      <p:ext uri="{BB962C8B-B14F-4D97-AF65-F5344CB8AC3E}">
+        <p14:creationId xmlns:p14="http://schemas.microsoft.com/office/powerpoint/2010/main" val="2788415077"/>
+      </p:ext>
+    </p:extLst>
+  </p:cSld>
+  <p:clrMapOvr>
+    <a:masterClrMapping/>
+  </p:clrMapOvr>
+</p:notes>
+</file>
+
+<file path=ppt/notesSlides/notesSlide16.xml><?xml version="1.0" encoding="utf-8"?>
+<p:notes xmlns:a="http://schemas.openxmlformats.org/drawingml/2006/main" xmlns:r="http://schemas.openxmlformats.org/officeDocument/2006/relationships" xmlns:p="http://schemas.openxmlformats.org/presentationml/2006/main">
+  <p:cSld>
+    <p:spTree>
+      <p:nvGrpSpPr>
+        <p:cNvPr id="1" name=""/>
+        <p:cNvGrpSpPr/>
+        <p:nvPr/>
+      </p:nvGrpSpPr>
+      <p:grpSpPr>
+        <a:xfrm>
+          <a:off x="0" y="0"/>
+          <a:ext cx="0" cy="0"/>
+          <a:chOff x="0" y="0"/>
+          <a:chExt cx="0" cy="0"/>
+        </a:xfrm>
+      </p:grpSpPr>
+      <p:sp>
+        <p:nvSpPr>
+          <p:cNvPr id="2" name="Slide Image Placeholder 1"/>
+          <p:cNvSpPr>
+            <a:spLocks noGrp="1" noRot="1" noChangeAspect="1"/>
+          </p:cNvSpPr>
+          <p:nvPr>
+            <p:ph type="sldImg"/>
+          </p:nvPr>
+        </p:nvSpPr>
+        <p:spPr/>
+      </p:sp>
+      <p:sp>
+        <p:nvSpPr>
+          <p:cNvPr id="3" name="Notes Placeholder 2"/>
+          <p:cNvSpPr>
+            <a:spLocks noGrp="1"/>
+          </p:cNvSpPr>
+          <p:nvPr>
+            <p:ph type="body" idx="1"/>
+          </p:nvPr>
+        </p:nvSpPr>
+        <p:spPr/>
+        <p:txBody>
+          <a:bodyPr>
+            <a:normAutofit/>
+          </a:bodyPr>
+          <a:lstStyle/>
+          <a:p>
+            <a:endParaRPr lang="en-GB" dirty="0"/>
+          </a:p>
+        </p:txBody>
+      </p:sp>
+      <p:sp>
+        <p:nvSpPr>
+          <p:cNvPr id="4" name="Slide Number Placeholder 3"/>
+          <p:cNvSpPr>
+            <a:spLocks noGrp="1"/>
+          </p:cNvSpPr>
+          <p:nvPr>
+            <p:ph type="sldNum" sz="quarter" idx="10"/>
+          </p:nvPr>
+        </p:nvSpPr>
+        <p:spPr/>
+        <p:txBody>
+          <a:bodyPr/>
+          <a:lstStyle/>
+          <a:p>
+            <a:fld id="{20B9C825-F38E-45BB-92C1-043DE61C9183}" type="slidenum">
+              <a:rPr lang="en-GB" smtClean="0"/>
+              <a:pPr/>
+              <a:t>20</a:t>
+            </a:fld>
+            <a:endParaRPr lang="en-GB" dirty="0"/>
+          </a:p>
+        </p:txBody>
+      </p:sp>
+    </p:spTree>
+    <p:extLst>
+      <p:ext uri="{BB962C8B-B14F-4D97-AF65-F5344CB8AC3E}">
+        <p14:creationId xmlns:p14="http://schemas.microsoft.com/office/powerpoint/2010/main" val="2572130740"/>
+      </p:ext>
+    </p:extLst>
+  </p:cSld>
+  <p:clrMapOvr>
+    <a:masterClrMapping/>
+  </p:clrMapOvr>
+</p:notes>
+</file>
+
+<file path=ppt/notesSlides/notesSlide17.xml><?xml version="1.0" encoding="utf-8"?>
+<p:notes xmlns:a="http://schemas.openxmlformats.org/drawingml/2006/main" xmlns:r="http://schemas.openxmlformats.org/officeDocument/2006/relationships" xmlns:p="http://schemas.openxmlformats.org/presentationml/2006/main">
+  <p:cSld>
+    <p:spTree>
+      <p:nvGrpSpPr>
+        <p:cNvPr id="1" name=""/>
+        <p:cNvGrpSpPr/>
+        <p:nvPr/>
+      </p:nvGrpSpPr>
+      <p:grpSpPr>
+        <a:xfrm>
+          <a:off x="0" y="0"/>
+          <a:ext cx="0" cy="0"/>
+          <a:chOff x="0" y="0"/>
+          <a:chExt cx="0" cy="0"/>
+        </a:xfrm>
+      </p:grpSpPr>
+      <p:sp>
+        <p:nvSpPr>
+          <p:cNvPr id="2" name="Slide Image Placeholder 1"/>
+          <p:cNvSpPr>
+            <a:spLocks noGrp="1" noRot="1" noChangeAspect="1"/>
+          </p:cNvSpPr>
+          <p:nvPr>
+            <p:ph type="sldImg"/>
+          </p:nvPr>
+        </p:nvSpPr>
+        <p:spPr/>
+      </p:sp>
+      <p:sp>
+        <p:nvSpPr>
+          <p:cNvPr id="3" name="Notes Placeholder 2"/>
+          <p:cNvSpPr>
+            <a:spLocks noGrp="1"/>
+          </p:cNvSpPr>
+          <p:nvPr>
+            <p:ph type="body" idx="1"/>
+          </p:nvPr>
+        </p:nvSpPr>
+        <p:spPr/>
+        <p:txBody>
+          <a:bodyPr>
+            <a:normAutofit/>
+          </a:bodyPr>
+          <a:lstStyle/>
+          <a:p>
+            <a:endParaRPr lang="en-GB" dirty="0"/>
+          </a:p>
+        </p:txBody>
+      </p:sp>
+      <p:sp>
+        <p:nvSpPr>
+          <p:cNvPr id="4" name="Slide Number Placeholder 3"/>
+          <p:cNvSpPr>
+            <a:spLocks noGrp="1"/>
+          </p:cNvSpPr>
+          <p:nvPr>
+            <p:ph type="sldNum" sz="quarter" idx="10"/>
+          </p:nvPr>
+        </p:nvSpPr>
+        <p:spPr/>
+        <p:txBody>
+          <a:bodyPr/>
+          <a:lstStyle/>
+          <a:p>
+            <a:fld id="{20B9C825-F38E-45BB-92C1-043DE61C9183}" type="slidenum">
+              <a:rPr lang="en-GB" smtClean="0"/>
+              <a:pPr/>
+              <a:t>22</a:t>
             </a:fld>
             <a:endParaRPr lang="en-GB" dirty="0"/>
           </a:p>
@@ -2103,7 +2569,50 @@
           <a:bodyPr/>
           <a:lstStyle/>
           <a:p>
-            <a:endParaRPr lang="fr-FR" dirty="0"/>
+            <a:r>
+              <a:rPr lang="fr-FR" dirty="0" smtClean="0"/>
+              <a:t>Template-</a:t>
+            </a:r>
+            <a:r>
+              <a:rPr lang="fr-FR" dirty="0" err="1" smtClean="0"/>
+              <a:t>driven</a:t>
+            </a:r>
+            <a:r>
+              <a:rPr lang="fr-FR" baseline="0" dirty="0" smtClean="0"/>
+              <a:t> </a:t>
+            </a:r>
+            <a:r>
+              <a:rPr lang="fr-FR" baseline="0" dirty="0" err="1" smtClean="0"/>
+              <a:t>forms</a:t>
+            </a:r>
+            <a:r>
+              <a:rPr lang="fr-FR" baseline="0" dirty="0" smtClean="0"/>
+              <a:t>: Inspiré de ce qui se faisait sur </a:t>
+            </a:r>
+            <a:r>
+              <a:rPr lang="fr-FR" baseline="0" dirty="0" err="1" smtClean="0"/>
+              <a:t>AngularJS</a:t>
+            </a:r>
+            <a:r>
+              <a:rPr lang="fr-FR" baseline="0" dirty="0" smtClean="0"/>
+              <a:t>. On utilise </a:t>
+            </a:r>
+            <a:r>
+              <a:rPr lang="fr-FR" baseline="0" dirty="0" err="1" smtClean="0"/>
+              <a:t>ngModel</a:t>
+            </a:r>
+            <a:r>
+              <a:rPr lang="fr-FR" baseline="0" dirty="0" smtClean="0"/>
+              <a:t>, et on fait tout « à la main » (le binding, les </a:t>
+            </a:r>
+            <a:r>
+              <a:rPr lang="fr-FR" baseline="0" dirty="0" err="1" smtClean="0"/>
+              <a:t>controles</a:t>
+            </a:r>
+            <a:r>
+              <a:rPr lang="fr-FR" baseline="0" dirty="0" smtClean="0"/>
+              <a:t>, la validation…)</a:t>
+            </a:r>
           </a:p>
         </p:txBody>
       </p:sp>
@@ -10153,13 +10662,17 @@
           <a:bodyPr/>
           <a:lstStyle/>
           <a:p>
-            <a:endParaRPr lang="fr-FR"/>
+            <a:r>
+              <a:rPr lang="fr-FR" dirty="0" smtClean="0"/>
+              <a:t>Formulaires</a:t>
+            </a:r>
+            <a:endParaRPr lang="fr-FR" dirty="0"/>
           </a:p>
         </p:txBody>
       </p:sp>
       <p:sp>
         <p:nvSpPr>
-          <p:cNvPr id="3" name="Espace réservé du contenu 2"/>
+          <p:cNvPr id="7" name="Espace réservé du contenu 6"/>
           <p:cNvSpPr>
             <a:spLocks noGrp="1"/>
           </p:cNvSpPr>
@@ -10172,7 +10685,81 @@
           <a:bodyPr/>
           <a:lstStyle/>
           <a:p>
-            <a:endParaRPr lang="fr-FR"/>
+            <a:pPr marL="342900" indent="-342900">
+              <a:buFont typeface="Arial" panose="020B0604020202020204" pitchFamily="34" charset="0"/>
+              <a:buChar char="•"/>
+            </a:pPr>
+            <a:r>
+              <a:rPr lang="fr-FR" dirty="0" smtClean="0"/>
+              <a:t>Template-</a:t>
+            </a:r>
+            <a:r>
+              <a:rPr lang="fr-FR" dirty="0" err="1" smtClean="0"/>
+              <a:t>driven</a:t>
+            </a:r>
+            <a:r>
+              <a:rPr lang="fr-FR" dirty="0" smtClean="0"/>
+              <a:t> </a:t>
+            </a:r>
+            <a:r>
+              <a:rPr lang="fr-FR" dirty="0" err="1" smtClean="0"/>
+              <a:t>form</a:t>
+            </a:r>
+            <a:endParaRPr lang="fr-FR" dirty="0" smtClean="0"/>
+          </a:p>
+          <a:p>
+            <a:pPr marL="342900" indent="-342900">
+              <a:buFont typeface="Arial" panose="020B0604020202020204" pitchFamily="34" charset="0"/>
+              <a:buChar char="•"/>
+            </a:pPr>
+            <a:endParaRPr lang="fr-FR" dirty="0"/>
+          </a:p>
+          <a:p>
+            <a:pPr marL="342900" indent="-342900">
+              <a:buFont typeface="Arial" panose="020B0604020202020204" pitchFamily="34" charset="0"/>
+              <a:buChar char="•"/>
+            </a:pPr>
+            <a:endParaRPr lang="fr-FR" dirty="0" smtClean="0"/>
+          </a:p>
+          <a:p>
+            <a:pPr marL="342900" indent="-342900">
+              <a:buFont typeface="Arial" panose="020B0604020202020204" pitchFamily="34" charset="0"/>
+              <a:buChar char="•"/>
+            </a:pPr>
+            <a:endParaRPr lang="fr-FR" dirty="0"/>
+          </a:p>
+          <a:p>
+            <a:pPr marL="342900" indent="-342900">
+              <a:buFont typeface="Arial" panose="020B0604020202020204" pitchFamily="34" charset="0"/>
+              <a:buChar char="•"/>
+            </a:pPr>
+            <a:endParaRPr lang="fr-FR" dirty="0" smtClean="0"/>
+          </a:p>
+          <a:p>
+            <a:pPr marL="342900" indent="-342900">
+              <a:buFont typeface="Arial" panose="020B0604020202020204" pitchFamily="34" charset="0"/>
+              <a:buChar char="•"/>
+            </a:pPr>
+            <a:endParaRPr lang="fr-FR" dirty="0"/>
+          </a:p>
+          <a:p>
+            <a:pPr marL="342900" indent="-342900">
+              <a:buFont typeface="Arial" panose="020B0604020202020204" pitchFamily="34" charset="0"/>
+              <a:buChar char="•"/>
+            </a:pPr>
+            <a:r>
+              <a:rPr lang="fr-FR" dirty="0" err="1" smtClean="0"/>
+              <a:t>Reactive</a:t>
+            </a:r>
+            <a:r>
+              <a:rPr lang="fr-FR" dirty="0" smtClean="0"/>
+              <a:t> </a:t>
+            </a:r>
+            <a:r>
+              <a:rPr lang="fr-FR" dirty="0" err="1" smtClean="0"/>
+              <a:t>form</a:t>
+            </a:r>
+            <a:endParaRPr lang="fr-FR" dirty="0" smtClean="0"/>
           </a:p>
         </p:txBody>
       </p:sp>
@@ -10197,6 +10784,1647 @@
               <a:t>10</a:t>
             </a:fld>
             <a:endParaRPr lang="en-GB" dirty="0"/>
+          </a:p>
+        </p:txBody>
+      </p:sp>
+      <p:sp>
+        <p:nvSpPr>
+          <p:cNvPr id="5" name="Espace réservé du contenu 1"/>
+          <p:cNvSpPr txBox="1">
+            <a:spLocks/>
+          </p:cNvSpPr>
+          <p:nvPr/>
+        </p:nvSpPr>
+        <p:spPr>
+          <a:xfrm>
+            <a:off x="626245" y="1660840"/>
+            <a:ext cx="8060555" cy="1571457"/>
+          </a:xfrm>
+          <a:prstGeom prst="rect">
+            <a:avLst/>
+          </a:prstGeom>
+          <a:solidFill>
+            <a:schemeClr val="tx1">
+              <a:lumMod val="75000"/>
+            </a:schemeClr>
+          </a:solidFill>
+        </p:spPr>
+        <p:txBody>
+          <a:bodyPr lIns="0" tIns="0" rIns="0" bIns="0">
+            <a:normAutofit lnSpcReduction="10000"/>
+          </a:bodyPr>
+          <a:lstStyle>
+            <a:lvl1pPr marL="0" indent="0" algn="l" defTabSz="914400" rtl="0" eaLnBrk="1" latinLnBrk="0" hangingPunct="1">
+              <a:spcBef>
+                <a:spcPts val="500"/>
+              </a:spcBef>
+              <a:buClr>
+                <a:schemeClr val="accent1"/>
+              </a:buClr>
+              <a:buSzPct val="110000"/>
+              <a:buFont typeface="Arial" pitchFamily="34" charset="0"/>
+              <a:buNone/>
+              <a:defRPr sz="2000" kern="1200">
+                <a:solidFill>
+                  <a:schemeClr val="tx1"/>
+                </a:solidFill>
+                <a:latin typeface="Arial" pitchFamily="34" charset="0"/>
+                <a:ea typeface="+mn-ea"/>
+                <a:cs typeface="+mn-cs"/>
+              </a:defRPr>
+            </a:lvl1pPr>
+            <a:lvl2pPr marL="263525" indent="-263525" algn="l" defTabSz="914400" rtl="0" eaLnBrk="1" latinLnBrk="0" hangingPunct="1">
+              <a:spcBef>
+                <a:spcPts val="500"/>
+              </a:spcBef>
+              <a:buClr>
+                <a:schemeClr val="accent1"/>
+              </a:buClr>
+              <a:buSzPct val="110000"/>
+              <a:buFont typeface="Arial" pitchFamily="34" charset="0"/>
+              <a:buChar char="•"/>
+              <a:defRPr sz="2000" kern="1200" baseline="0">
+                <a:solidFill>
+                  <a:schemeClr val="tx1"/>
+                </a:solidFill>
+                <a:latin typeface="Arial" pitchFamily="34" charset="0"/>
+                <a:ea typeface="+mn-ea"/>
+                <a:cs typeface="+mn-cs"/>
+              </a:defRPr>
+            </a:lvl2pPr>
+            <a:lvl3pPr marL="536575" indent="-273050" algn="l" defTabSz="914400" rtl="0" eaLnBrk="1" latinLnBrk="0" hangingPunct="1">
+              <a:spcBef>
+                <a:spcPts val="500"/>
+              </a:spcBef>
+              <a:buClr>
+                <a:schemeClr val="accent1"/>
+              </a:buClr>
+              <a:buSzPct val="110000"/>
+              <a:buFont typeface="Arial" pitchFamily="34" charset="0"/>
+              <a:buChar char="•"/>
+              <a:defRPr sz="1800" kern="1200" baseline="0">
+                <a:solidFill>
+                  <a:schemeClr val="tx1"/>
+                </a:solidFill>
+                <a:latin typeface="Arial" pitchFamily="34" charset="0"/>
+                <a:ea typeface="+mn-ea"/>
+                <a:cs typeface="+mn-cs"/>
+              </a:defRPr>
+            </a:lvl3pPr>
+            <a:lvl4pPr marL="811213" indent="-274638" algn="l" defTabSz="914400" rtl="0" eaLnBrk="1" latinLnBrk="0" hangingPunct="1">
+              <a:spcBef>
+                <a:spcPts val="500"/>
+              </a:spcBef>
+              <a:buClr>
+                <a:schemeClr val="accent1"/>
+              </a:buClr>
+              <a:buSzPct val="110000"/>
+              <a:buFont typeface="Arial" pitchFamily="34" charset="0"/>
+              <a:buChar char="•"/>
+              <a:defRPr sz="1600" kern="1200" baseline="0">
+                <a:solidFill>
+                  <a:schemeClr val="tx1"/>
+                </a:solidFill>
+                <a:latin typeface="Arial" pitchFamily="34" charset="0"/>
+                <a:ea typeface="+mn-ea"/>
+                <a:cs typeface="+mn-cs"/>
+              </a:defRPr>
+            </a:lvl4pPr>
+            <a:lvl5pPr marL="1074738" indent="-263525" algn="l" defTabSz="914400" rtl="0" eaLnBrk="1" latinLnBrk="0" hangingPunct="1">
+              <a:spcBef>
+                <a:spcPts val="500"/>
+              </a:spcBef>
+              <a:buClr>
+                <a:schemeClr val="accent1"/>
+              </a:buClr>
+              <a:buSzPct val="110000"/>
+              <a:buFont typeface="Arial" pitchFamily="34" charset="0"/>
+              <a:buChar char="•"/>
+              <a:defRPr sz="1400" kern="1200" baseline="0">
+                <a:solidFill>
+                  <a:schemeClr val="tx1"/>
+                </a:solidFill>
+                <a:latin typeface="Arial" pitchFamily="34" charset="0"/>
+                <a:ea typeface="+mn-ea"/>
+                <a:cs typeface="+mn-cs"/>
+              </a:defRPr>
+            </a:lvl5pPr>
+            <a:lvl6pPr marL="1136650" indent="-215900" algn="l" defTabSz="914400" rtl="0" eaLnBrk="1" latinLnBrk="0" hangingPunct="1">
+              <a:spcBef>
+                <a:spcPts val="500"/>
+              </a:spcBef>
+              <a:buClr>
+                <a:schemeClr val="accent1"/>
+              </a:buClr>
+              <a:buFont typeface="Verdana" pitchFamily="34" charset="0"/>
+              <a:buNone/>
+              <a:defRPr sz="1400" kern="1200" baseline="0">
+                <a:solidFill>
+                  <a:schemeClr val="tx1"/>
+                </a:solidFill>
+                <a:latin typeface="+mn-lt"/>
+                <a:ea typeface="+mn-ea"/>
+                <a:cs typeface="+mn-cs"/>
+              </a:defRPr>
+            </a:lvl6pPr>
+            <a:lvl7pPr marL="1343025" indent="-228600" algn="l" defTabSz="914400" rtl="0" eaLnBrk="1" latinLnBrk="0" hangingPunct="1">
+              <a:spcBef>
+                <a:spcPts val="500"/>
+              </a:spcBef>
+              <a:buClr>
+                <a:schemeClr val="tx1">
+                  <a:lumMod val="60000"/>
+                  <a:lumOff val="40000"/>
+                </a:schemeClr>
+              </a:buClr>
+              <a:buFont typeface="Verdana" pitchFamily="34" charset="0"/>
+              <a:buChar char="•"/>
+              <a:defRPr sz="1400" kern="1200" baseline="0">
+                <a:solidFill>
+                  <a:schemeClr val="tx1"/>
+                </a:solidFill>
+                <a:latin typeface="+mn-lt"/>
+                <a:ea typeface="+mn-ea"/>
+                <a:cs typeface="+mn-cs"/>
+              </a:defRPr>
+            </a:lvl7pPr>
+            <a:lvl8pPr marL="3429000" indent="-228600" algn="l" defTabSz="914400" rtl="0" eaLnBrk="1" latinLnBrk="0" hangingPunct="1">
+              <a:spcBef>
+                <a:spcPct val="20000"/>
+              </a:spcBef>
+              <a:buFont typeface="Arial" pitchFamily="34" charset="0"/>
+              <a:buChar char="•"/>
+              <a:defRPr sz="2000" kern="1200">
+                <a:solidFill>
+                  <a:schemeClr val="tx1"/>
+                </a:solidFill>
+                <a:latin typeface="+mn-lt"/>
+                <a:ea typeface="+mn-ea"/>
+                <a:cs typeface="+mn-cs"/>
+              </a:defRPr>
+            </a:lvl8pPr>
+            <a:lvl9pPr marL="3886200" indent="-228600" algn="l" defTabSz="914400" rtl="0" eaLnBrk="1" latinLnBrk="0" hangingPunct="1">
+              <a:spcBef>
+                <a:spcPct val="20000"/>
+              </a:spcBef>
+              <a:buFont typeface="Arial" pitchFamily="34" charset="0"/>
+              <a:buChar char="•"/>
+              <a:defRPr sz="2000" kern="1200">
+                <a:solidFill>
+                  <a:schemeClr val="tx1"/>
+                </a:solidFill>
+                <a:latin typeface="+mn-lt"/>
+                <a:ea typeface="+mn-ea"/>
+                <a:cs typeface="+mn-cs"/>
+              </a:defRPr>
+            </a:lvl9pPr>
+          </a:lstStyle>
+          <a:p>
+            <a:r>
+              <a:rPr lang="fr-FR" sz="1600" dirty="0" smtClean="0">
+                <a:solidFill>
+                  <a:schemeClr val="bg1">
+                    <a:lumMod val="65000"/>
+                  </a:schemeClr>
+                </a:solidFill>
+                <a:latin typeface="Consolas" pitchFamily="49" charset="0"/>
+              </a:rPr>
+              <a:t>&lt;</a:t>
+            </a:r>
+            <a:r>
+              <a:rPr lang="fr-FR" sz="1600" dirty="0" err="1" smtClean="0">
+                <a:solidFill>
+                  <a:srgbClr val="0070C0"/>
+                </a:solidFill>
+                <a:latin typeface="Consolas" pitchFamily="49" charset="0"/>
+              </a:rPr>
+              <a:t>form</a:t>
+            </a:r>
+            <a:r>
+              <a:rPr lang="fr-FR" sz="1600" dirty="0" smtClean="0">
+                <a:solidFill>
+                  <a:schemeClr val="bg1">
+                    <a:lumMod val="65000"/>
+                  </a:schemeClr>
+                </a:solidFill>
+                <a:latin typeface="Consolas" pitchFamily="49" charset="0"/>
+              </a:rPr>
+              <a:t>&gt;</a:t>
+            </a:r>
+          </a:p>
+          <a:p>
+            <a:r>
+              <a:rPr lang="fr-FR" sz="1600" dirty="0" smtClean="0">
+                <a:solidFill>
+                  <a:schemeClr val="bg1"/>
+                </a:solidFill>
+                <a:latin typeface="Consolas" pitchFamily="49" charset="0"/>
+              </a:rPr>
+              <a:t>  </a:t>
+            </a:r>
+            <a:r>
+              <a:rPr lang="fr-FR" sz="1600" dirty="0" smtClean="0">
+                <a:solidFill>
+                  <a:schemeClr val="bg1">
+                    <a:lumMod val="65000"/>
+                  </a:schemeClr>
+                </a:solidFill>
+                <a:latin typeface="Consolas" pitchFamily="49" charset="0"/>
+              </a:rPr>
+              <a:t>&lt;</a:t>
+            </a:r>
+            <a:r>
+              <a:rPr lang="fr-FR" sz="1600" dirty="0" smtClean="0">
+                <a:solidFill>
+                  <a:srgbClr val="0070C0"/>
+                </a:solidFill>
+                <a:latin typeface="Consolas" pitchFamily="49" charset="0"/>
+              </a:rPr>
+              <a:t>label</a:t>
+            </a:r>
+            <a:r>
+              <a:rPr lang="fr-FR" sz="1600" dirty="0" smtClean="0">
+                <a:solidFill>
+                  <a:schemeClr val="bg1"/>
+                </a:solidFill>
+                <a:latin typeface="Consolas" pitchFamily="49" charset="0"/>
+              </a:rPr>
+              <a:t> </a:t>
+            </a:r>
+            <a:r>
+              <a:rPr lang="fr-FR" sz="1600" dirty="0" smtClean="0">
+                <a:solidFill>
+                  <a:srgbClr val="00B0F0"/>
+                </a:solidFill>
+                <a:latin typeface="Consolas" pitchFamily="49" charset="0"/>
+              </a:rPr>
+              <a:t>for</a:t>
+            </a:r>
+            <a:r>
+              <a:rPr lang="fr-FR" sz="1600" dirty="0" smtClean="0">
+                <a:solidFill>
+                  <a:schemeClr val="bg1"/>
+                </a:solidFill>
+                <a:latin typeface="Consolas" pitchFamily="49" charset="0"/>
+              </a:rPr>
+              <a:t>=</a:t>
+            </a:r>
+            <a:r>
+              <a:rPr lang="fr-FR" sz="1600" dirty="0" smtClean="0">
+                <a:solidFill>
+                  <a:schemeClr val="accent5"/>
+                </a:solidFill>
+                <a:latin typeface="Consolas" pitchFamily="49" charset="0"/>
+              </a:rPr>
+              <a:t>"</a:t>
+            </a:r>
+            <a:r>
+              <a:rPr lang="fr-FR" sz="1600" dirty="0" err="1" smtClean="0">
+                <a:solidFill>
+                  <a:schemeClr val="accent5"/>
+                </a:solidFill>
+                <a:latin typeface="Consolas" pitchFamily="49" charset="0"/>
+              </a:rPr>
+              <a:t>firstname</a:t>
+            </a:r>
+            <a:r>
+              <a:rPr lang="fr-FR" sz="1600" dirty="0" smtClean="0">
+                <a:solidFill>
+                  <a:schemeClr val="accent5"/>
+                </a:solidFill>
+                <a:latin typeface="Consolas" pitchFamily="49" charset="0"/>
+              </a:rPr>
+              <a:t>"</a:t>
+            </a:r>
+            <a:r>
+              <a:rPr lang="fr-FR" sz="1600" dirty="0" smtClean="0">
+                <a:solidFill>
+                  <a:schemeClr val="bg1">
+                    <a:lumMod val="65000"/>
+                  </a:schemeClr>
+                </a:solidFill>
+                <a:latin typeface="Consolas" pitchFamily="49" charset="0"/>
+              </a:rPr>
+              <a:t>&gt;</a:t>
+            </a:r>
+            <a:r>
+              <a:rPr lang="fr-FR" sz="1600" dirty="0" err="1" smtClean="0">
+                <a:solidFill>
+                  <a:schemeClr val="bg1"/>
+                </a:solidFill>
+                <a:latin typeface="Consolas" pitchFamily="49" charset="0"/>
+              </a:rPr>
+              <a:t>Firstname</a:t>
+            </a:r>
+            <a:r>
+              <a:rPr lang="fr-FR" sz="1600" dirty="0" smtClean="0">
+                <a:solidFill>
+                  <a:schemeClr val="bg1">
+                    <a:lumMod val="65000"/>
+                  </a:schemeClr>
+                </a:solidFill>
+                <a:latin typeface="Consolas" pitchFamily="49" charset="0"/>
+              </a:rPr>
+              <a:t>&lt;/</a:t>
+            </a:r>
+            <a:r>
+              <a:rPr lang="fr-FR" sz="1600" dirty="0" smtClean="0">
+                <a:solidFill>
+                  <a:srgbClr val="0070C0"/>
+                </a:solidFill>
+                <a:latin typeface="Consolas" pitchFamily="49" charset="0"/>
+              </a:rPr>
+              <a:t>label</a:t>
+            </a:r>
+            <a:r>
+              <a:rPr lang="fr-FR" sz="1600" dirty="0" smtClean="0">
+                <a:solidFill>
+                  <a:schemeClr val="bg1">
+                    <a:lumMod val="65000"/>
+                  </a:schemeClr>
+                </a:solidFill>
+                <a:latin typeface="Consolas" pitchFamily="49" charset="0"/>
+              </a:rPr>
+              <a:t>&gt;</a:t>
+            </a:r>
+          </a:p>
+          <a:p>
+            <a:r>
+              <a:rPr lang="fr-FR" sz="1600" dirty="0" smtClean="0">
+                <a:solidFill>
+                  <a:schemeClr val="bg1"/>
+                </a:solidFill>
+                <a:latin typeface="Consolas" pitchFamily="49" charset="0"/>
+              </a:rPr>
+              <a:t>  </a:t>
+            </a:r>
+            <a:r>
+              <a:rPr lang="fr-FR" sz="1600" dirty="0" smtClean="0">
+                <a:solidFill>
+                  <a:schemeClr val="bg1">
+                    <a:lumMod val="65000"/>
+                  </a:schemeClr>
+                </a:solidFill>
+                <a:latin typeface="Consolas" pitchFamily="49" charset="0"/>
+              </a:rPr>
+              <a:t>&lt;</a:t>
+            </a:r>
+            <a:r>
+              <a:rPr lang="fr-FR" sz="1600" dirty="0" smtClean="0">
+                <a:solidFill>
+                  <a:srgbClr val="0070C0"/>
+                </a:solidFill>
+                <a:latin typeface="Consolas" pitchFamily="49" charset="0"/>
+              </a:rPr>
+              <a:t>input</a:t>
+            </a:r>
+            <a:r>
+              <a:rPr lang="fr-FR" sz="1600" dirty="0" smtClean="0">
+                <a:solidFill>
+                  <a:schemeClr val="bg1"/>
+                </a:solidFill>
+                <a:latin typeface="Consolas" pitchFamily="49" charset="0"/>
+              </a:rPr>
+              <a:t> </a:t>
+            </a:r>
+            <a:r>
+              <a:rPr lang="fr-FR" sz="1600" dirty="0" err="1" smtClean="0">
+                <a:solidFill>
+                  <a:srgbClr val="00B0F0"/>
+                </a:solidFill>
+                <a:latin typeface="Consolas" pitchFamily="49" charset="0"/>
+              </a:rPr>
+              <a:t>name</a:t>
+            </a:r>
+            <a:r>
+              <a:rPr lang="fr-FR" sz="1600" dirty="0">
+                <a:solidFill>
+                  <a:schemeClr val="bg1"/>
+                </a:solidFill>
+                <a:latin typeface="Consolas" pitchFamily="49" charset="0"/>
+              </a:rPr>
+              <a:t>=</a:t>
+            </a:r>
+            <a:r>
+              <a:rPr lang="fr-FR" sz="1600" dirty="0">
+                <a:solidFill>
+                  <a:schemeClr val="accent5"/>
+                </a:solidFill>
+                <a:latin typeface="Consolas" pitchFamily="49" charset="0"/>
+              </a:rPr>
+              <a:t>"</a:t>
+            </a:r>
+            <a:r>
+              <a:rPr lang="fr-FR" sz="1600" dirty="0" err="1" smtClean="0">
+                <a:solidFill>
+                  <a:schemeClr val="accent5"/>
+                </a:solidFill>
+                <a:latin typeface="Consolas" pitchFamily="49" charset="0"/>
+              </a:rPr>
+              <a:t>firstname</a:t>
+            </a:r>
+            <a:r>
+              <a:rPr lang="fr-FR" sz="1600" dirty="0" smtClean="0">
+                <a:solidFill>
+                  <a:schemeClr val="accent5"/>
+                </a:solidFill>
+                <a:latin typeface="Consolas" pitchFamily="49" charset="0"/>
+              </a:rPr>
+              <a:t>"</a:t>
+            </a:r>
+            <a:r>
+              <a:rPr lang="fr-FR" sz="1600" dirty="0" smtClean="0">
+                <a:solidFill>
+                  <a:schemeClr val="bg1"/>
+                </a:solidFill>
+                <a:latin typeface="Consolas" pitchFamily="49" charset="0"/>
+              </a:rPr>
+              <a:t> </a:t>
+            </a:r>
+            <a:r>
+              <a:rPr lang="fr-FR" sz="1600" dirty="0" smtClean="0">
+                <a:solidFill>
+                  <a:srgbClr val="00B0F0"/>
+                </a:solidFill>
+                <a:latin typeface="Consolas" pitchFamily="49" charset="0"/>
+              </a:rPr>
+              <a:t>type</a:t>
+            </a:r>
+            <a:r>
+              <a:rPr lang="fr-FR" sz="1600" dirty="0" smtClean="0">
+                <a:solidFill>
+                  <a:schemeClr val="bg1"/>
+                </a:solidFill>
+                <a:latin typeface="Consolas" pitchFamily="49" charset="0"/>
+              </a:rPr>
+              <a:t>=</a:t>
+            </a:r>
+            <a:r>
+              <a:rPr lang="fr-FR" sz="1600" dirty="0" smtClean="0">
+                <a:solidFill>
+                  <a:schemeClr val="accent5"/>
+                </a:solidFill>
+                <a:latin typeface="Consolas" pitchFamily="49" charset="0"/>
+              </a:rPr>
+              <a:t>"</a:t>
+            </a:r>
+            <a:r>
+              <a:rPr lang="fr-FR" sz="1600" dirty="0" err="1" smtClean="0">
+                <a:solidFill>
+                  <a:schemeClr val="accent5"/>
+                </a:solidFill>
+                <a:latin typeface="Consolas" pitchFamily="49" charset="0"/>
+              </a:rPr>
+              <a:t>text</a:t>
+            </a:r>
+            <a:r>
+              <a:rPr lang="fr-FR" sz="1600" dirty="0" smtClean="0">
+                <a:solidFill>
+                  <a:schemeClr val="accent5"/>
+                </a:solidFill>
+                <a:latin typeface="Consolas" pitchFamily="49" charset="0"/>
+              </a:rPr>
+              <a:t>"</a:t>
+            </a:r>
+            <a:r>
+              <a:rPr lang="fr-FR" sz="1600" dirty="0" smtClean="0">
+                <a:solidFill>
+                  <a:schemeClr val="bg1"/>
+                </a:solidFill>
+                <a:latin typeface="Consolas" pitchFamily="49" charset="0"/>
+              </a:rPr>
+              <a:t> [(</a:t>
+            </a:r>
+            <a:r>
+              <a:rPr lang="fr-FR" sz="1600" dirty="0" err="1" smtClean="0">
+                <a:solidFill>
+                  <a:srgbClr val="00B0F0"/>
+                </a:solidFill>
+                <a:latin typeface="Consolas" pitchFamily="49" charset="0"/>
+              </a:rPr>
+              <a:t>ngModel</a:t>
+            </a:r>
+            <a:r>
+              <a:rPr lang="fr-FR" sz="1600" dirty="0" smtClean="0">
+                <a:solidFill>
+                  <a:schemeClr val="bg1"/>
+                </a:solidFill>
+                <a:latin typeface="Consolas" pitchFamily="49" charset="0"/>
+              </a:rPr>
+              <a:t>)]=</a:t>
+            </a:r>
+            <a:r>
+              <a:rPr lang="fr-FR" sz="1600" dirty="0" smtClean="0">
+                <a:solidFill>
+                  <a:schemeClr val="accent5"/>
+                </a:solidFill>
+                <a:latin typeface="Consolas" pitchFamily="49" charset="0"/>
+              </a:rPr>
+              <a:t>"</a:t>
+            </a:r>
+            <a:r>
+              <a:rPr lang="fr-FR" sz="1600" dirty="0" err="1" smtClean="0">
+                <a:solidFill>
+                  <a:schemeClr val="accent5"/>
+                </a:solidFill>
+                <a:latin typeface="Consolas" pitchFamily="49" charset="0"/>
+              </a:rPr>
+              <a:t>user.firstname</a:t>
+            </a:r>
+            <a:r>
+              <a:rPr lang="fr-FR" sz="1600" dirty="0" smtClean="0">
+                <a:solidFill>
+                  <a:schemeClr val="accent5"/>
+                </a:solidFill>
+                <a:latin typeface="Consolas" pitchFamily="49" charset="0"/>
+              </a:rPr>
+              <a:t>"</a:t>
+            </a:r>
+            <a:r>
+              <a:rPr lang="fr-FR" sz="1600" dirty="0" smtClean="0">
+                <a:solidFill>
+                  <a:schemeClr val="bg1"/>
+                </a:solidFill>
+                <a:latin typeface="Consolas" pitchFamily="49" charset="0"/>
+              </a:rPr>
+              <a:t> </a:t>
+            </a:r>
+            <a:r>
+              <a:rPr lang="fr-FR" sz="1600" dirty="0" err="1" smtClean="0">
+                <a:solidFill>
+                  <a:srgbClr val="00B0F0"/>
+                </a:solidFill>
+                <a:latin typeface="Consolas" pitchFamily="49" charset="0"/>
+              </a:rPr>
+              <a:t>required</a:t>
+            </a:r>
+            <a:r>
+              <a:rPr lang="fr-FR" sz="1600" dirty="0" smtClean="0">
+                <a:solidFill>
+                  <a:srgbClr val="00B0F0"/>
+                </a:solidFill>
+                <a:latin typeface="Consolas" pitchFamily="49" charset="0"/>
+              </a:rPr>
+              <a:t> </a:t>
+            </a:r>
+            <a:r>
+              <a:rPr lang="fr-FR" sz="1600" dirty="0" smtClean="0">
+                <a:solidFill>
+                  <a:schemeClr val="bg1">
+                    <a:lumMod val="65000"/>
+                  </a:schemeClr>
+                </a:solidFill>
+                <a:latin typeface="Consolas" pitchFamily="49" charset="0"/>
+              </a:rPr>
+              <a:t>/&gt;</a:t>
+            </a:r>
+          </a:p>
+          <a:p>
+            <a:r>
+              <a:rPr lang="fr-FR" sz="1600" dirty="0" smtClean="0">
+                <a:solidFill>
+                  <a:schemeClr val="bg1"/>
+                </a:solidFill>
+                <a:latin typeface="Consolas" pitchFamily="49" charset="0"/>
+              </a:rPr>
+              <a:t>  </a:t>
+            </a:r>
+            <a:r>
+              <a:rPr lang="fr-FR" sz="1600" dirty="0" smtClean="0">
+                <a:solidFill>
+                  <a:schemeClr val="bg1">
+                    <a:lumMod val="65000"/>
+                  </a:schemeClr>
+                </a:solidFill>
+                <a:latin typeface="Consolas" pitchFamily="49" charset="0"/>
+              </a:rPr>
+              <a:t>&lt;</a:t>
+            </a:r>
+            <a:r>
+              <a:rPr lang="fr-FR" sz="1600" dirty="0" err="1" smtClean="0">
+                <a:solidFill>
+                  <a:srgbClr val="0070C0"/>
+                </a:solidFill>
+                <a:latin typeface="Consolas" pitchFamily="49" charset="0"/>
+              </a:rPr>
+              <a:t>button</a:t>
+            </a:r>
+            <a:r>
+              <a:rPr lang="fr-FR" sz="1600" dirty="0" smtClean="0">
+                <a:solidFill>
+                  <a:schemeClr val="bg1"/>
+                </a:solidFill>
+                <a:latin typeface="Consolas" pitchFamily="49" charset="0"/>
+              </a:rPr>
+              <a:t> </a:t>
+            </a:r>
+            <a:r>
+              <a:rPr lang="fr-FR" sz="1600" dirty="0" smtClean="0">
+                <a:solidFill>
+                  <a:srgbClr val="00B0F0"/>
+                </a:solidFill>
+                <a:latin typeface="Consolas" pitchFamily="49" charset="0"/>
+              </a:rPr>
+              <a:t>type</a:t>
+            </a:r>
+            <a:r>
+              <a:rPr lang="fr-FR" sz="1600" dirty="0" smtClean="0">
+                <a:solidFill>
+                  <a:schemeClr val="bg1"/>
+                </a:solidFill>
+                <a:latin typeface="Consolas" pitchFamily="49" charset="0"/>
+              </a:rPr>
+              <a:t>=</a:t>
+            </a:r>
+            <a:r>
+              <a:rPr lang="fr-FR" sz="1600" dirty="0" smtClean="0">
+                <a:solidFill>
+                  <a:schemeClr val="accent5"/>
+                </a:solidFill>
+                <a:latin typeface="Consolas" pitchFamily="49" charset="0"/>
+              </a:rPr>
+              <a:t>"</a:t>
+            </a:r>
+            <a:r>
+              <a:rPr lang="fr-FR" sz="1600" dirty="0" err="1" smtClean="0">
+                <a:solidFill>
+                  <a:schemeClr val="accent5"/>
+                </a:solidFill>
+                <a:latin typeface="Consolas" pitchFamily="49" charset="0"/>
+              </a:rPr>
+              <a:t>submit</a:t>
+            </a:r>
+            <a:r>
+              <a:rPr lang="fr-FR" sz="1600" dirty="0" smtClean="0">
+                <a:solidFill>
+                  <a:schemeClr val="accent5"/>
+                </a:solidFill>
+                <a:latin typeface="Consolas" pitchFamily="49" charset="0"/>
+              </a:rPr>
+              <a:t>"</a:t>
+            </a:r>
+            <a:r>
+              <a:rPr lang="fr-FR" sz="1600" dirty="0" smtClean="0">
+                <a:solidFill>
+                  <a:schemeClr val="bg1"/>
+                </a:solidFill>
+                <a:latin typeface="Consolas" pitchFamily="49" charset="0"/>
+              </a:rPr>
+              <a:t> (</a:t>
+            </a:r>
+            <a:r>
+              <a:rPr lang="fr-FR" sz="1600" dirty="0" smtClean="0">
+                <a:solidFill>
+                  <a:srgbClr val="00B0F0"/>
+                </a:solidFill>
+                <a:latin typeface="Consolas" pitchFamily="49" charset="0"/>
+              </a:rPr>
+              <a:t>click</a:t>
+            </a:r>
+            <a:r>
+              <a:rPr lang="fr-FR" sz="1600" dirty="0" smtClean="0">
+                <a:solidFill>
+                  <a:schemeClr val="bg1"/>
+                </a:solidFill>
+                <a:latin typeface="Consolas" pitchFamily="49" charset="0"/>
+              </a:rPr>
+              <a:t>)=</a:t>
+            </a:r>
+            <a:r>
+              <a:rPr lang="fr-FR" sz="1600" dirty="0" smtClean="0">
+                <a:solidFill>
+                  <a:schemeClr val="accent5"/>
+                </a:solidFill>
+                <a:latin typeface="Consolas" pitchFamily="49" charset="0"/>
+              </a:rPr>
+              <a:t>"</a:t>
+            </a:r>
+            <a:r>
+              <a:rPr lang="fr-FR" sz="1600" dirty="0" err="1" smtClean="0">
+                <a:solidFill>
+                  <a:schemeClr val="accent5"/>
+                </a:solidFill>
+                <a:latin typeface="Consolas" pitchFamily="49" charset="0"/>
+              </a:rPr>
+              <a:t>postForm</a:t>
+            </a:r>
+            <a:r>
+              <a:rPr lang="fr-FR" sz="1600" dirty="0" smtClean="0">
+                <a:solidFill>
+                  <a:schemeClr val="accent5"/>
+                </a:solidFill>
+                <a:latin typeface="Consolas" pitchFamily="49" charset="0"/>
+              </a:rPr>
+              <a:t>()"</a:t>
+            </a:r>
+            <a:r>
+              <a:rPr lang="fr-FR" sz="1600" dirty="0" smtClean="0">
+                <a:solidFill>
+                  <a:schemeClr val="bg1">
+                    <a:lumMod val="65000"/>
+                  </a:schemeClr>
+                </a:solidFill>
+                <a:latin typeface="Consolas" pitchFamily="49" charset="0"/>
+              </a:rPr>
+              <a:t>&gt;</a:t>
+            </a:r>
+            <a:r>
+              <a:rPr lang="fr-FR" sz="1600" dirty="0" err="1" smtClean="0">
+                <a:solidFill>
+                  <a:schemeClr val="bg1"/>
+                </a:solidFill>
+                <a:latin typeface="Consolas" pitchFamily="49" charset="0"/>
+              </a:rPr>
+              <a:t>Valid</a:t>
+            </a:r>
+            <a:r>
+              <a:rPr lang="fr-FR" sz="1600" dirty="0" smtClean="0">
+                <a:solidFill>
+                  <a:schemeClr val="bg1">
+                    <a:lumMod val="65000"/>
+                  </a:schemeClr>
+                </a:solidFill>
+                <a:latin typeface="Consolas" pitchFamily="49" charset="0"/>
+              </a:rPr>
+              <a:t>&lt;/</a:t>
+            </a:r>
+            <a:r>
+              <a:rPr lang="fr-FR" sz="1600" dirty="0" err="1" smtClean="0">
+                <a:solidFill>
+                  <a:srgbClr val="0070C0"/>
+                </a:solidFill>
+                <a:latin typeface="Consolas" pitchFamily="49" charset="0"/>
+              </a:rPr>
+              <a:t>button</a:t>
+            </a:r>
+            <a:r>
+              <a:rPr lang="fr-FR" sz="1600" dirty="0" smtClean="0">
+                <a:solidFill>
+                  <a:schemeClr val="bg1">
+                    <a:lumMod val="65000"/>
+                  </a:schemeClr>
+                </a:solidFill>
+                <a:latin typeface="Consolas" pitchFamily="49" charset="0"/>
+              </a:rPr>
+              <a:t>&gt;</a:t>
+            </a:r>
+          </a:p>
+          <a:p>
+            <a:r>
+              <a:rPr lang="fr-FR" sz="1600" dirty="0" smtClean="0">
+                <a:solidFill>
+                  <a:schemeClr val="bg1">
+                    <a:lumMod val="65000"/>
+                  </a:schemeClr>
+                </a:solidFill>
+                <a:latin typeface="Consolas" pitchFamily="49" charset="0"/>
+              </a:rPr>
+              <a:t>&lt;/</a:t>
+            </a:r>
+            <a:r>
+              <a:rPr lang="fr-FR" sz="1600" dirty="0" err="1" smtClean="0">
+                <a:solidFill>
+                  <a:srgbClr val="0070C0"/>
+                </a:solidFill>
+                <a:latin typeface="Consolas" pitchFamily="49" charset="0"/>
+              </a:rPr>
+              <a:t>form</a:t>
+            </a:r>
+            <a:r>
+              <a:rPr lang="fr-FR" sz="1600" dirty="0" smtClean="0">
+                <a:solidFill>
+                  <a:schemeClr val="bg1">
+                    <a:lumMod val="65000"/>
+                  </a:schemeClr>
+                </a:solidFill>
+                <a:latin typeface="Consolas" pitchFamily="49" charset="0"/>
+              </a:rPr>
+              <a:t>&gt;</a:t>
+            </a:r>
+            <a:endParaRPr lang="fr-FR" sz="1600" dirty="0">
+              <a:solidFill>
+                <a:schemeClr val="bg1">
+                  <a:lumMod val="65000"/>
+                </a:schemeClr>
+              </a:solidFill>
+              <a:latin typeface="Consolas" pitchFamily="49" charset="0"/>
+            </a:endParaRPr>
+          </a:p>
+        </p:txBody>
+      </p:sp>
+      <p:sp>
+        <p:nvSpPr>
+          <p:cNvPr id="8" name="Espace réservé du contenu 1"/>
+          <p:cNvSpPr txBox="1">
+            <a:spLocks/>
+          </p:cNvSpPr>
+          <p:nvPr/>
+        </p:nvSpPr>
+        <p:spPr>
+          <a:xfrm>
+            <a:off x="638945" y="3961720"/>
+            <a:ext cx="8060555" cy="1571457"/>
+          </a:xfrm>
+          <a:prstGeom prst="rect">
+            <a:avLst/>
+          </a:prstGeom>
+          <a:solidFill>
+            <a:schemeClr val="tx1">
+              <a:lumMod val="75000"/>
+            </a:schemeClr>
+          </a:solidFill>
+        </p:spPr>
+        <p:txBody>
+          <a:bodyPr lIns="0" tIns="0" rIns="0" bIns="0">
+            <a:normAutofit/>
+          </a:bodyPr>
+          <a:lstStyle>
+            <a:lvl1pPr marL="0" indent="0" algn="l" defTabSz="914400" rtl="0" eaLnBrk="1" latinLnBrk="0" hangingPunct="1">
+              <a:spcBef>
+                <a:spcPts val="500"/>
+              </a:spcBef>
+              <a:buClr>
+                <a:schemeClr val="accent1"/>
+              </a:buClr>
+              <a:buSzPct val="110000"/>
+              <a:buFont typeface="Arial" pitchFamily="34" charset="0"/>
+              <a:buNone/>
+              <a:defRPr sz="2000" kern="1200">
+                <a:solidFill>
+                  <a:schemeClr val="tx1"/>
+                </a:solidFill>
+                <a:latin typeface="Arial" pitchFamily="34" charset="0"/>
+                <a:ea typeface="+mn-ea"/>
+                <a:cs typeface="+mn-cs"/>
+              </a:defRPr>
+            </a:lvl1pPr>
+            <a:lvl2pPr marL="263525" indent="-263525" algn="l" defTabSz="914400" rtl="0" eaLnBrk="1" latinLnBrk="0" hangingPunct="1">
+              <a:spcBef>
+                <a:spcPts val="500"/>
+              </a:spcBef>
+              <a:buClr>
+                <a:schemeClr val="accent1"/>
+              </a:buClr>
+              <a:buSzPct val="110000"/>
+              <a:buFont typeface="Arial" pitchFamily="34" charset="0"/>
+              <a:buChar char="•"/>
+              <a:defRPr sz="2000" kern="1200" baseline="0">
+                <a:solidFill>
+                  <a:schemeClr val="tx1"/>
+                </a:solidFill>
+                <a:latin typeface="Arial" pitchFamily="34" charset="0"/>
+                <a:ea typeface="+mn-ea"/>
+                <a:cs typeface="+mn-cs"/>
+              </a:defRPr>
+            </a:lvl2pPr>
+            <a:lvl3pPr marL="536575" indent="-273050" algn="l" defTabSz="914400" rtl="0" eaLnBrk="1" latinLnBrk="0" hangingPunct="1">
+              <a:spcBef>
+                <a:spcPts val="500"/>
+              </a:spcBef>
+              <a:buClr>
+                <a:schemeClr val="accent1"/>
+              </a:buClr>
+              <a:buSzPct val="110000"/>
+              <a:buFont typeface="Arial" pitchFamily="34" charset="0"/>
+              <a:buChar char="•"/>
+              <a:defRPr sz="1800" kern="1200" baseline="0">
+                <a:solidFill>
+                  <a:schemeClr val="tx1"/>
+                </a:solidFill>
+                <a:latin typeface="Arial" pitchFamily="34" charset="0"/>
+                <a:ea typeface="+mn-ea"/>
+                <a:cs typeface="+mn-cs"/>
+              </a:defRPr>
+            </a:lvl3pPr>
+            <a:lvl4pPr marL="811213" indent="-274638" algn="l" defTabSz="914400" rtl="0" eaLnBrk="1" latinLnBrk="0" hangingPunct="1">
+              <a:spcBef>
+                <a:spcPts val="500"/>
+              </a:spcBef>
+              <a:buClr>
+                <a:schemeClr val="accent1"/>
+              </a:buClr>
+              <a:buSzPct val="110000"/>
+              <a:buFont typeface="Arial" pitchFamily="34" charset="0"/>
+              <a:buChar char="•"/>
+              <a:defRPr sz="1600" kern="1200" baseline="0">
+                <a:solidFill>
+                  <a:schemeClr val="tx1"/>
+                </a:solidFill>
+                <a:latin typeface="Arial" pitchFamily="34" charset="0"/>
+                <a:ea typeface="+mn-ea"/>
+                <a:cs typeface="+mn-cs"/>
+              </a:defRPr>
+            </a:lvl4pPr>
+            <a:lvl5pPr marL="1074738" indent="-263525" algn="l" defTabSz="914400" rtl="0" eaLnBrk="1" latinLnBrk="0" hangingPunct="1">
+              <a:spcBef>
+                <a:spcPts val="500"/>
+              </a:spcBef>
+              <a:buClr>
+                <a:schemeClr val="accent1"/>
+              </a:buClr>
+              <a:buSzPct val="110000"/>
+              <a:buFont typeface="Arial" pitchFamily="34" charset="0"/>
+              <a:buChar char="•"/>
+              <a:defRPr sz="1400" kern="1200" baseline="0">
+                <a:solidFill>
+                  <a:schemeClr val="tx1"/>
+                </a:solidFill>
+                <a:latin typeface="Arial" pitchFamily="34" charset="0"/>
+                <a:ea typeface="+mn-ea"/>
+                <a:cs typeface="+mn-cs"/>
+              </a:defRPr>
+            </a:lvl5pPr>
+            <a:lvl6pPr marL="1136650" indent="-215900" algn="l" defTabSz="914400" rtl="0" eaLnBrk="1" latinLnBrk="0" hangingPunct="1">
+              <a:spcBef>
+                <a:spcPts val="500"/>
+              </a:spcBef>
+              <a:buClr>
+                <a:schemeClr val="accent1"/>
+              </a:buClr>
+              <a:buFont typeface="Verdana" pitchFamily="34" charset="0"/>
+              <a:buNone/>
+              <a:defRPr sz="1400" kern="1200" baseline="0">
+                <a:solidFill>
+                  <a:schemeClr val="tx1"/>
+                </a:solidFill>
+                <a:latin typeface="+mn-lt"/>
+                <a:ea typeface="+mn-ea"/>
+                <a:cs typeface="+mn-cs"/>
+              </a:defRPr>
+            </a:lvl6pPr>
+            <a:lvl7pPr marL="1343025" indent="-228600" algn="l" defTabSz="914400" rtl="0" eaLnBrk="1" latinLnBrk="0" hangingPunct="1">
+              <a:spcBef>
+                <a:spcPts val="500"/>
+              </a:spcBef>
+              <a:buClr>
+                <a:schemeClr val="tx1">
+                  <a:lumMod val="60000"/>
+                  <a:lumOff val="40000"/>
+                </a:schemeClr>
+              </a:buClr>
+              <a:buFont typeface="Verdana" pitchFamily="34" charset="0"/>
+              <a:buChar char="•"/>
+              <a:defRPr sz="1400" kern="1200" baseline="0">
+                <a:solidFill>
+                  <a:schemeClr val="tx1"/>
+                </a:solidFill>
+                <a:latin typeface="+mn-lt"/>
+                <a:ea typeface="+mn-ea"/>
+                <a:cs typeface="+mn-cs"/>
+              </a:defRPr>
+            </a:lvl7pPr>
+            <a:lvl8pPr marL="3429000" indent="-228600" algn="l" defTabSz="914400" rtl="0" eaLnBrk="1" latinLnBrk="0" hangingPunct="1">
+              <a:spcBef>
+                <a:spcPct val="20000"/>
+              </a:spcBef>
+              <a:buFont typeface="Arial" pitchFamily="34" charset="0"/>
+              <a:buChar char="•"/>
+              <a:defRPr sz="2000" kern="1200">
+                <a:solidFill>
+                  <a:schemeClr val="tx1"/>
+                </a:solidFill>
+                <a:latin typeface="+mn-lt"/>
+                <a:ea typeface="+mn-ea"/>
+                <a:cs typeface="+mn-cs"/>
+              </a:defRPr>
+            </a:lvl8pPr>
+            <a:lvl9pPr marL="3886200" indent="-228600" algn="l" defTabSz="914400" rtl="0" eaLnBrk="1" latinLnBrk="0" hangingPunct="1">
+              <a:spcBef>
+                <a:spcPct val="20000"/>
+              </a:spcBef>
+              <a:buFont typeface="Arial" pitchFamily="34" charset="0"/>
+              <a:buChar char="•"/>
+              <a:defRPr sz="2000" kern="1200">
+                <a:solidFill>
+                  <a:schemeClr val="tx1"/>
+                </a:solidFill>
+                <a:latin typeface="+mn-lt"/>
+                <a:ea typeface="+mn-ea"/>
+                <a:cs typeface="+mn-cs"/>
+              </a:defRPr>
+            </a:lvl9pPr>
+          </a:lstStyle>
+          <a:p>
+            <a:r>
+              <a:rPr lang="fr-FR" sz="1600" dirty="0" smtClean="0">
+                <a:solidFill>
+                  <a:schemeClr val="bg1">
+                    <a:lumMod val="65000"/>
+                  </a:schemeClr>
+                </a:solidFill>
+                <a:latin typeface="Consolas" pitchFamily="49" charset="0"/>
+              </a:rPr>
+              <a:t>&lt;</a:t>
+            </a:r>
+            <a:r>
+              <a:rPr lang="fr-FR" sz="1600" dirty="0" err="1" smtClean="0">
+                <a:solidFill>
+                  <a:srgbClr val="0070C0"/>
+                </a:solidFill>
+                <a:latin typeface="Consolas" pitchFamily="49" charset="0"/>
+              </a:rPr>
+              <a:t>form</a:t>
+            </a:r>
+            <a:r>
+              <a:rPr lang="fr-FR" sz="1600" dirty="0" smtClean="0">
+                <a:solidFill>
+                  <a:srgbClr val="0070C0"/>
+                </a:solidFill>
+                <a:latin typeface="Consolas" pitchFamily="49" charset="0"/>
+              </a:rPr>
+              <a:t> </a:t>
+            </a:r>
+            <a:r>
+              <a:rPr lang="fr-FR" sz="1600" dirty="0" smtClean="0">
+                <a:solidFill>
+                  <a:schemeClr val="bg1"/>
+                </a:solidFill>
+                <a:latin typeface="Consolas" pitchFamily="49" charset="0"/>
+              </a:rPr>
+              <a:t>[</a:t>
+            </a:r>
+            <a:r>
+              <a:rPr lang="fr-FR" sz="1600" dirty="0" err="1" smtClean="0">
+                <a:solidFill>
+                  <a:srgbClr val="0070C0"/>
+                </a:solidFill>
+                <a:latin typeface="Consolas" pitchFamily="49" charset="0"/>
+              </a:rPr>
+              <a:t>formGroup</a:t>
+            </a:r>
+            <a:r>
+              <a:rPr lang="fr-FR" sz="1600" dirty="0" smtClean="0">
+                <a:solidFill>
+                  <a:schemeClr val="bg1"/>
+                </a:solidFill>
+                <a:latin typeface="Consolas" pitchFamily="49" charset="0"/>
+              </a:rPr>
+              <a:t>]=</a:t>
+            </a:r>
+            <a:r>
+              <a:rPr lang="fr-FR" sz="1600" dirty="0" smtClean="0">
+                <a:solidFill>
+                  <a:schemeClr val="accent5"/>
+                </a:solidFill>
+                <a:latin typeface="Consolas" pitchFamily="49" charset="0"/>
+              </a:rPr>
+              <a:t>"</a:t>
+            </a:r>
+            <a:r>
+              <a:rPr lang="fr-FR" sz="1600" dirty="0" err="1" smtClean="0">
+                <a:solidFill>
+                  <a:schemeClr val="accent5"/>
+                </a:solidFill>
+                <a:latin typeface="Consolas" pitchFamily="49" charset="0"/>
+              </a:rPr>
+              <a:t>userForm</a:t>
+            </a:r>
+            <a:r>
+              <a:rPr lang="fr-FR" sz="1600" dirty="0" smtClean="0">
+                <a:solidFill>
+                  <a:schemeClr val="accent5"/>
+                </a:solidFill>
+                <a:latin typeface="Consolas" pitchFamily="49" charset="0"/>
+              </a:rPr>
+              <a:t>" </a:t>
+            </a:r>
+            <a:r>
+              <a:rPr lang="fr-FR" sz="1600" dirty="0" smtClean="0">
+                <a:solidFill>
+                  <a:schemeClr val="bg1"/>
+                </a:solidFill>
+                <a:latin typeface="Consolas" pitchFamily="49" charset="0"/>
+              </a:rPr>
+              <a:t>(</a:t>
+            </a:r>
+            <a:r>
+              <a:rPr lang="fr-FR" sz="1600" dirty="0" err="1" smtClean="0">
+                <a:solidFill>
+                  <a:srgbClr val="0070C0"/>
+                </a:solidFill>
+                <a:latin typeface="Consolas" pitchFamily="49" charset="0"/>
+              </a:rPr>
+              <a:t>ngSubmit</a:t>
+            </a:r>
+            <a:r>
+              <a:rPr lang="fr-FR" sz="1600" dirty="0" smtClean="0">
+                <a:solidFill>
+                  <a:schemeClr val="bg1"/>
+                </a:solidFill>
+                <a:latin typeface="Consolas" pitchFamily="49" charset="0"/>
+              </a:rPr>
+              <a:t>)=</a:t>
+            </a:r>
+            <a:r>
+              <a:rPr lang="fr-FR" sz="1600" dirty="0" smtClean="0">
+                <a:solidFill>
+                  <a:schemeClr val="accent5"/>
+                </a:solidFill>
+                <a:latin typeface="Consolas" pitchFamily="49" charset="0"/>
+              </a:rPr>
+              <a:t>"</a:t>
+            </a:r>
+            <a:r>
+              <a:rPr lang="fr-FR" sz="1600" dirty="0" err="1" smtClean="0">
+                <a:solidFill>
+                  <a:schemeClr val="accent5"/>
+                </a:solidFill>
+                <a:latin typeface="Consolas" pitchFamily="49" charset="0"/>
+              </a:rPr>
+              <a:t>postForm</a:t>
+            </a:r>
+            <a:r>
+              <a:rPr lang="fr-FR" sz="1600" dirty="0" smtClean="0">
+                <a:solidFill>
+                  <a:schemeClr val="accent5"/>
+                </a:solidFill>
+                <a:latin typeface="Consolas" pitchFamily="49" charset="0"/>
+              </a:rPr>
+              <a:t>()"</a:t>
+            </a:r>
+            <a:r>
+              <a:rPr lang="fr-FR" sz="1600" dirty="0" smtClean="0">
+                <a:solidFill>
+                  <a:schemeClr val="bg1">
+                    <a:lumMod val="65000"/>
+                  </a:schemeClr>
+                </a:solidFill>
+                <a:latin typeface="Consolas" pitchFamily="49" charset="0"/>
+              </a:rPr>
+              <a:t>&gt;</a:t>
+            </a:r>
+          </a:p>
+          <a:p>
+            <a:r>
+              <a:rPr lang="fr-FR" sz="1600" dirty="0" smtClean="0">
+                <a:solidFill>
+                  <a:schemeClr val="bg1"/>
+                </a:solidFill>
+                <a:latin typeface="Consolas" pitchFamily="49" charset="0"/>
+              </a:rPr>
+              <a:t>  </a:t>
+            </a:r>
+            <a:r>
+              <a:rPr lang="fr-FR" sz="1600" dirty="0" smtClean="0">
+                <a:solidFill>
+                  <a:schemeClr val="bg1">
+                    <a:lumMod val="65000"/>
+                  </a:schemeClr>
+                </a:solidFill>
+                <a:latin typeface="Consolas" pitchFamily="49" charset="0"/>
+              </a:rPr>
+              <a:t>&lt;</a:t>
+            </a:r>
+            <a:r>
+              <a:rPr lang="fr-FR" sz="1600" dirty="0" smtClean="0">
+                <a:solidFill>
+                  <a:srgbClr val="0070C0"/>
+                </a:solidFill>
+                <a:latin typeface="Consolas" pitchFamily="49" charset="0"/>
+              </a:rPr>
+              <a:t>label</a:t>
+            </a:r>
+            <a:r>
+              <a:rPr lang="fr-FR" sz="1600" dirty="0" smtClean="0">
+                <a:solidFill>
+                  <a:schemeClr val="bg1"/>
+                </a:solidFill>
+                <a:latin typeface="Consolas" pitchFamily="49" charset="0"/>
+              </a:rPr>
+              <a:t> </a:t>
+            </a:r>
+            <a:r>
+              <a:rPr lang="fr-FR" sz="1600" dirty="0" smtClean="0">
+                <a:solidFill>
+                  <a:srgbClr val="00B0F0"/>
+                </a:solidFill>
+                <a:latin typeface="Consolas" pitchFamily="49" charset="0"/>
+              </a:rPr>
+              <a:t>for</a:t>
+            </a:r>
+            <a:r>
+              <a:rPr lang="fr-FR" sz="1600" dirty="0" smtClean="0">
+                <a:solidFill>
+                  <a:schemeClr val="bg1"/>
+                </a:solidFill>
+                <a:latin typeface="Consolas" pitchFamily="49" charset="0"/>
+              </a:rPr>
+              <a:t>=</a:t>
+            </a:r>
+            <a:r>
+              <a:rPr lang="fr-FR" sz="1600" dirty="0" smtClean="0">
+                <a:solidFill>
+                  <a:schemeClr val="accent5"/>
+                </a:solidFill>
+                <a:latin typeface="Consolas" pitchFamily="49" charset="0"/>
+              </a:rPr>
+              <a:t>"</a:t>
+            </a:r>
+            <a:r>
+              <a:rPr lang="fr-FR" sz="1600" dirty="0" err="1" smtClean="0">
+                <a:solidFill>
+                  <a:schemeClr val="accent5"/>
+                </a:solidFill>
+                <a:latin typeface="Consolas" pitchFamily="49" charset="0"/>
+              </a:rPr>
+              <a:t>firstname</a:t>
+            </a:r>
+            <a:r>
+              <a:rPr lang="fr-FR" sz="1600" dirty="0" smtClean="0">
+                <a:solidFill>
+                  <a:schemeClr val="accent5"/>
+                </a:solidFill>
+                <a:latin typeface="Consolas" pitchFamily="49" charset="0"/>
+              </a:rPr>
+              <a:t>"</a:t>
+            </a:r>
+            <a:r>
+              <a:rPr lang="fr-FR" sz="1600" dirty="0" smtClean="0">
+                <a:solidFill>
+                  <a:schemeClr val="bg1">
+                    <a:lumMod val="65000"/>
+                  </a:schemeClr>
+                </a:solidFill>
+                <a:latin typeface="Consolas" pitchFamily="49" charset="0"/>
+              </a:rPr>
+              <a:t>&gt;</a:t>
+            </a:r>
+            <a:r>
+              <a:rPr lang="fr-FR" sz="1600" dirty="0" err="1" smtClean="0">
+                <a:solidFill>
+                  <a:schemeClr val="bg1"/>
+                </a:solidFill>
+                <a:latin typeface="Consolas" pitchFamily="49" charset="0"/>
+              </a:rPr>
+              <a:t>Firstname</a:t>
+            </a:r>
+            <a:r>
+              <a:rPr lang="fr-FR" sz="1600" dirty="0" smtClean="0">
+                <a:solidFill>
+                  <a:schemeClr val="bg1">
+                    <a:lumMod val="65000"/>
+                  </a:schemeClr>
+                </a:solidFill>
+                <a:latin typeface="Consolas" pitchFamily="49" charset="0"/>
+              </a:rPr>
+              <a:t>&lt;/</a:t>
+            </a:r>
+            <a:r>
+              <a:rPr lang="fr-FR" sz="1600" dirty="0" smtClean="0">
+                <a:solidFill>
+                  <a:srgbClr val="0070C0"/>
+                </a:solidFill>
+                <a:latin typeface="Consolas" pitchFamily="49" charset="0"/>
+              </a:rPr>
+              <a:t>label</a:t>
+            </a:r>
+            <a:r>
+              <a:rPr lang="fr-FR" sz="1600" dirty="0" smtClean="0">
+                <a:solidFill>
+                  <a:schemeClr val="bg1">
+                    <a:lumMod val="65000"/>
+                  </a:schemeClr>
+                </a:solidFill>
+                <a:latin typeface="Consolas" pitchFamily="49" charset="0"/>
+              </a:rPr>
+              <a:t>&gt;</a:t>
+            </a:r>
+          </a:p>
+          <a:p>
+            <a:r>
+              <a:rPr lang="fr-FR" sz="1600" dirty="0" smtClean="0">
+                <a:solidFill>
+                  <a:schemeClr val="bg1"/>
+                </a:solidFill>
+                <a:latin typeface="Consolas" pitchFamily="49" charset="0"/>
+              </a:rPr>
+              <a:t>  </a:t>
+            </a:r>
+            <a:r>
+              <a:rPr lang="fr-FR" sz="1600" dirty="0" smtClean="0">
+                <a:solidFill>
+                  <a:schemeClr val="bg1">
+                    <a:lumMod val="65000"/>
+                  </a:schemeClr>
+                </a:solidFill>
+                <a:latin typeface="Consolas" pitchFamily="49" charset="0"/>
+              </a:rPr>
+              <a:t>&lt;</a:t>
+            </a:r>
+            <a:r>
+              <a:rPr lang="fr-FR" sz="1600" dirty="0" smtClean="0">
+                <a:solidFill>
+                  <a:srgbClr val="0070C0"/>
+                </a:solidFill>
+                <a:latin typeface="Consolas" pitchFamily="49" charset="0"/>
+              </a:rPr>
+              <a:t>input</a:t>
+            </a:r>
+            <a:r>
+              <a:rPr lang="fr-FR" sz="1600" dirty="0" smtClean="0">
+                <a:solidFill>
+                  <a:schemeClr val="bg1"/>
+                </a:solidFill>
+                <a:latin typeface="Consolas" pitchFamily="49" charset="0"/>
+              </a:rPr>
+              <a:t> </a:t>
+            </a:r>
+            <a:r>
+              <a:rPr lang="fr-FR" sz="1600" dirty="0" err="1" smtClean="0">
+                <a:solidFill>
+                  <a:srgbClr val="00B0F0"/>
+                </a:solidFill>
+                <a:latin typeface="Consolas" pitchFamily="49" charset="0"/>
+              </a:rPr>
+              <a:t>formControlName</a:t>
+            </a:r>
+            <a:r>
+              <a:rPr lang="fr-FR" sz="1600" dirty="0">
+                <a:solidFill>
+                  <a:schemeClr val="bg1"/>
+                </a:solidFill>
+                <a:latin typeface="Consolas" pitchFamily="49" charset="0"/>
+              </a:rPr>
+              <a:t>=</a:t>
+            </a:r>
+            <a:r>
+              <a:rPr lang="fr-FR" sz="1600" dirty="0">
+                <a:solidFill>
+                  <a:schemeClr val="accent5"/>
+                </a:solidFill>
+                <a:latin typeface="Consolas" pitchFamily="49" charset="0"/>
+              </a:rPr>
+              <a:t>"</a:t>
+            </a:r>
+            <a:r>
+              <a:rPr lang="fr-FR" sz="1600" dirty="0" err="1" smtClean="0">
+                <a:solidFill>
+                  <a:schemeClr val="accent5"/>
+                </a:solidFill>
+                <a:latin typeface="Consolas" pitchFamily="49" charset="0"/>
+              </a:rPr>
+              <a:t>firstname</a:t>
+            </a:r>
+            <a:r>
+              <a:rPr lang="fr-FR" sz="1600" dirty="0" smtClean="0">
+                <a:solidFill>
+                  <a:schemeClr val="accent5"/>
+                </a:solidFill>
+                <a:latin typeface="Consolas" pitchFamily="49" charset="0"/>
+              </a:rPr>
+              <a:t>"</a:t>
+            </a:r>
+            <a:r>
+              <a:rPr lang="fr-FR" sz="1600" dirty="0" smtClean="0">
+                <a:solidFill>
+                  <a:schemeClr val="bg1"/>
+                </a:solidFill>
+                <a:latin typeface="Consolas" pitchFamily="49" charset="0"/>
+              </a:rPr>
+              <a:t> </a:t>
+            </a:r>
+            <a:r>
+              <a:rPr lang="fr-FR" sz="1600" dirty="0" smtClean="0">
+                <a:solidFill>
+                  <a:srgbClr val="00B0F0"/>
+                </a:solidFill>
+                <a:latin typeface="Consolas" pitchFamily="49" charset="0"/>
+              </a:rPr>
+              <a:t>type</a:t>
+            </a:r>
+            <a:r>
+              <a:rPr lang="fr-FR" sz="1600" dirty="0" smtClean="0">
+                <a:solidFill>
+                  <a:schemeClr val="bg1"/>
+                </a:solidFill>
+                <a:latin typeface="Consolas" pitchFamily="49" charset="0"/>
+              </a:rPr>
+              <a:t>=</a:t>
+            </a:r>
+            <a:r>
+              <a:rPr lang="fr-FR" sz="1600" dirty="0" smtClean="0">
+                <a:solidFill>
+                  <a:schemeClr val="accent5"/>
+                </a:solidFill>
+                <a:latin typeface="Consolas" pitchFamily="49" charset="0"/>
+              </a:rPr>
+              <a:t>"</a:t>
+            </a:r>
+            <a:r>
+              <a:rPr lang="fr-FR" sz="1600" dirty="0" err="1" smtClean="0">
+                <a:solidFill>
+                  <a:schemeClr val="accent5"/>
+                </a:solidFill>
+                <a:latin typeface="Consolas" pitchFamily="49" charset="0"/>
+              </a:rPr>
+              <a:t>text</a:t>
+            </a:r>
+            <a:r>
+              <a:rPr lang="fr-FR" sz="1600" dirty="0" smtClean="0">
+                <a:solidFill>
+                  <a:schemeClr val="accent5"/>
+                </a:solidFill>
+                <a:latin typeface="Consolas" pitchFamily="49" charset="0"/>
+              </a:rPr>
+              <a:t>"</a:t>
+            </a:r>
+            <a:r>
+              <a:rPr lang="fr-FR" sz="1600" dirty="0" smtClean="0">
+                <a:solidFill>
+                  <a:schemeClr val="bg1"/>
+                </a:solidFill>
+                <a:latin typeface="Consolas" pitchFamily="49" charset="0"/>
+              </a:rPr>
+              <a:t> </a:t>
+            </a:r>
+            <a:r>
+              <a:rPr lang="fr-FR" sz="1600" dirty="0" smtClean="0">
+                <a:solidFill>
+                  <a:schemeClr val="bg1">
+                    <a:lumMod val="65000"/>
+                  </a:schemeClr>
+                </a:solidFill>
+                <a:latin typeface="Consolas" pitchFamily="49" charset="0"/>
+              </a:rPr>
+              <a:t>/&gt;</a:t>
+            </a:r>
+          </a:p>
+          <a:p>
+            <a:r>
+              <a:rPr lang="fr-FR" sz="1600" dirty="0" smtClean="0">
+                <a:solidFill>
+                  <a:schemeClr val="bg1"/>
+                </a:solidFill>
+                <a:latin typeface="Consolas" pitchFamily="49" charset="0"/>
+              </a:rPr>
+              <a:t>  </a:t>
+            </a:r>
+            <a:r>
+              <a:rPr lang="fr-FR" sz="1600" dirty="0" smtClean="0">
+                <a:solidFill>
+                  <a:schemeClr val="bg1">
+                    <a:lumMod val="65000"/>
+                  </a:schemeClr>
+                </a:solidFill>
+                <a:latin typeface="Consolas" pitchFamily="49" charset="0"/>
+              </a:rPr>
+              <a:t>&lt;</a:t>
+            </a:r>
+            <a:r>
+              <a:rPr lang="fr-FR" sz="1600" dirty="0" err="1" smtClean="0">
+                <a:solidFill>
+                  <a:srgbClr val="0070C0"/>
+                </a:solidFill>
+                <a:latin typeface="Consolas" pitchFamily="49" charset="0"/>
+              </a:rPr>
+              <a:t>button</a:t>
+            </a:r>
+            <a:r>
+              <a:rPr lang="fr-FR" sz="1600" dirty="0" smtClean="0">
+                <a:solidFill>
+                  <a:schemeClr val="bg1"/>
+                </a:solidFill>
+                <a:latin typeface="Consolas" pitchFamily="49" charset="0"/>
+              </a:rPr>
+              <a:t> </a:t>
+            </a:r>
+            <a:r>
+              <a:rPr lang="fr-FR" sz="1600" dirty="0" smtClean="0">
+                <a:solidFill>
+                  <a:srgbClr val="00B0F0"/>
+                </a:solidFill>
+                <a:latin typeface="Consolas" pitchFamily="49" charset="0"/>
+              </a:rPr>
+              <a:t>type</a:t>
+            </a:r>
+            <a:r>
+              <a:rPr lang="fr-FR" sz="1600" dirty="0" smtClean="0">
+                <a:solidFill>
+                  <a:schemeClr val="bg1"/>
+                </a:solidFill>
+                <a:latin typeface="Consolas" pitchFamily="49" charset="0"/>
+              </a:rPr>
+              <a:t>=</a:t>
+            </a:r>
+            <a:r>
+              <a:rPr lang="fr-FR" sz="1600" dirty="0" smtClean="0">
+                <a:solidFill>
+                  <a:schemeClr val="accent5"/>
+                </a:solidFill>
+                <a:latin typeface="Consolas" pitchFamily="49" charset="0"/>
+              </a:rPr>
+              <a:t>"</a:t>
+            </a:r>
+            <a:r>
+              <a:rPr lang="fr-FR" sz="1600" dirty="0" err="1" smtClean="0">
+                <a:solidFill>
+                  <a:schemeClr val="accent5"/>
+                </a:solidFill>
+                <a:latin typeface="Consolas" pitchFamily="49" charset="0"/>
+              </a:rPr>
+              <a:t>submit</a:t>
+            </a:r>
+            <a:r>
+              <a:rPr lang="fr-FR" sz="1600" dirty="0" smtClean="0">
+                <a:solidFill>
+                  <a:schemeClr val="accent5"/>
+                </a:solidFill>
+                <a:latin typeface="Consolas" pitchFamily="49" charset="0"/>
+              </a:rPr>
+              <a:t>"</a:t>
+            </a:r>
+            <a:r>
+              <a:rPr lang="fr-FR" sz="1600" dirty="0" smtClean="0">
+                <a:solidFill>
+                  <a:schemeClr val="bg1">
+                    <a:lumMod val="65000"/>
+                  </a:schemeClr>
+                </a:solidFill>
+                <a:latin typeface="Consolas" pitchFamily="49" charset="0"/>
+              </a:rPr>
+              <a:t>&gt;</a:t>
+            </a:r>
+            <a:r>
+              <a:rPr lang="fr-FR" sz="1600" dirty="0" err="1" smtClean="0">
+                <a:solidFill>
+                  <a:schemeClr val="bg1"/>
+                </a:solidFill>
+                <a:latin typeface="Consolas" pitchFamily="49" charset="0"/>
+              </a:rPr>
+              <a:t>Valid</a:t>
+            </a:r>
+            <a:r>
+              <a:rPr lang="fr-FR" sz="1600" dirty="0" smtClean="0">
+                <a:solidFill>
+                  <a:schemeClr val="bg1">
+                    <a:lumMod val="65000"/>
+                  </a:schemeClr>
+                </a:solidFill>
+                <a:latin typeface="Consolas" pitchFamily="49" charset="0"/>
+              </a:rPr>
+              <a:t>&lt;/</a:t>
+            </a:r>
+            <a:r>
+              <a:rPr lang="fr-FR" sz="1600" dirty="0" err="1" smtClean="0">
+                <a:solidFill>
+                  <a:srgbClr val="0070C0"/>
+                </a:solidFill>
+                <a:latin typeface="Consolas" pitchFamily="49" charset="0"/>
+              </a:rPr>
+              <a:t>button</a:t>
+            </a:r>
+            <a:r>
+              <a:rPr lang="fr-FR" sz="1600" dirty="0" smtClean="0">
+                <a:solidFill>
+                  <a:schemeClr val="bg1">
+                    <a:lumMod val="65000"/>
+                  </a:schemeClr>
+                </a:solidFill>
+                <a:latin typeface="Consolas" pitchFamily="49" charset="0"/>
+              </a:rPr>
+              <a:t>&gt;</a:t>
+            </a:r>
+          </a:p>
+          <a:p>
+            <a:r>
+              <a:rPr lang="fr-FR" sz="1600" dirty="0" smtClean="0">
+                <a:solidFill>
+                  <a:schemeClr val="bg1">
+                    <a:lumMod val="65000"/>
+                  </a:schemeClr>
+                </a:solidFill>
+                <a:latin typeface="Consolas" pitchFamily="49" charset="0"/>
+              </a:rPr>
+              <a:t>&lt;/</a:t>
+            </a:r>
+            <a:r>
+              <a:rPr lang="fr-FR" sz="1600" dirty="0" err="1" smtClean="0">
+                <a:solidFill>
+                  <a:srgbClr val="0070C0"/>
+                </a:solidFill>
+                <a:latin typeface="Consolas" pitchFamily="49" charset="0"/>
+              </a:rPr>
+              <a:t>form</a:t>
+            </a:r>
+            <a:r>
+              <a:rPr lang="fr-FR" sz="1600" dirty="0" smtClean="0">
+                <a:solidFill>
+                  <a:schemeClr val="bg1">
+                    <a:lumMod val="65000"/>
+                  </a:schemeClr>
+                </a:solidFill>
+                <a:latin typeface="Consolas" pitchFamily="49" charset="0"/>
+              </a:rPr>
+              <a:t>&gt;</a:t>
+            </a:r>
+            <a:endParaRPr lang="fr-FR" sz="1600" dirty="0">
+              <a:solidFill>
+                <a:schemeClr val="bg1">
+                  <a:lumMod val="65000"/>
+                </a:schemeClr>
+              </a:solidFill>
+              <a:latin typeface="Consolas" pitchFamily="49" charset="0"/>
+            </a:endParaRPr>
           </a:p>
         </p:txBody>
       </p:sp>
@@ -10232,15 +12460,12 @@
       </p:grpSpPr>
       <p:sp>
         <p:nvSpPr>
-          <p:cNvPr id="2" name="Title 1"/>
+          <p:cNvPr id="2" name="Titre 1"/>
           <p:cNvSpPr>
             <a:spLocks noGrp="1"/>
           </p:cNvSpPr>
           <p:nvPr>
-            <p:ph type="ctrTitle"/>
-            <p:custDataLst>
-              <p:tags r:id="rId1"/>
-            </p:custDataLst>
+            <p:ph type="title"/>
           </p:nvPr>
         </p:nvSpPr>
         <p:spPr/>
@@ -10249,32 +12474,21 @@
           <a:lstStyle/>
           <a:p>
             <a:r>
-              <a:rPr lang="fr-CA" dirty="0" err="1" smtClean="0"/>
-              <a:t>Angular</a:t>
-            </a:r>
-            <a:r>
-              <a:rPr lang="fr-CA" dirty="0"/>
-              <a:t> </a:t>
-            </a:r>
-            <a:r>
-              <a:rPr lang="fr-CA" dirty="0" smtClean="0"/>
-              <a:t>avancé</a:t>
-            </a:r>
-            <a:endParaRPr lang="fr-CA" dirty="0"/>
+              <a:rPr lang="fr-FR" dirty="0" smtClean="0"/>
+              <a:t>Formulaires</a:t>
+            </a:r>
+            <a:endParaRPr lang="fr-FR" dirty="0"/>
           </a:p>
         </p:txBody>
       </p:sp>
       <p:sp>
         <p:nvSpPr>
-          <p:cNvPr id="16" name="Subtitle 15"/>
+          <p:cNvPr id="7" name="Espace réservé du contenu 6"/>
           <p:cNvSpPr>
             <a:spLocks noGrp="1"/>
           </p:cNvSpPr>
           <p:nvPr>
-            <p:ph type="subTitle" idx="1"/>
-            <p:custDataLst>
-              <p:tags r:id="rId2"/>
-            </p:custDataLst>
+            <p:ph sz="quarter" idx="17"/>
           </p:nvPr>
         </p:nvSpPr>
         <p:spPr/>
@@ -10282,37 +12496,1115 @@
           <a:bodyPr/>
           <a:lstStyle/>
           <a:p>
-            <a:r>
-              <a:rPr lang="fr-CA" dirty="0" smtClean="0"/>
-              <a:t>Tests automatisés</a:t>
-            </a:r>
-            <a:endParaRPr lang="fr-CA" dirty="0" smtClean="0"/>
-          </a:p>
-          <a:p>
-            <a:endParaRPr lang="fr-CA" dirty="0" smtClean="0"/>
-          </a:p>
-          <a:p>
-            <a:endParaRPr lang="fr-CA" dirty="0"/>
+            <a:pPr marL="342900" indent="-342900">
+              <a:buFont typeface="Arial" panose="020B0604020202020204" pitchFamily="34" charset="0"/>
+              <a:buChar char="•"/>
+            </a:pPr>
+            <a:r>
+              <a:rPr lang="fr-FR" dirty="0" smtClean="0"/>
+              <a:t>Template-</a:t>
+            </a:r>
+            <a:r>
+              <a:rPr lang="fr-FR" dirty="0" err="1" smtClean="0"/>
+              <a:t>driven</a:t>
+            </a:r>
+            <a:r>
+              <a:rPr lang="fr-FR" dirty="0" smtClean="0"/>
+              <a:t> </a:t>
+            </a:r>
+            <a:r>
+              <a:rPr lang="fr-FR" dirty="0" err="1" smtClean="0"/>
+              <a:t>form</a:t>
+            </a:r>
+            <a:endParaRPr lang="fr-FR" dirty="0" smtClean="0"/>
+          </a:p>
+          <a:p>
+            <a:pPr marL="342900" indent="-342900">
+              <a:buFont typeface="Arial" panose="020B0604020202020204" pitchFamily="34" charset="0"/>
+              <a:buChar char="•"/>
+            </a:pPr>
+            <a:endParaRPr lang="fr-FR" dirty="0"/>
+          </a:p>
+          <a:p>
+            <a:pPr marL="342900" indent="-342900">
+              <a:buFont typeface="Arial" panose="020B0604020202020204" pitchFamily="34" charset="0"/>
+              <a:buChar char="•"/>
+            </a:pPr>
+            <a:endParaRPr lang="fr-FR" dirty="0" smtClean="0"/>
+          </a:p>
+          <a:p>
+            <a:pPr marL="342900" indent="-342900">
+              <a:buFont typeface="Arial" panose="020B0604020202020204" pitchFamily="34" charset="0"/>
+              <a:buChar char="•"/>
+            </a:pPr>
+            <a:endParaRPr lang="fr-FR" dirty="0"/>
+          </a:p>
+          <a:p>
+            <a:pPr marL="342900" indent="-342900">
+              <a:buFont typeface="Arial" panose="020B0604020202020204" pitchFamily="34" charset="0"/>
+              <a:buChar char="•"/>
+            </a:pPr>
+            <a:endParaRPr lang="fr-FR" dirty="0" smtClean="0"/>
+          </a:p>
+          <a:p>
+            <a:pPr marL="342900" indent="-342900">
+              <a:buFont typeface="Arial" panose="020B0604020202020204" pitchFamily="34" charset="0"/>
+              <a:buChar char="•"/>
+            </a:pPr>
+            <a:endParaRPr lang="fr-FR" dirty="0"/>
+          </a:p>
+          <a:p>
+            <a:pPr marL="342900" indent="-342900">
+              <a:buFont typeface="Arial" panose="020B0604020202020204" pitchFamily="34" charset="0"/>
+              <a:buChar char="•"/>
+            </a:pPr>
+            <a:r>
+              <a:rPr lang="fr-FR" dirty="0" err="1" smtClean="0"/>
+              <a:t>Reactive</a:t>
+            </a:r>
+            <a:r>
+              <a:rPr lang="fr-FR" dirty="0" smtClean="0"/>
+              <a:t> </a:t>
+            </a:r>
+            <a:r>
+              <a:rPr lang="fr-FR" dirty="0" err="1" smtClean="0"/>
+              <a:t>form</a:t>
+            </a:r>
+            <a:endParaRPr lang="fr-FR" dirty="0" smtClean="0"/>
+          </a:p>
+        </p:txBody>
+      </p:sp>
+      <p:sp>
+        <p:nvSpPr>
+          <p:cNvPr id="4" name="Espace réservé du numéro de diapositive 3"/>
+          <p:cNvSpPr>
+            <a:spLocks noGrp="1"/>
+          </p:cNvSpPr>
+          <p:nvPr>
+            <p:ph type="sldNum" sz="quarter" idx="12"/>
+          </p:nvPr>
+        </p:nvSpPr>
+        <p:spPr/>
+        <p:txBody>
+          <a:bodyPr/>
+          <a:lstStyle/>
+          <a:p>
+            <a:fld id="{525A3C56-E491-49B2-93F3-63532DF516BC}" type="slidenum">
+              <a:rPr lang="en-GB" smtClean="0"/>
+              <a:pPr/>
+              <a:t>11</a:t>
+            </a:fld>
+            <a:endParaRPr lang="en-GB" dirty="0"/>
+          </a:p>
+        </p:txBody>
+      </p:sp>
+      <p:sp>
+        <p:nvSpPr>
+          <p:cNvPr id="5" name="Espace réservé du contenu 1"/>
+          <p:cNvSpPr txBox="1">
+            <a:spLocks/>
+          </p:cNvSpPr>
+          <p:nvPr/>
+        </p:nvSpPr>
+        <p:spPr>
+          <a:xfrm>
+            <a:off x="626245" y="1660840"/>
+            <a:ext cx="8060555" cy="1571457"/>
+          </a:xfrm>
+          <a:prstGeom prst="rect">
+            <a:avLst/>
+          </a:prstGeom>
+          <a:solidFill>
+            <a:schemeClr val="tx1">
+              <a:lumMod val="75000"/>
+            </a:schemeClr>
+          </a:solidFill>
+        </p:spPr>
+        <p:txBody>
+          <a:bodyPr lIns="0" tIns="0" rIns="0" bIns="0">
+            <a:normAutofit/>
+          </a:bodyPr>
+          <a:lstStyle>
+            <a:lvl1pPr marL="0" indent="0" algn="l" defTabSz="914400" rtl="0" eaLnBrk="1" latinLnBrk="0" hangingPunct="1">
+              <a:spcBef>
+                <a:spcPts val="500"/>
+              </a:spcBef>
+              <a:buClr>
+                <a:schemeClr val="accent1"/>
+              </a:buClr>
+              <a:buSzPct val="110000"/>
+              <a:buFont typeface="Arial" pitchFamily="34" charset="0"/>
+              <a:buNone/>
+              <a:defRPr sz="2000" kern="1200">
+                <a:solidFill>
+                  <a:schemeClr val="tx1"/>
+                </a:solidFill>
+                <a:latin typeface="Arial" pitchFamily="34" charset="0"/>
+                <a:ea typeface="+mn-ea"/>
+                <a:cs typeface="+mn-cs"/>
+              </a:defRPr>
+            </a:lvl1pPr>
+            <a:lvl2pPr marL="263525" indent="-263525" algn="l" defTabSz="914400" rtl="0" eaLnBrk="1" latinLnBrk="0" hangingPunct="1">
+              <a:spcBef>
+                <a:spcPts val="500"/>
+              </a:spcBef>
+              <a:buClr>
+                <a:schemeClr val="accent1"/>
+              </a:buClr>
+              <a:buSzPct val="110000"/>
+              <a:buFont typeface="Arial" pitchFamily="34" charset="0"/>
+              <a:buChar char="•"/>
+              <a:defRPr sz="2000" kern="1200" baseline="0">
+                <a:solidFill>
+                  <a:schemeClr val="tx1"/>
+                </a:solidFill>
+                <a:latin typeface="Arial" pitchFamily="34" charset="0"/>
+                <a:ea typeface="+mn-ea"/>
+                <a:cs typeface="+mn-cs"/>
+              </a:defRPr>
+            </a:lvl2pPr>
+            <a:lvl3pPr marL="536575" indent="-273050" algn="l" defTabSz="914400" rtl="0" eaLnBrk="1" latinLnBrk="0" hangingPunct="1">
+              <a:spcBef>
+                <a:spcPts val="500"/>
+              </a:spcBef>
+              <a:buClr>
+                <a:schemeClr val="accent1"/>
+              </a:buClr>
+              <a:buSzPct val="110000"/>
+              <a:buFont typeface="Arial" pitchFamily="34" charset="0"/>
+              <a:buChar char="•"/>
+              <a:defRPr sz="1800" kern="1200" baseline="0">
+                <a:solidFill>
+                  <a:schemeClr val="tx1"/>
+                </a:solidFill>
+                <a:latin typeface="Arial" pitchFamily="34" charset="0"/>
+                <a:ea typeface="+mn-ea"/>
+                <a:cs typeface="+mn-cs"/>
+              </a:defRPr>
+            </a:lvl3pPr>
+            <a:lvl4pPr marL="811213" indent="-274638" algn="l" defTabSz="914400" rtl="0" eaLnBrk="1" latinLnBrk="0" hangingPunct="1">
+              <a:spcBef>
+                <a:spcPts val="500"/>
+              </a:spcBef>
+              <a:buClr>
+                <a:schemeClr val="accent1"/>
+              </a:buClr>
+              <a:buSzPct val="110000"/>
+              <a:buFont typeface="Arial" pitchFamily="34" charset="0"/>
+              <a:buChar char="•"/>
+              <a:defRPr sz="1600" kern="1200" baseline="0">
+                <a:solidFill>
+                  <a:schemeClr val="tx1"/>
+                </a:solidFill>
+                <a:latin typeface="Arial" pitchFamily="34" charset="0"/>
+                <a:ea typeface="+mn-ea"/>
+                <a:cs typeface="+mn-cs"/>
+              </a:defRPr>
+            </a:lvl4pPr>
+            <a:lvl5pPr marL="1074738" indent="-263525" algn="l" defTabSz="914400" rtl="0" eaLnBrk="1" latinLnBrk="0" hangingPunct="1">
+              <a:spcBef>
+                <a:spcPts val="500"/>
+              </a:spcBef>
+              <a:buClr>
+                <a:schemeClr val="accent1"/>
+              </a:buClr>
+              <a:buSzPct val="110000"/>
+              <a:buFont typeface="Arial" pitchFamily="34" charset="0"/>
+              <a:buChar char="•"/>
+              <a:defRPr sz="1400" kern="1200" baseline="0">
+                <a:solidFill>
+                  <a:schemeClr val="tx1"/>
+                </a:solidFill>
+                <a:latin typeface="Arial" pitchFamily="34" charset="0"/>
+                <a:ea typeface="+mn-ea"/>
+                <a:cs typeface="+mn-cs"/>
+              </a:defRPr>
+            </a:lvl5pPr>
+            <a:lvl6pPr marL="1136650" indent="-215900" algn="l" defTabSz="914400" rtl="0" eaLnBrk="1" latinLnBrk="0" hangingPunct="1">
+              <a:spcBef>
+                <a:spcPts val="500"/>
+              </a:spcBef>
+              <a:buClr>
+                <a:schemeClr val="accent1"/>
+              </a:buClr>
+              <a:buFont typeface="Verdana" pitchFamily="34" charset="0"/>
+              <a:buNone/>
+              <a:defRPr sz="1400" kern="1200" baseline="0">
+                <a:solidFill>
+                  <a:schemeClr val="tx1"/>
+                </a:solidFill>
+                <a:latin typeface="+mn-lt"/>
+                <a:ea typeface="+mn-ea"/>
+                <a:cs typeface="+mn-cs"/>
+              </a:defRPr>
+            </a:lvl6pPr>
+            <a:lvl7pPr marL="1343025" indent="-228600" algn="l" defTabSz="914400" rtl="0" eaLnBrk="1" latinLnBrk="0" hangingPunct="1">
+              <a:spcBef>
+                <a:spcPts val="500"/>
+              </a:spcBef>
+              <a:buClr>
+                <a:schemeClr val="tx1">
+                  <a:lumMod val="60000"/>
+                  <a:lumOff val="40000"/>
+                </a:schemeClr>
+              </a:buClr>
+              <a:buFont typeface="Verdana" pitchFamily="34" charset="0"/>
+              <a:buChar char="•"/>
+              <a:defRPr sz="1400" kern="1200" baseline="0">
+                <a:solidFill>
+                  <a:schemeClr val="tx1"/>
+                </a:solidFill>
+                <a:latin typeface="+mn-lt"/>
+                <a:ea typeface="+mn-ea"/>
+                <a:cs typeface="+mn-cs"/>
+              </a:defRPr>
+            </a:lvl7pPr>
+            <a:lvl8pPr marL="3429000" indent="-228600" algn="l" defTabSz="914400" rtl="0" eaLnBrk="1" latinLnBrk="0" hangingPunct="1">
+              <a:spcBef>
+                <a:spcPct val="20000"/>
+              </a:spcBef>
+              <a:buFont typeface="Arial" pitchFamily="34" charset="0"/>
+              <a:buChar char="•"/>
+              <a:defRPr sz="2000" kern="1200">
+                <a:solidFill>
+                  <a:schemeClr val="tx1"/>
+                </a:solidFill>
+                <a:latin typeface="+mn-lt"/>
+                <a:ea typeface="+mn-ea"/>
+                <a:cs typeface="+mn-cs"/>
+              </a:defRPr>
+            </a:lvl8pPr>
+            <a:lvl9pPr marL="3886200" indent="-228600" algn="l" defTabSz="914400" rtl="0" eaLnBrk="1" latinLnBrk="0" hangingPunct="1">
+              <a:spcBef>
+                <a:spcPct val="20000"/>
+              </a:spcBef>
+              <a:buFont typeface="Arial" pitchFamily="34" charset="0"/>
+              <a:buChar char="•"/>
+              <a:defRPr sz="2000" kern="1200">
+                <a:solidFill>
+                  <a:schemeClr val="tx1"/>
+                </a:solidFill>
+                <a:latin typeface="+mn-lt"/>
+                <a:ea typeface="+mn-ea"/>
+                <a:cs typeface="+mn-cs"/>
+              </a:defRPr>
+            </a:lvl9pPr>
+          </a:lstStyle>
+          <a:p>
+            <a:r>
+              <a:rPr lang="fr-FR" sz="1600" dirty="0" smtClean="0">
+                <a:solidFill>
+                  <a:srgbClr val="92D050"/>
+                </a:solidFill>
+                <a:latin typeface="Consolas" pitchFamily="49" charset="0"/>
+              </a:rPr>
+              <a:t>@Component</a:t>
+            </a:r>
+            <a:r>
+              <a:rPr lang="fr-FR" sz="1600" dirty="0" smtClean="0">
+                <a:solidFill>
+                  <a:schemeClr val="bg1"/>
+                </a:solidFill>
+                <a:latin typeface="Consolas" pitchFamily="49" charset="0"/>
+              </a:rPr>
+              <a:t>({})</a:t>
+            </a:r>
+            <a:br>
+              <a:rPr lang="fr-FR" sz="1600" dirty="0" smtClean="0">
+                <a:solidFill>
+                  <a:schemeClr val="bg1"/>
+                </a:solidFill>
+                <a:latin typeface="Consolas" pitchFamily="49" charset="0"/>
+              </a:rPr>
+            </a:br>
+            <a:r>
+              <a:rPr lang="fr-FR" sz="1600" dirty="0" smtClean="0">
+                <a:solidFill>
+                  <a:srgbClr val="7030A0"/>
+                </a:solidFill>
+                <a:latin typeface="Consolas" pitchFamily="49" charset="0"/>
+              </a:rPr>
+              <a:t>export</a:t>
+            </a:r>
+            <a:r>
+              <a:rPr lang="fr-FR" sz="1600" dirty="0" smtClean="0">
+                <a:solidFill>
+                  <a:schemeClr val="bg1"/>
+                </a:solidFill>
+                <a:latin typeface="Consolas" pitchFamily="49" charset="0"/>
+              </a:rPr>
+              <a:t> </a:t>
+            </a:r>
+            <a:r>
+              <a:rPr lang="fr-FR" sz="1600" dirty="0" smtClean="0">
+                <a:solidFill>
+                  <a:srgbClr val="0070C0"/>
+                </a:solidFill>
+                <a:latin typeface="Consolas" pitchFamily="49" charset="0"/>
+              </a:rPr>
+              <a:t>class</a:t>
+            </a:r>
+            <a:r>
+              <a:rPr lang="fr-FR" sz="1600" dirty="0" smtClean="0">
+                <a:solidFill>
+                  <a:schemeClr val="bg1"/>
+                </a:solidFill>
+                <a:latin typeface="Consolas" pitchFamily="49" charset="0"/>
+              </a:rPr>
+              <a:t> </a:t>
+            </a:r>
+            <a:r>
+              <a:rPr lang="fr-FR" sz="1600" dirty="0" err="1" smtClean="0">
+                <a:solidFill>
+                  <a:srgbClr val="00B0F0"/>
+                </a:solidFill>
+                <a:latin typeface="Consolas" pitchFamily="49" charset="0"/>
+              </a:rPr>
+              <a:t>UserComponent</a:t>
+            </a:r>
+            <a:r>
+              <a:rPr lang="fr-FR" sz="1600" dirty="0" smtClean="0">
+                <a:solidFill>
+                  <a:schemeClr val="bg1"/>
+                </a:solidFill>
+                <a:latin typeface="Consolas" pitchFamily="49" charset="0"/>
+              </a:rPr>
+              <a:t> {</a:t>
+            </a:r>
+          </a:p>
+          <a:p>
+            <a:r>
+              <a:rPr lang="fr-FR" sz="1600" dirty="0" smtClean="0">
+                <a:solidFill>
+                  <a:schemeClr val="bg1"/>
+                </a:solidFill>
+                <a:latin typeface="Consolas" pitchFamily="49" charset="0"/>
+              </a:rPr>
+              <a:t>  </a:t>
+            </a:r>
+            <a:r>
+              <a:rPr lang="fr-FR" sz="1600" dirty="0" smtClean="0">
+                <a:solidFill>
+                  <a:srgbClr val="0070C0"/>
+                </a:solidFill>
+                <a:latin typeface="Consolas" pitchFamily="49" charset="0"/>
+              </a:rPr>
+              <a:t>public</a:t>
+            </a:r>
+            <a:r>
+              <a:rPr lang="fr-FR" sz="1600" dirty="0" smtClean="0">
+                <a:solidFill>
+                  <a:schemeClr val="bg1"/>
+                </a:solidFill>
+                <a:latin typeface="Consolas" pitchFamily="49" charset="0"/>
+              </a:rPr>
+              <a:t> </a:t>
+            </a:r>
+            <a:r>
+              <a:rPr lang="fr-FR" sz="1600" dirty="0" err="1" smtClean="0">
+                <a:solidFill>
+                  <a:srgbClr val="00B0F0"/>
+                </a:solidFill>
+                <a:latin typeface="Consolas" pitchFamily="49" charset="0"/>
+              </a:rPr>
+              <a:t>firstname</a:t>
+            </a:r>
+            <a:r>
+              <a:rPr lang="fr-FR" sz="1600" dirty="0" smtClean="0">
+                <a:solidFill>
+                  <a:schemeClr val="bg1"/>
+                </a:solidFill>
+                <a:latin typeface="Consolas" pitchFamily="49" charset="0"/>
+              </a:rPr>
+              <a:t>: </a:t>
+            </a:r>
+            <a:r>
+              <a:rPr lang="fr-FR" sz="1600" dirty="0" smtClean="0">
+                <a:solidFill>
+                  <a:srgbClr val="92D050"/>
+                </a:solidFill>
+                <a:latin typeface="Consolas" pitchFamily="49" charset="0"/>
+              </a:rPr>
+              <a:t>string</a:t>
+            </a:r>
+            <a:r>
+              <a:rPr lang="fr-FR" sz="1600" dirty="0" smtClean="0">
+                <a:solidFill>
+                  <a:schemeClr val="bg1"/>
+                </a:solidFill>
+                <a:latin typeface="Consolas" pitchFamily="49" charset="0"/>
+              </a:rPr>
+              <a:t>;</a:t>
+            </a:r>
+          </a:p>
+          <a:p>
+            <a:r>
+              <a:rPr lang="fr-FR" sz="1600" dirty="0" smtClean="0">
+                <a:solidFill>
+                  <a:schemeClr val="bg1"/>
+                </a:solidFill>
+                <a:latin typeface="Consolas" pitchFamily="49" charset="0"/>
+              </a:rPr>
+              <a:t>  </a:t>
+            </a:r>
+            <a:r>
+              <a:rPr lang="fr-FR" sz="1600" dirty="0" smtClean="0">
+                <a:solidFill>
+                  <a:srgbClr val="0070C0"/>
+                </a:solidFill>
+                <a:latin typeface="Consolas" pitchFamily="49" charset="0"/>
+              </a:rPr>
+              <a:t>public</a:t>
+            </a:r>
+            <a:r>
+              <a:rPr lang="fr-FR" sz="1600" dirty="0" smtClean="0">
+                <a:solidFill>
+                  <a:schemeClr val="bg1"/>
+                </a:solidFill>
+                <a:latin typeface="Consolas" pitchFamily="49" charset="0"/>
+              </a:rPr>
+              <a:t> </a:t>
+            </a:r>
+            <a:r>
+              <a:rPr lang="fr-FR" sz="1600" dirty="0" err="1" smtClean="0">
+                <a:solidFill>
+                  <a:srgbClr val="D8F141"/>
+                </a:solidFill>
+                <a:latin typeface="Consolas" pitchFamily="49" charset="0"/>
+              </a:rPr>
+              <a:t>validForm</a:t>
+            </a:r>
+            <a:r>
+              <a:rPr lang="fr-FR" sz="1600" dirty="0" smtClean="0">
+                <a:solidFill>
+                  <a:schemeClr val="bg1"/>
+                </a:solidFill>
+                <a:latin typeface="Consolas" pitchFamily="49" charset="0"/>
+              </a:rPr>
+              <a:t>() { ... }</a:t>
+            </a:r>
+            <a:endParaRPr lang="fr-FR" sz="1600" dirty="0">
+              <a:solidFill>
+                <a:schemeClr val="bg1"/>
+              </a:solidFill>
+              <a:latin typeface="Consolas" pitchFamily="49" charset="0"/>
+            </a:endParaRPr>
+          </a:p>
+          <a:p>
+            <a:r>
+              <a:rPr lang="fr-FR" sz="1600" dirty="0">
+                <a:solidFill>
+                  <a:schemeClr val="bg1"/>
+                </a:solidFill>
+                <a:latin typeface="Consolas" pitchFamily="49" charset="0"/>
+              </a:rPr>
+              <a:t>}</a:t>
+            </a:r>
+            <a:endParaRPr lang="fr-FR" sz="1600" dirty="0">
+              <a:solidFill>
+                <a:schemeClr val="bg1"/>
+              </a:solidFill>
+              <a:latin typeface="Consolas" pitchFamily="49" charset="0"/>
+            </a:endParaRPr>
+          </a:p>
+        </p:txBody>
+      </p:sp>
+      <p:sp>
+        <p:nvSpPr>
+          <p:cNvPr id="8" name="Espace réservé du contenu 1"/>
+          <p:cNvSpPr txBox="1">
+            <a:spLocks/>
+          </p:cNvSpPr>
+          <p:nvPr/>
+        </p:nvSpPr>
+        <p:spPr>
+          <a:xfrm>
+            <a:off x="638945" y="3961720"/>
+            <a:ext cx="8060555" cy="2030866"/>
+          </a:xfrm>
+          <a:prstGeom prst="rect">
+            <a:avLst/>
+          </a:prstGeom>
+          <a:solidFill>
+            <a:schemeClr val="tx1">
+              <a:lumMod val="75000"/>
+            </a:schemeClr>
+          </a:solidFill>
+        </p:spPr>
+        <p:txBody>
+          <a:bodyPr lIns="0" tIns="0" rIns="0" bIns="0">
+            <a:normAutofit/>
+          </a:bodyPr>
+          <a:lstStyle>
+            <a:lvl1pPr marL="0" indent="0" algn="l" defTabSz="914400" rtl="0" eaLnBrk="1" latinLnBrk="0" hangingPunct="1">
+              <a:spcBef>
+                <a:spcPts val="500"/>
+              </a:spcBef>
+              <a:buClr>
+                <a:schemeClr val="accent1"/>
+              </a:buClr>
+              <a:buSzPct val="110000"/>
+              <a:buFont typeface="Arial" pitchFamily="34" charset="0"/>
+              <a:buNone/>
+              <a:defRPr sz="2000" kern="1200">
+                <a:solidFill>
+                  <a:schemeClr val="tx1"/>
+                </a:solidFill>
+                <a:latin typeface="Arial" pitchFamily="34" charset="0"/>
+                <a:ea typeface="+mn-ea"/>
+                <a:cs typeface="+mn-cs"/>
+              </a:defRPr>
+            </a:lvl1pPr>
+            <a:lvl2pPr marL="263525" indent="-263525" algn="l" defTabSz="914400" rtl="0" eaLnBrk="1" latinLnBrk="0" hangingPunct="1">
+              <a:spcBef>
+                <a:spcPts val="500"/>
+              </a:spcBef>
+              <a:buClr>
+                <a:schemeClr val="accent1"/>
+              </a:buClr>
+              <a:buSzPct val="110000"/>
+              <a:buFont typeface="Arial" pitchFamily="34" charset="0"/>
+              <a:buChar char="•"/>
+              <a:defRPr sz="2000" kern="1200" baseline="0">
+                <a:solidFill>
+                  <a:schemeClr val="tx1"/>
+                </a:solidFill>
+                <a:latin typeface="Arial" pitchFamily="34" charset="0"/>
+                <a:ea typeface="+mn-ea"/>
+                <a:cs typeface="+mn-cs"/>
+              </a:defRPr>
+            </a:lvl2pPr>
+            <a:lvl3pPr marL="536575" indent="-273050" algn="l" defTabSz="914400" rtl="0" eaLnBrk="1" latinLnBrk="0" hangingPunct="1">
+              <a:spcBef>
+                <a:spcPts val="500"/>
+              </a:spcBef>
+              <a:buClr>
+                <a:schemeClr val="accent1"/>
+              </a:buClr>
+              <a:buSzPct val="110000"/>
+              <a:buFont typeface="Arial" pitchFamily="34" charset="0"/>
+              <a:buChar char="•"/>
+              <a:defRPr sz="1800" kern="1200" baseline="0">
+                <a:solidFill>
+                  <a:schemeClr val="tx1"/>
+                </a:solidFill>
+                <a:latin typeface="Arial" pitchFamily="34" charset="0"/>
+                <a:ea typeface="+mn-ea"/>
+                <a:cs typeface="+mn-cs"/>
+              </a:defRPr>
+            </a:lvl3pPr>
+            <a:lvl4pPr marL="811213" indent="-274638" algn="l" defTabSz="914400" rtl="0" eaLnBrk="1" latinLnBrk="0" hangingPunct="1">
+              <a:spcBef>
+                <a:spcPts val="500"/>
+              </a:spcBef>
+              <a:buClr>
+                <a:schemeClr val="accent1"/>
+              </a:buClr>
+              <a:buSzPct val="110000"/>
+              <a:buFont typeface="Arial" pitchFamily="34" charset="0"/>
+              <a:buChar char="•"/>
+              <a:defRPr sz="1600" kern="1200" baseline="0">
+                <a:solidFill>
+                  <a:schemeClr val="tx1"/>
+                </a:solidFill>
+                <a:latin typeface="Arial" pitchFamily="34" charset="0"/>
+                <a:ea typeface="+mn-ea"/>
+                <a:cs typeface="+mn-cs"/>
+              </a:defRPr>
+            </a:lvl4pPr>
+            <a:lvl5pPr marL="1074738" indent="-263525" algn="l" defTabSz="914400" rtl="0" eaLnBrk="1" latinLnBrk="0" hangingPunct="1">
+              <a:spcBef>
+                <a:spcPts val="500"/>
+              </a:spcBef>
+              <a:buClr>
+                <a:schemeClr val="accent1"/>
+              </a:buClr>
+              <a:buSzPct val="110000"/>
+              <a:buFont typeface="Arial" pitchFamily="34" charset="0"/>
+              <a:buChar char="•"/>
+              <a:defRPr sz="1400" kern="1200" baseline="0">
+                <a:solidFill>
+                  <a:schemeClr val="tx1"/>
+                </a:solidFill>
+                <a:latin typeface="Arial" pitchFamily="34" charset="0"/>
+                <a:ea typeface="+mn-ea"/>
+                <a:cs typeface="+mn-cs"/>
+              </a:defRPr>
+            </a:lvl5pPr>
+            <a:lvl6pPr marL="1136650" indent="-215900" algn="l" defTabSz="914400" rtl="0" eaLnBrk="1" latinLnBrk="0" hangingPunct="1">
+              <a:spcBef>
+                <a:spcPts val="500"/>
+              </a:spcBef>
+              <a:buClr>
+                <a:schemeClr val="accent1"/>
+              </a:buClr>
+              <a:buFont typeface="Verdana" pitchFamily="34" charset="0"/>
+              <a:buNone/>
+              <a:defRPr sz="1400" kern="1200" baseline="0">
+                <a:solidFill>
+                  <a:schemeClr val="tx1"/>
+                </a:solidFill>
+                <a:latin typeface="+mn-lt"/>
+                <a:ea typeface="+mn-ea"/>
+                <a:cs typeface="+mn-cs"/>
+              </a:defRPr>
+            </a:lvl6pPr>
+            <a:lvl7pPr marL="1343025" indent="-228600" algn="l" defTabSz="914400" rtl="0" eaLnBrk="1" latinLnBrk="0" hangingPunct="1">
+              <a:spcBef>
+                <a:spcPts val="500"/>
+              </a:spcBef>
+              <a:buClr>
+                <a:schemeClr val="tx1">
+                  <a:lumMod val="60000"/>
+                  <a:lumOff val="40000"/>
+                </a:schemeClr>
+              </a:buClr>
+              <a:buFont typeface="Verdana" pitchFamily="34" charset="0"/>
+              <a:buChar char="•"/>
+              <a:defRPr sz="1400" kern="1200" baseline="0">
+                <a:solidFill>
+                  <a:schemeClr val="tx1"/>
+                </a:solidFill>
+                <a:latin typeface="+mn-lt"/>
+                <a:ea typeface="+mn-ea"/>
+                <a:cs typeface="+mn-cs"/>
+              </a:defRPr>
+            </a:lvl7pPr>
+            <a:lvl8pPr marL="3429000" indent="-228600" algn="l" defTabSz="914400" rtl="0" eaLnBrk="1" latinLnBrk="0" hangingPunct="1">
+              <a:spcBef>
+                <a:spcPct val="20000"/>
+              </a:spcBef>
+              <a:buFont typeface="Arial" pitchFamily="34" charset="0"/>
+              <a:buChar char="•"/>
+              <a:defRPr sz="2000" kern="1200">
+                <a:solidFill>
+                  <a:schemeClr val="tx1"/>
+                </a:solidFill>
+                <a:latin typeface="+mn-lt"/>
+                <a:ea typeface="+mn-ea"/>
+                <a:cs typeface="+mn-cs"/>
+              </a:defRPr>
+            </a:lvl8pPr>
+            <a:lvl9pPr marL="3886200" indent="-228600" algn="l" defTabSz="914400" rtl="0" eaLnBrk="1" latinLnBrk="0" hangingPunct="1">
+              <a:spcBef>
+                <a:spcPct val="20000"/>
+              </a:spcBef>
+              <a:buFont typeface="Arial" pitchFamily="34" charset="0"/>
+              <a:buChar char="•"/>
+              <a:defRPr sz="2000" kern="1200">
+                <a:solidFill>
+                  <a:schemeClr val="tx1"/>
+                </a:solidFill>
+                <a:latin typeface="+mn-lt"/>
+                <a:ea typeface="+mn-ea"/>
+                <a:cs typeface="+mn-cs"/>
+              </a:defRPr>
+            </a:lvl9pPr>
+          </a:lstStyle>
+          <a:p>
+            <a:r>
+              <a:rPr lang="fr-FR" sz="1600" dirty="0">
+                <a:solidFill>
+                  <a:srgbClr val="92D050"/>
+                </a:solidFill>
+                <a:latin typeface="Consolas" pitchFamily="49" charset="0"/>
+              </a:rPr>
+              <a:t>@Component</a:t>
+            </a:r>
+            <a:r>
+              <a:rPr lang="fr-FR" sz="1600" dirty="0">
+                <a:solidFill>
+                  <a:schemeClr val="bg1"/>
+                </a:solidFill>
+                <a:latin typeface="Consolas" pitchFamily="49" charset="0"/>
+              </a:rPr>
+              <a:t>({})</a:t>
+            </a:r>
+            <a:br>
+              <a:rPr lang="fr-FR" sz="1600" dirty="0">
+                <a:solidFill>
+                  <a:schemeClr val="bg1"/>
+                </a:solidFill>
+                <a:latin typeface="Consolas" pitchFamily="49" charset="0"/>
+              </a:rPr>
+            </a:br>
+            <a:r>
+              <a:rPr lang="fr-FR" sz="1600" dirty="0">
+                <a:solidFill>
+                  <a:srgbClr val="7030A0"/>
+                </a:solidFill>
+                <a:latin typeface="Consolas" pitchFamily="49" charset="0"/>
+              </a:rPr>
+              <a:t>export</a:t>
+            </a:r>
+            <a:r>
+              <a:rPr lang="fr-FR" sz="1600" dirty="0">
+                <a:solidFill>
+                  <a:schemeClr val="bg1"/>
+                </a:solidFill>
+                <a:latin typeface="Consolas" pitchFamily="49" charset="0"/>
+              </a:rPr>
+              <a:t> </a:t>
+            </a:r>
+            <a:r>
+              <a:rPr lang="fr-FR" sz="1600" dirty="0">
+                <a:solidFill>
+                  <a:srgbClr val="0070C0"/>
+                </a:solidFill>
+                <a:latin typeface="Consolas" pitchFamily="49" charset="0"/>
+              </a:rPr>
+              <a:t>class</a:t>
+            </a:r>
+            <a:r>
+              <a:rPr lang="fr-FR" sz="1600" dirty="0">
+                <a:solidFill>
+                  <a:schemeClr val="bg1"/>
+                </a:solidFill>
+                <a:latin typeface="Consolas" pitchFamily="49" charset="0"/>
+              </a:rPr>
+              <a:t> </a:t>
+            </a:r>
+            <a:r>
+              <a:rPr lang="fr-FR" sz="1600" dirty="0" err="1">
+                <a:solidFill>
+                  <a:srgbClr val="00B0F0"/>
+                </a:solidFill>
+                <a:latin typeface="Consolas" pitchFamily="49" charset="0"/>
+              </a:rPr>
+              <a:t>UserComponent</a:t>
+            </a:r>
+            <a:r>
+              <a:rPr lang="fr-FR" sz="1600" dirty="0">
+                <a:solidFill>
+                  <a:schemeClr val="bg1"/>
+                </a:solidFill>
+                <a:latin typeface="Consolas" pitchFamily="49" charset="0"/>
+              </a:rPr>
+              <a:t> {</a:t>
+            </a:r>
+          </a:p>
+          <a:p>
+            <a:r>
+              <a:rPr lang="fr-FR" sz="1600" dirty="0">
+                <a:solidFill>
+                  <a:schemeClr val="bg1"/>
+                </a:solidFill>
+                <a:latin typeface="Consolas" pitchFamily="49" charset="0"/>
+              </a:rPr>
+              <a:t>  </a:t>
+            </a:r>
+            <a:r>
+              <a:rPr lang="fr-FR" sz="1600" dirty="0">
+                <a:solidFill>
+                  <a:srgbClr val="0070C0"/>
+                </a:solidFill>
+                <a:latin typeface="Consolas" pitchFamily="49" charset="0"/>
+              </a:rPr>
+              <a:t>public</a:t>
+            </a:r>
+            <a:r>
+              <a:rPr lang="fr-FR" sz="1600" dirty="0">
+                <a:solidFill>
+                  <a:schemeClr val="bg1"/>
+                </a:solidFill>
+                <a:latin typeface="Consolas" pitchFamily="49" charset="0"/>
+              </a:rPr>
+              <a:t> </a:t>
+            </a:r>
+            <a:r>
+              <a:rPr lang="fr-FR" sz="1600" dirty="0" err="1" smtClean="0">
+                <a:solidFill>
+                  <a:srgbClr val="00B0F0"/>
+                </a:solidFill>
+                <a:latin typeface="Consolas" pitchFamily="49" charset="0"/>
+              </a:rPr>
+              <a:t>userForm</a:t>
+            </a:r>
+            <a:r>
+              <a:rPr lang="fr-FR" sz="1600" dirty="0">
+                <a:solidFill>
+                  <a:schemeClr val="bg1"/>
+                </a:solidFill>
+                <a:latin typeface="Consolas" pitchFamily="49" charset="0"/>
+              </a:rPr>
+              <a:t> </a:t>
+            </a:r>
+            <a:r>
+              <a:rPr lang="fr-FR" sz="1600" dirty="0" smtClean="0">
+                <a:solidFill>
+                  <a:schemeClr val="bg1"/>
+                </a:solidFill>
+                <a:latin typeface="Consolas" pitchFamily="49" charset="0"/>
+              </a:rPr>
+              <a:t>= </a:t>
+            </a:r>
+            <a:r>
+              <a:rPr lang="fr-FR" sz="1600" dirty="0" smtClean="0">
+                <a:solidFill>
+                  <a:srgbClr val="0070C0"/>
+                </a:solidFill>
+                <a:latin typeface="Consolas" pitchFamily="49" charset="0"/>
+              </a:rPr>
+              <a:t>new</a:t>
+            </a:r>
+            <a:r>
+              <a:rPr lang="fr-FR" sz="1600" dirty="0" smtClean="0">
+                <a:solidFill>
+                  <a:schemeClr val="bg1"/>
+                </a:solidFill>
+                <a:latin typeface="Consolas" pitchFamily="49" charset="0"/>
+              </a:rPr>
+              <a:t> </a:t>
+            </a:r>
+            <a:r>
+              <a:rPr lang="fr-FR" sz="1600" dirty="0" err="1" smtClean="0">
+                <a:solidFill>
+                  <a:srgbClr val="00B0F0"/>
+                </a:solidFill>
+                <a:latin typeface="Consolas" pitchFamily="49" charset="0"/>
+              </a:rPr>
+              <a:t>FormGroup</a:t>
+            </a:r>
+            <a:r>
+              <a:rPr lang="fr-FR" sz="1600" dirty="0" smtClean="0">
+                <a:solidFill>
+                  <a:schemeClr val="bg1"/>
+                </a:solidFill>
+                <a:latin typeface="Consolas" pitchFamily="49" charset="0"/>
+              </a:rPr>
+              <a:t>({</a:t>
+            </a:r>
+          </a:p>
+          <a:p>
+            <a:r>
+              <a:rPr lang="fr-FR" sz="1600" dirty="0">
+                <a:solidFill>
+                  <a:schemeClr val="bg1"/>
+                </a:solidFill>
+                <a:latin typeface="Consolas" pitchFamily="49" charset="0"/>
+              </a:rPr>
+              <a:t> </a:t>
+            </a:r>
+            <a:r>
+              <a:rPr lang="fr-FR" sz="1600" dirty="0" smtClean="0">
+                <a:solidFill>
+                  <a:schemeClr val="bg1"/>
+                </a:solidFill>
+                <a:latin typeface="Consolas" pitchFamily="49" charset="0"/>
+              </a:rPr>
+              <a:t>   </a:t>
+            </a:r>
+            <a:r>
+              <a:rPr lang="fr-FR" sz="1600" dirty="0" err="1" smtClean="0">
+                <a:solidFill>
+                  <a:srgbClr val="00B0F0"/>
+                </a:solidFill>
+                <a:latin typeface="Consolas" pitchFamily="49" charset="0"/>
+              </a:rPr>
+              <a:t>firstname</a:t>
+            </a:r>
+            <a:r>
+              <a:rPr lang="fr-FR" sz="1600" dirty="0" smtClean="0">
+                <a:solidFill>
+                  <a:schemeClr val="bg1"/>
+                </a:solidFill>
+                <a:latin typeface="Consolas" pitchFamily="49" charset="0"/>
+              </a:rPr>
+              <a:t>: </a:t>
+            </a:r>
+            <a:r>
+              <a:rPr lang="fr-FR" sz="1600" dirty="0" smtClean="0">
+                <a:solidFill>
+                  <a:srgbClr val="0070C0"/>
+                </a:solidFill>
+                <a:latin typeface="Consolas" pitchFamily="49" charset="0"/>
+              </a:rPr>
+              <a:t>new</a:t>
+            </a:r>
+            <a:r>
+              <a:rPr lang="fr-FR" sz="1600" dirty="0" smtClean="0">
+                <a:solidFill>
+                  <a:schemeClr val="bg1"/>
+                </a:solidFill>
+                <a:latin typeface="Consolas" pitchFamily="49" charset="0"/>
+              </a:rPr>
+              <a:t> </a:t>
+            </a:r>
+            <a:r>
+              <a:rPr lang="fr-FR" sz="1600" dirty="0" err="1" smtClean="0">
+                <a:solidFill>
+                  <a:srgbClr val="00B0F0"/>
+                </a:solidFill>
+                <a:latin typeface="Consolas" pitchFamily="49" charset="0"/>
+              </a:rPr>
+              <a:t>FormControl</a:t>
+            </a:r>
+            <a:r>
+              <a:rPr lang="fr-FR" sz="1600" dirty="0" smtClean="0">
+                <a:solidFill>
+                  <a:schemeClr val="bg1"/>
+                </a:solidFill>
+                <a:latin typeface="Consolas" pitchFamily="49" charset="0"/>
+              </a:rPr>
+              <a:t>(</a:t>
+            </a:r>
+            <a:r>
+              <a:rPr lang="fr-FR" sz="1600" dirty="0" smtClean="0">
+                <a:solidFill>
+                  <a:schemeClr val="accent5"/>
+                </a:solidFill>
+                <a:latin typeface="Consolas" pitchFamily="49" charset="0"/>
+              </a:rPr>
+              <a:t>''</a:t>
+            </a:r>
+            <a:r>
+              <a:rPr lang="fr-FR" sz="1600" dirty="0" smtClean="0">
+                <a:solidFill>
+                  <a:schemeClr val="bg1"/>
+                </a:solidFill>
+                <a:latin typeface="Consolas" pitchFamily="49" charset="0"/>
+              </a:rPr>
+              <a:t>, </a:t>
+            </a:r>
+            <a:r>
+              <a:rPr lang="fr-FR" sz="1600" dirty="0" err="1" smtClean="0">
+                <a:solidFill>
+                  <a:srgbClr val="00B0F0"/>
+                </a:solidFill>
+                <a:latin typeface="Consolas" pitchFamily="49" charset="0"/>
+              </a:rPr>
+              <a:t>Validators</a:t>
+            </a:r>
+            <a:r>
+              <a:rPr lang="fr-FR" sz="1600" dirty="0" err="1" smtClean="0">
+                <a:solidFill>
+                  <a:schemeClr val="bg1"/>
+                </a:solidFill>
+                <a:latin typeface="Consolas" pitchFamily="49" charset="0"/>
+              </a:rPr>
+              <a:t>.</a:t>
+            </a:r>
+            <a:r>
+              <a:rPr lang="fr-FR" sz="1600" dirty="0" err="1" smtClean="0">
+                <a:solidFill>
+                  <a:srgbClr val="00B0F0"/>
+                </a:solidFill>
+                <a:latin typeface="Consolas" pitchFamily="49" charset="0"/>
+              </a:rPr>
+              <a:t>required</a:t>
+            </a:r>
+            <a:r>
+              <a:rPr lang="fr-FR" sz="1600" dirty="0" smtClean="0">
+                <a:solidFill>
+                  <a:schemeClr val="bg1"/>
+                </a:solidFill>
+                <a:latin typeface="Consolas" pitchFamily="49" charset="0"/>
+              </a:rPr>
+              <a:t>)</a:t>
+            </a:r>
+          </a:p>
+          <a:p>
+            <a:r>
+              <a:rPr lang="fr-FR" sz="1600" dirty="0">
+                <a:solidFill>
+                  <a:schemeClr val="bg1"/>
+                </a:solidFill>
+                <a:latin typeface="Consolas" pitchFamily="49" charset="0"/>
+              </a:rPr>
+              <a:t> </a:t>
+            </a:r>
+            <a:r>
+              <a:rPr lang="fr-FR" sz="1600" dirty="0" smtClean="0">
+                <a:solidFill>
+                  <a:schemeClr val="bg1"/>
+                </a:solidFill>
+                <a:latin typeface="Consolas" pitchFamily="49" charset="0"/>
+              </a:rPr>
+              <a:t> });</a:t>
+            </a:r>
+            <a:endParaRPr lang="fr-FR" sz="1600" dirty="0">
+              <a:solidFill>
+                <a:schemeClr val="bg1"/>
+              </a:solidFill>
+              <a:latin typeface="Consolas" pitchFamily="49" charset="0"/>
+            </a:endParaRPr>
+          </a:p>
+          <a:p>
+            <a:r>
+              <a:rPr lang="fr-FR" sz="1600" dirty="0">
+                <a:solidFill>
+                  <a:schemeClr val="bg1"/>
+                </a:solidFill>
+                <a:latin typeface="Consolas" pitchFamily="49" charset="0"/>
+              </a:rPr>
+              <a:t>  </a:t>
+            </a:r>
+            <a:r>
+              <a:rPr lang="fr-FR" sz="1600" dirty="0">
+                <a:solidFill>
+                  <a:srgbClr val="0070C0"/>
+                </a:solidFill>
+                <a:latin typeface="Consolas" pitchFamily="49" charset="0"/>
+              </a:rPr>
+              <a:t>public</a:t>
+            </a:r>
+            <a:r>
+              <a:rPr lang="fr-FR" sz="1600" dirty="0">
+                <a:solidFill>
+                  <a:schemeClr val="bg1"/>
+                </a:solidFill>
+                <a:latin typeface="Consolas" pitchFamily="49" charset="0"/>
+              </a:rPr>
+              <a:t> </a:t>
+            </a:r>
+            <a:r>
+              <a:rPr lang="fr-FR" sz="1600" dirty="0" err="1">
+                <a:solidFill>
+                  <a:srgbClr val="D8F141"/>
+                </a:solidFill>
+                <a:latin typeface="Consolas" pitchFamily="49" charset="0"/>
+              </a:rPr>
+              <a:t>validForm</a:t>
+            </a:r>
+            <a:r>
+              <a:rPr lang="fr-FR" sz="1600" dirty="0">
+                <a:solidFill>
+                  <a:schemeClr val="bg1"/>
+                </a:solidFill>
+                <a:latin typeface="Consolas" pitchFamily="49" charset="0"/>
+              </a:rPr>
+              <a:t>() { ... }</a:t>
+            </a:r>
+          </a:p>
+          <a:p>
+            <a:r>
+              <a:rPr lang="fr-FR" sz="1600" dirty="0">
+                <a:solidFill>
+                  <a:schemeClr val="bg1"/>
+                </a:solidFill>
+                <a:latin typeface="Consolas" pitchFamily="49" charset="0"/>
+              </a:rPr>
+              <a:t>}</a:t>
+            </a:r>
+            <a:endParaRPr lang="fr-FR" sz="1600" dirty="0">
+              <a:solidFill>
+                <a:schemeClr val="bg1"/>
+              </a:solidFill>
+              <a:latin typeface="Consolas" pitchFamily="49" charset="0"/>
+            </a:endParaRPr>
           </a:p>
         </p:txBody>
       </p:sp>
     </p:spTree>
     <p:extLst>
       <p:ext uri="{BB962C8B-B14F-4D97-AF65-F5344CB8AC3E}">
-        <p14:creationId xmlns:p14="http://schemas.microsoft.com/office/powerpoint/2010/main" val="2831434337"/>
+        <p14:creationId xmlns:p14="http://schemas.microsoft.com/office/powerpoint/2010/main" val="2704987622"/>
       </p:ext>
     </p:extLst>
   </p:cSld>
   <p:clrMapOvr>
     <a:masterClrMapping/>
   </p:clrMapOvr>
-  <p:timing>
-    <p:tnLst>
-      <p:par>
-        <p:cTn id="1" dur="indefinite" restart="never" nodeType="tmRoot"/>
-      </p:par>
-    </p:tnLst>
-  </p:timing>
 </p:sld>
 </file>
 
@@ -10348,7 +13640,11 @@
           <a:bodyPr/>
           <a:lstStyle/>
           <a:p>
-            <a:endParaRPr lang="fr-FR"/>
+            <a:r>
+              <a:rPr lang="fr-FR" dirty="0" smtClean="0"/>
+              <a:t>Formulaires</a:t>
+            </a:r>
+            <a:endParaRPr lang="fr-FR" dirty="0"/>
           </a:p>
         </p:txBody>
       </p:sp>
@@ -10364,10 +13660,180 @@
         </p:nvSpPr>
         <p:spPr/>
         <p:txBody>
-          <a:bodyPr/>
+          <a:bodyPr>
+            <a:normAutofit/>
+          </a:bodyPr>
           <a:lstStyle/>
           <a:p>
-            <a:endParaRPr lang="fr-FR"/>
+            <a:pPr marL="342900" indent="-342900">
+              <a:buFont typeface="Arial" panose="020B0604020202020204" pitchFamily="34" charset="0"/>
+              <a:buChar char="•"/>
+            </a:pPr>
+            <a:r>
+              <a:rPr lang="fr-FR" dirty="0" smtClean="0"/>
+              <a:t>Différents validateurs </a:t>
+            </a:r>
+            <a:r>
+              <a:rPr lang="fr-FR" dirty="0" err="1" smtClean="0"/>
+              <a:t>Angular</a:t>
+            </a:r>
+            <a:r>
+              <a:rPr lang="fr-FR" dirty="0" smtClean="0"/>
+              <a:t> (liste non exhaustive):</a:t>
+            </a:r>
+            <a:endParaRPr lang="fr-FR" b="1" dirty="0"/>
+          </a:p>
+          <a:p>
+            <a:pPr marL="606425" lvl="1" indent="-342900"/>
+            <a:r>
+              <a:rPr lang="fr-FR" b="1" dirty="0" err="1" smtClean="0"/>
+              <a:t>maxlength</a:t>
+            </a:r>
+            <a:r>
+              <a:rPr lang="fr-FR" dirty="0" smtClean="0"/>
+              <a:t>: nombre </a:t>
+            </a:r>
+            <a:r>
+              <a:rPr lang="fr-FR" dirty="0"/>
+              <a:t>maximum de </a:t>
+            </a:r>
+            <a:r>
+              <a:rPr lang="fr-FR" dirty="0" smtClean="0"/>
+              <a:t>caractères</a:t>
+            </a:r>
+          </a:p>
+          <a:p>
+            <a:pPr marL="606425" lvl="1" indent="-342900"/>
+            <a:r>
+              <a:rPr lang="fr-FR" b="1" dirty="0" err="1" smtClean="0"/>
+              <a:t>minlength</a:t>
+            </a:r>
+            <a:r>
+              <a:rPr lang="fr-FR" dirty="0" smtClean="0"/>
+              <a:t>: </a:t>
+            </a:r>
+            <a:r>
+              <a:rPr lang="fr-FR" dirty="0"/>
+              <a:t>nombre </a:t>
+            </a:r>
+            <a:r>
+              <a:rPr lang="fr-FR" dirty="0" smtClean="0"/>
+              <a:t>minimum </a:t>
+            </a:r>
+            <a:r>
+              <a:rPr lang="fr-FR" dirty="0"/>
+              <a:t>de </a:t>
+            </a:r>
+            <a:r>
+              <a:rPr lang="fr-FR" dirty="0" smtClean="0"/>
+              <a:t>caractères</a:t>
+            </a:r>
+          </a:p>
+          <a:p>
+            <a:pPr marL="606425" lvl="1" indent="-342900"/>
+            <a:r>
+              <a:rPr lang="fr-FR" b="1" dirty="0" err="1" smtClean="0"/>
+              <a:t>required</a:t>
+            </a:r>
+            <a:r>
+              <a:rPr lang="fr-FR" dirty="0" smtClean="0"/>
+              <a:t>: le champ </a:t>
+            </a:r>
+            <a:r>
+              <a:rPr lang="fr-FR" dirty="0"/>
+              <a:t>ne </a:t>
+            </a:r>
+            <a:r>
+              <a:rPr lang="fr-FR" dirty="0" smtClean="0"/>
+              <a:t>peut être vide</a:t>
+            </a:r>
+          </a:p>
+          <a:p>
+            <a:pPr marL="606425" lvl="1" indent="-342900"/>
+            <a:r>
+              <a:rPr lang="fr-FR" b="1" dirty="0" err="1" smtClean="0"/>
+              <a:t>requiredTrue</a:t>
+            </a:r>
+            <a:r>
+              <a:rPr lang="fr-FR" dirty="0" smtClean="0"/>
+              <a:t>: la </a:t>
+            </a:r>
+            <a:r>
+              <a:rPr lang="fr-FR" dirty="0"/>
+              <a:t>valeur du </a:t>
+            </a:r>
+            <a:r>
+              <a:rPr lang="fr-FR" dirty="0" smtClean="0"/>
+              <a:t>champ doit être « </a:t>
+            </a:r>
+            <a:r>
+              <a:rPr lang="fr-FR" dirty="0" err="1" smtClean="0"/>
+              <a:t>true</a:t>
+            </a:r>
+            <a:r>
+              <a:rPr lang="fr-FR" dirty="0" smtClean="0"/>
+              <a:t> »</a:t>
+            </a:r>
+            <a:endParaRPr lang="fr-FR" dirty="0"/>
+          </a:p>
+          <a:p>
+            <a:pPr marL="606425" lvl="1" indent="-342900"/>
+            <a:r>
+              <a:rPr lang="fr-FR" b="1" dirty="0" err="1" smtClean="0"/>
+              <a:t>nullValidator</a:t>
+            </a:r>
+            <a:r>
+              <a:rPr lang="fr-FR" dirty="0" smtClean="0"/>
+              <a:t>: ne fait rien (= validateur no-op)</a:t>
+            </a:r>
+          </a:p>
+          <a:p>
+            <a:pPr marL="606425" lvl="1" indent="-342900"/>
+            <a:r>
+              <a:rPr lang="fr-FR" b="1" dirty="0" smtClean="0"/>
+              <a:t>pattern</a:t>
+            </a:r>
+            <a:r>
+              <a:rPr lang="fr-FR" dirty="0" smtClean="0"/>
+              <a:t>: la </a:t>
+            </a:r>
+            <a:r>
+              <a:rPr lang="fr-FR" dirty="0"/>
+              <a:t>valeur du </a:t>
+            </a:r>
+            <a:r>
+              <a:rPr lang="fr-FR" dirty="0" smtClean="0"/>
+              <a:t>champ respecte le </a:t>
+            </a:r>
+            <a:r>
+              <a:rPr lang="fr-FR" dirty="0"/>
+              <a:t>pattern de </a:t>
+            </a:r>
+            <a:r>
+              <a:rPr lang="fr-FR" dirty="0" smtClean="0"/>
+              <a:t>la </a:t>
+            </a:r>
+            <a:r>
+              <a:rPr lang="fr-FR" dirty="0" err="1" smtClean="0"/>
+              <a:t>RegEx</a:t>
+            </a:r>
+            <a:r>
+              <a:rPr lang="fr-FR" dirty="0" smtClean="0"/>
+              <a:t> </a:t>
+            </a:r>
+            <a:endParaRPr lang="fr-FR" dirty="0"/>
+          </a:p>
+          <a:p>
+            <a:pPr marL="606425" lvl="1" indent="-342900"/>
+            <a:r>
+              <a:rPr lang="fr-FR" b="1" dirty="0" smtClean="0"/>
+              <a:t>email</a:t>
+            </a:r>
+            <a:r>
+              <a:rPr lang="fr-FR" dirty="0" smtClean="0"/>
+              <a:t>: le champ respecte le pattern des emails</a:t>
+            </a:r>
+            <a:endParaRPr lang="fr-FR" dirty="0"/>
           </a:p>
         </p:txBody>
       </p:sp>
@@ -10398,7 +13864,7 @@
     </p:spTree>
     <p:extLst>
       <p:ext uri="{BB962C8B-B14F-4D97-AF65-F5344CB8AC3E}">
-        <p14:creationId xmlns:p14="http://schemas.microsoft.com/office/powerpoint/2010/main" val="267097087"/>
+        <p14:creationId xmlns:p14="http://schemas.microsoft.com/office/powerpoint/2010/main" val="83351840"/>
       </p:ext>
     </p:extLst>
   </p:cSld>
@@ -10427,15 +13893,12 @@
       </p:grpSpPr>
       <p:sp>
         <p:nvSpPr>
-          <p:cNvPr id="2" name="Title 1"/>
+          <p:cNvPr id="2" name="Titre 1"/>
           <p:cNvSpPr>
             <a:spLocks noGrp="1"/>
           </p:cNvSpPr>
           <p:nvPr>
-            <p:ph type="ctrTitle"/>
-            <p:custDataLst>
-              <p:tags r:id="rId1"/>
-            </p:custDataLst>
+            <p:ph type="title"/>
           </p:nvPr>
         </p:nvSpPr>
         <p:spPr/>
@@ -10444,32 +13907,278 @@
           <a:lstStyle/>
           <a:p>
             <a:r>
-              <a:rPr lang="fr-CA" dirty="0" err="1" smtClean="0"/>
-              <a:t>Angular</a:t>
-            </a:r>
-            <a:r>
-              <a:rPr lang="fr-CA" dirty="0"/>
-              <a:t> </a:t>
-            </a:r>
-            <a:r>
-              <a:rPr lang="fr-CA" dirty="0" smtClean="0"/>
-              <a:t>avancé</a:t>
-            </a:r>
-            <a:endParaRPr lang="fr-CA" dirty="0"/>
+              <a:rPr lang="fr-FR" dirty="0" smtClean="0"/>
+              <a:t>Formulaires</a:t>
+            </a:r>
+            <a:endParaRPr lang="fr-FR" dirty="0"/>
           </a:p>
         </p:txBody>
       </p:sp>
       <p:sp>
         <p:nvSpPr>
-          <p:cNvPr id="16" name="Subtitle 15"/>
+          <p:cNvPr id="3" name="Espace réservé du contenu 2"/>
           <p:cNvSpPr>
             <a:spLocks noGrp="1"/>
           </p:cNvSpPr>
           <p:nvPr>
-            <p:ph type="subTitle" idx="1"/>
-            <p:custDataLst>
-              <p:tags r:id="rId2"/>
-            </p:custDataLst>
+            <p:ph sz="quarter" idx="17"/>
+          </p:nvPr>
+        </p:nvSpPr>
+        <p:spPr/>
+        <p:txBody>
+          <a:bodyPr>
+            <a:normAutofit lnSpcReduction="10000"/>
+          </a:bodyPr>
+          <a:lstStyle/>
+          <a:p>
+            <a:pPr marL="342900" indent="-342900">
+              <a:buFont typeface="Arial" panose="020B0604020202020204" pitchFamily="34" charset="0"/>
+              <a:buChar char="•"/>
+            </a:pPr>
+            <a:r>
+              <a:rPr lang="fr-FR" dirty="0" smtClean="0"/>
+              <a:t>Les différents contrôles </a:t>
+            </a:r>
+            <a:r>
+              <a:rPr lang="fr-FR" dirty="0" err="1" smtClean="0"/>
+              <a:t>Angular</a:t>
+            </a:r>
+            <a:endParaRPr lang="fr-FR" dirty="0" smtClean="0"/>
+          </a:p>
+          <a:p>
+            <a:pPr marL="606425" lvl="1" indent="-342900"/>
+            <a:r>
+              <a:rPr lang="fr-FR" b="1" dirty="0" err="1"/>
+              <a:t>valid</a:t>
+            </a:r>
+            <a:r>
+              <a:rPr lang="fr-FR" dirty="0"/>
+              <a:t>: vaut vrai si le </a:t>
+            </a:r>
+            <a:r>
+              <a:rPr lang="fr-FR" dirty="0" smtClean="0"/>
+              <a:t>champ </a:t>
+            </a:r>
+            <a:r>
+              <a:rPr lang="fr-FR" dirty="0"/>
+              <a:t>est valide au regard de ses critères de validation </a:t>
+            </a:r>
+          </a:p>
+          <a:p>
+            <a:pPr marL="606425" lvl="1" indent="-342900"/>
+            <a:r>
+              <a:rPr lang="fr-FR" b="1" dirty="0" err="1" smtClean="0"/>
+              <a:t>invalid</a:t>
+            </a:r>
+            <a:r>
+              <a:rPr lang="fr-FR" dirty="0" smtClean="0"/>
+              <a:t>: </a:t>
+            </a:r>
+            <a:r>
+              <a:rPr lang="fr-FR" dirty="0"/>
+              <a:t>vaut vrai si le </a:t>
+            </a:r>
+            <a:r>
+              <a:rPr lang="fr-FR" dirty="0" smtClean="0"/>
+              <a:t>champ </a:t>
+            </a:r>
+            <a:r>
+              <a:rPr lang="fr-FR" dirty="0"/>
+              <a:t>est invalide au regard de ses critères de validation </a:t>
+            </a:r>
+            <a:endParaRPr lang="fr-FR" dirty="0" smtClean="0"/>
+          </a:p>
+          <a:p>
+            <a:pPr marL="606425" lvl="1" indent="-342900"/>
+            <a:r>
+              <a:rPr lang="fr-FR" b="1" dirty="0" err="1" smtClean="0"/>
+              <a:t>pending</a:t>
+            </a:r>
+            <a:r>
+              <a:rPr lang="fr-FR" dirty="0" smtClean="0"/>
+              <a:t>: </a:t>
+            </a:r>
+            <a:r>
+              <a:rPr lang="fr-FR" dirty="0"/>
+              <a:t>vaut vrai si la validation est en cours </a:t>
+            </a:r>
+          </a:p>
+          <a:p>
+            <a:pPr marL="606425" lvl="1" indent="-342900"/>
+            <a:r>
+              <a:rPr lang="fr-FR" b="1" dirty="0" err="1" smtClean="0"/>
+              <a:t>pristine</a:t>
+            </a:r>
+            <a:r>
+              <a:rPr lang="fr-FR" dirty="0" smtClean="0"/>
+              <a:t>: </a:t>
+            </a:r>
+            <a:r>
+              <a:rPr lang="fr-FR" dirty="0"/>
+              <a:t>vaut vrai si le </a:t>
+            </a:r>
+            <a:r>
+              <a:rPr lang="fr-FR" dirty="0" smtClean="0"/>
+              <a:t>champ </a:t>
+            </a:r>
+            <a:r>
+              <a:rPr lang="fr-FR" dirty="0"/>
+              <a:t>n’a pas été́ modifié </a:t>
+            </a:r>
+          </a:p>
+          <a:p>
+            <a:pPr marL="606425" lvl="1" indent="-342900"/>
+            <a:r>
+              <a:rPr lang="fr-FR" b="1" dirty="0" err="1" smtClean="0"/>
+              <a:t>dirty</a:t>
+            </a:r>
+            <a:r>
+              <a:rPr lang="fr-FR" dirty="0" smtClean="0"/>
+              <a:t>: </a:t>
+            </a:r>
+            <a:r>
+              <a:rPr lang="fr-FR" dirty="0"/>
+              <a:t>vaut vrai si le </a:t>
+            </a:r>
+            <a:r>
+              <a:rPr lang="fr-FR" dirty="0" smtClean="0"/>
+              <a:t>champ </a:t>
+            </a:r>
+            <a:r>
+              <a:rPr lang="fr-FR" dirty="0"/>
+              <a:t>a été́ modifié </a:t>
+            </a:r>
+          </a:p>
+          <a:p>
+            <a:pPr marL="606425" lvl="1" indent="-342900"/>
+            <a:r>
+              <a:rPr lang="fr-FR" b="1" dirty="0" err="1" smtClean="0"/>
+              <a:t>touched</a:t>
+            </a:r>
+            <a:r>
+              <a:rPr lang="fr-FR" dirty="0" smtClean="0"/>
+              <a:t>: </a:t>
+            </a:r>
+            <a:r>
+              <a:rPr lang="fr-FR" dirty="0"/>
+              <a:t>vaut vrai si le </a:t>
+            </a:r>
+            <a:r>
+              <a:rPr lang="fr-FR" dirty="0" smtClean="0"/>
+              <a:t>champ </a:t>
+            </a:r>
+            <a:r>
+              <a:rPr lang="fr-FR" dirty="0"/>
+              <a:t>a été́ touché </a:t>
+            </a:r>
+          </a:p>
+          <a:p>
+            <a:pPr marL="606425" lvl="1" indent="-342900"/>
+            <a:r>
+              <a:rPr lang="fr-FR" b="1" dirty="0" err="1" smtClean="0"/>
+              <a:t>untouched</a:t>
+            </a:r>
+            <a:r>
+              <a:rPr lang="fr-FR" dirty="0"/>
+              <a:t>: vaut vrai si le </a:t>
+            </a:r>
+            <a:r>
+              <a:rPr lang="fr-FR" dirty="0" smtClean="0"/>
+              <a:t>champ </a:t>
+            </a:r>
+            <a:r>
+              <a:rPr lang="fr-FR" dirty="0"/>
+              <a:t>n’a jamais été́ touché </a:t>
+            </a:r>
+          </a:p>
+          <a:p>
+            <a:pPr marL="606425" lvl="1" indent="-342900"/>
+            <a:r>
+              <a:rPr lang="fr-FR" b="1" dirty="0" err="1" smtClean="0"/>
+              <a:t>errors</a:t>
+            </a:r>
+            <a:r>
+              <a:rPr lang="fr-FR" dirty="0" smtClean="0"/>
+              <a:t>: </a:t>
+            </a:r>
+            <a:r>
+              <a:rPr lang="fr-FR" dirty="0"/>
+              <a:t>il s’agit de la liste des erreurs de validation sur le </a:t>
+            </a:r>
+            <a:r>
+              <a:rPr lang="fr-FR" dirty="0" smtClean="0"/>
+              <a:t>champ </a:t>
+            </a:r>
+            <a:endParaRPr lang="fr-FR" dirty="0"/>
+          </a:p>
+          <a:p>
+            <a:pPr marL="606425" lvl="1" indent="-342900"/>
+            <a:r>
+              <a:rPr lang="fr-FR" b="1" dirty="0" err="1" smtClean="0"/>
+              <a:t>valueChanges</a:t>
+            </a:r>
+            <a:r>
+              <a:rPr lang="fr-FR" dirty="0" smtClean="0"/>
+              <a:t>: </a:t>
+            </a:r>
+            <a:r>
+              <a:rPr lang="fr-FR" dirty="0"/>
+              <a:t>Observable qui émet à chaque fois que la valeur du </a:t>
+            </a:r>
+            <a:r>
+              <a:rPr lang="fr-FR" dirty="0" smtClean="0"/>
+              <a:t>champ </a:t>
+            </a:r>
+            <a:r>
+              <a:rPr lang="fr-FR" dirty="0"/>
+              <a:t>change </a:t>
+            </a:r>
+          </a:p>
+          <a:p>
+            <a:pPr marL="606425" lvl="1" indent="-342900"/>
+            <a:r>
+              <a:rPr lang="fr-FR" b="1" dirty="0" err="1" smtClean="0"/>
+              <a:t>statusChanges</a:t>
+            </a:r>
+            <a:r>
+              <a:rPr lang="fr-FR" dirty="0" smtClean="0"/>
+              <a:t>: </a:t>
+            </a:r>
+            <a:r>
+              <a:rPr lang="fr-FR" dirty="0"/>
+              <a:t>Observable qui émet à chaque fois que le statut du </a:t>
+            </a:r>
+            <a:r>
+              <a:rPr lang="fr-FR" dirty="0" smtClean="0"/>
+              <a:t>champ </a:t>
+            </a:r>
+            <a:r>
+              <a:rPr lang="fr-FR" dirty="0"/>
+              <a:t>est </a:t>
+            </a:r>
+            <a:r>
+              <a:rPr lang="fr-FR" dirty="0" smtClean="0"/>
+              <a:t>recalculé </a:t>
+            </a:r>
+            <a:endParaRPr lang="fr-FR" dirty="0"/>
+          </a:p>
+          <a:p>
+            <a:pPr marL="342900" indent="-342900">
+              <a:buFont typeface="Arial" panose="020B0604020202020204" pitchFamily="34" charset="0"/>
+              <a:buChar char="•"/>
+            </a:pPr>
+            <a:endParaRPr lang="fr-FR" dirty="0"/>
+          </a:p>
+        </p:txBody>
+      </p:sp>
+      <p:sp>
+        <p:nvSpPr>
+          <p:cNvPr id="4" name="Espace réservé du numéro de diapositive 3"/>
+          <p:cNvSpPr>
+            <a:spLocks noGrp="1"/>
+          </p:cNvSpPr>
+          <p:nvPr>
+            <p:ph type="sldNum" sz="quarter" idx="12"/>
           </p:nvPr>
         </p:nvSpPr>
         <p:spPr/>
@@ -10477,37 +14186,25 @@
           <a:bodyPr/>
           <a:lstStyle/>
           <a:p>
-            <a:r>
-              <a:rPr lang="fr-CA" dirty="0" err="1" smtClean="0"/>
-              <a:t>Debugging</a:t>
-            </a:r>
-            <a:endParaRPr lang="fr-CA" dirty="0" smtClean="0"/>
-          </a:p>
-          <a:p>
-            <a:endParaRPr lang="fr-CA" dirty="0" smtClean="0"/>
-          </a:p>
-          <a:p>
-            <a:endParaRPr lang="fr-CA" dirty="0"/>
+            <a:fld id="{525A3C56-E491-49B2-93F3-63532DF516BC}" type="slidenum">
+              <a:rPr lang="en-GB" smtClean="0"/>
+              <a:pPr/>
+              <a:t>13</a:t>
+            </a:fld>
+            <a:endParaRPr lang="en-GB" dirty="0"/>
           </a:p>
         </p:txBody>
       </p:sp>
     </p:spTree>
     <p:extLst>
       <p:ext uri="{BB962C8B-B14F-4D97-AF65-F5344CB8AC3E}">
-        <p14:creationId xmlns:p14="http://schemas.microsoft.com/office/powerpoint/2010/main" val="4055963835"/>
+        <p14:creationId xmlns:p14="http://schemas.microsoft.com/office/powerpoint/2010/main" val="2527069924"/>
       </p:ext>
     </p:extLst>
   </p:cSld>
   <p:clrMapOvr>
     <a:masterClrMapping/>
   </p:clrMapOvr>
-  <p:timing>
-    <p:tnLst>
-      <p:par>
-        <p:cTn id="1" dur="indefinite" restart="never" nodeType="tmRoot"/>
-      </p:par>
-    </p:tnLst>
-  </p:timing>
 </p:sld>
 </file>
 
@@ -10543,26 +14240,11 @@
           <a:bodyPr/>
           <a:lstStyle/>
           <a:p>
-            <a:endParaRPr lang="fr-FR"/>
-          </a:p>
-        </p:txBody>
-      </p:sp>
-      <p:sp>
-        <p:nvSpPr>
-          <p:cNvPr id="3" name="Espace réservé du contenu 2"/>
-          <p:cNvSpPr>
-            <a:spLocks noGrp="1"/>
-          </p:cNvSpPr>
-          <p:nvPr>
-            <p:ph sz="quarter" idx="17"/>
-          </p:nvPr>
-        </p:nvSpPr>
-        <p:spPr/>
-        <p:txBody>
-          <a:bodyPr/>
-          <a:lstStyle/>
-          <a:p>
-            <a:endParaRPr lang="fr-FR"/>
+            <a:r>
+              <a:rPr lang="fr-FR" dirty="0" smtClean="0"/>
+              <a:t>Formulaires</a:t>
+            </a:r>
+            <a:endParaRPr lang="fr-FR" dirty="0"/>
           </a:p>
         </p:txBody>
       </p:sp>
@@ -10590,10 +14272,1420 @@
           </a:p>
         </p:txBody>
       </p:sp>
+      <p:sp>
+        <p:nvSpPr>
+          <p:cNvPr id="9" name="Espace réservé du contenu 1"/>
+          <p:cNvSpPr txBox="1">
+            <a:spLocks noGrp="1"/>
+          </p:cNvSpPr>
+          <p:nvPr>
+            <p:ph sz="quarter" idx="17"/>
+          </p:nvPr>
+        </p:nvSpPr>
+        <p:spPr>
+          <a:xfrm>
+            <a:off x="449263" y="1263408"/>
+            <a:ext cx="8250237" cy="3609534"/>
+          </a:xfrm>
+          <a:prstGeom prst="rect">
+            <a:avLst/>
+          </a:prstGeom>
+          <a:solidFill>
+            <a:schemeClr val="tx1">
+              <a:lumMod val="75000"/>
+            </a:schemeClr>
+          </a:solidFill>
+        </p:spPr>
+        <p:txBody>
+          <a:bodyPr lIns="0" tIns="0" rIns="0" bIns="0">
+            <a:normAutofit/>
+          </a:bodyPr>
+          <a:lstStyle>
+            <a:lvl1pPr marL="0" indent="0" algn="l" defTabSz="914400" rtl="0" eaLnBrk="1" latinLnBrk="0" hangingPunct="1">
+              <a:spcBef>
+                <a:spcPts val="500"/>
+              </a:spcBef>
+              <a:buClr>
+                <a:schemeClr val="accent1"/>
+              </a:buClr>
+              <a:buSzPct val="110000"/>
+              <a:buFont typeface="Arial" pitchFamily="34" charset="0"/>
+              <a:buNone/>
+              <a:defRPr sz="2000" kern="1200">
+                <a:solidFill>
+                  <a:schemeClr val="tx1"/>
+                </a:solidFill>
+                <a:latin typeface="Arial" pitchFamily="34" charset="0"/>
+                <a:ea typeface="+mn-ea"/>
+                <a:cs typeface="+mn-cs"/>
+              </a:defRPr>
+            </a:lvl1pPr>
+            <a:lvl2pPr marL="263525" indent="-263525" algn="l" defTabSz="914400" rtl="0" eaLnBrk="1" latinLnBrk="0" hangingPunct="1">
+              <a:spcBef>
+                <a:spcPts val="500"/>
+              </a:spcBef>
+              <a:buClr>
+                <a:schemeClr val="accent1"/>
+              </a:buClr>
+              <a:buSzPct val="110000"/>
+              <a:buFont typeface="Arial" pitchFamily="34" charset="0"/>
+              <a:buChar char="•"/>
+              <a:defRPr sz="2000" kern="1200" baseline="0">
+                <a:solidFill>
+                  <a:schemeClr val="tx1"/>
+                </a:solidFill>
+                <a:latin typeface="Arial" pitchFamily="34" charset="0"/>
+                <a:ea typeface="+mn-ea"/>
+                <a:cs typeface="+mn-cs"/>
+              </a:defRPr>
+            </a:lvl2pPr>
+            <a:lvl3pPr marL="536575" indent="-273050" algn="l" defTabSz="914400" rtl="0" eaLnBrk="1" latinLnBrk="0" hangingPunct="1">
+              <a:spcBef>
+                <a:spcPts val="500"/>
+              </a:spcBef>
+              <a:buClr>
+                <a:schemeClr val="accent1"/>
+              </a:buClr>
+              <a:buSzPct val="110000"/>
+              <a:buFont typeface="Arial" pitchFamily="34" charset="0"/>
+              <a:buChar char="•"/>
+              <a:defRPr sz="1800" kern="1200" baseline="0">
+                <a:solidFill>
+                  <a:schemeClr val="tx1"/>
+                </a:solidFill>
+                <a:latin typeface="Arial" pitchFamily="34" charset="0"/>
+                <a:ea typeface="+mn-ea"/>
+                <a:cs typeface="+mn-cs"/>
+              </a:defRPr>
+            </a:lvl3pPr>
+            <a:lvl4pPr marL="811213" indent="-274638" algn="l" defTabSz="914400" rtl="0" eaLnBrk="1" latinLnBrk="0" hangingPunct="1">
+              <a:spcBef>
+                <a:spcPts val="500"/>
+              </a:spcBef>
+              <a:buClr>
+                <a:schemeClr val="accent1"/>
+              </a:buClr>
+              <a:buSzPct val="110000"/>
+              <a:buFont typeface="Arial" pitchFamily="34" charset="0"/>
+              <a:buChar char="•"/>
+              <a:defRPr sz="1600" kern="1200" baseline="0">
+                <a:solidFill>
+                  <a:schemeClr val="tx1"/>
+                </a:solidFill>
+                <a:latin typeface="Arial" pitchFamily="34" charset="0"/>
+                <a:ea typeface="+mn-ea"/>
+                <a:cs typeface="+mn-cs"/>
+              </a:defRPr>
+            </a:lvl4pPr>
+            <a:lvl5pPr marL="1074738" indent="-263525" algn="l" defTabSz="914400" rtl="0" eaLnBrk="1" latinLnBrk="0" hangingPunct="1">
+              <a:spcBef>
+                <a:spcPts val="500"/>
+              </a:spcBef>
+              <a:buClr>
+                <a:schemeClr val="accent1"/>
+              </a:buClr>
+              <a:buSzPct val="110000"/>
+              <a:buFont typeface="Arial" pitchFamily="34" charset="0"/>
+              <a:buChar char="•"/>
+              <a:defRPr sz="1400" kern="1200" baseline="0">
+                <a:solidFill>
+                  <a:schemeClr val="tx1"/>
+                </a:solidFill>
+                <a:latin typeface="Arial" pitchFamily="34" charset="0"/>
+                <a:ea typeface="+mn-ea"/>
+                <a:cs typeface="+mn-cs"/>
+              </a:defRPr>
+            </a:lvl5pPr>
+            <a:lvl6pPr marL="1136650" indent="-215900" algn="l" defTabSz="914400" rtl="0" eaLnBrk="1" latinLnBrk="0" hangingPunct="1">
+              <a:spcBef>
+                <a:spcPts val="500"/>
+              </a:spcBef>
+              <a:buClr>
+                <a:schemeClr val="accent1"/>
+              </a:buClr>
+              <a:buFont typeface="Verdana" pitchFamily="34" charset="0"/>
+              <a:buNone/>
+              <a:defRPr sz="1400" kern="1200" baseline="0">
+                <a:solidFill>
+                  <a:schemeClr val="tx1"/>
+                </a:solidFill>
+                <a:latin typeface="+mn-lt"/>
+                <a:ea typeface="+mn-ea"/>
+                <a:cs typeface="+mn-cs"/>
+              </a:defRPr>
+            </a:lvl6pPr>
+            <a:lvl7pPr marL="1343025" indent="-228600" algn="l" defTabSz="914400" rtl="0" eaLnBrk="1" latinLnBrk="0" hangingPunct="1">
+              <a:spcBef>
+                <a:spcPts val="500"/>
+              </a:spcBef>
+              <a:buClr>
+                <a:schemeClr val="tx1">
+                  <a:lumMod val="60000"/>
+                  <a:lumOff val="40000"/>
+                </a:schemeClr>
+              </a:buClr>
+              <a:buFont typeface="Verdana" pitchFamily="34" charset="0"/>
+              <a:buChar char="•"/>
+              <a:defRPr sz="1400" kern="1200" baseline="0">
+                <a:solidFill>
+                  <a:schemeClr val="tx1"/>
+                </a:solidFill>
+                <a:latin typeface="+mn-lt"/>
+                <a:ea typeface="+mn-ea"/>
+                <a:cs typeface="+mn-cs"/>
+              </a:defRPr>
+            </a:lvl7pPr>
+            <a:lvl8pPr marL="3429000" indent="-228600" algn="l" defTabSz="914400" rtl="0" eaLnBrk="1" latinLnBrk="0" hangingPunct="1">
+              <a:spcBef>
+                <a:spcPct val="20000"/>
+              </a:spcBef>
+              <a:buFont typeface="Arial" pitchFamily="34" charset="0"/>
+              <a:buChar char="•"/>
+              <a:defRPr sz="2000" kern="1200">
+                <a:solidFill>
+                  <a:schemeClr val="tx1"/>
+                </a:solidFill>
+                <a:latin typeface="+mn-lt"/>
+                <a:ea typeface="+mn-ea"/>
+                <a:cs typeface="+mn-cs"/>
+              </a:defRPr>
+            </a:lvl8pPr>
+            <a:lvl9pPr marL="3886200" indent="-228600" algn="l" defTabSz="914400" rtl="0" eaLnBrk="1" latinLnBrk="0" hangingPunct="1">
+              <a:spcBef>
+                <a:spcPct val="20000"/>
+              </a:spcBef>
+              <a:buFont typeface="Arial" pitchFamily="34" charset="0"/>
+              <a:buChar char="•"/>
+              <a:defRPr sz="2000" kern="1200">
+                <a:solidFill>
+                  <a:schemeClr val="tx1"/>
+                </a:solidFill>
+                <a:latin typeface="+mn-lt"/>
+                <a:ea typeface="+mn-ea"/>
+                <a:cs typeface="+mn-cs"/>
+              </a:defRPr>
+            </a:lvl9pPr>
+          </a:lstStyle>
+          <a:p>
+            <a:r>
+              <a:rPr lang="fr-FR" sz="1600" dirty="0" smtClean="0">
+                <a:solidFill>
+                  <a:schemeClr val="bg1">
+                    <a:lumMod val="65000"/>
+                  </a:schemeClr>
+                </a:solidFill>
+                <a:latin typeface="Consolas" pitchFamily="49" charset="0"/>
+              </a:rPr>
+              <a:t>&lt;</a:t>
+            </a:r>
+            <a:r>
+              <a:rPr lang="fr-FR" sz="1600" dirty="0" err="1" smtClean="0">
+                <a:solidFill>
+                  <a:srgbClr val="0070C0"/>
+                </a:solidFill>
+                <a:latin typeface="Consolas" pitchFamily="49" charset="0"/>
+              </a:rPr>
+              <a:t>form</a:t>
+            </a:r>
+            <a:r>
+              <a:rPr lang="fr-FR" sz="1600" dirty="0" smtClean="0">
+                <a:solidFill>
+                  <a:srgbClr val="0070C0"/>
+                </a:solidFill>
+                <a:latin typeface="Consolas" pitchFamily="49" charset="0"/>
+              </a:rPr>
+              <a:t> </a:t>
+            </a:r>
+            <a:r>
+              <a:rPr lang="fr-FR" sz="1600" dirty="0" smtClean="0">
+                <a:solidFill>
+                  <a:schemeClr val="bg1"/>
+                </a:solidFill>
+                <a:latin typeface="Consolas" pitchFamily="49" charset="0"/>
+              </a:rPr>
+              <a:t>[</a:t>
+            </a:r>
+            <a:r>
+              <a:rPr lang="fr-FR" sz="1600" dirty="0" err="1" smtClean="0">
+                <a:solidFill>
+                  <a:srgbClr val="0070C0"/>
+                </a:solidFill>
+                <a:latin typeface="Consolas" pitchFamily="49" charset="0"/>
+              </a:rPr>
+              <a:t>formGroup</a:t>
+            </a:r>
+            <a:r>
+              <a:rPr lang="fr-FR" sz="1600" dirty="0" smtClean="0">
+                <a:solidFill>
+                  <a:schemeClr val="bg1"/>
+                </a:solidFill>
+                <a:latin typeface="Consolas" pitchFamily="49" charset="0"/>
+              </a:rPr>
+              <a:t>]=</a:t>
+            </a:r>
+            <a:r>
+              <a:rPr lang="fr-FR" sz="1600" dirty="0" smtClean="0">
+                <a:solidFill>
+                  <a:schemeClr val="accent5"/>
+                </a:solidFill>
+                <a:latin typeface="Consolas" pitchFamily="49" charset="0"/>
+              </a:rPr>
+              <a:t>"</a:t>
+            </a:r>
+            <a:r>
+              <a:rPr lang="fr-FR" sz="1600" dirty="0" err="1" smtClean="0">
+                <a:solidFill>
+                  <a:schemeClr val="accent5"/>
+                </a:solidFill>
+                <a:latin typeface="Consolas" pitchFamily="49" charset="0"/>
+              </a:rPr>
+              <a:t>userForm</a:t>
+            </a:r>
+            <a:r>
+              <a:rPr lang="fr-FR" sz="1600" dirty="0" smtClean="0">
+                <a:solidFill>
+                  <a:schemeClr val="accent5"/>
+                </a:solidFill>
+                <a:latin typeface="Consolas" pitchFamily="49" charset="0"/>
+              </a:rPr>
+              <a:t>" </a:t>
+            </a:r>
+            <a:r>
+              <a:rPr lang="fr-FR" sz="1600" dirty="0" smtClean="0">
+                <a:solidFill>
+                  <a:schemeClr val="bg1"/>
+                </a:solidFill>
+                <a:latin typeface="Consolas" pitchFamily="49" charset="0"/>
+              </a:rPr>
+              <a:t>(</a:t>
+            </a:r>
+            <a:r>
+              <a:rPr lang="fr-FR" sz="1600" dirty="0" err="1" smtClean="0">
+                <a:solidFill>
+                  <a:srgbClr val="0070C0"/>
+                </a:solidFill>
+                <a:latin typeface="Consolas" pitchFamily="49" charset="0"/>
+              </a:rPr>
+              <a:t>ngSubmit</a:t>
+            </a:r>
+            <a:r>
+              <a:rPr lang="fr-FR" sz="1600" dirty="0" smtClean="0">
+                <a:solidFill>
+                  <a:schemeClr val="bg1"/>
+                </a:solidFill>
+                <a:latin typeface="Consolas" pitchFamily="49" charset="0"/>
+              </a:rPr>
+              <a:t>)=</a:t>
+            </a:r>
+            <a:r>
+              <a:rPr lang="fr-FR" sz="1600" dirty="0" smtClean="0">
+                <a:solidFill>
+                  <a:schemeClr val="accent5"/>
+                </a:solidFill>
+                <a:latin typeface="Consolas" pitchFamily="49" charset="0"/>
+              </a:rPr>
+              <a:t>"</a:t>
+            </a:r>
+            <a:r>
+              <a:rPr lang="fr-FR" sz="1600" dirty="0" err="1" smtClean="0">
+                <a:solidFill>
+                  <a:schemeClr val="accent5"/>
+                </a:solidFill>
+                <a:latin typeface="Consolas" pitchFamily="49" charset="0"/>
+              </a:rPr>
+              <a:t>postForm</a:t>
+            </a:r>
+            <a:r>
+              <a:rPr lang="fr-FR" sz="1600" dirty="0" smtClean="0">
+                <a:solidFill>
+                  <a:schemeClr val="accent5"/>
+                </a:solidFill>
+                <a:latin typeface="Consolas" pitchFamily="49" charset="0"/>
+              </a:rPr>
+              <a:t>()"</a:t>
+            </a:r>
+            <a:r>
+              <a:rPr lang="fr-FR" sz="1600" dirty="0" smtClean="0">
+                <a:solidFill>
+                  <a:schemeClr val="bg1">
+                    <a:lumMod val="65000"/>
+                  </a:schemeClr>
+                </a:solidFill>
+                <a:latin typeface="Consolas" pitchFamily="49" charset="0"/>
+              </a:rPr>
+              <a:t>&gt;</a:t>
+            </a:r>
+          </a:p>
+          <a:p>
+            <a:r>
+              <a:rPr lang="fr-FR" sz="1600" dirty="0" smtClean="0">
+                <a:solidFill>
+                  <a:schemeClr val="bg1"/>
+                </a:solidFill>
+                <a:latin typeface="Consolas" pitchFamily="49" charset="0"/>
+              </a:rPr>
+              <a:t>  </a:t>
+            </a:r>
+            <a:r>
+              <a:rPr lang="fr-FR" sz="1600" dirty="0" smtClean="0">
+                <a:solidFill>
+                  <a:schemeClr val="bg1">
+                    <a:lumMod val="65000"/>
+                  </a:schemeClr>
+                </a:solidFill>
+                <a:latin typeface="Consolas" pitchFamily="49" charset="0"/>
+              </a:rPr>
+              <a:t>&lt;</a:t>
+            </a:r>
+            <a:r>
+              <a:rPr lang="fr-FR" sz="1600" dirty="0" smtClean="0">
+                <a:solidFill>
+                  <a:srgbClr val="0070C0"/>
+                </a:solidFill>
+                <a:latin typeface="Consolas" pitchFamily="49" charset="0"/>
+              </a:rPr>
+              <a:t>label</a:t>
+            </a:r>
+            <a:r>
+              <a:rPr lang="fr-FR" sz="1600" dirty="0" smtClean="0">
+                <a:solidFill>
+                  <a:schemeClr val="bg1"/>
+                </a:solidFill>
+                <a:latin typeface="Consolas" pitchFamily="49" charset="0"/>
+              </a:rPr>
+              <a:t> </a:t>
+            </a:r>
+            <a:r>
+              <a:rPr lang="fr-FR" sz="1600" dirty="0" smtClean="0">
+                <a:solidFill>
+                  <a:srgbClr val="00B0F0"/>
+                </a:solidFill>
+                <a:latin typeface="Consolas" pitchFamily="49" charset="0"/>
+              </a:rPr>
+              <a:t>for</a:t>
+            </a:r>
+            <a:r>
+              <a:rPr lang="fr-FR" sz="1600" dirty="0" smtClean="0">
+                <a:solidFill>
+                  <a:schemeClr val="bg1"/>
+                </a:solidFill>
+                <a:latin typeface="Consolas" pitchFamily="49" charset="0"/>
+              </a:rPr>
+              <a:t>=</a:t>
+            </a:r>
+            <a:r>
+              <a:rPr lang="fr-FR" sz="1600" dirty="0" smtClean="0">
+                <a:solidFill>
+                  <a:schemeClr val="accent5"/>
+                </a:solidFill>
+                <a:latin typeface="Consolas" pitchFamily="49" charset="0"/>
+              </a:rPr>
+              <a:t>"</a:t>
+            </a:r>
+            <a:r>
+              <a:rPr lang="fr-FR" sz="1600" dirty="0" err="1" smtClean="0">
+                <a:solidFill>
+                  <a:schemeClr val="accent5"/>
+                </a:solidFill>
+                <a:latin typeface="Consolas" pitchFamily="49" charset="0"/>
+              </a:rPr>
+              <a:t>firstname</a:t>
+            </a:r>
+            <a:r>
+              <a:rPr lang="fr-FR" sz="1600" dirty="0" smtClean="0">
+                <a:solidFill>
+                  <a:schemeClr val="accent5"/>
+                </a:solidFill>
+                <a:latin typeface="Consolas" pitchFamily="49" charset="0"/>
+              </a:rPr>
+              <a:t>"</a:t>
+            </a:r>
+            <a:r>
+              <a:rPr lang="fr-FR" sz="1600" dirty="0" smtClean="0">
+                <a:solidFill>
+                  <a:schemeClr val="bg1">
+                    <a:lumMod val="65000"/>
+                  </a:schemeClr>
+                </a:solidFill>
+                <a:latin typeface="Consolas" pitchFamily="49" charset="0"/>
+              </a:rPr>
+              <a:t>&gt;</a:t>
+            </a:r>
+            <a:r>
+              <a:rPr lang="fr-FR" sz="1600" dirty="0" err="1" smtClean="0">
+                <a:solidFill>
+                  <a:schemeClr val="bg1"/>
+                </a:solidFill>
+                <a:latin typeface="Consolas" pitchFamily="49" charset="0"/>
+              </a:rPr>
+              <a:t>Firstname</a:t>
+            </a:r>
+            <a:r>
+              <a:rPr lang="fr-FR" sz="1600" dirty="0" smtClean="0">
+                <a:solidFill>
+                  <a:schemeClr val="bg1">
+                    <a:lumMod val="65000"/>
+                  </a:schemeClr>
+                </a:solidFill>
+                <a:latin typeface="Consolas" pitchFamily="49" charset="0"/>
+              </a:rPr>
+              <a:t>&lt;/</a:t>
+            </a:r>
+            <a:r>
+              <a:rPr lang="fr-FR" sz="1600" dirty="0" smtClean="0">
+                <a:solidFill>
+                  <a:srgbClr val="0070C0"/>
+                </a:solidFill>
+                <a:latin typeface="Consolas" pitchFamily="49" charset="0"/>
+              </a:rPr>
+              <a:t>label</a:t>
+            </a:r>
+            <a:r>
+              <a:rPr lang="fr-FR" sz="1600" dirty="0" smtClean="0">
+                <a:solidFill>
+                  <a:schemeClr val="bg1">
+                    <a:lumMod val="65000"/>
+                  </a:schemeClr>
+                </a:solidFill>
+                <a:latin typeface="Consolas" pitchFamily="49" charset="0"/>
+              </a:rPr>
+              <a:t>&gt;</a:t>
+            </a:r>
+          </a:p>
+          <a:p>
+            <a:r>
+              <a:rPr lang="fr-FR" sz="1600" dirty="0" smtClean="0">
+                <a:solidFill>
+                  <a:schemeClr val="bg1"/>
+                </a:solidFill>
+                <a:latin typeface="Consolas" pitchFamily="49" charset="0"/>
+              </a:rPr>
+              <a:t>  </a:t>
+            </a:r>
+            <a:r>
+              <a:rPr lang="fr-FR" sz="1600" dirty="0" smtClean="0">
+                <a:solidFill>
+                  <a:schemeClr val="bg1">
+                    <a:lumMod val="65000"/>
+                  </a:schemeClr>
+                </a:solidFill>
+                <a:latin typeface="Consolas" pitchFamily="49" charset="0"/>
+              </a:rPr>
+              <a:t>&lt;</a:t>
+            </a:r>
+            <a:r>
+              <a:rPr lang="fr-FR" sz="1600" dirty="0" smtClean="0">
+                <a:solidFill>
+                  <a:srgbClr val="0070C0"/>
+                </a:solidFill>
+                <a:latin typeface="Consolas" pitchFamily="49" charset="0"/>
+              </a:rPr>
+              <a:t>input</a:t>
+            </a:r>
+            <a:r>
+              <a:rPr lang="fr-FR" sz="1600" dirty="0" smtClean="0">
+                <a:solidFill>
+                  <a:schemeClr val="bg1"/>
+                </a:solidFill>
+                <a:latin typeface="Consolas" pitchFamily="49" charset="0"/>
+              </a:rPr>
+              <a:t> </a:t>
+            </a:r>
+            <a:r>
+              <a:rPr lang="fr-FR" sz="1600" dirty="0" err="1" smtClean="0">
+                <a:solidFill>
+                  <a:srgbClr val="00B0F0"/>
+                </a:solidFill>
+                <a:latin typeface="Consolas" pitchFamily="49" charset="0"/>
+              </a:rPr>
+              <a:t>formControlName</a:t>
+            </a:r>
+            <a:r>
+              <a:rPr lang="fr-FR" sz="1600" dirty="0">
+                <a:solidFill>
+                  <a:schemeClr val="bg1"/>
+                </a:solidFill>
+                <a:latin typeface="Consolas" pitchFamily="49" charset="0"/>
+              </a:rPr>
+              <a:t>=</a:t>
+            </a:r>
+            <a:r>
+              <a:rPr lang="fr-FR" sz="1600" dirty="0">
+                <a:solidFill>
+                  <a:schemeClr val="accent5"/>
+                </a:solidFill>
+                <a:latin typeface="Consolas" pitchFamily="49" charset="0"/>
+              </a:rPr>
+              <a:t>"</a:t>
+            </a:r>
+            <a:r>
+              <a:rPr lang="fr-FR" sz="1600" dirty="0" err="1" smtClean="0">
+                <a:solidFill>
+                  <a:schemeClr val="accent5"/>
+                </a:solidFill>
+                <a:latin typeface="Consolas" pitchFamily="49" charset="0"/>
+              </a:rPr>
+              <a:t>firstname</a:t>
+            </a:r>
+            <a:r>
+              <a:rPr lang="fr-FR" sz="1600" dirty="0" smtClean="0">
+                <a:solidFill>
+                  <a:schemeClr val="accent5"/>
+                </a:solidFill>
+                <a:latin typeface="Consolas" pitchFamily="49" charset="0"/>
+              </a:rPr>
+              <a:t>"</a:t>
+            </a:r>
+            <a:r>
+              <a:rPr lang="fr-FR" sz="1600" dirty="0" smtClean="0">
+                <a:solidFill>
+                  <a:schemeClr val="bg1"/>
+                </a:solidFill>
+                <a:latin typeface="Consolas" pitchFamily="49" charset="0"/>
+              </a:rPr>
+              <a:t> </a:t>
+            </a:r>
+            <a:r>
+              <a:rPr lang="fr-FR" sz="1600" dirty="0" smtClean="0">
+                <a:solidFill>
+                  <a:srgbClr val="00B0F0"/>
+                </a:solidFill>
+                <a:latin typeface="Consolas" pitchFamily="49" charset="0"/>
+              </a:rPr>
+              <a:t>type</a:t>
+            </a:r>
+            <a:r>
+              <a:rPr lang="fr-FR" sz="1600" dirty="0" smtClean="0">
+                <a:solidFill>
+                  <a:schemeClr val="bg1"/>
+                </a:solidFill>
+                <a:latin typeface="Consolas" pitchFamily="49" charset="0"/>
+              </a:rPr>
+              <a:t>=</a:t>
+            </a:r>
+            <a:r>
+              <a:rPr lang="fr-FR" sz="1600" dirty="0" smtClean="0">
+                <a:solidFill>
+                  <a:schemeClr val="accent5"/>
+                </a:solidFill>
+                <a:latin typeface="Consolas" pitchFamily="49" charset="0"/>
+              </a:rPr>
+              <a:t>"</a:t>
+            </a:r>
+            <a:r>
+              <a:rPr lang="fr-FR" sz="1600" dirty="0" err="1" smtClean="0">
+                <a:solidFill>
+                  <a:schemeClr val="accent5"/>
+                </a:solidFill>
+                <a:latin typeface="Consolas" pitchFamily="49" charset="0"/>
+              </a:rPr>
+              <a:t>text</a:t>
+            </a:r>
+            <a:r>
+              <a:rPr lang="fr-FR" sz="1600" dirty="0" smtClean="0">
+                <a:solidFill>
+                  <a:schemeClr val="accent5"/>
+                </a:solidFill>
+                <a:latin typeface="Consolas" pitchFamily="49" charset="0"/>
+              </a:rPr>
+              <a:t>"</a:t>
+            </a:r>
+            <a:r>
+              <a:rPr lang="fr-FR" sz="1600" dirty="0" smtClean="0">
+                <a:solidFill>
+                  <a:schemeClr val="bg1"/>
+                </a:solidFill>
+                <a:latin typeface="Consolas" pitchFamily="49" charset="0"/>
+              </a:rPr>
+              <a:t> </a:t>
+            </a:r>
+            <a:r>
+              <a:rPr lang="fr-FR" sz="1600" dirty="0" smtClean="0">
+                <a:solidFill>
+                  <a:schemeClr val="bg1">
+                    <a:lumMod val="65000"/>
+                  </a:schemeClr>
+                </a:solidFill>
+                <a:latin typeface="Consolas" pitchFamily="49" charset="0"/>
+              </a:rPr>
+              <a:t>/&gt;</a:t>
+            </a:r>
+          </a:p>
+          <a:p>
+            <a:r>
+              <a:rPr lang="fr-FR" sz="1600" dirty="0">
+                <a:solidFill>
+                  <a:schemeClr val="bg1"/>
+                </a:solidFill>
+                <a:latin typeface="Consolas" pitchFamily="49" charset="0"/>
+              </a:rPr>
+              <a:t> </a:t>
+            </a:r>
+            <a:r>
+              <a:rPr lang="fr-FR" sz="1600" dirty="0" smtClean="0">
+                <a:solidFill>
+                  <a:schemeClr val="bg1"/>
+                </a:solidFill>
+                <a:latin typeface="Consolas" pitchFamily="49" charset="0"/>
+              </a:rPr>
+              <a:t> </a:t>
+            </a:r>
+            <a:r>
+              <a:rPr lang="fr-FR" sz="1600" dirty="0" smtClean="0">
+                <a:solidFill>
+                  <a:schemeClr val="bg1">
+                    <a:lumMod val="65000"/>
+                  </a:schemeClr>
+                </a:solidFill>
+                <a:latin typeface="Consolas" pitchFamily="49" charset="0"/>
+              </a:rPr>
+              <a:t>&lt;</a:t>
+            </a:r>
+            <a:r>
+              <a:rPr lang="fr-FR" sz="1600" dirty="0" smtClean="0">
+                <a:solidFill>
+                  <a:srgbClr val="0070C0"/>
+                </a:solidFill>
+                <a:latin typeface="Consolas" pitchFamily="49" charset="0"/>
+              </a:rPr>
+              <a:t>div</a:t>
+            </a:r>
+            <a:r>
+              <a:rPr lang="fr-FR" sz="1600" dirty="0" smtClean="0">
+                <a:solidFill>
+                  <a:schemeClr val="bg1"/>
+                </a:solidFill>
+                <a:latin typeface="Consolas" pitchFamily="49" charset="0"/>
+              </a:rPr>
+              <a:t> </a:t>
+            </a:r>
+            <a:r>
+              <a:rPr lang="fr-FR" sz="1600" dirty="0" smtClean="0">
+                <a:solidFill>
+                  <a:srgbClr val="00B0F0"/>
+                </a:solidFill>
+                <a:latin typeface="Consolas" pitchFamily="49" charset="0"/>
+              </a:rPr>
+              <a:t>*</a:t>
+            </a:r>
+            <a:r>
+              <a:rPr lang="fr-FR" sz="1600" dirty="0" err="1" smtClean="0">
+                <a:solidFill>
+                  <a:srgbClr val="00B0F0"/>
+                </a:solidFill>
+                <a:latin typeface="Consolas" pitchFamily="49" charset="0"/>
+              </a:rPr>
+              <a:t>ngIf</a:t>
+            </a:r>
+            <a:r>
+              <a:rPr lang="fr-FR" sz="1600" dirty="0" smtClean="0">
+                <a:solidFill>
+                  <a:schemeClr val="bg1"/>
+                </a:solidFill>
+                <a:latin typeface="Consolas" pitchFamily="49" charset="0"/>
+              </a:rPr>
+              <a:t>=</a:t>
+            </a:r>
+            <a:r>
+              <a:rPr lang="fr-FR" sz="1600" dirty="0" smtClean="0">
+                <a:solidFill>
+                  <a:schemeClr val="accent5"/>
+                </a:solidFill>
+                <a:latin typeface="Consolas" pitchFamily="49" charset="0"/>
+              </a:rPr>
+              <a:t>"</a:t>
+            </a:r>
+            <a:r>
+              <a:rPr lang="fr-FR" sz="1600" dirty="0" err="1" smtClean="0">
+                <a:solidFill>
+                  <a:schemeClr val="accent5"/>
+                </a:solidFill>
+                <a:latin typeface="Consolas" pitchFamily="49" charset="0"/>
+              </a:rPr>
+              <a:t>userForm.controls</a:t>
+            </a:r>
+            <a:r>
+              <a:rPr lang="fr-FR" sz="1600" dirty="0" smtClean="0">
+                <a:solidFill>
+                  <a:schemeClr val="accent5"/>
+                </a:solidFill>
+                <a:latin typeface="Consolas" pitchFamily="49" charset="0"/>
+              </a:rPr>
+              <a:t>['</a:t>
+            </a:r>
+            <a:r>
+              <a:rPr lang="fr-FR" sz="1600" dirty="0" err="1" smtClean="0">
+                <a:solidFill>
+                  <a:schemeClr val="accent5"/>
+                </a:solidFill>
+                <a:latin typeface="Consolas" pitchFamily="49" charset="0"/>
+              </a:rPr>
+              <a:t>firstname</a:t>
+            </a:r>
+            <a:r>
+              <a:rPr lang="fr-FR" sz="1600" dirty="0">
+                <a:solidFill>
+                  <a:schemeClr val="accent5"/>
+                </a:solidFill>
+                <a:latin typeface="Consolas" pitchFamily="49" charset="0"/>
+              </a:rPr>
+              <a:t>'].</a:t>
+            </a:r>
+            <a:r>
+              <a:rPr lang="fr-FR" sz="1600" dirty="0" err="1">
+                <a:solidFill>
+                  <a:schemeClr val="accent5"/>
+                </a:solidFill>
+                <a:latin typeface="Consolas" pitchFamily="49" charset="0"/>
+              </a:rPr>
+              <a:t>invalid</a:t>
+            </a:r>
+            <a:r>
+              <a:rPr lang="fr-FR" sz="1600" dirty="0">
+                <a:solidFill>
+                  <a:schemeClr val="accent5"/>
+                </a:solidFill>
+                <a:latin typeface="Consolas" pitchFamily="49" charset="0"/>
+              </a:rPr>
+              <a:t> &amp;&amp; </a:t>
+            </a:r>
+            <a:r>
+              <a:rPr lang="fr-FR" sz="1600" dirty="0" smtClean="0">
+                <a:solidFill>
+                  <a:schemeClr val="accent5"/>
+                </a:solidFill>
+                <a:latin typeface="Consolas" pitchFamily="49" charset="0"/>
+              </a:rPr>
+              <a:t>(</a:t>
+            </a:r>
+            <a:r>
+              <a:rPr lang="fr-FR" sz="1600" dirty="0" err="1" smtClean="0">
+                <a:solidFill>
+                  <a:schemeClr val="accent5"/>
+                </a:solidFill>
+                <a:latin typeface="Consolas" pitchFamily="49" charset="0"/>
+              </a:rPr>
+              <a:t>userForm.controls</a:t>
+            </a:r>
+            <a:r>
+              <a:rPr lang="fr-FR" sz="1600" dirty="0" smtClean="0">
+                <a:solidFill>
+                  <a:schemeClr val="accent5"/>
+                </a:solidFill>
+                <a:latin typeface="Consolas" pitchFamily="49" charset="0"/>
+              </a:rPr>
+              <a:t>['</a:t>
+            </a:r>
+            <a:r>
+              <a:rPr lang="fr-FR" sz="1600" dirty="0" err="1" smtClean="0">
+                <a:solidFill>
+                  <a:schemeClr val="accent5"/>
+                </a:solidFill>
+                <a:latin typeface="Consolas" pitchFamily="49" charset="0"/>
+              </a:rPr>
+              <a:t>firstname</a:t>
+            </a:r>
+            <a:r>
+              <a:rPr lang="fr-FR" sz="1600" dirty="0">
+                <a:solidFill>
+                  <a:schemeClr val="accent5"/>
+                </a:solidFill>
+                <a:latin typeface="Consolas" pitchFamily="49" charset="0"/>
+              </a:rPr>
+              <a:t>'].</a:t>
+            </a:r>
+            <a:r>
+              <a:rPr lang="fr-FR" sz="1600" dirty="0" err="1">
+                <a:solidFill>
+                  <a:schemeClr val="accent5"/>
+                </a:solidFill>
+                <a:latin typeface="Consolas" pitchFamily="49" charset="0"/>
+              </a:rPr>
+              <a:t>dirty</a:t>
+            </a:r>
+            <a:r>
+              <a:rPr lang="fr-FR" sz="1600" dirty="0">
+                <a:solidFill>
+                  <a:schemeClr val="accent5"/>
+                </a:solidFill>
+                <a:latin typeface="Consolas" pitchFamily="49" charset="0"/>
+              </a:rPr>
+              <a:t> || </a:t>
+            </a:r>
+            <a:r>
+              <a:rPr lang="fr-FR" sz="1600" dirty="0" err="1" smtClean="0">
+                <a:solidFill>
+                  <a:schemeClr val="accent5"/>
+                </a:solidFill>
+                <a:latin typeface="Consolas" pitchFamily="49" charset="0"/>
+              </a:rPr>
+              <a:t>userForm.controls</a:t>
+            </a:r>
+            <a:r>
+              <a:rPr lang="fr-FR" sz="1600" dirty="0" smtClean="0">
+                <a:solidFill>
+                  <a:schemeClr val="accent5"/>
+                </a:solidFill>
+                <a:latin typeface="Consolas" pitchFamily="49" charset="0"/>
+              </a:rPr>
+              <a:t>['</a:t>
+            </a:r>
+            <a:r>
+              <a:rPr lang="fr-FR" sz="1600" dirty="0" err="1" smtClean="0">
+                <a:solidFill>
+                  <a:schemeClr val="accent5"/>
+                </a:solidFill>
+                <a:latin typeface="Consolas" pitchFamily="49" charset="0"/>
+              </a:rPr>
+              <a:t>firstname</a:t>
+            </a:r>
+            <a:r>
+              <a:rPr lang="fr-FR" sz="1600" dirty="0">
+                <a:solidFill>
+                  <a:schemeClr val="accent5"/>
+                </a:solidFill>
+                <a:latin typeface="Consolas" pitchFamily="49" charset="0"/>
+              </a:rPr>
+              <a:t>'].</a:t>
+            </a:r>
+            <a:r>
+              <a:rPr lang="fr-FR" sz="1600" dirty="0" err="1">
+                <a:solidFill>
+                  <a:schemeClr val="accent5"/>
+                </a:solidFill>
+                <a:latin typeface="Consolas" pitchFamily="49" charset="0"/>
+              </a:rPr>
+              <a:t>touched</a:t>
+            </a:r>
+            <a:r>
+              <a:rPr lang="fr-FR" sz="1600" dirty="0" smtClean="0">
+                <a:solidFill>
+                  <a:schemeClr val="accent5"/>
+                </a:solidFill>
+                <a:latin typeface="Consolas" pitchFamily="49" charset="0"/>
+              </a:rPr>
+              <a:t>)"</a:t>
+            </a:r>
+            <a:r>
+              <a:rPr lang="fr-FR" sz="1600" dirty="0" smtClean="0">
+                <a:solidFill>
+                  <a:schemeClr val="bg1">
+                    <a:lumMod val="65000"/>
+                  </a:schemeClr>
+                </a:solidFill>
+                <a:latin typeface="Consolas" pitchFamily="49" charset="0"/>
+              </a:rPr>
+              <a:t>&gt;</a:t>
+            </a:r>
+          </a:p>
+          <a:p>
+            <a:r>
+              <a:rPr lang="fr-FR" sz="1600" dirty="0">
+                <a:solidFill>
+                  <a:schemeClr val="bg1">
+                    <a:lumMod val="65000"/>
+                  </a:schemeClr>
+                </a:solidFill>
+                <a:latin typeface="Consolas" pitchFamily="49" charset="0"/>
+              </a:rPr>
+              <a:t> </a:t>
+            </a:r>
+            <a:r>
+              <a:rPr lang="fr-FR" sz="1600" dirty="0" smtClean="0">
+                <a:solidFill>
+                  <a:schemeClr val="bg1">
+                    <a:lumMod val="65000"/>
+                  </a:schemeClr>
+                </a:solidFill>
+                <a:latin typeface="Consolas" pitchFamily="49" charset="0"/>
+              </a:rPr>
+              <a:t>   </a:t>
+            </a:r>
+            <a:r>
+              <a:rPr lang="fr-FR" sz="1600" dirty="0">
+                <a:solidFill>
+                  <a:schemeClr val="bg1">
+                    <a:lumMod val="65000"/>
+                  </a:schemeClr>
+                </a:solidFill>
+                <a:latin typeface="Consolas" pitchFamily="49" charset="0"/>
+              </a:rPr>
+              <a:t>&lt;</a:t>
+            </a:r>
+            <a:r>
+              <a:rPr lang="fr-FR" sz="1600" dirty="0">
+                <a:solidFill>
+                  <a:srgbClr val="0070C0"/>
+                </a:solidFill>
+                <a:latin typeface="Consolas" pitchFamily="49" charset="0"/>
+              </a:rPr>
+              <a:t>div</a:t>
+            </a:r>
+            <a:r>
+              <a:rPr lang="fr-FR" sz="1600" dirty="0">
+                <a:solidFill>
+                  <a:schemeClr val="bg1"/>
+                </a:solidFill>
+                <a:latin typeface="Consolas" pitchFamily="49" charset="0"/>
+              </a:rPr>
+              <a:t> </a:t>
+            </a:r>
+            <a:r>
+              <a:rPr lang="fr-FR" sz="1600" dirty="0">
+                <a:solidFill>
+                  <a:srgbClr val="00B0F0"/>
+                </a:solidFill>
+                <a:latin typeface="Consolas" pitchFamily="49" charset="0"/>
+              </a:rPr>
+              <a:t>*</a:t>
+            </a:r>
+            <a:r>
+              <a:rPr lang="fr-FR" sz="1600" dirty="0" err="1">
+                <a:solidFill>
+                  <a:srgbClr val="00B0F0"/>
+                </a:solidFill>
+                <a:latin typeface="Consolas" pitchFamily="49" charset="0"/>
+              </a:rPr>
+              <a:t>ngIf</a:t>
+            </a:r>
+            <a:r>
+              <a:rPr lang="fr-FR" sz="1600" dirty="0">
+                <a:solidFill>
+                  <a:schemeClr val="bg1"/>
+                </a:solidFill>
+                <a:latin typeface="Consolas" pitchFamily="49" charset="0"/>
+              </a:rPr>
+              <a:t>=</a:t>
+            </a:r>
+            <a:r>
+              <a:rPr lang="fr-FR" sz="1600" dirty="0">
+                <a:solidFill>
+                  <a:schemeClr val="accent5"/>
+                </a:solidFill>
+                <a:latin typeface="Consolas" pitchFamily="49" charset="0"/>
+              </a:rPr>
+              <a:t>"</a:t>
+            </a:r>
+            <a:r>
+              <a:rPr lang="fr-FR" sz="1600" dirty="0" err="1">
+                <a:solidFill>
+                  <a:schemeClr val="accent5"/>
+                </a:solidFill>
+                <a:latin typeface="Consolas" pitchFamily="49" charset="0"/>
+              </a:rPr>
+              <a:t>userForm.controls</a:t>
+            </a:r>
+            <a:r>
+              <a:rPr lang="fr-FR" sz="1600" dirty="0">
+                <a:solidFill>
+                  <a:schemeClr val="accent5"/>
+                </a:solidFill>
+                <a:latin typeface="Consolas" pitchFamily="49" charset="0"/>
+              </a:rPr>
+              <a:t>['</a:t>
+            </a:r>
+            <a:r>
+              <a:rPr lang="fr-FR" sz="1600" dirty="0" err="1">
+                <a:solidFill>
+                  <a:schemeClr val="accent5"/>
+                </a:solidFill>
+                <a:latin typeface="Consolas" pitchFamily="49" charset="0"/>
+              </a:rPr>
+              <a:t>firstname</a:t>
+            </a:r>
+            <a:r>
+              <a:rPr lang="fr-FR" sz="1600" dirty="0" smtClean="0">
+                <a:solidFill>
+                  <a:schemeClr val="accent5"/>
+                </a:solidFill>
+                <a:latin typeface="Consolas" pitchFamily="49" charset="0"/>
+              </a:rPr>
+              <a:t>'].</a:t>
+            </a:r>
+            <a:r>
+              <a:rPr lang="fr-FR" sz="1600" dirty="0" err="1" smtClean="0">
+                <a:solidFill>
+                  <a:schemeClr val="accent5"/>
+                </a:solidFill>
+                <a:latin typeface="Consolas" pitchFamily="49" charset="0"/>
+              </a:rPr>
+              <a:t>errors.required</a:t>
+            </a:r>
+            <a:r>
+              <a:rPr lang="fr-FR" sz="1600" dirty="0" smtClean="0">
+                <a:solidFill>
+                  <a:schemeClr val="accent5"/>
+                </a:solidFill>
+                <a:latin typeface="Consolas" pitchFamily="49" charset="0"/>
+              </a:rPr>
+              <a:t>"</a:t>
+            </a:r>
+            <a:r>
+              <a:rPr lang="fr-FR" sz="1600" dirty="0" smtClean="0">
+                <a:solidFill>
+                  <a:schemeClr val="bg1">
+                    <a:lumMod val="65000"/>
+                  </a:schemeClr>
+                </a:solidFill>
+                <a:latin typeface="Consolas" pitchFamily="49" charset="0"/>
+              </a:rPr>
+              <a:t>&gt;</a:t>
+            </a:r>
+            <a:endParaRPr lang="fr-FR" sz="1600" dirty="0">
+              <a:solidFill>
+                <a:schemeClr val="bg1">
+                  <a:lumMod val="65000"/>
+                </a:schemeClr>
+              </a:solidFill>
+              <a:latin typeface="Consolas" pitchFamily="49" charset="0"/>
+            </a:endParaRPr>
+          </a:p>
+          <a:p>
+            <a:r>
+              <a:rPr lang="fr-FR" sz="1600" dirty="0">
+                <a:solidFill>
+                  <a:schemeClr val="bg1">
+                    <a:lumMod val="65000"/>
+                  </a:schemeClr>
+                </a:solidFill>
+                <a:latin typeface="Consolas" pitchFamily="49" charset="0"/>
+              </a:rPr>
+              <a:t>    </a:t>
+            </a:r>
+            <a:r>
+              <a:rPr lang="fr-FR" sz="1600" dirty="0" smtClean="0">
+                <a:solidFill>
+                  <a:schemeClr val="bg1">
+                    <a:lumMod val="65000"/>
+                  </a:schemeClr>
+                </a:solidFill>
+                <a:latin typeface="Consolas" pitchFamily="49" charset="0"/>
+              </a:rPr>
+              <a:t>  </a:t>
+            </a:r>
+            <a:r>
+              <a:rPr lang="fr-FR" sz="1600" dirty="0" err="1" smtClean="0">
+                <a:solidFill>
+                  <a:schemeClr val="bg1"/>
+                </a:solidFill>
+                <a:latin typeface="Consolas" pitchFamily="49" charset="0"/>
+              </a:rPr>
+              <a:t>Firstname</a:t>
+            </a:r>
+            <a:r>
+              <a:rPr lang="fr-FR" sz="1600" dirty="0" smtClean="0">
+                <a:solidFill>
+                  <a:schemeClr val="bg1"/>
+                </a:solidFill>
+                <a:latin typeface="Consolas" pitchFamily="49" charset="0"/>
+              </a:rPr>
+              <a:t> </a:t>
+            </a:r>
+            <a:r>
+              <a:rPr lang="fr-FR" sz="1600" dirty="0" err="1" smtClean="0">
+                <a:solidFill>
+                  <a:schemeClr val="bg1"/>
+                </a:solidFill>
+                <a:latin typeface="Consolas" pitchFamily="49" charset="0"/>
+              </a:rPr>
+              <a:t>is</a:t>
+            </a:r>
+            <a:r>
+              <a:rPr lang="fr-FR" sz="1600" dirty="0">
+                <a:solidFill>
+                  <a:schemeClr val="bg1"/>
+                </a:solidFill>
+                <a:latin typeface="Consolas" pitchFamily="49" charset="0"/>
+              </a:rPr>
+              <a:t> </a:t>
+            </a:r>
+            <a:r>
+              <a:rPr lang="fr-FR" sz="1600" dirty="0" err="1" smtClean="0">
+                <a:solidFill>
+                  <a:schemeClr val="bg1"/>
+                </a:solidFill>
+                <a:latin typeface="Consolas" pitchFamily="49" charset="0"/>
+              </a:rPr>
+              <a:t>required</a:t>
+            </a:r>
+            <a:r>
+              <a:rPr lang="fr-FR" sz="1600" dirty="0" smtClean="0">
+                <a:solidFill>
+                  <a:schemeClr val="bg1"/>
+                </a:solidFill>
+                <a:latin typeface="Consolas" pitchFamily="49" charset="0"/>
+              </a:rPr>
+              <a:t> !</a:t>
+            </a:r>
+            <a:endParaRPr lang="fr-FR" sz="1600" dirty="0">
+              <a:solidFill>
+                <a:schemeClr val="bg1">
+                  <a:lumMod val="65000"/>
+                </a:schemeClr>
+              </a:solidFill>
+              <a:latin typeface="Consolas" pitchFamily="49" charset="0"/>
+            </a:endParaRPr>
+          </a:p>
+          <a:p>
+            <a:r>
+              <a:rPr lang="fr-FR" sz="1600" dirty="0">
+                <a:solidFill>
+                  <a:schemeClr val="bg1">
+                    <a:lumMod val="65000"/>
+                  </a:schemeClr>
+                </a:solidFill>
+                <a:latin typeface="Consolas" pitchFamily="49" charset="0"/>
+              </a:rPr>
+              <a:t>  </a:t>
+            </a:r>
+            <a:r>
+              <a:rPr lang="fr-FR" sz="1600" dirty="0" smtClean="0">
+                <a:solidFill>
+                  <a:schemeClr val="bg1">
+                    <a:lumMod val="65000"/>
+                  </a:schemeClr>
+                </a:solidFill>
+                <a:latin typeface="Consolas" pitchFamily="49" charset="0"/>
+              </a:rPr>
+              <a:t>  &lt;/</a:t>
+            </a:r>
+            <a:r>
+              <a:rPr lang="fr-FR" sz="1600" dirty="0">
+                <a:solidFill>
+                  <a:srgbClr val="0070C0"/>
+                </a:solidFill>
+                <a:latin typeface="Consolas" pitchFamily="49" charset="0"/>
+              </a:rPr>
+              <a:t>div</a:t>
+            </a:r>
+            <a:r>
+              <a:rPr lang="fr-FR" sz="1600" dirty="0" smtClean="0">
+                <a:solidFill>
+                  <a:schemeClr val="bg1">
+                    <a:lumMod val="65000"/>
+                  </a:schemeClr>
+                </a:solidFill>
+                <a:latin typeface="Consolas" pitchFamily="49" charset="0"/>
+              </a:rPr>
+              <a:t>&gt;</a:t>
+            </a:r>
+          </a:p>
+          <a:p>
+            <a:r>
+              <a:rPr lang="fr-FR" sz="1600" dirty="0" smtClean="0">
+                <a:solidFill>
+                  <a:schemeClr val="bg1">
+                    <a:lumMod val="65000"/>
+                  </a:schemeClr>
+                </a:solidFill>
+                <a:latin typeface="Consolas" pitchFamily="49" charset="0"/>
+              </a:rPr>
+              <a:t>  &lt;/</a:t>
+            </a:r>
+            <a:r>
+              <a:rPr lang="fr-FR" sz="1600" dirty="0" smtClean="0">
+                <a:solidFill>
+                  <a:srgbClr val="0070C0"/>
+                </a:solidFill>
+                <a:latin typeface="Consolas" pitchFamily="49" charset="0"/>
+              </a:rPr>
+              <a:t>div</a:t>
+            </a:r>
+            <a:r>
+              <a:rPr lang="fr-FR" sz="1600" dirty="0" smtClean="0">
+                <a:solidFill>
+                  <a:schemeClr val="bg1">
+                    <a:lumMod val="65000"/>
+                  </a:schemeClr>
+                </a:solidFill>
+                <a:latin typeface="Consolas" pitchFamily="49" charset="0"/>
+              </a:rPr>
+              <a:t>&gt;</a:t>
+            </a:r>
+          </a:p>
+          <a:p>
+            <a:r>
+              <a:rPr lang="fr-FR" sz="1600" dirty="0" smtClean="0">
+                <a:solidFill>
+                  <a:schemeClr val="bg1"/>
+                </a:solidFill>
+                <a:latin typeface="Consolas" pitchFamily="49" charset="0"/>
+              </a:rPr>
+              <a:t>  </a:t>
+            </a:r>
+            <a:r>
+              <a:rPr lang="fr-FR" sz="1600" dirty="0" smtClean="0">
+                <a:solidFill>
+                  <a:schemeClr val="bg1">
+                    <a:lumMod val="65000"/>
+                  </a:schemeClr>
+                </a:solidFill>
+                <a:latin typeface="Consolas" pitchFamily="49" charset="0"/>
+              </a:rPr>
+              <a:t>&lt;</a:t>
+            </a:r>
+            <a:r>
+              <a:rPr lang="fr-FR" sz="1600" dirty="0" err="1" smtClean="0">
+                <a:solidFill>
+                  <a:srgbClr val="0070C0"/>
+                </a:solidFill>
+                <a:latin typeface="Consolas" pitchFamily="49" charset="0"/>
+              </a:rPr>
+              <a:t>button</a:t>
+            </a:r>
+            <a:r>
+              <a:rPr lang="fr-FR" sz="1600" dirty="0" smtClean="0">
+                <a:solidFill>
+                  <a:schemeClr val="bg1"/>
+                </a:solidFill>
+                <a:latin typeface="Consolas" pitchFamily="49" charset="0"/>
+              </a:rPr>
+              <a:t> </a:t>
+            </a:r>
+            <a:r>
+              <a:rPr lang="fr-FR" sz="1600" dirty="0" smtClean="0">
+                <a:solidFill>
+                  <a:srgbClr val="00B0F0"/>
+                </a:solidFill>
+                <a:latin typeface="Consolas" pitchFamily="49" charset="0"/>
+              </a:rPr>
+              <a:t>type</a:t>
+            </a:r>
+            <a:r>
+              <a:rPr lang="fr-FR" sz="1600" dirty="0" smtClean="0">
+                <a:solidFill>
+                  <a:schemeClr val="bg1"/>
+                </a:solidFill>
+                <a:latin typeface="Consolas" pitchFamily="49" charset="0"/>
+              </a:rPr>
+              <a:t>=</a:t>
+            </a:r>
+            <a:r>
+              <a:rPr lang="fr-FR" sz="1600" dirty="0" smtClean="0">
+                <a:solidFill>
+                  <a:schemeClr val="accent5"/>
+                </a:solidFill>
+                <a:latin typeface="Consolas" pitchFamily="49" charset="0"/>
+              </a:rPr>
+              <a:t>"</a:t>
+            </a:r>
+            <a:r>
+              <a:rPr lang="fr-FR" sz="1600" dirty="0" err="1" smtClean="0">
+                <a:solidFill>
+                  <a:schemeClr val="accent5"/>
+                </a:solidFill>
+                <a:latin typeface="Consolas" pitchFamily="49" charset="0"/>
+              </a:rPr>
+              <a:t>submit</a:t>
+            </a:r>
+            <a:r>
+              <a:rPr lang="fr-FR" sz="1600" dirty="0" smtClean="0">
+                <a:solidFill>
+                  <a:schemeClr val="accent5"/>
+                </a:solidFill>
+                <a:latin typeface="Consolas" pitchFamily="49" charset="0"/>
+              </a:rPr>
+              <a:t>"</a:t>
+            </a:r>
+            <a:r>
+              <a:rPr lang="fr-FR" sz="1600" dirty="0" smtClean="0">
+                <a:solidFill>
+                  <a:schemeClr val="bg1">
+                    <a:lumMod val="65000"/>
+                  </a:schemeClr>
+                </a:solidFill>
+                <a:latin typeface="Consolas" pitchFamily="49" charset="0"/>
+              </a:rPr>
+              <a:t>&gt;</a:t>
+            </a:r>
+            <a:r>
+              <a:rPr lang="fr-FR" sz="1600" dirty="0" err="1" smtClean="0">
+                <a:solidFill>
+                  <a:schemeClr val="bg1"/>
+                </a:solidFill>
+                <a:latin typeface="Consolas" pitchFamily="49" charset="0"/>
+              </a:rPr>
+              <a:t>Valid</a:t>
+            </a:r>
+            <a:r>
+              <a:rPr lang="fr-FR" sz="1600" dirty="0" smtClean="0">
+                <a:solidFill>
+                  <a:schemeClr val="bg1">
+                    <a:lumMod val="65000"/>
+                  </a:schemeClr>
+                </a:solidFill>
+                <a:latin typeface="Consolas" pitchFamily="49" charset="0"/>
+              </a:rPr>
+              <a:t>&lt;/</a:t>
+            </a:r>
+            <a:r>
+              <a:rPr lang="fr-FR" sz="1600" dirty="0" err="1" smtClean="0">
+                <a:solidFill>
+                  <a:srgbClr val="0070C0"/>
+                </a:solidFill>
+                <a:latin typeface="Consolas" pitchFamily="49" charset="0"/>
+              </a:rPr>
+              <a:t>button</a:t>
+            </a:r>
+            <a:r>
+              <a:rPr lang="fr-FR" sz="1600" dirty="0" smtClean="0">
+                <a:solidFill>
+                  <a:schemeClr val="bg1">
+                    <a:lumMod val="65000"/>
+                  </a:schemeClr>
+                </a:solidFill>
+                <a:latin typeface="Consolas" pitchFamily="49" charset="0"/>
+              </a:rPr>
+              <a:t>&gt;</a:t>
+            </a:r>
+          </a:p>
+          <a:p>
+            <a:r>
+              <a:rPr lang="fr-FR" sz="1600" dirty="0" smtClean="0">
+                <a:solidFill>
+                  <a:schemeClr val="bg1">
+                    <a:lumMod val="65000"/>
+                  </a:schemeClr>
+                </a:solidFill>
+                <a:latin typeface="Consolas" pitchFamily="49" charset="0"/>
+              </a:rPr>
+              <a:t>&lt;/</a:t>
+            </a:r>
+            <a:r>
+              <a:rPr lang="fr-FR" sz="1600" dirty="0" err="1" smtClean="0">
+                <a:solidFill>
+                  <a:srgbClr val="0070C0"/>
+                </a:solidFill>
+                <a:latin typeface="Consolas" pitchFamily="49" charset="0"/>
+              </a:rPr>
+              <a:t>form</a:t>
+            </a:r>
+            <a:r>
+              <a:rPr lang="fr-FR" sz="1600" dirty="0" smtClean="0">
+                <a:solidFill>
+                  <a:schemeClr val="bg1">
+                    <a:lumMod val="65000"/>
+                  </a:schemeClr>
+                </a:solidFill>
+                <a:latin typeface="Consolas" pitchFamily="49" charset="0"/>
+              </a:rPr>
+              <a:t>&gt;</a:t>
+            </a:r>
+            <a:endParaRPr lang="fr-FR" sz="1600" dirty="0">
+              <a:solidFill>
+                <a:schemeClr val="bg1">
+                  <a:lumMod val="65000"/>
+                </a:schemeClr>
+              </a:solidFill>
+              <a:latin typeface="Consolas" pitchFamily="49" charset="0"/>
+            </a:endParaRPr>
+          </a:p>
+        </p:txBody>
+      </p:sp>
     </p:spTree>
     <p:extLst>
       <p:ext uri="{BB962C8B-B14F-4D97-AF65-F5344CB8AC3E}">
-        <p14:creationId xmlns:p14="http://schemas.microsoft.com/office/powerpoint/2010/main" val="3777427707"/>
+        <p14:creationId xmlns:p14="http://schemas.microsoft.com/office/powerpoint/2010/main" val="2691860629"/>
       </p:ext>
     </p:extLst>
   </p:cSld>
@@ -10622,7 +15714,2256 @@
       </p:grpSpPr>
       <p:sp>
         <p:nvSpPr>
-          <p:cNvPr id="3" name="Title 2"/>
+          <p:cNvPr id="2" name="Titre 1"/>
+          <p:cNvSpPr>
+            <a:spLocks noGrp="1"/>
+          </p:cNvSpPr>
+          <p:nvPr>
+            <p:ph type="title"/>
+          </p:nvPr>
+        </p:nvSpPr>
+        <p:spPr/>
+        <p:txBody>
+          <a:bodyPr/>
+          <a:lstStyle/>
+          <a:p>
+            <a:r>
+              <a:rPr lang="fr-FR" dirty="0" smtClean="0"/>
+              <a:t>Formulaires</a:t>
+            </a:r>
+            <a:endParaRPr lang="fr-FR" dirty="0"/>
+          </a:p>
+        </p:txBody>
+      </p:sp>
+      <p:sp>
+        <p:nvSpPr>
+          <p:cNvPr id="3" name="Espace réservé du contenu 2"/>
+          <p:cNvSpPr>
+            <a:spLocks noGrp="1"/>
+          </p:cNvSpPr>
+          <p:nvPr>
+            <p:ph sz="quarter" idx="17"/>
+          </p:nvPr>
+        </p:nvSpPr>
+        <p:spPr/>
+        <p:txBody>
+          <a:bodyPr>
+            <a:normAutofit/>
+          </a:bodyPr>
+          <a:lstStyle/>
+          <a:p>
+            <a:pPr marL="342900" indent="-342900">
+              <a:buFont typeface="Arial" panose="020B0604020202020204" pitchFamily="34" charset="0"/>
+              <a:buChar char="•"/>
+            </a:pPr>
+            <a:r>
+              <a:rPr lang="fr-FR" dirty="0" smtClean="0"/>
+              <a:t>Combinaison de validations</a:t>
+            </a:r>
+            <a:endParaRPr lang="fr-FR" dirty="0"/>
+          </a:p>
+          <a:p>
+            <a:pPr marL="342900" indent="-342900">
+              <a:buFont typeface="Arial" panose="020B0604020202020204" pitchFamily="34" charset="0"/>
+              <a:buChar char="•"/>
+            </a:pPr>
+            <a:endParaRPr lang="fr-FR" dirty="0"/>
+          </a:p>
+        </p:txBody>
+      </p:sp>
+      <p:sp>
+        <p:nvSpPr>
+          <p:cNvPr id="4" name="Espace réservé du numéro de diapositive 3"/>
+          <p:cNvSpPr>
+            <a:spLocks noGrp="1"/>
+          </p:cNvSpPr>
+          <p:nvPr>
+            <p:ph type="sldNum" sz="quarter" idx="12"/>
+          </p:nvPr>
+        </p:nvSpPr>
+        <p:spPr/>
+        <p:txBody>
+          <a:bodyPr/>
+          <a:lstStyle/>
+          <a:p>
+            <a:fld id="{525A3C56-E491-49B2-93F3-63532DF516BC}" type="slidenum">
+              <a:rPr lang="en-GB" smtClean="0"/>
+              <a:pPr/>
+              <a:t>15</a:t>
+            </a:fld>
+            <a:endParaRPr lang="en-GB" dirty="0"/>
+          </a:p>
+        </p:txBody>
+      </p:sp>
+      <p:sp>
+        <p:nvSpPr>
+          <p:cNvPr id="5" name="Espace réservé du contenu 1"/>
+          <p:cNvSpPr txBox="1">
+            <a:spLocks/>
+          </p:cNvSpPr>
+          <p:nvPr/>
+        </p:nvSpPr>
+        <p:spPr>
+          <a:xfrm>
+            <a:off x="626245" y="1677412"/>
+            <a:ext cx="8060555" cy="4215388"/>
+          </a:xfrm>
+          <a:prstGeom prst="rect">
+            <a:avLst/>
+          </a:prstGeom>
+          <a:solidFill>
+            <a:schemeClr val="tx1">
+              <a:lumMod val="75000"/>
+            </a:schemeClr>
+          </a:solidFill>
+        </p:spPr>
+        <p:txBody>
+          <a:bodyPr lIns="0" tIns="0" rIns="0" bIns="0">
+            <a:normAutofit lnSpcReduction="10000"/>
+          </a:bodyPr>
+          <a:lstStyle>
+            <a:lvl1pPr marL="0" indent="0" algn="l" defTabSz="914400" rtl="0" eaLnBrk="1" latinLnBrk="0" hangingPunct="1">
+              <a:spcBef>
+                <a:spcPts val="500"/>
+              </a:spcBef>
+              <a:buClr>
+                <a:schemeClr val="accent1"/>
+              </a:buClr>
+              <a:buSzPct val="110000"/>
+              <a:buFont typeface="Arial" pitchFamily="34" charset="0"/>
+              <a:buNone/>
+              <a:defRPr sz="2000" kern="1200">
+                <a:solidFill>
+                  <a:schemeClr val="tx1"/>
+                </a:solidFill>
+                <a:latin typeface="Arial" pitchFamily="34" charset="0"/>
+                <a:ea typeface="+mn-ea"/>
+                <a:cs typeface="+mn-cs"/>
+              </a:defRPr>
+            </a:lvl1pPr>
+            <a:lvl2pPr marL="263525" indent="-263525" algn="l" defTabSz="914400" rtl="0" eaLnBrk="1" latinLnBrk="0" hangingPunct="1">
+              <a:spcBef>
+                <a:spcPts val="500"/>
+              </a:spcBef>
+              <a:buClr>
+                <a:schemeClr val="accent1"/>
+              </a:buClr>
+              <a:buSzPct val="110000"/>
+              <a:buFont typeface="Arial" pitchFamily="34" charset="0"/>
+              <a:buChar char="•"/>
+              <a:defRPr sz="2000" kern="1200" baseline="0">
+                <a:solidFill>
+                  <a:schemeClr val="tx1"/>
+                </a:solidFill>
+                <a:latin typeface="Arial" pitchFamily="34" charset="0"/>
+                <a:ea typeface="+mn-ea"/>
+                <a:cs typeface="+mn-cs"/>
+              </a:defRPr>
+            </a:lvl2pPr>
+            <a:lvl3pPr marL="536575" indent="-273050" algn="l" defTabSz="914400" rtl="0" eaLnBrk="1" latinLnBrk="0" hangingPunct="1">
+              <a:spcBef>
+                <a:spcPts val="500"/>
+              </a:spcBef>
+              <a:buClr>
+                <a:schemeClr val="accent1"/>
+              </a:buClr>
+              <a:buSzPct val="110000"/>
+              <a:buFont typeface="Arial" pitchFamily="34" charset="0"/>
+              <a:buChar char="•"/>
+              <a:defRPr sz="1800" kern="1200" baseline="0">
+                <a:solidFill>
+                  <a:schemeClr val="tx1"/>
+                </a:solidFill>
+                <a:latin typeface="Arial" pitchFamily="34" charset="0"/>
+                <a:ea typeface="+mn-ea"/>
+                <a:cs typeface="+mn-cs"/>
+              </a:defRPr>
+            </a:lvl3pPr>
+            <a:lvl4pPr marL="811213" indent="-274638" algn="l" defTabSz="914400" rtl="0" eaLnBrk="1" latinLnBrk="0" hangingPunct="1">
+              <a:spcBef>
+                <a:spcPts val="500"/>
+              </a:spcBef>
+              <a:buClr>
+                <a:schemeClr val="accent1"/>
+              </a:buClr>
+              <a:buSzPct val="110000"/>
+              <a:buFont typeface="Arial" pitchFamily="34" charset="0"/>
+              <a:buChar char="•"/>
+              <a:defRPr sz="1600" kern="1200" baseline="0">
+                <a:solidFill>
+                  <a:schemeClr val="tx1"/>
+                </a:solidFill>
+                <a:latin typeface="Arial" pitchFamily="34" charset="0"/>
+                <a:ea typeface="+mn-ea"/>
+                <a:cs typeface="+mn-cs"/>
+              </a:defRPr>
+            </a:lvl4pPr>
+            <a:lvl5pPr marL="1074738" indent="-263525" algn="l" defTabSz="914400" rtl="0" eaLnBrk="1" latinLnBrk="0" hangingPunct="1">
+              <a:spcBef>
+                <a:spcPts val="500"/>
+              </a:spcBef>
+              <a:buClr>
+                <a:schemeClr val="accent1"/>
+              </a:buClr>
+              <a:buSzPct val="110000"/>
+              <a:buFont typeface="Arial" pitchFamily="34" charset="0"/>
+              <a:buChar char="•"/>
+              <a:defRPr sz="1400" kern="1200" baseline="0">
+                <a:solidFill>
+                  <a:schemeClr val="tx1"/>
+                </a:solidFill>
+                <a:latin typeface="Arial" pitchFamily="34" charset="0"/>
+                <a:ea typeface="+mn-ea"/>
+                <a:cs typeface="+mn-cs"/>
+              </a:defRPr>
+            </a:lvl5pPr>
+            <a:lvl6pPr marL="1136650" indent="-215900" algn="l" defTabSz="914400" rtl="0" eaLnBrk="1" latinLnBrk="0" hangingPunct="1">
+              <a:spcBef>
+                <a:spcPts val="500"/>
+              </a:spcBef>
+              <a:buClr>
+                <a:schemeClr val="accent1"/>
+              </a:buClr>
+              <a:buFont typeface="Verdana" pitchFamily="34" charset="0"/>
+              <a:buNone/>
+              <a:defRPr sz="1400" kern="1200" baseline="0">
+                <a:solidFill>
+                  <a:schemeClr val="tx1"/>
+                </a:solidFill>
+                <a:latin typeface="+mn-lt"/>
+                <a:ea typeface="+mn-ea"/>
+                <a:cs typeface="+mn-cs"/>
+              </a:defRPr>
+            </a:lvl6pPr>
+            <a:lvl7pPr marL="1343025" indent="-228600" algn="l" defTabSz="914400" rtl="0" eaLnBrk="1" latinLnBrk="0" hangingPunct="1">
+              <a:spcBef>
+                <a:spcPts val="500"/>
+              </a:spcBef>
+              <a:buClr>
+                <a:schemeClr val="tx1">
+                  <a:lumMod val="60000"/>
+                  <a:lumOff val="40000"/>
+                </a:schemeClr>
+              </a:buClr>
+              <a:buFont typeface="Verdana" pitchFamily="34" charset="0"/>
+              <a:buChar char="•"/>
+              <a:defRPr sz="1400" kern="1200" baseline="0">
+                <a:solidFill>
+                  <a:schemeClr val="tx1"/>
+                </a:solidFill>
+                <a:latin typeface="+mn-lt"/>
+                <a:ea typeface="+mn-ea"/>
+                <a:cs typeface="+mn-cs"/>
+              </a:defRPr>
+            </a:lvl7pPr>
+            <a:lvl8pPr marL="3429000" indent="-228600" algn="l" defTabSz="914400" rtl="0" eaLnBrk="1" latinLnBrk="0" hangingPunct="1">
+              <a:spcBef>
+                <a:spcPct val="20000"/>
+              </a:spcBef>
+              <a:buFont typeface="Arial" pitchFamily="34" charset="0"/>
+              <a:buChar char="•"/>
+              <a:defRPr sz="2000" kern="1200">
+                <a:solidFill>
+                  <a:schemeClr val="tx1"/>
+                </a:solidFill>
+                <a:latin typeface="+mn-lt"/>
+                <a:ea typeface="+mn-ea"/>
+                <a:cs typeface="+mn-cs"/>
+              </a:defRPr>
+            </a:lvl8pPr>
+            <a:lvl9pPr marL="3886200" indent="-228600" algn="l" defTabSz="914400" rtl="0" eaLnBrk="1" latinLnBrk="0" hangingPunct="1">
+              <a:spcBef>
+                <a:spcPct val="20000"/>
+              </a:spcBef>
+              <a:buFont typeface="Arial" pitchFamily="34" charset="0"/>
+              <a:buChar char="•"/>
+              <a:defRPr sz="2000" kern="1200">
+                <a:solidFill>
+                  <a:schemeClr val="tx1"/>
+                </a:solidFill>
+                <a:latin typeface="+mn-lt"/>
+                <a:ea typeface="+mn-ea"/>
+                <a:cs typeface="+mn-cs"/>
+              </a:defRPr>
+            </a:lvl9pPr>
+          </a:lstStyle>
+          <a:p>
+            <a:r>
+              <a:rPr lang="fr-FR" sz="1600" dirty="0">
+                <a:solidFill>
+                  <a:srgbClr val="92D050"/>
+                </a:solidFill>
+                <a:latin typeface="Consolas" pitchFamily="49" charset="0"/>
+              </a:rPr>
+              <a:t>@Component</a:t>
+            </a:r>
+            <a:r>
+              <a:rPr lang="fr-FR" sz="1600" dirty="0">
+                <a:solidFill>
+                  <a:schemeClr val="bg1"/>
+                </a:solidFill>
+                <a:latin typeface="Consolas" pitchFamily="49" charset="0"/>
+              </a:rPr>
+              <a:t>({})</a:t>
+            </a:r>
+            <a:br>
+              <a:rPr lang="fr-FR" sz="1600" dirty="0">
+                <a:solidFill>
+                  <a:schemeClr val="bg1"/>
+                </a:solidFill>
+                <a:latin typeface="Consolas" pitchFamily="49" charset="0"/>
+              </a:rPr>
+            </a:br>
+            <a:r>
+              <a:rPr lang="fr-FR" sz="1600" dirty="0">
+                <a:solidFill>
+                  <a:srgbClr val="7030A0"/>
+                </a:solidFill>
+                <a:latin typeface="Consolas" pitchFamily="49" charset="0"/>
+              </a:rPr>
+              <a:t>export</a:t>
+            </a:r>
+            <a:r>
+              <a:rPr lang="fr-FR" sz="1600" dirty="0">
+                <a:solidFill>
+                  <a:schemeClr val="bg1"/>
+                </a:solidFill>
+                <a:latin typeface="Consolas" pitchFamily="49" charset="0"/>
+              </a:rPr>
+              <a:t> </a:t>
+            </a:r>
+            <a:r>
+              <a:rPr lang="fr-FR" sz="1600" dirty="0">
+                <a:solidFill>
+                  <a:srgbClr val="0070C0"/>
+                </a:solidFill>
+                <a:latin typeface="Consolas" pitchFamily="49" charset="0"/>
+              </a:rPr>
+              <a:t>class</a:t>
+            </a:r>
+            <a:r>
+              <a:rPr lang="fr-FR" sz="1600" dirty="0">
+                <a:solidFill>
+                  <a:schemeClr val="bg1"/>
+                </a:solidFill>
+                <a:latin typeface="Consolas" pitchFamily="49" charset="0"/>
+              </a:rPr>
+              <a:t> </a:t>
+            </a:r>
+            <a:r>
+              <a:rPr lang="fr-FR" sz="1600" dirty="0" err="1">
+                <a:solidFill>
+                  <a:srgbClr val="00B0F0"/>
+                </a:solidFill>
+                <a:latin typeface="Consolas" pitchFamily="49" charset="0"/>
+              </a:rPr>
+              <a:t>UserComponent</a:t>
+            </a:r>
+            <a:r>
+              <a:rPr lang="fr-FR" sz="1600" dirty="0">
+                <a:solidFill>
+                  <a:schemeClr val="bg1"/>
+                </a:solidFill>
+                <a:latin typeface="Consolas" pitchFamily="49" charset="0"/>
+              </a:rPr>
+              <a:t> </a:t>
+            </a:r>
+            <a:r>
+              <a:rPr lang="fr-FR" sz="1600" dirty="0" smtClean="0">
+                <a:solidFill>
+                  <a:schemeClr val="bg1"/>
+                </a:solidFill>
+                <a:latin typeface="Consolas" pitchFamily="49" charset="0"/>
+              </a:rPr>
+              <a:t>{</a:t>
+            </a:r>
+          </a:p>
+          <a:p>
+            <a:r>
+              <a:rPr lang="fr-FR" sz="1600" dirty="0" smtClean="0">
+                <a:solidFill>
+                  <a:srgbClr val="0070C0"/>
+                </a:solidFill>
+                <a:latin typeface="Consolas" pitchFamily="49" charset="0"/>
+              </a:rPr>
+              <a:t>   public</a:t>
+            </a:r>
+            <a:r>
+              <a:rPr lang="fr-FR" sz="1600" dirty="0" smtClean="0">
+                <a:solidFill>
+                  <a:schemeClr val="bg1"/>
+                </a:solidFill>
+                <a:latin typeface="Consolas" pitchFamily="49" charset="0"/>
+              </a:rPr>
+              <a:t> </a:t>
+            </a:r>
+            <a:r>
+              <a:rPr lang="fr-FR" sz="1600" dirty="0" err="1" smtClean="0">
+                <a:solidFill>
+                  <a:srgbClr val="00B0F0"/>
+                </a:solidFill>
+                <a:latin typeface="Consolas" pitchFamily="49" charset="0"/>
+              </a:rPr>
+              <a:t>userForm</a:t>
+            </a:r>
+            <a:r>
+              <a:rPr lang="fr-FR" sz="1600" dirty="0" smtClean="0">
+                <a:solidFill>
+                  <a:schemeClr val="bg1"/>
+                </a:solidFill>
+                <a:latin typeface="Consolas" pitchFamily="49" charset="0"/>
+              </a:rPr>
+              <a:t>:</a:t>
+            </a:r>
+            <a:r>
+              <a:rPr lang="fr-FR" sz="1600" dirty="0" smtClean="0">
+                <a:solidFill>
+                  <a:srgbClr val="00B0F0"/>
+                </a:solidFill>
+                <a:latin typeface="Consolas" pitchFamily="49" charset="0"/>
+              </a:rPr>
+              <a:t> </a:t>
+            </a:r>
+            <a:r>
+              <a:rPr lang="fr-FR" sz="1600" dirty="0" err="1" smtClean="0">
+                <a:solidFill>
+                  <a:srgbClr val="92D050"/>
+                </a:solidFill>
+                <a:latin typeface="Consolas" pitchFamily="49" charset="0"/>
+              </a:rPr>
+              <a:t>FormGroup</a:t>
+            </a:r>
+            <a:r>
+              <a:rPr lang="fr-FR" sz="1600" dirty="0" smtClean="0">
+                <a:solidFill>
+                  <a:schemeClr val="bg1"/>
+                </a:solidFill>
+                <a:latin typeface="Consolas" pitchFamily="49" charset="0"/>
+              </a:rPr>
+              <a:t>;</a:t>
+            </a:r>
+          </a:p>
+          <a:p>
+            <a:endParaRPr lang="fr-FR" sz="1600" dirty="0">
+              <a:solidFill>
+                <a:schemeClr val="bg1"/>
+              </a:solidFill>
+              <a:latin typeface="Consolas" pitchFamily="49" charset="0"/>
+            </a:endParaRPr>
+          </a:p>
+          <a:p>
+            <a:r>
+              <a:rPr lang="fr-FR" sz="1600" dirty="0">
+                <a:solidFill>
+                  <a:schemeClr val="bg1"/>
+                </a:solidFill>
+                <a:latin typeface="Consolas" pitchFamily="49" charset="0"/>
+              </a:rPr>
+              <a:t>  </a:t>
+            </a:r>
+            <a:r>
+              <a:rPr lang="fr-FR" sz="1600" dirty="0" smtClean="0">
+                <a:solidFill>
+                  <a:schemeClr val="bg1"/>
+                </a:solidFill>
+                <a:latin typeface="Consolas" pitchFamily="49" charset="0"/>
+              </a:rPr>
+              <a:t> </a:t>
+            </a:r>
+            <a:r>
+              <a:rPr lang="fr-FR" sz="1600" dirty="0" err="1" smtClean="0">
+                <a:solidFill>
+                  <a:srgbClr val="0070C0"/>
+                </a:solidFill>
+                <a:latin typeface="Consolas" pitchFamily="49" charset="0"/>
+              </a:rPr>
+              <a:t>constructor</a:t>
+            </a:r>
+            <a:r>
+              <a:rPr lang="fr-FR" sz="1600" dirty="0" smtClean="0">
+                <a:solidFill>
+                  <a:schemeClr val="bg1"/>
+                </a:solidFill>
+                <a:latin typeface="Consolas" pitchFamily="49" charset="0"/>
+              </a:rPr>
+              <a:t>(</a:t>
+            </a:r>
+            <a:r>
+              <a:rPr lang="fr-FR" sz="1600" dirty="0" err="1" smtClean="0">
+                <a:solidFill>
+                  <a:srgbClr val="0070C0"/>
+                </a:solidFill>
+                <a:latin typeface="Consolas" pitchFamily="49" charset="0"/>
+              </a:rPr>
+              <a:t>private</a:t>
+            </a:r>
+            <a:r>
+              <a:rPr lang="fr-FR" sz="1600" dirty="0" smtClean="0">
+                <a:solidFill>
+                  <a:schemeClr val="bg1"/>
+                </a:solidFill>
+                <a:latin typeface="Consolas" pitchFamily="49" charset="0"/>
+              </a:rPr>
+              <a:t> </a:t>
+            </a:r>
+            <a:r>
+              <a:rPr lang="fr-FR" sz="1600" dirty="0" err="1" smtClean="0">
+                <a:solidFill>
+                  <a:srgbClr val="00B0F0"/>
+                </a:solidFill>
+                <a:latin typeface="Consolas" pitchFamily="49" charset="0"/>
+              </a:rPr>
+              <a:t>fb</a:t>
+            </a:r>
+            <a:r>
+              <a:rPr lang="fr-FR" sz="1600" dirty="0" smtClean="0">
+                <a:solidFill>
+                  <a:schemeClr val="bg1"/>
+                </a:solidFill>
+                <a:latin typeface="Consolas" pitchFamily="49" charset="0"/>
+              </a:rPr>
+              <a:t>: </a:t>
+            </a:r>
+            <a:r>
+              <a:rPr lang="fr-FR" sz="1600" dirty="0" err="1" smtClean="0">
+                <a:solidFill>
+                  <a:srgbClr val="92D050"/>
+                </a:solidFill>
+                <a:latin typeface="Consolas" pitchFamily="49" charset="0"/>
+              </a:rPr>
+              <a:t>FormBuilder</a:t>
+            </a:r>
+            <a:r>
+              <a:rPr lang="fr-FR" sz="1600" dirty="0" smtClean="0">
+                <a:solidFill>
+                  <a:schemeClr val="bg1"/>
+                </a:solidFill>
+                <a:latin typeface="Consolas" pitchFamily="49" charset="0"/>
+              </a:rPr>
+              <a:t>) {</a:t>
+            </a:r>
+          </a:p>
+          <a:p>
+            <a:r>
+              <a:rPr lang="fr-FR" sz="1600" dirty="0">
+                <a:solidFill>
+                  <a:schemeClr val="bg1"/>
+                </a:solidFill>
+                <a:latin typeface="Consolas" pitchFamily="49" charset="0"/>
+              </a:rPr>
+              <a:t> </a:t>
+            </a:r>
+            <a:r>
+              <a:rPr lang="fr-FR" sz="1600" dirty="0" smtClean="0">
+                <a:solidFill>
+                  <a:schemeClr val="bg1"/>
+                </a:solidFill>
+                <a:latin typeface="Consolas" pitchFamily="49" charset="0"/>
+              </a:rPr>
+              <a:t>    </a:t>
+            </a:r>
+            <a:r>
+              <a:rPr lang="fr-FR" sz="1600" dirty="0" err="1" smtClean="0">
+                <a:solidFill>
+                  <a:srgbClr val="0070C0"/>
+                </a:solidFill>
+                <a:latin typeface="Consolas" pitchFamily="49" charset="0"/>
+              </a:rPr>
+              <a:t>this</a:t>
+            </a:r>
+            <a:r>
+              <a:rPr lang="fr-FR" sz="1600" dirty="0" err="1" smtClean="0">
+                <a:solidFill>
+                  <a:schemeClr val="bg1"/>
+                </a:solidFill>
+                <a:latin typeface="Consolas" pitchFamily="49" charset="0"/>
+              </a:rPr>
+              <a:t>.</a:t>
+            </a:r>
+            <a:r>
+              <a:rPr lang="fr-FR" sz="1600" dirty="0" err="1" smtClean="0">
+                <a:solidFill>
+                  <a:srgbClr val="00B0F0"/>
+                </a:solidFill>
+                <a:latin typeface="Consolas" pitchFamily="49" charset="0"/>
+              </a:rPr>
+              <a:t>usersForm</a:t>
+            </a:r>
+            <a:r>
+              <a:rPr lang="fr-FR" sz="1600" dirty="0" smtClean="0">
+                <a:solidFill>
+                  <a:schemeClr val="bg1"/>
+                </a:solidFill>
+                <a:latin typeface="Consolas" pitchFamily="49" charset="0"/>
+              </a:rPr>
+              <a:t> = </a:t>
+            </a:r>
+            <a:r>
+              <a:rPr lang="fr-FR" sz="1600" dirty="0" err="1" smtClean="0">
+                <a:solidFill>
+                  <a:srgbClr val="0070C0"/>
+                </a:solidFill>
+                <a:latin typeface="Consolas" pitchFamily="49" charset="0"/>
+              </a:rPr>
+              <a:t>this</a:t>
+            </a:r>
+            <a:r>
+              <a:rPr lang="fr-FR" sz="1600" dirty="0" err="1" smtClean="0">
+                <a:solidFill>
+                  <a:schemeClr val="bg1"/>
+                </a:solidFill>
+                <a:latin typeface="Consolas" pitchFamily="49" charset="0"/>
+              </a:rPr>
+              <a:t>.</a:t>
+            </a:r>
+            <a:r>
+              <a:rPr lang="fr-FR" sz="1600" dirty="0" err="1" smtClean="0">
+                <a:solidFill>
+                  <a:srgbClr val="00B0F0"/>
+                </a:solidFill>
+                <a:latin typeface="Consolas" pitchFamily="49" charset="0"/>
+              </a:rPr>
+              <a:t>fb</a:t>
+            </a:r>
+            <a:r>
+              <a:rPr lang="fr-FR" sz="1600" dirty="0" err="1" smtClean="0">
+                <a:solidFill>
+                  <a:schemeClr val="bg1"/>
+                </a:solidFill>
+                <a:latin typeface="Consolas" pitchFamily="49" charset="0"/>
+              </a:rPr>
+              <a:t>.</a:t>
+            </a:r>
+            <a:r>
+              <a:rPr lang="fr-FR" sz="1600" dirty="0" err="1" smtClean="0">
+                <a:solidFill>
+                  <a:srgbClr val="D8F141"/>
+                </a:solidFill>
+                <a:latin typeface="Consolas" pitchFamily="49" charset="0"/>
+              </a:rPr>
+              <a:t>group</a:t>
+            </a:r>
+            <a:r>
+              <a:rPr lang="fr-FR" sz="1600" dirty="0" smtClean="0">
+                <a:solidFill>
+                  <a:schemeClr val="bg1"/>
+                </a:solidFill>
+                <a:latin typeface="Consolas" pitchFamily="49" charset="0"/>
+              </a:rPr>
+              <a:t>({</a:t>
+            </a:r>
+          </a:p>
+          <a:p>
+            <a:r>
+              <a:rPr lang="fr-FR" sz="1600" dirty="0" smtClean="0">
+                <a:solidFill>
+                  <a:srgbClr val="00B0F0"/>
+                </a:solidFill>
+                <a:latin typeface="Consolas" pitchFamily="49" charset="0"/>
+              </a:rPr>
+              <a:t>       </a:t>
+            </a:r>
+            <a:r>
+              <a:rPr lang="fr-FR" sz="1600" dirty="0" err="1" smtClean="0">
+                <a:solidFill>
+                  <a:srgbClr val="00B0F0"/>
+                </a:solidFill>
+                <a:latin typeface="Consolas" pitchFamily="49" charset="0"/>
+              </a:rPr>
+              <a:t>password</a:t>
+            </a:r>
+            <a:r>
+              <a:rPr lang="fr-FR" sz="1600" dirty="0">
+                <a:solidFill>
+                  <a:schemeClr val="bg1"/>
+                </a:solidFill>
+                <a:latin typeface="Consolas" pitchFamily="49" charset="0"/>
+              </a:rPr>
+              <a:t>: </a:t>
+            </a:r>
+            <a:r>
+              <a:rPr lang="fr-FR" sz="1600" dirty="0">
+                <a:solidFill>
+                  <a:srgbClr val="0070C0"/>
+                </a:solidFill>
+                <a:latin typeface="Consolas" pitchFamily="49" charset="0"/>
+              </a:rPr>
+              <a:t>new</a:t>
+            </a:r>
+            <a:r>
+              <a:rPr lang="fr-FR" sz="1600" dirty="0">
+                <a:solidFill>
+                  <a:schemeClr val="bg1"/>
+                </a:solidFill>
+                <a:latin typeface="Consolas" pitchFamily="49" charset="0"/>
+              </a:rPr>
+              <a:t> </a:t>
+            </a:r>
+            <a:r>
+              <a:rPr lang="fr-FR" sz="1600" dirty="0" err="1">
+                <a:solidFill>
+                  <a:srgbClr val="00B0F0"/>
+                </a:solidFill>
+                <a:latin typeface="Consolas" pitchFamily="49" charset="0"/>
+              </a:rPr>
+              <a:t>FormControl</a:t>
+            </a:r>
+            <a:r>
+              <a:rPr lang="fr-FR" sz="1600" dirty="0">
+                <a:solidFill>
+                  <a:schemeClr val="bg1"/>
+                </a:solidFill>
+                <a:latin typeface="Consolas" pitchFamily="49" charset="0"/>
+              </a:rPr>
+              <a:t>(</a:t>
+            </a:r>
+            <a:r>
+              <a:rPr lang="fr-FR" sz="1600" dirty="0">
+                <a:solidFill>
+                  <a:schemeClr val="accent5"/>
+                </a:solidFill>
+                <a:latin typeface="Consolas" pitchFamily="49" charset="0"/>
+              </a:rPr>
+              <a:t>''</a:t>
+            </a:r>
+            <a:r>
+              <a:rPr lang="fr-FR" sz="1600" dirty="0">
+                <a:solidFill>
+                  <a:schemeClr val="bg1"/>
+                </a:solidFill>
+                <a:latin typeface="Consolas" pitchFamily="49" charset="0"/>
+              </a:rPr>
+              <a:t>, [ </a:t>
+            </a:r>
+            <a:r>
+              <a:rPr lang="fr-FR" sz="1600" dirty="0" err="1" smtClean="0">
+                <a:solidFill>
+                  <a:srgbClr val="00B0F0"/>
+                </a:solidFill>
+                <a:latin typeface="Consolas" pitchFamily="49" charset="0"/>
+              </a:rPr>
+              <a:t>Validators</a:t>
+            </a:r>
+            <a:r>
+              <a:rPr lang="fr-FR" sz="1600" dirty="0" err="1" smtClean="0">
+                <a:solidFill>
+                  <a:schemeClr val="bg1"/>
+                </a:solidFill>
+                <a:latin typeface="Consolas" pitchFamily="49" charset="0"/>
+              </a:rPr>
+              <a:t>.</a:t>
+            </a:r>
+            <a:r>
+              <a:rPr lang="fr-FR" sz="1600" dirty="0" err="1" smtClean="0">
+                <a:solidFill>
+                  <a:srgbClr val="00B0F0"/>
+                </a:solidFill>
+                <a:latin typeface="Consolas" pitchFamily="49" charset="0"/>
+              </a:rPr>
+              <a:t>required</a:t>
+            </a:r>
+            <a:r>
+              <a:rPr lang="fr-FR" sz="1600" dirty="0" smtClean="0">
+                <a:solidFill>
+                  <a:schemeClr val="bg1"/>
+                </a:solidFill>
+                <a:latin typeface="Consolas" pitchFamily="49" charset="0"/>
+              </a:rPr>
+              <a:t>,</a:t>
+            </a:r>
+          </a:p>
+          <a:p>
+            <a:r>
+              <a:rPr lang="fr-FR" sz="1600" dirty="0">
+                <a:solidFill>
+                  <a:schemeClr val="bg1"/>
+                </a:solidFill>
+                <a:latin typeface="Consolas" pitchFamily="49" charset="0"/>
+              </a:rPr>
+              <a:t> </a:t>
+            </a:r>
+            <a:r>
+              <a:rPr lang="fr-FR" sz="1600" dirty="0" smtClean="0">
+                <a:solidFill>
+                  <a:schemeClr val="bg1"/>
+                </a:solidFill>
+                <a:latin typeface="Consolas" pitchFamily="49" charset="0"/>
+              </a:rPr>
+              <a:t>                </a:t>
+            </a:r>
+            <a:r>
+              <a:rPr lang="fr-FR" sz="1600" dirty="0" err="1" smtClean="0">
+                <a:solidFill>
+                  <a:srgbClr val="00B0F0"/>
+                </a:solidFill>
+                <a:latin typeface="Consolas" pitchFamily="49" charset="0"/>
+              </a:rPr>
+              <a:t>Validators</a:t>
+            </a:r>
+            <a:r>
+              <a:rPr lang="fr-FR" sz="1600" dirty="0" err="1" smtClean="0">
+                <a:solidFill>
+                  <a:schemeClr val="bg1"/>
+                </a:solidFill>
+                <a:latin typeface="Consolas" pitchFamily="49" charset="0"/>
+              </a:rPr>
+              <a:t>.</a:t>
+            </a:r>
+            <a:r>
+              <a:rPr lang="fr-FR" sz="1600" dirty="0" err="1" smtClean="0">
+                <a:solidFill>
+                  <a:srgbClr val="00B0F0"/>
+                </a:solidFill>
+                <a:latin typeface="Consolas" pitchFamily="49" charset="0"/>
+              </a:rPr>
+              <a:t>required</a:t>
+            </a:r>
+            <a:r>
+              <a:rPr lang="fr-FR" sz="1600" dirty="0" smtClean="0">
+                <a:solidFill>
+                  <a:srgbClr val="00B0F0"/>
+                </a:solidFill>
+                <a:latin typeface="Consolas" pitchFamily="49" charset="0"/>
+              </a:rPr>
+              <a:t> </a:t>
+            </a:r>
+            <a:r>
+              <a:rPr lang="fr-FR" sz="1600" dirty="0" smtClean="0">
+                <a:solidFill>
+                  <a:schemeClr val="bg1"/>
+                </a:solidFill>
+                <a:latin typeface="Consolas" pitchFamily="49" charset="0"/>
+              </a:rPr>
+              <a:t>]),</a:t>
+            </a:r>
+            <a:endParaRPr lang="fr-FR" sz="1600" dirty="0">
+              <a:solidFill>
+                <a:schemeClr val="bg1"/>
+              </a:solidFill>
+              <a:latin typeface="Consolas" pitchFamily="49" charset="0"/>
+            </a:endParaRPr>
+          </a:p>
+          <a:p>
+            <a:r>
+              <a:rPr lang="fr-FR" sz="1600" dirty="0">
+                <a:solidFill>
+                  <a:schemeClr val="bg1"/>
+                </a:solidFill>
+                <a:latin typeface="Consolas" pitchFamily="49" charset="0"/>
+              </a:rPr>
+              <a:t>    </a:t>
+            </a:r>
+            <a:r>
+              <a:rPr lang="fr-FR" sz="1600" dirty="0" smtClean="0">
+                <a:solidFill>
+                  <a:schemeClr val="bg1"/>
+                </a:solidFill>
+                <a:latin typeface="Consolas" pitchFamily="49" charset="0"/>
+              </a:rPr>
+              <a:t>   </a:t>
+            </a:r>
+            <a:r>
+              <a:rPr lang="fr-FR" sz="1600" dirty="0" err="1" smtClean="0">
+                <a:solidFill>
+                  <a:srgbClr val="00B0F0"/>
+                </a:solidFill>
+                <a:latin typeface="Consolas" pitchFamily="49" charset="0"/>
+              </a:rPr>
+              <a:t>confirmPassword</a:t>
+            </a:r>
+            <a:r>
+              <a:rPr lang="fr-FR" sz="1600" dirty="0">
+                <a:solidFill>
+                  <a:schemeClr val="bg1"/>
+                </a:solidFill>
+                <a:latin typeface="Consolas" pitchFamily="49" charset="0"/>
+              </a:rPr>
+              <a:t>: </a:t>
+            </a:r>
+            <a:r>
+              <a:rPr lang="fr-FR" sz="1600" dirty="0">
+                <a:solidFill>
+                  <a:srgbClr val="0070C0"/>
+                </a:solidFill>
+                <a:latin typeface="Consolas" pitchFamily="49" charset="0"/>
+              </a:rPr>
+              <a:t>new</a:t>
+            </a:r>
+            <a:r>
+              <a:rPr lang="fr-FR" sz="1600" dirty="0">
+                <a:solidFill>
+                  <a:schemeClr val="bg1"/>
+                </a:solidFill>
+                <a:latin typeface="Consolas" pitchFamily="49" charset="0"/>
+              </a:rPr>
+              <a:t> </a:t>
+            </a:r>
+            <a:r>
+              <a:rPr lang="fr-FR" sz="1600" dirty="0" err="1">
+                <a:solidFill>
+                  <a:srgbClr val="00B0F0"/>
+                </a:solidFill>
+                <a:latin typeface="Consolas" pitchFamily="49" charset="0"/>
+              </a:rPr>
+              <a:t>FormControl</a:t>
+            </a:r>
+            <a:r>
+              <a:rPr lang="fr-FR" sz="1600" dirty="0">
+                <a:solidFill>
+                  <a:schemeClr val="bg1"/>
+                </a:solidFill>
+                <a:latin typeface="Consolas" pitchFamily="49" charset="0"/>
+              </a:rPr>
+              <a:t>(</a:t>
+            </a:r>
+            <a:r>
+              <a:rPr lang="fr-FR" sz="1600" dirty="0">
+                <a:solidFill>
+                  <a:schemeClr val="accent5"/>
+                </a:solidFill>
+                <a:latin typeface="Consolas" pitchFamily="49" charset="0"/>
+              </a:rPr>
+              <a:t>''</a:t>
+            </a:r>
+            <a:r>
+              <a:rPr lang="fr-FR" sz="1600" dirty="0">
+                <a:solidFill>
+                  <a:schemeClr val="bg1"/>
+                </a:solidFill>
+                <a:latin typeface="Consolas" pitchFamily="49" charset="0"/>
+              </a:rPr>
+              <a:t>, </a:t>
+            </a:r>
+            <a:r>
+              <a:rPr lang="fr-FR" sz="1600" dirty="0" err="1">
+                <a:solidFill>
+                  <a:srgbClr val="00B0F0"/>
+                </a:solidFill>
+                <a:latin typeface="Consolas" pitchFamily="49" charset="0"/>
+              </a:rPr>
+              <a:t>Validators</a:t>
+            </a:r>
+            <a:r>
+              <a:rPr lang="fr-FR" sz="1600" dirty="0" err="1">
+                <a:solidFill>
+                  <a:schemeClr val="bg1"/>
+                </a:solidFill>
+                <a:latin typeface="Consolas" pitchFamily="49" charset="0"/>
+              </a:rPr>
+              <a:t>.</a:t>
+            </a:r>
+            <a:r>
+              <a:rPr lang="fr-FR" sz="1600" dirty="0" err="1">
+                <a:solidFill>
+                  <a:srgbClr val="00B0F0"/>
+                </a:solidFill>
+                <a:latin typeface="Consolas" pitchFamily="49" charset="0"/>
+              </a:rPr>
+              <a:t>required</a:t>
+            </a:r>
+            <a:r>
+              <a:rPr lang="fr-FR" sz="1600" dirty="0" smtClean="0">
+                <a:solidFill>
+                  <a:schemeClr val="bg1"/>
+                </a:solidFill>
+                <a:latin typeface="Consolas" pitchFamily="49" charset="0"/>
+              </a:rPr>
+              <a:t>)</a:t>
+            </a:r>
+          </a:p>
+          <a:p>
+            <a:r>
+              <a:rPr lang="fr-FR" sz="1600" dirty="0">
+                <a:solidFill>
+                  <a:schemeClr val="bg1"/>
+                </a:solidFill>
+                <a:latin typeface="Consolas" pitchFamily="49" charset="0"/>
+              </a:rPr>
+              <a:t> </a:t>
+            </a:r>
+            <a:r>
+              <a:rPr lang="fr-FR" sz="1600" dirty="0" smtClean="0">
+                <a:solidFill>
+                  <a:schemeClr val="bg1"/>
+                </a:solidFill>
+                <a:latin typeface="Consolas" pitchFamily="49" charset="0"/>
+              </a:rPr>
+              <a:t>    }, {</a:t>
+            </a:r>
+          </a:p>
+          <a:p>
+            <a:r>
+              <a:rPr lang="fr-FR" sz="1600" dirty="0" smtClean="0">
+                <a:solidFill>
+                  <a:srgbClr val="00B0F0"/>
+                </a:solidFill>
+                <a:latin typeface="Consolas" pitchFamily="49" charset="0"/>
+              </a:rPr>
+              <a:t>       </a:t>
+            </a:r>
+            <a:r>
+              <a:rPr lang="fr-FR" sz="1600" dirty="0" err="1" smtClean="0">
+                <a:solidFill>
+                  <a:srgbClr val="00B0F0"/>
+                </a:solidFill>
+                <a:latin typeface="Consolas" pitchFamily="49" charset="0"/>
+              </a:rPr>
+              <a:t>Validator</a:t>
+            </a:r>
+            <a:r>
+              <a:rPr lang="fr-FR" sz="1600" dirty="0" err="1" smtClean="0">
+                <a:solidFill>
+                  <a:schemeClr val="bg1"/>
+                </a:solidFill>
+                <a:latin typeface="Consolas" pitchFamily="49" charset="0"/>
+              </a:rPr>
+              <a:t>.</a:t>
+            </a:r>
+            <a:r>
+              <a:rPr lang="fr-FR" sz="1600" dirty="0" err="1" smtClean="0">
+                <a:solidFill>
+                  <a:srgbClr val="D8F141"/>
+                </a:solidFill>
+                <a:latin typeface="Consolas" pitchFamily="49" charset="0"/>
+              </a:rPr>
+              <a:t>mustMatch</a:t>
+            </a:r>
+            <a:r>
+              <a:rPr lang="fr-FR" sz="1600" dirty="0" smtClean="0">
+                <a:solidFill>
+                  <a:schemeClr val="bg1"/>
+                </a:solidFill>
+                <a:latin typeface="Consolas" pitchFamily="49" charset="0"/>
+              </a:rPr>
+              <a:t>(</a:t>
+            </a:r>
+            <a:r>
+              <a:rPr lang="fr-FR" sz="1600" dirty="0" smtClean="0">
+                <a:solidFill>
+                  <a:schemeClr val="accent5"/>
+                </a:solidFill>
+                <a:latin typeface="Consolas" pitchFamily="49" charset="0"/>
+              </a:rPr>
+              <a:t>'</a:t>
+            </a:r>
+            <a:r>
+              <a:rPr lang="fr-FR" sz="1600" dirty="0" err="1" smtClean="0">
+                <a:solidFill>
+                  <a:schemeClr val="accent5"/>
+                </a:solidFill>
+                <a:latin typeface="Consolas" pitchFamily="49" charset="0"/>
+              </a:rPr>
+              <a:t>password</a:t>
+            </a:r>
+            <a:r>
+              <a:rPr lang="fr-FR" sz="1600" dirty="0" smtClean="0">
+                <a:solidFill>
+                  <a:schemeClr val="accent5"/>
+                </a:solidFill>
+                <a:latin typeface="Consolas" pitchFamily="49" charset="0"/>
+              </a:rPr>
+              <a:t>'</a:t>
+            </a:r>
+            <a:r>
+              <a:rPr lang="fr-FR" sz="1600" dirty="0" smtClean="0">
+                <a:solidFill>
+                  <a:schemeClr val="bg1"/>
+                </a:solidFill>
+                <a:latin typeface="Consolas" pitchFamily="49" charset="0"/>
+              </a:rPr>
+              <a:t>,</a:t>
+            </a:r>
+            <a:r>
+              <a:rPr lang="fr-FR" sz="1600" dirty="0" smtClean="0">
+                <a:solidFill>
+                  <a:schemeClr val="accent5"/>
+                </a:solidFill>
+                <a:latin typeface="Consolas" pitchFamily="49" charset="0"/>
+              </a:rPr>
+              <a:t>'</a:t>
+            </a:r>
+            <a:r>
+              <a:rPr lang="fr-FR" sz="1600" dirty="0" err="1" smtClean="0">
+                <a:solidFill>
+                  <a:schemeClr val="accent5"/>
+                </a:solidFill>
+                <a:latin typeface="Consolas" pitchFamily="49" charset="0"/>
+              </a:rPr>
+              <a:t>confirmPassword</a:t>
+            </a:r>
+            <a:r>
+              <a:rPr lang="fr-FR" sz="1600" dirty="0" smtClean="0">
+                <a:solidFill>
+                  <a:schemeClr val="accent5"/>
+                </a:solidFill>
+                <a:latin typeface="Consolas" pitchFamily="49" charset="0"/>
+              </a:rPr>
+              <a:t>'</a:t>
+            </a:r>
+            <a:r>
+              <a:rPr lang="fr-FR" sz="1600" dirty="0" smtClean="0">
+                <a:solidFill>
+                  <a:schemeClr val="bg1"/>
+                </a:solidFill>
+                <a:latin typeface="Consolas" pitchFamily="49" charset="0"/>
+              </a:rPr>
+              <a:t>)</a:t>
+            </a:r>
+          </a:p>
+          <a:p>
+            <a:r>
+              <a:rPr lang="fr-FR" sz="1600" dirty="0">
+                <a:solidFill>
+                  <a:schemeClr val="bg1"/>
+                </a:solidFill>
+                <a:latin typeface="Consolas" pitchFamily="49" charset="0"/>
+              </a:rPr>
+              <a:t> </a:t>
+            </a:r>
+            <a:r>
+              <a:rPr lang="fr-FR" sz="1600" dirty="0" smtClean="0">
+                <a:solidFill>
+                  <a:schemeClr val="bg1"/>
+                </a:solidFill>
+                <a:latin typeface="Consolas" pitchFamily="49" charset="0"/>
+              </a:rPr>
+              <a:t>      </a:t>
+            </a:r>
+            <a:r>
+              <a:rPr lang="fr-FR" sz="1600" dirty="0" smtClean="0">
+                <a:solidFill>
+                  <a:srgbClr val="00B050"/>
+                </a:solidFill>
+                <a:latin typeface="Consolas" pitchFamily="49" charset="0"/>
+              </a:rPr>
+              <a:t>// &lt;-- Validateur personnalisé</a:t>
+            </a:r>
+          </a:p>
+          <a:p>
+            <a:r>
+              <a:rPr lang="fr-FR" sz="1600" dirty="0">
+                <a:solidFill>
+                  <a:schemeClr val="bg1"/>
+                </a:solidFill>
+                <a:latin typeface="Consolas" pitchFamily="49" charset="0"/>
+              </a:rPr>
+              <a:t> </a:t>
+            </a:r>
+            <a:r>
+              <a:rPr lang="fr-FR" sz="1600" dirty="0" smtClean="0">
+                <a:solidFill>
+                  <a:schemeClr val="bg1"/>
+                </a:solidFill>
+                <a:latin typeface="Consolas" pitchFamily="49" charset="0"/>
+              </a:rPr>
+              <a:t>    });</a:t>
+            </a:r>
+          </a:p>
+          <a:p>
+            <a:r>
+              <a:rPr lang="fr-FR" sz="1600" dirty="0">
+                <a:solidFill>
+                  <a:schemeClr val="bg1"/>
+                </a:solidFill>
+                <a:latin typeface="Consolas" pitchFamily="49" charset="0"/>
+              </a:rPr>
+              <a:t> </a:t>
+            </a:r>
+            <a:r>
+              <a:rPr lang="fr-FR" sz="1600" dirty="0" smtClean="0">
+                <a:solidFill>
+                  <a:schemeClr val="bg1"/>
+                </a:solidFill>
+                <a:latin typeface="Consolas" pitchFamily="49" charset="0"/>
+              </a:rPr>
+              <a:t>  }</a:t>
+            </a:r>
+          </a:p>
+          <a:p>
+            <a:r>
+              <a:rPr lang="fr-FR" sz="1600" dirty="0" smtClean="0">
+                <a:solidFill>
+                  <a:schemeClr val="bg1"/>
+                </a:solidFill>
+                <a:latin typeface="Consolas" pitchFamily="49" charset="0"/>
+              </a:rPr>
+              <a:t>}</a:t>
+            </a:r>
+            <a:endParaRPr lang="fr-FR" sz="1600" dirty="0">
+              <a:solidFill>
+                <a:schemeClr val="bg1"/>
+              </a:solidFill>
+              <a:latin typeface="Consolas" pitchFamily="49" charset="0"/>
+            </a:endParaRPr>
+          </a:p>
+        </p:txBody>
+      </p:sp>
+    </p:spTree>
+    <p:extLst>
+      <p:ext uri="{BB962C8B-B14F-4D97-AF65-F5344CB8AC3E}">
+        <p14:creationId xmlns:p14="http://schemas.microsoft.com/office/powerpoint/2010/main" val="2784373463"/>
+      </p:ext>
+    </p:extLst>
+  </p:cSld>
+  <p:clrMapOvr>
+    <a:masterClrMapping/>
+  </p:clrMapOvr>
+</p:sld>
+</file>
+
+<file path=ppt/slides/slide16.xml><?xml version="1.0" encoding="utf-8"?>
+<p:sld xmlns:a="http://schemas.openxmlformats.org/drawingml/2006/main" xmlns:r="http://schemas.openxmlformats.org/officeDocument/2006/relationships" xmlns:p="http://schemas.openxmlformats.org/presentationml/2006/main">
+  <p:cSld>
+    <p:spTree>
+      <p:nvGrpSpPr>
+        <p:cNvPr id="1" name=""/>
+        <p:cNvGrpSpPr/>
+        <p:nvPr/>
+      </p:nvGrpSpPr>
+      <p:grpSpPr>
+        <a:xfrm>
+          <a:off x="0" y="0"/>
+          <a:ext cx="0" cy="0"/>
+          <a:chOff x="0" y="0"/>
+          <a:chExt cx="0" cy="0"/>
+        </a:xfrm>
+      </p:grpSpPr>
+      <p:sp>
+        <p:nvSpPr>
+          <p:cNvPr id="2" name="Titre 1"/>
+          <p:cNvSpPr>
+            <a:spLocks noGrp="1"/>
+          </p:cNvSpPr>
+          <p:nvPr>
+            <p:ph type="title"/>
+          </p:nvPr>
+        </p:nvSpPr>
+        <p:spPr/>
+        <p:txBody>
+          <a:bodyPr/>
+          <a:lstStyle/>
+          <a:p>
+            <a:r>
+              <a:rPr lang="fr-FR" dirty="0" smtClean="0"/>
+              <a:t>Formulaires</a:t>
+            </a:r>
+            <a:endParaRPr lang="fr-FR" dirty="0"/>
+          </a:p>
+        </p:txBody>
+      </p:sp>
+      <p:sp>
+        <p:nvSpPr>
+          <p:cNvPr id="3" name="Espace réservé du contenu 2"/>
+          <p:cNvSpPr>
+            <a:spLocks noGrp="1"/>
+          </p:cNvSpPr>
+          <p:nvPr>
+            <p:ph sz="quarter" idx="17"/>
+          </p:nvPr>
+        </p:nvSpPr>
+        <p:spPr/>
+        <p:txBody>
+          <a:bodyPr>
+            <a:normAutofit/>
+          </a:bodyPr>
+          <a:lstStyle/>
+          <a:p>
+            <a:pPr marL="342900" indent="-342900">
+              <a:buFont typeface="Arial" panose="020B0604020202020204" pitchFamily="34" charset="0"/>
+              <a:buChar char="•"/>
+            </a:pPr>
+            <a:r>
+              <a:rPr lang="fr-FR" dirty="0" smtClean="0"/>
+              <a:t>Validation globale</a:t>
+            </a:r>
+            <a:endParaRPr lang="fr-FR" dirty="0"/>
+          </a:p>
+          <a:p>
+            <a:pPr marL="342900" indent="-342900">
+              <a:buFont typeface="Arial" panose="020B0604020202020204" pitchFamily="34" charset="0"/>
+              <a:buChar char="•"/>
+            </a:pPr>
+            <a:endParaRPr lang="fr-FR" dirty="0"/>
+          </a:p>
+        </p:txBody>
+      </p:sp>
+      <p:sp>
+        <p:nvSpPr>
+          <p:cNvPr id="4" name="Espace réservé du numéro de diapositive 3"/>
+          <p:cNvSpPr>
+            <a:spLocks noGrp="1"/>
+          </p:cNvSpPr>
+          <p:nvPr>
+            <p:ph type="sldNum" sz="quarter" idx="12"/>
+          </p:nvPr>
+        </p:nvSpPr>
+        <p:spPr/>
+        <p:txBody>
+          <a:bodyPr/>
+          <a:lstStyle/>
+          <a:p>
+            <a:fld id="{525A3C56-E491-49B2-93F3-63532DF516BC}" type="slidenum">
+              <a:rPr lang="en-GB" smtClean="0"/>
+              <a:pPr/>
+              <a:t>16</a:t>
+            </a:fld>
+            <a:endParaRPr lang="en-GB" dirty="0"/>
+          </a:p>
+        </p:txBody>
+      </p:sp>
+      <p:sp>
+        <p:nvSpPr>
+          <p:cNvPr id="5" name="Espace réservé du contenu 1"/>
+          <p:cNvSpPr txBox="1">
+            <a:spLocks/>
+          </p:cNvSpPr>
+          <p:nvPr/>
+        </p:nvSpPr>
+        <p:spPr>
+          <a:xfrm>
+            <a:off x="626245" y="1677413"/>
+            <a:ext cx="8060555" cy="3681988"/>
+          </a:xfrm>
+          <a:prstGeom prst="rect">
+            <a:avLst/>
+          </a:prstGeom>
+          <a:solidFill>
+            <a:schemeClr val="tx1">
+              <a:lumMod val="75000"/>
+            </a:schemeClr>
+          </a:solidFill>
+        </p:spPr>
+        <p:txBody>
+          <a:bodyPr lIns="0" tIns="0" rIns="0" bIns="0">
+            <a:normAutofit/>
+          </a:bodyPr>
+          <a:lstStyle>
+            <a:lvl1pPr marL="0" indent="0" algn="l" defTabSz="914400" rtl="0" eaLnBrk="1" latinLnBrk="0" hangingPunct="1">
+              <a:spcBef>
+                <a:spcPts val="500"/>
+              </a:spcBef>
+              <a:buClr>
+                <a:schemeClr val="accent1"/>
+              </a:buClr>
+              <a:buSzPct val="110000"/>
+              <a:buFont typeface="Arial" pitchFamily="34" charset="0"/>
+              <a:buNone/>
+              <a:defRPr sz="2000" kern="1200">
+                <a:solidFill>
+                  <a:schemeClr val="tx1"/>
+                </a:solidFill>
+                <a:latin typeface="Arial" pitchFamily="34" charset="0"/>
+                <a:ea typeface="+mn-ea"/>
+                <a:cs typeface="+mn-cs"/>
+              </a:defRPr>
+            </a:lvl1pPr>
+            <a:lvl2pPr marL="263525" indent="-263525" algn="l" defTabSz="914400" rtl="0" eaLnBrk="1" latinLnBrk="0" hangingPunct="1">
+              <a:spcBef>
+                <a:spcPts val="500"/>
+              </a:spcBef>
+              <a:buClr>
+                <a:schemeClr val="accent1"/>
+              </a:buClr>
+              <a:buSzPct val="110000"/>
+              <a:buFont typeface="Arial" pitchFamily="34" charset="0"/>
+              <a:buChar char="•"/>
+              <a:defRPr sz="2000" kern="1200" baseline="0">
+                <a:solidFill>
+                  <a:schemeClr val="tx1"/>
+                </a:solidFill>
+                <a:latin typeface="Arial" pitchFamily="34" charset="0"/>
+                <a:ea typeface="+mn-ea"/>
+                <a:cs typeface="+mn-cs"/>
+              </a:defRPr>
+            </a:lvl2pPr>
+            <a:lvl3pPr marL="536575" indent="-273050" algn="l" defTabSz="914400" rtl="0" eaLnBrk="1" latinLnBrk="0" hangingPunct="1">
+              <a:spcBef>
+                <a:spcPts val="500"/>
+              </a:spcBef>
+              <a:buClr>
+                <a:schemeClr val="accent1"/>
+              </a:buClr>
+              <a:buSzPct val="110000"/>
+              <a:buFont typeface="Arial" pitchFamily="34" charset="0"/>
+              <a:buChar char="•"/>
+              <a:defRPr sz="1800" kern="1200" baseline="0">
+                <a:solidFill>
+                  <a:schemeClr val="tx1"/>
+                </a:solidFill>
+                <a:latin typeface="Arial" pitchFamily="34" charset="0"/>
+                <a:ea typeface="+mn-ea"/>
+                <a:cs typeface="+mn-cs"/>
+              </a:defRPr>
+            </a:lvl3pPr>
+            <a:lvl4pPr marL="811213" indent="-274638" algn="l" defTabSz="914400" rtl="0" eaLnBrk="1" latinLnBrk="0" hangingPunct="1">
+              <a:spcBef>
+                <a:spcPts val="500"/>
+              </a:spcBef>
+              <a:buClr>
+                <a:schemeClr val="accent1"/>
+              </a:buClr>
+              <a:buSzPct val="110000"/>
+              <a:buFont typeface="Arial" pitchFamily="34" charset="0"/>
+              <a:buChar char="•"/>
+              <a:defRPr sz="1600" kern="1200" baseline="0">
+                <a:solidFill>
+                  <a:schemeClr val="tx1"/>
+                </a:solidFill>
+                <a:latin typeface="Arial" pitchFamily="34" charset="0"/>
+                <a:ea typeface="+mn-ea"/>
+                <a:cs typeface="+mn-cs"/>
+              </a:defRPr>
+            </a:lvl4pPr>
+            <a:lvl5pPr marL="1074738" indent="-263525" algn="l" defTabSz="914400" rtl="0" eaLnBrk="1" latinLnBrk="0" hangingPunct="1">
+              <a:spcBef>
+                <a:spcPts val="500"/>
+              </a:spcBef>
+              <a:buClr>
+                <a:schemeClr val="accent1"/>
+              </a:buClr>
+              <a:buSzPct val="110000"/>
+              <a:buFont typeface="Arial" pitchFamily="34" charset="0"/>
+              <a:buChar char="•"/>
+              <a:defRPr sz="1400" kern="1200" baseline="0">
+                <a:solidFill>
+                  <a:schemeClr val="tx1"/>
+                </a:solidFill>
+                <a:latin typeface="Arial" pitchFamily="34" charset="0"/>
+                <a:ea typeface="+mn-ea"/>
+                <a:cs typeface="+mn-cs"/>
+              </a:defRPr>
+            </a:lvl5pPr>
+            <a:lvl6pPr marL="1136650" indent="-215900" algn="l" defTabSz="914400" rtl="0" eaLnBrk="1" latinLnBrk="0" hangingPunct="1">
+              <a:spcBef>
+                <a:spcPts val="500"/>
+              </a:spcBef>
+              <a:buClr>
+                <a:schemeClr val="accent1"/>
+              </a:buClr>
+              <a:buFont typeface="Verdana" pitchFamily="34" charset="0"/>
+              <a:buNone/>
+              <a:defRPr sz="1400" kern="1200" baseline="0">
+                <a:solidFill>
+                  <a:schemeClr val="tx1"/>
+                </a:solidFill>
+                <a:latin typeface="+mn-lt"/>
+                <a:ea typeface="+mn-ea"/>
+                <a:cs typeface="+mn-cs"/>
+              </a:defRPr>
+            </a:lvl6pPr>
+            <a:lvl7pPr marL="1343025" indent="-228600" algn="l" defTabSz="914400" rtl="0" eaLnBrk="1" latinLnBrk="0" hangingPunct="1">
+              <a:spcBef>
+                <a:spcPts val="500"/>
+              </a:spcBef>
+              <a:buClr>
+                <a:schemeClr val="tx1">
+                  <a:lumMod val="60000"/>
+                  <a:lumOff val="40000"/>
+                </a:schemeClr>
+              </a:buClr>
+              <a:buFont typeface="Verdana" pitchFamily="34" charset="0"/>
+              <a:buChar char="•"/>
+              <a:defRPr sz="1400" kern="1200" baseline="0">
+                <a:solidFill>
+                  <a:schemeClr val="tx1"/>
+                </a:solidFill>
+                <a:latin typeface="+mn-lt"/>
+                <a:ea typeface="+mn-ea"/>
+                <a:cs typeface="+mn-cs"/>
+              </a:defRPr>
+            </a:lvl7pPr>
+            <a:lvl8pPr marL="3429000" indent="-228600" algn="l" defTabSz="914400" rtl="0" eaLnBrk="1" latinLnBrk="0" hangingPunct="1">
+              <a:spcBef>
+                <a:spcPct val="20000"/>
+              </a:spcBef>
+              <a:buFont typeface="Arial" pitchFamily="34" charset="0"/>
+              <a:buChar char="•"/>
+              <a:defRPr sz="2000" kern="1200">
+                <a:solidFill>
+                  <a:schemeClr val="tx1"/>
+                </a:solidFill>
+                <a:latin typeface="+mn-lt"/>
+                <a:ea typeface="+mn-ea"/>
+                <a:cs typeface="+mn-cs"/>
+              </a:defRPr>
+            </a:lvl8pPr>
+            <a:lvl9pPr marL="3886200" indent="-228600" algn="l" defTabSz="914400" rtl="0" eaLnBrk="1" latinLnBrk="0" hangingPunct="1">
+              <a:spcBef>
+                <a:spcPct val="20000"/>
+              </a:spcBef>
+              <a:buFont typeface="Arial" pitchFamily="34" charset="0"/>
+              <a:buChar char="•"/>
+              <a:defRPr sz="2000" kern="1200">
+                <a:solidFill>
+                  <a:schemeClr val="tx1"/>
+                </a:solidFill>
+                <a:latin typeface="+mn-lt"/>
+                <a:ea typeface="+mn-ea"/>
+                <a:cs typeface="+mn-cs"/>
+              </a:defRPr>
+            </a:lvl9pPr>
+          </a:lstStyle>
+          <a:p>
+            <a:r>
+              <a:rPr lang="fr-FR" sz="1600" dirty="0">
+                <a:solidFill>
+                  <a:srgbClr val="92D050"/>
+                </a:solidFill>
+                <a:latin typeface="Consolas" pitchFamily="49" charset="0"/>
+              </a:rPr>
+              <a:t>@Component</a:t>
+            </a:r>
+            <a:r>
+              <a:rPr lang="fr-FR" sz="1600" dirty="0">
+                <a:solidFill>
+                  <a:schemeClr val="bg1"/>
+                </a:solidFill>
+                <a:latin typeface="Consolas" pitchFamily="49" charset="0"/>
+              </a:rPr>
+              <a:t>({})</a:t>
+            </a:r>
+            <a:br>
+              <a:rPr lang="fr-FR" sz="1600" dirty="0">
+                <a:solidFill>
+                  <a:schemeClr val="bg1"/>
+                </a:solidFill>
+                <a:latin typeface="Consolas" pitchFamily="49" charset="0"/>
+              </a:rPr>
+            </a:br>
+            <a:r>
+              <a:rPr lang="fr-FR" sz="1600" dirty="0">
+                <a:solidFill>
+                  <a:srgbClr val="7030A0"/>
+                </a:solidFill>
+                <a:latin typeface="Consolas" pitchFamily="49" charset="0"/>
+              </a:rPr>
+              <a:t>export</a:t>
+            </a:r>
+            <a:r>
+              <a:rPr lang="fr-FR" sz="1600" dirty="0">
+                <a:solidFill>
+                  <a:schemeClr val="bg1"/>
+                </a:solidFill>
+                <a:latin typeface="Consolas" pitchFamily="49" charset="0"/>
+              </a:rPr>
+              <a:t> </a:t>
+            </a:r>
+            <a:r>
+              <a:rPr lang="fr-FR" sz="1600" dirty="0">
+                <a:solidFill>
+                  <a:srgbClr val="0070C0"/>
+                </a:solidFill>
+                <a:latin typeface="Consolas" pitchFamily="49" charset="0"/>
+              </a:rPr>
+              <a:t>class</a:t>
+            </a:r>
+            <a:r>
+              <a:rPr lang="fr-FR" sz="1600" dirty="0">
+                <a:solidFill>
+                  <a:schemeClr val="bg1"/>
+                </a:solidFill>
+                <a:latin typeface="Consolas" pitchFamily="49" charset="0"/>
+              </a:rPr>
+              <a:t> </a:t>
+            </a:r>
+            <a:r>
+              <a:rPr lang="fr-FR" sz="1600" dirty="0" err="1">
+                <a:solidFill>
+                  <a:srgbClr val="00B0F0"/>
+                </a:solidFill>
+                <a:latin typeface="Consolas" pitchFamily="49" charset="0"/>
+              </a:rPr>
+              <a:t>UserComponent</a:t>
+            </a:r>
+            <a:r>
+              <a:rPr lang="fr-FR" sz="1600" dirty="0">
+                <a:solidFill>
+                  <a:schemeClr val="bg1"/>
+                </a:solidFill>
+                <a:latin typeface="Consolas" pitchFamily="49" charset="0"/>
+              </a:rPr>
+              <a:t> </a:t>
+            </a:r>
+            <a:r>
+              <a:rPr lang="fr-FR" sz="1600" dirty="0" smtClean="0">
+                <a:solidFill>
+                  <a:schemeClr val="bg1"/>
+                </a:solidFill>
+                <a:latin typeface="Consolas" pitchFamily="49" charset="0"/>
+              </a:rPr>
+              <a:t>{</a:t>
+            </a:r>
+          </a:p>
+          <a:p>
+            <a:r>
+              <a:rPr lang="fr-FR" sz="1600" dirty="0" smtClean="0">
+                <a:solidFill>
+                  <a:srgbClr val="0070C0"/>
+                </a:solidFill>
+                <a:latin typeface="Consolas" pitchFamily="49" charset="0"/>
+              </a:rPr>
+              <a:t>  public</a:t>
+            </a:r>
+            <a:r>
+              <a:rPr lang="fr-FR" sz="1600" dirty="0" smtClean="0">
+                <a:solidFill>
+                  <a:schemeClr val="bg1"/>
+                </a:solidFill>
+                <a:latin typeface="Consolas" pitchFamily="49" charset="0"/>
+              </a:rPr>
+              <a:t> </a:t>
+            </a:r>
+            <a:r>
+              <a:rPr lang="fr-FR" sz="1600" dirty="0" err="1">
+                <a:solidFill>
+                  <a:srgbClr val="00B0F0"/>
+                </a:solidFill>
+                <a:latin typeface="Consolas" pitchFamily="49" charset="0"/>
+              </a:rPr>
+              <a:t>userForm</a:t>
+            </a:r>
+            <a:r>
+              <a:rPr lang="fr-FR" sz="1600" dirty="0">
+                <a:solidFill>
+                  <a:schemeClr val="bg1"/>
+                </a:solidFill>
+                <a:latin typeface="Consolas" pitchFamily="49" charset="0"/>
+              </a:rPr>
+              <a:t>:</a:t>
+            </a:r>
+            <a:r>
+              <a:rPr lang="fr-FR" sz="1600" dirty="0">
+                <a:solidFill>
+                  <a:srgbClr val="00B0F0"/>
+                </a:solidFill>
+                <a:latin typeface="Consolas" pitchFamily="49" charset="0"/>
+              </a:rPr>
+              <a:t> </a:t>
+            </a:r>
+            <a:r>
+              <a:rPr lang="fr-FR" sz="1600" dirty="0" err="1">
+                <a:solidFill>
+                  <a:srgbClr val="92D050"/>
+                </a:solidFill>
+                <a:latin typeface="Consolas" pitchFamily="49" charset="0"/>
+              </a:rPr>
+              <a:t>FormGroup</a:t>
+            </a:r>
+            <a:r>
+              <a:rPr lang="fr-FR" sz="1600" dirty="0">
+                <a:solidFill>
+                  <a:schemeClr val="bg1"/>
+                </a:solidFill>
+                <a:latin typeface="Consolas" pitchFamily="49" charset="0"/>
+              </a:rPr>
+              <a:t>;</a:t>
+            </a:r>
+          </a:p>
+          <a:p>
+            <a:r>
+              <a:rPr lang="fr-FR" sz="1600" dirty="0" smtClean="0">
+                <a:solidFill>
+                  <a:srgbClr val="0070C0"/>
+                </a:solidFill>
+                <a:latin typeface="Consolas" pitchFamily="49" charset="0"/>
+              </a:rPr>
+              <a:t>  public</a:t>
+            </a:r>
+            <a:r>
+              <a:rPr lang="fr-FR" sz="1600" dirty="0" smtClean="0">
+                <a:solidFill>
+                  <a:schemeClr val="bg1"/>
+                </a:solidFill>
+                <a:latin typeface="Consolas" pitchFamily="49" charset="0"/>
+              </a:rPr>
+              <a:t> </a:t>
+            </a:r>
+            <a:r>
+              <a:rPr lang="fr-FR" sz="1600" dirty="0" smtClean="0">
+                <a:solidFill>
+                  <a:srgbClr val="00B0F0"/>
+                </a:solidFill>
+                <a:latin typeface="Consolas" pitchFamily="49" charset="0"/>
+              </a:rPr>
+              <a:t>user</a:t>
+            </a:r>
+            <a:r>
+              <a:rPr lang="fr-FR" sz="1600" dirty="0" smtClean="0">
+                <a:solidFill>
+                  <a:schemeClr val="bg1"/>
+                </a:solidFill>
+                <a:latin typeface="Consolas" pitchFamily="49" charset="0"/>
+              </a:rPr>
+              <a:t>:</a:t>
+            </a:r>
+            <a:r>
+              <a:rPr lang="fr-FR" sz="1600" dirty="0" smtClean="0">
+                <a:solidFill>
+                  <a:srgbClr val="00B0F0"/>
+                </a:solidFill>
+                <a:latin typeface="Consolas" pitchFamily="49" charset="0"/>
+              </a:rPr>
+              <a:t> </a:t>
+            </a:r>
+            <a:r>
+              <a:rPr lang="fr-FR" sz="1600" dirty="0" smtClean="0">
+                <a:solidFill>
+                  <a:srgbClr val="92D050"/>
+                </a:solidFill>
+                <a:latin typeface="Consolas" pitchFamily="49" charset="0"/>
+              </a:rPr>
+              <a:t>User</a:t>
+            </a:r>
+            <a:r>
+              <a:rPr lang="fr-FR" sz="1600" dirty="0" smtClean="0">
+                <a:solidFill>
+                  <a:schemeClr val="bg1"/>
+                </a:solidFill>
+                <a:latin typeface="Consolas" pitchFamily="49" charset="0"/>
+              </a:rPr>
+              <a:t>;</a:t>
+            </a:r>
+          </a:p>
+          <a:p>
+            <a:r>
+              <a:rPr lang="fr-FR" sz="1600" dirty="0" smtClean="0">
+                <a:solidFill>
+                  <a:schemeClr val="bg1"/>
+                </a:solidFill>
+                <a:latin typeface="Consolas" pitchFamily="49" charset="0"/>
+              </a:rPr>
+              <a:t>  </a:t>
+            </a:r>
+          </a:p>
+          <a:p>
+            <a:r>
+              <a:rPr lang="fr-FR" sz="1600" dirty="0">
+                <a:solidFill>
+                  <a:schemeClr val="bg1"/>
+                </a:solidFill>
+                <a:latin typeface="Consolas" pitchFamily="49" charset="0"/>
+              </a:rPr>
+              <a:t> </a:t>
+            </a:r>
+            <a:r>
+              <a:rPr lang="fr-FR" sz="1600" dirty="0" smtClean="0">
+                <a:solidFill>
+                  <a:schemeClr val="bg1"/>
+                </a:solidFill>
+                <a:latin typeface="Consolas" pitchFamily="49" charset="0"/>
+              </a:rPr>
+              <a:t> </a:t>
+            </a:r>
+            <a:r>
+              <a:rPr lang="fr-FR" sz="1600" dirty="0">
+                <a:solidFill>
+                  <a:srgbClr val="0070C0"/>
+                </a:solidFill>
+                <a:latin typeface="Consolas" pitchFamily="49" charset="0"/>
+              </a:rPr>
+              <a:t>public</a:t>
+            </a:r>
+            <a:r>
+              <a:rPr lang="fr-FR" sz="1600" dirty="0">
+                <a:solidFill>
+                  <a:schemeClr val="bg1"/>
+                </a:solidFill>
+                <a:latin typeface="Consolas" pitchFamily="49" charset="0"/>
+              </a:rPr>
+              <a:t> </a:t>
+            </a:r>
+            <a:r>
+              <a:rPr lang="fr-FR" sz="1600" dirty="0" err="1">
+                <a:solidFill>
+                  <a:srgbClr val="D8F141"/>
+                </a:solidFill>
+                <a:latin typeface="Consolas" pitchFamily="49" charset="0"/>
+              </a:rPr>
+              <a:t>validForm</a:t>
+            </a:r>
+            <a:r>
+              <a:rPr lang="fr-FR" sz="1600" dirty="0">
+                <a:solidFill>
+                  <a:schemeClr val="bg1"/>
+                </a:solidFill>
+                <a:latin typeface="Consolas" pitchFamily="49" charset="0"/>
+              </a:rPr>
+              <a:t>() </a:t>
+            </a:r>
+            <a:r>
+              <a:rPr lang="fr-FR" sz="1600" dirty="0" smtClean="0">
+                <a:solidFill>
+                  <a:schemeClr val="bg1"/>
+                </a:solidFill>
+                <a:latin typeface="Consolas" pitchFamily="49" charset="0"/>
+              </a:rPr>
+              <a:t>{</a:t>
+            </a:r>
+          </a:p>
+          <a:p>
+            <a:r>
+              <a:rPr lang="fr-FR" sz="1600" dirty="0">
+                <a:solidFill>
+                  <a:schemeClr val="bg1"/>
+                </a:solidFill>
+                <a:latin typeface="Consolas" pitchFamily="49" charset="0"/>
+              </a:rPr>
+              <a:t> </a:t>
+            </a:r>
+            <a:r>
+              <a:rPr lang="fr-FR" sz="1600" dirty="0" smtClean="0">
+                <a:solidFill>
+                  <a:schemeClr val="bg1"/>
+                </a:solidFill>
+                <a:latin typeface="Consolas" pitchFamily="49" charset="0"/>
+              </a:rPr>
+              <a:t>   </a:t>
+            </a:r>
+            <a:r>
+              <a:rPr lang="fr-FR" sz="1600" dirty="0" smtClean="0">
+                <a:solidFill>
+                  <a:srgbClr val="0070C0"/>
+                </a:solidFill>
+                <a:latin typeface="Consolas" pitchFamily="49" charset="0"/>
+              </a:rPr>
+              <a:t>if</a:t>
+            </a:r>
+            <a:r>
+              <a:rPr lang="fr-FR" sz="1600" dirty="0" smtClean="0">
+                <a:solidFill>
+                  <a:schemeClr val="bg1"/>
+                </a:solidFill>
+                <a:latin typeface="Consolas" pitchFamily="49" charset="0"/>
+              </a:rPr>
+              <a:t>(</a:t>
+            </a:r>
+            <a:r>
+              <a:rPr lang="fr-FR" sz="1600" dirty="0" err="1" smtClean="0">
+                <a:solidFill>
+                  <a:srgbClr val="0070C0"/>
+                </a:solidFill>
+                <a:latin typeface="Consolas" pitchFamily="49" charset="0"/>
+              </a:rPr>
+              <a:t>this</a:t>
+            </a:r>
+            <a:r>
+              <a:rPr lang="fr-FR" sz="1600" dirty="0" err="1" smtClean="0">
+                <a:solidFill>
+                  <a:schemeClr val="bg1"/>
+                </a:solidFill>
+                <a:latin typeface="Consolas" pitchFamily="49" charset="0"/>
+              </a:rPr>
+              <a:t>.</a:t>
+            </a:r>
+            <a:r>
+              <a:rPr lang="fr-FR" sz="1600" dirty="0" err="1" smtClean="0">
+                <a:solidFill>
+                  <a:srgbClr val="00B0F0"/>
+                </a:solidFill>
+                <a:latin typeface="Consolas" pitchFamily="49" charset="0"/>
+              </a:rPr>
+              <a:t>userForm</a:t>
+            </a:r>
+            <a:r>
+              <a:rPr lang="fr-FR" sz="1600" dirty="0" err="1" smtClean="0">
+                <a:solidFill>
+                  <a:schemeClr val="bg1"/>
+                </a:solidFill>
+                <a:latin typeface="Consolas" pitchFamily="49" charset="0"/>
+              </a:rPr>
+              <a:t>.</a:t>
+            </a:r>
+            <a:r>
+              <a:rPr lang="fr-FR" sz="1600" dirty="0" err="1" smtClean="0">
+                <a:solidFill>
+                  <a:srgbClr val="00B0F0"/>
+                </a:solidFill>
+                <a:latin typeface="Consolas" pitchFamily="49" charset="0"/>
+              </a:rPr>
+              <a:t>invalid</a:t>
+            </a:r>
+            <a:r>
+              <a:rPr lang="fr-FR" sz="1600" dirty="0" smtClean="0">
+                <a:solidFill>
+                  <a:schemeClr val="bg1"/>
+                </a:solidFill>
+                <a:latin typeface="Consolas" pitchFamily="49" charset="0"/>
+              </a:rPr>
+              <a:t>) {</a:t>
+            </a:r>
+          </a:p>
+          <a:p>
+            <a:r>
+              <a:rPr lang="fr-FR" sz="1600" dirty="0" smtClean="0">
+                <a:solidFill>
+                  <a:schemeClr val="bg1"/>
+                </a:solidFill>
+                <a:latin typeface="Consolas" pitchFamily="49" charset="0"/>
+              </a:rPr>
+              <a:t>      </a:t>
+            </a:r>
+            <a:r>
+              <a:rPr lang="fr-FR" sz="1600" dirty="0" smtClean="0">
+                <a:solidFill>
+                  <a:srgbClr val="7030A0"/>
+                </a:solidFill>
+                <a:latin typeface="Consolas" pitchFamily="49" charset="0"/>
+              </a:rPr>
+              <a:t>return</a:t>
+            </a:r>
+            <a:r>
+              <a:rPr lang="fr-FR" sz="1600" dirty="0" smtClean="0">
+                <a:solidFill>
+                  <a:schemeClr val="bg1"/>
+                </a:solidFill>
+                <a:latin typeface="Consolas" pitchFamily="49" charset="0"/>
+              </a:rPr>
+              <a:t>;</a:t>
+            </a:r>
+          </a:p>
+          <a:p>
+            <a:r>
+              <a:rPr lang="fr-FR" sz="1600" dirty="0">
+                <a:solidFill>
+                  <a:schemeClr val="bg1"/>
+                </a:solidFill>
+                <a:latin typeface="Consolas" pitchFamily="49" charset="0"/>
+              </a:rPr>
+              <a:t> </a:t>
+            </a:r>
+            <a:r>
+              <a:rPr lang="fr-FR" sz="1600" dirty="0" smtClean="0">
+                <a:solidFill>
+                  <a:schemeClr val="bg1"/>
+                </a:solidFill>
+                <a:latin typeface="Consolas" pitchFamily="49" charset="0"/>
+              </a:rPr>
+              <a:t>   }</a:t>
+            </a:r>
+          </a:p>
+          <a:p>
+            <a:r>
+              <a:rPr lang="fr-FR" sz="1600" dirty="0">
+                <a:solidFill>
+                  <a:schemeClr val="bg1"/>
+                </a:solidFill>
+                <a:latin typeface="Consolas" pitchFamily="49" charset="0"/>
+              </a:rPr>
+              <a:t> </a:t>
+            </a:r>
+            <a:r>
+              <a:rPr lang="fr-FR" sz="1600" dirty="0" smtClean="0">
+                <a:solidFill>
+                  <a:schemeClr val="bg1"/>
+                </a:solidFill>
+                <a:latin typeface="Consolas" pitchFamily="49" charset="0"/>
+              </a:rPr>
+              <a:t>   </a:t>
+            </a:r>
+            <a:r>
+              <a:rPr lang="fr-FR" sz="1600" dirty="0" err="1" smtClean="0">
+                <a:solidFill>
+                  <a:srgbClr val="0070C0"/>
+                </a:solidFill>
+                <a:latin typeface="Consolas" pitchFamily="49" charset="0"/>
+              </a:rPr>
+              <a:t>this</a:t>
+            </a:r>
+            <a:r>
+              <a:rPr lang="fr-FR" sz="1600" dirty="0" err="1" smtClean="0">
+                <a:solidFill>
+                  <a:schemeClr val="bg1"/>
+                </a:solidFill>
+                <a:latin typeface="Consolas" pitchFamily="49" charset="0"/>
+              </a:rPr>
+              <a:t>.</a:t>
+            </a:r>
+            <a:r>
+              <a:rPr lang="fr-FR" sz="1600" dirty="0" err="1" smtClean="0">
+                <a:solidFill>
+                  <a:srgbClr val="00B0F0"/>
+                </a:solidFill>
+                <a:latin typeface="Consolas" pitchFamily="49" charset="0"/>
+              </a:rPr>
+              <a:t>user</a:t>
+            </a:r>
+            <a:r>
+              <a:rPr lang="fr-FR" sz="1600" dirty="0" smtClean="0">
+                <a:solidFill>
+                  <a:schemeClr val="bg1"/>
+                </a:solidFill>
+                <a:latin typeface="Consolas" pitchFamily="49" charset="0"/>
+              </a:rPr>
+              <a:t> </a:t>
+            </a:r>
+            <a:r>
+              <a:rPr lang="fr-FR" sz="1600" dirty="0">
+                <a:solidFill>
+                  <a:schemeClr val="bg1"/>
+                </a:solidFill>
+                <a:latin typeface="Consolas" pitchFamily="49" charset="0"/>
+              </a:rPr>
+              <a:t>= </a:t>
+            </a:r>
+            <a:r>
+              <a:rPr lang="fr-FR" sz="1600" dirty="0" err="1" smtClean="0">
+                <a:solidFill>
+                  <a:srgbClr val="0070C0"/>
+                </a:solidFill>
+                <a:latin typeface="Consolas" pitchFamily="49" charset="0"/>
+              </a:rPr>
+              <a:t>this</a:t>
+            </a:r>
+            <a:r>
+              <a:rPr lang="fr-FR" sz="1600" dirty="0" err="1" smtClean="0">
+                <a:solidFill>
+                  <a:schemeClr val="bg1"/>
+                </a:solidFill>
+                <a:latin typeface="Consolas" pitchFamily="49" charset="0"/>
+              </a:rPr>
+              <a:t>.</a:t>
+            </a:r>
+            <a:r>
+              <a:rPr lang="fr-FR" sz="1600" dirty="0" err="1" smtClean="0">
+                <a:solidFill>
+                  <a:srgbClr val="00B0F0"/>
+                </a:solidFill>
+                <a:latin typeface="Consolas" pitchFamily="49" charset="0"/>
+              </a:rPr>
+              <a:t>userForm</a:t>
+            </a:r>
+            <a:r>
+              <a:rPr lang="fr-FR" sz="1600" dirty="0" err="1" smtClean="0">
+                <a:solidFill>
+                  <a:schemeClr val="bg1"/>
+                </a:solidFill>
+                <a:latin typeface="Consolas" pitchFamily="49" charset="0"/>
+              </a:rPr>
+              <a:t>.</a:t>
+            </a:r>
+            <a:r>
+              <a:rPr lang="fr-FR" sz="1600" dirty="0" err="1" smtClean="0">
+                <a:solidFill>
+                  <a:srgbClr val="00B0F0"/>
+                </a:solidFill>
+                <a:latin typeface="Consolas" pitchFamily="49" charset="0"/>
+              </a:rPr>
+              <a:t>value</a:t>
+            </a:r>
+            <a:r>
+              <a:rPr lang="fr-FR" sz="1600" dirty="0">
+                <a:solidFill>
+                  <a:schemeClr val="bg1"/>
+                </a:solidFill>
+                <a:latin typeface="Consolas" pitchFamily="49" charset="0"/>
+              </a:rPr>
+              <a:t>;</a:t>
+            </a:r>
+            <a:endParaRPr lang="fr-FR" sz="1600" dirty="0" smtClean="0">
+              <a:solidFill>
+                <a:schemeClr val="bg1"/>
+              </a:solidFill>
+              <a:latin typeface="Consolas" pitchFamily="49" charset="0"/>
+            </a:endParaRPr>
+          </a:p>
+          <a:p>
+            <a:r>
+              <a:rPr lang="fr-FR" sz="1600" dirty="0">
+                <a:solidFill>
+                  <a:schemeClr val="bg1"/>
+                </a:solidFill>
+                <a:latin typeface="Consolas" pitchFamily="49" charset="0"/>
+              </a:rPr>
+              <a:t> </a:t>
+            </a:r>
+            <a:r>
+              <a:rPr lang="fr-FR" sz="1600" dirty="0" smtClean="0">
+                <a:solidFill>
+                  <a:schemeClr val="bg1"/>
+                </a:solidFill>
+                <a:latin typeface="Consolas" pitchFamily="49" charset="0"/>
+              </a:rPr>
+              <a:t> }</a:t>
+            </a:r>
+            <a:endParaRPr lang="fr-FR" sz="1600" dirty="0">
+              <a:solidFill>
+                <a:schemeClr val="bg1"/>
+              </a:solidFill>
+              <a:latin typeface="Consolas" pitchFamily="49" charset="0"/>
+            </a:endParaRPr>
+          </a:p>
+          <a:p>
+            <a:r>
+              <a:rPr lang="fr-FR" sz="1600" dirty="0" smtClean="0">
+                <a:solidFill>
+                  <a:schemeClr val="bg1"/>
+                </a:solidFill>
+                <a:latin typeface="Consolas" pitchFamily="49" charset="0"/>
+              </a:rPr>
+              <a:t>}</a:t>
+            </a:r>
+            <a:endParaRPr lang="fr-FR" sz="1600" dirty="0">
+              <a:solidFill>
+                <a:schemeClr val="bg1"/>
+              </a:solidFill>
+              <a:latin typeface="Consolas" pitchFamily="49" charset="0"/>
+            </a:endParaRPr>
+          </a:p>
+        </p:txBody>
+      </p:sp>
+    </p:spTree>
+    <p:extLst>
+      <p:ext uri="{BB962C8B-B14F-4D97-AF65-F5344CB8AC3E}">
+        <p14:creationId xmlns:p14="http://schemas.microsoft.com/office/powerpoint/2010/main" val="3704978419"/>
+      </p:ext>
+    </p:extLst>
+  </p:cSld>
+  <p:clrMapOvr>
+    <a:masterClrMapping/>
+  </p:clrMapOvr>
+</p:sld>
+</file>
+
+<file path=ppt/slides/slide17.xml><?xml version="1.0" encoding="utf-8"?>
+<p:sld xmlns:a="http://schemas.openxmlformats.org/drawingml/2006/main" xmlns:r="http://schemas.openxmlformats.org/officeDocument/2006/relationships" xmlns:p="http://schemas.openxmlformats.org/presentationml/2006/main">
+  <p:cSld>
+    <p:spTree>
+      <p:nvGrpSpPr>
+        <p:cNvPr id="1" name=""/>
+        <p:cNvGrpSpPr/>
+        <p:nvPr/>
+      </p:nvGrpSpPr>
+      <p:grpSpPr>
+        <a:xfrm>
+          <a:off x="0" y="0"/>
+          <a:ext cx="0" cy="0"/>
+          <a:chOff x="0" y="0"/>
+          <a:chExt cx="0" cy="0"/>
+        </a:xfrm>
+      </p:grpSpPr>
+      <p:sp>
+        <p:nvSpPr>
+          <p:cNvPr id="8" name="Title 7"/>
+          <p:cNvSpPr>
+            <a:spLocks noGrp="1"/>
+          </p:cNvSpPr>
+          <p:nvPr>
+            <p:ph type="title"/>
+            <p:custDataLst>
+              <p:tags r:id="rId1"/>
+            </p:custDataLst>
+          </p:nvPr>
+        </p:nvSpPr>
+        <p:spPr/>
+        <p:txBody>
+          <a:bodyPr/>
+          <a:lstStyle/>
+          <a:p>
+            <a:r>
+              <a:rPr lang="fr-CA" dirty="0" smtClean="0"/>
+              <a:t>TP </a:t>
+            </a:r>
+            <a:r>
+              <a:rPr lang="fr-CA" dirty="0" smtClean="0"/>
+              <a:t>#4</a:t>
+            </a:r>
+            <a:endParaRPr lang="fr-CA" dirty="0"/>
+          </a:p>
+        </p:txBody>
+      </p:sp>
+      <p:sp>
+        <p:nvSpPr>
+          <p:cNvPr id="6" name="Espace réservé du contenu 5"/>
+          <p:cNvSpPr>
+            <a:spLocks noGrp="1"/>
+          </p:cNvSpPr>
+          <p:nvPr>
+            <p:ph sz="quarter" idx="17"/>
+          </p:nvPr>
+        </p:nvSpPr>
+        <p:spPr/>
+        <p:txBody>
+          <a:bodyPr/>
+          <a:lstStyle/>
+          <a:p>
+            <a:pPr lvl="1" indent="0">
+              <a:buNone/>
+            </a:pPr>
+            <a:endParaRPr lang="fr-FR" dirty="0" smtClean="0"/>
+          </a:p>
+          <a:p>
+            <a:pPr marL="606425" lvl="1" indent="-342900"/>
+            <a:endParaRPr lang="fr-FR" dirty="0"/>
+          </a:p>
+        </p:txBody>
+      </p:sp>
+      <p:sp>
+        <p:nvSpPr>
+          <p:cNvPr id="5" name="Slide Number Placeholder 4"/>
+          <p:cNvSpPr>
+            <a:spLocks noGrp="1"/>
+          </p:cNvSpPr>
+          <p:nvPr>
+            <p:ph type="sldNum" sz="quarter" idx="12"/>
+            <p:custDataLst>
+              <p:tags r:id="rId2"/>
+            </p:custDataLst>
+          </p:nvPr>
+        </p:nvSpPr>
+        <p:spPr/>
+        <p:txBody>
+          <a:bodyPr/>
+          <a:lstStyle/>
+          <a:p>
+            <a:fld id="{525A3C56-E491-49B2-93F3-63532DF516BC}" type="slidenum">
+              <a:rPr lang="en-GB" smtClean="0"/>
+              <a:pPr/>
+              <a:t>17</a:t>
+            </a:fld>
+            <a:endParaRPr lang="en-GB" dirty="0"/>
+          </a:p>
+        </p:txBody>
+      </p:sp>
+    </p:spTree>
+    <p:extLst>
+      <p:ext uri="{BB962C8B-B14F-4D97-AF65-F5344CB8AC3E}">
+        <p14:creationId xmlns:p14="http://schemas.microsoft.com/office/powerpoint/2010/main" val="232442163"/>
+      </p:ext>
+    </p:extLst>
+  </p:cSld>
+  <p:clrMapOvr>
+    <a:masterClrMapping/>
+  </p:clrMapOvr>
+  <p:timing>
+    <p:tnLst>
+      <p:par>
+        <p:cTn id="1" dur="indefinite" restart="never" nodeType="tmRoot"/>
+      </p:par>
+    </p:tnLst>
+  </p:timing>
+</p:sld>
+</file>
+
+<file path=ppt/slides/slide18.xml><?xml version="1.0" encoding="utf-8"?>
+<p:sld xmlns:a="http://schemas.openxmlformats.org/drawingml/2006/main" xmlns:r="http://schemas.openxmlformats.org/officeDocument/2006/relationships" xmlns:p="http://schemas.openxmlformats.org/presentationml/2006/main">
+  <p:cSld>
+    <p:spTree>
+      <p:nvGrpSpPr>
+        <p:cNvPr id="1" name=""/>
+        <p:cNvGrpSpPr/>
+        <p:nvPr/>
+      </p:nvGrpSpPr>
+      <p:grpSpPr>
+        <a:xfrm>
+          <a:off x="0" y="0"/>
+          <a:ext cx="0" cy="0"/>
+          <a:chOff x="0" y="0"/>
+          <a:chExt cx="0" cy="0"/>
+        </a:xfrm>
+      </p:grpSpPr>
+      <p:sp>
+        <p:nvSpPr>
+          <p:cNvPr id="2" name="Title 1"/>
           <p:cNvSpPr>
             <a:spLocks noGrp="1"/>
           </p:cNvSpPr>
@@ -10635,76 +17976,62 @@
         </p:nvSpPr>
         <p:spPr/>
         <p:txBody>
-          <a:bodyPr>
-            <a:normAutofit fontScale="90000"/>
-          </a:bodyPr>
+          <a:bodyPr/>
           <a:lstStyle/>
           <a:p>
             <a:r>
+              <a:rPr lang="fr-CA" dirty="0" err="1" smtClean="0"/>
+              <a:t>Angular</a:t>
+            </a:r>
+            <a:r>
+              <a:rPr lang="fr-CA" dirty="0"/>
+              <a:t> </a:t>
+            </a:r>
+            <a:r>
               <a:rPr lang="fr-CA" dirty="0" smtClean="0"/>
-              <a:t>Notre engagement</a:t>
-            </a:r>
-            <a:br>
+              <a:t>avancé</a:t>
+            </a:r>
+            <a:endParaRPr lang="fr-CA" dirty="0"/>
+          </a:p>
+        </p:txBody>
+      </p:sp>
+      <p:sp>
+        <p:nvSpPr>
+          <p:cNvPr id="16" name="Subtitle 15"/>
+          <p:cNvSpPr>
+            <a:spLocks noGrp="1"/>
+          </p:cNvSpPr>
+          <p:nvPr>
+            <p:ph type="subTitle" idx="1"/>
+            <p:custDataLst>
+              <p:tags r:id="rId2"/>
+            </p:custDataLst>
+          </p:nvPr>
+        </p:nvSpPr>
+        <p:spPr/>
+        <p:txBody>
+          <a:bodyPr/>
+          <a:lstStyle/>
+          <a:p>
+            <a:r>
               <a:rPr lang="fr-CA" dirty="0" smtClean="0"/>
-            </a:br>
-            <a:r>
-              <a:rPr lang="fr-CA" sz="2500" dirty="0" smtClean="0">
-                <a:solidFill>
-                  <a:schemeClr val="tx1"/>
-                </a:solidFill>
-              </a:rPr>
-              <a:t>Nous réalisons chaque mandat dans </a:t>
-            </a:r>
-            <a:br>
-              <a:rPr lang="fr-CA" sz="2500" dirty="0" smtClean="0">
-                <a:solidFill>
-                  <a:schemeClr val="tx1"/>
-                </a:solidFill>
-              </a:rPr>
-            </a:br>
-            <a:r>
-              <a:rPr lang="fr-CA" sz="2500" dirty="0" smtClean="0">
-                <a:solidFill>
-                  <a:schemeClr val="tx1"/>
-                </a:solidFill>
-              </a:rPr>
-              <a:t>un seul but : contribuer au succès </a:t>
-            </a:r>
-            <a:br>
-              <a:rPr lang="fr-CA" sz="2500" dirty="0" smtClean="0">
-                <a:solidFill>
-                  <a:schemeClr val="tx1"/>
-                </a:solidFill>
-              </a:rPr>
-            </a:br>
-            <a:r>
-              <a:rPr lang="fr-CA" sz="2500" dirty="0" smtClean="0">
-                <a:solidFill>
-                  <a:schemeClr val="tx1"/>
-                </a:solidFill>
-              </a:rPr>
-              <a:t>de nos clients.</a:t>
-            </a:r>
-            <a:r>
-              <a:rPr lang="en-GB" sz="2500" dirty="0" smtClean="0">
-                <a:solidFill>
-                  <a:schemeClr val="tx1"/>
-                </a:solidFill>
-              </a:rPr>
-              <a:t/>
-            </a:r>
-            <a:br>
-              <a:rPr lang="en-GB" sz="2500" dirty="0" smtClean="0">
-                <a:solidFill>
-                  <a:schemeClr val="tx1"/>
-                </a:solidFill>
-              </a:rPr>
-            </a:br>
-            <a:endParaRPr lang="en-GB" sz="2500" dirty="0"/>
+              <a:t>Tests automatisés</a:t>
+            </a:r>
+          </a:p>
+          <a:p>
+            <a:endParaRPr lang="fr-CA" dirty="0" smtClean="0"/>
+          </a:p>
+          <a:p>
+            <a:endParaRPr lang="fr-CA" dirty="0"/>
           </a:p>
         </p:txBody>
       </p:sp>
     </p:spTree>
+    <p:extLst>
+      <p:ext uri="{BB962C8B-B14F-4D97-AF65-F5344CB8AC3E}">
+        <p14:creationId xmlns:p14="http://schemas.microsoft.com/office/powerpoint/2010/main" val="2831434337"/>
+      </p:ext>
+    </p:extLst>
   </p:cSld>
   <p:clrMapOvr>
     <a:masterClrMapping/>
@@ -10716,6 +18043,98 @@
       </p:par>
     </p:tnLst>
   </p:timing>
+</p:sld>
+</file>
+
+<file path=ppt/slides/slide19.xml><?xml version="1.0" encoding="utf-8"?>
+<p:sld xmlns:a="http://schemas.openxmlformats.org/drawingml/2006/main" xmlns:r="http://schemas.openxmlformats.org/officeDocument/2006/relationships" xmlns:p="http://schemas.openxmlformats.org/presentationml/2006/main">
+  <p:cSld>
+    <p:spTree>
+      <p:nvGrpSpPr>
+        <p:cNvPr id="1" name=""/>
+        <p:cNvGrpSpPr/>
+        <p:nvPr/>
+      </p:nvGrpSpPr>
+      <p:grpSpPr>
+        <a:xfrm>
+          <a:off x="0" y="0"/>
+          <a:ext cx="0" cy="0"/>
+          <a:chOff x="0" y="0"/>
+          <a:chExt cx="0" cy="0"/>
+        </a:xfrm>
+      </p:grpSpPr>
+      <p:sp>
+        <p:nvSpPr>
+          <p:cNvPr id="2" name="Titre 1"/>
+          <p:cNvSpPr>
+            <a:spLocks noGrp="1"/>
+          </p:cNvSpPr>
+          <p:nvPr>
+            <p:ph type="title"/>
+          </p:nvPr>
+        </p:nvSpPr>
+        <p:spPr/>
+        <p:txBody>
+          <a:bodyPr/>
+          <a:lstStyle/>
+          <a:p>
+            <a:endParaRPr lang="fr-FR"/>
+          </a:p>
+        </p:txBody>
+      </p:sp>
+      <p:sp>
+        <p:nvSpPr>
+          <p:cNvPr id="3" name="Espace réservé du contenu 2"/>
+          <p:cNvSpPr>
+            <a:spLocks noGrp="1"/>
+          </p:cNvSpPr>
+          <p:nvPr>
+            <p:ph sz="quarter" idx="17"/>
+          </p:nvPr>
+        </p:nvSpPr>
+        <p:spPr/>
+        <p:txBody>
+          <a:bodyPr/>
+          <a:lstStyle/>
+          <a:p>
+            <a:endParaRPr lang="fr-FR"/>
+          </a:p>
+        </p:txBody>
+      </p:sp>
+      <p:sp>
+        <p:nvSpPr>
+          <p:cNvPr id="4" name="Espace réservé du numéro de diapositive 3"/>
+          <p:cNvSpPr>
+            <a:spLocks noGrp="1"/>
+          </p:cNvSpPr>
+          <p:nvPr>
+            <p:ph type="sldNum" sz="quarter" idx="12"/>
+          </p:nvPr>
+        </p:nvSpPr>
+        <p:spPr/>
+        <p:txBody>
+          <a:bodyPr/>
+          <a:lstStyle/>
+          <a:p>
+            <a:fld id="{525A3C56-E491-49B2-93F3-63532DF516BC}" type="slidenum">
+              <a:rPr lang="en-GB" smtClean="0"/>
+              <a:pPr/>
+              <a:t>19</a:t>
+            </a:fld>
+            <a:endParaRPr lang="en-GB" dirty="0"/>
+          </a:p>
+        </p:txBody>
+      </p:sp>
+    </p:spTree>
+    <p:extLst>
+      <p:ext uri="{BB962C8B-B14F-4D97-AF65-F5344CB8AC3E}">
+        <p14:creationId xmlns:p14="http://schemas.microsoft.com/office/powerpoint/2010/main" val="267097087"/>
+      </p:ext>
+    </p:extLst>
+  </p:cSld>
+  <p:clrMapOvr>
+    <a:masterClrMapping/>
+  </p:clrMapOvr>
 </p:sld>
 </file>
 
@@ -10794,11 +18213,6 @@
               </a:rPr>
               <a:t>Modules utiles</a:t>
             </a:r>
-            <a:endParaRPr lang="fr-CA" dirty="0" smtClean="0">
-              <a:solidFill>
-                <a:schemeClr val="accent5"/>
-              </a:solidFill>
-            </a:endParaRPr>
           </a:p>
           <a:p>
             <a:pPr lvl="2"/>
@@ -10808,11 +18222,7 @@
             </a:r>
             <a:r>
               <a:rPr lang="fr-CA" dirty="0" smtClean="0"/>
-              <a:t> </a:t>
-            </a:r>
-            <a:r>
-              <a:rPr lang="fr-CA" dirty="0" smtClean="0"/>
-              <a:t>et Observables</a:t>
+              <a:t> et Observables</a:t>
             </a:r>
           </a:p>
           <a:p>
@@ -10828,7 +18238,6 @@
               <a:rPr lang="fr-CA" dirty="0" smtClean="0"/>
               <a:t>Formulaires</a:t>
             </a:r>
-            <a:endParaRPr lang="fr-CA" dirty="0" smtClean="0"/>
           </a:p>
           <a:p>
             <a:pPr lvl="2"/>
@@ -10861,11 +18270,7 @@
             <a:pPr lvl="2"/>
             <a:r>
               <a:rPr lang="fr-CA" dirty="0" smtClean="0"/>
-              <a:t>Tests </a:t>
-            </a:r>
-            <a:r>
-              <a:rPr lang="fr-CA" dirty="0" smtClean="0"/>
-              <a:t>e2e</a:t>
+              <a:t>Tests e2e</a:t>
             </a:r>
             <a:endParaRPr lang="fr-CA" dirty="0"/>
           </a:p>
@@ -10915,6 +18320,317 @@
               <a:t>2</a:t>
             </a:fld>
             <a:endParaRPr lang="en-GB" dirty="0"/>
+          </a:p>
+        </p:txBody>
+      </p:sp>
+    </p:spTree>
+  </p:cSld>
+  <p:clrMapOvr>
+    <a:masterClrMapping/>
+  </p:clrMapOvr>
+  <p:timing>
+    <p:tnLst>
+      <p:par>
+        <p:cTn id="1" dur="indefinite" restart="never" nodeType="tmRoot"/>
+      </p:par>
+    </p:tnLst>
+  </p:timing>
+</p:sld>
+</file>
+
+<file path=ppt/slides/slide20.xml><?xml version="1.0" encoding="utf-8"?>
+<p:sld xmlns:a="http://schemas.openxmlformats.org/drawingml/2006/main" xmlns:r="http://schemas.openxmlformats.org/officeDocument/2006/relationships" xmlns:p="http://schemas.openxmlformats.org/presentationml/2006/main">
+  <p:cSld>
+    <p:spTree>
+      <p:nvGrpSpPr>
+        <p:cNvPr id="1" name=""/>
+        <p:cNvGrpSpPr/>
+        <p:nvPr/>
+      </p:nvGrpSpPr>
+      <p:grpSpPr>
+        <a:xfrm>
+          <a:off x="0" y="0"/>
+          <a:ext cx="0" cy="0"/>
+          <a:chOff x="0" y="0"/>
+          <a:chExt cx="0" cy="0"/>
+        </a:xfrm>
+      </p:grpSpPr>
+      <p:sp>
+        <p:nvSpPr>
+          <p:cNvPr id="2" name="Title 1"/>
+          <p:cNvSpPr>
+            <a:spLocks noGrp="1"/>
+          </p:cNvSpPr>
+          <p:nvPr>
+            <p:ph type="ctrTitle"/>
+            <p:custDataLst>
+              <p:tags r:id="rId1"/>
+            </p:custDataLst>
+          </p:nvPr>
+        </p:nvSpPr>
+        <p:spPr/>
+        <p:txBody>
+          <a:bodyPr/>
+          <a:lstStyle/>
+          <a:p>
+            <a:r>
+              <a:rPr lang="fr-CA" dirty="0" err="1" smtClean="0"/>
+              <a:t>Angular</a:t>
+            </a:r>
+            <a:r>
+              <a:rPr lang="fr-CA" dirty="0"/>
+              <a:t> </a:t>
+            </a:r>
+            <a:r>
+              <a:rPr lang="fr-CA" dirty="0" smtClean="0"/>
+              <a:t>avancé</a:t>
+            </a:r>
+            <a:endParaRPr lang="fr-CA" dirty="0"/>
+          </a:p>
+        </p:txBody>
+      </p:sp>
+      <p:sp>
+        <p:nvSpPr>
+          <p:cNvPr id="16" name="Subtitle 15"/>
+          <p:cNvSpPr>
+            <a:spLocks noGrp="1"/>
+          </p:cNvSpPr>
+          <p:nvPr>
+            <p:ph type="subTitle" idx="1"/>
+            <p:custDataLst>
+              <p:tags r:id="rId2"/>
+            </p:custDataLst>
+          </p:nvPr>
+        </p:nvSpPr>
+        <p:spPr/>
+        <p:txBody>
+          <a:bodyPr/>
+          <a:lstStyle/>
+          <a:p>
+            <a:r>
+              <a:rPr lang="fr-CA" dirty="0" err="1" smtClean="0"/>
+              <a:t>Debugging</a:t>
+            </a:r>
+            <a:endParaRPr lang="fr-CA" dirty="0" smtClean="0"/>
+          </a:p>
+          <a:p>
+            <a:endParaRPr lang="fr-CA" dirty="0" smtClean="0"/>
+          </a:p>
+          <a:p>
+            <a:endParaRPr lang="fr-CA" dirty="0"/>
+          </a:p>
+        </p:txBody>
+      </p:sp>
+    </p:spTree>
+    <p:extLst>
+      <p:ext uri="{BB962C8B-B14F-4D97-AF65-F5344CB8AC3E}">
+        <p14:creationId xmlns:p14="http://schemas.microsoft.com/office/powerpoint/2010/main" val="4055963835"/>
+      </p:ext>
+    </p:extLst>
+  </p:cSld>
+  <p:clrMapOvr>
+    <a:masterClrMapping/>
+  </p:clrMapOvr>
+  <p:timing>
+    <p:tnLst>
+      <p:par>
+        <p:cTn id="1" dur="indefinite" restart="never" nodeType="tmRoot"/>
+      </p:par>
+    </p:tnLst>
+  </p:timing>
+</p:sld>
+</file>
+
+<file path=ppt/slides/slide21.xml><?xml version="1.0" encoding="utf-8"?>
+<p:sld xmlns:a="http://schemas.openxmlformats.org/drawingml/2006/main" xmlns:r="http://schemas.openxmlformats.org/officeDocument/2006/relationships" xmlns:p="http://schemas.openxmlformats.org/presentationml/2006/main">
+  <p:cSld>
+    <p:spTree>
+      <p:nvGrpSpPr>
+        <p:cNvPr id="1" name=""/>
+        <p:cNvGrpSpPr/>
+        <p:nvPr/>
+      </p:nvGrpSpPr>
+      <p:grpSpPr>
+        <a:xfrm>
+          <a:off x="0" y="0"/>
+          <a:ext cx="0" cy="0"/>
+          <a:chOff x="0" y="0"/>
+          <a:chExt cx="0" cy="0"/>
+        </a:xfrm>
+      </p:grpSpPr>
+      <p:sp>
+        <p:nvSpPr>
+          <p:cNvPr id="2" name="Titre 1"/>
+          <p:cNvSpPr>
+            <a:spLocks noGrp="1"/>
+          </p:cNvSpPr>
+          <p:nvPr>
+            <p:ph type="title"/>
+          </p:nvPr>
+        </p:nvSpPr>
+        <p:spPr/>
+        <p:txBody>
+          <a:bodyPr/>
+          <a:lstStyle/>
+          <a:p>
+            <a:endParaRPr lang="fr-FR"/>
+          </a:p>
+        </p:txBody>
+      </p:sp>
+      <p:sp>
+        <p:nvSpPr>
+          <p:cNvPr id="3" name="Espace réservé du contenu 2"/>
+          <p:cNvSpPr>
+            <a:spLocks noGrp="1"/>
+          </p:cNvSpPr>
+          <p:nvPr>
+            <p:ph sz="quarter" idx="17"/>
+          </p:nvPr>
+        </p:nvSpPr>
+        <p:spPr/>
+        <p:txBody>
+          <a:bodyPr/>
+          <a:lstStyle/>
+          <a:p>
+            <a:endParaRPr lang="fr-FR"/>
+          </a:p>
+        </p:txBody>
+      </p:sp>
+      <p:sp>
+        <p:nvSpPr>
+          <p:cNvPr id="4" name="Espace réservé du numéro de diapositive 3"/>
+          <p:cNvSpPr>
+            <a:spLocks noGrp="1"/>
+          </p:cNvSpPr>
+          <p:nvPr>
+            <p:ph type="sldNum" sz="quarter" idx="12"/>
+          </p:nvPr>
+        </p:nvSpPr>
+        <p:spPr/>
+        <p:txBody>
+          <a:bodyPr/>
+          <a:lstStyle/>
+          <a:p>
+            <a:fld id="{525A3C56-E491-49B2-93F3-63532DF516BC}" type="slidenum">
+              <a:rPr lang="en-GB" smtClean="0"/>
+              <a:pPr/>
+              <a:t>21</a:t>
+            </a:fld>
+            <a:endParaRPr lang="en-GB" dirty="0"/>
+          </a:p>
+        </p:txBody>
+      </p:sp>
+    </p:spTree>
+    <p:extLst>
+      <p:ext uri="{BB962C8B-B14F-4D97-AF65-F5344CB8AC3E}">
+        <p14:creationId xmlns:p14="http://schemas.microsoft.com/office/powerpoint/2010/main" val="3777427707"/>
+      </p:ext>
+    </p:extLst>
+  </p:cSld>
+  <p:clrMapOvr>
+    <a:masterClrMapping/>
+  </p:clrMapOvr>
+</p:sld>
+</file>
+
+<file path=ppt/slides/slide22.xml><?xml version="1.0" encoding="utf-8"?>
+<p:sld xmlns:a="http://schemas.openxmlformats.org/drawingml/2006/main" xmlns:r="http://schemas.openxmlformats.org/officeDocument/2006/relationships" xmlns:p="http://schemas.openxmlformats.org/presentationml/2006/main">
+  <p:cSld>
+    <p:spTree>
+      <p:nvGrpSpPr>
+        <p:cNvPr id="1" name=""/>
+        <p:cNvGrpSpPr/>
+        <p:nvPr/>
+      </p:nvGrpSpPr>
+      <p:grpSpPr>
+        <a:xfrm>
+          <a:off x="0" y="0"/>
+          <a:ext cx="0" cy="0"/>
+          <a:chOff x="0" y="0"/>
+          <a:chExt cx="0" cy="0"/>
+        </a:xfrm>
+      </p:grpSpPr>
+      <p:sp>
+        <p:nvSpPr>
+          <p:cNvPr id="3" name="Title 2"/>
+          <p:cNvSpPr>
+            <a:spLocks noGrp="1"/>
+          </p:cNvSpPr>
+          <p:nvPr>
+            <p:ph type="ctrTitle"/>
+            <p:custDataLst>
+              <p:tags r:id="rId1"/>
+            </p:custDataLst>
+          </p:nvPr>
+        </p:nvSpPr>
+        <p:spPr/>
+        <p:txBody>
+          <a:bodyPr>
+            <a:normAutofit fontScale="90000"/>
+          </a:bodyPr>
+          <a:lstStyle/>
+          <a:p>
+            <a:r>
+              <a:rPr lang="fr-CA" dirty="0" smtClean="0"/>
+              <a:t>Notre engagement</a:t>
+            </a:r>
+            <a:br>
+              <a:rPr lang="fr-CA" dirty="0" smtClean="0"/>
+            </a:br>
+            <a:r>
+              <a:rPr lang="fr-CA" sz="2500" dirty="0" smtClean="0">
+                <a:solidFill>
+                  <a:schemeClr val="tx1"/>
+                </a:solidFill>
+              </a:rPr>
+              <a:t>Nous réalisons chaque mandat dans </a:t>
+            </a:r>
+            <a:br>
+              <a:rPr lang="fr-CA" sz="2500" dirty="0" smtClean="0">
+                <a:solidFill>
+                  <a:schemeClr val="tx1"/>
+                </a:solidFill>
+              </a:rPr>
+            </a:br>
+            <a:r>
+              <a:rPr lang="fr-CA" sz="2500" dirty="0" smtClean="0">
+                <a:solidFill>
+                  <a:schemeClr val="tx1"/>
+                </a:solidFill>
+              </a:rPr>
+              <a:t>un seul but : contribuer au succès </a:t>
+            </a:r>
+            <a:br>
+              <a:rPr lang="fr-CA" sz="2500" dirty="0" smtClean="0">
+                <a:solidFill>
+                  <a:schemeClr val="tx1"/>
+                </a:solidFill>
+              </a:rPr>
+            </a:br>
+            <a:r>
+              <a:rPr lang="fr-CA" sz="2500" dirty="0" smtClean="0">
+                <a:solidFill>
+                  <a:schemeClr val="tx1"/>
+                </a:solidFill>
+              </a:rPr>
+              <a:t>de nos clients.</a:t>
+            </a:r>
+            <a:r>
+              <a:rPr lang="en-GB" sz="2500" dirty="0" smtClean="0">
+                <a:solidFill>
+                  <a:schemeClr val="tx1"/>
+                </a:solidFill>
+              </a:rPr>
+              <a:t/>
+            </a:r>
+            <a:br>
+              <a:rPr lang="en-GB" sz="2500" dirty="0" smtClean="0">
+                <a:solidFill>
+                  <a:schemeClr val="tx1"/>
+                </a:solidFill>
+              </a:rPr>
+            </a:br>
+            <a:endParaRPr lang="en-GB" sz="2500" dirty="0"/>
           </a:p>
         </p:txBody>
       </p:sp>
@@ -11006,7 +18722,6 @@
               <a:rPr lang="fr-CA" dirty="0" smtClean="0"/>
               <a:t>Modules utiles</a:t>
             </a:r>
-            <a:endParaRPr lang="fr-CA" dirty="0" smtClean="0"/>
           </a:p>
           <a:p>
             <a:endParaRPr lang="fr-CA" dirty="0" smtClean="0"/>
@@ -14110,16 +21825,56 @@
               <a:buChar char="•"/>
             </a:pPr>
             <a:r>
+              <a:rPr lang="fr-FR" dirty="0" err="1" smtClean="0"/>
+              <a:t>Angular</a:t>
+            </a:r>
+            <a:r>
               <a:rPr lang="fr-FR" dirty="0" smtClean="0"/>
-              <a:t>Gestion simplifiée des formulaires</a:t>
-            </a:r>
+              <a:t> propose 2 façons de faire des formulaires:</a:t>
+            </a:r>
+          </a:p>
+          <a:p>
+            <a:pPr marL="606425" lvl="1" indent="-342900"/>
+            <a:r>
+              <a:rPr lang="fr-FR" dirty="0" smtClean="0"/>
+              <a:t>Template-</a:t>
+            </a:r>
+            <a:r>
+              <a:rPr lang="fr-FR" dirty="0" err="1" smtClean="0"/>
+              <a:t>driven</a:t>
+            </a:r>
+            <a:r>
+              <a:rPr lang="fr-FR" dirty="0" smtClean="0"/>
+              <a:t> </a:t>
+            </a:r>
+            <a:r>
+              <a:rPr lang="fr-FR" dirty="0" err="1" smtClean="0"/>
+              <a:t>forms</a:t>
+            </a:r>
+            <a:endParaRPr lang="fr-FR" dirty="0" smtClean="0"/>
+          </a:p>
+          <a:p>
+            <a:pPr marL="606425" lvl="1" indent="-342900"/>
+            <a:r>
+              <a:rPr lang="fr-FR" dirty="0" err="1" smtClean="0"/>
+              <a:t>Reactive</a:t>
+            </a:r>
+            <a:r>
+              <a:rPr lang="fr-FR" dirty="0" smtClean="0"/>
+              <a:t> </a:t>
+            </a:r>
+            <a:r>
+              <a:rPr lang="fr-FR" dirty="0" err="1" smtClean="0"/>
+              <a:t>forms</a:t>
+            </a:r>
+            <a:endParaRPr lang="fr-FR" dirty="0" smtClean="0"/>
           </a:p>
           <a:p>
             <a:pPr marL="342900" indent="-342900">
               <a:buFont typeface="Arial" panose="020B0604020202020204" pitchFamily="34" charset="0"/>
               <a:buChar char="•"/>
             </a:pPr>
-            <a:endParaRPr lang="fr-FR" dirty="0"/>
+            <a:endParaRPr lang="fr-FR" dirty="0" smtClean="0"/>
           </a:p>
           <a:p>
             <a:pPr marL="342900" indent="-342900">
@@ -14127,25 +21882,58 @@
               <a:buChar char="•"/>
             </a:pPr>
             <a:r>
+              <a:rPr lang="fr-FR" dirty="0" err="1" smtClean="0"/>
+              <a:t>Reactive</a:t>
+            </a:r>
+            <a:r>
               <a:rPr lang="fr-FR" dirty="0" smtClean="0"/>
-              <a:t>Validation des champs et de l’ensemble du formulaire</a:t>
-            </a:r>
-          </a:p>
-          <a:p>
-            <a:pPr marL="342900" indent="-342900">
-              <a:buFont typeface="Arial" panose="020B0604020202020204" pitchFamily="34" charset="0"/>
-              <a:buChar char="•"/>
-            </a:pPr>
+              <a:t> </a:t>
+            </a:r>
+            <a:r>
+              <a:rPr lang="fr-FR" dirty="0" err="1" smtClean="0"/>
+              <a:t>forms</a:t>
+            </a:r>
             <a:endParaRPr lang="fr-FR" dirty="0"/>
           </a:p>
           <a:p>
-            <a:pPr marL="342900" indent="-342900">
-              <a:buFont typeface="Arial" panose="020B0604020202020204" pitchFamily="34" charset="0"/>
-              <a:buChar char="•"/>
-            </a:pPr>
+            <a:pPr marL="606425" lvl="1" indent="-342900"/>
             <a:r>
               <a:rPr lang="fr-FR" dirty="0" smtClean="0"/>
-              <a:t>Permet d’empêcher la validation du formulaire si les exigences ne sont pas couvertes</a:t>
+              <a:t>Gestion </a:t>
+            </a:r>
+            <a:r>
+              <a:rPr lang="fr-FR" dirty="0" smtClean="0"/>
+              <a:t>simplifiée des </a:t>
+            </a:r>
+            <a:r>
+              <a:rPr lang="fr-FR" dirty="0" smtClean="0"/>
+              <a:t>formulaires</a:t>
+            </a:r>
+          </a:p>
+          <a:p>
+            <a:pPr marL="606425" lvl="1" indent="-342900"/>
+            <a:r>
+              <a:rPr lang="fr-FR" dirty="0" smtClean="0"/>
+              <a:t>Validation </a:t>
+            </a:r>
+            <a:r>
+              <a:rPr lang="fr-FR" dirty="0" smtClean="0"/>
+              <a:t>des champs et de l’ensemble du </a:t>
+            </a:r>
+            <a:r>
+              <a:rPr lang="fr-FR" dirty="0" smtClean="0"/>
+              <a:t>formulaire</a:t>
+            </a:r>
+          </a:p>
+          <a:p>
+            <a:pPr marL="606425" lvl="1" indent="-342900"/>
+            <a:r>
+              <a:rPr lang="fr-FR" dirty="0" smtClean="0"/>
+              <a:t>Permet </a:t>
+            </a:r>
+            <a:r>
+              <a:rPr lang="fr-FR" dirty="0" smtClean="0"/>
+              <a:t>d’empêcher la validation du formulaire si les exigences ne sont pas couvertes</a:t>
             </a:r>
           </a:p>
           <a:p>
@@ -14192,6 +21980,378 @@
               <a:t>9</a:t>
             </a:fld>
             <a:endParaRPr lang="en-GB" dirty="0"/>
+          </a:p>
+        </p:txBody>
+      </p:sp>
+      <p:sp>
+        <p:nvSpPr>
+          <p:cNvPr id="5" name="Espace réservé du contenu 1"/>
+          <p:cNvSpPr txBox="1">
+            <a:spLocks/>
+          </p:cNvSpPr>
+          <p:nvPr/>
+        </p:nvSpPr>
+        <p:spPr>
+          <a:xfrm>
+            <a:off x="626245" y="4581693"/>
+            <a:ext cx="8060555" cy="1290787"/>
+          </a:xfrm>
+          <a:prstGeom prst="rect">
+            <a:avLst/>
+          </a:prstGeom>
+          <a:solidFill>
+            <a:schemeClr val="tx1">
+              <a:lumMod val="75000"/>
+            </a:schemeClr>
+          </a:solidFill>
+        </p:spPr>
+        <p:txBody>
+          <a:bodyPr lIns="0" tIns="0" rIns="0" bIns="0">
+            <a:normAutofit lnSpcReduction="10000"/>
+          </a:bodyPr>
+          <a:lstStyle>
+            <a:lvl1pPr marL="0" indent="0" algn="l" defTabSz="914400" rtl="0" eaLnBrk="1" latinLnBrk="0" hangingPunct="1">
+              <a:spcBef>
+                <a:spcPts val="500"/>
+              </a:spcBef>
+              <a:buClr>
+                <a:schemeClr val="accent1"/>
+              </a:buClr>
+              <a:buSzPct val="110000"/>
+              <a:buFont typeface="Arial" pitchFamily="34" charset="0"/>
+              <a:buNone/>
+              <a:defRPr sz="2000" kern="1200">
+                <a:solidFill>
+                  <a:schemeClr val="tx1"/>
+                </a:solidFill>
+                <a:latin typeface="Arial" pitchFamily="34" charset="0"/>
+                <a:ea typeface="+mn-ea"/>
+                <a:cs typeface="+mn-cs"/>
+              </a:defRPr>
+            </a:lvl1pPr>
+            <a:lvl2pPr marL="263525" indent="-263525" algn="l" defTabSz="914400" rtl="0" eaLnBrk="1" latinLnBrk="0" hangingPunct="1">
+              <a:spcBef>
+                <a:spcPts val="500"/>
+              </a:spcBef>
+              <a:buClr>
+                <a:schemeClr val="accent1"/>
+              </a:buClr>
+              <a:buSzPct val="110000"/>
+              <a:buFont typeface="Arial" pitchFamily="34" charset="0"/>
+              <a:buChar char="•"/>
+              <a:defRPr sz="2000" kern="1200" baseline="0">
+                <a:solidFill>
+                  <a:schemeClr val="tx1"/>
+                </a:solidFill>
+                <a:latin typeface="Arial" pitchFamily="34" charset="0"/>
+                <a:ea typeface="+mn-ea"/>
+                <a:cs typeface="+mn-cs"/>
+              </a:defRPr>
+            </a:lvl2pPr>
+            <a:lvl3pPr marL="536575" indent="-273050" algn="l" defTabSz="914400" rtl="0" eaLnBrk="1" latinLnBrk="0" hangingPunct="1">
+              <a:spcBef>
+                <a:spcPts val="500"/>
+              </a:spcBef>
+              <a:buClr>
+                <a:schemeClr val="accent1"/>
+              </a:buClr>
+              <a:buSzPct val="110000"/>
+              <a:buFont typeface="Arial" pitchFamily="34" charset="0"/>
+              <a:buChar char="•"/>
+              <a:defRPr sz="1800" kern="1200" baseline="0">
+                <a:solidFill>
+                  <a:schemeClr val="tx1"/>
+                </a:solidFill>
+                <a:latin typeface="Arial" pitchFamily="34" charset="0"/>
+                <a:ea typeface="+mn-ea"/>
+                <a:cs typeface="+mn-cs"/>
+              </a:defRPr>
+            </a:lvl3pPr>
+            <a:lvl4pPr marL="811213" indent="-274638" algn="l" defTabSz="914400" rtl="0" eaLnBrk="1" latinLnBrk="0" hangingPunct="1">
+              <a:spcBef>
+                <a:spcPts val="500"/>
+              </a:spcBef>
+              <a:buClr>
+                <a:schemeClr val="accent1"/>
+              </a:buClr>
+              <a:buSzPct val="110000"/>
+              <a:buFont typeface="Arial" pitchFamily="34" charset="0"/>
+              <a:buChar char="•"/>
+              <a:defRPr sz="1600" kern="1200" baseline="0">
+                <a:solidFill>
+                  <a:schemeClr val="tx1"/>
+                </a:solidFill>
+                <a:latin typeface="Arial" pitchFamily="34" charset="0"/>
+                <a:ea typeface="+mn-ea"/>
+                <a:cs typeface="+mn-cs"/>
+              </a:defRPr>
+            </a:lvl4pPr>
+            <a:lvl5pPr marL="1074738" indent="-263525" algn="l" defTabSz="914400" rtl="0" eaLnBrk="1" latinLnBrk="0" hangingPunct="1">
+              <a:spcBef>
+                <a:spcPts val="500"/>
+              </a:spcBef>
+              <a:buClr>
+                <a:schemeClr val="accent1"/>
+              </a:buClr>
+              <a:buSzPct val="110000"/>
+              <a:buFont typeface="Arial" pitchFamily="34" charset="0"/>
+              <a:buChar char="•"/>
+              <a:defRPr sz="1400" kern="1200" baseline="0">
+                <a:solidFill>
+                  <a:schemeClr val="tx1"/>
+                </a:solidFill>
+                <a:latin typeface="Arial" pitchFamily="34" charset="0"/>
+                <a:ea typeface="+mn-ea"/>
+                <a:cs typeface="+mn-cs"/>
+              </a:defRPr>
+            </a:lvl5pPr>
+            <a:lvl6pPr marL="1136650" indent="-215900" algn="l" defTabSz="914400" rtl="0" eaLnBrk="1" latinLnBrk="0" hangingPunct="1">
+              <a:spcBef>
+                <a:spcPts val="500"/>
+              </a:spcBef>
+              <a:buClr>
+                <a:schemeClr val="accent1"/>
+              </a:buClr>
+              <a:buFont typeface="Verdana" pitchFamily="34" charset="0"/>
+              <a:buNone/>
+              <a:defRPr sz="1400" kern="1200" baseline="0">
+                <a:solidFill>
+                  <a:schemeClr val="tx1"/>
+                </a:solidFill>
+                <a:latin typeface="+mn-lt"/>
+                <a:ea typeface="+mn-ea"/>
+                <a:cs typeface="+mn-cs"/>
+              </a:defRPr>
+            </a:lvl6pPr>
+            <a:lvl7pPr marL="1343025" indent="-228600" algn="l" defTabSz="914400" rtl="0" eaLnBrk="1" latinLnBrk="0" hangingPunct="1">
+              <a:spcBef>
+                <a:spcPts val="500"/>
+              </a:spcBef>
+              <a:buClr>
+                <a:schemeClr val="tx1">
+                  <a:lumMod val="60000"/>
+                  <a:lumOff val="40000"/>
+                </a:schemeClr>
+              </a:buClr>
+              <a:buFont typeface="Verdana" pitchFamily="34" charset="0"/>
+              <a:buChar char="•"/>
+              <a:defRPr sz="1400" kern="1200" baseline="0">
+                <a:solidFill>
+                  <a:schemeClr val="tx1"/>
+                </a:solidFill>
+                <a:latin typeface="+mn-lt"/>
+                <a:ea typeface="+mn-ea"/>
+                <a:cs typeface="+mn-cs"/>
+              </a:defRPr>
+            </a:lvl7pPr>
+            <a:lvl8pPr marL="3429000" indent="-228600" algn="l" defTabSz="914400" rtl="0" eaLnBrk="1" latinLnBrk="0" hangingPunct="1">
+              <a:spcBef>
+                <a:spcPct val="20000"/>
+              </a:spcBef>
+              <a:buFont typeface="Arial" pitchFamily="34" charset="0"/>
+              <a:buChar char="•"/>
+              <a:defRPr sz="2000" kern="1200">
+                <a:solidFill>
+                  <a:schemeClr val="tx1"/>
+                </a:solidFill>
+                <a:latin typeface="+mn-lt"/>
+                <a:ea typeface="+mn-ea"/>
+                <a:cs typeface="+mn-cs"/>
+              </a:defRPr>
+            </a:lvl8pPr>
+            <a:lvl9pPr marL="3886200" indent="-228600" algn="l" defTabSz="914400" rtl="0" eaLnBrk="1" latinLnBrk="0" hangingPunct="1">
+              <a:spcBef>
+                <a:spcPct val="20000"/>
+              </a:spcBef>
+              <a:buFont typeface="Arial" pitchFamily="34" charset="0"/>
+              <a:buChar char="•"/>
+              <a:defRPr sz="2000" kern="1200">
+                <a:solidFill>
+                  <a:schemeClr val="tx1"/>
+                </a:solidFill>
+                <a:latin typeface="+mn-lt"/>
+                <a:ea typeface="+mn-ea"/>
+                <a:cs typeface="+mn-cs"/>
+              </a:defRPr>
+            </a:lvl9pPr>
+          </a:lstStyle>
+          <a:p>
+            <a:r>
+              <a:rPr lang="fr-FR" sz="1600" dirty="0" smtClean="0">
+                <a:solidFill>
+                  <a:srgbClr val="92D050"/>
+                </a:solidFill>
+                <a:latin typeface="Consolas" pitchFamily="49" charset="0"/>
+              </a:rPr>
+              <a:t>@</a:t>
+            </a:r>
+            <a:r>
+              <a:rPr lang="fr-FR" sz="1600" dirty="0" err="1" smtClean="0">
+                <a:solidFill>
+                  <a:srgbClr val="92D050"/>
+                </a:solidFill>
+                <a:latin typeface="Consolas" pitchFamily="49" charset="0"/>
+              </a:rPr>
+              <a:t>NgModule</a:t>
+            </a:r>
+            <a:r>
+              <a:rPr lang="fr-FR" sz="1600" dirty="0" smtClean="0">
+                <a:solidFill>
+                  <a:schemeClr val="bg1"/>
+                </a:solidFill>
+                <a:latin typeface="Consolas" pitchFamily="49" charset="0"/>
+              </a:rPr>
+              <a:t>({</a:t>
+            </a:r>
+          </a:p>
+          <a:p>
+            <a:r>
+              <a:rPr lang="fr-FR" sz="1600" dirty="0">
+                <a:solidFill>
+                  <a:schemeClr val="bg1"/>
+                </a:solidFill>
+                <a:latin typeface="Consolas" pitchFamily="49" charset="0"/>
+              </a:rPr>
+              <a:t> </a:t>
+            </a:r>
+            <a:r>
+              <a:rPr lang="fr-FR" sz="1600" dirty="0" smtClean="0">
+                <a:solidFill>
+                  <a:schemeClr val="bg1"/>
+                </a:solidFill>
+                <a:latin typeface="Consolas" pitchFamily="49" charset="0"/>
+              </a:rPr>
+              <a:t> ...,</a:t>
+            </a:r>
+            <a:endParaRPr lang="fr-FR" sz="1600" dirty="0" smtClean="0">
+              <a:solidFill>
+                <a:schemeClr val="bg1"/>
+              </a:solidFill>
+              <a:latin typeface="Consolas" pitchFamily="49" charset="0"/>
+            </a:endParaRPr>
+          </a:p>
+          <a:p>
+            <a:r>
+              <a:rPr lang="fr-FR" sz="1600" dirty="0">
+                <a:solidFill>
+                  <a:schemeClr val="bg1"/>
+                </a:solidFill>
+                <a:latin typeface="Consolas" pitchFamily="49" charset="0"/>
+              </a:rPr>
+              <a:t> </a:t>
+            </a:r>
+            <a:r>
+              <a:rPr lang="fr-FR" sz="1600" dirty="0" smtClean="0">
+                <a:solidFill>
+                  <a:schemeClr val="bg1"/>
+                </a:solidFill>
+                <a:latin typeface="Consolas" pitchFamily="49" charset="0"/>
+              </a:rPr>
+              <a:t> </a:t>
+            </a:r>
+            <a:r>
+              <a:rPr lang="fr-FR" sz="1600" dirty="0" smtClean="0">
+                <a:solidFill>
+                  <a:srgbClr val="00B0F0"/>
+                </a:solidFill>
+                <a:latin typeface="Consolas" pitchFamily="49" charset="0"/>
+              </a:rPr>
+              <a:t>imports</a:t>
+            </a:r>
+            <a:r>
+              <a:rPr lang="fr-FR" sz="1600" dirty="0" smtClean="0">
+                <a:solidFill>
+                  <a:schemeClr val="bg1"/>
+                </a:solidFill>
+                <a:latin typeface="Consolas" pitchFamily="49" charset="0"/>
+              </a:rPr>
+              <a:t>: [ </a:t>
+            </a:r>
+            <a:r>
+              <a:rPr lang="fr-FR" sz="1600" dirty="0" err="1" smtClean="0">
+                <a:solidFill>
+                  <a:srgbClr val="00B0F0"/>
+                </a:solidFill>
+                <a:latin typeface="Consolas" pitchFamily="49" charset="0"/>
+              </a:rPr>
+              <a:t>BrowerModule</a:t>
+            </a:r>
+            <a:r>
+              <a:rPr lang="fr-FR" sz="1600" dirty="0" smtClean="0">
+                <a:solidFill>
+                  <a:schemeClr val="bg1"/>
+                </a:solidFill>
+                <a:latin typeface="Consolas" pitchFamily="49" charset="0"/>
+              </a:rPr>
+              <a:t>, </a:t>
+            </a:r>
+            <a:r>
+              <a:rPr lang="fr-FR" sz="1600" dirty="0" err="1" smtClean="0">
+                <a:solidFill>
+                  <a:srgbClr val="00B0F0"/>
+                </a:solidFill>
+                <a:latin typeface="Consolas" pitchFamily="49" charset="0"/>
+              </a:rPr>
+              <a:t>FormsModule</a:t>
+            </a:r>
+            <a:r>
+              <a:rPr lang="fr-FR" sz="1600" dirty="0" smtClean="0">
+                <a:solidFill>
+                  <a:schemeClr val="bg1"/>
+                </a:solidFill>
+                <a:latin typeface="Consolas" pitchFamily="49" charset="0"/>
+              </a:rPr>
+              <a:t>, </a:t>
+            </a:r>
+            <a:r>
+              <a:rPr lang="fr-FR" sz="1600" dirty="0" err="1" smtClean="0">
+                <a:solidFill>
+                  <a:srgbClr val="00B0F0"/>
+                </a:solidFill>
+                <a:latin typeface="Consolas" pitchFamily="49" charset="0"/>
+              </a:rPr>
+              <a:t>ReactiveFormsModule</a:t>
+            </a:r>
+            <a:r>
+              <a:rPr lang="fr-FR" sz="1600" dirty="0" smtClean="0">
+                <a:solidFill>
+                  <a:schemeClr val="bg1"/>
+                </a:solidFill>
+                <a:latin typeface="Consolas" pitchFamily="49" charset="0"/>
+              </a:rPr>
+              <a:t> ]</a:t>
+            </a:r>
+            <a:endParaRPr lang="fr-FR" sz="1600" dirty="0">
+              <a:solidFill>
+                <a:schemeClr val="bg1"/>
+              </a:solidFill>
+              <a:latin typeface="Consolas" pitchFamily="49" charset="0"/>
+            </a:endParaRPr>
+          </a:p>
+          <a:p>
+            <a:r>
+              <a:rPr lang="fr-FR" sz="1600" dirty="0" smtClean="0">
+                <a:solidFill>
+                  <a:schemeClr val="bg1"/>
+                </a:solidFill>
+                <a:latin typeface="Consolas" pitchFamily="49" charset="0"/>
+              </a:rPr>
+              <a:t>})</a:t>
+            </a:r>
+            <a:br>
+              <a:rPr lang="fr-FR" sz="1600" dirty="0" smtClean="0">
+                <a:solidFill>
+                  <a:schemeClr val="bg1"/>
+                </a:solidFill>
+                <a:latin typeface="Consolas" pitchFamily="49" charset="0"/>
+              </a:rPr>
+            </a:br>
+            <a:endParaRPr lang="fr-FR" sz="1600" dirty="0">
+              <a:solidFill>
+                <a:schemeClr val="bg1"/>
+              </a:solidFill>
+              <a:latin typeface="Consolas" pitchFamily="49" charset="0"/>
+            </a:endParaRPr>
           </a:p>
         </p:txBody>
       </p:sp>
@@ -14282,7 +22442,7 @@
 
 <file path=ppt/tags/tag20.xml><?xml version="1.0" encoding="utf-8"?>
 <p:tagLst xmlns:a="http://schemas.openxmlformats.org/drawingml/2006/main" xmlns:r="http://schemas.openxmlformats.org/officeDocument/2006/relationships" xmlns:p="http://schemas.openxmlformats.org/presentationml/2006/main">
-  <p:tag name="NUM" val="2"/>
+  <p:tag name="NUM" val="3"/>
 </p:tagLst>
 </file>
 
@@ -14299,6 +22459,18 @@
 </file>
 
 <file path=ppt/tags/tag23.xml><?xml version="1.0" encoding="utf-8"?>
+<p:tagLst xmlns:a="http://schemas.openxmlformats.org/drawingml/2006/main" xmlns:r="http://schemas.openxmlformats.org/officeDocument/2006/relationships" xmlns:p="http://schemas.openxmlformats.org/presentationml/2006/main">
+  <p:tag name="NUM" val="1"/>
+</p:tagLst>
+</file>
+
+<file path=ppt/tags/tag24.xml><?xml version="1.0" encoding="utf-8"?>
+<p:tagLst xmlns:a="http://schemas.openxmlformats.org/drawingml/2006/main" xmlns:r="http://schemas.openxmlformats.org/officeDocument/2006/relationships" xmlns:p="http://schemas.openxmlformats.org/presentationml/2006/main">
+  <p:tag name="NUM" val="2"/>
+</p:tagLst>
+</file>
+
+<file path=ppt/tags/tag25.xml><?xml version="1.0" encoding="utf-8"?>
 <p:tagLst xmlns:a="http://schemas.openxmlformats.org/drawingml/2006/main" xmlns:r="http://schemas.openxmlformats.org/officeDocument/2006/relationships" xmlns:p="http://schemas.openxmlformats.org/presentationml/2006/main">
   <p:tag name="NUM" val="1"/>
 </p:tagLst>
@@ -15265,6 +23437,132 @@
 </file>
 
 <file path=customXml/item1.xml><?xml version="1.0" encoding="utf-8"?>
+<?mso-contentType ?>
+<spe:Receivers xmlns:spe="http://schemas.microsoft.com/sharepoint/events">
+  <Receiver>
+    <Name>ItemUpdatedEventHandlerForConceptSearch</Name>
+    <Synchronization>Default</Synchronization>
+    <Type>10002</Type>
+    <SequenceNumber>10001</SequenceNumber>
+    <Assembly>conceptSearching.Sharepoint.ContentTypes, Version=1.0.0.0, Culture=neutral, PublicKeyToken=858f8f13980e4745</Assembly>
+    <Class>conceptSearching.Sharepoint.ContentTypes.CSHandleEvent</Class>
+    <Data/>
+    <Filter/>
+  </Receiver>
+  <Receiver>
+    <Name>ItemCheckedInEventHandlerForConceptSearch</Name>
+    <Synchronization>Default</Synchronization>
+    <Type>10004</Type>
+    <SequenceNumber>10002</SequenceNumber>
+    <Assembly>conceptSearching.Sharepoint.ContentTypes, Version=1.0.0.0, Culture=neutral, PublicKeyToken=858f8f13980e4745</Assembly>
+    <Class>conceptSearching.Sharepoint.ContentTypes.CSHandleEvent</Class>
+    <Data/>
+    <Filter/>
+  </Receiver>
+  <Receiver>
+    <Name>ItemUncheckedOutEventHandlerForConceptSearch</Name>
+    <Synchronization>Default</Synchronization>
+    <Type>10006</Type>
+    <SequenceNumber>10003</SequenceNumber>
+    <Assembly>conceptSearching.Sharepoint.ContentTypes, Version=1.0.0.0, Culture=neutral, PublicKeyToken=858f8f13980e4745</Assembly>
+    <Class>conceptSearching.Sharepoint.ContentTypes.CSHandleEvent</Class>
+    <Data/>
+    <Filter/>
+  </Receiver>
+  <Receiver>
+    <Name>ItemAddedEventHandlerForConceptSearch</Name>
+    <Synchronization>Default</Synchronization>
+    <Type>10001</Type>
+    <SequenceNumber>10004</SequenceNumber>
+    <Assembly>conceptSearching.Sharepoint.ContentTypes, Version=1.0.0.0, Culture=neutral, PublicKeyToken=858f8f13980e4745</Assembly>
+    <Class>conceptSearching.Sharepoint.ContentTypes.CSHandleEvent</Class>
+    <Data/>
+    <Filter/>
+  </Receiver>
+  <Receiver>
+    <Name>ItemFileMovedEventHandlerForConceptSearch</Name>
+    <Synchronization>Default</Synchronization>
+    <Type>10009</Type>
+    <SequenceNumber>10005</SequenceNumber>
+    <Assembly>conceptSearching.Sharepoint.ContentTypes, Version=1.0.0.0, Culture=neutral, PublicKeyToken=858f8f13980e4745</Assembly>
+    <Class>conceptSearching.Sharepoint.ContentTypes.CSHandleEvent</Class>
+    <Data/>
+    <Filter/>
+  </Receiver>
+  <Receiver>
+    <Name>ItemDeletedEventHandlerForConceptSearch</Name>
+    <Synchronization>Default</Synchronization>
+    <Type>10003</Type>
+    <SequenceNumber>10006</SequenceNumber>
+    <Assembly>conceptSearching.Sharepoint.ContentTypes, Version=1.0.0.0, Culture=neutral, PublicKeyToken=858f8f13980e4745</Assembly>
+    <Class>conceptSearching.Sharepoint.ContentTypes.CSHandleEvent</Class>
+    <Data/>
+    <Filter/>
+  </Receiver>
+  <Receiver>
+    <Name>ItemUpdatedEventHandlerForConceptSearch</Name>
+    <Synchronization>Asynchronous</Synchronization>
+    <Type>10002</Type>
+    <SequenceNumber>10001</SequenceNumber>
+    <Assembly>conceptSearching.Sharepoint.ContentTypes2010, Version=1.0.0.0, Culture=neutral, PublicKeyToken=858f8f13980e4745</Assembly>
+    <Class>conceptSearching.Sharepoint.ContentTypes2010.CSHandleEvent</Class>
+    <Data/>
+    <Filter/>
+  </Receiver>
+  <Receiver>
+    <Name>ItemCheckedInEventHandlerForConceptSearch</Name>
+    <Synchronization>Asynchronous</Synchronization>
+    <Type>10004</Type>
+    <SequenceNumber>10002</SequenceNumber>
+    <Assembly>conceptSearching.Sharepoint.ContentTypes2010, Version=1.0.0.0, Culture=neutral, PublicKeyToken=858f8f13980e4745</Assembly>
+    <Class>conceptSearching.Sharepoint.ContentTypes2010.CSHandleEvent</Class>
+    <Data/>
+    <Filter/>
+  </Receiver>
+  <Receiver>
+    <Name>ItemUncheckedOutEventHandlerForConceptSearch</Name>
+    <Synchronization>Asynchronous</Synchronization>
+    <Type>10006</Type>
+    <SequenceNumber>10003</SequenceNumber>
+    <Assembly>conceptSearching.Sharepoint.ContentTypes2010, Version=1.0.0.0, Culture=neutral, PublicKeyToken=858f8f13980e4745</Assembly>
+    <Class>conceptSearching.Sharepoint.ContentTypes2010.CSHandleEvent</Class>
+    <Data/>
+    <Filter/>
+  </Receiver>
+  <Receiver>
+    <Name>ItemAddedEventHandlerForConceptSearch</Name>
+    <Synchronization>Asynchronous</Synchronization>
+    <Type>10001</Type>
+    <SequenceNumber>10004</SequenceNumber>
+    <Assembly>conceptSearching.Sharepoint.ContentTypes2010, Version=1.0.0.0, Culture=neutral, PublicKeyToken=858f8f13980e4745</Assembly>
+    <Class>conceptSearching.Sharepoint.ContentTypes2010.CSHandleEvent</Class>
+    <Data/>
+    <Filter/>
+  </Receiver>
+  <Receiver>
+    <Name>ItemFileMovedEventHandlerForConceptSearch</Name>
+    <Synchronization>Asynchronous</Synchronization>
+    <Type>10009</Type>
+    <SequenceNumber>10005</SequenceNumber>
+    <Assembly>conceptSearching.Sharepoint.ContentTypes2010, Version=1.0.0.0, Culture=neutral, PublicKeyToken=858f8f13980e4745</Assembly>
+    <Class>conceptSearching.Sharepoint.ContentTypes2010.CSHandleEvent</Class>
+    <Data/>
+    <Filter/>
+  </Receiver>
+  <Receiver>
+    <Name>ItemDeletedEventHandlerForConceptSearch</Name>
+    <Synchronization>Asynchronous</Synchronization>
+    <Type>10003</Type>
+    <SequenceNumber>10006</SequenceNumber>
+    <Assembly>conceptSearching.Sharepoint.ContentTypes2010, Version=1.0.0.0, Culture=neutral, PublicKeyToken=858f8f13980e4745</Assembly>
+    <Class>conceptSearching.Sharepoint.ContentTypes2010.CSHandleEvent</Class>
+    <Data/>
+    <Filter/>
+  </Receiver>
+</spe:Receivers>
+</file>
+
+<file path=customXml/item2.xml><?xml version="1.0" encoding="utf-8"?>
 <ct:contentTypeSchema xmlns:ct="http://schemas.microsoft.com/office/2006/metadata/contentType" xmlns:ma="http://schemas.microsoft.com/office/2006/metadata/properties/metaAttributes" ct:_="" ma:_="" ma:contentTypeName="Document" ma:contentTypeID="0x01010005E88B5A4C166F4D845B9CCD5CB96BA1" ma:contentTypeVersion="12" ma:contentTypeDescription="Create a new document." ma:contentTypeScope="" ma:versionID="932543ea927b72e086287f4d6b3ada9b">
   <xsd:schema xmlns:xsd="http://www.w3.org/2001/XMLSchema" xmlns:xs="http://www.w3.org/2001/XMLSchema" xmlns:p="http://schemas.microsoft.com/office/2006/metadata/properties" xmlns:ns1="http://schemas.microsoft.com/sharepoint/v3" xmlns:ns2="d95a5b16-1b8d-4c7c-9ebf-89c0983b6970" targetNamespace="http://schemas.microsoft.com/office/2006/metadata/properties" ma:root="true" ma:fieldsID="c4e0bb6a8f3c457cd45f9ca23030de3a" ns1:_="" ns2:_="">
     <xsd:import namespace="http://schemas.microsoft.com/sharepoint/v3"/>
@@ -15459,142 +23757,7 @@
 </ct:contentTypeSchema>
 </file>
 
-<file path=customXml/item2.xml><?xml version="1.0" encoding="utf-8"?>
-<?mso-contentType ?>
-<spe:Receivers xmlns:spe="http://schemas.microsoft.com/sharepoint/events">
-  <Receiver>
-    <Name>ItemUpdatedEventHandlerForConceptSearch</Name>
-    <Synchronization>Default</Synchronization>
-    <Type>10002</Type>
-    <SequenceNumber>10001</SequenceNumber>
-    <Assembly>conceptSearching.Sharepoint.ContentTypes, Version=1.0.0.0, Culture=neutral, PublicKeyToken=858f8f13980e4745</Assembly>
-    <Class>conceptSearching.Sharepoint.ContentTypes.CSHandleEvent</Class>
-    <Data/>
-    <Filter/>
-  </Receiver>
-  <Receiver>
-    <Name>ItemCheckedInEventHandlerForConceptSearch</Name>
-    <Synchronization>Default</Synchronization>
-    <Type>10004</Type>
-    <SequenceNumber>10002</SequenceNumber>
-    <Assembly>conceptSearching.Sharepoint.ContentTypes, Version=1.0.0.0, Culture=neutral, PublicKeyToken=858f8f13980e4745</Assembly>
-    <Class>conceptSearching.Sharepoint.ContentTypes.CSHandleEvent</Class>
-    <Data/>
-    <Filter/>
-  </Receiver>
-  <Receiver>
-    <Name>ItemUncheckedOutEventHandlerForConceptSearch</Name>
-    <Synchronization>Default</Synchronization>
-    <Type>10006</Type>
-    <SequenceNumber>10003</SequenceNumber>
-    <Assembly>conceptSearching.Sharepoint.ContentTypes, Version=1.0.0.0, Culture=neutral, PublicKeyToken=858f8f13980e4745</Assembly>
-    <Class>conceptSearching.Sharepoint.ContentTypes.CSHandleEvent</Class>
-    <Data/>
-    <Filter/>
-  </Receiver>
-  <Receiver>
-    <Name>ItemAddedEventHandlerForConceptSearch</Name>
-    <Synchronization>Default</Synchronization>
-    <Type>10001</Type>
-    <SequenceNumber>10004</SequenceNumber>
-    <Assembly>conceptSearching.Sharepoint.ContentTypes, Version=1.0.0.0, Culture=neutral, PublicKeyToken=858f8f13980e4745</Assembly>
-    <Class>conceptSearching.Sharepoint.ContentTypes.CSHandleEvent</Class>
-    <Data/>
-    <Filter/>
-  </Receiver>
-  <Receiver>
-    <Name>ItemFileMovedEventHandlerForConceptSearch</Name>
-    <Synchronization>Default</Synchronization>
-    <Type>10009</Type>
-    <SequenceNumber>10005</SequenceNumber>
-    <Assembly>conceptSearching.Sharepoint.ContentTypes, Version=1.0.0.0, Culture=neutral, PublicKeyToken=858f8f13980e4745</Assembly>
-    <Class>conceptSearching.Sharepoint.ContentTypes.CSHandleEvent</Class>
-    <Data/>
-    <Filter/>
-  </Receiver>
-  <Receiver>
-    <Name>ItemDeletedEventHandlerForConceptSearch</Name>
-    <Synchronization>Default</Synchronization>
-    <Type>10003</Type>
-    <SequenceNumber>10006</SequenceNumber>
-    <Assembly>conceptSearching.Sharepoint.ContentTypes, Version=1.0.0.0, Culture=neutral, PublicKeyToken=858f8f13980e4745</Assembly>
-    <Class>conceptSearching.Sharepoint.ContentTypes.CSHandleEvent</Class>
-    <Data/>
-    <Filter/>
-  </Receiver>
-  <Receiver>
-    <Name>ItemUpdatedEventHandlerForConceptSearch</Name>
-    <Synchronization>Asynchronous</Synchronization>
-    <Type>10002</Type>
-    <SequenceNumber>10001</SequenceNumber>
-    <Assembly>conceptSearching.Sharepoint.ContentTypes2010, Version=1.0.0.0, Culture=neutral, PublicKeyToken=858f8f13980e4745</Assembly>
-    <Class>conceptSearching.Sharepoint.ContentTypes2010.CSHandleEvent</Class>
-    <Data/>
-    <Filter/>
-  </Receiver>
-  <Receiver>
-    <Name>ItemCheckedInEventHandlerForConceptSearch</Name>
-    <Synchronization>Asynchronous</Synchronization>
-    <Type>10004</Type>
-    <SequenceNumber>10002</SequenceNumber>
-    <Assembly>conceptSearching.Sharepoint.ContentTypes2010, Version=1.0.0.0, Culture=neutral, PublicKeyToken=858f8f13980e4745</Assembly>
-    <Class>conceptSearching.Sharepoint.ContentTypes2010.CSHandleEvent</Class>
-    <Data/>
-    <Filter/>
-  </Receiver>
-  <Receiver>
-    <Name>ItemUncheckedOutEventHandlerForConceptSearch</Name>
-    <Synchronization>Asynchronous</Synchronization>
-    <Type>10006</Type>
-    <SequenceNumber>10003</SequenceNumber>
-    <Assembly>conceptSearching.Sharepoint.ContentTypes2010, Version=1.0.0.0, Culture=neutral, PublicKeyToken=858f8f13980e4745</Assembly>
-    <Class>conceptSearching.Sharepoint.ContentTypes2010.CSHandleEvent</Class>
-    <Data/>
-    <Filter/>
-  </Receiver>
-  <Receiver>
-    <Name>ItemAddedEventHandlerForConceptSearch</Name>
-    <Synchronization>Asynchronous</Synchronization>
-    <Type>10001</Type>
-    <SequenceNumber>10004</SequenceNumber>
-    <Assembly>conceptSearching.Sharepoint.ContentTypes2010, Version=1.0.0.0, Culture=neutral, PublicKeyToken=858f8f13980e4745</Assembly>
-    <Class>conceptSearching.Sharepoint.ContentTypes2010.CSHandleEvent</Class>
-    <Data/>
-    <Filter/>
-  </Receiver>
-  <Receiver>
-    <Name>ItemFileMovedEventHandlerForConceptSearch</Name>
-    <Synchronization>Asynchronous</Synchronization>
-    <Type>10009</Type>
-    <SequenceNumber>10005</SequenceNumber>
-    <Assembly>conceptSearching.Sharepoint.ContentTypes2010, Version=1.0.0.0, Culture=neutral, PublicKeyToken=858f8f13980e4745</Assembly>
-    <Class>conceptSearching.Sharepoint.ContentTypes2010.CSHandleEvent</Class>
-    <Data/>
-    <Filter/>
-  </Receiver>
-  <Receiver>
-    <Name>ItemDeletedEventHandlerForConceptSearch</Name>
-    <Synchronization>Asynchronous</Synchronization>
-    <Type>10003</Type>
-    <SequenceNumber>10006</SequenceNumber>
-    <Assembly>conceptSearching.Sharepoint.ContentTypes2010, Version=1.0.0.0, Culture=neutral, PublicKeyToken=858f8f13980e4745</Assembly>
-    <Class>conceptSearching.Sharepoint.ContentTypes2010.CSHandleEvent</Class>
-    <Data/>
-    <Filter/>
-  </Receiver>
-</spe:Receivers>
-</file>
-
 <file path=customXml/item3.xml><?xml version="1.0" encoding="utf-8"?>
-<?mso-contentType ?>
-<FormTemplates xmlns="http://schemas.microsoft.com/sharepoint/v3/contenttype/forms">
-  <Display>DocumentLibraryForm</Display>
-  <Edit>DocumentLibraryForm</Edit>
-  <New>DocumentLibraryForm</New>
-</FormTemplates>
-</file>
-
-<file path=customXml/item4.xml><?xml version="1.0" encoding="utf-8"?>
 <p:properties xmlns:p="http://schemas.microsoft.com/office/2006/metadata/properties" xmlns:xsi="http://www.w3.org/2001/XMLSchema-instance">
   <documentManagement>
     <CSMeta2010Field xmlns="http://schemas.microsoft.com/sharepoint/v3">e3756241-2df6-41de-be5e-75b6e6bb08f6;2012-09-21 22:00:55;PENDINGCLASSIFICATION;False</CSMeta2010Field>
@@ -15618,7 +23781,24 @@
 </p:properties>
 </file>
 
+<file path=customXml/item4.xml><?xml version="1.0" encoding="utf-8"?>
+<?mso-contentType ?>
+<FormTemplates xmlns="http://schemas.microsoft.com/sharepoint/v3/contenttype/forms">
+  <Display>DocumentLibraryForm</Display>
+  <Edit>DocumentLibraryForm</Edit>
+  <New>DocumentLibraryForm</New>
+</FormTemplates>
+</file>
+
 <file path=customXml/itemProps1.xml><?xml version="1.0" encoding="utf-8"?>
+<ds:datastoreItem xmlns:ds="http://schemas.openxmlformats.org/officeDocument/2006/customXml" ds:itemID="{292B128B-852E-4970-B7DA-406C2DC81E71}">
+  <ds:schemaRefs>
+    <ds:schemaRef ds:uri="http://schemas.microsoft.com/sharepoint/events"/>
+  </ds:schemaRefs>
+</ds:datastoreItem>
+</file>
+
+<file path=customXml/itemProps2.xml><?xml version="1.0" encoding="utf-8"?>
 <ds:datastoreItem xmlns:ds="http://schemas.openxmlformats.org/officeDocument/2006/customXml" ds:itemID="{6F2C6FE6-5625-438C-ACCA-347FE9C06C3F}">
   <ds:schemaRefs>
     <ds:schemaRef ds:uri="http://schemas.microsoft.com/office/2006/metadata/contentType"/>
@@ -15637,23 +23817,7 @@
 </ds:datastoreItem>
 </file>
 
-<file path=customXml/itemProps2.xml><?xml version="1.0" encoding="utf-8"?>
-<ds:datastoreItem xmlns:ds="http://schemas.openxmlformats.org/officeDocument/2006/customXml" ds:itemID="{292B128B-852E-4970-B7DA-406C2DC81E71}">
-  <ds:schemaRefs>
-    <ds:schemaRef ds:uri="http://schemas.microsoft.com/sharepoint/events"/>
-  </ds:schemaRefs>
-</ds:datastoreItem>
-</file>
-
 <file path=customXml/itemProps3.xml><?xml version="1.0" encoding="utf-8"?>
-<ds:datastoreItem xmlns:ds="http://schemas.openxmlformats.org/officeDocument/2006/customXml" ds:itemID="{ADA5D674-9920-4D2F-B065-BC24FD29F86D}">
-  <ds:schemaRefs>
-    <ds:schemaRef ds:uri="http://schemas.microsoft.com/sharepoint/v3/contenttype/forms"/>
-  </ds:schemaRefs>
-</ds:datastoreItem>
-</file>
-
-<file path=customXml/itemProps4.xml><?xml version="1.0" encoding="utf-8"?>
 <ds:datastoreItem xmlns:ds="http://schemas.openxmlformats.org/officeDocument/2006/customXml" ds:itemID="{2F4C4F6A-F6A5-45C8-BAAA-52FB70E387C7}">
   <ds:schemaRefs>
     <ds:schemaRef ds:uri="http://purl.org/dc/dcmitype/"/>
@@ -15668,4 +23832,12 @@
     <ds:schemaRef ds:uri="http://www.w3.org/XML/1998/namespace"/>
   </ds:schemaRefs>
 </ds:datastoreItem>
+</file>
+
+<file path=customXml/itemProps4.xml><?xml version="1.0" encoding="utf-8"?>
+<ds:datastoreItem xmlns:ds="http://schemas.openxmlformats.org/officeDocument/2006/customXml" ds:itemID="{ADA5D674-9920-4D2F-B065-BC24FD29F86D}">
+  <ds:schemaRefs>
+    <ds:schemaRef ds:uri="http://schemas.microsoft.com/sharepoint/v3/contenttype/forms"/>
+  </ds:schemaRefs>
+</ds:datastoreItem>
 </file>
--- a/docs/Formation_Angular_003_Angular-avancé.pptx
+++ b/docs/Formation_Angular_003_Angular-avancé.pptx
@@ -5,10 +5,10 @@
     <p:sldMasterId id="2147483648" r:id="rId5"/>
   </p:sldMasterIdLst>
   <p:notesMasterIdLst>
-    <p:notesMasterId r:id="rId28"/>
+    <p:notesMasterId r:id="rId38"/>
   </p:notesMasterIdLst>
   <p:handoutMasterIdLst>
-    <p:handoutMasterId r:id="rId29"/>
+    <p:handoutMasterId r:id="rId39"/>
   </p:handoutMasterIdLst>
   <p:sldIdLst>
     <p:sldId id="315" r:id="rId6"/>
@@ -30,9 +30,19 @@
     <p:sldId id="439" r:id="rId22"/>
     <p:sldId id="429" r:id="rId23"/>
     <p:sldId id="427" r:id="rId24"/>
-    <p:sldId id="430" r:id="rId25"/>
-    <p:sldId id="431" r:id="rId26"/>
-    <p:sldId id="366" r:id="rId27"/>
+    <p:sldId id="440" r:id="rId25"/>
+    <p:sldId id="441" r:id="rId26"/>
+    <p:sldId id="442" r:id="rId27"/>
+    <p:sldId id="443" r:id="rId28"/>
+    <p:sldId id="444" r:id="rId29"/>
+    <p:sldId id="446" r:id="rId30"/>
+    <p:sldId id="447" r:id="rId31"/>
+    <p:sldId id="448" r:id="rId32"/>
+    <p:sldId id="449" r:id="rId33"/>
+    <p:sldId id="445" r:id="rId34"/>
+    <p:sldId id="430" r:id="rId35"/>
+    <p:sldId id="431" r:id="rId36"/>
+    <p:sldId id="366" r:id="rId37"/>
   </p:sldIdLst>
   <p:sldSz cx="9144000" cy="6858000" type="screen4x3"/>
   <p:notesSz cx="6858000" cy="9144000"/>
@@ -301,7 +311,7 @@
                 <a:latin typeface="Arial" pitchFamily="34" charset="0"/>
               </a:rPr>
               <a:pPr/>
-              <a:t>27/11/2019</a:t>
+              <a:t>28/11/2019</a:t>
             </a:fld>
             <a:endParaRPr lang="en-GB" dirty="0">
               <a:latin typeface="Arial" pitchFamily="34" charset="0"/>
@@ -480,7 +490,7 @@
             <a:fld id="{B5D7A87D-1CDA-443F-BAE3-82C9C05446C3}" type="datetimeFigureOut">
               <a:rPr lang="en-GB" smtClean="0"/>
               <a:pPr/>
-              <a:t>27/11/2019</a:t>
+              <a:t>28/11/2019</a:t>
             </a:fld>
             <a:endParaRPr lang="en-GB" dirty="0"/>
           </a:p>
@@ -1402,7 +1412,7 @@
       </p:grpSpPr>
       <p:sp>
         <p:nvSpPr>
-          <p:cNvPr id="2" name="Slide Image Placeholder 1"/>
+          <p:cNvPr id="2" name="Espace réservé de l'image des diapositives 1"/>
           <p:cNvSpPr>
             <a:spLocks noGrp="1" noRot="1" noChangeAspect="1"/>
           </p:cNvSpPr>
@@ -1414,7 +1424,7 @@
       </p:sp>
       <p:sp>
         <p:nvSpPr>
-          <p:cNvPr id="3" name="Notes Placeholder 2"/>
+          <p:cNvPr id="3" name="Espace réservé des notes 2"/>
           <p:cNvSpPr>
             <a:spLocks noGrp="1"/>
           </p:cNvSpPr>
@@ -1424,18 +1434,42 @@
         </p:nvSpPr>
         <p:spPr/>
         <p:txBody>
-          <a:bodyPr>
-            <a:normAutofit/>
-          </a:bodyPr>
+          <a:bodyPr/>
           <a:lstStyle/>
           <a:p>
-            <a:endParaRPr lang="en-GB" dirty="0"/>
+            <a:r>
+              <a:rPr lang="fr-FR" dirty="0" smtClean="0"/>
+              <a:t>Si</a:t>
+            </a:r>
+            <a:r>
+              <a:rPr lang="fr-FR" baseline="0" dirty="0" smtClean="0"/>
+              <a:t> notre test unitaire fait appel à des modules, des composants, directives, pipes, services, etc. on pourra les « (</a:t>
+            </a:r>
+            <a:r>
+              <a:rPr lang="fr-FR" baseline="0" dirty="0" err="1" smtClean="0"/>
+              <a:t>re</a:t>
+            </a:r>
+            <a:r>
+              <a:rPr lang="fr-FR" baseline="0" dirty="0" smtClean="0"/>
+              <a:t>)définir » ici.</a:t>
+            </a:r>
+            <a:endParaRPr lang="fr-FR" dirty="0" smtClean="0"/>
+          </a:p>
+          <a:p>
+            <a:endParaRPr lang="fr-FR" dirty="0" smtClean="0"/>
+          </a:p>
+          <a:p>
+            <a:r>
+              <a:rPr lang="fr-FR" dirty="0" smtClean="0"/>
+              <a:t>Le paramètre NO_ERROS_SCHEMA permet au compiler d’ignorer les éléments non reconnus : un composant déclaré peut utiliser d’autres composants. Ils n’auront pas d’utilité dans notre test, mais provoqueraient une erreur d’exécution sans cette option.</a:t>
+            </a:r>
+            <a:endParaRPr lang="fr-FR" dirty="0"/>
           </a:p>
         </p:txBody>
       </p:sp>
       <p:sp>
         <p:nvSpPr>
-          <p:cNvPr id="4" name="Slide Number Placeholder 3"/>
+          <p:cNvPr id="4" name="Espace réservé du numéro de diapositive 3"/>
           <p:cNvSpPr>
             <a:spLocks noGrp="1"/>
           </p:cNvSpPr>
@@ -1451,7 +1485,7 @@
             <a:fld id="{20B9C825-F38E-45BB-92C1-043DE61C9183}" type="slidenum">
               <a:rPr lang="en-GB" smtClean="0"/>
               <a:pPr/>
-              <a:t>20</a:t>
+              <a:t>19</a:t>
             </a:fld>
             <a:endParaRPr lang="en-GB" dirty="0"/>
           </a:p>
@@ -1460,7 +1494,7 @@
     </p:spTree>
     <p:extLst>
       <p:ext uri="{BB962C8B-B14F-4D97-AF65-F5344CB8AC3E}">
-        <p14:creationId xmlns:p14="http://schemas.microsoft.com/office/powerpoint/2010/main" val="2572130740"/>
+        <p14:creationId xmlns:p14="http://schemas.microsoft.com/office/powerpoint/2010/main" val="4077088660"/>
       </p:ext>
     </p:extLst>
   </p:cSld>
@@ -1489,7 +1523,7 @@
       </p:grpSpPr>
       <p:sp>
         <p:nvSpPr>
-          <p:cNvPr id="2" name="Slide Image Placeholder 1"/>
+          <p:cNvPr id="2" name="Espace réservé de l'image des diapositives 1"/>
           <p:cNvSpPr>
             <a:spLocks noGrp="1" noRot="1" noChangeAspect="1"/>
           </p:cNvSpPr>
@@ -1501,7 +1535,7 @@
       </p:sp>
       <p:sp>
         <p:nvSpPr>
-          <p:cNvPr id="3" name="Notes Placeholder 2"/>
+          <p:cNvPr id="3" name="Espace réservé des notes 2"/>
           <p:cNvSpPr>
             <a:spLocks noGrp="1"/>
           </p:cNvSpPr>
@@ -1511,18 +1545,16 @@
         </p:nvSpPr>
         <p:spPr/>
         <p:txBody>
-          <a:bodyPr>
-            <a:normAutofit/>
-          </a:bodyPr>
+          <a:bodyPr/>
           <a:lstStyle/>
           <a:p>
-            <a:endParaRPr lang="en-GB" dirty="0"/>
+            <a:endParaRPr lang="fr-FR" dirty="0"/>
           </a:p>
         </p:txBody>
       </p:sp>
       <p:sp>
         <p:nvSpPr>
-          <p:cNvPr id="4" name="Slide Number Placeholder 3"/>
+          <p:cNvPr id="4" name="Espace réservé du numéro de diapositive 3"/>
           <p:cNvSpPr>
             <a:spLocks noGrp="1"/>
           </p:cNvSpPr>
@@ -1545,6 +1577,189 @@
         </p:txBody>
       </p:sp>
     </p:spTree>
+    <p:extLst>
+      <p:ext uri="{BB962C8B-B14F-4D97-AF65-F5344CB8AC3E}">
+        <p14:creationId xmlns:p14="http://schemas.microsoft.com/office/powerpoint/2010/main" val="466310998"/>
+      </p:ext>
+    </p:extLst>
+  </p:cSld>
+  <p:clrMapOvr>
+    <a:masterClrMapping/>
+  </p:clrMapOvr>
+</p:notes>
+</file>
+
+<file path=ppt/notesSlides/notesSlide18.xml><?xml version="1.0" encoding="utf-8"?>
+<p:notes xmlns:a="http://schemas.openxmlformats.org/drawingml/2006/main" xmlns:r="http://schemas.openxmlformats.org/officeDocument/2006/relationships" xmlns:p="http://schemas.openxmlformats.org/presentationml/2006/main">
+  <p:cSld>
+    <p:spTree>
+      <p:nvGrpSpPr>
+        <p:cNvPr id="1" name=""/>
+        <p:cNvGrpSpPr/>
+        <p:nvPr/>
+      </p:nvGrpSpPr>
+      <p:grpSpPr>
+        <a:xfrm>
+          <a:off x="0" y="0"/>
+          <a:ext cx="0" cy="0"/>
+          <a:chOff x="0" y="0"/>
+          <a:chExt cx="0" cy="0"/>
+        </a:xfrm>
+      </p:grpSpPr>
+      <p:sp>
+        <p:nvSpPr>
+          <p:cNvPr id="2" name="Espace réservé de l'image des diapositives 1"/>
+          <p:cNvSpPr>
+            <a:spLocks noGrp="1" noRot="1" noChangeAspect="1"/>
+          </p:cNvSpPr>
+          <p:nvPr>
+            <p:ph type="sldImg"/>
+          </p:nvPr>
+        </p:nvSpPr>
+        <p:spPr/>
+      </p:sp>
+      <p:sp>
+        <p:nvSpPr>
+          <p:cNvPr id="3" name="Espace réservé des notes 2"/>
+          <p:cNvSpPr>
+            <a:spLocks noGrp="1"/>
+          </p:cNvSpPr>
+          <p:nvPr>
+            <p:ph type="body" idx="1"/>
+          </p:nvPr>
+        </p:nvSpPr>
+        <p:spPr/>
+        <p:txBody>
+          <a:bodyPr/>
+          <a:lstStyle/>
+          <a:p>
+            <a:endParaRPr lang="fr-FR" dirty="0"/>
+          </a:p>
+        </p:txBody>
+      </p:sp>
+      <p:sp>
+        <p:nvSpPr>
+          <p:cNvPr id="4" name="Espace réservé du numéro de diapositive 3"/>
+          <p:cNvSpPr>
+            <a:spLocks noGrp="1"/>
+          </p:cNvSpPr>
+          <p:nvPr>
+            <p:ph type="sldNum" sz="quarter" idx="10"/>
+          </p:nvPr>
+        </p:nvSpPr>
+        <p:spPr/>
+        <p:txBody>
+          <a:bodyPr/>
+          <a:lstStyle/>
+          <a:p>
+            <a:fld id="{20B9C825-F38E-45BB-92C1-043DE61C9183}" type="slidenum">
+              <a:rPr lang="en-GB" smtClean="0"/>
+              <a:pPr/>
+              <a:t>23</a:t>
+            </a:fld>
+            <a:endParaRPr lang="en-GB" dirty="0"/>
+          </a:p>
+        </p:txBody>
+      </p:sp>
+    </p:spTree>
+    <p:extLst>
+      <p:ext uri="{BB962C8B-B14F-4D97-AF65-F5344CB8AC3E}">
+        <p14:creationId xmlns:p14="http://schemas.microsoft.com/office/powerpoint/2010/main" val="3379424085"/>
+      </p:ext>
+    </p:extLst>
+  </p:cSld>
+  <p:clrMapOvr>
+    <a:masterClrMapping/>
+  </p:clrMapOvr>
+</p:notes>
+</file>
+
+<file path=ppt/notesSlides/notesSlide19.xml><?xml version="1.0" encoding="utf-8"?>
+<p:notes xmlns:a="http://schemas.openxmlformats.org/drawingml/2006/main" xmlns:r="http://schemas.openxmlformats.org/officeDocument/2006/relationships" xmlns:p="http://schemas.openxmlformats.org/presentationml/2006/main">
+  <p:cSld>
+    <p:spTree>
+      <p:nvGrpSpPr>
+        <p:cNvPr id="1" name=""/>
+        <p:cNvGrpSpPr/>
+        <p:nvPr/>
+      </p:nvGrpSpPr>
+      <p:grpSpPr>
+        <a:xfrm>
+          <a:off x="0" y="0"/>
+          <a:ext cx="0" cy="0"/>
+          <a:chOff x="0" y="0"/>
+          <a:chExt cx="0" cy="0"/>
+        </a:xfrm>
+      </p:grpSpPr>
+      <p:sp>
+        <p:nvSpPr>
+          <p:cNvPr id="2" name="Espace réservé de l'image des diapositives 1"/>
+          <p:cNvSpPr>
+            <a:spLocks noGrp="1" noRot="1" noChangeAspect="1"/>
+          </p:cNvSpPr>
+          <p:nvPr>
+            <p:ph type="sldImg"/>
+          </p:nvPr>
+        </p:nvSpPr>
+        <p:spPr/>
+      </p:sp>
+      <p:sp>
+        <p:nvSpPr>
+          <p:cNvPr id="3" name="Espace réservé des notes 2"/>
+          <p:cNvSpPr>
+            <a:spLocks noGrp="1"/>
+          </p:cNvSpPr>
+          <p:nvPr>
+            <p:ph type="body" idx="1"/>
+          </p:nvPr>
+        </p:nvSpPr>
+        <p:spPr/>
+        <p:txBody>
+          <a:bodyPr/>
+          <a:lstStyle/>
+          <a:p>
+            <a:r>
+              <a:rPr lang="fr-FR" dirty="0" smtClean="0"/>
+              <a:t>Les tests de classe</a:t>
+            </a:r>
+            <a:r>
+              <a:rPr lang="fr-FR" baseline="0" dirty="0" smtClean="0"/>
+              <a:t> sont fait de la même façon qu’un test de service</a:t>
+            </a:r>
+            <a:endParaRPr lang="fr-FR" dirty="0"/>
+          </a:p>
+        </p:txBody>
+      </p:sp>
+      <p:sp>
+        <p:nvSpPr>
+          <p:cNvPr id="4" name="Espace réservé du numéro de diapositive 3"/>
+          <p:cNvSpPr>
+            <a:spLocks noGrp="1"/>
+          </p:cNvSpPr>
+          <p:nvPr>
+            <p:ph type="sldNum" sz="quarter" idx="10"/>
+          </p:nvPr>
+        </p:nvSpPr>
+        <p:spPr/>
+        <p:txBody>
+          <a:bodyPr/>
+          <a:lstStyle/>
+          <a:p>
+            <a:fld id="{20B9C825-F38E-45BB-92C1-043DE61C9183}" type="slidenum">
+              <a:rPr lang="en-GB" smtClean="0"/>
+              <a:pPr/>
+              <a:t>24</a:t>
+            </a:fld>
+            <a:endParaRPr lang="en-GB" dirty="0"/>
+          </a:p>
+        </p:txBody>
+      </p:sp>
+    </p:spTree>
+    <p:extLst>
+      <p:ext uri="{BB962C8B-B14F-4D97-AF65-F5344CB8AC3E}">
+        <p14:creationId xmlns:p14="http://schemas.microsoft.com/office/powerpoint/2010/main" val="2993098852"/>
+      </p:ext>
+    </p:extLst>
   </p:cSld>
   <p:clrMapOvr>
     <a:masterClrMapping/>
@@ -1621,6 +1836,452 @@
               <a:rPr lang="en-GB" smtClean="0"/>
               <a:pPr/>
               <a:t>2</a:t>
+            </a:fld>
+            <a:endParaRPr lang="en-GB" dirty="0"/>
+          </a:p>
+        </p:txBody>
+      </p:sp>
+    </p:spTree>
+  </p:cSld>
+  <p:clrMapOvr>
+    <a:masterClrMapping/>
+  </p:clrMapOvr>
+</p:notes>
+</file>
+
+<file path=ppt/notesSlides/notesSlide20.xml><?xml version="1.0" encoding="utf-8"?>
+<p:notes xmlns:a="http://schemas.openxmlformats.org/drawingml/2006/main" xmlns:r="http://schemas.openxmlformats.org/officeDocument/2006/relationships" xmlns:p="http://schemas.openxmlformats.org/presentationml/2006/main">
+  <p:cSld>
+    <p:spTree>
+      <p:nvGrpSpPr>
+        <p:cNvPr id="1" name=""/>
+        <p:cNvGrpSpPr/>
+        <p:nvPr/>
+      </p:nvGrpSpPr>
+      <p:grpSpPr>
+        <a:xfrm>
+          <a:off x="0" y="0"/>
+          <a:ext cx="0" cy="0"/>
+          <a:chOff x="0" y="0"/>
+          <a:chExt cx="0" cy="0"/>
+        </a:xfrm>
+      </p:grpSpPr>
+      <p:sp>
+        <p:nvSpPr>
+          <p:cNvPr id="2" name="Espace réservé de l'image des diapositives 1"/>
+          <p:cNvSpPr>
+            <a:spLocks noGrp="1" noRot="1" noChangeAspect="1"/>
+          </p:cNvSpPr>
+          <p:nvPr>
+            <p:ph type="sldImg"/>
+          </p:nvPr>
+        </p:nvSpPr>
+        <p:spPr/>
+      </p:sp>
+      <p:sp>
+        <p:nvSpPr>
+          <p:cNvPr id="3" name="Espace réservé des notes 2"/>
+          <p:cNvSpPr>
+            <a:spLocks noGrp="1"/>
+          </p:cNvSpPr>
+          <p:nvPr>
+            <p:ph type="body" idx="1"/>
+          </p:nvPr>
+        </p:nvSpPr>
+        <p:spPr/>
+        <p:txBody>
+          <a:bodyPr/>
+          <a:lstStyle/>
+          <a:p>
+            <a:r>
+              <a:rPr lang="fr-FR" dirty="0" smtClean="0"/>
+              <a:t>« </a:t>
+            </a:r>
+            <a:r>
+              <a:rPr lang="fr-FR" dirty="0" err="1" smtClean="0"/>
+              <a:t>fixture.detectChanges</a:t>
+            </a:r>
+            <a:r>
+              <a:rPr lang="fr-FR" baseline="0" dirty="0" smtClean="0"/>
+              <a:t>() » permet de forcer le binding dans le </a:t>
+            </a:r>
+            <a:r>
+              <a:rPr lang="fr-FR" baseline="0" dirty="0" err="1" smtClean="0"/>
+              <a:t>template</a:t>
+            </a:r>
+            <a:r>
+              <a:rPr lang="fr-FR" baseline="0" dirty="0" smtClean="0"/>
+              <a:t>. Sans ça, h1 serait vide</a:t>
+            </a:r>
+            <a:endParaRPr lang="fr-FR" dirty="0"/>
+          </a:p>
+        </p:txBody>
+      </p:sp>
+      <p:sp>
+        <p:nvSpPr>
+          <p:cNvPr id="4" name="Espace réservé du numéro de diapositive 3"/>
+          <p:cNvSpPr>
+            <a:spLocks noGrp="1"/>
+          </p:cNvSpPr>
+          <p:nvPr>
+            <p:ph type="sldNum" sz="quarter" idx="10"/>
+          </p:nvPr>
+        </p:nvSpPr>
+        <p:spPr/>
+        <p:txBody>
+          <a:bodyPr/>
+          <a:lstStyle/>
+          <a:p>
+            <a:fld id="{20B9C825-F38E-45BB-92C1-043DE61C9183}" type="slidenum">
+              <a:rPr lang="en-GB" smtClean="0"/>
+              <a:pPr/>
+              <a:t>27</a:t>
+            </a:fld>
+            <a:endParaRPr lang="en-GB" dirty="0"/>
+          </a:p>
+        </p:txBody>
+      </p:sp>
+    </p:spTree>
+    <p:extLst>
+      <p:ext uri="{BB962C8B-B14F-4D97-AF65-F5344CB8AC3E}">
+        <p14:creationId xmlns:p14="http://schemas.microsoft.com/office/powerpoint/2010/main" val="565180291"/>
+      </p:ext>
+    </p:extLst>
+  </p:cSld>
+  <p:clrMapOvr>
+    <a:masterClrMapping/>
+  </p:clrMapOvr>
+</p:notes>
+</file>
+
+<file path=ppt/notesSlides/notesSlide21.xml><?xml version="1.0" encoding="utf-8"?>
+<p:notes xmlns:a="http://schemas.openxmlformats.org/drawingml/2006/main" xmlns:r="http://schemas.openxmlformats.org/officeDocument/2006/relationships" xmlns:p="http://schemas.openxmlformats.org/presentationml/2006/main">
+  <p:cSld>
+    <p:spTree>
+      <p:nvGrpSpPr>
+        <p:cNvPr id="1" name=""/>
+        <p:cNvGrpSpPr/>
+        <p:nvPr/>
+      </p:nvGrpSpPr>
+      <p:grpSpPr>
+        <a:xfrm>
+          <a:off x="0" y="0"/>
+          <a:ext cx="0" cy="0"/>
+          <a:chOff x="0" y="0"/>
+          <a:chExt cx="0" cy="0"/>
+        </a:xfrm>
+      </p:grpSpPr>
+      <p:sp>
+        <p:nvSpPr>
+          <p:cNvPr id="2" name="Slide Image Placeholder 1"/>
+          <p:cNvSpPr>
+            <a:spLocks noGrp="1" noRot="1" noChangeAspect="1"/>
+          </p:cNvSpPr>
+          <p:nvPr>
+            <p:ph type="sldImg"/>
+          </p:nvPr>
+        </p:nvSpPr>
+        <p:spPr/>
+      </p:sp>
+      <p:sp>
+        <p:nvSpPr>
+          <p:cNvPr id="3" name="Notes Placeholder 2"/>
+          <p:cNvSpPr>
+            <a:spLocks noGrp="1"/>
+          </p:cNvSpPr>
+          <p:nvPr>
+            <p:ph type="body" idx="1"/>
+          </p:nvPr>
+        </p:nvSpPr>
+        <p:spPr/>
+        <p:txBody>
+          <a:bodyPr>
+            <a:normAutofit/>
+          </a:bodyPr>
+          <a:lstStyle/>
+          <a:p>
+            <a:endParaRPr lang="en-GB" dirty="0"/>
+          </a:p>
+        </p:txBody>
+      </p:sp>
+      <p:sp>
+        <p:nvSpPr>
+          <p:cNvPr id="4" name="Slide Number Placeholder 3"/>
+          <p:cNvSpPr>
+            <a:spLocks noGrp="1"/>
+          </p:cNvSpPr>
+          <p:nvPr>
+            <p:ph type="sldNum" sz="quarter" idx="10"/>
+          </p:nvPr>
+        </p:nvSpPr>
+        <p:spPr/>
+        <p:txBody>
+          <a:bodyPr/>
+          <a:lstStyle/>
+          <a:p>
+            <a:fld id="{20B9C825-F38E-45BB-92C1-043DE61C9183}" type="slidenum">
+              <a:rPr lang="en-GB" smtClean="0"/>
+              <a:pPr/>
+              <a:t>28</a:t>
+            </a:fld>
+            <a:endParaRPr lang="en-GB" dirty="0"/>
+          </a:p>
+        </p:txBody>
+      </p:sp>
+    </p:spTree>
+    <p:extLst>
+      <p:ext uri="{BB962C8B-B14F-4D97-AF65-F5344CB8AC3E}">
+        <p14:creationId xmlns:p14="http://schemas.microsoft.com/office/powerpoint/2010/main" val="869105605"/>
+      </p:ext>
+    </p:extLst>
+  </p:cSld>
+  <p:clrMapOvr>
+    <a:masterClrMapping/>
+  </p:clrMapOvr>
+</p:notes>
+</file>
+
+<file path=ppt/notesSlides/notesSlide22.xml><?xml version="1.0" encoding="utf-8"?>
+<p:notes xmlns:a="http://schemas.openxmlformats.org/drawingml/2006/main" xmlns:r="http://schemas.openxmlformats.org/officeDocument/2006/relationships" xmlns:p="http://schemas.openxmlformats.org/presentationml/2006/main">
+  <p:cSld>
+    <p:spTree>
+      <p:nvGrpSpPr>
+        <p:cNvPr id="1" name=""/>
+        <p:cNvGrpSpPr/>
+        <p:nvPr/>
+      </p:nvGrpSpPr>
+      <p:grpSpPr>
+        <a:xfrm>
+          <a:off x="0" y="0"/>
+          <a:ext cx="0" cy="0"/>
+          <a:chOff x="0" y="0"/>
+          <a:chExt cx="0" cy="0"/>
+        </a:xfrm>
+      </p:grpSpPr>
+      <p:sp>
+        <p:nvSpPr>
+          <p:cNvPr id="2" name="Espace réservé de l'image des diapositives 1"/>
+          <p:cNvSpPr>
+            <a:spLocks noGrp="1" noRot="1" noChangeAspect="1"/>
+          </p:cNvSpPr>
+          <p:nvPr>
+            <p:ph type="sldImg"/>
+          </p:nvPr>
+        </p:nvSpPr>
+        <p:spPr/>
+      </p:sp>
+      <p:sp>
+        <p:nvSpPr>
+          <p:cNvPr id="3" name="Espace réservé des notes 2"/>
+          <p:cNvSpPr>
+            <a:spLocks noGrp="1"/>
+          </p:cNvSpPr>
+          <p:nvPr>
+            <p:ph type="body" idx="1"/>
+          </p:nvPr>
+        </p:nvSpPr>
+        <p:spPr/>
+        <p:txBody>
+          <a:bodyPr/>
+          <a:lstStyle/>
+          <a:p>
+            <a:endParaRPr lang="fr-FR" dirty="0"/>
+          </a:p>
+        </p:txBody>
+      </p:sp>
+      <p:sp>
+        <p:nvSpPr>
+          <p:cNvPr id="4" name="Espace réservé du numéro de diapositive 3"/>
+          <p:cNvSpPr>
+            <a:spLocks noGrp="1"/>
+          </p:cNvSpPr>
+          <p:nvPr>
+            <p:ph type="sldNum" sz="quarter" idx="10"/>
+          </p:nvPr>
+        </p:nvSpPr>
+        <p:spPr/>
+        <p:txBody>
+          <a:bodyPr/>
+          <a:lstStyle/>
+          <a:p>
+            <a:fld id="{20B9C825-F38E-45BB-92C1-043DE61C9183}" type="slidenum">
+              <a:rPr lang="en-GB" smtClean="0"/>
+              <a:pPr/>
+              <a:t>29</a:t>
+            </a:fld>
+            <a:endParaRPr lang="en-GB" dirty="0"/>
+          </a:p>
+        </p:txBody>
+      </p:sp>
+    </p:spTree>
+    <p:extLst>
+      <p:ext uri="{BB962C8B-B14F-4D97-AF65-F5344CB8AC3E}">
+        <p14:creationId xmlns:p14="http://schemas.microsoft.com/office/powerpoint/2010/main" val="3696541522"/>
+      </p:ext>
+    </p:extLst>
+  </p:cSld>
+  <p:clrMapOvr>
+    <a:masterClrMapping/>
+  </p:clrMapOvr>
+</p:notes>
+</file>
+
+<file path=ppt/notesSlides/notesSlide23.xml><?xml version="1.0" encoding="utf-8"?>
+<p:notes xmlns:a="http://schemas.openxmlformats.org/drawingml/2006/main" xmlns:r="http://schemas.openxmlformats.org/officeDocument/2006/relationships" xmlns:p="http://schemas.openxmlformats.org/presentationml/2006/main">
+  <p:cSld>
+    <p:spTree>
+      <p:nvGrpSpPr>
+        <p:cNvPr id="1" name=""/>
+        <p:cNvGrpSpPr/>
+        <p:nvPr/>
+      </p:nvGrpSpPr>
+      <p:grpSpPr>
+        <a:xfrm>
+          <a:off x="0" y="0"/>
+          <a:ext cx="0" cy="0"/>
+          <a:chOff x="0" y="0"/>
+          <a:chExt cx="0" cy="0"/>
+        </a:xfrm>
+      </p:grpSpPr>
+      <p:sp>
+        <p:nvSpPr>
+          <p:cNvPr id="2" name="Slide Image Placeholder 1"/>
+          <p:cNvSpPr>
+            <a:spLocks noGrp="1" noRot="1" noChangeAspect="1"/>
+          </p:cNvSpPr>
+          <p:nvPr>
+            <p:ph type="sldImg"/>
+          </p:nvPr>
+        </p:nvSpPr>
+        <p:spPr/>
+      </p:sp>
+      <p:sp>
+        <p:nvSpPr>
+          <p:cNvPr id="3" name="Notes Placeholder 2"/>
+          <p:cNvSpPr>
+            <a:spLocks noGrp="1"/>
+          </p:cNvSpPr>
+          <p:nvPr>
+            <p:ph type="body" idx="1"/>
+          </p:nvPr>
+        </p:nvSpPr>
+        <p:spPr/>
+        <p:txBody>
+          <a:bodyPr>
+            <a:normAutofit/>
+          </a:bodyPr>
+          <a:lstStyle/>
+          <a:p>
+            <a:endParaRPr lang="en-GB" dirty="0"/>
+          </a:p>
+        </p:txBody>
+      </p:sp>
+      <p:sp>
+        <p:nvSpPr>
+          <p:cNvPr id="4" name="Slide Number Placeholder 3"/>
+          <p:cNvSpPr>
+            <a:spLocks noGrp="1"/>
+          </p:cNvSpPr>
+          <p:nvPr>
+            <p:ph type="sldNum" sz="quarter" idx="10"/>
+          </p:nvPr>
+        </p:nvSpPr>
+        <p:spPr/>
+        <p:txBody>
+          <a:bodyPr/>
+          <a:lstStyle/>
+          <a:p>
+            <a:fld id="{20B9C825-F38E-45BB-92C1-043DE61C9183}" type="slidenum">
+              <a:rPr lang="en-GB" smtClean="0"/>
+              <a:pPr/>
+              <a:t>30</a:t>
+            </a:fld>
+            <a:endParaRPr lang="en-GB" dirty="0"/>
+          </a:p>
+        </p:txBody>
+      </p:sp>
+    </p:spTree>
+    <p:extLst>
+      <p:ext uri="{BB962C8B-B14F-4D97-AF65-F5344CB8AC3E}">
+        <p14:creationId xmlns:p14="http://schemas.microsoft.com/office/powerpoint/2010/main" val="2572130740"/>
+      </p:ext>
+    </p:extLst>
+  </p:cSld>
+  <p:clrMapOvr>
+    <a:masterClrMapping/>
+  </p:clrMapOvr>
+</p:notes>
+</file>
+
+<file path=ppt/notesSlides/notesSlide24.xml><?xml version="1.0" encoding="utf-8"?>
+<p:notes xmlns:a="http://schemas.openxmlformats.org/drawingml/2006/main" xmlns:r="http://schemas.openxmlformats.org/officeDocument/2006/relationships" xmlns:p="http://schemas.openxmlformats.org/presentationml/2006/main">
+  <p:cSld>
+    <p:spTree>
+      <p:nvGrpSpPr>
+        <p:cNvPr id="1" name=""/>
+        <p:cNvGrpSpPr/>
+        <p:nvPr/>
+      </p:nvGrpSpPr>
+      <p:grpSpPr>
+        <a:xfrm>
+          <a:off x="0" y="0"/>
+          <a:ext cx="0" cy="0"/>
+          <a:chOff x="0" y="0"/>
+          <a:chExt cx="0" cy="0"/>
+        </a:xfrm>
+      </p:grpSpPr>
+      <p:sp>
+        <p:nvSpPr>
+          <p:cNvPr id="2" name="Slide Image Placeholder 1"/>
+          <p:cNvSpPr>
+            <a:spLocks noGrp="1" noRot="1" noChangeAspect="1"/>
+          </p:cNvSpPr>
+          <p:nvPr>
+            <p:ph type="sldImg"/>
+          </p:nvPr>
+        </p:nvSpPr>
+        <p:spPr/>
+      </p:sp>
+      <p:sp>
+        <p:nvSpPr>
+          <p:cNvPr id="3" name="Notes Placeholder 2"/>
+          <p:cNvSpPr>
+            <a:spLocks noGrp="1"/>
+          </p:cNvSpPr>
+          <p:nvPr>
+            <p:ph type="body" idx="1"/>
+          </p:nvPr>
+        </p:nvSpPr>
+        <p:spPr/>
+        <p:txBody>
+          <a:bodyPr>
+            <a:normAutofit/>
+          </a:bodyPr>
+          <a:lstStyle/>
+          <a:p>
+            <a:endParaRPr lang="en-GB" dirty="0"/>
+          </a:p>
+        </p:txBody>
+      </p:sp>
+      <p:sp>
+        <p:nvSpPr>
+          <p:cNvPr id="4" name="Slide Number Placeholder 3"/>
+          <p:cNvSpPr>
+            <a:spLocks noGrp="1"/>
+          </p:cNvSpPr>
+          <p:nvPr>
+            <p:ph type="sldNum" sz="quarter" idx="10"/>
+          </p:nvPr>
+        </p:nvSpPr>
+        <p:spPr/>
+        <p:txBody>
+          <a:bodyPr/>
+          <a:lstStyle/>
+          <a:p>
+            <a:fld id="{20B9C825-F38E-45BB-92C1-043DE61C9183}" type="slidenum">
+              <a:rPr lang="en-GB" smtClean="0"/>
+              <a:pPr/>
+              <a:t>32</a:t>
             </a:fld>
             <a:endParaRPr lang="en-GB" dirty="0"/>
           </a:p>
@@ -13000,12 +13661,6 @@
               </a:rPr>
               <a:t>}</a:t>
             </a:r>
-            <a:endParaRPr lang="fr-FR" sz="1600" dirty="0">
-              <a:solidFill>
-                <a:schemeClr val="bg1"/>
-              </a:solidFill>
-              <a:latin typeface="Consolas" pitchFamily="49" charset="0"/>
-            </a:endParaRPr>
           </a:p>
         </p:txBody>
       </p:sp>
@@ -13586,12 +14241,6 @@
               </a:rPr>
               <a:t>}</a:t>
             </a:r>
-            <a:endParaRPr lang="fr-FR" sz="1600" dirty="0">
-              <a:solidFill>
-                <a:schemeClr val="bg1"/>
-              </a:solidFill>
-              <a:latin typeface="Consolas" pitchFamily="49" charset="0"/>
-            </a:endParaRPr>
           </a:p>
         </p:txBody>
       </p:sp>
@@ -17861,11 +18510,7 @@
           <a:p>
             <a:r>
               <a:rPr lang="fr-CA" dirty="0" smtClean="0"/>
-              <a:t>TP </a:t>
-            </a:r>
-            <a:r>
-              <a:rPr lang="fr-CA" dirty="0" smtClean="0"/>
-              <a:t>#4</a:t>
+              <a:t>TP #4</a:t>
             </a:r>
             <a:endParaRPr lang="fr-CA" dirty="0"/>
           </a:p>
@@ -18078,7 +18723,11 @@
           <a:bodyPr/>
           <a:lstStyle/>
           <a:p>
-            <a:endParaRPr lang="fr-FR"/>
+            <a:r>
+              <a:rPr lang="fr-FR" dirty="0" smtClean="0"/>
+              <a:t>Tests unitaires</a:t>
+            </a:r>
+            <a:endParaRPr lang="fr-FR" dirty="0"/>
           </a:p>
         </p:txBody>
       </p:sp>
@@ -18097,7 +18746,73 @@
           <a:bodyPr/>
           <a:lstStyle/>
           <a:p>
-            <a:endParaRPr lang="fr-FR"/>
+            <a:pPr marL="342900" indent="-342900">
+              <a:buFont typeface="Arial" panose="020B0604020202020204" pitchFamily="34" charset="0"/>
+              <a:buChar char="•"/>
+            </a:pPr>
+            <a:r>
+              <a:rPr lang="fr-FR" dirty="0" smtClean="0"/>
+              <a:t>But: Tester de façon isolée le comportement d’un service, d’un pipe, d’un composant…</a:t>
+            </a:r>
+          </a:p>
+          <a:p>
+            <a:pPr marL="342900" indent="-342900">
+              <a:buFont typeface="Arial" panose="020B0604020202020204" pitchFamily="34" charset="0"/>
+              <a:buChar char="•"/>
+            </a:pPr>
+            <a:endParaRPr lang="fr-FR" dirty="0"/>
+          </a:p>
+          <a:p>
+            <a:pPr marL="342900" indent="-342900">
+              <a:buFont typeface="Arial" panose="020B0604020202020204" pitchFamily="34" charset="0"/>
+              <a:buChar char="•"/>
+            </a:pPr>
+            <a:r>
+              <a:rPr lang="fr-FR" dirty="0" smtClean="0"/>
+              <a:t>Deux suites de TU disponibles pour </a:t>
+            </a:r>
+            <a:r>
+              <a:rPr lang="fr-FR" dirty="0" err="1" smtClean="0"/>
+              <a:t>Angular</a:t>
+            </a:r>
+            <a:r>
+              <a:rPr lang="fr-FR" dirty="0" smtClean="0"/>
+              <a:t>:</a:t>
+            </a:r>
+          </a:p>
+          <a:p>
+            <a:pPr marL="606425" lvl="1" indent="-342900"/>
+            <a:r>
+              <a:rPr lang="fr-FR" dirty="0" smtClean="0"/>
+              <a:t>Karma / Jasmine</a:t>
+            </a:r>
+          </a:p>
+          <a:p>
+            <a:pPr marL="606425" lvl="1" indent="-342900"/>
+            <a:r>
+              <a:rPr lang="fr-FR" dirty="0" err="1" smtClean="0"/>
+              <a:t>Jest</a:t>
+            </a:r>
+            <a:endParaRPr lang="fr-FR" dirty="0" smtClean="0"/>
+          </a:p>
+          <a:p>
+            <a:pPr marL="606425" lvl="1" indent="-342900"/>
+            <a:endParaRPr lang="fr-FR" dirty="0"/>
+          </a:p>
+          <a:p>
+            <a:pPr marL="342900" indent="-342900">
+              <a:buFont typeface="Arial" panose="020B0604020202020204" pitchFamily="34" charset="0"/>
+              <a:buChar char="•"/>
+            </a:pPr>
+            <a:r>
+              <a:rPr lang="fr-FR" dirty="0" smtClean="0"/>
+              <a:t>S’appuie sur un module de test spécifique: </a:t>
+            </a:r>
+            <a:r>
+              <a:rPr lang="fr-FR" dirty="0" err="1" smtClean="0"/>
+              <a:t>TestBed</a:t>
+            </a:r>
+            <a:endParaRPr lang="fr-FR" dirty="0" smtClean="0"/>
           </a:p>
         </p:txBody>
       </p:sp>
@@ -18122,6 +18837,362 @@
               <a:t>19</a:t>
             </a:fld>
             <a:endParaRPr lang="en-GB" dirty="0"/>
+          </a:p>
+        </p:txBody>
+      </p:sp>
+      <p:sp>
+        <p:nvSpPr>
+          <p:cNvPr id="5" name="Espace réservé du contenu 1"/>
+          <p:cNvSpPr txBox="1">
+            <a:spLocks/>
+          </p:cNvSpPr>
+          <p:nvPr/>
+        </p:nvSpPr>
+        <p:spPr>
+          <a:xfrm>
+            <a:off x="626245" y="4195745"/>
+            <a:ext cx="8060555" cy="1744754"/>
+          </a:xfrm>
+          <a:prstGeom prst="rect">
+            <a:avLst/>
+          </a:prstGeom>
+          <a:solidFill>
+            <a:schemeClr val="tx1">
+              <a:lumMod val="75000"/>
+            </a:schemeClr>
+          </a:solidFill>
+        </p:spPr>
+        <p:txBody>
+          <a:bodyPr lIns="0" tIns="0" rIns="0" bIns="0">
+            <a:normAutofit lnSpcReduction="10000"/>
+          </a:bodyPr>
+          <a:lstStyle>
+            <a:lvl1pPr marL="0" indent="0" algn="l" defTabSz="914400" rtl="0" eaLnBrk="1" latinLnBrk="0" hangingPunct="1">
+              <a:spcBef>
+                <a:spcPts val="500"/>
+              </a:spcBef>
+              <a:buClr>
+                <a:schemeClr val="accent1"/>
+              </a:buClr>
+              <a:buSzPct val="110000"/>
+              <a:buFont typeface="Arial" pitchFamily="34" charset="0"/>
+              <a:buNone/>
+              <a:defRPr sz="2000" kern="1200">
+                <a:solidFill>
+                  <a:schemeClr val="tx1"/>
+                </a:solidFill>
+                <a:latin typeface="Arial" pitchFamily="34" charset="0"/>
+                <a:ea typeface="+mn-ea"/>
+                <a:cs typeface="+mn-cs"/>
+              </a:defRPr>
+            </a:lvl1pPr>
+            <a:lvl2pPr marL="263525" indent="-263525" algn="l" defTabSz="914400" rtl="0" eaLnBrk="1" latinLnBrk="0" hangingPunct="1">
+              <a:spcBef>
+                <a:spcPts val="500"/>
+              </a:spcBef>
+              <a:buClr>
+                <a:schemeClr val="accent1"/>
+              </a:buClr>
+              <a:buSzPct val="110000"/>
+              <a:buFont typeface="Arial" pitchFamily="34" charset="0"/>
+              <a:buChar char="•"/>
+              <a:defRPr sz="2000" kern="1200" baseline="0">
+                <a:solidFill>
+                  <a:schemeClr val="tx1"/>
+                </a:solidFill>
+                <a:latin typeface="Arial" pitchFamily="34" charset="0"/>
+                <a:ea typeface="+mn-ea"/>
+                <a:cs typeface="+mn-cs"/>
+              </a:defRPr>
+            </a:lvl2pPr>
+            <a:lvl3pPr marL="536575" indent="-273050" algn="l" defTabSz="914400" rtl="0" eaLnBrk="1" latinLnBrk="0" hangingPunct="1">
+              <a:spcBef>
+                <a:spcPts val="500"/>
+              </a:spcBef>
+              <a:buClr>
+                <a:schemeClr val="accent1"/>
+              </a:buClr>
+              <a:buSzPct val="110000"/>
+              <a:buFont typeface="Arial" pitchFamily="34" charset="0"/>
+              <a:buChar char="•"/>
+              <a:defRPr sz="1800" kern="1200" baseline="0">
+                <a:solidFill>
+                  <a:schemeClr val="tx1"/>
+                </a:solidFill>
+                <a:latin typeface="Arial" pitchFamily="34" charset="0"/>
+                <a:ea typeface="+mn-ea"/>
+                <a:cs typeface="+mn-cs"/>
+              </a:defRPr>
+            </a:lvl3pPr>
+            <a:lvl4pPr marL="811213" indent="-274638" algn="l" defTabSz="914400" rtl="0" eaLnBrk="1" latinLnBrk="0" hangingPunct="1">
+              <a:spcBef>
+                <a:spcPts val="500"/>
+              </a:spcBef>
+              <a:buClr>
+                <a:schemeClr val="accent1"/>
+              </a:buClr>
+              <a:buSzPct val="110000"/>
+              <a:buFont typeface="Arial" pitchFamily="34" charset="0"/>
+              <a:buChar char="•"/>
+              <a:defRPr sz="1600" kern="1200" baseline="0">
+                <a:solidFill>
+                  <a:schemeClr val="tx1"/>
+                </a:solidFill>
+                <a:latin typeface="Arial" pitchFamily="34" charset="0"/>
+                <a:ea typeface="+mn-ea"/>
+                <a:cs typeface="+mn-cs"/>
+              </a:defRPr>
+            </a:lvl4pPr>
+            <a:lvl5pPr marL="1074738" indent="-263525" algn="l" defTabSz="914400" rtl="0" eaLnBrk="1" latinLnBrk="0" hangingPunct="1">
+              <a:spcBef>
+                <a:spcPts val="500"/>
+              </a:spcBef>
+              <a:buClr>
+                <a:schemeClr val="accent1"/>
+              </a:buClr>
+              <a:buSzPct val="110000"/>
+              <a:buFont typeface="Arial" pitchFamily="34" charset="0"/>
+              <a:buChar char="•"/>
+              <a:defRPr sz="1400" kern="1200" baseline="0">
+                <a:solidFill>
+                  <a:schemeClr val="tx1"/>
+                </a:solidFill>
+                <a:latin typeface="Arial" pitchFamily="34" charset="0"/>
+                <a:ea typeface="+mn-ea"/>
+                <a:cs typeface="+mn-cs"/>
+              </a:defRPr>
+            </a:lvl5pPr>
+            <a:lvl6pPr marL="1136650" indent="-215900" algn="l" defTabSz="914400" rtl="0" eaLnBrk="1" latinLnBrk="0" hangingPunct="1">
+              <a:spcBef>
+                <a:spcPts val="500"/>
+              </a:spcBef>
+              <a:buClr>
+                <a:schemeClr val="accent1"/>
+              </a:buClr>
+              <a:buFont typeface="Verdana" pitchFamily="34" charset="0"/>
+              <a:buNone/>
+              <a:defRPr sz="1400" kern="1200" baseline="0">
+                <a:solidFill>
+                  <a:schemeClr val="tx1"/>
+                </a:solidFill>
+                <a:latin typeface="+mn-lt"/>
+                <a:ea typeface="+mn-ea"/>
+                <a:cs typeface="+mn-cs"/>
+              </a:defRPr>
+            </a:lvl6pPr>
+            <a:lvl7pPr marL="1343025" indent="-228600" algn="l" defTabSz="914400" rtl="0" eaLnBrk="1" latinLnBrk="0" hangingPunct="1">
+              <a:spcBef>
+                <a:spcPts val="500"/>
+              </a:spcBef>
+              <a:buClr>
+                <a:schemeClr val="tx1">
+                  <a:lumMod val="60000"/>
+                  <a:lumOff val="40000"/>
+                </a:schemeClr>
+              </a:buClr>
+              <a:buFont typeface="Verdana" pitchFamily="34" charset="0"/>
+              <a:buChar char="•"/>
+              <a:defRPr sz="1400" kern="1200" baseline="0">
+                <a:solidFill>
+                  <a:schemeClr val="tx1"/>
+                </a:solidFill>
+                <a:latin typeface="+mn-lt"/>
+                <a:ea typeface="+mn-ea"/>
+                <a:cs typeface="+mn-cs"/>
+              </a:defRPr>
+            </a:lvl7pPr>
+            <a:lvl8pPr marL="3429000" indent="-228600" algn="l" defTabSz="914400" rtl="0" eaLnBrk="1" latinLnBrk="0" hangingPunct="1">
+              <a:spcBef>
+                <a:spcPct val="20000"/>
+              </a:spcBef>
+              <a:buFont typeface="Arial" pitchFamily="34" charset="0"/>
+              <a:buChar char="•"/>
+              <a:defRPr sz="2000" kern="1200">
+                <a:solidFill>
+                  <a:schemeClr val="tx1"/>
+                </a:solidFill>
+                <a:latin typeface="+mn-lt"/>
+                <a:ea typeface="+mn-ea"/>
+                <a:cs typeface="+mn-cs"/>
+              </a:defRPr>
+            </a:lvl8pPr>
+            <a:lvl9pPr marL="3886200" indent="-228600" algn="l" defTabSz="914400" rtl="0" eaLnBrk="1" latinLnBrk="0" hangingPunct="1">
+              <a:spcBef>
+                <a:spcPct val="20000"/>
+              </a:spcBef>
+              <a:buFont typeface="Arial" pitchFamily="34" charset="0"/>
+              <a:buChar char="•"/>
+              <a:defRPr sz="2000" kern="1200">
+                <a:solidFill>
+                  <a:schemeClr val="tx1"/>
+                </a:solidFill>
+                <a:latin typeface="+mn-lt"/>
+                <a:ea typeface="+mn-ea"/>
+                <a:cs typeface="+mn-cs"/>
+              </a:defRPr>
+            </a:lvl9pPr>
+          </a:lstStyle>
+          <a:p>
+            <a:r>
+              <a:rPr lang="fr-FR" sz="1600" dirty="0" err="1" smtClean="0">
+                <a:solidFill>
+                  <a:srgbClr val="0070C0"/>
+                </a:solidFill>
+                <a:latin typeface="Consolas" pitchFamily="49" charset="0"/>
+              </a:rPr>
+              <a:t>TestBed</a:t>
+            </a:r>
+            <a:r>
+              <a:rPr lang="fr-FR" sz="1600" dirty="0" err="1" smtClean="0">
+                <a:solidFill>
+                  <a:schemeClr val="bg1"/>
+                </a:solidFill>
+                <a:latin typeface="Consolas" pitchFamily="49" charset="0"/>
+              </a:rPr>
+              <a:t>.</a:t>
+            </a:r>
+            <a:r>
+              <a:rPr lang="fr-FR" sz="1600" dirty="0" err="1" smtClean="0">
+                <a:solidFill>
+                  <a:srgbClr val="D8F141"/>
+                </a:solidFill>
+                <a:latin typeface="Consolas" pitchFamily="49" charset="0"/>
+              </a:rPr>
+              <a:t>configureTestingModule</a:t>
+            </a:r>
+            <a:r>
+              <a:rPr lang="fr-FR" sz="1600" dirty="0">
+                <a:solidFill>
+                  <a:schemeClr val="bg1"/>
+                </a:solidFill>
+                <a:latin typeface="Consolas" pitchFamily="49" charset="0"/>
+              </a:rPr>
+              <a:t>({</a:t>
+            </a:r>
+          </a:p>
+          <a:p>
+            <a:r>
+              <a:rPr lang="fr-FR" sz="1600" dirty="0" smtClean="0">
+                <a:solidFill>
+                  <a:srgbClr val="00B0F0"/>
+                </a:solidFill>
+                <a:latin typeface="Consolas" pitchFamily="49" charset="0"/>
+              </a:rPr>
+              <a:t>  imports</a:t>
+            </a:r>
+            <a:r>
+              <a:rPr lang="fr-FR" sz="1600" dirty="0">
+                <a:solidFill>
+                  <a:schemeClr val="bg1"/>
+                </a:solidFill>
+                <a:latin typeface="Consolas" pitchFamily="49" charset="0"/>
+              </a:rPr>
+              <a:t>: [ ...modules ],</a:t>
+            </a:r>
+          </a:p>
+          <a:p>
+            <a:r>
+              <a:rPr lang="fr-FR" sz="1600" dirty="0" smtClean="0">
+                <a:solidFill>
+                  <a:srgbClr val="00B0F0"/>
+                </a:solidFill>
+                <a:latin typeface="Consolas" pitchFamily="49" charset="0"/>
+              </a:rPr>
+              <a:t>  </a:t>
+            </a:r>
+            <a:r>
+              <a:rPr lang="fr-FR" sz="1600" dirty="0" err="1" smtClean="0">
+                <a:solidFill>
+                  <a:srgbClr val="00B0F0"/>
+                </a:solidFill>
+                <a:latin typeface="Consolas" pitchFamily="49" charset="0"/>
+              </a:rPr>
+              <a:t>declarations</a:t>
+            </a:r>
+            <a:r>
+              <a:rPr lang="fr-FR" sz="1600" dirty="0">
+                <a:solidFill>
+                  <a:schemeClr val="bg1"/>
+                </a:solidFill>
+                <a:latin typeface="Consolas" pitchFamily="49" charset="0"/>
+              </a:rPr>
+              <a:t>: [ ...components, ...directives, ...pipes ],</a:t>
+            </a:r>
+          </a:p>
+          <a:p>
+            <a:r>
+              <a:rPr lang="fr-FR" sz="1600" dirty="0" smtClean="0">
+                <a:solidFill>
+                  <a:srgbClr val="00B0F0"/>
+                </a:solidFill>
+                <a:latin typeface="Consolas" pitchFamily="49" charset="0"/>
+              </a:rPr>
+              <a:t>  providers</a:t>
+            </a:r>
+            <a:r>
+              <a:rPr lang="fr-FR" sz="1600" dirty="0">
+                <a:solidFill>
+                  <a:schemeClr val="bg1"/>
+                </a:solidFill>
+                <a:latin typeface="Consolas" pitchFamily="49" charset="0"/>
+              </a:rPr>
+              <a:t>: [ ...services ],</a:t>
+            </a:r>
+          </a:p>
+          <a:p>
+            <a:r>
+              <a:rPr lang="fr-FR" sz="1600" dirty="0" smtClean="0">
+                <a:solidFill>
+                  <a:srgbClr val="00B0F0"/>
+                </a:solidFill>
+                <a:latin typeface="Consolas" pitchFamily="49" charset="0"/>
+              </a:rPr>
+              <a:t>  </a:t>
+            </a:r>
+            <a:r>
+              <a:rPr lang="fr-FR" sz="1600" dirty="0" err="1" smtClean="0">
+                <a:solidFill>
+                  <a:srgbClr val="00B0F0"/>
+                </a:solidFill>
+                <a:latin typeface="Consolas" pitchFamily="49" charset="0"/>
+              </a:rPr>
+              <a:t>schemas</a:t>
+            </a:r>
+            <a:r>
+              <a:rPr lang="fr-FR" sz="1600" dirty="0">
+                <a:solidFill>
+                  <a:schemeClr val="bg1"/>
+                </a:solidFill>
+                <a:latin typeface="Consolas" pitchFamily="49" charset="0"/>
+              </a:rPr>
+              <a:t>: [ NO_ERRORS_SCHEMA </a:t>
+            </a:r>
+            <a:r>
+              <a:rPr lang="fr-FR" sz="1600" dirty="0" smtClean="0">
+                <a:solidFill>
+                  <a:schemeClr val="bg1"/>
+                </a:solidFill>
+                <a:latin typeface="Consolas" pitchFamily="49" charset="0"/>
+              </a:rPr>
+              <a:t>]</a:t>
+            </a:r>
+          </a:p>
+          <a:p>
+            <a:r>
+              <a:rPr lang="fr-FR" sz="1600" dirty="0" smtClean="0">
+                <a:solidFill>
+                  <a:schemeClr val="bg1"/>
+                </a:solidFill>
+                <a:latin typeface="Consolas" pitchFamily="49" charset="0"/>
+              </a:rPr>
+              <a:t>});</a:t>
+            </a:r>
+            <a:endParaRPr lang="fr-FR" sz="1600" dirty="0">
+              <a:solidFill>
+                <a:schemeClr val="bg1"/>
+              </a:solidFill>
+              <a:latin typeface="Consolas" pitchFamily="49" charset="0"/>
+            </a:endParaRPr>
           </a:p>
         </p:txBody>
       </p:sp>
@@ -18357,15 +19428,12 @@
       </p:grpSpPr>
       <p:sp>
         <p:nvSpPr>
-          <p:cNvPr id="2" name="Title 1"/>
+          <p:cNvPr id="2" name="Titre 1"/>
           <p:cNvSpPr>
             <a:spLocks noGrp="1"/>
           </p:cNvSpPr>
           <p:nvPr>
-            <p:ph type="ctrTitle"/>
-            <p:custDataLst>
-              <p:tags r:id="rId1"/>
-            </p:custDataLst>
+            <p:ph type="title"/>
           </p:nvPr>
         </p:nvSpPr>
         <p:spPr/>
@@ -18374,32 +19442,21 @@
           <a:lstStyle/>
           <a:p>
             <a:r>
-              <a:rPr lang="fr-CA" dirty="0" err="1" smtClean="0"/>
-              <a:t>Angular</a:t>
-            </a:r>
-            <a:r>
-              <a:rPr lang="fr-CA" dirty="0"/>
-              <a:t> </a:t>
-            </a:r>
-            <a:r>
-              <a:rPr lang="fr-CA" dirty="0" smtClean="0"/>
-              <a:t>avancé</a:t>
-            </a:r>
-            <a:endParaRPr lang="fr-CA" dirty="0"/>
+              <a:rPr lang="fr-FR" dirty="0" smtClean="0"/>
+              <a:t>Tests unitaires</a:t>
+            </a:r>
+            <a:endParaRPr lang="fr-FR" dirty="0"/>
           </a:p>
         </p:txBody>
       </p:sp>
       <p:sp>
         <p:nvSpPr>
-          <p:cNvPr id="16" name="Subtitle 15"/>
+          <p:cNvPr id="3" name="Espace réservé du contenu 2"/>
           <p:cNvSpPr>
             <a:spLocks noGrp="1"/>
           </p:cNvSpPr>
           <p:nvPr>
-            <p:ph type="subTitle" idx="1"/>
-            <p:custDataLst>
-              <p:tags r:id="rId2"/>
-            </p:custDataLst>
+            <p:ph sz="quarter" idx="17"/>
           </p:nvPr>
         </p:nvSpPr>
         <p:spPr/>
@@ -18407,37 +19464,896 @@
           <a:bodyPr/>
           <a:lstStyle/>
           <a:p>
-            <a:r>
-              <a:rPr lang="fr-CA" dirty="0" err="1" smtClean="0"/>
-              <a:t>Debugging</a:t>
-            </a:r>
-            <a:endParaRPr lang="fr-CA" dirty="0" smtClean="0"/>
-          </a:p>
-          <a:p>
-            <a:endParaRPr lang="fr-CA" dirty="0" smtClean="0"/>
-          </a:p>
-          <a:p>
-            <a:endParaRPr lang="fr-CA" dirty="0"/>
+            <a:pPr marL="342900" indent="-342900">
+              <a:buFont typeface="Arial" panose="020B0604020202020204" pitchFamily="34" charset="0"/>
+              <a:buChar char="•"/>
+            </a:pPr>
+            <a:r>
+              <a:rPr lang="fr-FR" dirty="0" smtClean="0"/>
+              <a:t>Un test unitaire en </a:t>
+            </a:r>
+            <a:r>
+              <a:rPr lang="fr-FR" dirty="0" err="1" smtClean="0"/>
+              <a:t>Angular</a:t>
+            </a:r>
+            <a:r>
+              <a:rPr lang="fr-FR" dirty="0" smtClean="0"/>
+              <a:t> est toujours structuré comme suit:</a:t>
+            </a:r>
+            <a:endParaRPr lang="fr-FR" dirty="0" smtClean="0"/>
+          </a:p>
+          <a:p>
+            <a:pPr marL="342900" indent="-342900"/>
+            <a:endParaRPr lang="fr-FR" dirty="0" smtClean="0"/>
+          </a:p>
+        </p:txBody>
+      </p:sp>
+      <p:sp>
+        <p:nvSpPr>
+          <p:cNvPr id="4" name="Espace réservé du numéro de diapositive 3"/>
+          <p:cNvSpPr>
+            <a:spLocks noGrp="1"/>
+          </p:cNvSpPr>
+          <p:nvPr>
+            <p:ph type="sldNum" sz="quarter" idx="12"/>
+          </p:nvPr>
+        </p:nvSpPr>
+        <p:spPr/>
+        <p:txBody>
+          <a:bodyPr/>
+          <a:lstStyle/>
+          <a:p>
+            <a:fld id="{525A3C56-E491-49B2-93F3-63532DF516BC}" type="slidenum">
+              <a:rPr lang="en-GB" smtClean="0"/>
+              <a:pPr/>
+              <a:t>20</a:t>
+            </a:fld>
+            <a:endParaRPr lang="en-GB" dirty="0"/>
+          </a:p>
+        </p:txBody>
+      </p:sp>
+      <p:sp>
+        <p:nvSpPr>
+          <p:cNvPr id="7" name="Espace réservé du contenu 1"/>
+          <p:cNvSpPr txBox="1">
+            <a:spLocks/>
+          </p:cNvSpPr>
+          <p:nvPr/>
+        </p:nvSpPr>
+        <p:spPr>
+          <a:xfrm>
+            <a:off x="626245" y="1675828"/>
+            <a:ext cx="8209411" cy="4352831"/>
+          </a:xfrm>
+          <a:prstGeom prst="rect">
+            <a:avLst/>
+          </a:prstGeom>
+          <a:solidFill>
+            <a:schemeClr val="tx1">
+              <a:lumMod val="75000"/>
+            </a:schemeClr>
+          </a:solidFill>
+        </p:spPr>
+        <p:txBody>
+          <a:bodyPr lIns="0" tIns="0" rIns="0" bIns="0">
+            <a:normAutofit fontScale="92500" lnSpcReduction="10000"/>
+          </a:bodyPr>
+          <a:lstStyle>
+            <a:lvl1pPr marL="0" indent="0" algn="l" defTabSz="914400" rtl="0" eaLnBrk="1" latinLnBrk="0" hangingPunct="1">
+              <a:spcBef>
+                <a:spcPts val="500"/>
+              </a:spcBef>
+              <a:buClr>
+                <a:schemeClr val="accent1"/>
+              </a:buClr>
+              <a:buSzPct val="110000"/>
+              <a:buFont typeface="Arial" pitchFamily="34" charset="0"/>
+              <a:buNone/>
+              <a:defRPr sz="2000" kern="1200">
+                <a:solidFill>
+                  <a:schemeClr val="tx1"/>
+                </a:solidFill>
+                <a:latin typeface="Arial" pitchFamily="34" charset="0"/>
+                <a:ea typeface="+mn-ea"/>
+                <a:cs typeface="+mn-cs"/>
+              </a:defRPr>
+            </a:lvl1pPr>
+            <a:lvl2pPr marL="263525" indent="-263525" algn="l" defTabSz="914400" rtl="0" eaLnBrk="1" latinLnBrk="0" hangingPunct="1">
+              <a:spcBef>
+                <a:spcPts val="500"/>
+              </a:spcBef>
+              <a:buClr>
+                <a:schemeClr val="accent1"/>
+              </a:buClr>
+              <a:buSzPct val="110000"/>
+              <a:buFont typeface="Arial" pitchFamily="34" charset="0"/>
+              <a:buChar char="•"/>
+              <a:defRPr sz="2000" kern="1200" baseline="0">
+                <a:solidFill>
+                  <a:schemeClr val="tx1"/>
+                </a:solidFill>
+                <a:latin typeface="Arial" pitchFamily="34" charset="0"/>
+                <a:ea typeface="+mn-ea"/>
+                <a:cs typeface="+mn-cs"/>
+              </a:defRPr>
+            </a:lvl2pPr>
+            <a:lvl3pPr marL="536575" indent="-273050" algn="l" defTabSz="914400" rtl="0" eaLnBrk="1" latinLnBrk="0" hangingPunct="1">
+              <a:spcBef>
+                <a:spcPts val="500"/>
+              </a:spcBef>
+              <a:buClr>
+                <a:schemeClr val="accent1"/>
+              </a:buClr>
+              <a:buSzPct val="110000"/>
+              <a:buFont typeface="Arial" pitchFamily="34" charset="0"/>
+              <a:buChar char="•"/>
+              <a:defRPr sz="1800" kern="1200" baseline="0">
+                <a:solidFill>
+                  <a:schemeClr val="tx1"/>
+                </a:solidFill>
+                <a:latin typeface="Arial" pitchFamily="34" charset="0"/>
+                <a:ea typeface="+mn-ea"/>
+                <a:cs typeface="+mn-cs"/>
+              </a:defRPr>
+            </a:lvl3pPr>
+            <a:lvl4pPr marL="811213" indent="-274638" algn="l" defTabSz="914400" rtl="0" eaLnBrk="1" latinLnBrk="0" hangingPunct="1">
+              <a:spcBef>
+                <a:spcPts val="500"/>
+              </a:spcBef>
+              <a:buClr>
+                <a:schemeClr val="accent1"/>
+              </a:buClr>
+              <a:buSzPct val="110000"/>
+              <a:buFont typeface="Arial" pitchFamily="34" charset="0"/>
+              <a:buChar char="•"/>
+              <a:defRPr sz="1600" kern="1200" baseline="0">
+                <a:solidFill>
+                  <a:schemeClr val="tx1"/>
+                </a:solidFill>
+                <a:latin typeface="Arial" pitchFamily="34" charset="0"/>
+                <a:ea typeface="+mn-ea"/>
+                <a:cs typeface="+mn-cs"/>
+              </a:defRPr>
+            </a:lvl4pPr>
+            <a:lvl5pPr marL="1074738" indent="-263525" algn="l" defTabSz="914400" rtl="0" eaLnBrk="1" latinLnBrk="0" hangingPunct="1">
+              <a:spcBef>
+                <a:spcPts val="500"/>
+              </a:spcBef>
+              <a:buClr>
+                <a:schemeClr val="accent1"/>
+              </a:buClr>
+              <a:buSzPct val="110000"/>
+              <a:buFont typeface="Arial" pitchFamily="34" charset="0"/>
+              <a:buChar char="•"/>
+              <a:defRPr sz="1400" kern="1200" baseline="0">
+                <a:solidFill>
+                  <a:schemeClr val="tx1"/>
+                </a:solidFill>
+                <a:latin typeface="Arial" pitchFamily="34" charset="0"/>
+                <a:ea typeface="+mn-ea"/>
+                <a:cs typeface="+mn-cs"/>
+              </a:defRPr>
+            </a:lvl5pPr>
+            <a:lvl6pPr marL="1136650" indent="-215900" algn="l" defTabSz="914400" rtl="0" eaLnBrk="1" latinLnBrk="0" hangingPunct="1">
+              <a:spcBef>
+                <a:spcPts val="500"/>
+              </a:spcBef>
+              <a:buClr>
+                <a:schemeClr val="accent1"/>
+              </a:buClr>
+              <a:buFont typeface="Verdana" pitchFamily="34" charset="0"/>
+              <a:buNone/>
+              <a:defRPr sz="1400" kern="1200" baseline="0">
+                <a:solidFill>
+                  <a:schemeClr val="tx1"/>
+                </a:solidFill>
+                <a:latin typeface="+mn-lt"/>
+                <a:ea typeface="+mn-ea"/>
+                <a:cs typeface="+mn-cs"/>
+              </a:defRPr>
+            </a:lvl6pPr>
+            <a:lvl7pPr marL="1343025" indent="-228600" algn="l" defTabSz="914400" rtl="0" eaLnBrk="1" latinLnBrk="0" hangingPunct="1">
+              <a:spcBef>
+                <a:spcPts val="500"/>
+              </a:spcBef>
+              <a:buClr>
+                <a:schemeClr val="tx1">
+                  <a:lumMod val="60000"/>
+                  <a:lumOff val="40000"/>
+                </a:schemeClr>
+              </a:buClr>
+              <a:buFont typeface="Verdana" pitchFamily="34" charset="0"/>
+              <a:buChar char="•"/>
+              <a:defRPr sz="1400" kern="1200" baseline="0">
+                <a:solidFill>
+                  <a:schemeClr val="tx1"/>
+                </a:solidFill>
+                <a:latin typeface="+mn-lt"/>
+                <a:ea typeface="+mn-ea"/>
+                <a:cs typeface="+mn-cs"/>
+              </a:defRPr>
+            </a:lvl7pPr>
+            <a:lvl8pPr marL="3429000" indent="-228600" algn="l" defTabSz="914400" rtl="0" eaLnBrk="1" latinLnBrk="0" hangingPunct="1">
+              <a:spcBef>
+                <a:spcPct val="20000"/>
+              </a:spcBef>
+              <a:buFont typeface="Arial" pitchFamily="34" charset="0"/>
+              <a:buChar char="•"/>
+              <a:defRPr sz="2000" kern="1200">
+                <a:solidFill>
+                  <a:schemeClr val="tx1"/>
+                </a:solidFill>
+                <a:latin typeface="+mn-lt"/>
+                <a:ea typeface="+mn-ea"/>
+                <a:cs typeface="+mn-cs"/>
+              </a:defRPr>
+            </a:lvl8pPr>
+            <a:lvl9pPr marL="3886200" indent="-228600" algn="l" defTabSz="914400" rtl="0" eaLnBrk="1" latinLnBrk="0" hangingPunct="1">
+              <a:spcBef>
+                <a:spcPct val="20000"/>
+              </a:spcBef>
+              <a:buFont typeface="Arial" pitchFamily="34" charset="0"/>
+              <a:buChar char="•"/>
+              <a:defRPr sz="2000" kern="1200">
+                <a:solidFill>
+                  <a:schemeClr val="tx1"/>
+                </a:solidFill>
+                <a:latin typeface="+mn-lt"/>
+                <a:ea typeface="+mn-ea"/>
+                <a:cs typeface="+mn-cs"/>
+              </a:defRPr>
+            </a:lvl9pPr>
+          </a:lstStyle>
+          <a:p>
+            <a:r>
+              <a:rPr lang="fr-FR" sz="1600" dirty="0" err="1">
+                <a:solidFill>
+                  <a:srgbClr val="0070C0"/>
+                </a:solidFill>
+                <a:latin typeface="Consolas" pitchFamily="49" charset="0"/>
+              </a:rPr>
+              <a:t>describe</a:t>
+            </a:r>
+            <a:r>
+              <a:rPr lang="fr-FR" sz="1600" dirty="0" smtClean="0">
+                <a:solidFill>
+                  <a:schemeClr val="bg1"/>
+                </a:solidFill>
+                <a:latin typeface="Consolas" pitchFamily="49" charset="0"/>
+              </a:rPr>
+              <a:t>(</a:t>
+            </a:r>
+            <a:r>
+              <a:rPr lang="fr-FR" sz="1600" dirty="0" smtClean="0">
+                <a:solidFill>
+                  <a:schemeClr val="accent5"/>
+                </a:solidFill>
+                <a:latin typeface="Consolas" pitchFamily="49" charset="0"/>
+              </a:rPr>
+              <a:t>'Description sommaire de ma suite de tests'</a:t>
+            </a:r>
+            <a:r>
+              <a:rPr lang="fr-FR" sz="1600" dirty="0" smtClean="0">
+                <a:solidFill>
+                  <a:schemeClr val="bg1"/>
+                </a:solidFill>
+                <a:latin typeface="Consolas" pitchFamily="49" charset="0"/>
+              </a:rPr>
+              <a:t>, </a:t>
+            </a:r>
+            <a:r>
+              <a:rPr lang="fr-FR" sz="1600" dirty="0">
+                <a:solidFill>
+                  <a:schemeClr val="bg1"/>
+                </a:solidFill>
+                <a:latin typeface="Consolas" pitchFamily="49" charset="0"/>
+              </a:rPr>
+              <a:t>() =&gt; {</a:t>
+            </a:r>
+          </a:p>
+          <a:p>
+            <a:r>
+              <a:rPr lang="fr-FR" sz="1600" dirty="0">
+                <a:solidFill>
+                  <a:schemeClr val="bg1"/>
+                </a:solidFill>
+                <a:latin typeface="Consolas" pitchFamily="49" charset="0"/>
+              </a:rPr>
+              <a:t>    </a:t>
+            </a:r>
+            <a:r>
+              <a:rPr lang="fr-FR" sz="1600" dirty="0" smtClean="0">
+                <a:solidFill>
+                  <a:srgbClr val="00B050"/>
+                </a:solidFill>
+                <a:latin typeface="Consolas" pitchFamily="49" charset="0"/>
+              </a:rPr>
+              <a:t>// Par convention, on commence par "</a:t>
+            </a:r>
+            <a:r>
+              <a:rPr lang="fr-FR" sz="1600" dirty="0" err="1" smtClean="0">
+                <a:solidFill>
+                  <a:srgbClr val="00B050"/>
+                </a:solidFill>
+                <a:latin typeface="Consolas" pitchFamily="49" charset="0"/>
+              </a:rPr>
+              <a:t>should</a:t>
+            </a:r>
+            <a:r>
+              <a:rPr lang="fr-FR" sz="1600" dirty="0" smtClean="0">
+                <a:solidFill>
+                  <a:srgbClr val="00B050"/>
+                </a:solidFill>
+                <a:latin typeface="Consolas" pitchFamily="49" charset="0"/>
+              </a:rPr>
+              <a:t>" ou "devrait/doit"</a:t>
+            </a:r>
+            <a:endParaRPr lang="fr-FR" sz="1600" dirty="0">
+              <a:solidFill>
+                <a:srgbClr val="00B050"/>
+              </a:solidFill>
+              <a:latin typeface="Consolas" pitchFamily="49" charset="0"/>
+            </a:endParaRPr>
+          </a:p>
+          <a:p>
+            <a:r>
+              <a:rPr lang="fr-FR" sz="1600" dirty="0">
+                <a:solidFill>
+                  <a:schemeClr val="bg1"/>
+                </a:solidFill>
+                <a:latin typeface="Consolas" pitchFamily="49" charset="0"/>
+              </a:rPr>
+              <a:t>    </a:t>
+            </a:r>
+            <a:r>
+              <a:rPr lang="fr-FR" sz="1600" dirty="0" err="1">
+                <a:solidFill>
+                  <a:srgbClr val="0070C0"/>
+                </a:solidFill>
+                <a:latin typeface="Consolas" pitchFamily="49" charset="0"/>
+              </a:rPr>
+              <a:t>it</a:t>
+            </a:r>
+            <a:r>
+              <a:rPr lang="fr-FR" sz="1600" dirty="0">
+                <a:solidFill>
+                  <a:schemeClr val="bg1"/>
+                </a:solidFill>
+                <a:latin typeface="Consolas" pitchFamily="49" charset="0"/>
+              </a:rPr>
+              <a:t>(</a:t>
+            </a:r>
+            <a:r>
+              <a:rPr lang="fr-FR" sz="1600" dirty="0">
+                <a:solidFill>
+                  <a:schemeClr val="accent5"/>
+                </a:solidFill>
+                <a:latin typeface="Consolas" pitchFamily="49" charset="0"/>
+              </a:rPr>
+              <a:t>'</a:t>
+            </a:r>
+            <a:r>
+              <a:rPr lang="fr-FR" sz="1600" dirty="0" err="1">
+                <a:solidFill>
+                  <a:schemeClr val="accent5"/>
+                </a:solidFill>
+                <a:latin typeface="Consolas" pitchFamily="49" charset="0"/>
+              </a:rPr>
+              <a:t>should</a:t>
+            </a:r>
+            <a:r>
+              <a:rPr lang="fr-FR" sz="1600" dirty="0">
+                <a:solidFill>
+                  <a:schemeClr val="accent5"/>
+                </a:solidFill>
+                <a:latin typeface="Consolas" pitchFamily="49" charset="0"/>
+              </a:rPr>
+              <a:t> </a:t>
+            </a:r>
+            <a:r>
+              <a:rPr lang="fr-FR" sz="1600" dirty="0" smtClean="0">
+                <a:solidFill>
+                  <a:schemeClr val="accent5"/>
+                </a:solidFill>
+                <a:latin typeface="Consolas" pitchFamily="49" charset="0"/>
+              </a:rPr>
+              <a:t>...'</a:t>
+            </a:r>
+            <a:r>
+              <a:rPr lang="fr-FR" sz="1600" dirty="0" smtClean="0">
+                <a:solidFill>
+                  <a:schemeClr val="bg1"/>
+                </a:solidFill>
+                <a:latin typeface="Consolas" pitchFamily="49" charset="0"/>
+              </a:rPr>
+              <a:t>, </a:t>
+            </a:r>
+            <a:r>
+              <a:rPr lang="fr-FR" sz="1600" dirty="0">
+                <a:solidFill>
+                  <a:schemeClr val="bg1"/>
+                </a:solidFill>
+                <a:latin typeface="Consolas" pitchFamily="49" charset="0"/>
+              </a:rPr>
+              <a:t>() =&gt; </a:t>
+            </a:r>
+            <a:r>
+              <a:rPr lang="fr-FR" sz="1600" dirty="0" smtClean="0">
+                <a:solidFill>
+                  <a:schemeClr val="bg1"/>
+                </a:solidFill>
+                <a:latin typeface="Consolas" pitchFamily="49" charset="0"/>
+              </a:rPr>
+              <a:t>{</a:t>
+            </a:r>
+          </a:p>
+          <a:p>
+            <a:r>
+              <a:rPr lang="fr-FR" sz="1600" dirty="0" smtClean="0">
+                <a:solidFill>
+                  <a:schemeClr val="bg1"/>
+                </a:solidFill>
+                <a:latin typeface="Consolas" pitchFamily="49" charset="0"/>
+              </a:rPr>
+              <a:t>      </a:t>
+            </a:r>
+            <a:r>
+              <a:rPr lang="fr-FR" sz="1600" dirty="0" err="1" smtClean="0">
+                <a:solidFill>
+                  <a:srgbClr val="D8F141"/>
+                </a:solidFill>
+                <a:latin typeface="Consolas" pitchFamily="49" charset="0"/>
+              </a:rPr>
+              <a:t>expect</a:t>
+            </a:r>
+            <a:r>
+              <a:rPr lang="fr-FR" sz="1600" dirty="0" smtClean="0">
+                <a:solidFill>
+                  <a:schemeClr val="bg1"/>
+                </a:solidFill>
+                <a:latin typeface="Consolas" pitchFamily="49" charset="0"/>
+              </a:rPr>
+              <a:t>(...).</a:t>
+            </a:r>
+            <a:r>
+              <a:rPr lang="fr-FR" sz="1600" dirty="0" err="1">
+                <a:solidFill>
+                  <a:srgbClr val="D8F141"/>
+                </a:solidFill>
+                <a:latin typeface="Consolas" pitchFamily="49" charset="0"/>
+              </a:rPr>
+              <a:t>toEqual</a:t>
+            </a:r>
+            <a:r>
+              <a:rPr lang="fr-FR" sz="1600" dirty="0" smtClean="0">
+                <a:solidFill>
+                  <a:schemeClr val="bg1"/>
+                </a:solidFill>
+                <a:latin typeface="Consolas" pitchFamily="49" charset="0"/>
+              </a:rPr>
+              <a:t>(...);</a:t>
+            </a:r>
+            <a:endParaRPr lang="fr-FR" sz="1600" dirty="0">
+              <a:solidFill>
+                <a:schemeClr val="bg1"/>
+              </a:solidFill>
+              <a:latin typeface="Consolas" pitchFamily="49" charset="0"/>
+            </a:endParaRPr>
+          </a:p>
+          <a:p>
+            <a:r>
+              <a:rPr lang="fr-FR" sz="1600" dirty="0">
+                <a:solidFill>
+                  <a:schemeClr val="bg1"/>
+                </a:solidFill>
+                <a:latin typeface="Consolas" pitchFamily="49" charset="0"/>
+              </a:rPr>
+              <a:t>    });</a:t>
+            </a:r>
+          </a:p>
+          <a:p>
+            <a:r>
+              <a:rPr lang="fr-FR" sz="1600" dirty="0">
+                <a:solidFill>
+                  <a:schemeClr val="bg1"/>
+                </a:solidFill>
+                <a:latin typeface="Consolas" pitchFamily="49" charset="0"/>
+              </a:rPr>
+              <a:t> </a:t>
+            </a:r>
+          </a:p>
+          <a:p>
+            <a:r>
+              <a:rPr lang="fr-FR" sz="1600" dirty="0">
+                <a:solidFill>
+                  <a:schemeClr val="bg1"/>
+                </a:solidFill>
+                <a:latin typeface="Consolas" pitchFamily="49" charset="0"/>
+              </a:rPr>
+              <a:t>    </a:t>
+            </a:r>
+            <a:r>
+              <a:rPr lang="fr-FR" sz="1600" dirty="0" err="1">
+                <a:solidFill>
+                  <a:srgbClr val="0070C0"/>
+                </a:solidFill>
+                <a:latin typeface="Consolas" pitchFamily="49" charset="0"/>
+              </a:rPr>
+              <a:t>it</a:t>
+            </a:r>
+            <a:r>
+              <a:rPr lang="fr-FR" sz="1600" dirty="0">
+                <a:solidFill>
+                  <a:schemeClr val="bg1"/>
+                </a:solidFill>
+                <a:latin typeface="Consolas" pitchFamily="49" charset="0"/>
+              </a:rPr>
+              <a:t>(</a:t>
+            </a:r>
+            <a:r>
+              <a:rPr lang="fr-FR" sz="1600" dirty="0">
+                <a:solidFill>
+                  <a:schemeClr val="accent5"/>
+                </a:solidFill>
+                <a:latin typeface="Consolas" pitchFamily="49" charset="0"/>
+              </a:rPr>
+              <a:t>'</a:t>
+            </a:r>
+            <a:r>
+              <a:rPr lang="fr-FR" sz="1600" dirty="0" err="1">
+                <a:solidFill>
+                  <a:schemeClr val="accent5"/>
+                </a:solidFill>
+                <a:latin typeface="Consolas" pitchFamily="49" charset="0"/>
+              </a:rPr>
+              <a:t>should</a:t>
+            </a:r>
+            <a:r>
+              <a:rPr lang="fr-FR" sz="1600" dirty="0">
+                <a:solidFill>
+                  <a:schemeClr val="accent5"/>
+                </a:solidFill>
+                <a:latin typeface="Consolas" pitchFamily="49" charset="0"/>
+              </a:rPr>
+              <a:t> ...'</a:t>
+            </a:r>
+            <a:r>
+              <a:rPr lang="fr-FR" sz="1600" dirty="0">
+                <a:solidFill>
+                  <a:schemeClr val="bg1"/>
+                </a:solidFill>
+                <a:latin typeface="Consolas" pitchFamily="49" charset="0"/>
+              </a:rPr>
+              <a:t>, () =&gt; {</a:t>
+            </a:r>
+          </a:p>
+          <a:p>
+            <a:r>
+              <a:rPr lang="fr-FR" sz="1600" dirty="0">
+                <a:solidFill>
+                  <a:schemeClr val="bg1"/>
+                </a:solidFill>
+                <a:latin typeface="Consolas" pitchFamily="49" charset="0"/>
+              </a:rPr>
+              <a:t>      </a:t>
+            </a:r>
+            <a:r>
+              <a:rPr lang="fr-FR" sz="1600" dirty="0" err="1">
+                <a:solidFill>
+                  <a:srgbClr val="D8F141"/>
+                </a:solidFill>
+                <a:latin typeface="Consolas" pitchFamily="49" charset="0"/>
+              </a:rPr>
+              <a:t>expect</a:t>
+            </a:r>
+            <a:r>
+              <a:rPr lang="fr-FR" sz="1600" dirty="0">
+                <a:solidFill>
+                  <a:schemeClr val="bg1"/>
+                </a:solidFill>
+                <a:latin typeface="Consolas" pitchFamily="49" charset="0"/>
+              </a:rPr>
+              <a:t>(...).</a:t>
+            </a:r>
+            <a:r>
+              <a:rPr lang="fr-FR" sz="1600" dirty="0" err="1" smtClean="0">
+                <a:solidFill>
+                  <a:srgbClr val="D8F141"/>
+                </a:solidFill>
+                <a:latin typeface="Consolas" pitchFamily="49" charset="0"/>
+              </a:rPr>
+              <a:t>toBeFalsy</a:t>
+            </a:r>
+            <a:r>
+              <a:rPr lang="fr-FR" sz="1600" dirty="0" smtClean="0">
+                <a:solidFill>
+                  <a:schemeClr val="bg1"/>
+                </a:solidFill>
+                <a:latin typeface="Consolas" pitchFamily="49" charset="0"/>
+              </a:rPr>
+              <a:t>();</a:t>
+            </a:r>
+            <a:endParaRPr lang="fr-FR" sz="1600" dirty="0">
+              <a:solidFill>
+                <a:schemeClr val="bg1"/>
+              </a:solidFill>
+              <a:latin typeface="Consolas" pitchFamily="49" charset="0"/>
+            </a:endParaRPr>
+          </a:p>
+          <a:p>
+            <a:r>
+              <a:rPr lang="fr-FR" sz="1600" dirty="0">
+                <a:solidFill>
+                  <a:schemeClr val="bg1"/>
+                </a:solidFill>
+                <a:latin typeface="Consolas" pitchFamily="49" charset="0"/>
+              </a:rPr>
+              <a:t>    });</a:t>
+            </a:r>
+          </a:p>
+          <a:p>
+            <a:r>
+              <a:rPr lang="fr-FR" sz="1600" dirty="0" smtClean="0">
+                <a:solidFill>
+                  <a:schemeClr val="bg1"/>
+                </a:solidFill>
+                <a:latin typeface="Consolas" pitchFamily="49" charset="0"/>
+              </a:rPr>
+              <a:t>     </a:t>
+            </a:r>
+          </a:p>
+          <a:p>
+            <a:r>
+              <a:rPr lang="fr-FR" sz="1600" dirty="0">
+                <a:solidFill>
+                  <a:schemeClr val="bg1"/>
+                </a:solidFill>
+                <a:latin typeface="Consolas" pitchFamily="49" charset="0"/>
+              </a:rPr>
+              <a:t> </a:t>
+            </a:r>
+            <a:r>
+              <a:rPr lang="fr-FR" sz="1600" dirty="0" smtClean="0">
+                <a:solidFill>
+                  <a:schemeClr val="bg1"/>
+                </a:solidFill>
+                <a:latin typeface="Consolas" pitchFamily="49" charset="0"/>
+              </a:rPr>
+              <a:t>   </a:t>
+            </a:r>
+            <a:r>
+              <a:rPr lang="fr-FR" sz="1600" dirty="0" err="1">
+                <a:solidFill>
+                  <a:srgbClr val="0070C0"/>
+                </a:solidFill>
+                <a:latin typeface="Consolas" pitchFamily="49" charset="0"/>
+              </a:rPr>
+              <a:t>describe</a:t>
+            </a:r>
+            <a:r>
+              <a:rPr lang="fr-FR" sz="1600" dirty="0">
+                <a:solidFill>
+                  <a:schemeClr val="bg1"/>
+                </a:solidFill>
+                <a:latin typeface="Consolas" pitchFamily="49" charset="0"/>
+              </a:rPr>
+              <a:t>(</a:t>
+            </a:r>
+            <a:r>
+              <a:rPr lang="fr-FR" sz="1600" dirty="0">
+                <a:solidFill>
+                  <a:schemeClr val="accent5"/>
+                </a:solidFill>
+                <a:latin typeface="Consolas" pitchFamily="49" charset="0"/>
+              </a:rPr>
+              <a:t>'Description sommaire de </a:t>
+            </a:r>
+            <a:r>
+              <a:rPr lang="fr-FR" sz="1600" dirty="0" smtClean="0">
+                <a:solidFill>
+                  <a:schemeClr val="accent5"/>
+                </a:solidFill>
+                <a:latin typeface="Consolas" pitchFamily="49" charset="0"/>
+              </a:rPr>
+              <a:t>ma suite imbriquée de tests'</a:t>
+            </a:r>
+            <a:r>
+              <a:rPr lang="fr-FR" sz="1600" dirty="0" smtClean="0">
+                <a:solidFill>
+                  <a:schemeClr val="bg1"/>
+                </a:solidFill>
+                <a:latin typeface="Consolas" pitchFamily="49" charset="0"/>
+              </a:rPr>
+              <a:t>, </a:t>
+            </a:r>
+            <a:r>
+              <a:rPr lang="fr-FR" sz="1600" dirty="0">
+                <a:solidFill>
+                  <a:schemeClr val="bg1"/>
+                </a:solidFill>
+                <a:latin typeface="Consolas" pitchFamily="49" charset="0"/>
+              </a:rPr>
+              <a:t>() =&gt; {</a:t>
+            </a:r>
+          </a:p>
+          <a:p>
+            <a:r>
+              <a:rPr lang="fr-FR" sz="1600" dirty="0" smtClean="0">
+                <a:solidFill>
+                  <a:schemeClr val="bg1"/>
+                </a:solidFill>
+                <a:latin typeface="Consolas" pitchFamily="49" charset="0"/>
+              </a:rPr>
+              <a:t>      </a:t>
+            </a:r>
+            <a:r>
+              <a:rPr lang="fr-FR" sz="1600" dirty="0" err="1" smtClean="0">
+                <a:solidFill>
+                  <a:srgbClr val="0070C0"/>
+                </a:solidFill>
+                <a:latin typeface="Consolas" pitchFamily="49" charset="0"/>
+              </a:rPr>
+              <a:t>it</a:t>
+            </a:r>
+            <a:r>
+              <a:rPr lang="fr-FR" sz="1600" dirty="0" smtClean="0">
+                <a:solidFill>
+                  <a:schemeClr val="bg1"/>
+                </a:solidFill>
+                <a:latin typeface="Consolas" pitchFamily="49" charset="0"/>
+              </a:rPr>
+              <a:t>(</a:t>
+            </a:r>
+            <a:r>
+              <a:rPr lang="fr-FR" sz="1600" dirty="0" smtClean="0">
+                <a:solidFill>
+                  <a:schemeClr val="accent5"/>
+                </a:solidFill>
+                <a:latin typeface="Consolas" pitchFamily="49" charset="0"/>
+              </a:rPr>
+              <a:t>'</a:t>
+            </a:r>
+            <a:r>
+              <a:rPr lang="fr-FR" sz="1600" dirty="0" err="1" smtClean="0">
+                <a:solidFill>
+                  <a:schemeClr val="accent5"/>
+                </a:solidFill>
+                <a:latin typeface="Consolas" pitchFamily="49" charset="0"/>
+              </a:rPr>
+              <a:t>should</a:t>
+            </a:r>
+            <a:r>
+              <a:rPr lang="fr-FR" sz="1600" dirty="0" smtClean="0">
+                <a:solidFill>
+                  <a:schemeClr val="accent5"/>
+                </a:solidFill>
+                <a:latin typeface="Consolas" pitchFamily="49" charset="0"/>
+              </a:rPr>
+              <a:t> ...'</a:t>
+            </a:r>
+            <a:r>
+              <a:rPr lang="fr-FR" sz="1600" dirty="0" smtClean="0">
+                <a:solidFill>
+                  <a:schemeClr val="bg1"/>
+                </a:solidFill>
+                <a:latin typeface="Consolas" pitchFamily="49" charset="0"/>
+              </a:rPr>
+              <a:t>, () =&gt; {</a:t>
+            </a:r>
+          </a:p>
+          <a:p>
+            <a:r>
+              <a:rPr lang="fr-FR" sz="1600" dirty="0" smtClean="0">
+                <a:solidFill>
+                  <a:schemeClr val="bg1"/>
+                </a:solidFill>
+                <a:latin typeface="Consolas" pitchFamily="49" charset="0"/>
+              </a:rPr>
+              <a:t>        </a:t>
+            </a:r>
+            <a:r>
+              <a:rPr lang="fr-FR" sz="1600" dirty="0" err="1" smtClean="0">
+                <a:solidFill>
+                  <a:srgbClr val="D8F141"/>
+                </a:solidFill>
+                <a:latin typeface="Consolas" pitchFamily="49" charset="0"/>
+              </a:rPr>
+              <a:t>expect</a:t>
+            </a:r>
+            <a:r>
+              <a:rPr lang="fr-FR" sz="1600" dirty="0" smtClean="0">
+                <a:solidFill>
+                  <a:schemeClr val="bg1"/>
+                </a:solidFill>
+                <a:latin typeface="Consolas" pitchFamily="49" charset="0"/>
+              </a:rPr>
+              <a:t>(...).</a:t>
+            </a:r>
+            <a:r>
+              <a:rPr lang="fr-FR" sz="1600" dirty="0" err="1" smtClean="0">
+                <a:solidFill>
+                  <a:srgbClr val="D8F141"/>
+                </a:solidFill>
+                <a:latin typeface="Consolas" pitchFamily="49" charset="0"/>
+              </a:rPr>
+              <a:t>toBeDefined</a:t>
+            </a:r>
+            <a:r>
+              <a:rPr lang="fr-FR" sz="1600" dirty="0" smtClean="0">
+                <a:solidFill>
+                  <a:schemeClr val="bg1"/>
+                </a:solidFill>
+                <a:latin typeface="Consolas" pitchFamily="49" charset="0"/>
+              </a:rPr>
+              <a:t>();</a:t>
+            </a:r>
+          </a:p>
+          <a:p>
+            <a:r>
+              <a:rPr lang="fr-FR" sz="1600" dirty="0" smtClean="0">
+                <a:solidFill>
+                  <a:schemeClr val="bg1"/>
+                </a:solidFill>
+                <a:latin typeface="Consolas" pitchFamily="49" charset="0"/>
+              </a:rPr>
+              <a:t>      });</a:t>
+            </a:r>
+          </a:p>
+          <a:p>
+            <a:r>
+              <a:rPr lang="fr-FR" sz="1600" dirty="0">
+                <a:solidFill>
+                  <a:schemeClr val="bg1"/>
+                </a:solidFill>
+                <a:latin typeface="Consolas" pitchFamily="49" charset="0"/>
+              </a:rPr>
+              <a:t> </a:t>
+            </a:r>
+            <a:r>
+              <a:rPr lang="fr-FR" sz="1600" dirty="0" smtClean="0">
+                <a:solidFill>
+                  <a:schemeClr val="bg1"/>
+                </a:solidFill>
+                <a:latin typeface="Consolas" pitchFamily="49" charset="0"/>
+              </a:rPr>
+              <a:t>   })</a:t>
+            </a:r>
+            <a:endParaRPr lang="fr-FR" sz="1600" dirty="0">
+              <a:solidFill>
+                <a:schemeClr val="bg1"/>
+              </a:solidFill>
+              <a:latin typeface="Consolas" pitchFamily="49" charset="0"/>
+            </a:endParaRPr>
+          </a:p>
+          <a:p>
+            <a:r>
+              <a:rPr lang="fr-FR" sz="1600" dirty="0">
+                <a:solidFill>
+                  <a:schemeClr val="bg1"/>
+                </a:solidFill>
+                <a:latin typeface="Consolas" pitchFamily="49" charset="0"/>
+              </a:rPr>
+              <a:t>});</a:t>
+            </a:r>
+            <a:endParaRPr lang="fr-FR" sz="1600" dirty="0">
+              <a:solidFill>
+                <a:schemeClr val="bg1"/>
+              </a:solidFill>
+              <a:latin typeface="Consolas" pitchFamily="49" charset="0"/>
+            </a:endParaRPr>
           </a:p>
         </p:txBody>
       </p:sp>
     </p:spTree>
     <p:extLst>
       <p:ext uri="{BB962C8B-B14F-4D97-AF65-F5344CB8AC3E}">
-        <p14:creationId xmlns:p14="http://schemas.microsoft.com/office/powerpoint/2010/main" val="4055963835"/>
+        <p14:creationId xmlns:p14="http://schemas.microsoft.com/office/powerpoint/2010/main" val="2410149666"/>
       </p:ext>
     </p:extLst>
   </p:cSld>
   <p:clrMapOvr>
     <a:masterClrMapping/>
   </p:clrMapOvr>
-  <p:timing>
-    <p:tnLst>
-      <p:par>
-        <p:cTn id="1" dur="indefinite" restart="never" nodeType="tmRoot"/>
-      </p:par>
-    </p:tnLst>
-  </p:timing>
 </p:sld>
 </file>
 
@@ -18473,7 +20389,11 @@
           <a:bodyPr/>
           <a:lstStyle/>
           <a:p>
-            <a:endParaRPr lang="fr-FR"/>
+            <a:r>
+              <a:rPr lang="fr-FR" dirty="0" smtClean="0"/>
+              <a:t>Tests unitaires</a:t>
+            </a:r>
+            <a:endParaRPr lang="fr-FR" dirty="0"/>
           </a:p>
         </p:txBody>
       </p:sp>
@@ -18492,7 +20412,23 @@
           <a:bodyPr/>
           <a:lstStyle/>
           <a:p>
-            <a:endParaRPr lang="fr-FR"/>
+            <a:r>
+              <a:rPr lang="fr-FR" dirty="0" smtClean="0"/>
+              <a:t>  </a:t>
+            </a:r>
+            <a:r>
+              <a:rPr lang="fr-FR" dirty="0" err="1" smtClean="0"/>
+              <a:t>custom</a:t>
+            </a:r>
+            <a:r>
+              <a:rPr lang="fr-FR" dirty="0" err="1" smtClean="0"/>
+              <a:t>.service.ts</a:t>
+            </a:r>
+            <a:endParaRPr lang="fr-FR" dirty="0" smtClean="0"/>
+          </a:p>
+          <a:p>
+            <a:pPr marL="342900" indent="-342900"/>
+            <a:endParaRPr lang="fr-FR" dirty="0" smtClean="0"/>
           </a:p>
         </p:txBody>
       </p:sp>
@@ -18520,10 +20456,991 @@
           </a:p>
         </p:txBody>
       </p:sp>
+      <p:sp>
+        <p:nvSpPr>
+          <p:cNvPr id="7" name="Espace réservé du contenu 1"/>
+          <p:cNvSpPr txBox="1">
+            <a:spLocks/>
+          </p:cNvSpPr>
+          <p:nvPr/>
+        </p:nvSpPr>
+        <p:spPr>
+          <a:xfrm>
+            <a:off x="594347" y="1643931"/>
+            <a:ext cx="8209411" cy="4352831"/>
+          </a:xfrm>
+          <a:prstGeom prst="rect">
+            <a:avLst/>
+          </a:prstGeom>
+          <a:solidFill>
+            <a:schemeClr val="tx1">
+              <a:lumMod val="75000"/>
+            </a:schemeClr>
+          </a:solidFill>
+        </p:spPr>
+        <p:txBody>
+          <a:bodyPr lIns="0" tIns="0" rIns="0" bIns="0">
+            <a:normAutofit fontScale="92500" lnSpcReduction="20000"/>
+          </a:bodyPr>
+          <a:lstStyle>
+            <a:lvl1pPr marL="0" indent="0" algn="l" defTabSz="914400" rtl="0" eaLnBrk="1" latinLnBrk="0" hangingPunct="1">
+              <a:spcBef>
+                <a:spcPts val="500"/>
+              </a:spcBef>
+              <a:buClr>
+                <a:schemeClr val="accent1"/>
+              </a:buClr>
+              <a:buSzPct val="110000"/>
+              <a:buFont typeface="Arial" pitchFamily="34" charset="0"/>
+              <a:buNone/>
+              <a:defRPr sz="2000" kern="1200">
+                <a:solidFill>
+                  <a:schemeClr val="tx1"/>
+                </a:solidFill>
+                <a:latin typeface="Arial" pitchFamily="34" charset="0"/>
+                <a:ea typeface="+mn-ea"/>
+                <a:cs typeface="+mn-cs"/>
+              </a:defRPr>
+            </a:lvl1pPr>
+            <a:lvl2pPr marL="263525" indent="-263525" algn="l" defTabSz="914400" rtl="0" eaLnBrk="1" latinLnBrk="0" hangingPunct="1">
+              <a:spcBef>
+                <a:spcPts val="500"/>
+              </a:spcBef>
+              <a:buClr>
+                <a:schemeClr val="accent1"/>
+              </a:buClr>
+              <a:buSzPct val="110000"/>
+              <a:buFont typeface="Arial" pitchFamily="34" charset="0"/>
+              <a:buChar char="•"/>
+              <a:defRPr sz="2000" kern="1200" baseline="0">
+                <a:solidFill>
+                  <a:schemeClr val="tx1"/>
+                </a:solidFill>
+                <a:latin typeface="Arial" pitchFamily="34" charset="0"/>
+                <a:ea typeface="+mn-ea"/>
+                <a:cs typeface="+mn-cs"/>
+              </a:defRPr>
+            </a:lvl2pPr>
+            <a:lvl3pPr marL="536575" indent="-273050" algn="l" defTabSz="914400" rtl="0" eaLnBrk="1" latinLnBrk="0" hangingPunct="1">
+              <a:spcBef>
+                <a:spcPts val="500"/>
+              </a:spcBef>
+              <a:buClr>
+                <a:schemeClr val="accent1"/>
+              </a:buClr>
+              <a:buSzPct val="110000"/>
+              <a:buFont typeface="Arial" pitchFamily="34" charset="0"/>
+              <a:buChar char="•"/>
+              <a:defRPr sz="1800" kern="1200" baseline="0">
+                <a:solidFill>
+                  <a:schemeClr val="tx1"/>
+                </a:solidFill>
+                <a:latin typeface="Arial" pitchFamily="34" charset="0"/>
+                <a:ea typeface="+mn-ea"/>
+                <a:cs typeface="+mn-cs"/>
+              </a:defRPr>
+            </a:lvl3pPr>
+            <a:lvl4pPr marL="811213" indent="-274638" algn="l" defTabSz="914400" rtl="0" eaLnBrk="1" latinLnBrk="0" hangingPunct="1">
+              <a:spcBef>
+                <a:spcPts val="500"/>
+              </a:spcBef>
+              <a:buClr>
+                <a:schemeClr val="accent1"/>
+              </a:buClr>
+              <a:buSzPct val="110000"/>
+              <a:buFont typeface="Arial" pitchFamily="34" charset="0"/>
+              <a:buChar char="•"/>
+              <a:defRPr sz="1600" kern="1200" baseline="0">
+                <a:solidFill>
+                  <a:schemeClr val="tx1"/>
+                </a:solidFill>
+                <a:latin typeface="Arial" pitchFamily="34" charset="0"/>
+                <a:ea typeface="+mn-ea"/>
+                <a:cs typeface="+mn-cs"/>
+              </a:defRPr>
+            </a:lvl4pPr>
+            <a:lvl5pPr marL="1074738" indent="-263525" algn="l" defTabSz="914400" rtl="0" eaLnBrk="1" latinLnBrk="0" hangingPunct="1">
+              <a:spcBef>
+                <a:spcPts val="500"/>
+              </a:spcBef>
+              <a:buClr>
+                <a:schemeClr val="accent1"/>
+              </a:buClr>
+              <a:buSzPct val="110000"/>
+              <a:buFont typeface="Arial" pitchFamily="34" charset="0"/>
+              <a:buChar char="•"/>
+              <a:defRPr sz="1400" kern="1200" baseline="0">
+                <a:solidFill>
+                  <a:schemeClr val="tx1"/>
+                </a:solidFill>
+                <a:latin typeface="Arial" pitchFamily="34" charset="0"/>
+                <a:ea typeface="+mn-ea"/>
+                <a:cs typeface="+mn-cs"/>
+              </a:defRPr>
+            </a:lvl5pPr>
+            <a:lvl6pPr marL="1136650" indent="-215900" algn="l" defTabSz="914400" rtl="0" eaLnBrk="1" latinLnBrk="0" hangingPunct="1">
+              <a:spcBef>
+                <a:spcPts val="500"/>
+              </a:spcBef>
+              <a:buClr>
+                <a:schemeClr val="accent1"/>
+              </a:buClr>
+              <a:buFont typeface="Verdana" pitchFamily="34" charset="0"/>
+              <a:buNone/>
+              <a:defRPr sz="1400" kern="1200" baseline="0">
+                <a:solidFill>
+                  <a:schemeClr val="tx1"/>
+                </a:solidFill>
+                <a:latin typeface="+mn-lt"/>
+                <a:ea typeface="+mn-ea"/>
+                <a:cs typeface="+mn-cs"/>
+              </a:defRPr>
+            </a:lvl6pPr>
+            <a:lvl7pPr marL="1343025" indent="-228600" algn="l" defTabSz="914400" rtl="0" eaLnBrk="1" latinLnBrk="0" hangingPunct="1">
+              <a:spcBef>
+                <a:spcPts val="500"/>
+              </a:spcBef>
+              <a:buClr>
+                <a:schemeClr val="tx1">
+                  <a:lumMod val="60000"/>
+                  <a:lumOff val="40000"/>
+                </a:schemeClr>
+              </a:buClr>
+              <a:buFont typeface="Verdana" pitchFamily="34" charset="0"/>
+              <a:buChar char="•"/>
+              <a:defRPr sz="1400" kern="1200" baseline="0">
+                <a:solidFill>
+                  <a:schemeClr val="tx1"/>
+                </a:solidFill>
+                <a:latin typeface="+mn-lt"/>
+                <a:ea typeface="+mn-ea"/>
+                <a:cs typeface="+mn-cs"/>
+              </a:defRPr>
+            </a:lvl7pPr>
+            <a:lvl8pPr marL="3429000" indent="-228600" algn="l" defTabSz="914400" rtl="0" eaLnBrk="1" latinLnBrk="0" hangingPunct="1">
+              <a:spcBef>
+                <a:spcPct val="20000"/>
+              </a:spcBef>
+              <a:buFont typeface="Arial" pitchFamily="34" charset="0"/>
+              <a:buChar char="•"/>
+              <a:defRPr sz="2000" kern="1200">
+                <a:solidFill>
+                  <a:schemeClr val="tx1"/>
+                </a:solidFill>
+                <a:latin typeface="+mn-lt"/>
+                <a:ea typeface="+mn-ea"/>
+                <a:cs typeface="+mn-cs"/>
+              </a:defRPr>
+            </a:lvl8pPr>
+            <a:lvl9pPr marL="3886200" indent="-228600" algn="l" defTabSz="914400" rtl="0" eaLnBrk="1" latinLnBrk="0" hangingPunct="1">
+              <a:spcBef>
+                <a:spcPct val="20000"/>
+              </a:spcBef>
+              <a:buFont typeface="Arial" pitchFamily="34" charset="0"/>
+              <a:buChar char="•"/>
+              <a:defRPr sz="2000" kern="1200">
+                <a:solidFill>
+                  <a:schemeClr val="tx1"/>
+                </a:solidFill>
+                <a:latin typeface="+mn-lt"/>
+                <a:ea typeface="+mn-ea"/>
+                <a:cs typeface="+mn-cs"/>
+              </a:defRPr>
+            </a:lvl9pPr>
+          </a:lstStyle>
+          <a:p>
+            <a:r>
+              <a:rPr lang="fr-FR" sz="1600" dirty="0">
+                <a:solidFill>
+                  <a:srgbClr val="92D050"/>
+                </a:solidFill>
+                <a:latin typeface="Consolas" pitchFamily="49" charset="0"/>
+              </a:rPr>
+              <a:t>@Injectable</a:t>
+            </a:r>
+            <a:r>
+              <a:rPr lang="fr-FR" sz="1600" dirty="0">
+                <a:solidFill>
+                  <a:schemeClr val="bg1"/>
+                </a:solidFill>
+                <a:latin typeface="Consolas" pitchFamily="49" charset="0"/>
+              </a:rPr>
+              <a:t>()</a:t>
+            </a:r>
+          </a:p>
+          <a:p>
+            <a:r>
+              <a:rPr lang="fr-FR" sz="1600" dirty="0">
+                <a:solidFill>
+                  <a:srgbClr val="7030A0"/>
+                </a:solidFill>
+                <a:latin typeface="Consolas" pitchFamily="49" charset="0"/>
+              </a:rPr>
+              <a:t>export</a:t>
+            </a:r>
+            <a:r>
+              <a:rPr lang="fr-FR" sz="1600" dirty="0">
+                <a:solidFill>
+                  <a:schemeClr val="bg1"/>
+                </a:solidFill>
+                <a:latin typeface="Consolas" pitchFamily="49" charset="0"/>
+              </a:rPr>
+              <a:t> </a:t>
+            </a:r>
+            <a:r>
+              <a:rPr lang="fr-FR" sz="1600" dirty="0">
+                <a:solidFill>
+                  <a:srgbClr val="0070C0"/>
+                </a:solidFill>
+                <a:latin typeface="Consolas" pitchFamily="49" charset="0"/>
+              </a:rPr>
+              <a:t>class</a:t>
+            </a:r>
+            <a:r>
+              <a:rPr lang="fr-FR" sz="1600" dirty="0">
+                <a:solidFill>
+                  <a:schemeClr val="bg1"/>
+                </a:solidFill>
+                <a:latin typeface="Consolas" pitchFamily="49" charset="0"/>
+              </a:rPr>
+              <a:t> </a:t>
+            </a:r>
+            <a:r>
+              <a:rPr lang="fr-FR" sz="1600" dirty="0" err="1" smtClean="0">
+                <a:solidFill>
+                  <a:srgbClr val="00B0F0"/>
+                </a:solidFill>
+                <a:latin typeface="Consolas" pitchFamily="49" charset="0"/>
+              </a:rPr>
+              <a:t>CustomService</a:t>
+            </a:r>
+            <a:r>
+              <a:rPr lang="fr-FR" sz="1600" dirty="0" smtClean="0">
+                <a:solidFill>
+                  <a:schemeClr val="bg1"/>
+                </a:solidFill>
+                <a:latin typeface="Consolas" pitchFamily="49" charset="0"/>
+              </a:rPr>
+              <a:t> {</a:t>
+            </a:r>
+          </a:p>
+          <a:p>
+            <a:endParaRPr lang="fr-FR" sz="1600" dirty="0" smtClean="0">
+              <a:solidFill>
+                <a:schemeClr val="bg1"/>
+              </a:solidFill>
+              <a:latin typeface="Consolas" pitchFamily="49" charset="0"/>
+            </a:endParaRPr>
+          </a:p>
+          <a:p>
+            <a:r>
+              <a:rPr lang="fr-FR" sz="1600" dirty="0" smtClean="0">
+                <a:solidFill>
+                  <a:schemeClr val="bg1"/>
+                </a:solidFill>
+                <a:latin typeface="Consolas" pitchFamily="49" charset="0"/>
+              </a:rPr>
+              <a:t>  </a:t>
+            </a:r>
+            <a:r>
+              <a:rPr lang="fr-FR" sz="1600" dirty="0" smtClean="0">
+                <a:solidFill>
+                  <a:srgbClr val="0070C0"/>
+                </a:solidFill>
+                <a:latin typeface="Consolas" pitchFamily="49" charset="0"/>
+              </a:rPr>
+              <a:t>public</a:t>
+            </a:r>
+            <a:r>
+              <a:rPr lang="fr-FR" sz="1600" dirty="0" smtClean="0">
+                <a:solidFill>
+                  <a:schemeClr val="bg1"/>
+                </a:solidFill>
+                <a:latin typeface="Consolas" pitchFamily="49" charset="0"/>
+              </a:rPr>
+              <a:t> </a:t>
+            </a:r>
+            <a:r>
+              <a:rPr lang="fr-FR" sz="1600" dirty="0" smtClean="0">
+                <a:solidFill>
+                  <a:srgbClr val="00B0F0"/>
+                </a:solidFill>
+                <a:latin typeface="Consolas" pitchFamily="49" charset="0"/>
+              </a:rPr>
+              <a:t>value</a:t>
+            </a:r>
+            <a:r>
+              <a:rPr lang="fr-FR" sz="1600" dirty="0" smtClean="0">
+                <a:solidFill>
+                  <a:schemeClr val="bg1"/>
+                </a:solidFill>
+                <a:latin typeface="Consolas" pitchFamily="49" charset="0"/>
+              </a:rPr>
+              <a:t>: </a:t>
+            </a:r>
+            <a:r>
+              <a:rPr lang="fr-FR" sz="1600" dirty="0" err="1" smtClean="0">
+                <a:solidFill>
+                  <a:srgbClr val="92D050"/>
+                </a:solidFill>
+                <a:latin typeface="Consolas" pitchFamily="49" charset="0"/>
+              </a:rPr>
+              <a:t>CustomValue</a:t>
+            </a:r>
+            <a:r>
+              <a:rPr lang="fr-FR" sz="1600" dirty="0" smtClean="0">
+                <a:solidFill>
+                  <a:schemeClr val="bg1"/>
+                </a:solidFill>
+                <a:latin typeface="Consolas" pitchFamily="49" charset="0"/>
+              </a:rPr>
+              <a:t>;</a:t>
+            </a:r>
+          </a:p>
+          <a:p>
+            <a:r>
+              <a:rPr lang="fr-FR" sz="1600" dirty="0" smtClean="0">
+                <a:solidFill>
+                  <a:schemeClr val="bg1"/>
+                </a:solidFill>
+                <a:latin typeface="Consolas" pitchFamily="49" charset="0"/>
+              </a:rPr>
+              <a:t> </a:t>
+            </a:r>
+          </a:p>
+          <a:p>
+            <a:r>
+              <a:rPr lang="fr-FR" sz="1600" dirty="0" smtClean="0">
+                <a:solidFill>
+                  <a:schemeClr val="bg1"/>
+                </a:solidFill>
+                <a:latin typeface="Consolas" pitchFamily="49" charset="0"/>
+              </a:rPr>
+              <a:t>  </a:t>
+            </a:r>
+            <a:r>
+              <a:rPr lang="fr-FR" sz="1600" dirty="0" err="1" smtClean="0">
+                <a:solidFill>
+                  <a:srgbClr val="0070C0"/>
+                </a:solidFill>
+                <a:latin typeface="Consolas" pitchFamily="49" charset="0"/>
+              </a:rPr>
+              <a:t>constructor</a:t>
+            </a:r>
+            <a:r>
+              <a:rPr lang="fr-FR" sz="1600" dirty="0" smtClean="0">
+                <a:solidFill>
+                  <a:schemeClr val="bg1"/>
+                </a:solidFill>
+                <a:latin typeface="Consolas" pitchFamily="49" charset="0"/>
+              </a:rPr>
+              <a:t>(</a:t>
+            </a:r>
+            <a:r>
+              <a:rPr lang="fr-FR" sz="1600" dirty="0" err="1" smtClean="0">
+                <a:solidFill>
+                  <a:srgbClr val="0070C0"/>
+                </a:solidFill>
+                <a:latin typeface="Consolas" pitchFamily="49" charset="0"/>
+              </a:rPr>
+              <a:t>private</a:t>
+            </a:r>
+            <a:r>
+              <a:rPr lang="fr-FR" sz="1600" dirty="0" smtClean="0">
+                <a:solidFill>
+                  <a:schemeClr val="bg1"/>
+                </a:solidFill>
+                <a:latin typeface="Consolas" pitchFamily="49" charset="0"/>
+              </a:rPr>
+              <a:t> </a:t>
+            </a:r>
+            <a:r>
+              <a:rPr lang="fr-FR" sz="1600" dirty="0" err="1" smtClean="0">
+                <a:solidFill>
+                  <a:srgbClr val="00B0F0"/>
+                </a:solidFill>
+                <a:latin typeface="Consolas" pitchFamily="49" charset="0"/>
+              </a:rPr>
+              <a:t>otherService</a:t>
+            </a:r>
+            <a:r>
+              <a:rPr lang="fr-FR" sz="1600" dirty="0">
+                <a:solidFill>
+                  <a:schemeClr val="bg1"/>
+                </a:solidFill>
+                <a:latin typeface="Consolas" pitchFamily="49" charset="0"/>
+              </a:rPr>
+              <a:t>: </a:t>
+            </a:r>
+            <a:r>
+              <a:rPr lang="fr-FR" sz="1600" dirty="0" err="1" smtClean="0">
+                <a:solidFill>
+                  <a:srgbClr val="92D050"/>
+                </a:solidFill>
+                <a:latin typeface="Consolas" pitchFamily="49" charset="0"/>
+              </a:rPr>
+              <a:t>OtherService</a:t>
+            </a:r>
+            <a:r>
+              <a:rPr lang="fr-FR" sz="1600" dirty="0" smtClean="0">
+                <a:solidFill>
+                  <a:schemeClr val="bg1"/>
+                </a:solidFill>
+                <a:latin typeface="Consolas" pitchFamily="49" charset="0"/>
+              </a:rPr>
+              <a:t>) {</a:t>
+            </a:r>
+          </a:p>
+          <a:p>
+            <a:r>
+              <a:rPr lang="fr-FR" sz="1600" dirty="0" smtClean="0">
+                <a:solidFill>
+                  <a:srgbClr val="0070C0"/>
+                </a:solidFill>
+                <a:latin typeface="Consolas" pitchFamily="49" charset="0"/>
+              </a:rPr>
+              <a:t>    </a:t>
+            </a:r>
+            <a:r>
+              <a:rPr lang="fr-FR" sz="1600" dirty="0" err="1" smtClean="0">
+                <a:solidFill>
+                  <a:srgbClr val="0070C0"/>
+                </a:solidFill>
+                <a:latin typeface="Consolas" pitchFamily="49" charset="0"/>
+              </a:rPr>
+              <a:t>this</a:t>
+            </a:r>
+            <a:r>
+              <a:rPr lang="fr-FR" sz="1600" dirty="0" err="1" smtClean="0">
+                <a:solidFill>
+                  <a:schemeClr val="bg1"/>
+                </a:solidFill>
+                <a:latin typeface="Consolas" pitchFamily="49" charset="0"/>
+              </a:rPr>
+              <a:t>.</a:t>
+            </a:r>
+            <a:r>
+              <a:rPr lang="fr-FR" sz="1600" dirty="0" err="1" smtClean="0">
+                <a:solidFill>
+                  <a:srgbClr val="00B0F0"/>
+                </a:solidFill>
+                <a:latin typeface="Consolas" pitchFamily="49" charset="0"/>
+              </a:rPr>
+              <a:t>otherService</a:t>
+            </a:r>
+            <a:r>
+              <a:rPr lang="fr-FR" sz="1600" dirty="0" err="1" smtClean="0">
+                <a:solidFill>
+                  <a:schemeClr val="bg1"/>
+                </a:solidFill>
+                <a:latin typeface="Consolas" pitchFamily="49" charset="0"/>
+              </a:rPr>
+              <a:t>.</a:t>
+            </a:r>
+            <a:r>
+              <a:rPr lang="fr-FR" sz="1600" dirty="0" err="1" smtClean="0">
+                <a:solidFill>
+                  <a:srgbClr val="D8F141"/>
+                </a:solidFill>
+                <a:latin typeface="Consolas" pitchFamily="49" charset="0"/>
+              </a:rPr>
+              <a:t>otherMethod</a:t>
+            </a:r>
+            <a:r>
+              <a:rPr lang="fr-FR" sz="1600" dirty="0">
+                <a:solidFill>
+                  <a:schemeClr val="bg1"/>
+                </a:solidFill>
+                <a:latin typeface="Consolas" pitchFamily="49" charset="0"/>
+              </a:rPr>
+              <a:t>().</a:t>
+            </a:r>
+            <a:r>
+              <a:rPr lang="fr-FR" sz="1600" dirty="0" err="1">
+                <a:solidFill>
+                  <a:srgbClr val="D8F141"/>
+                </a:solidFill>
+                <a:latin typeface="Consolas" pitchFamily="49" charset="0"/>
+              </a:rPr>
+              <a:t>subscribe</a:t>
+            </a:r>
+            <a:r>
+              <a:rPr lang="fr-FR" sz="1600" dirty="0">
+                <a:solidFill>
+                  <a:schemeClr val="bg1"/>
+                </a:solidFill>
+                <a:latin typeface="Consolas" pitchFamily="49" charset="0"/>
+              </a:rPr>
+              <a:t>((</a:t>
+            </a:r>
+            <a:r>
+              <a:rPr lang="fr-FR" sz="1600" dirty="0" err="1">
+                <a:solidFill>
+                  <a:srgbClr val="00B0F0"/>
+                </a:solidFill>
+                <a:latin typeface="Consolas" pitchFamily="49" charset="0"/>
+              </a:rPr>
+              <a:t>resultat</a:t>
+            </a:r>
+            <a:r>
+              <a:rPr lang="fr-FR" sz="1600" dirty="0">
+                <a:solidFill>
+                  <a:schemeClr val="bg1"/>
+                </a:solidFill>
+                <a:latin typeface="Consolas" pitchFamily="49" charset="0"/>
+              </a:rPr>
+              <a:t>: </a:t>
+            </a:r>
+            <a:r>
+              <a:rPr lang="fr-FR" sz="1600" dirty="0" err="1">
+                <a:solidFill>
+                  <a:srgbClr val="92D050"/>
+                </a:solidFill>
+                <a:latin typeface="Consolas" pitchFamily="49" charset="0"/>
+              </a:rPr>
+              <a:t>any</a:t>
+            </a:r>
+            <a:r>
+              <a:rPr lang="fr-FR" sz="1600" dirty="0">
+                <a:solidFill>
+                  <a:schemeClr val="bg1"/>
+                </a:solidFill>
+                <a:latin typeface="Consolas" pitchFamily="49" charset="0"/>
+              </a:rPr>
+              <a:t>) =&gt; {</a:t>
+            </a:r>
+          </a:p>
+          <a:p>
+            <a:r>
+              <a:rPr lang="fr-FR" sz="1600" dirty="0">
+                <a:solidFill>
+                  <a:schemeClr val="bg1"/>
+                </a:solidFill>
+                <a:latin typeface="Consolas" pitchFamily="49" charset="0"/>
+              </a:rPr>
+              <a:t>      </a:t>
+            </a:r>
+            <a:r>
+              <a:rPr lang="fr-FR" sz="1600" dirty="0" err="1">
+                <a:solidFill>
+                  <a:srgbClr val="0070C0"/>
+                </a:solidFill>
+                <a:latin typeface="Consolas" pitchFamily="49" charset="0"/>
+              </a:rPr>
+              <a:t>this</a:t>
+            </a:r>
+            <a:r>
+              <a:rPr lang="fr-FR" sz="1600" dirty="0" err="1">
+                <a:solidFill>
+                  <a:schemeClr val="bg1"/>
+                </a:solidFill>
+                <a:latin typeface="Consolas" pitchFamily="49" charset="0"/>
+              </a:rPr>
+              <a:t>.</a:t>
+            </a:r>
+            <a:r>
+              <a:rPr lang="fr-FR" sz="1600" dirty="0" err="1">
+                <a:solidFill>
+                  <a:srgbClr val="00B0F0"/>
+                </a:solidFill>
+                <a:latin typeface="Consolas" pitchFamily="49" charset="0"/>
+              </a:rPr>
+              <a:t>value</a:t>
+            </a:r>
+            <a:r>
+              <a:rPr lang="fr-FR" sz="1600" dirty="0">
+                <a:solidFill>
+                  <a:schemeClr val="bg1"/>
+                </a:solidFill>
+                <a:latin typeface="Consolas" pitchFamily="49" charset="0"/>
+              </a:rPr>
+              <a:t> = </a:t>
+            </a:r>
+            <a:r>
+              <a:rPr lang="fr-FR" sz="1600" dirty="0" err="1">
+                <a:solidFill>
+                  <a:srgbClr val="0070C0"/>
+                </a:solidFill>
+                <a:latin typeface="Consolas" pitchFamily="49" charset="0"/>
+              </a:rPr>
+              <a:t>this</a:t>
+            </a:r>
+            <a:r>
+              <a:rPr lang="fr-FR" sz="1600" dirty="0" err="1">
+                <a:solidFill>
+                  <a:schemeClr val="bg1"/>
+                </a:solidFill>
+                <a:latin typeface="Consolas" pitchFamily="49" charset="0"/>
+              </a:rPr>
+              <a:t>.</a:t>
+            </a:r>
+            <a:r>
+              <a:rPr lang="fr-FR" sz="1600" dirty="0" err="1">
+                <a:solidFill>
+                  <a:srgbClr val="D8F141"/>
+                </a:solidFill>
+                <a:latin typeface="Consolas" pitchFamily="49" charset="0"/>
+              </a:rPr>
+              <a:t>method</a:t>
+            </a:r>
+            <a:r>
+              <a:rPr lang="fr-FR" sz="1600" dirty="0">
+                <a:solidFill>
+                  <a:schemeClr val="bg1"/>
+                </a:solidFill>
+                <a:latin typeface="Consolas" pitchFamily="49" charset="0"/>
+              </a:rPr>
+              <a:t>(</a:t>
+            </a:r>
+            <a:r>
+              <a:rPr lang="fr-FR" sz="1600" dirty="0" err="1">
+                <a:solidFill>
+                  <a:srgbClr val="00B0F0"/>
+                </a:solidFill>
+                <a:latin typeface="Consolas" pitchFamily="49" charset="0"/>
+              </a:rPr>
+              <a:t>resultat</a:t>
+            </a:r>
+            <a:r>
+              <a:rPr lang="fr-FR" sz="1600" dirty="0">
+                <a:solidFill>
+                  <a:schemeClr val="bg1"/>
+                </a:solidFill>
+                <a:latin typeface="Consolas" pitchFamily="49" charset="0"/>
+              </a:rPr>
+              <a:t>);</a:t>
+            </a:r>
+          </a:p>
+          <a:p>
+            <a:r>
+              <a:rPr lang="fr-FR" sz="1600" dirty="0">
+                <a:solidFill>
+                  <a:schemeClr val="bg1"/>
+                </a:solidFill>
+                <a:latin typeface="Consolas" pitchFamily="49" charset="0"/>
+              </a:rPr>
+              <a:t>    });</a:t>
+            </a:r>
+          </a:p>
+          <a:p>
+            <a:r>
+              <a:rPr lang="fr-FR" sz="1600" dirty="0" smtClean="0">
+                <a:solidFill>
+                  <a:schemeClr val="bg1"/>
+                </a:solidFill>
+                <a:latin typeface="Consolas" pitchFamily="49" charset="0"/>
+              </a:rPr>
+              <a:t>  }</a:t>
+            </a:r>
+            <a:endParaRPr lang="fr-FR" sz="1600" dirty="0">
+              <a:solidFill>
+                <a:schemeClr val="bg1"/>
+              </a:solidFill>
+              <a:latin typeface="Consolas" pitchFamily="49" charset="0"/>
+            </a:endParaRPr>
+          </a:p>
+          <a:p>
+            <a:endParaRPr lang="fr-FR" sz="1600" dirty="0">
+              <a:solidFill>
+                <a:schemeClr val="bg1"/>
+              </a:solidFill>
+              <a:latin typeface="Consolas" pitchFamily="49" charset="0"/>
+            </a:endParaRPr>
+          </a:p>
+          <a:p>
+            <a:r>
+              <a:rPr lang="fr-FR" sz="1600" dirty="0">
+                <a:solidFill>
+                  <a:schemeClr val="bg1"/>
+                </a:solidFill>
+                <a:latin typeface="Consolas" pitchFamily="49" charset="0"/>
+              </a:rPr>
+              <a:t> </a:t>
+            </a:r>
+            <a:r>
+              <a:rPr lang="fr-FR" sz="1600" dirty="0" smtClean="0">
+                <a:solidFill>
+                  <a:schemeClr val="bg1"/>
+                </a:solidFill>
+                <a:latin typeface="Consolas" pitchFamily="49" charset="0"/>
+              </a:rPr>
+              <a:t> </a:t>
+            </a:r>
+            <a:r>
+              <a:rPr lang="fr-FR" sz="1600" dirty="0" smtClean="0">
+                <a:solidFill>
+                  <a:srgbClr val="0070C0"/>
+                </a:solidFill>
+                <a:latin typeface="Consolas" pitchFamily="49" charset="0"/>
+              </a:rPr>
+              <a:t>public</a:t>
+            </a:r>
+            <a:r>
+              <a:rPr lang="fr-FR" sz="1600" dirty="0" smtClean="0">
+                <a:solidFill>
+                  <a:schemeClr val="bg1"/>
+                </a:solidFill>
+                <a:latin typeface="Consolas" pitchFamily="49" charset="0"/>
+              </a:rPr>
+              <a:t> </a:t>
+            </a:r>
+            <a:r>
+              <a:rPr lang="fr-FR" sz="1600" dirty="0" err="1" smtClean="0">
+                <a:solidFill>
+                  <a:srgbClr val="D8F141"/>
+                </a:solidFill>
+                <a:latin typeface="Consolas" pitchFamily="49" charset="0"/>
+              </a:rPr>
+              <a:t>getCustomValue</a:t>
+            </a:r>
+            <a:r>
+              <a:rPr lang="fr-FR" sz="1600" dirty="0" smtClean="0">
+                <a:solidFill>
+                  <a:schemeClr val="bg1"/>
+                </a:solidFill>
+                <a:latin typeface="Consolas" pitchFamily="49" charset="0"/>
+              </a:rPr>
+              <a:t>(): </a:t>
+            </a:r>
+            <a:r>
+              <a:rPr lang="fr-FR" sz="1600" dirty="0" err="1">
+                <a:solidFill>
+                  <a:srgbClr val="92D050"/>
+                </a:solidFill>
+                <a:latin typeface="Consolas" pitchFamily="49" charset="0"/>
+              </a:rPr>
+              <a:t>CustomValue</a:t>
+            </a:r>
+            <a:r>
+              <a:rPr lang="fr-FR" sz="1600" dirty="0" smtClean="0">
+                <a:solidFill>
+                  <a:schemeClr val="bg1"/>
+                </a:solidFill>
+                <a:latin typeface="Consolas" pitchFamily="49" charset="0"/>
+              </a:rPr>
+              <a:t> {</a:t>
+            </a:r>
+          </a:p>
+          <a:p>
+            <a:r>
+              <a:rPr lang="fr-FR" sz="1600" dirty="0" smtClean="0">
+                <a:solidFill>
+                  <a:schemeClr val="bg1"/>
+                </a:solidFill>
+                <a:latin typeface="Consolas" pitchFamily="49" charset="0"/>
+              </a:rPr>
+              <a:t>    </a:t>
+            </a:r>
+            <a:r>
+              <a:rPr lang="fr-FR" sz="1600" dirty="0" smtClean="0">
+                <a:solidFill>
+                  <a:srgbClr val="7030A0"/>
+                </a:solidFill>
+                <a:latin typeface="Consolas" pitchFamily="49" charset="0"/>
+              </a:rPr>
+              <a:t>return</a:t>
+            </a:r>
+            <a:r>
+              <a:rPr lang="fr-FR" sz="1600" dirty="0" smtClean="0">
+                <a:solidFill>
+                  <a:schemeClr val="bg1"/>
+                </a:solidFill>
+                <a:latin typeface="Consolas" pitchFamily="49" charset="0"/>
+              </a:rPr>
+              <a:t> </a:t>
+            </a:r>
+            <a:r>
+              <a:rPr lang="fr-FR" sz="1600" dirty="0" err="1" smtClean="0">
+                <a:solidFill>
+                  <a:srgbClr val="0070C0"/>
+                </a:solidFill>
+                <a:latin typeface="Consolas" pitchFamily="49" charset="0"/>
+              </a:rPr>
+              <a:t>this</a:t>
+            </a:r>
+            <a:r>
+              <a:rPr lang="fr-FR" sz="1600" dirty="0" err="1" smtClean="0">
+                <a:solidFill>
+                  <a:schemeClr val="bg1"/>
+                </a:solidFill>
+                <a:latin typeface="Consolas" pitchFamily="49" charset="0"/>
+              </a:rPr>
+              <a:t>.</a:t>
+            </a:r>
+            <a:r>
+              <a:rPr lang="fr-FR" sz="1600" dirty="0" err="1" smtClean="0">
+                <a:solidFill>
+                  <a:srgbClr val="00B0F0"/>
+                </a:solidFill>
+                <a:latin typeface="Consolas" pitchFamily="49" charset="0"/>
+              </a:rPr>
+              <a:t>value</a:t>
+            </a:r>
+            <a:r>
+              <a:rPr lang="fr-FR" sz="1600" dirty="0" smtClean="0">
+                <a:solidFill>
+                  <a:schemeClr val="bg1"/>
+                </a:solidFill>
+                <a:latin typeface="Consolas" pitchFamily="49" charset="0"/>
+              </a:rPr>
+              <a:t>;</a:t>
+            </a:r>
+            <a:endParaRPr lang="fr-FR" sz="1600" dirty="0">
+              <a:solidFill>
+                <a:schemeClr val="bg1"/>
+              </a:solidFill>
+              <a:latin typeface="Consolas" pitchFamily="49" charset="0"/>
+            </a:endParaRPr>
+          </a:p>
+          <a:p>
+            <a:r>
+              <a:rPr lang="fr-FR" sz="1600" dirty="0" smtClean="0">
+                <a:solidFill>
+                  <a:schemeClr val="bg1"/>
+                </a:solidFill>
+                <a:latin typeface="Consolas" pitchFamily="49" charset="0"/>
+              </a:rPr>
+              <a:t>  }</a:t>
+            </a:r>
+          </a:p>
+          <a:p>
+            <a:endParaRPr lang="fr-FR" sz="1600" dirty="0">
+              <a:solidFill>
+                <a:schemeClr val="bg1"/>
+              </a:solidFill>
+              <a:latin typeface="Consolas" pitchFamily="49" charset="0"/>
+            </a:endParaRPr>
+          </a:p>
+          <a:p>
+            <a:r>
+              <a:rPr lang="fr-FR" sz="1600" dirty="0" smtClean="0">
+                <a:solidFill>
+                  <a:schemeClr val="bg1"/>
+                </a:solidFill>
+                <a:latin typeface="Consolas" pitchFamily="49" charset="0"/>
+              </a:rPr>
+              <a:t>  </a:t>
+            </a:r>
+            <a:r>
+              <a:rPr lang="fr-FR" sz="1600" dirty="0" err="1" smtClean="0">
+                <a:solidFill>
+                  <a:srgbClr val="0070C0"/>
+                </a:solidFill>
+                <a:latin typeface="Consolas" pitchFamily="49" charset="0"/>
+              </a:rPr>
+              <a:t>private</a:t>
+            </a:r>
+            <a:r>
+              <a:rPr lang="fr-FR" sz="1600" dirty="0" smtClean="0">
+                <a:solidFill>
+                  <a:schemeClr val="bg1"/>
+                </a:solidFill>
+                <a:latin typeface="Consolas" pitchFamily="49" charset="0"/>
+              </a:rPr>
+              <a:t> </a:t>
+            </a:r>
+            <a:r>
+              <a:rPr lang="fr-FR" sz="1600" dirty="0" err="1" smtClean="0">
+                <a:solidFill>
+                  <a:srgbClr val="D8F141"/>
+                </a:solidFill>
+                <a:latin typeface="Consolas" pitchFamily="49" charset="0"/>
+              </a:rPr>
+              <a:t>method</a:t>
+            </a:r>
+            <a:r>
+              <a:rPr lang="fr-FR" sz="1600" dirty="0" smtClean="0">
+                <a:solidFill>
+                  <a:schemeClr val="bg1"/>
+                </a:solidFill>
+                <a:latin typeface="Consolas" pitchFamily="49" charset="0"/>
+              </a:rPr>
+              <a:t>(</a:t>
+            </a:r>
+            <a:r>
+              <a:rPr lang="fr-FR" sz="1600" dirty="0" err="1" smtClean="0">
+                <a:solidFill>
+                  <a:srgbClr val="00B0F0"/>
+                </a:solidFill>
+                <a:latin typeface="Consolas" pitchFamily="49" charset="0"/>
+              </a:rPr>
+              <a:t>object</a:t>
+            </a:r>
+            <a:r>
+              <a:rPr lang="fr-FR" sz="1600" dirty="0" smtClean="0">
+                <a:solidFill>
+                  <a:schemeClr val="bg1"/>
+                </a:solidFill>
+                <a:latin typeface="Consolas" pitchFamily="49" charset="0"/>
+              </a:rPr>
+              <a:t>: </a:t>
+            </a:r>
+            <a:r>
+              <a:rPr lang="fr-FR" sz="1600" dirty="0" err="1" smtClean="0">
+                <a:solidFill>
+                  <a:srgbClr val="92D050"/>
+                </a:solidFill>
+                <a:latin typeface="Consolas" pitchFamily="49" charset="0"/>
+              </a:rPr>
+              <a:t>any</a:t>
+            </a:r>
+            <a:r>
+              <a:rPr lang="fr-FR" sz="1600" dirty="0" smtClean="0">
+                <a:solidFill>
+                  <a:schemeClr val="bg1"/>
+                </a:solidFill>
+                <a:latin typeface="Consolas" pitchFamily="49" charset="0"/>
+              </a:rPr>
+              <a:t>): </a:t>
+            </a:r>
+            <a:r>
+              <a:rPr lang="fr-FR" sz="1600" dirty="0" err="1">
+                <a:solidFill>
+                  <a:srgbClr val="92D050"/>
+                </a:solidFill>
+                <a:latin typeface="Consolas" pitchFamily="49" charset="0"/>
+              </a:rPr>
+              <a:t>CustomValue</a:t>
+            </a:r>
+            <a:r>
+              <a:rPr lang="fr-FR" sz="1600" dirty="0" smtClean="0">
+                <a:solidFill>
+                  <a:schemeClr val="bg1"/>
+                </a:solidFill>
+                <a:latin typeface="Consolas" pitchFamily="49" charset="0"/>
+              </a:rPr>
+              <a:t> { … }</a:t>
+            </a:r>
+            <a:endParaRPr lang="fr-FR" sz="1600" dirty="0">
+              <a:solidFill>
+                <a:schemeClr val="bg1"/>
+              </a:solidFill>
+              <a:latin typeface="Consolas" pitchFamily="49" charset="0"/>
+            </a:endParaRPr>
+          </a:p>
+          <a:p>
+            <a:r>
+              <a:rPr lang="fr-FR" sz="1600" dirty="0">
+                <a:solidFill>
+                  <a:schemeClr val="bg1"/>
+                </a:solidFill>
+                <a:latin typeface="Consolas" pitchFamily="49" charset="0"/>
+              </a:rPr>
+              <a:t>}</a:t>
+            </a:r>
+            <a:endParaRPr lang="fr-FR" sz="1600" dirty="0">
+              <a:solidFill>
+                <a:schemeClr val="bg1"/>
+              </a:solidFill>
+              <a:latin typeface="Consolas" pitchFamily="49" charset="0"/>
+            </a:endParaRPr>
+          </a:p>
+        </p:txBody>
+      </p:sp>
     </p:spTree>
     <p:extLst>
       <p:ext uri="{BB962C8B-B14F-4D97-AF65-F5344CB8AC3E}">
-        <p14:creationId xmlns:p14="http://schemas.microsoft.com/office/powerpoint/2010/main" val="3777427707"/>
+        <p14:creationId xmlns:p14="http://schemas.microsoft.com/office/powerpoint/2010/main" val="3081460500"/>
       </p:ext>
     </p:extLst>
   </p:cSld>
@@ -18552,12 +21469,5299 @@
       </p:grpSpPr>
       <p:sp>
         <p:nvSpPr>
-          <p:cNvPr id="3" name="Title 2"/>
+          <p:cNvPr id="2" name="Titre 1"/>
           <p:cNvSpPr>
             <a:spLocks noGrp="1"/>
           </p:cNvSpPr>
           <p:nvPr>
-            <p:ph type="ctrTitle"/>
+            <p:ph type="title"/>
+          </p:nvPr>
+        </p:nvSpPr>
+        <p:spPr/>
+        <p:txBody>
+          <a:bodyPr/>
+          <a:lstStyle/>
+          <a:p>
+            <a:r>
+              <a:rPr lang="fr-FR" dirty="0" smtClean="0"/>
+              <a:t>Tests unitaires</a:t>
+            </a:r>
+            <a:endParaRPr lang="fr-FR" dirty="0"/>
+          </a:p>
+        </p:txBody>
+      </p:sp>
+      <p:sp>
+        <p:nvSpPr>
+          <p:cNvPr id="3" name="Espace réservé du contenu 2"/>
+          <p:cNvSpPr>
+            <a:spLocks noGrp="1"/>
+          </p:cNvSpPr>
+          <p:nvPr>
+            <p:ph sz="quarter" idx="17"/>
+          </p:nvPr>
+        </p:nvSpPr>
+        <p:spPr/>
+        <p:txBody>
+          <a:bodyPr/>
+          <a:lstStyle/>
+          <a:p>
+            <a:r>
+              <a:rPr lang="fr-FR" dirty="0" smtClean="0"/>
+              <a:t>  </a:t>
+            </a:r>
+            <a:r>
+              <a:rPr lang="fr-FR" dirty="0" err="1" smtClean="0"/>
+              <a:t>custom</a:t>
+            </a:r>
+            <a:r>
+              <a:rPr lang="fr-FR" dirty="0" err="1" smtClean="0"/>
+              <a:t>.service.spec.ts</a:t>
+            </a:r>
+            <a:r>
+              <a:rPr lang="fr-FR" dirty="0" smtClean="0"/>
+              <a:t> (1/2)</a:t>
+            </a:r>
+            <a:endParaRPr lang="fr-FR" dirty="0" smtClean="0"/>
+          </a:p>
+          <a:p>
+            <a:pPr marL="342900" indent="-342900"/>
+            <a:endParaRPr lang="fr-FR" dirty="0" smtClean="0"/>
+          </a:p>
+        </p:txBody>
+      </p:sp>
+      <p:sp>
+        <p:nvSpPr>
+          <p:cNvPr id="4" name="Espace réservé du numéro de diapositive 3"/>
+          <p:cNvSpPr>
+            <a:spLocks noGrp="1"/>
+          </p:cNvSpPr>
+          <p:nvPr>
+            <p:ph type="sldNum" sz="quarter" idx="12"/>
+          </p:nvPr>
+        </p:nvSpPr>
+        <p:spPr/>
+        <p:txBody>
+          <a:bodyPr/>
+          <a:lstStyle/>
+          <a:p>
+            <a:fld id="{525A3C56-E491-49B2-93F3-63532DF516BC}" type="slidenum">
+              <a:rPr lang="en-GB" smtClean="0"/>
+              <a:pPr/>
+              <a:t>22</a:t>
+            </a:fld>
+            <a:endParaRPr lang="en-GB" dirty="0"/>
+          </a:p>
+        </p:txBody>
+      </p:sp>
+      <p:sp>
+        <p:nvSpPr>
+          <p:cNvPr id="7" name="Espace réservé du contenu 1"/>
+          <p:cNvSpPr txBox="1">
+            <a:spLocks/>
+          </p:cNvSpPr>
+          <p:nvPr/>
+        </p:nvSpPr>
+        <p:spPr>
+          <a:xfrm>
+            <a:off x="594347" y="1643931"/>
+            <a:ext cx="8209411" cy="4666138"/>
+          </a:xfrm>
+          <a:prstGeom prst="rect">
+            <a:avLst/>
+          </a:prstGeom>
+          <a:solidFill>
+            <a:schemeClr val="tx1">
+              <a:lumMod val="75000"/>
+            </a:schemeClr>
+          </a:solidFill>
+        </p:spPr>
+        <p:txBody>
+          <a:bodyPr lIns="0" tIns="0" rIns="0" bIns="0">
+            <a:normAutofit fontScale="85000" lnSpcReduction="20000"/>
+          </a:bodyPr>
+          <a:lstStyle>
+            <a:lvl1pPr marL="0" indent="0" algn="l" defTabSz="914400" rtl="0" eaLnBrk="1" latinLnBrk="0" hangingPunct="1">
+              <a:spcBef>
+                <a:spcPts val="500"/>
+              </a:spcBef>
+              <a:buClr>
+                <a:schemeClr val="accent1"/>
+              </a:buClr>
+              <a:buSzPct val="110000"/>
+              <a:buFont typeface="Arial" pitchFamily="34" charset="0"/>
+              <a:buNone/>
+              <a:defRPr sz="2000" kern="1200">
+                <a:solidFill>
+                  <a:schemeClr val="tx1"/>
+                </a:solidFill>
+                <a:latin typeface="Arial" pitchFamily="34" charset="0"/>
+                <a:ea typeface="+mn-ea"/>
+                <a:cs typeface="+mn-cs"/>
+              </a:defRPr>
+            </a:lvl1pPr>
+            <a:lvl2pPr marL="263525" indent="-263525" algn="l" defTabSz="914400" rtl="0" eaLnBrk="1" latinLnBrk="0" hangingPunct="1">
+              <a:spcBef>
+                <a:spcPts val="500"/>
+              </a:spcBef>
+              <a:buClr>
+                <a:schemeClr val="accent1"/>
+              </a:buClr>
+              <a:buSzPct val="110000"/>
+              <a:buFont typeface="Arial" pitchFamily="34" charset="0"/>
+              <a:buChar char="•"/>
+              <a:defRPr sz="2000" kern="1200" baseline="0">
+                <a:solidFill>
+                  <a:schemeClr val="tx1"/>
+                </a:solidFill>
+                <a:latin typeface="Arial" pitchFamily="34" charset="0"/>
+                <a:ea typeface="+mn-ea"/>
+                <a:cs typeface="+mn-cs"/>
+              </a:defRPr>
+            </a:lvl2pPr>
+            <a:lvl3pPr marL="536575" indent="-273050" algn="l" defTabSz="914400" rtl="0" eaLnBrk="1" latinLnBrk="0" hangingPunct="1">
+              <a:spcBef>
+                <a:spcPts val="500"/>
+              </a:spcBef>
+              <a:buClr>
+                <a:schemeClr val="accent1"/>
+              </a:buClr>
+              <a:buSzPct val="110000"/>
+              <a:buFont typeface="Arial" pitchFamily="34" charset="0"/>
+              <a:buChar char="•"/>
+              <a:defRPr sz="1800" kern="1200" baseline="0">
+                <a:solidFill>
+                  <a:schemeClr val="tx1"/>
+                </a:solidFill>
+                <a:latin typeface="Arial" pitchFamily="34" charset="0"/>
+                <a:ea typeface="+mn-ea"/>
+                <a:cs typeface="+mn-cs"/>
+              </a:defRPr>
+            </a:lvl3pPr>
+            <a:lvl4pPr marL="811213" indent="-274638" algn="l" defTabSz="914400" rtl="0" eaLnBrk="1" latinLnBrk="0" hangingPunct="1">
+              <a:spcBef>
+                <a:spcPts val="500"/>
+              </a:spcBef>
+              <a:buClr>
+                <a:schemeClr val="accent1"/>
+              </a:buClr>
+              <a:buSzPct val="110000"/>
+              <a:buFont typeface="Arial" pitchFamily="34" charset="0"/>
+              <a:buChar char="•"/>
+              <a:defRPr sz="1600" kern="1200" baseline="0">
+                <a:solidFill>
+                  <a:schemeClr val="tx1"/>
+                </a:solidFill>
+                <a:latin typeface="Arial" pitchFamily="34" charset="0"/>
+                <a:ea typeface="+mn-ea"/>
+                <a:cs typeface="+mn-cs"/>
+              </a:defRPr>
+            </a:lvl4pPr>
+            <a:lvl5pPr marL="1074738" indent="-263525" algn="l" defTabSz="914400" rtl="0" eaLnBrk="1" latinLnBrk="0" hangingPunct="1">
+              <a:spcBef>
+                <a:spcPts val="500"/>
+              </a:spcBef>
+              <a:buClr>
+                <a:schemeClr val="accent1"/>
+              </a:buClr>
+              <a:buSzPct val="110000"/>
+              <a:buFont typeface="Arial" pitchFamily="34" charset="0"/>
+              <a:buChar char="•"/>
+              <a:defRPr sz="1400" kern="1200" baseline="0">
+                <a:solidFill>
+                  <a:schemeClr val="tx1"/>
+                </a:solidFill>
+                <a:latin typeface="Arial" pitchFamily="34" charset="0"/>
+                <a:ea typeface="+mn-ea"/>
+                <a:cs typeface="+mn-cs"/>
+              </a:defRPr>
+            </a:lvl5pPr>
+            <a:lvl6pPr marL="1136650" indent="-215900" algn="l" defTabSz="914400" rtl="0" eaLnBrk="1" latinLnBrk="0" hangingPunct="1">
+              <a:spcBef>
+                <a:spcPts val="500"/>
+              </a:spcBef>
+              <a:buClr>
+                <a:schemeClr val="accent1"/>
+              </a:buClr>
+              <a:buFont typeface="Verdana" pitchFamily="34" charset="0"/>
+              <a:buNone/>
+              <a:defRPr sz="1400" kern="1200" baseline="0">
+                <a:solidFill>
+                  <a:schemeClr val="tx1"/>
+                </a:solidFill>
+                <a:latin typeface="+mn-lt"/>
+                <a:ea typeface="+mn-ea"/>
+                <a:cs typeface="+mn-cs"/>
+              </a:defRPr>
+            </a:lvl6pPr>
+            <a:lvl7pPr marL="1343025" indent="-228600" algn="l" defTabSz="914400" rtl="0" eaLnBrk="1" latinLnBrk="0" hangingPunct="1">
+              <a:spcBef>
+                <a:spcPts val="500"/>
+              </a:spcBef>
+              <a:buClr>
+                <a:schemeClr val="tx1">
+                  <a:lumMod val="60000"/>
+                  <a:lumOff val="40000"/>
+                </a:schemeClr>
+              </a:buClr>
+              <a:buFont typeface="Verdana" pitchFamily="34" charset="0"/>
+              <a:buChar char="•"/>
+              <a:defRPr sz="1400" kern="1200" baseline="0">
+                <a:solidFill>
+                  <a:schemeClr val="tx1"/>
+                </a:solidFill>
+                <a:latin typeface="+mn-lt"/>
+                <a:ea typeface="+mn-ea"/>
+                <a:cs typeface="+mn-cs"/>
+              </a:defRPr>
+            </a:lvl7pPr>
+            <a:lvl8pPr marL="3429000" indent="-228600" algn="l" defTabSz="914400" rtl="0" eaLnBrk="1" latinLnBrk="0" hangingPunct="1">
+              <a:spcBef>
+                <a:spcPct val="20000"/>
+              </a:spcBef>
+              <a:buFont typeface="Arial" pitchFamily="34" charset="0"/>
+              <a:buChar char="•"/>
+              <a:defRPr sz="2000" kern="1200">
+                <a:solidFill>
+                  <a:schemeClr val="tx1"/>
+                </a:solidFill>
+                <a:latin typeface="+mn-lt"/>
+                <a:ea typeface="+mn-ea"/>
+                <a:cs typeface="+mn-cs"/>
+              </a:defRPr>
+            </a:lvl8pPr>
+            <a:lvl9pPr marL="3886200" indent="-228600" algn="l" defTabSz="914400" rtl="0" eaLnBrk="1" latinLnBrk="0" hangingPunct="1">
+              <a:spcBef>
+                <a:spcPct val="20000"/>
+              </a:spcBef>
+              <a:buFont typeface="Arial" pitchFamily="34" charset="0"/>
+              <a:buChar char="•"/>
+              <a:defRPr sz="2000" kern="1200">
+                <a:solidFill>
+                  <a:schemeClr val="tx1"/>
+                </a:solidFill>
+                <a:latin typeface="+mn-lt"/>
+                <a:ea typeface="+mn-ea"/>
+                <a:cs typeface="+mn-cs"/>
+              </a:defRPr>
+            </a:lvl9pPr>
+          </a:lstStyle>
+          <a:p>
+            <a:r>
+              <a:rPr lang="fr-FR" sz="1600" dirty="0" smtClean="0">
+                <a:solidFill>
+                  <a:srgbClr val="0070C0"/>
+                </a:solidFill>
+                <a:latin typeface="Consolas" pitchFamily="49" charset="0"/>
+              </a:rPr>
+              <a:t>let </a:t>
+            </a:r>
+            <a:r>
+              <a:rPr lang="fr-FR" sz="1600" dirty="0" err="1" smtClean="0">
+                <a:solidFill>
+                  <a:srgbClr val="00B0F0"/>
+                </a:solidFill>
+                <a:latin typeface="Consolas" pitchFamily="49" charset="0"/>
+              </a:rPr>
+              <a:t>customService</a:t>
+            </a:r>
+            <a:r>
+              <a:rPr lang="fr-FR" sz="1600" dirty="0">
+                <a:solidFill>
+                  <a:schemeClr val="bg1"/>
+                </a:solidFill>
+                <a:latin typeface="Consolas" pitchFamily="49" charset="0"/>
+              </a:rPr>
+              <a:t>;</a:t>
+            </a:r>
+            <a:endParaRPr lang="fr-FR" sz="1600" dirty="0" smtClean="0">
+              <a:solidFill>
+                <a:schemeClr val="bg1"/>
+              </a:solidFill>
+              <a:latin typeface="Consolas" pitchFamily="49" charset="0"/>
+            </a:endParaRPr>
+          </a:p>
+          <a:p>
+            <a:r>
+              <a:rPr lang="fr-FR" sz="1600" dirty="0">
+                <a:solidFill>
+                  <a:srgbClr val="0070C0"/>
+                </a:solidFill>
+                <a:latin typeface="Consolas" pitchFamily="49" charset="0"/>
+              </a:rPr>
+              <a:t>let </a:t>
+            </a:r>
+            <a:r>
+              <a:rPr lang="fr-FR" sz="1600" dirty="0" err="1" smtClean="0">
+                <a:solidFill>
+                  <a:srgbClr val="00B0F0"/>
+                </a:solidFill>
+                <a:latin typeface="Consolas" pitchFamily="49" charset="0"/>
+              </a:rPr>
+              <a:t>otherServiceSpy</a:t>
+            </a:r>
+            <a:r>
+              <a:rPr lang="fr-FR" sz="1600" dirty="0" smtClean="0">
+                <a:solidFill>
+                  <a:schemeClr val="bg1"/>
+                </a:solidFill>
+                <a:latin typeface="Consolas" pitchFamily="49" charset="0"/>
+              </a:rPr>
+              <a:t>;</a:t>
+            </a:r>
+            <a:endParaRPr lang="fr-FR" sz="1600" dirty="0">
+              <a:solidFill>
+                <a:schemeClr val="bg1"/>
+              </a:solidFill>
+              <a:latin typeface="Consolas" pitchFamily="49" charset="0"/>
+            </a:endParaRPr>
+          </a:p>
+          <a:p>
+            <a:endParaRPr lang="fr-FR" sz="1600" dirty="0">
+              <a:solidFill>
+                <a:srgbClr val="0070C0"/>
+              </a:solidFill>
+              <a:latin typeface="Consolas" pitchFamily="49" charset="0"/>
+            </a:endParaRPr>
+          </a:p>
+          <a:p>
+            <a:r>
+              <a:rPr lang="fr-FR" sz="1600" dirty="0" err="1" smtClean="0">
+                <a:solidFill>
+                  <a:srgbClr val="0070C0"/>
+                </a:solidFill>
+                <a:latin typeface="Consolas" pitchFamily="49" charset="0"/>
+              </a:rPr>
+              <a:t>describe</a:t>
+            </a:r>
+            <a:r>
+              <a:rPr lang="fr-FR" sz="1600" dirty="0" smtClean="0">
+                <a:solidFill>
+                  <a:schemeClr val="bg1"/>
+                </a:solidFill>
+                <a:latin typeface="Consolas" pitchFamily="49" charset="0"/>
+              </a:rPr>
+              <a:t>(</a:t>
+            </a:r>
+            <a:r>
+              <a:rPr lang="fr-FR" sz="1600" dirty="0" smtClean="0">
+                <a:solidFill>
+                  <a:schemeClr val="accent5"/>
+                </a:solidFill>
+                <a:latin typeface="Consolas" pitchFamily="49" charset="0"/>
+              </a:rPr>
+              <a:t>'Test </a:t>
+            </a:r>
+            <a:r>
+              <a:rPr lang="fr-FR" sz="1600" dirty="0" err="1" smtClean="0">
+                <a:solidFill>
+                  <a:schemeClr val="accent5"/>
+                </a:solidFill>
+                <a:latin typeface="Consolas" pitchFamily="49" charset="0"/>
+              </a:rPr>
+              <a:t>CustomService</a:t>
+            </a:r>
+            <a:r>
+              <a:rPr lang="fr-FR" sz="1600" dirty="0" smtClean="0">
+                <a:solidFill>
+                  <a:schemeClr val="accent5"/>
+                </a:solidFill>
+                <a:latin typeface="Consolas" pitchFamily="49" charset="0"/>
+              </a:rPr>
+              <a:t>'</a:t>
+            </a:r>
+            <a:r>
+              <a:rPr lang="fr-FR" sz="1600" dirty="0" smtClean="0">
+                <a:solidFill>
+                  <a:schemeClr val="bg1"/>
+                </a:solidFill>
+                <a:latin typeface="Consolas" pitchFamily="49" charset="0"/>
+              </a:rPr>
+              <a:t>, </a:t>
+            </a:r>
+            <a:r>
+              <a:rPr lang="fr-FR" sz="1600" dirty="0">
+                <a:solidFill>
+                  <a:schemeClr val="bg1"/>
+                </a:solidFill>
+                <a:latin typeface="Consolas" pitchFamily="49" charset="0"/>
+              </a:rPr>
+              <a:t>() =&gt; {</a:t>
+            </a:r>
+          </a:p>
+          <a:p>
+            <a:r>
+              <a:rPr lang="fr-FR" sz="1600" dirty="0" smtClean="0">
+                <a:solidFill>
+                  <a:schemeClr val="bg1"/>
+                </a:solidFill>
+                <a:latin typeface="Consolas" pitchFamily="49" charset="0"/>
+              </a:rPr>
+              <a:t>  </a:t>
+            </a:r>
+            <a:r>
+              <a:rPr lang="fr-FR" sz="1600" dirty="0" err="1" smtClean="0">
+                <a:solidFill>
+                  <a:srgbClr val="D8F141"/>
+                </a:solidFill>
+                <a:latin typeface="Consolas" pitchFamily="49" charset="0"/>
+              </a:rPr>
+              <a:t>beforeEach</a:t>
+            </a:r>
+            <a:r>
+              <a:rPr lang="fr-FR" sz="1600" dirty="0" smtClean="0">
+                <a:solidFill>
+                  <a:schemeClr val="bg1"/>
+                </a:solidFill>
+                <a:latin typeface="Consolas" pitchFamily="49" charset="0"/>
+              </a:rPr>
+              <a:t>(() </a:t>
+            </a:r>
+            <a:r>
+              <a:rPr lang="fr-FR" sz="1600" dirty="0">
+                <a:solidFill>
+                  <a:schemeClr val="bg1"/>
+                </a:solidFill>
+                <a:latin typeface="Consolas" pitchFamily="49" charset="0"/>
+              </a:rPr>
+              <a:t>=&gt; </a:t>
+            </a:r>
+            <a:r>
+              <a:rPr lang="fr-FR" sz="1600" dirty="0" smtClean="0">
+                <a:solidFill>
+                  <a:schemeClr val="bg1"/>
+                </a:solidFill>
+                <a:latin typeface="Consolas" pitchFamily="49" charset="0"/>
+              </a:rPr>
+              <a:t>{</a:t>
+            </a:r>
+          </a:p>
+          <a:p>
+            <a:r>
+              <a:rPr lang="fr-FR" sz="1600" dirty="0" smtClean="0">
+                <a:solidFill>
+                  <a:schemeClr val="bg1"/>
+                </a:solidFill>
+                <a:latin typeface="Consolas" pitchFamily="49" charset="0"/>
+              </a:rPr>
+              <a:t>    </a:t>
+            </a:r>
+            <a:r>
+              <a:rPr lang="fr-FR" sz="1600" dirty="0" err="1" smtClean="0">
+                <a:solidFill>
+                  <a:srgbClr val="0070C0"/>
+                </a:solidFill>
+                <a:latin typeface="Consolas" pitchFamily="49" charset="0"/>
+              </a:rPr>
+              <a:t>const</a:t>
+            </a:r>
+            <a:r>
+              <a:rPr lang="fr-FR" sz="1600" dirty="0" smtClean="0">
+                <a:solidFill>
+                  <a:schemeClr val="bg1"/>
+                </a:solidFill>
+                <a:latin typeface="Consolas" pitchFamily="49" charset="0"/>
+              </a:rPr>
+              <a:t> </a:t>
+            </a:r>
+            <a:r>
+              <a:rPr lang="fr-FR" sz="1600" dirty="0" err="1" smtClean="0">
+                <a:solidFill>
+                  <a:srgbClr val="00B0F0"/>
+                </a:solidFill>
+                <a:latin typeface="Consolas" pitchFamily="49" charset="0"/>
+              </a:rPr>
+              <a:t>spy</a:t>
+            </a:r>
+            <a:r>
+              <a:rPr lang="fr-FR" sz="1600" dirty="0" smtClean="0">
+                <a:solidFill>
+                  <a:schemeClr val="bg1"/>
+                </a:solidFill>
+                <a:latin typeface="Consolas" pitchFamily="49" charset="0"/>
+              </a:rPr>
+              <a:t> </a:t>
+            </a:r>
+            <a:r>
+              <a:rPr lang="fr-FR" sz="1600" dirty="0">
+                <a:solidFill>
+                  <a:schemeClr val="bg1"/>
+                </a:solidFill>
+                <a:latin typeface="Consolas" pitchFamily="49" charset="0"/>
+              </a:rPr>
+              <a:t>= </a:t>
+            </a:r>
+            <a:r>
+              <a:rPr lang="fr-FR" sz="1600" dirty="0" err="1">
+                <a:solidFill>
+                  <a:srgbClr val="00B0F0"/>
+                </a:solidFill>
+                <a:latin typeface="Consolas" pitchFamily="49" charset="0"/>
+              </a:rPr>
+              <a:t>jest</a:t>
+            </a:r>
+            <a:r>
+              <a:rPr lang="fr-FR" sz="1600" dirty="0" err="1">
+                <a:solidFill>
+                  <a:schemeClr val="bg1"/>
+                </a:solidFill>
+                <a:latin typeface="Consolas" pitchFamily="49" charset="0"/>
+              </a:rPr>
+              <a:t>.</a:t>
+            </a:r>
+            <a:r>
+              <a:rPr lang="fr-FR" sz="1600" dirty="0" err="1">
+                <a:solidFill>
+                  <a:srgbClr val="D8F141"/>
+                </a:solidFill>
+                <a:latin typeface="Consolas" pitchFamily="49" charset="0"/>
+              </a:rPr>
+              <a:t>spyOn</a:t>
+            </a:r>
+            <a:r>
+              <a:rPr lang="fr-FR" sz="1600" dirty="0" smtClean="0">
+                <a:solidFill>
+                  <a:schemeClr val="bg1"/>
+                </a:solidFill>
+                <a:latin typeface="Consolas" pitchFamily="49" charset="0"/>
+              </a:rPr>
+              <a:t>(</a:t>
+            </a:r>
+            <a:r>
+              <a:rPr lang="fr-FR" sz="1600" dirty="0" smtClean="0">
+                <a:solidFill>
+                  <a:schemeClr val="accent5"/>
+                </a:solidFill>
+                <a:latin typeface="Consolas" pitchFamily="49" charset="0"/>
+              </a:rPr>
+              <a:t>'</a:t>
+            </a:r>
+            <a:r>
+              <a:rPr lang="fr-FR" sz="1600" dirty="0" err="1" smtClean="0">
+                <a:solidFill>
+                  <a:schemeClr val="accent5"/>
+                </a:solidFill>
+                <a:latin typeface="Consolas" pitchFamily="49" charset="0"/>
+              </a:rPr>
+              <a:t>OtherService</a:t>
+            </a:r>
+            <a:r>
+              <a:rPr lang="fr-FR" sz="1600" dirty="0" smtClean="0">
+                <a:solidFill>
+                  <a:schemeClr val="accent5"/>
+                </a:solidFill>
+                <a:latin typeface="Consolas" pitchFamily="49" charset="0"/>
+              </a:rPr>
+              <a:t>'</a:t>
+            </a:r>
+            <a:r>
+              <a:rPr lang="fr-FR" sz="1600" dirty="0" smtClean="0">
+                <a:solidFill>
+                  <a:schemeClr val="bg1"/>
+                </a:solidFill>
+                <a:latin typeface="Consolas" pitchFamily="49" charset="0"/>
+              </a:rPr>
+              <a:t>, </a:t>
+            </a:r>
+            <a:r>
+              <a:rPr lang="fr-FR" sz="1600" dirty="0" smtClean="0">
+                <a:solidFill>
+                  <a:schemeClr val="accent5"/>
+                </a:solidFill>
+                <a:latin typeface="Consolas" pitchFamily="49" charset="0"/>
+              </a:rPr>
+              <a:t>'</a:t>
+            </a:r>
+            <a:r>
+              <a:rPr lang="fr-FR" sz="1600" dirty="0" err="1" smtClean="0">
+                <a:solidFill>
+                  <a:schemeClr val="accent5"/>
+                </a:solidFill>
+                <a:latin typeface="Consolas" pitchFamily="49" charset="0"/>
+              </a:rPr>
+              <a:t>otherMethod</a:t>
+            </a:r>
+            <a:r>
+              <a:rPr lang="fr-FR" sz="1600" dirty="0" smtClean="0">
+                <a:solidFill>
+                  <a:schemeClr val="accent5"/>
+                </a:solidFill>
+                <a:latin typeface="Consolas" pitchFamily="49" charset="0"/>
+              </a:rPr>
+              <a:t>'</a:t>
+            </a:r>
+            <a:r>
+              <a:rPr lang="fr-FR" sz="1600" dirty="0" smtClean="0">
+                <a:solidFill>
+                  <a:schemeClr val="bg1"/>
+                </a:solidFill>
+                <a:latin typeface="Consolas" pitchFamily="49" charset="0"/>
+              </a:rPr>
+              <a:t>);</a:t>
+            </a:r>
+            <a:endParaRPr lang="fr-FR" sz="1600" dirty="0">
+              <a:solidFill>
+                <a:schemeClr val="bg1"/>
+              </a:solidFill>
+              <a:latin typeface="Consolas" pitchFamily="49" charset="0"/>
+            </a:endParaRPr>
+          </a:p>
+          <a:p>
+            <a:r>
+              <a:rPr lang="fr-FR" sz="1600" dirty="0">
+                <a:solidFill>
+                  <a:schemeClr val="bg1"/>
+                </a:solidFill>
+                <a:latin typeface="Consolas" pitchFamily="49" charset="0"/>
+              </a:rPr>
+              <a:t>    </a:t>
+            </a:r>
+            <a:r>
+              <a:rPr lang="fr-FR" sz="1600" dirty="0" err="1">
+                <a:solidFill>
+                  <a:srgbClr val="00B0F0"/>
+                </a:solidFill>
+                <a:latin typeface="Consolas" pitchFamily="49" charset="0"/>
+              </a:rPr>
+              <a:t>TestBed</a:t>
+            </a:r>
+            <a:r>
+              <a:rPr lang="fr-FR" sz="1600" dirty="0" err="1">
+                <a:solidFill>
+                  <a:schemeClr val="bg1"/>
+                </a:solidFill>
+                <a:latin typeface="Consolas" pitchFamily="49" charset="0"/>
+              </a:rPr>
+              <a:t>.</a:t>
+            </a:r>
+            <a:r>
+              <a:rPr lang="fr-FR" sz="1600" dirty="0" err="1">
+                <a:solidFill>
+                  <a:srgbClr val="D8F141"/>
+                </a:solidFill>
+                <a:latin typeface="Consolas" pitchFamily="49" charset="0"/>
+              </a:rPr>
+              <a:t>configureTestingModule</a:t>
+            </a:r>
+            <a:r>
+              <a:rPr lang="fr-FR" sz="1600" dirty="0">
+                <a:solidFill>
+                  <a:schemeClr val="bg1"/>
+                </a:solidFill>
+                <a:latin typeface="Consolas" pitchFamily="49" charset="0"/>
+              </a:rPr>
+              <a:t>({</a:t>
+            </a:r>
+          </a:p>
+          <a:p>
+            <a:r>
+              <a:rPr lang="fr-FR" sz="1600" dirty="0">
+                <a:solidFill>
+                  <a:schemeClr val="bg1"/>
+                </a:solidFill>
+                <a:latin typeface="Consolas" pitchFamily="49" charset="0"/>
+              </a:rPr>
+              <a:t>      </a:t>
+            </a:r>
+            <a:r>
+              <a:rPr lang="fr-FR" sz="1600" dirty="0" smtClean="0">
+                <a:solidFill>
+                  <a:srgbClr val="00B0F0"/>
+                </a:solidFill>
+                <a:latin typeface="Consolas" pitchFamily="49" charset="0"/>
+              </a:rPr>
+              <a:t>providers</a:t>
+            </a:r>
+            <a:r>
+              <a:rPr lang="fr-FR" sz="1600" dirty="0">
+                <a:solidFill>
+                  <a:schemeClr val="bg1"/>
+                </a:solidFill>
+                <a:latin typeface="Consolas" pitchFamily="49" charset="0"/>
+              </a:rPr>
+              <a:t>: [</a:t>
+            </a:r>
+          </a:p>
+          <a:p>
+            <a:r>
+              <a:rPr lang="fr-FR" sz="1600" dirty="0">
+                <a:solidFill>
+                  <a:schemeClr val="bg1"/>
+                </a:solidFill>
+                <a:latin typeface="Consolas" pitchFamily="49" charset="0"/>
+              </a:rPr>
+              <a:t> </a:t>
+            </a:r>
+            <a:r>
+              <a:rPr lang="fr-FR" sz="1600" dirty="0" smtClean="0">
+                <a:solidFill>
+                  <a:schemeClr val="bg1"/>
+                </a:solidFill>
+                <a:latin typeface="Consolas" pitchFamily="49" charset="0"/>
+              </a:rPr>
+              <a:t>           </a:t>
+            </a:r>
+            <a:r>
+              <a:rPr lang="fr-FR" sz="1600" dirty="0" err="1" smtClean="0">
+                <a:solidFill>
+                  <a:srgbClr val="00B0F0"/>
+                </a:solidFill>
+                <a:latin typeface="Consolas" pitchFamily="49" charset="0"/>
+              </a:rPr>
+              <a:t>CustomService</a:t>
+            </a:r>
+            <a:r>
+              <a:rPr lang="fr-FR" sz="1600" dirty="0" smtClean="0">
+                <a:solidFill>
+                  <a:schemeClr val="bg1"/>
+                </a:solidFill>
+                <a:latin typeface="Consolas" pitchFamily="49" charset="0"/>
+              </a:rPr>
+              <a:t>,</a:t>
+            </a:r>
+            <a:endParaRPr lang="fr-FR" sz="1600" dirty="0">
+              <a:solidFill>
+                <a:schemeClr val="bg1"/>
+              </a:solidFill>
+              <a:latin typeface="Consolas" pitchFamily="49" charset="0"/>
+            </a:endParaRPr>
+          </a:p>
+          <a:p>
+            <a:r>
+              <a:rPr lang="fr-FR" sz="1600" dirty="0">
+                <a:solidFill>
+                  <a:schemeClr val="bg1"/>
+                </a:solidFill>
+                <a:latin typeface="Consolas" pitchFamily="49" charset="0"/>
+              </a:rPr>
+              <a:t>            </a:t>
+            </a:r>
+            <a:r>
+              <a:rPr lang="fr-FR" sz="1600" dirty="0" smtClean="0">
+                <a:solidFill>
+                  <a:schemeClr val="bg1"/>
+                </a:solidFill>
+                <a:latin typeface="Consolas" pitchFamily="49" charset="0"/>
+              </a:rPr>
+              <a:t>{ </a:t>
+            </a:r>
+            <a:r>
+              <a:rPr lang="fr-FR" sz="1600" dirty="0" err="1" smtClean="0">
+                <a:solidFill>
+                  <a:srgbClr val="00B0F0"/>
+                </a:solidFill>
+                <a:latin typeface="Consolas" pitchFamily="49" charset="0"/>
+              </a:rPr>
+              <a:t>provide</a:t>
+            </a:r>
+            <a:r>
+              <a:rPr lang="fr-FR" sz="1600" dirty="0">
+                <a:solidFill>
+                  <a:schemeClr val="bg1"/>
+                </a:solidFill>
+                <a:latin typeface="Consolas" pitchFamily="49" charset="0"/>
+              </a:rPr>
+              <a:t>: </a:t>
+            </a:r>
+            <a:r>
+              <a:rPr lang="fr-FR" sz="1600" dirty="0" err="1" smtClean="0">
+                <a:solidFill>
+                  <a:srgbClr val="00B0F0"/>
+                </a:solidFill>
+                <a:latin typeface="Consolas" pitchFamily="49" charset="0"/>
+              </a:rPr>
+              <a:t>OtherService</a:t>
+            </a:r>
+            <a:r>
+              <a:rPr lang="fr-FR" sz="1600" dirty="0" smtClean="0">
+                <a:solidFill>
+                  <a:schemeClr val="bg1"/>
+                </a:solidFill>
+                <a:latin typeface="Consolas" pitchFamily="49" charset="0"/>
+              </a:rPr>
+              <a:t>, </a:t>
+            </a:r>
+            <a:r>
+              <a:rPr lang="fr-FR" sz="1600" dirty="0" err="1" smtClean="0">
+                <a:solidFill>
+                  <a:srgbClr val="00B0F0"/>
+                </a:solidFill>
+                <a:latin typeface="Consolas" pitchFamily="49" charset="0"/>
+              </a:rPr>
+              <a:t>useValue</a:t>
+            </a:r>
+            <a:r>
+              <a:rPr lang="fr-FR" sz="1600" dirty="0">
+                <a:solidFill>
+                  <a:schemeClr val="bg1"/>
+                </a:solidFill>
+                <a:latin typeface="Consolas" pitchFamily="49" charset="0"/>
+              </a:rPr>
+              <a:t>: </a:t>
+            </a:r>
+            <a:r>
+              <a:rPr lang="fr-FR" sz="1600" dirty="0" err="1" smtClean="0">
+                <a:solidFill>
+                  <a:srgbClr val="00B0F0"/>
+                </a:solidFill>
+                <a:latin typeface="Consolas" pitchFamily="49" charset="0"/>
+              </a:rPr>
+              <a:t>spy</a:t>
+            </a:r>
+            <a:r>
+              <a:rPr lang="fr-FR" sz="1600" dirty="0" smtClean="0">
+                <a:solidFill>
+                  <a:schemeClr val="bg1"/>
+                </a:solidFill>
+                <a:latin typeface="Consolas" pitchFamily="49" charset="0"/>
+              </a:rPr>
+              <a:t> }</a:t>
+            </a:r>
+            <a:endParaRPr lang="fr-FR" sz="1600" dirty="0">
+              <a:solidFill>
+                <a:schemeClr val="bg1"/>
+              </a:solidFill>
+              <a:latin typeface="Consolas" pitchFamily="49" charset="0"/>
+            </a:endParaRPr>
+          </a:p>
+          <a:p>
+            <a:r>
+              <a:rPr lang="fr-FR" sz="1600" dirty="0">
+                <a:solidFill>
+                  <a:schemeClr val="bg1"/>
+                </a:solidFill>
+                <a:latin typeface="Consolas" pitchFamily="49" charset="0"/>
+              </a:rPr>
+              <a:t>        ]</a:t>
+            </a:r>
+          </a:p>
+          <a:p>
+            <a:r>
+              <a:rPr lang="fr-FR" sz="1600" dirty="0">
+                <a:solidFill>
+                  <a:schemeClr val="bg1"/>
+                </a:solidFill>
+                <a:latin typeface="Consolas" pitchFamily="49" charset="0"/>
+              </a:rPr>
+              <a:t>    </a:t>
+            </a:r>
+            <a:r>
+              <a:rPr lang="fr-FR" sz="1600" dirty="0" smtClean="0">
+                <a:solidFill>
+                  <a:schemeClr val="bg1"/>
+                </a:solidFill>
+                <a:latin typeface="Consolas" pitchFamily="49" charset="0"/>
+              </a:rPr>
+              <a:t>});</a:t>
+            </a:r>
+          </a:p>
+          <a:p>
+            <a:r>
+              <a:rPr lang="fr-FR" sz="1600" dirty="0">
+                <a:solidFill>
+                  <a:schemeClr val="bg1"/>
+                </a:solidFill>
+                <a:latin typeface="Consolas" pitchFamily="49" charset="0"/>
+              </a:rPr>
+              <a:t> </a:t>
+            </a:r>
+            <a:r>
+              <a:rPr lang="fr-FR" sz="1600" dirty="0" smtClean="0">
+                <a:solidFill>
+                  <a:schemeClr val="bg1"/>
+                </a:solidFill>
+                <a:latin typeface="Consolas" pitchFamily="49" charset="0"/>
+              </a:rPr>
+              <a:t>   </a:t>
+            </a:r>
+            <a:r>
+              <a:rPr lang="fr-FR" sz="1600" dirty="0" smtClean="0">
+                <a:solidFill>
+                  <a:srgbClr val="00B050"/>
+                </a:solidFill>
+                <a:latin typeface="Consolas" pitchFamily="49" charset="0"/>
+              </a:rPr>
+              <a:t>// Injection</a:t>
+            </a:r>
+          </a:p>
+          <a:p>
+            <a:r>
+              <a:rPr lang="fr-FR" sz="1600" dirty="0">
+                <a:solidFill>
+                  <a:srgbClr val="00B050"/>
+                </a:solidFill>
+                <a:latin typeface="Consolas" pitchFamily="49" charset="0"/>
+              </a:rPr>
+              <a:t> </a:t>
+            </a:r>
+            <a:r>
+              <a:rPr lang="fr-FR" sz="1600" dirty="0" smtClean="0">
+                <a:solidFill>
+                  <a:srgbClr val="00B050"/>
+                </a:solidFill>
+                <a:latin typeface="Consolas" pitchFamily="49" charset="0"/>
+              </a:rPr>
+              <a:t>   </a:t>
+            </a:r>
+            <a:r>
+              <a:rPr lang="fr-FR" sz="1600" dirty="0" err="1" smtClean="0">
+                <a:solidFill>
+                  <a:srgbClr val="00B0F0"/>
+                </a:solidFill>
+                <a:latin typeface="Consolas" pitchFamily="49" charset="0"/>
+              </a:rPr>
+              <a:t>customService</a:t>
+            </a:r>
+            <a:r>
+              <a:rPr lang="fr-FR" sz="1600" dirty="0" smtClean="0">
+                <a:solidFill>
+                  <a:schemeClr val="bg1"/>
+                </a:solidFill>
+                <a:latin typeface="Consolas" pitchFamily="49" charset="0"/>
+              </a:rPr>
+              <a:t> </a:t>
+            </a:r>
+            <a:r>
+              <a:rPr lang="fr-FR" sz="1600" dirty="0">
+                <a:solidFill>
+                  <a:schemeClr val="bg1"/>
+                </a:solidFill>
+                <a:latin typeface="Consolas" pitchFamily="49" charset="0"/>
+              </a:rPr>
+              <a:t>= </a:t>
+            </a:r>
+            <a:r>
+              <a:rPr lang="fr-FR" sz="1600" dirty="0" err="1" smtClean="0">
+                <a:solidFill>
+                  <a:srgbClr val="00B0F0"/>
+                </a:solidFill>
+                <a:latin typeface="Consolas" pitchFamily="49" charset="0"/>
+              </a:rPr>
+              <a:t>TestBed</a:t>
+            </a:r>
+            <a:r>
+              <a:rPr lang="fr-FR" sz="1600" dirty="0" err="1" smtClean="0">
+                <a:solidFill>
+                  <a:schemeClr val="bg1"/>
+                </a:solidFill>
+                <a:latin typeface="Consolas" pitchFamily="49" charset="0"/>
+              </a:rPr>
+              <a:t>.</a:t>
+            </a:r>
+            <a:r>
+              <a:rPr lang="fr-FR" sz="1600" dirty="0" err="1" smtClean="0">
+                <a:solidFill>
+                  <a:srgbClr val="D8F141"/>
+                </a:solidFill>
+                <a:latin typeface="Consolas" pitchFamily="49" charset="0"/>
+              </a:rPr>
+              <a:t>get</a:t>
+            </a:r>
+            <a:r>
+              <a:rPr lang="fr-FR" sz="1600" dirty="0" smtClean="0">
+                <a:solidFill>
+                  <a:schemeClr val="bg1"/>
+                </a:solidFill>
+                <a:latin typeface="Consolas" pitchFamily="49" charset="0"/>
+              </a:rPr>
+              <a:t>(</a:t>
+            </a:r>
+            <a:r>
+              <a:rPr lang="fr-FR" sz="1600" dirty="0" err="1">
+                <a:solidFill>
+                  <a:srgbClr val="00B0F0"/>
+                </a:solidFill>
+                <a:latin typeface="Consolas" pitchFamily="49" charset="0"/>
+              </a:rPr>
+              <a:t>CustomService</a:t>
+            </a:r>
+            <a:r>
+              <a:rPr lang="fr-FR" sz="1600" dirty="0" smtClean="0">
+                <a:solidFill>
+                  <a:schemeClr val="bg1"/>
+                </a:solidFill>
+                <a:latin typeface="Consolas" pitchFamily="49" charset="0"/>
+              </a:rPr>
+              <a:t>);</a:t>
+            </a:r>
+            <a:endParaRPr lang="fr-FR" sz="1600" dirty="0">
+              <a:solidFill>
+                <a:schemeClr val="bg1"/>
+              </a:solidFill>
+              <a:latin typeface="Consolas" pitchFamily="49" charset="0"/>
+            </a:endParaRPr>
+          </a:p>
+          <a:p>
+            <a:r>
+              <a:rPr lang="fr-FR" sz="1600" dirty="0">
+                <a:solidFill>
+                  <a:schemeClr val="bg1"/>
+                </a:solidFill>
+                <a:latin typeface="Consolas" pitchFamily="49" charset="0"/>
+              </a:rPr>
+              <a:t>  </a:t>
+            </a:r>
+            <a:r>
+              <a:rPr lang="fr-FR" sz="1600" dirty="0" smtClean="0">
+                <a:solidFill>
+                  <a:schemeClr val="bg1"/>
+                </a:solidFill>
+                <a:latin typeface="Consolas" pitchFamily="49" charset="0"/>
+              </a:rPr>
+              <a:t>  </a:t>
+            </a:r>
+            <a:r>
+              <a:rPr lang="fr-FR" sz="1600" dirty="0" err="1" smtClean="0">
+                <a:solidFill>
+                  <a:srgbClr val="00B0F0"/>
+                </a:solidFill>
+                <a:latin typeface="Consolas" pitchFamily="49" charset="0"/>
+              </a:rPr>
+              <a:t>otherServiceSpy</a:t>
+            </a:r>
+            <a:r>
+              <a:rPr lang="fr-FR" sz="1600" dirty="0" smtClean="0">
+                <a:solidFill>
+                  <a:schemeClr val="bg1"/>
+                </a:solidFill>
+                <a:latin typeface="Consolas" pitchFamily="49" charset="0"/>
+              </a:rPr>
+              <a:t> </a:t>
+            </a:r>
+            <a:r>
+              <a:rPr lang="fr-FR" sz="1600" dirty="0">
+                <a:solidFill>
+                  <a:schemeClr val="bg1"/>
+                </a:solidFill>
+                <a:latin typeface="Consolas" pitchFamily="49" charset="0"/>
+              </a:rPr>
+              <a:t>= </a:t>
+            </a:r>
+            <a:r>
+              <a:rPr lang="fr-FR" sz="1600" dirty="0" err="1" smtClean="0">
+                <a:solidFill>
+                  <a:srgbClr val="00B0F0"/>
+                </a:solidFill>
+                <a:latin typeface="Consolas" pitchFamily="49" charset="0"/>
+              </a:rPr>
+              <a:t>TestBed</a:t>
+            </a:r>
+            <a:r>
+              <a:rPr lang="fr-FR" sz="1600" dirty="0" err="1" smtClean="0">
+                <a:solidFill>
+                  <a:schemeClr val="bg1"/>
+                </a:solidFill>
+                <a:latin typeface="Consolas" pitchFamily="49" charset="0"/>
+              </a:rPr>
+              <a:t>.</a:t>
+            </a:r>
+            <a:r>
+              <a:rPr lang="fr-FR" sz="1600" dirty="0" err="1" smtClean="0">
+                <a:solidFill>
+                  <a:srgbClr val="D8F141"/>
+                </a:solidFill>
+                <a:latin typeface="Consolas" pitchFamily="49" charset="0"/>
+              </a:rPr>
+              <a:t>get</a:t>
+            </a:r>
+            <a:r>
+              <a:rPr lang="fr-FR" sz="1600" dirty="0" smtClean="0">
+                <a:solidFill>
+                  <a:schemeClr val="bg1"/>
+                </a:solidFill>
+                <a:latin typeface="Consolas" pitchFamily="49" charset="0"/>
+              </a:rPr>
+              <a:t>(</a:t>
+            </a:r>
+            <a:r>
+              <a:rPr lang="fr-FR" sz="1600" dirty="0" err="1" smtClean="0">
+                <a:solidFill>
+                  <a:srgbClr val="00B0F0"/>
+                </a:solidFill>
+                <a:latin typeface="Consolas" pitchFamily="49" charset="0"/>
+              </a:rPr>
+              <a:t>OtherService</a:t>
+            </a:r>
+            <a:r>
+              <a:rPr lang="fr-FR" sz="1600" dirty="0">
+                <a:solidFill>
+                  <a:schemeClr val="bg1"/>
+                </a:solidFill>
+                <a:latin typeface="Consolas" pitchFamily="49" charset="0"/>
+              </a:rPr>
+              <a:t>);</a:t>
+            </a:r>
+            <a:endParaRPr lang="fr-FR" sz="1600" dirty="0" smtClean="0">
+              <a:solidFill>
+                <a:schemeClr val="bg1"/>
+              </a:solidFill>
+              <a:latin typeface="Consolas" pitchFamily="49" charset="0"/>
+            </a:endParaRPr>
+          </a:p>
+          <a:p>
+            <a:r>
+              <a:rPr lang="fr-FR" sz="1600" dirty="0" smtClean="0">
+                <a:solidFill>
+                  <a:schemeClr val="bg1"/>
+                </a:solidFill>
+                <a:latin typeface="Consolas" pitchFamily="49" charset="0"/>
+              </a:rPr>
+              <a:t>  });</a:t>
+            </a:r>
+            <a:endParaRPr lang="fr-FR" sz="1600" dirty="0">
+              <a:solidFill>
+                <a:schemeClr val="bg1"/>
+              </a:solidFill>
+              <a:latin typeface="Consolas" pitchFamily="49" charset="0"/>
+            </a:endParaRPr>
+          </a:p>
+          <a:p>
+            <a:endParaRPr lang="fr-FR" sz="1600" dirty="0">
+              <a:solidFill>
+                <a:schemeClr val="bg1"/>
+              </a:solidFill>
+              <a:latin typeface="Consolas" pitchFamily="49" charset="0"/>
+            </a:endParaRPr>
+          </a:p>
+          <a:p>
+            <a:r>
+              <a:rPr lang="fr-FR" sz="1600" dirty="0" smtClean="0">
+                <a:solidFill>
+                  <a:schemeClr val="bg1"/>
+                </a:solidFill>
+                <a:latin typeface="Consolas" pitchFamily="49" charset="0"/>
+              </a:rPr>
+              <a:t>  </a:t>
+            </a:r>
+            <a:r>
+              <a:rPr lang="fr-FR" sz="1600" dirty="0" err="1" smtClean="0">
+                <a:solidFill>
+                  <a:srgbClr val="0070C0"/>
+                </a:solidFill>
+                <a:latin typeface="Consolas" pitchFamily="49" charset="0"/>
+              </a:rPr>
+              <a:t>it</a:t>
+            </a:r>
+            <a:r>
+              <a:rPr lang="fr-FR" sz="1600" dirty="0" smtClean="0">
+                <a:solidFill>
+                  <a:schemeClr val="bg1"/>
+                </a:solidFill>
+                <a:latin typeface="Consolas" pitchFamily="49" charset="0"/>
+              </a:rPr>
+              <a:t>(</a:t>
+            </a:r>
+            <a:r>
+              <a:rPr lang="fr-FR" sz="1600" dirty="0" smtClean="0">
+                <a:solidFill>
+                  <a:schemeClr val="accent5"/>
+                </a:solidFill>
+                <a:latin typeface="Consolas" pitchFamily="49" charset="0"/>
+              </a:rPr>
+              <a:t>'</a:t>
+            </a:r>
+            <a:r>
+              <a:rPr lang="fr-FR" sz="1600" dirty="0" err="1" smtClean="0">
+                <a:solidFill>
+                  <a:schemeClr val="accent5"/>
+                </a:solidFill>
+                <a:latin typeface="Consolas" pitchFamily="49" charset="0"/>
+              </a:rPr>
+              <a:t>should</a:t>
+            </a:r>
+            <a:r>
+              <a:rPr lang="fr-FR" sz="1600" dirty="0" smtClean="0">
+                <a:solidFill>
+                  <a:schemeClr val="accent5"/>
+                </a:solidFill>
+                <a:latin typeface="Consolas" pitchFamily="49" charset="0"/>
+              </a:rPr>
+              <a:t> ...'</a:t>
+            </a:r>
+            <a:r>
+              <a:rPr lang="fr-FR" sz="1600" dirty="0" smtClean="0">
+                <a:solidFill>
+                  <a:schemeClr val="bg1"/>
+                </a:solidFill>
+                <a:latin typeface="Consolas" pitchFamily="49" charset="0"/>
+              </a:rPr>
+              <a:t>, () =&gt; { … });</a:t>
+            </a:r>
+          </a:p>
+          <a:p>
+            <a:r>
+              <a:rPr lang="fr-FR" sz="1600" dirty="0" smtClean="0">
+                <a:solidFill>
+                  <a:schemeClr val="bg1"/>
+                </a:solidFill>
+                <a:latin typeface="Consolas" pitchFamily="49" charset="0"/>
+              </a:rPr>
+              <a:t>});</a:t>
+            </a:r>
+            <a:endParaRPr lang="fr-FR" sz="1600" dirty="0">
+              <a:solidFill>
+                <a:schemeClr val="bg1"/>
+              </a:solidFill>
+              <a:latin typeface="Consolas" pitchFamily="49" charset="0"/>
+            </a:endParaRPr>
+          </a:p>
+        </p:txBody>
+      </p:sp>
+    </p:spTree>
+    <p:extLst>
+      <p:ext uri="{BB962C8B-B14F-4D97-AF65-F5344CB8AC3E}">
+        <p14:creationId xmlns:p14="http://schemas.microsoft.com/office/powerpoint/2010/main" val="744412607"/>
+      </p:ext>
+    </p:extLst>
+  </p:cSld>
+  <p:clrMapOvr>
+    <a:masterClrMapping/>
+  </p:clrMapOvr>
+</p:sld>
+</file>
+
+<file path=ppt/slides/slide23.xml><?xml version="1.0" encoding="utf-8"?>
+<p:sld xmlns:a="http://schemas.openxmlformats.org/drawingml/2006/main" xmlns:r="http://schemas.openxmlformats.org/officeDocument/2006/relationships" xmlns:p="http://schemas.openxmlformats.org/presentationml/2006/main">
+  <p:cSld>
+    <p:spTree>
+      <p:nvGrpSpPr>
+        <p:cNvPr id="1" name=""/>
+        <p:cNvGrpSpPr/>
+        <p:nvPr/>
+      </p:nvGrpSpPr>
+      <p:grpSpPr>
+        <a:xfrm>
+          <a:off x="0" y="0"/>
+          <a:ext cx="0" cy="0"/>
+          <a:chOff x="0" y="0"/>
+          <a:chExt cx="0" cy="0"/>
+        </a:xfrm>
+      </p:grpSpPr>
+      <p:sp>
+        <p:nvSpPr>
+          <p:cNvPr id="2" name="Titre 1"/>
+          <p:cNvSpPr>
+            <a:spLocks noGrp="1"/>
+          </p:cNvSpPr>
+          <p:nvPr>
+            <p:ph type="title"/>
+          </p:nvPr>
+        </p:nvSpPr>
+        <p:spPr/>
+        <p:txBody>
+          <a:bodyPr/>
+          <a:lstStyle/>
+          <a:p>
+            <a:r>
+              <a:rPr lang="fr-FR" dirty="0" smtClean="0"/>
+              <a:t>Tests unitaires</a:t>
+            </a:r>
+            <a:endParaRPr lang="fr-FR" dirty="0"/>
+          </a:p>
+        </p:txBody>
+      </p:sp>
+      <p:sp>
+        <p:nvSpPr>
+          <p:cNvPr id="3" name="Espace réservé du contenu 2"/>
+          <p:cNvSpPr>
+            <a:spLocks noGrp="1"/>
+          </p:cNvSpPr>
+          <p:nvPr>
+            <p:ph sz="quarter" idx="17"/>
+          </p:nvPr>
+        </p:nvSpPr>
+        <p:spPr/>
+        <p:txBody>
+          <a:bodyPr/>
+          <a:lstStyle/>
+          <a:p>
+            <a:r>
+              <a:rPr lang="fr-FR" dirty="0" smtClean="0"/>
+              <a:t>  </a:t>
+            </a:r>
+            <a:r>
+              <a:rPr lang="fr-FR" dirty="0" err="1" smtClean="0"/>
+              <a:t>custom</a:t>
+            </a:r>
+            <a:r>
+              <a:rPr lang="fr-FR" dirty="0" err="1" smtClean="0"/>
+              <a:t>.service.spec.ts</a:t>
+            </a:r>
+            <a:r>
+              <a:rPr lang="fr-FR" dirty="0" smtClean="0"/>
+              <a:t> (2/2)</a:t>
+            </a:r>
+            <a:endParaRPr lang="fr-FR" dirty="0" smtClean="0"/>
+          </a:p>
+          <a:p>
+            <a:pPr marL="342900" indent="-342900"/>
+            <a:endParaRPr lang="fr-FR" dirty="0" smtClean="0"/>
+          </a:p>
+        </p:txBody>
+      </p:sp>
+      <p:sp>
+        <p:nvSpPr>
+          <p:cNvPr id="4" name="Espace réservé du numéro de diapositive 3"/>
+          <p:cNvSpPr>
+            <a:spLocks noGrp="1"/>
+          </p:cNvSpPr>
+          <p:nvPr>
+            <p:ph type="sldNum" sz="quarter" idx="12"/>
+          </p:nvPr>
+        </p:nvSpPr>
+        <p:spPr/>
+        <p:txBody>
+          <a:bodyPr/>
+          <a:lstStyle/>
+          <a:p>
+            <a:fld id="{525A3C56-E491-49B2-93F3-63532DF516BC}" type="slidenum">
+              <a:rPr lang="en-GB" smtClean="0"/>
+              <a:pPr/>
+              <a:t>23</a:t>
+            </a:fld>
+            <a:endParaRPr lang="en-GB" dirty="0"/>
+          </a:p>
+        </p:txBody>
+      </p:sp>
+      <p:sp>
+        <p:nvSpPr>
+          <p:cNvPr id="7" name="Espace réservé du contenu 1"/>
+          <p:cNvSpPr txBox="1">
+            <a:spLocks/>
+          </p:cNvSpPr>
+          <p:nvPr/>
+        </p:nvSpPr>
+        <p:spPr>
+          <a:xfrm>
+            <a:off x="594347" y="1643931"/>
+            <a:ext cx="8209411" cy="4666138"/>
+          </a:xfrm>
+          <a:prstGeom prst="rect">
+            <a:avLst/>
+          </a:prstGeom>
+          <a:solidFill>
+            <a:schemeClr val="tx1">
+              <a:lumMod val="75000"/>
+            </a:schemeClr>
+          </a:solidFill>
+        </p:spPr>
+        <p:txBody>
+          <a:bodyPr lIns="0" tIns="0" rIns="0" bIns="0">
+            <a:normAutofit/>
+          </a:bodyPr>
+          <a:lstStyle>
+            <a:lvl1pPr marL="0" indent="0" algn="l" defTabSz="914400" rtl="0" eaLnBrk="1" latinLnBrk="0" hangingPunct="1">
+              <a:spcBef>
+                <a:spcPts val="500"/>
+              </a:spcBef>
+              <a:buClr>
+                <a:schemeClr val="accent1"/>
+              </a:buClr>
+              <a:buSzPct val="110000"/>
+              <a:buFont typeface="Arial" pitchFamily="34" charset="0"/>
+              <a:buNone/>
+              <a:defRPr sz="2000" kern="1200">
+                <a:solidFill>
+                  <a:schemeClr val="tx1"/>
+                </a:solidFill>
+                <a:latin typeface="Arial" pitchFamily="34" charset="0"/>
+                <a:ea typeface="+mn-ea"/>
+                <a:cs typeface="+mn-cs"/>
+              </a:defRPr>
+            </a:lvl1pPr>
+            <a:lvl2pPr marL="263525" indent="-263525" algn="l" defTabSz="914400" rtl="0" eaLnBrk="1" latinLnBrk="0" hangingPunct="1">
+              <a:spcBef>
+                <a:spcPts val="500"/>
+              </a:spcBef>
+              <a:buClr>
+                <a:schemeClr val="accent1"/>
+              </a:buClr>
+              <a:buSzPct val="110000"/>
+              <a:buFont typeface="Arial" pitchFamily="34" charset="0"/>
+              <a:buChar char="•"/>
+              <a:defRPr sz="2000" kern="1200" baseline="0">
+                <a:solidFill>
+                  <a:schemeClr val="tx1"/>
+                </a:solidFill>
+                <a:latin typeface="Arial" pitchFamily="34" charset="0"/>
+                <a:ea typeface="+mn-ea"/>
+                <a:cs typeface="+mn-cs"/>
+              </a:defRPr>
+            </a:lvl2pPr>
+            <a:lvl3pPr marL="536575" indent="-273050" algn="l" defTabSz="914400" rtl="0" eaLnBrk="1" latinLnBrk="0" hangingPunct="1">
+              <a:spcBef>
+                <a:spcPts val="500"/>
+              </a:spcBef>
+              <a:buClr>
+                <a:schemeClr val="accent1"/>
+              </a:buClr>
+              <a:buSzPct val="110000"/>
+              <a:buFont typeface="Arial" pitchFamily="34" charset="0"/>
+              <a:buChar char="•"/>
+              <a:defRPr sz="1800" kern="1200" baseline="0">
+                <a:solidFill>
+                  <a:schemeClr val="tx1"/>
+                </a:solidFill>
+                <a:latin typeface="Arial" pitchFamily="34" charset="0"/>
+                <a:ea typeface="+mn-ea"/>
+                <a:cs typeface="+mn-cs"/>
+              </a:defRPr>
+            </a:lvl3pPr>
+            <a:lvl4pPr marL="811213" indent="-274638" algn="l" defTabSz="914400" rtl="0" eaLnBrk="1" latinLnBrk="0" hangingPunct="1">
+              <a:spcBef>
+                <a:spcPts val="500"/>
+              </a:spcBef>
+              <a:buClr>
+                <a:schemeClr val="accent1"/>
+              </a:buClr>
+              <a:buSzPct val="110000"/>
+              <a:buFont typeface="Arial" pitchFamily="34" charset="0"/>
+              <a:buChar char="•"/>
+              <a:defRPr sz="1600" kern="1200" baseline="0">
+                <a:solidFill>
+                  <a:schemeClr val="tx1"/>
+                </a:solidFill>
+                <a:latin typeface="Arial" pitchFamily="34" charset="0"/>
+                <a:ea typeface="+mn-ea"/>
+                <a:cs typeface="+mn-cs"/>
+              </a:defRPr>
+            </a:lvl4pPr>
+            <a:lvl5pPr marL="1074738" indent="-263525" algn="l" defTabSz="914400" rtl="0" eaLnBrk="1" latinLnBrk="0" hangingPunct="1">
+              <a:spcBef>
+                <a:spcPts val="500"/>
+              </a:spcBef>
+              <a:buClr>
+                <a:schemeClr val="accent1"/>
+              </a:buClr>
+              <a:buSzPct val="110000"/>
+              <a:buFont typeface="Arial" pitchFamily="34" charset="0"/>
+              <a:buChar char="•"/>
+              <a:defRPr sz="1400" kern="1200" baseline="0">
+                <a:solidFill>
+                  <a:schemeClr val="tx1"/>
+                </a:solidFill>
+                <a:latin typeface="Arial" pitchFamily="34" charset="0"/>
+                <a:ea typeface="+mn-ea"/>
+                <a:cs typeface="+mn-cs"/>
+              </a:defRPr>
+            </a:lvl5pPr>
+            <a:lvl6pPr marL="1136650" indent="-215900" algn="l" defTabSz="914400" rtl="0" eaLnBrk="1" latinLnBrk="0" hangingPunct="1">
+              <a:spcBef>
+                <a:spcPts val="500"/>
+              </a:spcBef>
+              <a:buClr>
+                <a:schemeClr val="accent1"/>
+              </a:buClr>
+              <a:buFont typeface="Verdana" pitchFamily="34" charset="0"/>
+              <a:buNone/>
+              <a:defRPr sz="1400" kern="1200" baseline="0">
+                <a:solidFill>
+                  <a:schemeClr val="tx1"/>
+                </a:solidFill>
+                <a:latin typeface="+mn-lt"/>
+                <a:ea typeface="+mn-ea"/>
+                <a:cs typeface="+mn-cs"/>
+              </a:defRPr>
+            </a:lvl6pPr>
+            <a:lvl7pPr marL="1343025" indent="-228600" algn="l" defTabSz="914400" rtl="0" eaLnBrk="1" latinLnBrk="0" hangingPunct="1">
+              <a:spcBef>
+                <a:spcPts val="500"/>
+              </a:spcBef>
+              <a:buClr>
+                <a:schemeClr val="tx1">
+                  <a:lumMod val="60000"/>
+                  <a:lumOff val="40000"/>
+                </a:schemeClr>
+              </a:buClr>
+              <a:buFont typeface="Verdana" pitchFamily="34" charset="0"/>
+              <a:buChar char="•"/>
+              <a:defRPr sz="1400" kern="1200" baseline="0">
+                <a:solidFill>
+                  <a:schemeClr val="tx1"/>
+                </a:solidFill>
+                <a:latin typeface="+mn-lt"/>
+                <a:ea typeface="+mn-ea"/>
+                <a:cs typeface="+mn-cs"/>
+              </a:defRPr>
+            </a:lvl7pPr>
+            <a:lvl8pPr marL="3429000" indent="-228600" algn="l" defTabSz="914400" rtl="0" eaLnBrk="1" latinLnBrk="0" hangingPunct="1">
+              <a:spcBef>
+                <a:spcPct val="20000"/>
+              </a:spcBef>
+              <a:buFont typeface="Arial" pitchFamily="34" charset="0"/>
+              <a:buChar char="•"/>
+              <a:defRPr sz="2000" kern="1200">
+                <a:solidFill>
+                  <a:schemeClr val="tx1"/>
+                </a:solidFill>
+                <a:latin typeface="+mn-lt"/>
+                <a:ea typeface="+mn-ea"/>
+                <a:cs typeface="+mn-cs"/>
+              </a:defRPr>
+            </a:lvl8pPr>
+            <a:lvl9pPr marL="3886200" indent="-228600" algn="l" defTabSz="914400" rtl="0" eaLnBrk="1" latinLnBrk="0" hangingPunct="1">
+              <a:spcBef>
+                <a:spcPct val="20000"/>
+              </a:spcBef>
+              <a:buFont typeface="Arial" pitchFamily="34" charset="0"/>
+              <a:buChar char="•"/>
+              <a:defRPr sz="2000" kern="1200">
+                <a:solidFill>
+                  <a:schemeClr val="tx1"/>
+                </a:solidFill>
+                <a:latin typeface="+mn-lt"/>
+                <a:ea typeface="+mn-ea"/>
+                <a:cs typeface="+mn-cs"/>
+              </a:defRPr>
+            </a:lvl9pPr>
+          </a:lstStyle>
+          <a:p>
+            <a:r>
+              <a:rPr lang="fr-FR" sz="1600" dirty="0" smtClean="0">
+                <a:solidFill>
+                  <a:srgbClr val="0070C0"/>
+                </a:solidFill>
+                <a:latin typeface="Consolas" pitchFamily="49" charset="0"/>
+              </a:rPr>
+              <a:t>let </a:t>
+            </a:r>
+            <a:r>
+              <a:rPr lang="fr-FR" sz="1600" dirty="0" err="1" smtClean="0">
+                <a:solidFill>
+                  <a:srgbClr val="00B0F0"/>
+                </a:solidFill>
+                <a:latin typeface="Consolas" pitchFamily="49" charset="0"/>
+              </a:rPr>
+              <a:t>customService</a:t>
+            </a:r>
+            <a:r>
+              <a:rPr lang="fr-FR" sz="1600" dirty="0">
+                <a:solidFill>
+                  <a:schemeClr val="bg1"/>
+                </a:solidFill>
+                <a:latin typeface="Consolas" pitchFamily="49" charset="0"/>
+              </a:rPr>
+              <a:t>;</a:t>
+            </a:r>
+            <a:endParaRPr lang="fr-FR" sz="1600" dirty="0" smtClean="0">
+              <a:solidFill>
+                <a:schemeClr val="bg1"/>
+              </a:solidFill>
+              <a:latin typeface="Consolas" pitchFamily="49" charset="0"/>
+            </a:endParaRPr>
+          </a:p>
+          <a:p>
+            <a:r>
+              <a:rPr lang="fr-FR" sz="1600" dirty="0">
+                <a:solidFill>
+                  <a:srgbClr val="0070C0"/>
+                </a:solidFill>
+                <a:latin typeface="Consolas" pitchFamily="49" charset="0"/>
+              </a:rPr>
+              <a:t>let </a:t>
+            </a:r>
+            <a:r>
+              <a:rPr lang="fr-FR" sz="1600" dirty="0" err="1" smtClean="0">
+                <a:solidFill>
+                  <a:srgbClr val="00B0F0"/>
+                </a:solidFill>
+                <a:latin typeface="Consolas" pitchFamily="49" charset="0"/>
+              </a:rPr>
+              <a:t>otherServiceSpy</a:t>
+            </a:r>
+            <a:r>
+              <a:rPr lang="fr-FR" sz="1600" dirty="0" smtClean="0">
+                <a:solidFill>
+                  <a:schemeClr val="bg1"/>
+                </a:solidFill>
+                <a:latin typeface="Consolas" pitchFamily="49" charset="0"/>
+              </a:rPr>
+              <a:t>;</a:t>
+            </a:r>
+            <a:endParaRPr lang="fr-FR" sz="1600" dirty="0">
+              <a:solidFill>
+                <a:schemeClr val="bg1"/>
+              </a:solidFill>
+              <a:latin typeface="Consolas" pitchFamily="49" charset="0"/>
+            </a:endParaRPr>
+          </a:p>
+          <a:p>
+            <a:endParaRPr lang="fr-FR" sz="1600" dirty="0">
+              <a:solidFill>
+                <a:srgbClr val="0070C0"/>
+              </a:solidFill>
+              <a:latin typeface="Consolas" pitchFamily="49" charset="0"/>
+            </a:endParaRPr>
+          </a:p>
+          <a:p>
+            <a:r>
+              <a:rPr lang="fr-FR" sz="1600" dirty="0" err="1" smtClean="0">
+                <a:solidFill>
+                  <a:srgbClr val="0070C0"/>
+                </a:solidFill>
+                <a:latin typeface="Consolas" pitchFamily="49" charset="0"/>
+              </a:rPr>
+              <a:t>describe</a:t>
+            </a:r>
+            <a:r>
+              <a:rPr lang="fr-FR" sz="1600" dirty="0" smtClean="0">
+                <a:solidFill>
+                  <a:schemeClr val="bg1"/>
+                </a:solidFill>
+                <a:latin typeface="Consolas" pitchFamily="49" charset="0"/>
+              </a:rPr>
+              <a:t>(</a:t>
+            </a:r>
+            <a:r>
+              <a:rPr lang="fr-FR" sz="1600" dirty="0" smtClean="0">
+                <a:solidFill>
+                  <a:schemeClr val="accent5"/>
+                </a:solidFill>
+                <a:latin typeface="Consolas" pitchFamily="49" charset="0"/>
+              </a:rPr>
+              <a:t>'Test </a:t>
+            </a:r>
+            <a:r>
+              <a:rPr lang="fr-FR" sz="1600" dirty="0" err="1" smtClean="0">
+                <a:solidFill>
+                  <a:schemeClr val="accent5"/>
+                </a:solidFill>
+                <a:latin typeface="Consolas" pitchFamily="49" charset="0"/>
+              </a:rPr>
+              <a:t>CustomService</a:t>
+            </a:r>
+            <a:r>
+              <a:rPr lang="fr-FR" sz="1600" dirty="0" smtClean="0">
+                <a:solidFill>
+                  <a:schemeClr val="accent5"/>
+                </a:solidFill>
+                <a:latin typeface="Consolas" pitchFamily="49" charset="0"/>
+              </a:rPr>
+              <a:t>'</a:t>
+            </a:r>
+            <a:r>
+              <a:rPr lang="fr-FR" sz="1600" dirty="0" smtClean="0">
+                <a:solidFill>
+                  <a:schemeClr val="bg1"/>
+                </a:solidFill>
+                <a:latin typeface="Consolas" pitchFamily="49" charset="0"/>
+              </a:rPr>
+              <a:t>, </a:t>
+            </a:r>
+            <a:r>
+              <a:rPr lang="fr-FR" sz="1600" dirty="0">
+                <a:solidFill>
+                  <a:schemeClr val="bg1"/>
+                </a:solidFill>
+                <a:latin typeface="Consolas" pitchFamily="49" charset="0"/>
+              </a:rPr>
+              <a:t>() =&gt; {</a:t>
+            </a:r>
+          </a:p>
+          <a:p>
+            <a:r>
+              <a:rPr lang="fr-FR" sz="1600" dirty="0" smtClean="0">
+                <a:solidFill>
+                  <a:schemeClr val="bg1"/>
+                </a:solidFill>
+                <a:latin typeface="Consolas" pitchFamily="49" charset="0"/>
+              </a:rPr>
+              <a:t>  </a:t>
+            </a:r>
+            <a:r>
+              <a:rPr lang="fr-FR" sz="1600" dirty="0" err="1" smtClean="0">
+                <a:solidFill>
+                  <a:srgbClr val="D8F141"/>
+                </a:solidFill>
+                <a:latin typeface="Consolas" pitchFamily="49" charset="0"/>
+              </a:rPr>
+              <a:t>beforeEach</a:t>
+            </a:r>
+            <a:r>
+              <a:rPr lang="fr-FR" sz="1600" dirty="0" smtClean="0">
+                <a:solidFill>
+                  <a:schemeClr val="bg1"/>
+                </a:solidFill>
+                <a:latin typeface="Consolas" pitchFamily="49" charset="0"/>
+              </a:rPr>
+              <a:t>(() </a:t>
+            </a:r>
+            <a:r>
+              <a:rPr lang="fr-FR" sz="1600" dirty="0">
+                <a:solidFill>
+                  <a:schemeClr val="bg1"/>
+                </a:solidFill>
+                <a:latin typeface="Consolas" pitchFamily="49" charset="0"/>
+              </a:rPr>
+              <a:t>=&gt; </a:t>
+            </a:r>
+            <a:r>
+              <a:rPr lang="fr-FR" sz="1600" dirty="0" smtClean="0">
+                <a:solidFill>
+                  <a:schemeClr val="bg1"/>
+                </a:solidFill>
+                <a:latin typeface="Consolas" pitchFamily="49" charset="0"/>
+              </a:rPr>
+              <a:t>{ … });</a:t>
+            </a:r>
+            <a:endParaRPr lang="fr-FR" sz="1600" dirty="0">
+              <a:solidFill>
+                <a:schemeClr val="bg1"/>
+              </a:solidFill>
+              <a:latin typeface="Consolas" pitchFamily="49" charset="0"/>
+            </a:endParaRPr>
+          </a:p>
+          <a:p>
+            <a:endParaRPr lang="fr-FR" sz="1600" dirty="0">
+              <a:solidFill>
+                <a:schemeClr val="bg1"/>
+              </a:solidFill>
+              <a:latin typeface="Consolas" pitchFamily="49" charset="0"/>
+            </a:endParaRPr>
+          </a:p>
+          <a:p>
+            <a:r>
+              <a:rPr lang="fr-FR" sz="1600" dirty="0" smtClean="0">
+                <a:solidFill>
+                  <a:schemeClr val="bg1"/>
+                </a:solidFill>
+                <a:latin typeface="Consolas" pitchFamily="49" charset="0"/>
+              </a:rPr>
+              <a:t>  </a:t>
+            </a:r>
+            <a:r>
+              <a:rPr lang="fr-FR" sz="1600" dirty="0" err="1" smtClean="0">
+                <a:solidFill>
+                  <a:srgbClr val="0070C0"/>
+                </a:solidFill>
+                <a:latin typeface="Consolas" pitchFamily="49" charset="0"/>
+              </a:rPr>
+              <a:t>it</a:t>
+            </a:r>
+            <a:r>
+              <a:rPr lang="fr-FR" sz="1600" dirty="0" smtClean="0">
+                <a:solidFill>
+                  <a:schemeClr val="bg1"/>
+                </a:solidFill>
+                <a:latin typeface="Consolas" pitchFamily="49" charset="0"/>
+              </a:rPr>
+              <a:t>(</a:t>
+            </a:r>
+            <a:r>
+              <a:rPr lang="fr-FR" sz="1600" dirty="0" smtClean="0">
+                <a:solidFill>
+                  <a:schemeClr val="accent5"/>
+                </a:solidFill>
+                <a:latin typeface="Consolas" pitchFamily="49" charset="0"/>
+              </a:rPr>
+              <a:t>'</a:t>
+            </a:r>
+            <a:r>
+              <a:rPr lang="fr-FR" sz="1600" dirty="0" err="1" smtClean="0">
+                <a:solidFill>
+                  <a:schemeClr val="accent5"/>
+                </a:solidFill>
+                <a:latin typeface="Consolas" pitchFamily="49" charset="0"/>
+              </a:rPr>
+              <a:t>should</a:t>
+            </a:r>
+            <a:r>
+              <a:rPr lang="fr-FR" sz="1600" dirty="0" smtClean="0">
+                <a:solidFill>
+                  <a:schemeClr val="accent5"/>
+                </a:solidFill>
+                <a:latin typeface="Consolas" pitchFamily="49" charset="0"/>
+              </a:rPr>
+              <a:t> </a:t>
+            </a:r>
+            <a:r>
+              <a:rPr lang="fr-FR" sz="1600" dirty="0" err="1" smtClean="0">
+                <a:solidFill>
+                  <a:schemeClr val="accent5"/>
+                </a:solidFill>
+                <a:latin typeface="Consolas" pitchFamily="49" charset="0"/>
+              </a:rPr>
+              <a:t>init</a:t>
+            </a:r>
+            <a:r>
+              <a:rPr lang="fr-FR" sz="1600" dirty="0" smtClean="0">
+                <a:solidFill>
+                  <a:schemeClr val="accent5"/>
+                </a:solidFill>
+                <a:latin typeface="Consolas" pitchFamily="49" charset="0"/>
+              </a:rPr>
+              <a:t> the custom value and </a:t>
+            </a:r>
+            <a:r>
+              <a:rPr lang="fr-FR" sz="1600" dirty="0" err="1" smtClean="0">
+                <a:solidFill>
+                  <a:schemeClr val="accent5"/>
+                </a:solidFill>
+                <a:latin typeface="Consolas" pitchFamily="49" charset="0"/>
+              </a:rPr>
+              <a:t>retrieve</a:t>
+            </a:r>
+            <a:r>
+              <a:rPr lang="fr-FR" sz="1600" dirty="0" smtClean="0">
+                <a:solidFill>
+                  <a:schemeClr val="accent5"/>
+                </a:solidFill>
+                <a:latin typeface="Consolas" pitchFamily="49" charset="0"/>
+              </a:rPr>
+              <a:t> </a:t>
+            </a:r>
+            <a:r>
+              <a:rPr lang="fr-FR" sz="1600" dirty="0" err="1" smtClean="0">
+                <a:solidFill>
+                  <a:schemeClr val="accent5"/>
+                </a:solidFill>
+                <a:latin typeface="Consolas" pitchFamily="49" charset="0"/>
+              </a:rPr>
+              <a:t>it</a:t>
+            </a:r>
+            <a:r>
+              <a:rPr lang="fr-FR" sz="1600" dirty="0" smtClean="0">
+                <a:solidFill>
+                  <a:schemeClr val="accent5"/>
+                </a:solidFill>
+                <a:latin typeface="Consolas" pitchFamily="49" charset="0"/>
+              </a:rPr>
+              <a:t>'</a:t>
+            </a:r>
+            <a:r>
+              <a:rPr lang="fr-FR" sz="1600" dirty="0" smtClean="0">
+                <a:solidFill>
+                  <a:schemeClr val="bg1"/>
+                </a:solidFill>
+                <a:latin typeface="Consolas" pitchFamily="49" charset="0"/>
+              </a:rPr>
+              <a:t>, () =&gt; {</a:t>
+            </a:r>
+          </a:p>
+          <a:p>
+            <a:r>
+              <a:rPr lang="fr-FR" sz="1600" dirty="0" smtClean="0">
+                <a:solidFill>
+                  <a:schemeClr val="bg1"/>
+                </a:solidFill>
+                <a:latin typeface="Consolas" pitchFamily="49" charset="0"/>
+              </a:rPr>
+              <a:t>    </a:t>
+            </a:r>
+            <a:r>
+              <a:rPr lang="fr-FR" sz="1600" dirty="0" err="1" smtClean="0">
+                <a:solidFill>
+                  <a:srgbClr val="0070C0"/>
+                </a:solidFill>
+                <a:latin typeface="Consolas" pitchFamily="49" charset="0"/>
+              </a:rPr>
+              <a:t>const</a:t>
+            </a:r>
+            <a:r>
+              <a:rPr lang="fr-FR" sz="1600" dirty="0" smtClean="0">
+                <a:solidFill>
+                  <a:schemeClr val="bg1"/>
+                </a:solidFill>
+                <a:latin typeface="Consolas" pitchFamily="49" charset="0"/>
+              </a:rPr>
+              <a:t> </a:t>
+            </a:r>
+            <a:r>
+              <a:rPr lang="fr-FR" sz="1600" dirty="0" err="1">
+                <a:solidFill>
+                  <a:srgbClr val="00B0F0"/>
+                </a:solidFill>
+                <a:latin typeface="Consolas" pitchFamily="49" charset="0"/>
+              </a:rPr>
+              <a:t>stubValue</a:t>
+            </a:r>
+            <a:r>
+              <a:rPr lang="fr-FR" sz="1600" dirty="0">
+                <a:solidFill>
+                  <a:schemeClr val="bg1"/>
+                </a:solidFill>
+                <a:latin typeface="Consolas" pitchFamily="49" charset="0"/>
+              </a:rPr>
+              <a:t> </a:t>
+            </a:r>
+            <a:r>
+              <a:rPr lang="fr-FR" sz="1600" dirty="0" smtClean="0">
+                <a:solidFill>
+                  <a:schemeClr val="bg1"/>
+                </a:solidFill>
+                <a:latin typeface="Consolas" pitchFamily="49" charset="0"/>
+              </a:rPr>
+              <a:t>= </a:t>
+            </a:r>
+            <a:r>
+              <a:rPr lang="fr-FR" sz="1600" dirty="0" smtClean="0">
+                <a:solidFill>
+                  <a:srgbClr val="B4F83A"/>
+                </a:solidFill>
+                <a:latin typeface="Consolas" pitchFamily="49" charset="0"/>
+              </a:rPr>
+              <a:t>10</a:t>
+            </a:r>
+            <a:r>
+              <a:rPr lang="fr-FR" sz="1600" dirty="0" smtClean="0">
+                <a:solidFill>
+                  <a:schemeClr val="bg1"/>
+                </a:solidFill>
+                <a:latin typeface="Consolas" pitchFamily="49" charset="0"/>
+              </a:rPr>
+              <a:t>;</a:t>
+            </a:r>
+            <a:endParaRPr lang="fr-FR" sz="1600" dirty="0">
+              <a:solidFill>
+                <a:schemeClr val="bg1"/>
+              </a:solidFill>
+              <a:latin typeface="Consolas" pitchFamily="49" charset="0"/>
+            </a:endParaRPr>
+          </a:p>
+          <a:p>
+            <a:r>
+              <a:rPr lang="fr-FR" sz="1600" dirty="0">
+                <a:solidFill>
+                  <a:schemeClr val="bg1"/>
+                </a:solidFill>
+                <a:latin typeface="Consolas" pitchFamily="49" charset="0"/>
+              </a:rPr>
+              <a:t> </a:t>
+            </a:r>
+            <a:r>
+              <a:rPr lang="fr-FR" sz="1600" dirty="0" smtClean="0">
+                <a:solidFill>
+                  <a:schemeClr val="bg1"/>
+                </a:solidFill>
+                <a:latin typeface="Consolas" pitchFamily="49" charset="0"/>
+              </a:rPr>
+              <a:t>   </a:t>
+            </a:r>
+            <a:r>
+              <a:rPr lang="fr-FR" sz="1600" dirty="0" err="1" smtClean="0">
+                <a:solidFill>
+                  <a:srgbClr val="00B0F0"/>
+                </a:solidFill>
+                <a:latin typeface="Consolas" pitchFamily="49" charset="0"/>
+              </a:rPr>
+              <a:t>otherServiceSpy</a:t>
+            </a:r>
+            <a:r>
+              <a:rPr lang="fr-FR" sz="1600" dirty="0" err="1" smtClean="0">
+                <a:solidFill>
+                  <a:schemeClr val="bg1"/>
+                </a:solidFill>
+                <a:latin typeface="Consolas" pitchFamily="49" charset="0"/>
+              </a:rPr>
+              <a:t>.</a:t>
+            </a:r>
+            <a:r>
+              <a:rPr lang="fr-FR" sz="1600" dirty="0" err="1" smtClean="0">
+                <a:solidFill>
+                  <a:srgbClr val="D8F141"/>
+                </a:solidFill>
+                <a:latin typeface="Consolas" pitchFamily="49" charset="0"/>
+              </a:rPr>
+              <a:t>otherMethod</a:t>
+            </a:r>
+            <a:r>
+              <a:rPr lang="fr-FR" sz="1600" dirty="0" err="1" smtClean="0">
+                <a:solidFill>
+                  <a:schemeClr val="bg1"/>
+                </a:solidFill>
+                <a:latin typeface="Consolas" pitchFamily="49" charset="0"/>
+              </a:rPr>
+              <a:t>.</a:t>
+            </a:r>
+            <a:r>
+              <a:rPr lang="fr-FR" sz="1600" dirty="0" err="1" smtClean="0">
+                <a:solidFill>
+                  <a:srgbClr val="D8F141"/>
+                </a:solidFill>
+                <a:latin typeface="Consolas" pitchFamily="49" charset="0"/>
+              </a:rPr>
+              <a:t>and</a:t>
+            </a:r>
+            <a:r>
+              <a:rPr lang="fr-FR" sz="1600" dirty="0" err="1" smtClean="0">
+                <a:solidFill>
+                  <a:schemeClr val="bg1"/>
+                </a:solidFill>
+                <a:latin typeface="Consolas" pitchFamily="49" charset="0"/>
+              </a:rPr>
+              <a:t>.</a:t>
+            </a:r>
+            <a:r>
+              <a:rPr lang="fr-FR" sz="1600" dirty="0" err="1" smtClean="0">
+                <a:solidFill>
+                  <a:srgbClr val="D8F141"/>
+                </a:solidFill>
+                <a:latin typeface="Consolas" pitchFamily="49" charset="0"/>
+              </a:rPr>
+              <a:t>returnValue</a:t>
+            </a:r>
+            <a:r>
+              <a:rPr lang="fr-FR" sz="1600" dirty="0" smtClean="0">
+                <a:solidFill>
+                  <a:schemeClr val="bg1"/>
+                </a:solidFill>
+                <a:latin typeface="Consolas" pitchFamily="49" charset="0"/>
+              </a:rPr>
+              <a:t>(</a:t>
+            </a:r>
+            <a:r>
+              <a:rPr lang="fr-FR" sz="1600" dirty="0" err="1" smtClean="0">
+                <a:solidFill>
+                  <a:srgbClr val="00B0F0"/>
+                </a:solidFill>
+                <a:latin typeface="Consolas" pitchFamily="49" charset="0"/>
+              </a:rPr>
+              <a:t>stubValue</a:t>
+            </a:r>
+            <a:r>
+              <a:rPr lang="fr-FR" sz="1600" dirty="0" smtClean="0">
+                <a:solidFill>
+                  <a:schemeClr val="bg1"/>
+                </a:solidFill>
+                <a:latin typeface="Consolas" pitchFamily="49" charset="0"/>
+              </a:rPr>
+              <a:t>);</a:t>
+            </a:r>
+          </a:p>
+          <a:p>
+            <a:r>
+              <a:rPr lang="fr-FR" sz="1600" dirty="0">
+                <a:solidFill>
+                  <a:schemeClr val="bg1"/>
+                </a:solidFill>
+                <a:latin typeface="Consolas" pitchFamily="49" charset="0"/>
+              </a:rPr>
+              <a:t> </a:t>
+            </a:r>
+            <a:r>
+              <a:rPr lang="fr-FR" sz="1600" dirty="0" smtClean="0">
+                <a:solidFill>
+                  <a:schemeClr val="bg1"/>
+                </a:solidFill>
+                <a:latin typeface="Consolas" pitchFamily="49" charset="0"/>
+              </a:rPr>
+              <a:t>   </a:t>
+            </a:r>
+            <a:r>
+              <a:rPr lang="fr-FR" sz="1600" dirty="0" err="1" smtClean="0">
+                <a:solidFill>
+                  <a:srgbClr val="0070C0"/>
+                </a:solidFill>
+                <a:latin typeface="Consolas" pitchFamily="49" charset="0"/>
+              </a:rPr>
+              <a:t>const</a:t>
+            </a:r>
+            <a:r>
+              <a:rPr lang="fr-FR" sz="1600" dirty="0" smtClean="0">
+                <a:solidFill>
+                  <a:schemeClr val="bg1"/>
+                </a:solidFill>
+                <a:latin typeface="Consolas" pitchFamily="49" charset="0"/>
+              </a:rPr>
+              <a:t> </a:t>
+            </a:r>
+            <a:r>
+              <a:rPr lang="fr-FR" sz="1600" dirty="0" err="1" smtClean="0">
+                <a:solidFill>
+                  <a:srgbClr val="00B0F0"/>
+                </a:solidFill>
+                <a:latin typeface="Consolas" pitchFamily="49" charset="0"/>
+              </a:rPr>
+              <a:t>expected</a:t>
+            </a:r>
+            <a:r>
+              <a:rPr lang="fr-FR" sz="1600" dirty="0" smtClean="0">
+                <a:solidFill>
+                  <a:schemeClr val="bg1"/>
+                </a:solidFill>
+                <a:latin typeface="Consolas" pitchFamily="49" charset="0"/>
+              </a:rPr>
+              <a:t>: </a:t>
+            </a:r>
+            <a:r>
+              <a:rPr lang="fr-FR" sz="1600" dirty="0" err="1" smtClean="0">
+                <a:solidFill>
+                  <a:srgbClr val="92D050"/>
+                </a:solidFill>
+                <a:latin typeface="Consolas" pitchFamily="49" charset="0"/>
+              </a:rPr>
+              <a:t>CustomValue</a:t>
+            </a:r>
+            <a:r>
+              <a:rPr lang="fr-FR" sz="1600" dirty="0" smtClean="0">
+                <a:solidFill>
+                  <a:schemeClr val="bg1"/>
+                </a:solidFill>
+                <a:latin typeface="Consolas" pitchFamily="49" charset="0"/>
+              </a:rPr>
+              <a:t> = { </a:t>
+            </a:r>
+            <a:r>
+              <a:rPr lang="fr-FR" sz="1600" dirty="0" smtClean="0">
+                <a:solidFill>
+                  <a:srgbClr val="00B0F0"/>
+                </a:solidFill>
+                <a:latin typeface="Consolas" pitchFamily="49" charset="0"/>
+              </a:rPr>
+              <a:t>value</a:t>
+            </a:r>
+            <a:r>
+              <a:rPr lang="fr-FR" sz="1600" dirty="0">
+                <a:solidFill>
+                  <a:schemeClr val="bg1"/>
+                </a:solidFill>
+                <a:latin typeface="Consolas" pitchFamily="49" charset="0"/>
+              </a:rPr>
+              <a:t>: </a:t>
+            </a:r>
+            <a:r>
+              <a:rPr lang="fr-FR" sz="1600" dirty="0" smtClean="0">
+                <a:solidFill>
+                  <a:srgbClr val="B4F83A"/>
+                </a:solidFill>
+                <a:latin typeface="Consolas" pitchFamily="49" charset="0"/>
+              </a:rPr>
+              <a:t>10</a:t>
+            </a:r>
+            <a:r>
+              <a:rPr lang="fr-FR" sz="1600" dirty="0" smtClean="0">
+                <a:solidFill>
+                  <a:schemeClr val="bg1"/>
+                </a:solidFill>
+                <a:latin typeface="Consolas" pitchFamily="49" charset="0"/>
+              </a:rPr>
+              <a:t> </a:t>
+            </a:r>
+            <a:r>
+              <a:rPr lang="fr-FR" sz="1600" dirty="0">
+                <a:solidFill>
+                  <a:schemeClr val="bg1"/>
+                </a:solidFill>
+                <a:latin typeface="Consolas" pitchFamily="49" charset="0"/>
+              </a:rPr>
+              <a:t>};</a:t>
+            </a:r>
+            <a:endParaRPr lang="fr-FR" sz="1600" dirty="0" smtClean="0">
+              <a:solidFill>
+                <a:schemeClr val="bg1"/>
+              </a:solidFill>
+              <a:latin typeface="Consolas" pitchFamily="49" charset="0"/>
+            </a:endParaRPr>
+          </a:p>
+          <a:p>
+            <a:endParaRPr lang="fr-FR" sz="1600" dirty="0" smtClean="0">
+              <a:solidFill>
+                <a:schemeClr val="bg1"/>
+              </a:solidFill>
+              <a:latin typeface="Consolas" pitchFamily="49" charset="0"/>
+            </a:endParaRPr>
+          </a:p>
+          <a:p>
+            <a:r>
+              <a:rPr lang="fr-FR" sz="1600" dirty="0">
+                <a:solidFill>
+                  <a:schemeClr val="bg1"/>
+                </a:solidFill>
+                <a:latin typeface="Consolas" pitchFamily="49" charset="0"/>
+              </a:rPr>
+              <a:t> </a:t>
+            </a:r>
+            <a:r>
+              <a:rPr lang="fr-FR" sz="1600" dirty="0" smtClean="0">
+                <a:solidFill>
+                  <a:schemeClr val="bg1"/>
+                </a:solidFill>
+                <a:latin typeface="Consolas" pitchFamily="49" charset="0"/>
+              </a:rPr>
+              <a:t>   </a:t>
+            </a:r>
+            <a:r>
+              <a:rPr lang="fr-FR" sz="1600" dirty="0" err="1" smtClean="0">
+                <a:solidFill>
+                  <a:srgbClr val="D8F141"/>
+                </a:solidFill>
+                <a:latin typeface="Consolas" pitchFamily="49" charset="0"/>
+              </a:rPr>
+              <a:t>expect</a:t>
+            </a:r>
+            <a:r>
+              <a:rPr lang="fr-FR" sz="1600" dirty="0" smtClean="0">
+                <a:solidFill>
+                  <a:schemeClr val="bg1"/>
+                </a:solidFill>
+                <a:latin typeface="Consolas" pitchFamily="49" charset="0"/>
+              </a:rPr>
+              <a:t>(</a:t>
+            </a:r>
+            <a:r>
+              <a:rPr lang="fr-FR" sz="1600" dirty="0" err="1" smtClean="0">
+                <a:solidFill>
+                  <a:srgbClr val="00B0F0"/>
+                </a:solidFill>
+                <a:latin typeface="Consolas" pitchFamily="49" charset="0"/>
+              </a:rPr>
+              <a:t>customService</a:t>
+            </a:r>
+            <a:r>
+              <a:rPr lang="fr-FR" sz="1600" dirty="0" err="1" smtClean="0">
+                <a:solidFill>
+                  <a:schemeClr val="bg1"/>
+                </a:solidFill>
+                <a:latin typeface="Consolas" pitchFamily="49" charset="0"/>
+              </a:rPr>
+              <a:t>.</a:t>
+            </a:r>
+            <a:r>
+              <a:rPr lang="fr-FR" sz="1600" dirty="0" err="1" smtClean="0">
+                <a:solidFill>
+                  <a:srgbClr val="D8F141"/>
+                </a:solidFill>
+                <a:latin typeface="Consolas" pitchFamily="49" charset="0"/>
+              </a:rPr>
+              <a:t>getCustomValue</a:t>
+            </a:r>
+            <a:r>
+              <a:rPr lang="fr-FR" sz="1600" dirty="0" smtClean="0">
+                <a:solidFill>
+                  <a:schemeClr val="bg1"/>
+                </a:solidFill>
+                <a:latin typeface="Consolas" pitchFamily="49" charset="0"/>
+              </a:rPr>
+              <a:t>()).</a:t>
+            </a:r>
+            <a:r>
+              <a:rPr lang="fr-FR" sz="1600" dirty="0" err="1" smtClean="0">
+                <a:solidFill>
+                  <a:srgbClr val="D8F141"/>
+                </a:solidFill>
+                <a:latin typeface="Consolas" pitchFamily="49" charset="0"/>
+              </a:rPr>
+              <a:t>toBe</a:t>
+            </a:r>
+            <a:r>
+              <a:rPr lang="fr-FR" sz="1600" dirty="0" smtClean="0">
+                <a:solidFill>
+                  <a:schemeClr val="bg1"/>
+                </a:solidFill>
+                <a:latin typeface="Consolas" pitchFamily="49" charset="0"/>
+              </a:rPr>
+              <a:t>(</a:t>
+            </a:r>
+            <a:r>
+              <a:rPr lang="fr-FR" sz="1600" dirty="0" err="1">
+                <a:solidFill>
+                  <a:srgbClr val="00B0F0"/>
+                </a:solidFill>
+                <a:latin typeface="Consolas" pitchFamily="49" charset="0"/>
+              </a:rPr>
+              <a:t>expected</a:t>
+            </a:r>
+            <a:r>
+              <a:rPr lang="fr-FR" sz="1600" dirty="0" smtClean="0">
+                <a:solidFill>
+                  <a:schemeClr val="bg1"/>
+                </a:solidFill>
+                <a:latin typeface="Consolas" pitchFamily="49" charset="0"/>
+              </a:rPr>
+              <a:t>);</a:t>
+            </a:r>
+          </a:p>
+          <a:p>
+            <a:r>
+              <a:rPr lang="fr-FR" sz="1600" dirty="0" smtClean="0">
+                <a:solidFill>
+                  <a:schemeClr val="bg1"/>
+                </a:solidFill>
+                <a:latin typeface="Consolas" pitchFamily="49" charset="0"/>
+              </a:rPr>
+              <a:t>    </a:t>
+            </a:r>
+            <a:r>
+              <a:rPr lang="fr-FR" sz="1600" dirty="0" err="1" smtClean="0">
+                <a:solidFill>
+                  <a:srgbClr val="D8F141"/>
+                </a:solidFill>
+                <a:latin typeface="Consolas" pitchFamily="49" charset="0"/>
+              </a:rPr>
+              <a:t>expect</a:t>
+            </a:r>
+            <a:r>
+              <a:rPr lang="fr-FR" sz="1600" dirty="0" smtClean="0">
+                <a:solidFill>
+                  <a:schemeClr val="bg1"/>
+                </a:solidFill>
+                <a:latin typeface="Consolas" pitchFamily="49" charset="0"/>
+              </a:rPr>
+              <a:t>(</a:t>
+            </a:r>
+            <a:r>
+              <a:rPr lang="fr-FR" sz="1600" dirty="0" err="1" smtClean="0">
+                <a:solidFill>
+                  <a:srgbClr val="00B0F0"/>
+                </a:solidFill>
+                <a:latin typeface="Consolas" pitchFamily="49" charset="0"/>
+              </a:rPr>
+              <a:t>otherServiceSpy</a:t>
+            </a:r>
+            <a:r>
+              <a:rPr lang="fr-FR" sz="1600" dirty="0" err="1" smtClean="0">
+                <a:solidFill>
+                  <a:schemeClr val="bg1"/>
+                </a:solidFill>
+                <a:latin typeface="Consolas" pitchFamily="49" charset="0"/>
+              </a:rPr>
+              <a:t>.</a:t>
+            </a:r>
+            <a:r>
+              <a:rPr lang="fr-FR" sz="1600" dirty="0" err="1" smtClean="0">
+                <a:solidFill>
+                  <a:srgbClr val="D8F141"/>
+                </a:solidFill>
+                <a:latin typeface="Consolas" pitchFamily="49" charset="0"/>
+              </a:rPr>
+              <a:t>otherMethod</a:t>
+            </a:r>
+            <a:r>
+              <a:rPr lang="fr-FR" sz="1600" dirty="0" err="1" smtClean="0">
+                <a:solidFill>
+                  <a:schemeClr val="bg1"/>
+                </a:solidFill>
+                <a:latin typeface="Consolas" pitchFamily="49" charset="0"/>
+              </a:rPr>
+              <a:t>.</a:t>
+            </a:r>
+            <a:r>
+              <a:rPr lang="fr-FR" sz="1600" dirty="0" err="1" smtClean="0">
+                <a:solidFill>
+                  <a:srgbClr val="D8F141"/>
+                </a:solidFill>
+                <a:latin typeface="Consolas" pitchFamily="49" charset="0"/>
+              </a:rPr>
+              <a:t>calls</a:t>
+            </a:r>
+            <a:r>
+              <a:rPr lang="fr-FR" sz="1600" dirty="0" err="1" smtClean="0">
+                <a:solidFill>
+                  <a:schemeClr val="bg1"/>
+                </a:solidFill>
+                <a:latin typeface="Consolas" pitchFamily="49" charset="0"/>
+              </a:rPr>
+              <a:t>.</a:t>
+            </a:r>
+            <a:r>
+              <a:rPr lang="fr-FR" sz="1600" dirty="0" err="1" smtClean="0">
+                <a:solidFill>
+                  <a:srgbClr val="D8F141"/>
+                </a:solidFill>
+                <a:latin typeface="Consolas" pitchFamily="49" charset="0"/>
+              </a:rPr>
+              <a:t>count</a:t>
+            </a:r>
+            <a:r>
+              <a:rPr lang="fr-FR" sz="1600" dirty="0" smtClean="0">
+                <a:solidFill>
+                  <a:schemeClr val="bg1"/>
+                </a:solidFill>
+                <a:latin typeface="Consolas" pitchFamily="49" charset="0"/>
+              </a:rPr>
+              <a:t>()).</a:t>
+            </a:r>
+            <a:r>
+              <a:rPr lang="fr-FR" sz="1600" dirty="0" err="1" smtClean="0">
+                <a:solidFill>
+                  <a:srgbClr val="D8F141"/>
+                </a:solidFill>
+                <a:latin typeface="Consolas" pitchFamily="49" charset="0"/>
+              </a:rPr>
+              <a:t>toBe</a:t>
+            </a:r>
+            <a:r>
+              <a:rPr lang="fr-FR" sz="1600" dirty="0" smtClean="0">
+                <a:solidFill>
+                  <a:schemeClr val="bg1"/>
+                </a:solidFill>
+                <a:latin typeface="Consolas" pitchFamily="49" charset="0"/>
+              </a:rPr>
+              <a:t>(</a:t>
+            </a:r>
+            <a:r>
+              <a:rPr lang="fr-FR" sz="1600" dirty="0">
+                <a:solidFill>
+                  <a:srgbClr val="B4F83A"/>
+                </a:solidFill>
+                <a:latin typeface="Consolas" pitchFamily="49" charset="0"/>
+              </a:rPr>
+              <a:t>1</a:t>
+            </a:r>
+            <a:r>
+              <a:rPr lang="fr-FR" sz="1600" dirty="0" smtClean="0">
+                <a:solidFill>
+                  <a:schemeClr val="bg1"/>
+                </a:solidFill>
+                <a:latin typeface="Consolas" pitchFamily="49" charset="0"/>
+              </a:rPr>
+              <a:t>);</a:t>
+            </a:r>
+          </a:p>
+          <a:p>
+            <a:r>
+              <a:rPr lang="fr-FR" sz="1600" dirty="0">
+                <a:solidFill>
+                  <a:schemeClr val="bg1"/>
+                </a:solidFill>
+                <a:latin typeface="Consolas" pitchFamily="49" charset="0"/>
+              </a:rPr>
+              <a:t> </a:t>
+            </a:r>
+            <a:r>
+              <a:rPr lang="fr-FR" sz="1600" dirty="0" smtClean="0">
+                <a:solidFill>
+                  <a:schemeClr val="bg1"/>
+                </a:solidFill>
+                <a:latin typeface="Consolas" pitchFamily="49" charset="0"/>
+              </a:rPr>
+              <a:t> });</a:t>
+            </a:r>
+          </a:p>
+          <a:p>
+            <a:r>
+              <a:rPr lang="fr-FR" sz="1600" dirty="0" smtClean="0">
+                <a:solidFill>
+                  <a:schemeClr val="bg1"/>
+                </a:solidFill>
+                <a:latin typeface="Consolas" pitchFamily="49" charset="0"/>
+              </a:rPr>
+              <a:t>});</a:t>
+            </a:r>
+            <a:endParaRPr lang="fr-FR" sz="1600" dirty="0">
+              <a:solidFill>
+                <a:schemeClr val="bg1"/>
+              </a:solidFill>
+              <a:latin typeface="Consolas" pitchFamily="49" charset="0"/>
+            </a:endParaRPr>
+          </a:p>
+        </p:txBody>
+      </p:sp>
+    </p:spTree>
+    <p:extLst>
+      <p:ext uri="{BB962C8B-B14F-4D97-AF65-F5344CB8AC3E}">
+        <p14:creationId xmlns:p14="http://schemas.microsoft.com/office/powerpoint/2010/main" val="2435883774"/>
+      </p:ext>
+    </p:extLst>
+  </p:cSld>
+  <p:clrMapOvr>
+    <a:masterClrMapping/>
+  </p:clrMapOvr>
+</p:sld>
+</file>
+
+<file path=ppt/slides/slide24.xml><?xml version="1.0" encoding="utf-8"?>
+<p:sld xmlns:a="http://schemas.openxmlformats.org/drawingml/2006/main" xmlns:r="http://schemas.openxmlformats.org/officeDocument/2006/relationships" xmlns:p="http://schemas.openxmlformats.org/presentationml/2006/main">
+  <p:cSld>
+    <p:spTree>
+      <p:nvGrpSpPr>
+        <p:cNvPr id="1" name=""/>
+        <p:cNvGrpSpPr/>
+        <p:nvPr/>
+      </p:nvGrpSpPr>
+      <p:grpSpPr>
+        <a:xfrm>
+          <a:off x="0" y="0"/>
+          <a:ext cx="0" cy="0"/>
+          <a:chOff x="0" y="0"/>
+          <a:chExt cx="0" cy="0"/>
+        </a:xfrm>
+      </p:grpSpPr>
+      <p:sp>
+        <p:nvSpPr>
+          <p:cNvPr id="2" name="Titre 1"/>
+          <p:cNvSpPr>
+            <a:spLocks noGrp="1"/>
+          </p:cNvSpPr>
+          <p:nvPr>
+            <p:ph type="title"/>
+          </p:nvPr>
+        </p:nvSpPr>
+        <p:spPr/>
+        <p:txBody>
+          <a:bodyPr/>
+          <a:lstStyle/>
+          <a:p>
+            <a:r>
+              <a:rPr lang="fr-FR" dirty="0" smtClean="0"/>
+              <a:t>Tests unitaires</a:t>
+            </a:r>
+            <a:endParaRPr lang="fr-FR" dirty="0"/>
+          </a:p>
+        </p:txBody>
+      </p:sp>
+      <p:sp>
+        <p:nvSpPr>
+          <p:cNvPr id="3" name="Espace réservé du contenu 2"/>
+          <p:cNvSpPr>
+            <a:spLocks noGrp="1"/>
+          </p:cNvSpPr>
+          <p:nvPr>
+            <p:ph sz="quarter" idx="17"/>
+          </p:nvPr>
+        </p:nvSpPr>
+        <p:spPr/>
+        <p:txBody>
+          <a:bodyPr/>
+          <a:lstStyle/>
+          <a:p>
+            <a:pPr marL="342900" indent="-342900">
+              <a:buFont typeface="Arial" panose="020B0604020202020204" pitchFamily="34" charset="0"/>
+              <a:buChar char="•"/>
+            </a:pPr>
+            <a:r>
+              <a:rPr lang="fr-FR" dirty="0" smtClean="0"/>
+              <a:t>Les TU sur les composants se décomposent en 2 parties:</a:t>
+            </a:r>
+          </a:p>
+          <a:p>
+            <a:pPr marL="606425" lvl="1" indent="-342900"/>
+            <a:r>
+              <a:rPr lang="fr-FR" dirty="0" smtClean="0"/>
+              <a:t>Les tests de classe</a:t>
+            </a:r>
+          </a:p>
+          <a:p>
+            <a:pPr marL="606425" lvl="1" indent="-342900"/>
+            <a:r>
+              <a:rPr lang="fr-FR" dirty="0" smtClean="0"/>
+              <a:t>Les tests de DOM</a:t>
+            </a:r>
+          </a:p>
+          <a:p>
+            <a:pPr marL="606425" lvl="1" indent="-342900"/>
+            <a:endParaRPr lang="fr-FR" dirty="0"/>
+          </a:p>
+          <a:p>
+            <a:pPr marL="342900" indent="-342900">
+              <a:buFont typeface="Arial" panose="020B0604020202020204" pitchFamily="34" charset="0"/>
+              <a:buChar char="•"/>
+            </a:pPr>
+            <a:r>
+              <a:rPr lang="fr-FR" dirty="0" smtClean="0"/>
+              <a:t>Les tests de DOM certifient que le composant se comporte visuellement comme attendu</a:t>
+            </a:r>
+          </a:p>
+        </p:txBody>
+      </p:sp>
+      <p:sp>
+        <p:nvSpPr>
+          <p:cNvPr id="4" name="Espace réservé du numéro de diapositive 3"/>
+          <p:cNvSpPr>
+            <a:spLocks noGrp="1"/>
+          </p:cNvSpPr>
+          <p:nvPr>
+            <p:ph type="sldNum" sz="quarter" idx="12"/>
+          </p:nvPr>
+        </p:nvSpPr>
+        <p:spPr/>
+        <p:txBody>
+          <a:bodyPr/>
+          <a:lstStyle/>
+          <a:p>
+            <a:fld id="{525A3C56-E491-49B2-93F3-63532DF516BC}" type="slidenum">
+              <a:rPr lang="en-GB" smtClean="0"/>
+              <a:pPr/>
+              <a:t>24</a:t>
+            </a:fld>
+            <a:endParaRPr lang="en-GB" dirty="0"/>
+          </a:p>
+        </p:txBody>
+      </p:sp>
+    </p:spTree>
+    <p:extLst>
+      <p:ext uri="{BB962C8B-B14F-4D97-AF65-F5344CB8AC3E}">
+        <p14:creationId xmlns:p14="http://schemas.microsoft.com/office/powerpoint/2010/main" val="3995697018"/>
+      </p:ext>
+    </p:extLst>
+  </p:cSld>
+  <p:clrMapOvr>
+    <a:masterClrMapping/>
+  </p:clrMapOvr>
+</p:sld>
+</file>
+
+<file path=ppt/slides/slide25.xml><?xml version="1.0" encoding="utf-8"?>
+<p:sld xmlns:a="http://schemas.openxmlformats.org/drawingml/2006/main" xmlns:r="http://schemas.openxmlformats.org/officeDocument/2006/relationships" xmlns:p="http://schemas.openxmlformats.org/presentationml/2006/main">
+  <p:cSld>
+    <p:spTree>
+      <p:nvGrpSpPr>
+        <p:cNvPr id="1" name=""/>
+        <p:cNvGrpSpPr/>
+        <p:nvPr/>
+      </p:nvGrpSpPr>
+      <p:grpSpPr>
+        <a:xfrm>
+          <a:off x="0" y="0"/>
+          <a:ext cx="0" cy="0"/>
+          <a:chOff x="0" y="0"/>
+          <a:chExt cx="0" cy="0"/>
+        </a:xfrm>
+      </p:grpSpPr>
+      <p:sp>
+        <p:nvSpPr>
+          <p:cNvPr id="2" name="Titre 1"/>
+          <p:cNvSpPr>
+            <a:spLocks noGrp="1"/>
+          </p:cNvSpPr>
+          <p:nvPr>
+            <p:ph type="title"/>
+          </p:nvPr>
+        </p:nvSpPr>
+        <p:spPr/>
+        <p:txBody>
+          <a:bodyPr/>
+          <a:lstStyle/>
+          <a:p>
+            <a:r>
+              <a:rPr lang="fr-FR" dirty="0" smtClean="0"/>
+              <a:t>Tests unitaires</a:t>
+            </a:r>
+            <a:endParaRPr lang="fr-FR" dirty="0"/>
+          </a:p>
+        </p:txBody>
+      </p:sp>
+      <p:sp>
+        <p:nvSpPr>
+          <p:cNvPr id="3" name="Espace réservé du contenu 2"/>
+          <p:cNvSpPr>
+            <a:spLocks noGrp="1"/>
+          </p:cNvSpPr>
+          <p:nvPr>
+            <p:ph sz="quarter" idx="17"/>
+          </p:nvPr>
+        </p:nvSpPr>
+        <p:spPr/>
+        <p:txBody>
+          <a:bodyPr/>
+          <a:lstStyle/>
+          <a:p>
+            <a:r>
+              <a:rPr lang="fr-FR" dirty="0" smtClean="0"/>
+              <a:t>  </a:t>
+            </a:r>
+            <a:r>
+              <a:rPr lang="fr-FR" dirty="0" err="1" smtClean="0"/>
+              <a:t>custom</a:t>
+            </a:r>
+            <a:r>
+              <a:rPr lang="fr-FR" dirty="0" err="1" smtClean="0"/>
+              <a:t>.component.ts</a:t>
+            </a:r>
+            <a:endParaRPr lang="fr-FR" dirty="0" smtClean="0"/>
+          </a:p>
+          <a:p>
+            <a:pPr marL="342900" indent="-342900"/>
+            <a:endParaRPr lang="fr-FR" dirty="0" smtClean="0"/>
+          </a:p>
+        </p:txBody>
+      </p:sp>
+      <p:sp>
+        <p:nvSpPr>
+          <p:cNvPr id="4" name="Espace réservé du numéro de diapositive 3"/>
+          <p:cNvSpPr>
+            <a:spLocks noGrp="1"/>
+          </p:cNvSpPr>
+          <p:nvPr>
+            <p:ph type="sldNum" sz="quarter" idx="12"/>
+          </p:nvPr>
+        </p:nvSpPr>
+        <p:spPr/>
+        <p:txBody>
+          <a:bodyPr/>
+          <a:lstStyle/>
+          <a:p>
+            <a:fld id="{525A3C56-E491-49B2-93F3-63532DF516BC}" type="slidenum">
+              <a:rPr lang="en-GB" smtClean="0"/>
+              <a:pPr/>
+              <a:t>25</a:t>
+            </a:fld>
+            <a:endParaRPr lang="en-GB" dirty="0"/>
+          </a:p>
+        </p:txBody>
+      </p:sp>
+      <p:sp>
+        <p:nvSpPr>
+          <p:cNvPr id="7" name="Espace réservé du contenu 1"/>
+          <p:cNvSpPr txBox="1">
+            <a:spLocks/>
+          </p:cNvSpPr>
+          <p:nvPr/>
+        </p:nvSpPr>
+        <p:spPr>
+          <a:xfrm>
+            <a:off x="594347" y="1643931"/>
+            <a:ext cx="8209411" cy="2513399"/>
+          </a:xfrm>
+          <a:prstGeom prst="rect">
+            <a:avLst/>
+          </a:prstGeom>
+          <a:solidFill>
+            <a:schemeClr val="tx1">
+              <a:lumMod val="75000"/>
+            </a:schemeClr>
+          </a:solidFill>
+        </p:spPr>
+        <p:txBody>
+          <a:bodyPr lIns="0" tIns="0" rIns="0" bIns="0">
+            <a:normAutofit/>
+          </a:bodyPr>
+          <a:lstStyle>
+            <a:lvl1pPr marL="0" indent="0" algn="l" defTabSz="914400" rtl="0" eaLnBrk="1" latinLnBrk="0" hangingPunct="1">
+              <a:spcBef>
+                <a:spcPts val="500"/>
+              </a:spcBef>
+              <a:buClr>
+                <a:schemeClr val="accent1"/>
+              </a:buClr>
+              <a:buSzPct val="110000"/>
+              <a:buFont typeface="Arial" pitchFamily="34" charset="0"/>
+              <a:buNone/>
+              <a:defRPr sz="2000" kern="1200">
+                <a:solidFill>
+                  <a:schemeClr val="tx1"/>
+                </a:solidFill>
+                <a:latin typeface="Arial" pitchFamily="34" charset="0"/>
+                <a:ea typeface="+mn-ea"/>
+                <a:cs typeface="+mn-cs"/>
+              </a:defRPr>
+            </a:lvl1pPr>
+            <a:lvl2pPr marL="263525" indent="-263525" algn="l" defTabSz="914400" rtl="0" eaLnBrk="1" latinLnBrk="0" hangingPunct="1">
+              <a:spcBef>
+                <a:spcPts val="500"/>
+              </a:spcBef>
+              <a:buClr>
+                <a:schemeClr val="accent1"/>
+              </a:buClr>
+              <a:buSzPct val="110000"/>
+              <a:buFont typeface="Arial" pitchFamily="34" charset="0"/>
+              <a:buChar char="•"/>
+              <a:defRPr sz="2000" kern="1200" baseline="0">
+                <a:solidFill>
+                  <a:schemeClr val="tx1"/>
+                </a:solidFill>
+                <a:latin typeface="Arial" pitchFamily="34" charset="0"/>
+                <a:ea typeface="+mn-ea"/>
+                <a:cs typeface="+mn-cs"/>
+              </a:defRPr>
+            </a:lvl2pPr>
+            <a:lvl3pPr marL="536575" indent="-273050" algn="l" defTabSz="914400" rtl="0" eaLnBrk="1" latinLnBrk="0" hangingPunct="1">
+              <a:spcBef>
+                <a:spcPts val="500"/>
+              </a:spcBef>
+              <a:buClr>
+                <a:schemeClr val="accent1"/>
+              </a:buClr>
+              <a:buSzPct val="110000"/>
+              <a:buFont typeface="Arial" pitchFamily="34" charset="0"/>
+              <a:buChar char="•"/>
+              <a:defRPr sz="1800" kern="1200" baseline="0">
+                <a:solidFill>
+                  <a:schemeClr val="tx1"/>
+                </a:solidFill>
+                <a:latin typeface="Arial" pitchFamily="34" charset="0"/>
+                <a:ea typeface="+mn-ea"/>
+                <a:cs typeface="+mn-cs"/>
+              </a:defRPr>
+            </a:lvl3pPr>
+            <a:lvl4pPr marL="811213" indent="-274638" algn="l" defTabSz="914400" rtl="0" eaLnBrk="1" latinLnBrk="0" hangingPunct="1">
+              <a:spcBef>
+                <a:spcPts val="500"/>
+              </a:spcBef>
+              <a:buClr>
+                <a:schemeClr val="accent1"/>
+              </a:buClr>
+              <a:buSzPct val="110000"/>
+              <a:buFont typeface="Arial" pitchFamily="34" charset="0"/>
+              <a:buChar char="•"/>
+              <a:defRPr sz="1600" kern="1200" baseline="0">
+                <a:solidFill>
+                  <a:schemeClr val="tx1"/>
+                </a:solidFill>
+                <a:latin typeface="Arial" pitchFamily="34" charset="0"/>
+                <a:ea typeface="+mn-ea"/>
+                <a:cs typeface="+mn-cs"/>
+              </a:defRPr>
+            </a:lvl4pPr>
+            <a:lvl5pPr marL="1074738" indent="-263525" algn="l" defTabSz="914400" rtl="0" eaLnBrk="1" latinLnBrk="0" hangingPunct="1">
+              <a:spcBef>
+                <a:spcPts val="500"/>
+              </a:spcBef>
+              <a:buClr>
+                <a:schemeClr val="accent1"/>
+              </a:buClr>
+              <a:buSzPct val="110000"/>
+              <a:buFont typeface="Arial" pitchFamily="34" charset="0"/>
+              <a:buChar char="•"/>
+              <a:defRPr sz="1400" kern="1200" baseline="0">
+                <a:solidFill>
+                  <a:schemeClr val="tx1"/>
+                </a:solidFill>
+                <a:latin typeface="Arial" pitchFamily="34" charset="0"/>
+                <a:ea typeface="+mn-ea"/>
+                <a:cs typeface="+mn-cs"/>
+              </a:defRPr>
+            </a:lvl5pPr>
+            <a:lvl6pPr marL="1136650" indent="-215900" algn="l" defTabSz="914400" rtl="0" eaLnBrk="1" latinLnBrk="0" hangingPunct="1">
+              <a:spcBef>
+                <a:spcPts val="500"/>
+              </a:spcBef>
+              <a:buClr>
+                <a:schemeClr val="accent1"/>
+              </a:buClr>
+              <a:buFont typeface="Verdana" pitchFamily="34" charset="0"/>
+              <a:buNone/>
+              <a:defRPr sz="1400" kern="1200" baseline="0">
+                <a:solidFill>
+                  <a:schemeClr val="tx1"/>
+                </a:solidFill>
+                <a:latin typeface="+mn-lt"/>
+                <a:ea typeface="+mn-ea"/>
+                <a:cs typeface="+mn-cs"/>
+              </a:defRPr>
+            </a:lvl6pPr>
+            <a:lvl7pPr marL="1343025" indent="-228600" algn="l" defTabSz="914400" rtl="0" eaLnBrk="1" latinLnBrk="0" hangingPunct="1">
+              <a:spcBef>
+                <a:spcPts val="500"/>
+              </a:spcBef>
+              <a:buClr>
+                <a:schemeClr val="tx1">
+                  <a:lumMod val="60000"/>
+                  <a:lumOff val="40000"/>
+                </a:schemeClr>
+              </a:buClr>
+              <a:buFont typeface="Verdana" pitchFamily="34" charset="0"/>
+              <a:buChar char="•"/>
+              <a:defRPr sz="1400" kern="1200" baseline="0">
+                <a:solidFill>
+                  <a:schemeClr val="tx1"/>
+                </a:solidFill>
+                <a:latin typeface="+mn-lt"/>
+                <a:ea typeface="+mn-ea"/>
+                <a:cs typeface="+mn-cs"/>
+              </a:defRPr>
+            </a:lvl7pPr>
+            <a:lvl8pPr marL="3429000" indent="-228600" algn="l" defTabSz="914400" rtl="0" eaLnBrk="1" latinLnBrk="0" hangingPunct="1">
+              <a:spcBef>
+                <a:spcPct val="20000"/>
+              </a:spcBef>
+              <a:buFont typeface="Arial" pitchFamily="34" charset="0"/>
+              <a:buChar char="•"/>
+              <a:defRPr sz="2000" kern="1200">
+                <a:solidFill>
+                  <a:schemeClr val="tx1"/>
+                </a:solidFill>
+                <a:latin typeface="+mn-lt"/>
+                <a:ea typeface="+mn-ea"/>
+                <a:cs typeface="+mn-cs"/>
+              </a:defRPr>
+            </a:lvl8pPr>
+            <a:lvl9pPr marL="3886200" indent="-228600" algn="l" defTabSz="914400" rtl="0" eaLnBrk="1" latinLnBrk="0" hangingPunct="1">
+              <a:spcBef>
+                <a:spcPct val="20000"/>
+              </a:spcBef>
+              <a:buFont typeface="Arial" pitchFamily="34" charset="0"/>
+              <a:buChar char="•"/>
+              <a:defRPr sz="2000" kern="1200">
+                <a:solidFill>
+                  <a:schemeClr val="tx1"/>
+                </a:solidFill>
+                <a:latin typeface="+mn-lt"/>
+                <a:ea typeface="+mn-ea"/>
+                <a:cs typeface="+mn-cs"/>
+              </a:defRPr>
+            </a:lvl9pPr>
+          </a:lstStyle>
+          <a:p>
+            <a:r>
+              <a:rPr lang="fr-FR" sz="1600" dirty="0" smtClean="0">
+                <a:solidFill>
+                  <a:srgbClr val="92D050"/>
+                </a:solidFill>
+                <a:latin typeface="Consolas" pitchFamily="49" charset="0"/>
+              </a:rPr>
+              <a:t>@Component</a:t>
+            </a:r>
+            <a:r>
+              <a:rPr lang="fr-FR" sz="1600" dirty="0" smtClean="0">
+                <a:solidFill>
+                  <a:schemeClr val="bg1"/>
+                </a:solidFill>
+                <a:latin typeface="Consolas" pitchFamily="49" charset="0"/>
+              </a:rPr>
+              <a:t>({</a:t>
+            </a:r>
+          </a:p>
+          <a:p>
+            <a:r>
+              <a:rPr lang="fr-FR" sz="1600" dirty="0" smtClean="0">
+                <a:solidFill>
+                  <a:schemeClr val="bg1"/>
+                </a:solidFill>
+                <a:latin typeface="Consolas" pitchFamily="49" charset="0"/>
+              </a:rPr>
+              <a:t>  </a:t>
+            </a:r>
+            <a:r>
+              <a:rPr lang="fr-FR" sz="1600" dirty="0" err="1" smtClean="0">
+                <a:solidFill>
+                  <a:srgbClr val="00B0F0"/>
+                </a:solidFill>
+                <a:latin typeface="Consolas" pitchFamily="49" charset="0"/>
+              </a:rPr>
+              <a:t>selector</a:t>
+            </a:r>
+            <a:r>
+              <a:rPr lang="fr-FR" sz="1600" dirty="0">
+                <a:solidFill>
+                  <a:schemeClr val="bg1"/>
+                </a:solidFill>
+                <a:latin typeface="Consolas" pitchFamily="49" charset="0"/>
+              </a:rPr>
+              <a:t>: </a:t>
+            </a:r>
+            <a:r>
+              <a:rPr lang="fr-FR" sz="1600" dirty="0" smtClean="0">
+                <a:solidFill>
+                  <a:schemeClr val="accent5"/>
+                </a:solidFill>
+                <a:latin typeface="Consolas" pitchFamily="49" charset="0"/>
+              </a:rPr>
+              <a:t>'custom'</a:t>
+            </a:r>
+            <a:r>
+              <a:rPr lang="fr-FR" sz="1600" dirty="0" smtClean="0">
+                <a:solidFill>
+                  <a:schemeClr val="bg1"/>
+                </a:solidFill>
+                <a:latin typeface="Consolas" pitchFamily="49" charset="0"/>
+              </a:rPr>
+              <a:t>,</a:t>
+            </a:r>
+            <a:endParaRPr lang="fr-FR" sz="1600" dirty="0">
+              <a:solidFill>
+                <a:schemeClr val="bg1"/>
+              </a:solidFill>
+              <a:latin typeface="Consolas" pitchFamily="49" charset="0"/>
+            </a:endParaRPr>
+          </a:p>
+          <a:p>
+            <a:r>
+              <a:rPr lang="fr-FR" sz="1600" dirty="0">
+                <a:solidFill>
+                  <a:schemeClr val="bg1"/>
+                </a:solidFill>
+                <a:latin typeface="Consolas" pitchFamily="49" charset="0"/>
+              </a:rPr>
+              <a:t>  </a:t>
+            </a:r>
+            <a:r>
+              <a:rPr lang="fr-FR" sz="1600" dirty="0" err="1">
+                <a:solidFill>
+                  <a:srgbClr val="00B0F0"/>
+                </a:solidFill>
+                <a:latin typeface="Consolas" pitchFamily="49" charset="0"/>
+              </a:rPr>
+              <a:t>template</a:t>
+            </a:r>
+            <a:r>
+              <a:rPr lang="fr-FR" sz="1600" dirty="0">
+                <a:solidFill>
+                  <a:schemeClr val="bg1"/>
+                </a:solidFill>
+                <a:latin typeface="Consolas" pitchFamily="49" charset="0"/>
+              </a:rPr>
+              <a:t>: </a:t>
+            </a:r>
+            <a:r>
+              <a:rPr lang="fr-FR" sz="1600" dirty="0">
+                <a:solidFill>
+                  <a:schemeClr val="accent5"/>
+                </a:solidFill>
+                <a:latin typeface="Consolas" pitchFamily="49" charset="0"/>
+              </a:rPr>
+              <a:t>'&lt;h1&gt;{{</a:t>
+            </a:r>
+            <a:r>
+              <a:rPr lang="fr-FR" sz="1600" dirty="0" err="1">
+                <a:solidFill>
+                  <a:schemeClr val="accent5"/>
+                </a:solidFill>
+                <a:latin typeface="Consolas" pitchFamily="49" charset="0"/>
+              </a:rPr>
+              <a:t>title</a:t>
+            </a:r>
+            <a:r>
+              <a:rPr lang="fr-FR" sz="1600" dirty="0">
+                <a:solidFill>
+                  <a:schemeClr val="accent5"/>
+                </a:solidFill>
+                <a:latin typeface="Consolas" pitchFamily="49" charset="0"/>
+              </a:rPr>
+              <a:t>}}&lt;/h1&gt;'</a:t>
+            </a:r>
+            <a:r>
+              <a:rPr lang="fr-FR" sz="1600" dirty="0">
+                <a:solidFill>
+                  <a:schemeClr val="bg1"/>
+                </a:solidFill>
+                <a:latin typeface="Consolas" pitchFamily="49" charset="0"/>
+              </a:rPr>
+              <a:t>,</a:t>
+            </a:r>
+          </a:p>
+          <a:p>
+            <a:r>
+              <a:rPr lang="fr-FR" sz="1600" dirty="0">
+                <a:solidFill>
+                  <a:schemeClr val="bg1"/>
+                </a:solidFill>
+                <a:latin typeface="Consolas" pitchFamily="49" charset="0"/>
+              </a:rPr>
+              <a:t>  </a:t>
+            </a:r>
+            <a:r>
+              <a:rPr lang="fr-FR" sz="1600" dirty="0">
+                <a:solidFill>
+                  <a:srgbClr val="00B0F0"/>
+                </a:solidFill>
+                <a:latin typeface="Consolas" pitchFamily="49" charset="0"/>
+              </a:rPr>
+              <a:t>styles</a:t>
+            </a:r>
+            <a:r>
+              <a:rPr lang="fr-FR" sz="1600" dirty="0">
+                <a:solidFill>
+                  <a:schemeClr val="bg1"/>
+                </a:solidFill>
+                <a:latin typeface="Consolas" pitchFamily="49" charset="0"/>
+              </a:rPr>
+              <a:t>: [</a:t>
+            </a:r>
+            <a:r>
+              <a:rPr lang="fr-FR" sz="1600" dirty="0">
+                <a:solidFill>
+                  <a:schemeClr val="accent5"/>
+                </a:solidFill>
+                <a:latin typeface="Consolas" pitchFamily="49" charset="0"/>
+              </a:rPr>
+              <a:t>'h1 { </a:t>
+            </a:r>
+            <a:r>
+              <a:rPr lang="fr-FR" sz="1600" dirty="0" err="1">
+                <a:solidFill>
+                  <a:schemeClr val="accent5"/>
+                </a:solidFill>
+                <a:latin typeface="Consolas" pitchFamily="49" charset="0"/>
+              </a:rPr>
+              <a:t>color</a:t>
+            </a:r>
+            <a:r>
+              <a:rPr lang="fr-FR" sz="1600" dirty="0">
+                <a:solidFill>
+                  <a:schemeClr val="accent5"/>
+                </a:solidFill>
+                <a:latin typeface="Consolas" pitchFamily="49" charset="0"/>
+              </a:rPr>
+              <a:t>: green; font-size: 350%}'</a:t>
+            </a:r>
+            <a:r>
+              <a:rPr lang="fr-FR" sz="1600" dirty="0">
+                <a:solidFill>
+                  <a:schemeClr val="bg1"/>
+                </a:solidFill>
+                <a:latin typeface="Consolas" pitchFamily="49" charset="0"/>
+              </a:rPr>
+              <a:t>]</a:t>
+            </a:r>
+            <a:endParaRPr lang="fr-FR" sz="1600" dirty="0" smtClean="0">
+              <a:solidFill>
+                <a:schemeClr val="bg1"/>
+              </a:solidFill>
+              <a:latin typeface="Consolas" pitchFamily="49" charset="0"/>
+            </a:endParaRPr>
+          </a:p>
+          <a:p>
+            <a:r>
+              <a:rPr lang="fr-FR" sz="1600" dirty="0">
+                <a:solidFill>
+                  <a:schemeClr val="bg1"/>
+                </a:solidFill>
+                <a:latin typeface="Consolas" pitchFamily="49" charset="0"/>
+              </a:rPr>
+              <a:t>}</a:t>
+            </a:r>
+            <a:r>
+              <a:rPr lang="fr-FR" sz="1600" dirty="0" smtClean="0">
+                <a:solidFill>
+                  <a:schemeClr val="bg1"/>
+                </a:solidFill>
+                <a:latin typeface="Consolas" pitchFamily="49" charset="0"/>
+              </a:rPr>
+              <a:t>)</a:t>
+            </a:r>
+            <a:endParaRPr lang="fr-FR" sz="1600" dirty="0">
+              <a:solidFill>
+                <a:schemeClr val="bg1"/>
+              </a:solidFill>
+              <a:latin typeface="Consolas" pitchFamily="49" charset="0"/>
+            </a:endParaRPr>
+          </a:p>
+          <a:p>
+            <a:r>
+              <a:rPr lang="fr-FR" sz="1600" dirty="0">
+                <a:solidFill>
+                  <a:srgbClr val="7030A0"/>
+                </a:solidFill>
+                <a:latin typeface="Consolas" pitchFamily="49" charset="0"/>
+              </a:rPr>
+              <a:t>export</a:t>
+            </a:r>
+            <a:r>
+              <a:rPr lang="fr-FR" sz="1600" dirty="0">
+                <a:solidFill>
+                  <a:schemeClr val="bg1"/>
+                </a:solidFill>
+                <a:latin typeface="Consolas" pitchFamily="49" charset="0"/>
+              </a:rPr>
+              <a:t> </a:t>
+            </a:r>
+            <a:r>
+              <a:rPr lang="fr-FR" sz="1600" dirty="0">
+                <a:solidFill>
+                  <a:srgbClr val="0070C0"/>
+                </a:solidFill>
+                <a:latin typeface="Consolas" pitchFamily="49" charset="0"/>
+              </a:rPr>
+              <a:t>class</a:t>
+            </a:r>
+            <a:r>
+              <a:rPr lang="fr-FR" sz="1600" dirty="0">
+                <a:solidFill>
+                  <a:schemeClr val="bg1"/>
+                </a:solidFill>
+                <a:latin typeface="Consolas" pitchFamily="49" charset="0"/>
+              </a:rPr>
+              <a:t> </a:t>
+            </a:r>
+            <a:r>
+              <a:rPr lang="fr-FR" sz="1600" dirty="0" err="1" smtClean="0">
+                <a:solidFill>
+                  <a:srgbClr val="00B0F0"/>
+                </a:solidFill>
+                <a:latin typeface="Consolas" pitchFamily="49" charset="0"/>
+              </a:rPr>
+              <a:t>CustomComponent</a:t>
+            </a:r>
+            <a:r>
+              <a:rPr lang="fr-FR" sz="1600" dirty="0" smtClean="0">
+                <a:solidFill>
+                  <a:schemeClr val="bg1"/>
+                </a:solidFill>
+                <a:latin typeface="Consolas" pitchFamily="49" charset="0"/>
+              </a:rPr>
+              <a:t> {</a:t>
+            </a:r>
+          </a:p>
+          <a:p>
+            <a:r>
+              <a:rPr lang="fr-FR" sz="1600" dirty="0" smtClean="0">
+                <a:solidFill>
+                  <a:schemeClr val="bg1"/>
+                </a:solidFill>
+                <a:latin typeface="Consolas" pitchFamily="49" charset="0"/>
+              </a:rPr>
+              <a:t>  </a:t>
+            </a:r>
+            <a:r>
+              <a:rPr lang="fr-FR" sz="1600" dirty="0" smtClean="0">
+                <a:solidFill>
+                  <a:srgbClr val="0070C0"/>
+                </a:solidFill>
+                <a:latin typeface="Consolas" pitchFamily="49" charset="0"/>
+              </a:rPr>
+              <a:t>public</a:t>
+            </a:r>
+            <a:r>
+              <a:rPr lang="fr-FR" sz="1600" dirty="0" smtClean="0">
+                <a:solidFill>
+                  <a:schemeClr val="bg1"/>
+                </a:solidFill>
+                <a:latin typeface="Consolas" pitchFamily="49" charset="0"/>
+              </a:rPr>
+              <a:t> </a:t>
+            </a:r>
+            <a:r>
+              <a:rPr lang="fr-FR" sz="1600" dirty="0" err="1" smtClean="0">
+                <a:solidFill>
+                  <a:srgbClr val="00B0F0"/>
+                </a:solidFill>
+                <a:latin typeface="Consolas" pitchFamily="49" charset="0"/>
+              </a:rPr>
+              <a:t>title</a:t>
+            </a:r>
+            <a:r>
+              <a:rPr lang="fr-FR" sz="1600" dirty="0" smtClean="0">
+                <a:solidFill>
+                  <a:schemeClr val="bg1"/>
+                </a:solidFill>
+                <a:latin typeface="Consolas" pitchFamily="49" charset="0"/>
+              </a:rPr>
+              <a:t> = </a:t>
+            </a:r>
+            <a:r>
+              <a:rPr lang="fr-FR" sz="1600" dirty="0" smtClean="0">
+                <a:solidFill>
+                  <a:schemeClr val="accent5"/>
+                </a:solidFill>
+                <a:latin typeface="Consolas" pitchFamily="49" charset="0"/>
+              </a:rPr>
+              <a:t>'Mon titre'</a:t>
+            </a:r>
+            <a:r>
+              <a:rPr lang="fr-FR" sz="1600" dirty="0" smtClean="0">
+                <a:solidFill>
+                  <a:schemeClr val="bg1"/>
+                </a:solidFill>
+                <a:latin typeface="Consolas" pitchFamily="49" charset="0"/>
+              </a:rPr>
+              <a:t>;</a:t>
+            </a:r>
+          </a:p>
+          <a:p>
+            <a:r>
+              <a:rPr lang="fr-FR" sz="1600" dirty="0" smtClean="0">
+                <a:solidFill>
+                  <a:schemeClr val="bg1"/>
+                </a:solidFill>
+                <a:latin typeface="Consolas" pitchFamily="49" charset="0"/>
+              </a:rPr>
+              <a:t>}</a:t>
+            </a:r>
+            <a:endParaRPr lang="fr-FR" sz="1600" dirty="0">
+              <a:solidFill>
+                <a:schemeClr val="bg1"/>
+              </a:solidFill>
+              <a:latin typeface="Consolas" pitchFamily="49" charset="0"/>
+            </a:endParaRPr>
+          </a:p>
+        </p:txBody>
+      </p:sp>
+    </p:spTree>
+    <p:extLst>
+      <p:ext uri="{BB962C8B-B14F-4D97-AF65-F5344CB8AC3E}">
+        <p14:creationId xmlns:p14="http://schemas.microsoft.com/office/powerpoint/2010/main" val="945457374"/>
+      </p:ext>
+    </p:extLst>
+  </p:cSld>
+  <p:clrMapOvr>
+    <a:masterClrMapping/>
+  </p:clrMapOvr>
+</p:sld>
+</file>
+
+<file path=ppt/slides/slide26.xml><?xml version="1.0" encoding="utf-8"?>
+<p:sld xmlns:a="http://schemas.openxmlformats.org/drawingml/2006/main" xmlns:r="http://schemas.openxmlformats.org/officeDocument/2006/relationships" xmlns:p="http://schemas.openxmlformats.org/presentationml/2006/main">
+  <p:cSld>
+    <p:spTree>
+      <p:nvGrpSpPr>
+        <p:cNvPr id="1" name=""/>
+        <p:cNvGrpSpPr/>
+        <p:nvPr/>
+      </p:nvGrpSpPr>
+      <p:grpSpPr>
+        <a:xfrm>
+          <a:off x="0" y="0"/>
+          <a:ext cx="0" cy="0"/>
+          <a:chOff x="0" y="0"/>
+          <a:chExt cx="0" cy="0"/>
+        </a:xfrm>
+      </p:grpSpPr>
+      <p:sp>
+        <p:nvSpPr>
+          <p:cNvPr id="2" name="Titre 1"/>
+          <p:cNvSpPr>
+            <a:spLocks noGrp="1"/>
+          </p:cNvSpPr>
+          <p:nvPr>
+            <p:ph type="title"/>
+          </p:nvPr>
+        </p:nvSpPr>
+        <p:spPr/>
+        <p:txBody>
+          <a:bodyPr/>
+          <a:lstStyle/>
+          <a:p>
+            <a:r>
+              <a:rPr lang="fr-FR" dirty="0" smtClean="0"/>
+              <a:t>Tests unitaires</a:t>
+            </a:r>
+            <a:endParaRPr lang="fr-FR" dirty="0"/>
+          </a:p>
+        </p:txBody>
+      </p:sp>
+      <p:sp>
+        <p:nvSpPr>
+          <p:cNvPr id="3" name="Espace réservé du contenu 2"/>
+          <p:cNvSpPr>
+            <a:spLocks noGrp="1"/>
+          </p:cNvSpPr>
+          <p:nvPr>
+            <p:ph sz="quarter" idx="17"/>
+          </p:nvPr>
+        </p:nvSpPr>
+        <p:spPr/>
+        <p:txBody>
+          <a:bodyPr/>
+          <a:lstStyle/>
+          <a:p>
+            <a:r>
+              <a:rPr lang="fr-FR" dirty="0" smtClean="0"/>
+              <a:t>  </a:t>
+            </a:r>
+            <a:r>
+              <a:rPr lang="fr-FR" dirty="0" err="1" smtClean="0"/>
+              <a:t>custom</a:t>
+            </a:r>
+            <a:r>
+              <a:rPr lang="fr-FR" dirty="0" err="1" smtClean="0"/>
+              <a:t>.component</a:t>
+            </a:r>
+            <a:r>
+              <a:rPr lang="fr-FR" dirty="0" err="1" smtClean="0"/>
+              <a:t>.spec</a:t>
+            </a:r>
+            <a:r>
+              <a:rPr lang="fr-FR" dirty="0" err="1" smtClean="0"/>
+              <a:t>.ts</a:t>
+            </a:r>
+            <a:r>
+              <a:rPr lang="fr-FR" dirty="0" smtClean="0"/>
+              <a:t> (1/2)</a:t>
+            </a:r>
+            <a:endParaRPr lang="fr-FR" dirty="0" smtClean="0"/>
+          </a:p>
+          <a:p>
+            <a:pPr marL="342900" indent="-342900"/>
+            <a:endParaRPr lang="fr-FR" dirty="0" smtClean="0"/>
+          </a:p>
+        </p:txBody>
+      </p:sp>
+      <p:sp>
+        <p:nvSpPr>
+          <p:cNvPr id="4" name="Espace réservé du numéro de diapositive 3"/>
+          <p:cNvSpPr>
+            <a:spLocks noGrp="1"/>
+          </p:cNvSpPr>
+          <p:nvPr>
+            <p:ph type="sldNum" sz="quarter" idx="12"/>
+          </p:nvPr>
+        </p:nvSpPr>
+        <p:spPr/>
+        <p:txBody>
+          <a:bodyPr/>
+          <a:lstStyle/>
+          <a:p>
+            <a:fld id="{525A3C56-E491-49B2-93F3-63532DF516BC}" type="slidenum">
+              <a:rPr lang="en-GB" smtClean="0"/>
+              <a:pPr/>
+              <a:t>26</a:t>
+            </a:fld>
+            <a:endParaRPr lang="en-GB" dirty="0"/>
+          </a:p>
+        </p:txBody>
+      </p:sp>
+      <p:sp>
+        <p:nvSpPr>
+          <p:cNvPr id="7" name="Espace réservé du contenu 1"/>
+          <p:cNvSpPr txBox="1">
+            <a:spLocks/>
+          </p:cNvSpPr>
+          <p:nvPr/>
+        </p:nvSpPr>
+        <p:spPr>
+          <a:xfrm>
+            <a:off x="594347" y="1643931"/>
+            <a:ext cx="8209411" cy="4427260"/>
+          </a:xfrm>
+          <a:prstGeom prst="rect">
+            <a:avLst/>
+          </a:prstGeom>
+          <a:solidFill>
+            <a:schemeClr val="tx1">
+              <a:lumMod val="75000"/>
+            </a:schemeClr>
+          </a:solidFill>
+        </p:spPr>
+        <p:txBody>
+          <a:bodyPr lIns="0" tIns="0" rIns="0" bIns="0">
+            <a:normAutofit/>
+          </a:bodyPr>
+          <a:lstStyle>
+            <a:lvl1pPr marL="0" indent="0" algn="l" defTabSz="914400" rtl="0" eaLnBrk="1" latinLnBrk="0" hangingPunct="1">
+              <a:spcBef>
+                <a:spcPts val="500"/>
+              </a:spcBef>
+              <a:buClr>
+                <a:schemeClr val="accent1"/>
+              </a:buClr>
+              <a:buSzPct val="110000"/>
+              <a:buFont typeface="Arial" pitchFamily="34" charset="0"/>
+              <a:buNone/>
+              <a:defRPr sz="2000" kern="1200">
+                <a:solidFill>
+                  <a:schemeClr val="tx1"/>
+                </a:solidFill>
+                <a:latin typeface="Arial" pitchFamily="34" charset="0"/>
+                <a:ea typeface="+mn-ea"/>
+                <a:cs typeface="+mn-cs"/>
+              </a:defRPr>
+            </a:lvl1pPr>
+            <a:lvl2pPr marL="263525" indent="-263525" algn="l" defTabSz="914400" rtl="0" eaLnBrk="1" latinLnBrk="0" hangingPunct="1">
+              <a:spcBef>
+                <a:spcPts val="500"/>
+              </a:spcBef>
+              <a:buClr>
+                <a:schemeClr val="accent1"/>
+              </a:buClr>
+              <a:buSzPct val="110000"/>
+              <a:buFont typeface="Arial" pitchFamily="34" charset="0"/>
+              <a:buChar char="•"/>
+              <a:defRPr sz="2000" kern="1200" baseline="0">
+                <a:solidFill>
+                  <a:schemeClr val="tx1"/>
+                </a:solidFill>
+                <a:latin typeface="Arial" pitchFamily="34" charset="0"/>
+                <a:ea typeface="+mn-ea"/>
+                <a:cs typeface="+mn-cs"/>
+              </a:defRPr>
+            </a:lvl2pPr>
+            <a:lvl3pPr marL="536575" indent="-273050" algn="l" defTabSz="914400" rtl="0" eaLnBrk="1" latinLnBrk="0" hangingPunct="1">
+              <a:spcBef>
+                <a:spcPts val="500"/>
+              </a:spcBef>
+              <a:buClr>
+                <a:schemeClr val="accent1"/>
+              </a:buClr>
+              <a:buSzPct val="110000"/>
+              <a:buFont typeface="Arial" pitchFamily="34" charset="0"/>
+              <a:buChar char="•"/>
+              <a:defRPr sz="1800" kern="1200" baseline="0">
+                <a:solidFill>
+                  <a:schemeClr val="tx1"/>
+                </a:solidFill>
+                <a:latin typeface="Arial" pitchFamily="34" charset="0"/>
+                <a:ea typeface="+mn-ea"/>
+                <a:cs typeface="+mn-cs"/>
+              </a:defRPr>
+            </a:lvl3pPr>
+            <a:lvl4pPr marL="811213" indent="-274638" algn="l" defTabSz="914400" rtl="0" eaLnBrk="1" latinLnBrk="0" hangingPunct="1">
+              <a:spcBef>
+                <a:spcPts val="500"/>
+              </a:spcBef>
+              <a:buClr>
+                <a:schemeClr val="accent1"/>
+              </a:buClr>
+              <a:buSzPct val="110000"/>
+              <a:buFont typeface="Arial" pitchFamily="34" charset="0"/>
+              <a:buChar char="•"/>
+              <a:defRPr sz="1600" kern="1200" baseline="0">
+                <a:solidFill>
+                  <a:schemeClr val="tx1"/>
+                </a:solidFill>
+                <a:latin typeface="Arial" pitchFamily="34" charset="0"/>
+                <a:ea typeface="+mn-ea"/>
+                <a:cs typeface="+mn-cs"/>
+              </a:defRPr>
+            </a:lvl4pPr>
+            <a:lvl5pPr marL="1074738" indent="-263525" algn="l" defTabSz="914400" rtl="0" eaLnBrk="1" latinLnBrk="0" hangingPunct="1">
+              <a:spcBef>
+                <a:spcPts val="500"/>
+              </a:spcBef>
+              <a:buClr>
+                <a:schemeClr val="accent1"/>
+              </a:buClr>
+              <a:buSzPct val="110000"/>
+              <a:buFont typeface="Arial" pitchFamily="34" charset="0"/>
+              <a:buChar char="•"/>
+              <a:defRPr sz="1400" kern="1200" baseline="0">
+                <a:solidFill>
+                  <a:schemeClr val="tx1"/>
+                </a:solidFill>
+                <a:latin typeface="Arial" pitchFamily="34" charset="0"/>
+                <a:ea typeface="+mn-ea"/>
+                <a:cs typeface="+mn-cs"/>
+              </a:defRPr>
+            </a:lvl5pPr>
+            <a:lvl6pPr marL="1136650" indent="-215900" algn="l" defTabSz="914400" rtl="0" eaLnBrk="1" latinLnBrk="0" hangingPunct="1">
+              <a:spcBef>
+                <a:spcPts val="500"/>
+              </a:spcBef>
+              <a:buClr>
+                <a:schemeClr val="accent1"/>
+              </a:buClr>
+              <a:buFont typeface="Verdana" pitchFamily="34" charset="0"/>
+              <a:buNone/>
+              <a:defRPr sz="1400" kern="1200" baseline="0">
+                <a:solidFill>
+                  <a:schemeClr val="tx1"/>
+                </a:solidFill>
+                <a:latin typeface="+mn-lt"/>
+                <a:ea typeface="+mn-ea"/>
+                <a:cs typeface="+mn-cs"/>
+              </a:defRPr>
+            </a:lvl6pPr>
+            <a:lvl7pPr marL="1343025" indent="-228600" algn="l" defTabSz="914400" rtl="0" eaLnBrk="1" latinLnBrk="0" hangingPunct="1">
+              <a:spcBef>
+                <a:spcPts val="500"/>
+              </a:spcBef>
+              <a:buClr>
+                <a:schemeClr val="tx1">
+                  <a:lumMod val="60000"/>
+                  <a:lumOff val="40000"/>
+                </a:schemeClr>
+              </a:buClr>
+              <a:buFont typeface="Verdana" pitchFamily="34" charset="0"/>
+              <a:buChar char="•"/>
+              <a:defRPr sz="1400" kern="1200" baseline="0">
+                <a:solidFill>
+                  <a:schemeClr val="tx1"/>
+                </a:solidFill>
+                <a:latin typeface="+mn-lt"/>
+                <a:ea typeface="+mn-ea"/>
+                <a:cs typeface="+mn-cs"/>
+              </a:defRPr>
+            </a:lvl7pPr>
+            <a:lvl8pPr marL="3429000" indent="-228600" algn="l" defTabSz="914400" rtl="0" eaLnBrk="1" latinLnBrk="0" hangingPunct="1">
+              <a:spcBef>
+                <a:spcPct val="20000"/>
+              </a:spcBef>
+              <a:buFont typeface="Arial" pitchFamily="34" charset="0"/>
+              <a:buChar char="•"/>
+              <a:defRPr sz="2000" kern="1200">
+                <a:solidFill>
+                  <a:schemeClr val="tx1"/>
+                </a:solidFill>
+                <a:latin typeface="+mn-lt"/>
+                <a:ea typeface="+mn-ea"/>
+                <a:cs typeface="+mn-cs"/>
+              </a:defRPr>
+            </a:lvl8pPr>
+            <a:lvl9pPr marL="3886200" indent="-228600" algn="l" defTabSz="914400" rtl="0" eaLnBrk="1" latinLnBrk="0" hangingPunct="1">
+              <a:spcBef>
+                <a:spcPct val="20000"/>
+              </a:spcBef>
+              <a:buFont typeface="Arial" pitchFamily="34" charset="0"/>
+              <a:buChar char="•"/>
+              <a:defRPr sz="2000" kern="1200">
+                <a:solidFill>
+                  <a:schemeClr val="tx1"/>
+                </a:solidFill>
+                <a:latin typeface="+mn-lt"/>
+                <a:ea typeface="+mn-ea"/>
+                <a:cs typeface="+mn-cs"/>
+              </a:defRPr>
+            </a:lvl9pPr>
+          </a:lstStyle>
+          <a:p>
+            <a:r>
+              <a:rPr lang="en-US" sz="1600" dirty="0">
+                <a:solidFill>
+                  <a:srgbClr val="0070C0"/>
+                </a:solidFill>
+                <a:latin typeface="Consolas" pitchFamily="49" charset="0"/>
+              </a:rPr>
+              <a:t>let</a:t>
+            </a:r>
+            <a:r>
+              <a:rPr lang="en-US" sz="1600" dirty="0">
+                <a:solidFill>
+                  <a:schemeClr val="bg1"/>
+                </a:solidFill>
+                <a:latin typeface="Consolas" pitchFamily="49" charset="0"/>
+              </a:rPr>
+              <a:t> </a:t>
+            </a:r>
+            <a:r>
+              <a:rPr lang="en-US" sz="1600" dirty="0">
+                <a:solidFill>
+                  <a:srgbClr val="00B0F0"/>
+                </a:solidFill>
+                <a:latin typeface="Consolas" pitchFamily="49" charset="0"/>
+              </a:rPr>
+              <a:t>component</a:t>
+            </a:r>
+            <a:r>
+              <a:rPr lang="en-US" sz="1600" dirty="0">
+                <a:solidFill>
+                  <a:schemeClr val="bg1"/>
+                </a:solidFill>
+                <a:latin typeface="Consolas" pitchFamily="49" charset="0"/>
+              </a:rPr>
+              <a:t>: </a:t>
+            </a:r>
+            <a:r>
+              <a:rPr lang="en-US" sz="1600" dirty="0" err="1" smtClean="0">
+                <a:solidFill>
+                  <a:srgbClr val="92D050"/>
+                </a:solidFill>
+                <a:latin typeface="Consolas" pitchFamily="49" charset="0"/>
+              </a:rPr>
+              <a:t>CustomComponent</a:t>
+            </a:r>
+            <a:r>
+              <a:rPr lang="en-US" sz="1600" dirty="0">
+                <a:solidFill>
+                  <a:schemeClr val="bg1"/>
+                </a:solidFill>
+                <a:latin typeface="Consolas" pitchFamily="49" charset="0"/>
+              </a:rPr>
+              <a:t>;</a:t>
+            </a:r>
+          </a:p>
+          <a:p>
+            <a:r>
+              <a:rPr lang="en-US" sz="1600" dirty="0">
+                <a:solidFill>
+                  <a:srgbClr val="0070C0"/>
+                </a:solidFill>
+                <a:latin typeface="Consolas" pitchFamily="49" charset="0"/>
+              </a:rPr>
+              <a:t>let</a:t>
+            </a:r>
+            <a:r>
+              <a:rPr lang="en-US" sz="1600" dirty="0">
+                <a:solidFill>
+                  <a:schemeClr val="bg1"/>
+                </a:solidFill>
+                <a:latin typeface="Consolas" pitchFamily="49" charset="0"/>
+              </a:rPr>
+              <a:t> </a:t>
+            </a:r>
+            <a:r>
+              <a:rPr lang="en-US" sz="1600" dirty="0">
+                <a:solidFill>
+                  <a:srgbClr val="00B0F0"/>
+                </a:solidFill>
+                <a:latin typeface="Consolas" pitchFamily="49" charset="0"/>
+              </a:rPr>
+              <a:t>fixture</a:t>
+            </a:r>
+            <a:r>
+              <a:rPr lang="en-US" sz="1600" dirty="0">
+                <a:solidFill>
+                  <a:schemeClr val="bg1"/>
+                </a:solidFill>
+                <a:latin typeface="Consolas" pitchFamily="49" charset="0"/>
+              </a:rPr>
+              <a:t>:   </a:t>
+            </a:r>
+            <a:r>
+              <a:rPr lang="en-US" sz="1600" dirty="0" err="1" smtClean="0">
+                <a:solidFill>
+                  <a:srgbClr val="92D050"/>
+                </a:solidFill>
+                <a:latin typeface="Consolas" pitchFamily="49" charset="0"/>
+              </a:rPr>
+              <a:t>ComponentFixture</a:t>
+            </a:r>
+            <a:r>
+              <a:rPr lang="en-US" sz="1600" dirty="0" smtClean="0">
+                <a:solidFill>
+                  <a:schemeClr val="bg1"/>
+                </a:solidFill>
+                <a:latin typeface="Consolas" pitchFamily="49" charset="0"/>
+              </a:rPr>
+              <a:t>&lt;</a:t>
+            </a:r>
+            <a:r>
+              <a:rPr lang="en-US" sz="1600" dirty="0" err="1" smtClean="0">
+                <a:solidFill>
+                  <a:srgbClr val="92D050"/>
+                </a:solidFill>
+                <a:latin typeface="Consolas" pitchFamily="49" charset="0"/>
+              </a:rPr>
+              <a:t>CustomComponent</a:t>
+            </a:r>
+            <a:r>
+              <a:rPr lang="en-US" sz="1600" dirty="0">
+                <a:solidFill>
+                  <a:schemeClr val="bg1"/>
+                </a:solidFill>
+                <a:latin typeface="Consolas" pitchFamily="49" charset="0"/>
+              </a:rPr>
+              <a:t>&gt;;</a:t>
+            </a:r>
+          </a:p>
+          <a:p>
+            <a:r>
+              <a:rPr lang="en-US" sz="1600" dirty="0">
+                <a:solidFill>
+                  <a:srgbClr val="0070C0"/>
+                </a:solidFill>
+                <a:latin typeface="Consolas" pitchFamily="49" charset="0"/>
+              </a:rPr>
+              <a:t>let</a:t>
+            </a:r>
+            <a:r>
+              <a:rPr lang="en-US" sz="1600" dirty="0">
+                <a:solidFill>
+                  <a:schemeClr val="bg1"/>
+                </a:solidFill>
+                <a:latin typeface="Consolas" pitchFamily="49" charset="0"/>
+              </a:rPr>
+              <a:t> </a:t>
+            </a:r>
+            <a:r>
+              <a:rPr lang="en-US" sz="1600" dirty="0">
+                <a:solidFill>
+                  <a:srgbClr val="00B0F0"/>
+                </a:solidFill>
+                <a:latin typeface="Consolas" pitchFamily="49" charset="0"/>
+              </a:rPr>
+              <a:t>h1</a:t>
+            </a:r>
+            <a:r>
+              <a:rPr lang="en-US" sz="1600" dirty="0">
+                <a:solidFill>
+                  <a:schemeClr val="bg1"/>
+                </a:solidFill>
+                <a:latin typeface="Consolas" pitchFamily="49" charset="0"/>
+              </a:rPr>
+              <a:t>:        </a:t>
+            </a:r>
+            <a:r>
+              <a:rPr lang="en-US" sz="1600" dirty="0" err="1">
+                <a:solidFill>
+                  <a:srgbClr val="92D050"/>
+                </a:solidFill>
+                <a:latin typeface="Consolas" pitchFamily="49" charset="0"/>
+              </a:rPr>
+              <a:t>HTMLElement</a:t>
+            </a:r>
+            <a:r>
+              <a:rPr lang="en-US" sz="1600" dirty="0">
+                <a:solidFill>
+                  <a:schemeClr val="bg1"/>
+                </a:solidFill>
+                <a:latin typeface="Consolas" pitchFamily="49" charset="0"/>
+              </a:rPr>
+              <a:t>;</a:t>
+            </a:r>
+          </a:p>
+          <a:p>
+            <a:endParaRPr lang="en-US" sz="1600" dirty="0" smtClean="0">
+              <a:solidFill>
+                <a:schemeClr val="bg1"/>
+              </a:solidFill>
+              <a:latin typeface="Consolas" pitchFamily="49" charset="0"/>
+            </a:endParaRPr>
+          </a:p>
+          <a:p>
+            <a:r>
+              <a:rPr lang="fr-FR" sz="1600" dirty="0" err="1">
+                <a:solidFill>
+                  <a:srgbClr val="0070C0"/>
+                </a:solidFill>
+                <a:latin typeface="Consolas" pitchFamily="49" charset="0"/>
+              </a:rPr>
+              <a:t>describe</a:t>
+            </a:r>
+            <a:r>
+              <a:rPr lang="fr-FR" sz="1600" dirty="0">
+                <a:solidFill>
+                  <a:schemeClr val="bg1"/>
+                </a:solidFill>
+                <a:latin typeface="Consolas" pitchFamily="49" charset="0"/>
+              </a:rPr>
+              <a:t>(</a:t>
+            </a:r>
+            <a:r>
+              <a:rPr lang="fr-FR" sz="1600" dirty="0">
+                <a:solidFill>
+                  <a:schemeClr val="accent5"/>
+                </a:solidFill>
+                <a:latin typeface="Consolas" pitchFamily="49" charset="0"/>
+              </a:rPr>
+              <a:t>'Test </a:t>
+            </a:r>
+            <a:r>
+              <a:rPr lang="fr-FR" sz="1600" dirty="0" err="1" smtClean="0">
+                <a:solidFill>
+                  <a:schemeClr val="accent5"/>
+                </a:solidFill>
+                <a:latin typeface="Consolas" pitchFamily="49" charset="0"/>
+              </a:rPr>
+              <a:t>CustomComponent</a:t>
+            </a:r>
+            <a:r>
+              <a:rPr lang="fr-FR" sz="1600" dirty="0" smtClean="0">
+                <a:solidFill>
+                  <a:schemeClr val="accent5"/>
+                </a:solidFill>
+                <a:latin typeface="Consolas" pitchFamily="49" charset="0"/>
+              </a:rPr>
+              <a:t>'</a:t>
+            </a:r>
+            <a:r>
+              <a:rPr lang="fr-FR" sz="1600" dirty="0" smtClean="0">
+                <a:solidFill>
+                  <a:schemeClr val="bg1"/>
+                </a:solidFill>
+                <a:latin typeface="Consolas" pitchFamily="49" charset="0"/>
+              </a:rPr>
+              <a:t>, </a:t>
+            </a:r>
+            <a:r>
+              <a:rPr lang="fr-FR" sz="1600" dirty="0">
+                <a:solidFill>
+                  <a:schemeClr val="bg1"/>
+                </a:solidFill>
+                <a:latin typeface="Consolas" pitchFamily="49" charset="0"/>
+              </a:rPr>
+              <a:t>() =&gt; </a:t>
+            </a:r>
+            <a:r>
+              <a:rPr lang="fr-FR" sz="1600" dirty="0" smtClean="0">
+                <a:solidFill>
+                  <a:schemeClr val="bg1"/>
+                </a:solidFill>
+                <a:latin typeface="Consolas" pitchFamily="49" charset="0"/>
+              </a:rPr>
+              <a:t>{</a:t>
+            </a:r>
+            <a:endParaRPr lang="en-US" sz="1600" dirty="0">
+              <a:solidFill>
+                <a:schemeClr val="bg1"/>
+              </a:solidFill>
+              <a:latin typeface="Consolas" pitchFamily="49" charset="0"/>
+            </a:endParaRPr>
+          </a:p>
+          <a:p>
+            <a:r>
+              <a:rPr lang="en-US" sz="1600" dirty="0" smtClean="0">
+                <a:solidFill>
+                  <a:srgbClr val="D8F141"/>
+                </a:solidFill>
+                <a:latin typeface="Consolas" pitchFamily="49" charset="0"/>
+              </a:rPr>
+              <a:t>  </a:t>
+            </a:r>
+            <a:r>
+              <a:rPr lang="en-US" sz="1600" dirty="0" err="1" smtClean="0">
+                <a:solidFill>
+                  <a:srgbClr val="D8F141"/>
+                </a:solidFill>
+                <a:latin typeface="Consolas" pitchFamily="49" charset="0"/>
+              </a:rPr>
+              <a:t>beforeEach</a:t>
+            </a:r>
+            <a:r>
+              <a:rPr lang="en-US" sz="1600" dirty="0">
+                <a:solidFill>
+                  <a:schemeClr val="bg1"/>
+                </a:solidFill>
+                <a:latin typeface="Consolas" pitchFamily="49" charset="0"/>
+              </a:rPr>
+              <a:t>(() =&gt; {</a:t>
+            </a:r>
+          </a:p>
+          <a:p>
+            <a:r>
+              <a:rPr lang="en-US" sz="1600" dirty="0">
+                <a:solidFill>
+                  <a:schemeClr val="bg1"/>
+                </a:solidFill>
+                <a:latin typeface="Consolas" pitchFamily="49" charset="0"/>
+              </a:rPr>
+              <a:t>  </a:t>
+            </a:r>
+            <a:r>
+              <a:rPr lang="en-US" sz="1600" dirty="0" smtClean="0">
+                <a:solidFill>
+                  <a:schemeClr val="bg1"/>
+                </a:solidFill>
+                <a:latin typeface="Consolas" pitchFamily="49" charset="0"/>
+              </a:rPr>
+              <a:t>  </a:t>
+            </a:r>
+            <a:r>
+              <a:rPr lang="en-US" sz="1600" dirty="0" err="1" smtClean="0">
+                <a:solidFill>
+                  <a:srgbClr val="00B0F0"/>
+                </a:solidFill>
+                <a:latin typeface="Consolas" pitchFamily="49" charset="0"/>
+              </a:rPr>
+              <a:t>TestBed</a:t>
+            </a:r>
+            <a:r>
+              <a:rPr lang="en-US" sz="1600" dirty="0" err="1" smtClean="0">
+                <a:solidFill>
+                  <a:schemeClr val="bg1"/>
+                </a:solidFill>
+                <a:latin typeface="Consolas" pitchFamily="49" charset="0"/>
+              </a:rPr>
+              <a:t>.</a:t>
+            </a:r>
+            <a:r>
+              <a:rPr lang="en-US" sz="1600" dirty="0" err="1" smtClean="0">
+                <a:solidFill>
+                  <a:srgbClr val="D8F141"/>
+                </a:solidFill>
+                <a:latin typeface="Consolas" pitchFamily="49" charset="0"/>
+              </a:rPr>
+              <a:t>configureTestingModule</a:t>
+            </a:r>
+            <a:r>
+              <a:rPr lang="en-US" sz="1600" dirty="0">
+                <a:solidFill>
+                  <a:schemeClr val="bg1"/>
+                </a:solidFill>
+                <a:latin typeface="Consolas" pitchFamily="49" charset="0"/>
+              </a:rPr>
+              <a:t>({</a:t>
+            </a:r>
+          </a:p>
+          <a:p>
+            <a:r>
+              <a:rPr lang="en-US" sz="1600" dirty="0">
+                <a:solidFill>
+                  <a:schemeClr val="bg1"/>
+                </a:solidFill>
+                <a:latin typeface="Consolas" pitchFamily="49" charset="0"/>
+              </a:rPr>
+              <a:t>    </a:t>
+            </a:r>
+            <a:r>
+              <a:rPr lang="en-US" sz="1600" dirty="0" smtClean="0">
+                <a:solidFill>
+                  <a:schemeClr val="bg1"/>
+                </a:solidFill>
+                <a:latin typeface="Consolas" pitchFamily="49" charset="0"/>
+              </a:rPr>
+              <a:t>  </a:t>
+            </a:r>
+            <a:r>
+              <a:rPr lang="en-US" sz="1600" dirty="0" smtClean="0">
+                <a:solidFill>
+                  <a:srgbClr val="00B0F0"/>
+                </a:solidFill>
+                <a:latin typeface="Consolas" pitchFamily="49" charset="0"/>
+              </a:rPr>
+              <a:t>declarations</a:t>
+            </a:r>
+            <a:r>
+              <a:rPr lang="en-US" sz="1600" dirty="0">
+                <a:solidFill>
+                  <a:schemeClr val="bg1"/>
+                </a:solidFill>
+                <a:latin typeface="Consolas" pitchFamily="49" charset="0"/>
+              </a:rPr>
+              <a:t>: [ </a:t>
+            </a:r>
+            <a:r>
+              <a:rPr lang="en-US" sz="1600" dirty="0" err="1" smtClean="0">
+                <a:solidFill>
+                  <a:srgbClr val="00B0F0"/>
+                </a:solidFill>
+                <a:latin typeface="Consolas" pitchFamily="49" charset="0"/>
+              </a:rPr>
+              <a:t>CustomComponent</a:t>
+            </a:r>
+            <a:r>
+              <a:rPr lang="en-US" sz="1600" dirty="0" smtClean="0">
+                <a:solidFill>
+                  <a:schemeClr val="bg1"/>
+                </a:solidFill>
+                <a:latin typeface="Consolas" pitchFamily="49" charset="0"/>
+              </a:rPr>
+              <a:t> </a:t>
+            </a:r>
+            <a:r>
+              <a:rPr lang="en-US" sz="1600" dirty="0">
+                <a:solidFill>
+                  <a:schemeClr val="bg1"/>
+                </a:solidFill>
+                <a:latin typeface="Consolas" pitchFamily="49" charset="0"/>
+              </a:rPr>
+              <a:t>],</a:t>
+            </a:r>
+          </a:p>
+          <a:p>
+            <a:r>
+              <a:rPr lang="en-US" sz="1600" dirty="0">
+                <a:solidFill>
+                  <a:schemeClr val="bg1"/>
+                </a:solidFill>
+                <a:latin typeface="Consolas" pitchFamily="49" charset="0"/>
+              </a:rPr>
+              <a:t>  </a:t>
+            </a:r>
+            <a:r>
+              <a:rPr lang="en-US" sz="1600" dirty="0" smtClean="0">
+                <a:solidFill>
+                  <a:schemeClr val="bg1"/>
+                </a:solidFill>
+                <a:latin typeface="Consolas" pitchFamily="49" charset="0"/>
+              </a:rPr>
+              <a:t>  });</a:t>
+            </a:r>
+            <a:endParaRPr lang="en-US" sz="1600" dirty="0">
+              <a:solidFill>
+                <a:schemeClr val="bg1"/>
+              </a:solidFill>
+              <a:latin typeface="Consolas" pitchFamily="49" charset="0"/>
+            </a:endParaRPr>
+          </a:p>
+          <a:p>
+            <a:r>
+              <a:rPr lang="en-US" sz="1600" dirty="0">
+                <a:solidFill>
+                  <a:schemeClr val="bg1"/>
+                </a:solidFill>
+                <a:latin typeface="Consolas" pitchFamily="49" charset="0"/>
+              </a:rPr>
+              <a:t>  </a:t>
+            </a:r>
+            <a:r>
+              <a:rPr lang="en-US" sz="1600" dirty="0" smtClean="0">
+                <a:solidFill>
+                  <a:schemeClr val="bg1"/>
+                </a:solidFill>
+                <a:latin typeface="Consolas" pitchFamily="49" charset="0"/>
+              </a:rPr>
+              <a:t>  </a:t>
+            </a:r>
+            <a:r>
+              <a:rPr lang="en-US" sz="1600" dirty="0" smtClean="0">
+                <a:solidFill>
+                  <a:srgbClr val="00B0F0"/>
+                </a:solidFill>
+                <a:latin typeface="Consolas" pitchFamily="49" charset="0"/>
+              </a:rPr>
+              <a:t>fixture</a:t>
+            </a:r>
+            <a:r>
+              <a:rPr lang="en-US" sz="1600" dirty="0" smtClean="0">
+                <a:solidFill>
+                  <a:schemeClr val="bg1"/>
+                </a:solidFill>
+                <a:latin typeface="Consolas" pitchFamily="49" charset="0"/>
+              </a:rPr>
+              <a:t> </a:t>
+            </a:r>
+            <a:r>
+              <a:rPr lang="en-US" sz="1600" dirty="0">
+                <a:solidFill>
+                  <a:schemeClr val="bg1"/>
+                </a:solidFill>
+                <a:latin typeface="Consolas" pitchFamily="49" charset="0"/>
+              </a:rPr>
+              <a:t>= </a:t>
+            </a:r>
+            <a:r>
+              <a:rPr lang="en-US" sz="1600" dirty="0" err="1" smtClean="0">
+                <a:solidFill>
+                  <a:srgbClr val="00B0F0"/>
+                </a:solidFill>
+                <a:latin typeface="Consolas" pitchFamily="49" charset="0"/>
+              </a:rPr>
+              <a:t>TestBed</a:t>
+            </a:r>
+            <a:r>
+              <a:rPr lang="en-US" sz="1600" dirty="0" err="1" smtClean="0">
+                <a:solidFill>
+                  <a:schemeClr val="bg1"/>
+                </a:solidFill>
+                <a:latin typeface="Consolas" pitchFamily="49" charset="0"/>
+              </a:rPr>
+              <a:t>.</a:t>
+            </a:r>
+            <a:r>
+              <a:rPr lang="en-US" sz="1600" dirty="0" err="1" smtClean="0">
+                <a:solidFill>
+                  <a:srgbClr val="D8F141"/>
+                </a:solidFill>
+                <a:latin typeface="Consolas" pitchFamily="49" charset="0"/>
+              </a:rPr>
+              <a:t>createComponent</a:t>
+            </a:r>
+            <a:r>
+              <a:rPr lang="en-US" sz="1600" dirty="0" smtClean="0">
+                <a:solidFill>
+                  <a:schemeClr val="bg1"/>
+                </a:solidFill>
+                <a:latin typeface="Consolas" pitchFamily="49" charset="0"/>
+              </a:rPr>
+              <a:t>(</a:t>
+            </a:r>
+            <a:r>
+              <a:rPr lang="en-US" sz="1600" dirty="0" err="1" smtClean="0">
+                <a:solidFill>
+                  <a:srgbClr val="00B0F0"/>
+                </a:solidFill>
+                <a:latin typeface="Consolas" pitchFamily="49" charset="0"/>
+              </a:rPr>
+              <a:t>CustomComponent</a:t>
+            </a:r>
+            <a:r>
+              <a:rPr lang="en-US" sz="1600" dirty="0">
+                <a:solidFill>
+                  <a:schemeClr val="bg1"/>
+                </a:solidFill>
+                <a:latin typeface="Consolas" pitchFamily="49" charset="0"/>
+              </a:rPr>
+              <a:t>);</a:t>
+            </a:r>
+          </a:p>
+          <a:p>
+            <a:r>
+              <a:rPr lang="en-US" sz="1600" dirty="0">
+                <a:solidFill>
+                  <a:schemeClr val="bg1"/>
+                </a:solidFill>
+                <a:latin typeface="Consolas" pitchFamily="49" charset="0"/>
+              </a:rPr>
+              <a:t>  </a:t>
+            </a:r>
+            <a:r>
+              <a:rPr lang="en-US" sz="1600" dirty="0" smtClean="0">
+                <a:solidFill>
+                  <a:schemeClr val="bg1"/>
+                </a:solidFill>
+                <a:latin typeface="Consolas" pitchFamily="49" charset="0"/>
+              </a:rPr>
+              <a:t>  </a:t>
+            </a:r>
+            <a:r>
+              <a:rPr lang="en-US" sz="1600" dirty="0" smtClean="0">
+                <a:solidFill>
+                  <a:srgbClr val="00B0F0"/>
+                </a:solidFill>
+                <a:latin typeface="Consolas" pitchFamily="49" charset="0"/>
+              </a:rPr>
+              <a:t>component</a:t>
+            </a:r>
+            <a:r>
+              <a:rPr lang="en-US" sz="1600" dirty="0" smtClean="0">
+                <a:solidFill>
+                  <a:schemeClr val="bg1"/>
+                </a:solidFill>
+                <a:latin typeface="Consolas" pitchFamily="49" charset="0"/>
+              </a:rPr>
+              <a:t> </a:t>
+            </a:r>
+            <a:r>
+              <a:rPr lang="en-US" sz="1600" dirty="0">
+                <a:solidFill>
+                  <a:schemeClr val="bg1"/>
+                </a:solidFill>
+                <a:latin typeface="Consolas" pitchFamily="49" charset="0"/>
+              </a:rPr>
+              <a:t>= </a:t>
+            </a:r>
+            <a:r>
+              <a:rPr lang="en-US" sz="1600" dirty="0" err="1" smtClean="0">
+                <a:solidFill>
+                  <a:srgbClr val="00B0F0"/>
+                </a:solidFill>
+                <a:latin typeface="Consolas" pitchFamily="49" charset="0"/>
+              </a:rPr>
+              <a:t>fixture</a:t>
+            </a:r>
+            <a:r>
+              <a:rPr lang="en-US" sz="1600" dirty="0" err="1" smtClean="0">
+                <a:solidFill>
+                  <a:schemeClr val="bg1"/>
+                </a:solidFill>
+                <a:latin typeface="Consolas" pitchFamily="49" charset="0"/>
+              </a:rPr>
+              <a:t>.</a:t>
+            </a:r>
+            <a:r>
+              <a:rPr lang="en-US" sz="1600" dirty="0" err="1" smtClean="0">
+                <a:solidFill>
+                  <a:srgbClr val="00B0F0"/>
+                </a:solidFill>
+                <a:latin typeface="Consolas" pitchFamily="49" charset="0"/>
+              </a:rPr>
+              <a:t>componentInstance</a:t>
+            </a:r>
+            <a:r>
+              <a:rPr lang="en-US" sz="1600" dirty="0" smtClean="0">
+                <a:solidFill>
+                  <a:schemeClr val="bg1"/>
+                </a:solidFill>
+                <a:latin typeface="Consolas" pitchFamily="49" charset="0"/>
+              </a:rPr>
+              <a:t>;</a:t>
+            </a:r>
+          </a:p>
+          <a:p>
+            <a:r>
+              <a:rPr lang="en-US" sz="1600" dirty="0">
+                <a:solidFill>
+                  <a:schemeClr val="bg1"/>
+                </a:solidFill>
+                <a:latin typeface="Consolas" pitchFamily="49" charset="0"/>
+              </a:rPr>
+              <a:t> </a:t>
+            </a:r>
+            <a:r>
+              <a:rPr lang="en-US" sz="1600" dirty="0" smtClean="0">
+                <a:solidFill>
+                  <a:schemeClr val="bg1"/>
+                </a:solidFill>
+                <a:latin typeface="Consolas" pitchFamily="49" charset="0"/>
+              </a:rPr>
+              <a:t>   </a:t>
+            </a:r>
+            <a:r>
+              <a:rPr lang="en-US" sz="1600" dirty="0" smtClean="0">
+                <a:solidFill>
+                  <a:srgbClr val="00B0F0"/>
+                </a:solidFill>
+                <a:latin typeface="Consolas" pitchFamily="49" charset="0"/>
+              </a:rPr>
+              <a:t>h1</a:t>
+            </a:r>
+            <a:r>
+              <a:rPr lang="en-US" sz="1600" dirty="0" smtClean="0">
+                <a:solidFill>
+                  <a:schemeClr val="bg1"/>
+                </a:solidFill>
+                <a:latin typeface="Consolas" pitchFamily="49" charset="0"/>
+              </a:rPr>
+              <a:t> </a:t>
+            </a:r>
+            <a:r>
+              <a:rPr lang="en-US" sz="1600" dirty="0">
+                <a:solidFill>
+                  <a:schemeClr val="bg1"/>
+                </a:solidFill>
+                <a:latin typeface="Consolas" pitchFamily="49" charset="0"/>
+              </a:rPr>
+              <a:t>= </a:t>
+            </a:r>
+            <a:r>
+              <a:rPr lang="en-US" sz="1600" dirty="0" err="1">
+                <a:solidFill>
+                  <a:srgbClr val="00B0F0"/>
+                </a:solidFill>
+                <a:latin typeface="Consolas" pitchFamily="49" charset="0"/>
+              </a:rPr>
+              <a:t>fixture</a:t>
+            </a:r>
+            <a:r>
+              <a:rPr lang="en-US" sz="1600" dirty="0" err="1">
+                <a:solidFill>
+                  <a:schemeClr val="bg1"/>
+                </a:solidFill>
+                <a:latin typeface="Consolas" pitchFamily="49" charset="0"/>
+              </a:rPr>
+              <a:t>.</a:t>
+            </a:r>
+            <a:r>
+              <a:rPr lang="en-US" sz="1600" dirty="0" err="1">
+                <a:solidFill>
+                  <a:srgbClr val="00B0F0"/>
+                </a:solidFill>
+                <a:latin typeface="Consolas" pitchFamily="49" charset="0"/>
+              </a:rPr>
+              <a:t>nativeElement</a:t>
+            </a:r>
+            <a:r>
+              <a:rPr lang="en-US" sz="1600" dirty="0" err="1">
+                <a:solidFill>
+                  <a:schemeClr val="bg1"/>
+                </a:solidFill>
+                <a:latin typeface="Consolas" pitchFamily="49" charset="0"/>
+              </a:rPr>
+              <a:t>.</a:t>
+            </a:r>
+            <a:r>
+              <a:rPr lang="en-US" sz="1600" dirty="0" err="1">
+                <a:solidFill>
+                  <a:srgbClr val="D8F141"/>
+                </a:solidFill>
+                <a:latin typeface="Consolas" pitchFamily="49" charset="0"/>
+              </a:rPr>
+              <a:t>querySelector</a:t>
+            </a:r>
+            <a:r>
+              <a:rPr lang="en-US" sz="1600" dirty="0">
+                <a:solidFill>
+                  <a:schemeClr val="bg1"/>
+                </a:solidFill>
+                <a:latin typeface="Consolas" pitchFamily="49" charset="0"/>
+              </a:rPr>
+              <a:t>(</a:t>
+            </a:r>
+            <a:r>
+              <a:rPr lang="en-US" sz="1600" dirty="0">
+                <a:solidFill>
+                  <a:schemeClr val="accent5"/>
+                </a:solidFill>
+                <a:latin typeface="Consolas" pitchFamily="49" charset="0"/>
+              </a:rPr>
+              <a:t>'h1'</a:t>
+            </a:r>
+            <a:r>
+              <a:rPr lang="en-US" sz="1600" dirty="0">
+                <a:solidFill>
+                  <a:schemeClr val="bg1"/>
+                </a:solidFill>
+                <a:latin typeface="Consolas" pitchFamily="49" charset="0"/>
+              </a:rPr>
+              <a:t>);</a:t>
+            </a:r>
+          </a:p>
+          <a:p>
+            <a:r>
+              <a:rPr lang="en-US" sz="1600" dirty="0" smtClean="0">
+                <a:solidFill>
+                  <a:schemeClr val="bg1"/>
+                </a:solidFill>
+                <a:latin typeface="Consolas" pitchFamily="49" charset="0"/>
+              </a:rPr>
+              <a:t>  });</a:t>
+            </a:r>
+          </a:p>
+          <a:p>
+            <a:r>
+              <a:rPr lang="en-US" sz="1600" dirty="0" smtClean="0">
+                <a:solidFill>
+                  <a:schemeClr val="bg1"/>
+                </a:solidFill>
+                <a:latin typeface="Consolas" pitchFamily="49" charset="0"/>
+              </a:rPr>
+              <a:t>});</a:t>
+            </a:r>
+            <a:endParaRPr lang="fr-FR" sz="1600" dirty="0">
+              <a:solidFill>
+                <a:schemeClr val="bg1"/>
+              </a:solidFill>
+              <a:latin typeface="Consolas" pitchFamily="49" charset="0"/>
+            </a:endParaRPr>
+          </a:p>
+        </p:txBody>
+      </p:sp>
+    </p:spTree>
+    <p:extLst>
+      <p:ext uri="{BB962C8B-B14F-4D97-AF65-F5344CB8AC3E}">
+        <p14:creationId xmlns:p14="http://schemas.microsoft.com/office/powerpoint/2010/main" val="1733063152"/>
+      </p:ext>
+    </p:extLst>
+  </p:cSld>
+  <p:clrMapOvr>
+    <a:masterClrMapping/>
+  </p:clrMapOvr>
+</p:sld>
+</file>
+
+<file path=ppt/slides/slide27.xml><?xml version="1.0" encoding="utf-8"?>
+<p:sld xmlns:a="http://schemas.openxmlformats.org/drawingml/2006/main" xmlns:r="http://schemas.openxmlformats.org/officeDocument/2006/relationships" xmlns:p="http://schemas.openxmlformats.org/presentationml/2006/main">
+  <p:cSld>
+    <p:spTree>
+      <p:nvGrpSpPr>
+        <p:cNvPr id="1" name=""/>
+        <p:cNvGrpSpPr/>
+        <p:nvPr/>
+      </p:nvGrpSpPr>
+      <p:grpSpPr>
+        <a:xfrm>
+          <a:off x="0" y="0"/>
+          <a:ext cx="0" cy="0"/>
+          <a:chOff x="0" y="0"/>
+          <a:chExt cx="0" cy="0"/>
+        </a:xfrm>
+      </p:grpSpPr>
+      <p:sp>
+        <p:nvSpPr>
+          <p:cNvPr id="2" name="Titre 1"/>
+          <p:cNvSpPr>
+            <a:spLocks noGrp="1"/>
+          </p:cNvSpPr>
+          <p:nvPr>
+            <p:ph type="title"/>
+          </p:nvPr>
+        </p:nvSpPr>
+        <p:spPr/>
+        <p:txBody>
+          <a:bodyPr/>
+          <a:lstStyle/>
+          <a:p>
+            <a:r>
+              <a:rPr lang="fr-FR" dirty="0" smtClean="0"/>
+              <a:t>Tests unitaires</a:t>
+            </a:r>
+            <a:endParaRPr lang="fr-FR" dirty="0"/>
+          </a:p>
+        </p:txBody>
+      </p:sp>
+      <p:sp>
+        <p:nvSpPr>
+          <p:cNvPr id="3" name="Espace réservé du contenu 2"/>
+          <p:cNvSpPr>
+            <a:spLocks noGrp="1"/>
+          </p:cNvSpPr>
+          <p:nvPr>
+            <p:ph sz="quarter" idx="17"/>
+          </p:nvPr>
+        </p:nvSpPr>
+        <p:spPr/>
+        <p:txBody>
+          <a:bodyPr/>
+          <a:lstStyle/>
+          <a:p>
+            <a:r>
+              <a:rPr lang="fr-FR" dirty="0" smtClean="0"/>
+              <a:t>  </a:t>
+            </a:r>
+            <a:r>
+              <a:rPr lang="fr-FR" dirty="0" err="1" smtClean="0"/>
+              <a:t>custom</a:t>
+            </a:r>
+            <a:r>
+              <a:rPr lang="fr-FR" dirty="0" err="1" smtClean="0"/>
+              <a:t>.component</a:t>
+            </a:r>
+            <a:r>
+              <a:rPr lang="fr-FR" dirty="0" err="1" smtClean="0"/>
+              <a:t>.spec</a:t>
+            </a:r>
+            <a:r>
+              <a:rPr lang="fr-FR" dirty="0" err="1" smtClean="0"/>
+              <a:t>.ts</a:t>
+            </a:r>
+            <a:r>
+              <a:rPr lang="fr-FR" dirty="0" smtClean="0"/>
+              <a:t> (2/2)</a:t>
+            </a:r>
+            <a:endParaRPr lang="fr-FR" dirty="0" smtClean="0"/>
+          </a:p>
+          <a:p>
+            <a:pPr marL="342900" indent="-342900"/>
+            <a:endParaRPr lang="fr-FR" dirty="0" smtClean="0"/>
+          </a:p>
+        </p:txBody>
+      </p:sp>
+      <p:sp>
+        <p:nvSpPr>
+          <p:cNvPr id="4" name="Espace réservé du numéro de diapositive 3"/>
+          <p:cNvSpPr>
+            <a:spLocks noGrp="1"/>
+          </p:cNvSpPr>
+          <p:nvPr>
+            <p:ph type="sldNum" sz="quarter" idx="12"/>
+          </p:nvPr>
+        </p:nvSpPr>
+        <p:spPr/>
+        <p:txBody>
+          <a:bodyPr/>
+          <a:lstStyle/>
+          <a:p>
+            <a:fld id="{525A3C56-E491-49B2-93F3-63532DF516BC}" type="slidenum">
+              <a:rPr lang="en-GB" smtClean="0"/>
+              <a:pPr/>
+              <a:t>27</a:t>
+            </a:fld>
+            <a:endParaRPr lang="en-GB" dirty="0"/>
+          </a:p>
+        </p:txBody>
+      </p:sp>
+      <p:sp>
+        <p:nvSpPr>
+          <p:cNvPr id="7" name="Espace réservé du contenu 1"/>
+          <p:cNvSpPr txBox="1">
+            <a:spLocks/>
+          </p:cNvSpPr>
+          <p:nvPr/>
+        </p:nvSpPr>
+        <p:spPr>
+          <a:xfrm>
+            <a:off x="594347" y="1643931"/>
+            <a:ext cx="8209411" cy="4427260"/>
+          </a:xfrm>
+          <a:prstGeom prst="rect">
+            <a:avLst/>
+          </a:prstGeom>
+          <a:solidFill>
+            <a:schemeClr val="tx1">
+              <a:lumMod val="75000"/>
+            </a:schemeClr>
+          </a:solidFill>
+        </p:spPr>
+        <p:txBody>
+          <a:bodyPr lIns="0" tIns="0" rIns="0" bIns="0">
+            <a:normAutofit/>
+          </a:bodyPr>
+          <a:lstStyle>
+            <a:lvl1pPr marL="0" indent="0" algn="l" defTabSz="914400" rtl="0" eaLnBrk="1" latinLnBrk="0" hangingPunct="1">
+              <a:spcBef>
+                <a:spcPts val="500"/>
+              </a:spcBef>
+              <a:buClr>
+                <a:schemeClr val="accent1"/>
+              </a:buClr>
+              <a:buSzPct val="110000"/>
+              <a:buFont typeface="Arial" pitchFamily="34" charset="0"/>
+              <a:buNone/>
+              <a:defRPr sz="2000" kern="1200">
+                <a:solidFill>
+                  <a:schemeClr val="tx1"/>
+                </a:solidFill>
+                <a:latin typeface="Arial" pitchFamily="34" charset="0"/>
+                <a:ea typeface="+mn-ea"/>
+                <a:cs typeface="+mn-cs"/>
+              </a:defRPr>
+            </a:lvl1pPr>
+            <a:lvl2pPr marL="263525" indent="-263525" algn="l" defTabSz="914400" rtl="0" eaLnBrk="1" latinLnBrk="0" hangingPunct="1">
+              <a:spcBef>
+                <a:spcPts val="500"/>
+              </a:spcBef>
+              <a:buClr>
+                <a:schemeClr val="accent1"/>
+              </a:buClr>
+              <a:buSzPct val="110000"/>
+              <a:buFont typeface="Arial" pitchFamily="34" charset="0"/>
+              <a:buChar char="•"/>
+              <a:defRPr sz="2000" kern="1200" baseline="0">
+                <a:solidFill>
+                  <a:schemeClr val="tx1"/>
+                </a:solidFill>
+                <a:latin typeface="Arial" pitchFamily="34" charset="0"/>
+                <a:ea typeface="+mn-ea"/>
+                <a:cs typeface="+mn-cs"/>
+              </a:defRPr>
+            </a:lvl2pPr>
+            <a:lvl3pPr marL="536575" indent="-273050" algn="l" defTabSz="914400" rtl="0" eaLnBrk="1" latinLnBrk="0" hangingPunct="1">
+              <a:spcBef>
+                <a:spcPts val="500"/>
+              </a:spcBef>
+              <a:buClr>
+                <a:schemeClr val="accent1"/>
+              </a:buClr>
+              <a:buSzPct val="110000"/>
+              <a:buFont typeface="Arial" pitchFamily="34" charset="0"/>
+              <a:buChar char="•"/>
+              <a:defRPr sz="1800" kern="1200" baseline="0">
+                <a:solidFill>
+                  <a:schemeClr val="tx1"/>
+                </a:solidFill>
+                <a:latin typeface="Arial" pitchFamily="34" charset="0"/>
+                <a:ea typeface="+mn-ea"/>
+                <a:cs typeface="+mn-cs"/>
+              </a:defRPr>
+            </a:lvl3pPr>
+            <a:lvl4pPr marL="811213" indent="-274638" algn="l" defTabSz="914400" rtl="0" eaLnBrk="1" latinLnBrk="0" hangingPunct="1">
+              <a:spcBef>
+                <a:spcPts val="500"/>
+              </a:spcBef>
+              <a:buClr>
+                <a:schemeClr val="accent1"/>
+              </a:buClr>
+              <a:buSzPct val="110000"/>
+              <a:buFont typeface="Arial" pitchFamily="34" charset="0"/>
+              <a:buChar char="•"/>
+              <a:defRPr sz="1600" kern="1200" baseline="0">
+                <a:solidFill>
+                  <a:schemeClr val="tx1"/>
+                </a:solidFill>
+                <a:latin typeface="Arial" pitchFamily="34" charset="0"/>
+                <a:ea typeface="+mn-ea"/>
+                <a:cs typeface="+mn-cs"/>
+              </a:defRPr>
+            </a:lvl4pPr>
+            <a:lvl5pPr marL="1074738" indent="-263525" algn="l" defTabSz="914400" rtl="0" eaLnBrk="1" latinLnBrk="0" hangingPunct="1">
+              <a:spcBef>
+                <a:spcPts val="500"/>
+              </a:spcBef>
+              <a:buClr>
+                <a:schemeClr val="accent1"/>
+              </a:buClr>
+              <a:buSzPct val="110000"/>
+              <a:buFont typeface="Arial" pitchFamily="34" charset="0"/>
+              <a:buChar char="•"/>
+              <a:defRPr sz="1400" kern="1200" baseline="0">
+                <a:solidFill>
+                  <a:schemeClr val="tx1"/>
+                </a:solidFill>
+                <a:latin typeface="Arial" pitchFamily="34" charset="0"/>
+                <a:ea typeface="+mn-ea"/>
+                <a:cs typeface="+mn-cs"/>
+              </a:defRPr>
+            </a:lvl5pPr>
+            <a:lvl6pPr marL="1136650" indent="-215900" algn="l" defTabSz="914400" rtl="0" eaLnBrk="1" latinLnBrk="0" hangingPunct="1">
+              <a:spcBef>
+                <a:spcPts val="500"/>
+              </a:spcBef>
+              <a:buClr>
+                <a:schemeClr val="accent1"/>
+              </a:buClr>
+              <a:buFont typeface="Verdana" pitchFamily="34" charset="0"/>
+              <a:buNone/>
+              <a:defRPr sz="1400" kern="1200" baseline="0">
+                <a:solidFill>
+                  <a:schemeClr val="tx1"/>
+                </a:solidFill>
+                <a:latin typeface="+mn-lt"/>
+                <a:ea typeface="+mn-ea"/>
+                <a:cs typeface="+mn-cs"/>
+              </a:defRPr>
+            </a:lvl6pPr>
+            <a:lvl7pPr marL="1343025" indent="-228600" algn="l" defTabSz="914400" rtl="0" eaLnBrk="1" latinLnBrk="0" hangingPunct="1">
+              <a:spcBef>
+                <a:spcPts val="500"/>
+              </a:spcBef>
+              <a:buClr>
+                <a:schemeClr val="tx1">
+                  <a:lumMod val="60000"/>
+                  <a:lumOff val="40000"/>
+                </a:schemeClr>
+              </a:buClr>
+              <a:buFont typeface="Verdana" pitchFamily="34" charset="0"/>
+              <a:buChar char="•"/>
+              <a:defRPr sz="1400" kern="1200" baseline="0">
+                <a:solidFill>
+                  <a:schemeClr val="tx1"/>
+                </a:solidFill>
+                <a:latin typeface="+mn-lt"/>
+                <a:ea typeface="+mn-ea"/>
+                <a:cs typeface="+mn-cs"/>
+              </a:defRPr>
+            </a:lvl7pPr>
+            <a:lvl8pPr marL="3429000" indent="-228600" algn="l" defTabSz="914400" rtl="0" eaLnBrk="1" latinLnBrk="0" hangingPunct="1">
+              <a:spcBef>
+                <a:spcPct val="20000"/>
+              </a:spcBef>
+              <a:buFont typeface="Arial" pitchFamily="34" charset="0"/>
+              <a:buChar char="•"/>
+              <a:defRPr sz="2000" kern="1200">
+                <a:solidFill>
+                  <a:schemeClr val="tx1"/>
+                </a:solidFill>
+                <a:latin typeface="+mn-lt"/>
+                <a:ea typeface="+mn-ea"/>
+                <a:cs typeface="+mn-cs"/>
+              </a:defRPr>
+            </a:lvl8pPr>
+            <a:lvl9pPr marL="3886200" indent="-228600" algn="l" defTabSz="914400" rtl="0" eaLnBrk="1" latinLnBrk="0" hangingPunct="1">
+              <a:spcBef>
+                <a:spcPct val="20000"/>
+              </a:spcBef>
+              <a:buFont typeface="Arial" pitchFamily="34" charset="0"/>
+              <a:buChar char="•"/>
+              <a:defRPr sz="2000" kern="1200">
+                <a:solidFill>
+                  <a:schemeClr val="tx1"/>
+                </a:solidFill>
+                <a:latin typeface="+mn-lt"/>
+                <a:ea typeface="+mn-ea"/>
+                <a:cs typeface="+mn-cs"/>
+              </a:defRPr>
+            </a:lvl9pPr>
+          </a:lstStyle>
+          <a:p>
+            <a:r>
+              <a:rPr lang="en-US" sz="1600" dirty="0">
+                <a:solidFill>
+                  <a:srgbClr val="0070C0"/>
+                </a:solidFill>
+                <a:latin typeface="Consolas" pitchFamily="49" charset="0"/>
+              </a:rPr>
+              <a:t>let</a:t>
+            </a:r>
+            <a:r>
+              <a:rPr lang="en-US" sz="1600" dirty="0">
+                <a:solidFill>
+                  <a:schemeClr val="bg1"/>
+                </a:solidFill>
+                <a:latin typeface="Consolas" pitchFamily="49" charset="0"/>
+              </a:rPr>
+              <a:t> </a:t>
+            </a:r>
+            <a:r>
+              <a:rPr lang="en-US" sz="1600" dirty="0">
+                <a:solidFill>
+                  <a:srgbClr val="00B0F0"/>
+                </a:solidFill>
+                <a:latin typeface="Consolas" pitchFamily="49" charset="0"/>
+              </a:rPr>
+              <a:t>component</a:t>
+            </a:r>
+            <a:r>
+              <a:rPr lang="en-US" sz="1600" dirty="0">
+                <a:solidFill>
+                  <a:schemeClr val="bg1"/>
+                </a:solidFill>
+                <a:latin typeface="Consolas" pitchFamily="49" charset="0"/>
+              </a:rPr>
+              <a:t>: </a:t>
+            </a:r>
+            <a:r>
+              <a:rPr lang="en-US" sz="1600" dirty="0" err="1" smtClean="0">
+                <a:solidFill>
+                  <a:srgbClr val="92D050"/>
+                </a:solidFill>
+                <a:latin typeface="Consolas" pitchFamily="49" charset="0"/>
+              </a:rPr>
+              <a:t>CustomComponent</a:t>
+            </a:r>
+            <a:r>
+              <a:rPr lang="en-US" sz="1600" dirty="0">
+                <a:solidFill>
+                  <a:schemeClr val="bg1"/>
+                </a:solidFill>
+                <a:latin typeface="Consolas" pitchFamily="49" charset="0"/>
+              </a:rPr>
+              <a:t>;</a:t>
+            </a:r>
+          </a:p>
+          <a:p>
+            <a:r>
+              <a:rPr lang="en-US" sz="1600" dirty="0">
+                <a:solidFill>
+                  <a:srgbClr val="0070C0"/>
+                </a:solidFill>
+                <a:latin typeface="Consolas" pitchFamily="49" charset="0"/>
+              </a:rPr>
+              <a:t>let</a:t>
+            </a:r>
+            <a:r>
+              <a:rPr lang="en-US" sz="1600" dirty="0">
+                <a:solidFill>
+                  <a:schemeClr val="bg1"/>
+                </a:solidFill>
+                <a:latin typeface="Consolas" pitchFamily="49" charset="0"/>
+              </a:rPr>
+              <a:t> </a:t>
+            </a:r>
+            <a:r>
+              <a:rPr lang="en-US" sz="1600" dirty="0">
+                <a:solidFill>
+                  <a:srgbClr val="00B0F0"/>
+                </a:solidFill>
+                <a:latin typeface="Consolas" pitchFamily="49" charset="0"/>
+              </a:rPr>
+              <a:t>fixture</a:t>
+            </a:r>
+            <a:r>
+              <a:rPr lang="en-US" sz="1600" dirty="0">
+                <a:solidFill>
+                  <a:schemeClr val="bg1"/>
+                </a:solidFill>
+                <a:latin typeface="Consolas" pitchFamily="49" charset="0"/>
+              </a:rPr>
+              <a:t>:   </a:t>
+            </a:r>
+            <a:r>
+              <a:rPr lang="en-US" sz="1600" dirty="0" err="1" smtClean="0">
+                <a:solidFill>
+                  <a:srgbClr val="92D050"/>
+                </a:solidFill>
+                <a:latin typeface="Consolas" pitchFamily="49" charset="0"/>
+              </a:rPr>
+              <a:t>ComponentFixture</a:t>
+            </a:r>
+            <a:r>
+              <a:rPr lang="en-US" sz="1600" dirty="0" smtClean="0">
+                <a:solidFill>
+                  <a:schemeClr val="bg1"/>
+                </a:solidFill>
+                <a:latin typeface="Consolas" pitchFamily="49" charset="0"/>
+              </a:rPr>
+              <a:t>&lt;</a:t>
+            </a:r>
+            <a:r>
+              <a:rPr lang="en-US" sz="1600" dirty="0" err="1" smtClean="0">
+                <a:solidFill>
+                  <a:srgbClr val="92D050"/>
+                </a:solidFill>
+                <a:latin typeface="Consolas" pitchFamily="49" charset="0"/>
+              </a:rPr>
+              <a:t>CustomComponent</a:t>
+            </a:r>
+            <a:r>
+              <a:rPr lang="en-US" sz="1600" dirty="0">
+                <a:solidFill>
+                  <a:schemeClr val="bg1"/>
+                </a:solidFill>
+                <a:latin typeface="Consolas" pitchFamily="49" charset="0"/>
+              </a:rPr>
+              <a:t>&gt;;</a:t>
+            </a:r>
+          </a:p>
+          <a:p>
+            <a:r>
+              <a:rPr lang="en-US" sz="1600" dirty="0">
+                <a:solidFill>
+                  <a:srgbClr val="0070C0"/>
+                </a:solidFill>
+                <a:latin typeface="Consolas" pitchFamily="49" charset="0"/>
+              </a:rPr>
+              <a:t>let</a:t>
+            </a:r>
+            <a:r>
+              <a:rPr lang="en-US" sz="1600" dirty="0">
+                <a:solidFill>
+                  <a:schemeClr val="bg1"/>
+                </a:solidFill>
+                <a:latin typeface="Consolas" pitchFamily="49" charset="0"/>
+              </a:rPr>
+              <a:t> </a:t>
+            </a:r>
+            <a:r>
+              <a:rPr lang="en-US" sz="1600" dirty="0">
+                <a:solidFill>
+                  <a:srgbClr val="00B0F0"/>
+                </a:solidFill>
+                <a:latin typeface="Consolas" pitchFamily="49" charset="0"/>
+              </a:rPr>
+              <a:t>h1</a:t>
+            </a:r>
+            <a:r>
+              <a:rPr lang="en-US" sz="1600" dirty="0">
+                <a:solidFill>
+                  <a:schemeClr val="bg1"/>
+                </a:solidFill>
+                <a:latin typeface="Consolas" pitchFamily="49" charset="0"/>
+              </a:rPr>
+              <a:t>:        </a:t>
+            </a:r>
+            <a:r>
+              <a:rPr lang="en-US" sz="1600" dirty="0" err="1">
+                <a:solidFill>
+                  <a:srgbClr val="92D050"/>
+                </a:solidFill>
+                <a:latin typeface="Consolas" pitchFamily="49" charset="0"/>
+              </a:rPr>
+              <a:t>HTMLElement</a:t>
+            </a:r>
+            <a:r>
+              <a:rPr lang="en-US" sz="1600" dirty="0">
+                <a:solidFill>
+                  <a:schemeClr val="bg1"/>
+                </a:solidFill>
+                <a:latin typeface="Consolas" pitchFamily="49" charset="0"/>
+              </a:rPr>
+              <a:t>;</a:t>
+            </a:r>
+          </a:p>
+          <a:p>
+            <a:endParaRPr lang="en-US" sz="1600" dirty="0" smtClean="0">
+              <a:solidFill>
+                <a:schemeClr val="bg1"/>
+              </a:solidFill>
+              <a:latin typeface="Consolas" pitchFamily="49" charset="0"/>
+            </a:endParaRPr>
+          </a:p>
+          <a:p>
+            <a:r>
+              <a:rPr lang="fr-FR" sz="1600" dirty="0" err="1">
+                <a:solidFill>
+                  <a:srgbClr val="0070C0"/>
+                </a:solidFill>
+                <a:latin typeface="Consolas" pitchFamily="49" charset="0"/>
+              </a:rPr>
+              <a:t>describe</a:t>
+            </a:r>
+            <a:r>
+              <a:rPr lang="fr-FR" sz="1600" dirty="0">
+                <a:solidFill>
+                  <a:schemeClr val="bg1"/>
+                </a:solidFill>
+                <a:latin typeface="Consolas" pitchFamily="49" charset="0"/>
+              </a:rPr>
+              <a:t>(</a:t>
+            </a:r>
+            <a:r>
+              <a:rPr lang="fr-FR" sz="1600" dirty="0">
+                <a:solidFill>
+                  <a:schemeClr val="accent5"/>
+                </a:solidFill>
+                <a:latin typeface="Consolas" pitchFamily="49" charset="0"/>
+              </a:rPr>
+              <a:t>'Test </a:t>
+            </a:r>
+            <a:r>
+              <a:rPr lang="fr-FR" sz="1600" dirty="0" err="1" smtClean="0">
+                <a:solidFill>
+                  <a:schemeClr val="accent5"/>
+                </a:solidFill>
+                <a:latin typeface="Consolas" pitchFamily="49" charset="0"/>
+              </a:rPr>
+              <a:t>CustomComponent</a:t>
+            </a:r>
+            <a:r>
+              <a:rPr lang="fr-FR" sz="1600" dirty="0" smtClean="0">
+                <a:solidFill>
+                  <a:schemeClr val="accent5"/>
+                </a:solidFill>
+                <a:latin typeface="Consolas" pitchFamily="49" charset="0"/>
+              </a:rPr>
+              <a:t>'</a:t>
+            </a:r>
+            <a:r>
+              <a:rPr lang="fr-FR" sz="1600" dirty="0" smtClean="0">
+                <a:solidFill>
+                  <a:schemeClr val="bg1"/>
+                </a:solidFill>
+                <a:latin typeface="Consolas" pitchFamily="49" charset="0"/>
+              </a:rPr>
+              <a:t>, </a:t>
+            </a:r>
+            <a:r>
+              <a:rPr lang="fr-FR" sz="1600" dirty="0">
+                <a:solidFill>
+                  <a:schemeClr val="bg1"/>
+                </a:solidFill>
+                <a:latin typeface="Consolas" pitchFamily="49" charset="0"/>
+              </a:rPr>
+              <a:t>() =&gt; </a:t>
+            </a:r>
+            <a:r>
+              <a:rPr lang="fr-FR" sz="1600" dirty="0" smtClean="0">
+                <a:solidFill>
+                  <a:schemeClr val="bg1"/>
+                </a:solidFill>
+                <a:latin typeface="Consolas" pitchFamily="49" charset="0"/>
+              </a:rPr>
+              <a:t>{</a:t>
+            </a:r>
+            <a:endParaRPr lang="en-US" sz="1600" dirty="0">
+              <a:solidFill>
+                <a:schemeClr val="bg1"/>
+              </a:solidFill>
+              <a:latin typeface="Consolas" pitchFamily="49" charset="0"/>
+            </a:endParaRPr>
+          </a:p>
+          <a:p>
+            <a:r>
+              <a:rPr lang="en-US" sz="1600" dirty="0">
+                <a:solidFill>
+                  <a:srgbClr val="D8F141"/>
+                </a:solidFill>
+                <a:latin typeface="Consolas" pitchFamily="49" charset="0"/>
+              </a:rPr>
+              <a:t>  </a:t>
+            </a:r>
+            <a:r>
+              <a:rPr lang="en-US" sz="1600" dirty="0">
+                <a:solidFill>
+                  <a:srgbClr val="0070C0"/>
+                </a:solidFill>
+                <a:latin typeface="Consolas" pitchFamily="49" charset="0"/>
+              </a:rPr>
+              <a:t>it</a:t>
+            </a:r>
+            <a:r>
+              <a:rPr lang="en-US" sz="1600" dirty="0">
+                <a:solidFill>
+                  <a:schemeClr val="bg1"/>
+                </a:solidFill>
+                <a:latin typeface="Consolas" pitchFamily="49" charset="0"/>
+              </a:rPr>
+              <a:t>(</a:t>
+            </a:r>
+            <a:r>
+              <a:rPr lang="en-US" sz="1600" dirty="0">
+                <a:solidFill>
+                  <a:schemeClr val="accent5"/>
+                </a:solidFill>
+                <a:latin typeface="Consolas" pitchFamily="49" charset="0"/>
+              </a:rPr>
+              <a:t>'should display </a:t>
+            </a:r>
+            <a:r>
+              <a:rPr lang="en-US" sz="1600" dirty="0" smtClean="0">
+                <a:solidFill>
+                  <a:schemeClr val="accent5"/>
+                </a:solidFill>
+                <a:latin typeface="Consolas" pitchFamily="49" charset="0"/>
+              </a:rPr>
+              <a:t>title'</a:t>
+            </a:r>
+            <a:r>
+              <a:rPr lang="en-US" sz="1600" dirty="0" smtClean="0">
+                <a:solidFill>
+                  <a:schemeClr val="bg1"/>
+                </a:solidFill>
+                <a:latin typeface="Consolas" pitchFamily="49" charset="0"/>
+              </a:rPr>
+              <a:t>, </a:t>
+            </a:r>
+            <a:r>
+              <a:rPr lang="en-US" sz="1600" dirty="0">
+                <a:solidFill>
+                  <a:schemeClr val="bg1"/>
+                </a:solidFill>
+                <a:latin typeface="Consolas" pitchFamily="49" charset="0"/>
+              </a:rPr>
+              <a:t>() =&gt; {</a:t>
+            </a:r>
+          </a:p>
+          <a:p>
+            <a:r>
+              <a:rPr lang="en-US" sz="1600" dirty="0">
+                <a:solidFill>
+                  <a:schemeClr val="bg1"/>
+                </a:solidFill>
+                <a:latin typeface="Consolas" pitchFamily="49" charset="0"/>
+              </a:rPr>
+              <a:t>  </a:t>
+            </a:r>
+            <a:r>
+              <a:rPr lang="en-US" sz="1600" dirty="0" smtClean="0">
+                <a:solidFill>
+                  <a:schemeClr val="bg1"/>
+                </a:solidFill>
+                <a:latin typeface="Consolas" pitchFamily="49" charset="0"/>
+              </a:rPr>
+              <a:t>  </a:t>
+            </a:r>
+            <a:r>
+              <a:rPr lang="en-US" sz="1600" dirty="0" err="1" smtClean="0">
+                <a:solidFill>
+                  <a:srgbClr val="00B0F0"/>
+                </a:solidFill>
+                <a:latin typeface="Consolas" pitchFamily="49" charset="0"/>
+              </a:rPr>
+              <a:t>fixture</a:t>
+            </a:r>
+            <a:r>
+              <a:rPr lang="en-US" sz="1600" dirty="0" err="1" smtClean="0">
+                <a:solidFill>
+                  <a:schemeClr val="bg1"/>
+                </a:solidFill>
+                <a:latin typeface="Consolas" pitchFamily="49" charset="0"/>
+              </a:rPr>
+              <a:t>.</a:t>
+            </a:r>
+            <a:r>
+              <a:rPr lang="en-US" sz="1600" dirty="0" err="1" smtClean="0">
+                <a:solidFill>
+                  <a:srgbClr val="D8F141"/>
+                </a:solidFill>
+                <a:latin typeface="Consolas" pitchFamily="49" charset="0"/>
+              </a:rPr>
+              <a:t>detectChanges</a:t>
+            </a:r>
+            <a:r>
+              <a:rPr lang="en-US" sz="1600" dirty="0">
+                <a:solidFill>
+                  <a:schemeClr val="bg1"/>
+                </a:solidFill>
+                <a:latin typeface="Consolas" pitchFamily="49" charset="0"/>
+              </a:rPr>
+              <a:t>();</a:t>
+            </a:r>
+          </a:p>
+          <a:p>
+            <a:r>
+              <a:rPr lang="en-US" sz="1600" dirty="0">
+                <a:solidFill>
+                  <a:schemeClr val="bg1"/>
+                </a:solidFill>
+                <a:latin typeface="Consolas" pitchFamily="49" charset="0"/>
+              </a:rPr>
+              <a:t>  </a:t>
+            </a:r>
+            <a:r>
+              <a:rPr lang="en-US" sz="1600" dirty="0" smtClean="0">
+                <a:solidFill>
+                  <a:schemeClr val="bg1"/>
+                </a:solidFill>
+                <a:latin typeface="Consolas" pitchFamily="49" charset="0"/>
+              </a:rPr>
+              <a:t>  </a:t>
+            </a:r>
+            <a:r>
+              <a:rPr lang="en-US" sz="1600" dirty="0" smtClean="0">
+                <a:solidFill>
+                  <a:srgbClr val="D8F141"/>
+                </a:solidFill>
+                <a:latin typeface="Consolas" pitchFamily="49" charset="0"/>
+              </a:rPr>
+              <a:t>expect</a:t>
+            </a:r>
+            <a:r>
+              <a:rPr lang="en-US" sz="1600" dirty="0" smtClean="0">
+                <a:solidFill>
+                  <a:schemeClr val="bg1"/>
+                </a:solidFill>
+                <a:latin typeface="Consolas" pitchFamily="49" charset="0"/>
+              </a:rPr>
+              <a:t>(</a:t>
+            </a:r>
+            <a:r>
+              <a:rPr lang="en-US" sz="1600" dirty="0" smtClean="0">
+                <a:solidFill>
+                  <a:srgbClr val="00B0F0"/>
+                </a:solidFill>
+                <a:latin typeface="Consolas" pitchFamily="49" charset="0"/>
+              </a:rPr>
+              <a:t>h1</a:t>
+            </a:r>
+            <a:r>
+              <a:rPr lang="en-US" sz="1600" dirty="0" smtClean="0">
+                <a:solidFill>
+                  <a:schemeClr val="bg1"/>
+                </a:solidFill>
+                <a:latin typeface="Consolas" pitchFamily="49" charset="0"/>
+              </a:rPr>
+              <a:t>.</a:t>
+            </a:r>
+            <a:r>
+              <a:rPr lang="en-US" sz="1600" dirty="0" smtClean="0">
+                <a:solidFill>
+                  <a:srgbClr val="00B0F0"/>
+                </a:solidFill>
+                <a:latin typeface="Consolas" pitchFamily="49" charset="0"/>
+              </a:rPr>
+              <a:t>textContent</a:t>
+            </a:r>
+            <a:r>
+              <a:rPr lang="en-US" sz="1600" dirty="0">
+                <a:solidFill>
+                  <a:schemeClr val="bg1"/>
+                </a:solidFill>
+                <a:latin typeface="Consolas" pitchFamily="49" charset="0"/>
+              </a:rPr>
+              <a:t>).</a:t>
+            </a:r>
+            <a:r>
+              <a:rPr lang="en-US" sz="1600" dirty="0" err="1">
+                <a:solidFill>
+                  <a:srgbClr val="D8F141"/>
+                </a:solidFill>
+                <a:latin typeface="Consolas" pitchFamily="49" charset="0"/>
+              </a:rPr>
+              <a:t>toContain</a:t>
+            </a:r>
+            <a:r>
+              <a:rPr lang="en-US" sz="1600" dirty="0">
+                <a:solidFill>
+                  <a:schemeClr val="bg1"/>
+                </a:solidFill>
+                <a:latin typeface="Consolas" pitchFamily="49" charset="0"/>
+              </a:rPr>
+              <a:t>(</a:t>
+            </a:r>
+            <a:r>
+              <a:rPr lang="en-US" sz="1600" dirty="0" err="1">
+                <a:solidFill>
+                  <a:srgbClr val="00B0F0"/>
+                </a:solidFill>
+                <a:latin typeface="Consolas" pitchFamily="49" charset="0"/>
+              </a:rPr>
+              <a:t>component</a:t>
+            </a:r>
+            <a:r>
+              <a:rPr lang="en-US" sz="1600" dirty="0" err="1">
+                <a:solidFill>
+                  <a:schemeClr val="bg1"/>
+                </a:solidFill>
+                <a:latin typeface="Consolas" pitchFamily="49" charset="0"/>
+              </a:rPr>
+              <a:t>.</a:t>
+            </a:r>
+            <a:r>
+              <a:rPr lang="en-US" sz="1600" dirty="0" err="1">
+                <a:solidFill>
+                  <a:srgbClr val="00B0F0"/>
+                </a:solidFill>
+                <a:latin typeface="Consolas" pitchFamily="49" charset="0"/>
+              </a:rPr>
+              <a:t>title</a:t>
+            </a:r>
+            <a:r>
+              <a:rPr lang="en-US" sz="1600" dirty="0">
+                <a:solidFill>
+                  <a:schemeClr val="bg1"/>
+                </a:solidFill>
+                <a:latin typeface="Consolas" pitchFamily="49" charset="0"/>
+              </a:rPr>
+              <a:t>);</a:t>
+            </a:r>
+          </a:p>
+          <a:p>
+            <a:r>
+              <a:rPr lang="en-US" sz="1600" dirty="0" smtClean="0">
+                <a:solidFill>
+                  <a:schemeClr val="bg1"/>
+                </a:solidFill>
+                <a:latin typeface="Consolas" pitchFamily="49" charset="0"/>
+              </a:rPr>
+              <a:t>  });</a:t>
+            </a:r>
+          </a:p>
+          <a:p>
+            <a:r>
+              <a:rPr lang="en-US" sz="1600" dirty="0" smtClean="0">
+                <a:solidFill>
+                  <a:schemeClr val="bg1"/>
+                </a:solidFill>
+                <a:latin typeface="Consolas" pitchFamily="49" charset="0"/>
+              </a:rPr>
+              <a:t>});</a:t>
+            </a:r>
+            <a:endParaRPr lang="fr-FR" sz="1600" dirty="0">
+              <a:solidFill>
+                <a:schemeClr val="bg1"/>
+              </a:solidFill>
+              <a:latin typeface="Consolas" pitchFamily="49" charset="0"/>
+            </a:endParaRPr>
+          </a:p>
+        </p:txBody>
+      </p:sp>
+    </p:spTree>
+    <p:extLst>
+      <p:ext uri="{BB962C8B-B14F-4D97-AF65-F5344CB8AC3E}">
+        <p14:creationId xmlns:p14="http://schemas.microsoft.com/office/powerpoint/2010/main" val="2052399014"/>
+      </p:ext>
+    </p:extLst>
+  </p:cSld>
+  <p:clrMapOvr>
+    <a:masterClrMapping/>
+  </p:clrMapOvr>
+</p:sld>
+</file>
+
+<file path=ppt/slides/slide28.xml><?xml version="1.0" encoding="utf-8"?>
+<p:sld xmlns:a="http://schemas.openxmlformats.org/drawingml/2006/main" xmlns:r="http://schemas.openxmlformats.org/officeDocument/2006/relationships" xmlns:p="http://schemas.openxmlformats.org/presentationml/2006/main">
+  <p:cSld>
+    <p:spTree>
+      <p:nvGrpSpPr>
+        <p:cNvPr id="1" name=""/>
+        <p:cNvGrpSpPr/>
+        <p:nvPr/>
+      </p:nvGrpSpPr>
+      <p:grpSpPr>
+        <a:xfrm>
+          <a:off x="0" y="0"/>
+          <a:ext cx="0" cy="0"/>
+          <a:chOff x="0" y="0"/>
+          <a:chExt cx="0" cy="0"/>
+        </a:xfrm>
+      </p:grpSpPr>
+      <p:sp>
+        <p:nvSpPr>
+          <p:cNvPr id="8" name="Title 7"/>
+          <p:cNvSpPr>
+            <a:spLocks noGrp="1"/>
+          </p:cNvSpPr>
+          <p:nvPr>
+            <p:ph type="title"/>
             <p:custDataLst>
               <p:tags r:id="rId1"/>
             </p:custDataLst>
@@ -18565,76 +26769,80 @@
         </p:nvSpPr>
         <p:spPr/>
         <p:txBody>
-          <a:bodyPr>
-            <a:normAutofit fontScale="90000"/>
-          </a:bodyPr>
+          <a:bodyPr/>
           <a:lstStyle/>
           <a:p>
             <a:r>
               <a:rPr lang="fr-CA" dirty="0" smtClean="0"/>
-              <a:t>Notre engagement</a:t>
-            </a:r>
-            <a:br>
+              <a:t>TP </a:t>
+            </a:r>
+            <a:r>
               <a:rPr lang="fr-CA" dirty="0" smtClean="0"/>
-            </a:br>
-            <a:r>
-              <a:rPr lang="fr-CA" sz="2500" dirty="0" smtClean="0">
-                <a:solidFill>
-                  <a:schemeClr val="tx1"/>
-                </a:solidFill>
-              </a:rPr>
-              <a:t>Nous réalisons chaque mandat dans </a:t>
-            </a:r>
-            <a:br>
-              <a:rPr lang="fr-CA" sz="2500" dirty="0" smtClean="0">
-                <a:solidFill>
-                  <a:schemeClr val="tx1"/>
-                </a:solidFill>
-              </a:rPr>
-            </a:br>
-            <a:r>
-              <a:rPr lang="fr-CA" sz="2500" dirty="0" smtClean="0">
-                <a:solidFill>
-                  <a:schemeClr val="tx1"/>
-                </a:solidFill>
-              </a:rPr>
-              <a:t>un seul but : contribuer au succès </a:t>
-            </a:r>
-            <a:br>
-              <a:rPr lang="fr-CA" sz="2500" dirty="0" smtClean="0">
-                <a:solidFill>
-                  <a:schemeClr val="tx1"/>
-                </a:solidFill>
-              </a:rPr>
-            </a:br>
-            <a:r>
-              <a:rPr lang="fr-CA" sz="2500" dirty="0" smtClean="0">
-                <a:solidFill>
-                  <a:schemeClr val="tx1"/>
-                </a:solidFill>
-              </a:rPr>
-              <a:t>de nos clients.</a:t>
-            </a:r>
-            <a:r>
-              <a:rPr lang="en-GB" sz="2500" dirty="0" smtClean="0">
-                <a:solidFill>
-                  <a:schemeClr val="tx1"/>
-                </a:solidFill>
-              </a:rPr>
-              <a:t/>
-            </a:r>
-            <a:br>
-              <a:rPr lang="en-GB" sz="2500" dirty="0" smtClean="0">
-                <a:solidFill>
-                  <a:schemeClr val="tx1"/>
-                </a:solidFill>
-              </a:rPr>
-            </a:br>
-            <a:endParaRPr lang="en-GB" sz="2500" dirty="0"/>
+              <a:t>#5</a:t>
+            </a:r>
+            <a:endParaRPr lang="fr-CA" dirty="0"/>
+          </a:p>
+        </p:txBody>
+      </p:sp>
+      <p:sp>
+        <p:nvSpPr>
+          <p:cNvPr id="6" name="Espace réservé du contenu 5"/>
+          <p:cNvSpPr>
+            <a:spLocks noGrp="1"/>
+          </p:cNvSpPr>
+          <p:nvPr>
+            <p:ph sz="quarter" idx="17"/>
+          </p:nvPr>
+        </p:nvSpPr>
+        <p:spPr/>
+        <p:txBody>
+          <a:bodyPr/>
+          <a:lstStyle/>
+          <a:p>
+            <a:pPr lvl="1" indent="0">
+              <a:buNone/>
+            </a:pPr>
+            <a:endParaRPr lang="fr-FR" dirty="0" smtClean="0"/>
+          </a:p>
+          <a:p>
+            <a:pPr marL="606425" lvl="1" indent="-342900"/>
+            <a:endParaRPr lang="fr-FR" dirty="0"/>
+          </a:p>
+        </p:txBody>
+      </p:sp>
+      <p:sp>
+        <p:nvSpPr>
+          <p:cNvPr id="5" name="Slide Number Placeholder 4"/>
+          <p:cNvSpPr>
+            <a:spLocks noGrp="1"/>
+          </p:cNvSpPr>
+          <p:nvPr>
+            <p:ph type="sldNum" sz="quarter" idx="12"/>
+            <p:custDataLst>
+              <p:tags r:id="rId2"/>
+            </p:custDataLst>
+          </p:nvPr>
+        </p:nvSpPr>
+        <p:spPr/>
+        <p:txBody>
+          <a:bodyPr/>
+          <a:lstStyle/>
+          <a:p>
+            <a:fld id="{525A3C56-E491-49B2-93F3-63532DF516BC}" type="slidenum">
+              <a:rPr lang="en-GB" smtClean="0"/>
+              <a:pPr/>
+              <a:t>28</a:t>
+            </a:fld>
+            <a:endParaRPr lang="en-GB" dirty="0"/>
           </a:p>
         </p:txBody>
       </p:sp>
     </p:spTree>
+    <p:extLst>
+      <p:ext uri="{BB962C8B-B14F-4D97-AF65-F5344CB8AC3E}">
+        <p14:creationId xmlns:p14="http://schemas.microsoft.com/office/powerpoint/2010/main" val="4194531017"/>
+      </p:ext>
+    </p:extLst>
   </p:cSld>
   <p:clrMapOvr>
     <a:masterClrMapping/>
@@ -18646,6 +26854,190 @@
       </p:par>
     </p:tnLst>
   </p:timing>
+</p:sld>
+</file>
+
+<file path=ppt/slides/slide29.xml><?xml version="1.0" encoding="utf-8"?>
+<p:sld xmlns:a="http://schemas.openxmlformats.org/drawingml/2006/main" xmlns:r="http://schemas.openxmlformats.org/officeDocument/2006/relationships" xmlns:p="http://schemas.openxmlformats.org/presentationml/2006/main">
+  <p:cSld>
+    <p:spTree>
+      <p:nvGrpSpPr>
+        <p:cNvPr id="1" name=""/>
+        <p:cNvGrpSpPr/>
+        <p:nvPr/>
+      </p:nvGrpSpPr>
+      <p:grpSpPr>
+        <a:xfrm>
+          <a:off x="0" y="0"/>
+          <a:ext cx="0" cy="0"/>
+          <a:chOff x="0" y="0"/>
+          <a:chExt cx="0" cy="0"/>
+        </a:xfrm>
+      </p:grpSpPr>
+      <p:sp>
+        <p:nvSpPr>
+          <p:cNvPr id="2" name="Titre 1"/>
+          <p:cNvSpPr>
+            <a:spLocks noGrp="1"/>
+          </p:cNvSpPr>
+          <p:nvPr>
+            <p:ph type="title"/>
+          </p:nvPr>
+        </p:nvSpPr>
+        <p:spPr/>
+        <p:txBody>
+          <a:bodyPr/>
+          <a:lstStyle/>
+          <a:p>
+            <a:r>
+              <a:rPr lang="fr-FR" dirty="0" smtClean="0"/>
+              <a:t>Tests e2e (end-to-end)</a:t>
+            </a:r>
+            <a:endParaRPr lang="fr-FR" dirty="0"/>
+          </a:p>
+        </p:txBody>
+      </p:sp>
+      <p:sp>
+        <p:nvSpPr>
+          <p:cNvPr id="3" name="Espace réservé du contenu 2"/>
+          <p:cNvSpPr>
+            <a:spLocks noGrp="1"/>
+          </p:cNvSpPr>
+          <p:nvPr>
+            <p:ph sz="quarter" idx="17"/>
+          </p:nvPr>
+        </p:nvSpPr>
+        <p:spPr/>
+        <p:txBody>
+          <a:bodyPr/>
+          <a:lstStyle/>
+          <a:p>
+            <a:pPr marL="342900" indent="-342900">
+              <a:buFont typeface="Arial" panose="020B0604020202020204" pitchFamily="34" charset="0"/>
+              <a:buChar char="•"/>
+            </a:pPr>
+            <a:r>
+              <a:rPr lang="fr-FR" dirty="0" smtClean="0"/>
+              <a:t>But: Tester les comportements de l’application sur des scenarii précis et complets (exemple: une inscription en plusieurs étapes)</a:t>
+            </a:r>
+          </a:p>
+          <a:p>
+            <a:pPr marL="342900" indent="-342900">
+              <a:buFont typeface="Arial" panose="020B0604020202020204" pitchFamily="34" charset="0"/>
+              <a:buChar char="•"/>
+            </a:pPr>
+            <a:endParaRPr lang="fr-FR" dirty="0"/>
+          </a:p>
+          <a:p>
+            <a:pPr marL="342900" indent="-342900">
+              <a:buFont typeface="Arial" panose="020B0604020202020204" pitchFamily="34" charset="0"/>
+              <a:buChar char="•"/>
+            </a:pPr>
+            <a:r>
+              <a:rPr lang="fr-FR" dirty="0" smtClean="0"/>
+              <a:t>Si un </a:t>
+            </a:r>
+            <a:r>
+              <a:rPr lang="fr-FR" dirty="0" err="1" smtClean="0"/>
+              <a:t>backend</a:t>
+            </a:r>
+            <a:r>
+              <a:rPr lang="fr-FR" dirty="0" smtClean="0"/>
+              <a:t> est nécessaire, il faut qu’il disponible et démarré lors du lancement des tests</a:t>
+            </a:r>
+          </a:p>
+          <a:p>
+            <a:pPr marL="342900" indent="-342900">
+              <a:buFont typeface="Arial" panose="020B0604020202020204" pitchFamily="34" charset="0"/>
+              <a:buChar char="•"/>
+            </a:pPr>
+            <a:endParaRPr lang="fr-FR" dirty="0"/>
+          </a:p>
+          <a:p>
+            <a:pPr marL="342900" indent="-342900">
+              <a:buFont typeface="Arial" panose="020B0604020202020204" pitchFamily="34" charset="0"/>
+              <a:buChar char="•"/>
+            </a:pPr>
+            <a:r>
+              <a:rPr lang="fr-FR" dirty="0"/>
+              <a:t>Deux suites de </a:t>
+            </a:r>
+            <a:r>
+              <a:rPr lang="fr-FR" dirty="0" smtClean="0"/>
+              <a:t>tests e2e disponibles </a:t>
+            </a:r>
+            <a:r>
+              <a:rPr lang="fr-FR" dirty="0"/>
+              <a:t>pour </a:t>
+            </a:r>
+            <a:r>
+              <a:rPr lang="fr-FR" dirty="0" err="1"/>
+              <a:t>Angular</a:t>
+            </a:r>
+            <a:r>
+              <a:rPr lang="fr-FR" dirty="0"/>
+              <a:t>:</a:t>
+            </a:r>
+          </a:p>
+          <a:p>
+            <a:pPr marL="606425" lvl="1" indent="-342900"/>
+            <a:r>
+              <a:rPr lang="fr-FR" dirty="0" err="1" smtClean="0"/>
+              <a:t>Protractor</a:t>
+            </a:r>
+            <a:endParaRPr lang="fr-FR" dirty="0"/>
+          </a:p>
+          <a:p>
+            <a:pPr marL="606425" lvl="1" indent="-342900"/>
+            <a:r>
+              <a:rPr lang="fr-FR" dirty="0" err="1" smtClean="0"/>
+              <a:t>Cypress</a:t>
+            </a:r>
+            <a:endParaRPr lang="fr-FR" dirty="0"/>
+          </a:p>
+          <a:p>
+            <a:pPr marL="342900" indent="-342900">
+              <a:buFont typeface="Arial" panose="020B0604020202020204" pitchFamily="34" charset="0"/>
+              <a:buChar char="•"/>
+            </a:pPr>
+            <a:endParaRPr lang="fr-FR" dirty="0" smtClean="0"/>
+          </a:p>
+        </p:txBody>
+      </p:sp>
+      <p:sp>
+        <p:nvSpPr>
+          <p:cNvPr id="4" name="Espace réservé du numéro de diapositive 3"/>
+          <p:cNvSpPr>
+            <a:spLocks noGrp="1"/>
+          </p:cNvSpPr>
+          <p:nvPr>
+            <p:ph type="sldNum" sz="quarter" idx="12"/>
+          </p:nvPr>
+        </p:nvSpPr>
+        <p:spPr/>
+        <p:txBody>
+          <a:bodyPr/>
+          <a:lstStyle/>
+          <a:p>
+            <a:fld id="{525A3C56-E491-49B2-93F3-63532DF516BC}" type="slidenum">
+              <a:rPr lang="en-GB" smtClean="0"/>
+              <a:pPr/>
+              <a:t>29</a:t>
+            </a:fld>
+            <a:endParaRPr lang="en-GB" dirty="0"/>
+          </a:p>
+        </p:txBody>
+      </p:sp>
+    </p:spTree>
+    <p:extLst>
+      <p:ext uri="{BB962C8B-B14F-4D97-AF65-F5344CB8AC3E}">
+        <p14:creationId xmlns:p14="http://schemas.microsoft.com/office/powerpoint/2010/main" val="3292261121"/>
+      </p:ext>
+    </p:extLst>
+  </p:cSld>
+  <p:clrMapOvr>
+    <a:masterClrMapping/>
+  </p:clrMapOvr>
 </p:sld>
 </file>
 
@@ -18737,6 +27129,317 @@
         <p14:creationId xmlns:p14="http://schemas.microsoft.com/office/powerpoint/2010/main" val="2258979560"/>
       </p:ext>
     </p:extLst>
+  </p:cSld>
+  <p:clrMapOvr>
+    <a:masterClrMapping/>
+  </p:clrMapOvr>
+  <p:timing>
+    <p:tnLst>
+      <p:par>
+        <p:cTn id="1" dur="indefinite" restart="never" nodeType="tmRoot"/>
+      </p:par>
+    </p:tnLst>
+  </p:timing>
+</p:sld>
+</file>
+
+<file path=ppt/slides/slide30.xml><?xml version="1.0" encoding="utf-8"?>
+<p:sld xmlns:a="http://schemas.openxmlformats.org/drawingml/2006/main" xmlns:r="http://schemas.openxmlformats.org/officeDocument/2006/relationships" xmlns:p="http://schemas.openxmlformats.org/presentationml/2006/main">
+  <p:cSld>
+    <p:spTree>
+      <p:nvGrpSpPr>
+        <p:cNvPr id="1" name=""/>
+        <p:cNvGrpSpPr/>
+        <p:nvPr/>
+      </p:nvGrpSpPr>
+      <p:grpSpPr>
+        <a:xfrm>
+          <a:off x="0" y="0"/>
+          <a:ext cx="0" cy="0"/>
+          <a:chOff x="0" y="0"/>
+          <a:chExt cx="0" cy="0"/>
+        </a:xfrm>
+      </p:grpSpPr>
+      <p:sp>
+        <p:nvSpPr>
+          <p:cNvPr id="2" name="Title 1"/>
+          <p:cNvSpPr>
+            <a:spLocks noGrp="1"/>
+          </p:cNvSpPr>
+          <p:nvPr>
+            <p:ph type="ctrTitle"/>
+            <p:custDataLst>
+              <p:tags r:id="rId1"/>
+            </p:custDataLst>
+          </p:nvPr>
+        </p:nvSpPr>
+        <p:spPr/>
+        <p:txBody>
+          <a:bodyPr/>
+          <a:lstStyle/>
+          <a:p>
+            <a:r>
+              <a:rPr lang="fr-CA" dirty="0" err="1" smtClean="0"/>
+              <a:t>Angular</a:t>
+            </a:r>
+            <a:r>
+              <a:rPr lang="fr-CA" dirty="0"/>
+              <a:t> </a:t>
+            </a:r>
+            <a:r>
+              <a:rPr lang="fr-CA" dirty="0" smtClean="0"/>
+              <a:t>avancé</a:t>
+            </a:r>
+            <a:endParaRPr lang="fr-CA" dirty="0"/>
+          </a:p>
+        </p:txBody>
+      </p:sp>
+      <p:sp>
+        <p:nvSpPr>
+          <p:cNvPr id="16" name="Subtitle 15"/>
+          <p:cNvSpPr>
+            <a:spLocks noGrp="1"/>
+          </p:cNvSpPr>
+          <p:nvPr>
+            <p:ph type="subTitle" idx="1"/>
+            <p:custDataLst>
+              <p:tags r:id="rId2"/>
+            </p:custDataLst>
+          </p:nvPr>
+        </p:nvSpPr>
+        <p:spPr/>
+        <p:txBody>
+          <a:bodyPr/>
+          <a:lstStyle/>
+          <a:p>
+            <a:r>
+              <a:rPr lang="fr-CA" dirty="0" err="1" smtClean="0"/>
+              <a:t>Debugging</a:t>
+            </a:r>
+            <a:endParaRPr lang="fr-CA" dirty="0" smtClean="0"/>
+          </a:p>
+          <a:p>
+            <a:endParaRPr lang="fr-CA" dirty="0" smtClean="0"/>
+          </a:p>
+          <a:p>
+            <a:endParaRPr lang="fr-CA" dirty="0"/>
+          </a:p>
+        </p:txBody>
+      </p:sp>
+    </p:spTree>
+    <p:extLst>
+      <p:ext uri="{BB962C8B-B14F-4D97-AF65-F5344CB8AC3E}">
+        <p14:creationId xmlns:p14="http://schemas.microsoft.com/office/powerpoint/2010/main" val="4055963835"/>
+      </p:ext>
+    </p:extLst>
+  </p:cSld>
+  <p:clrMapOvr>
+    <a:masterClrMapping/>
+  </p:clrMapOvr>
+  <p:timing>
+    <p:tnLst>
+      <p:par>
+        <p:cTn id="1" dur="indefinite" restart="never" nodeType="tmRoot"/>
+      </p:par>
+    </p:tnLst>
+  </p:timing>
+</p:sld>
+</file>
+
+<file path=ppt/slides/slide31.xml><?xml version="1.0" encoding="utf-8"?>
+<p:sld xmlns:a="http://schemas.openxmlformats.org/drawingml/2006/main" xmlns:r="http://schemas.openxmlformats.org/officeDocument/2006/relationships" xmlns:p="http://schemas.openxmlformats.org/presentationml/2006/main">
+  <p:cSld>
+    <p:spTree>
+      <p:nvGrpSpPr>
+        <p:cNvPr id="1" name=""/>
+        <p:cNvGrpSpPr/>
+        <p:nvPr/>
+      </p:nvGrpSpPr>
+      <p:grpSpPr>
+        <a:xfrm>
+          <a:off x="0" y="0"/>
+          <a:ext cx="0" cy="0"/>
+          <a:chOff x="0" y="0"/>
+          <a:chExt cx="0" cy="0"/>
+        </a:xfrm>
+      </p:grpSpPr>
+      <p:sp>
+        <p:nvSpPr>
+          <p:cNvPr id="2" name="Titre 1"/>
+          <p:cNvSpPr>
+            <a:spLocks noGrp="1"/>
+          </p:cNvSpPr>
+          <p:nvPr>
+            <p:ph type="title"/>
+          </p:nvPr>
+        </p:nvSpPr>
+        <p:spPr/>
+        <p:txBody>
+          <a:bodyPr/>
+          <a:lstStyle/>
+          <a:p>
+            <a:endParaRPr lang="fr-FR"/>
+          </a:p>
+        </p:txBody>
+      </p:sp>
+      <p:sp>
+        <p:nvSpPr>
+          <p:cNvPr id="3" name="Espace réservé du contenu 2"/>
+          <p:cNvSpPr>
+            <a:spLocks noGrp="1"/>
+          </p:cNvSpPr>
+          <p:nvPr>
+            <p:ph sz="quarter" idx="17"/>
+          </p:nvPr>
+        </p:nvSpPr>
+        <p:spPr/>
+        <p:txBody>
+          <a:bodyPr/>
+          <a:lstStyle/>
+          <a:p>
+            <a:endParaRPr lang="fr-FR"/>
+          </a:p>
+        </p:txBody>
+      </p:sp>
+      <p:sp>
+        <p:nvSpPr>
+          <p:cNvPr id="4" name="Espace réservé du numéro de diapositive 3"/>
+          <p:cNvSpPr>
+            <a:spLocks noGrp="1"/>
+          </p:cNvSpPr>
+          <p:nvPr>
+            <p:ph type="sldNum" sz="quarter" idx="12"/>
+          </p:nvPr>
+        </p:nvSpPr>
+        <p:spPr/>
+        <p:txBody>
+          <a:bodyPr/>
+          <a:lstStyle/>
+          <a:p>
+            <a:fld id="{525A3C56-E491-49B2-93F3-63532DF516BC}" type="slidenum">
+              <a:rPr lang="en-GB" smtClean="0"/>
+              <a:pPr/>
+              <a:t>31</a:t>
+            </a:fld>
+            <a:endParaRPr lang="en-GB" dirty="0"/>
+          </a:p>
+        </p:txBody>
+      </p:sp>
+    </p:spTree>
+    <p:extLst>
+      <p:ext uri="{BB962C8B-B14F-4D97-AF65-F5344CB8AC3E}">
+        <p14:creationId xmlns:p14="http://schemas.microsoft.com/office/powerpoint/2010/main" val="3777427707"/>
+      </p:ext>
+    </p:extLst>
+  </p:cSld>
+  <p:clrMapOvr>
+    <a:masterClrMapping/>
+  </p:clrMapOvr>
+</p:sld>
+</file>
+
+<file path=ppt/slides/slide32.xml><?xml version="1.0" encoding="utf-8"?>
+<p:sld xmlns:a="http://schemas.openxmlformats.org/drawingml/2006/main" xmlns:r="http://schemas.openxmlformats.org/officeDocument/2006/relationships" xmlns:p="http://schemas.openxmlformats.org/presentationml/2006/main">
+  <p:cSld>
+    <p:spTree>
+      <p:nvGrpSpPr>
+        <p:cNvPr id="1" name=""/>
+        <p:cNvGrpSpPr/>
+        <p:nvPr/>
+      </p:nvGrpSpPr>
+      <p:grpSpPr>
+        <a:xfrm>
+          <a:off x="0" y="0"/>
+          <a:ext cx="0" cy="0"/>
+          <a:chOff x="0" y="0"/>
+          <a:chExt cx="0" cy="0"/>
+        </a:xfrm>
+      </p:grpSpPr>
+      <p:sp>
+        <p:nvSpPr>
+          <p:cNvPr id="3" name="Title 2"/>
+          <p:cNvSpPr>
+            <a:spLocks noGrp="1"/>
+          </p:cNvSpPr>
+          <p:nvPr>
+            <p:ph type="ctrTitle"/>
+            <p:custDataLst>
+              <p:tags r:id="rId1"/>
+            </p:custDataLst>
+          </p:nvPr>
+        </p:nvSpPr>
+        <p:spPr/>
+        <p:txBody>
+          <a:bodyPr>
+            <a:normAutofit fontScale="90000"/>
+          </a:bodyPr>
+          <a:lstStyle/>
+          <a:p>
+            <a:r>
+              <a:rPr lang="fr-CA" dirty="0" smtClean="0"/>
+              <a:t>Notre engagement</a:t>
+            </a:r>
+            <a:br>
+              <a:rPr lang="fr-CA" dirty="0" smtClean="0"/>
+            </a:br>
+            <a:r>
+              <a:rPr lang="fr-CA" sz="2500" dirty="0" smtClean="0">
+                <a:solidFill>
+                  <a:schemeClr val="tx1"/>
+                </a:solidFill>
+              </a:rPr>
+              <a:t>Nous réalisons chaque mandat dans </a:t>
+            </a:r>
+            <a:br>
+              <a:rPr lang="fr-CA" sz="2500" dirty="0" smtClean="0">
+                <a:solidFill>
+                  <a:schemeClr val="tx1"/>
+                </a:solidFill>
+              </a:rPr>
+            </a:br>
+            <a:r>
+              <a:rPr lang="fr-CA" sz="2500" dirty="0" smtClean="0">
+                <a:solidFill>
+                  <a:schemeClr val="tx1"/>
+                </a:solidFill>
+              </a:rPr>
+              <a:t>un seul but : contribuer au succès </a:t>
+            </a:r>
+            <a:br>
+              <a:rPr lang="fr-CA" sz="2500" dirty="0" smtClean="0">
+                <a:solidFill>
+                  <a:schemeClr val="tx1"/>
+                </a:solidFill>
+              </a:rPr>
+            </a:br>
+            <a:r>
+              <a:rPr lang="fr-CA" sz="2500" dirty="0" smtClean="0">
+                <a:solidFill>
+                  <a:schemeClr val="tx1"/>
+                </a:solidFill>
+              </a:rPr>
+              <a:t>de nos clients.</a:t>
+            </a:r>
+            <a:r>
+              <a:rPr lang="en-GB" sz="2500" dirty="0" smtClean="0">
+                <a:solidFill>
+                  <a:schemeClr val="tx1"/>
+                </a:solidFill>
+              </a:rPr>
+              <a:t/>
+            </a:r>
+            <a:br>
+              <a:rPr lang="en-GB" sz="2500" dirty="0" smtClean="0">
+                <a:solidFill>
+                  <a:schemeClr val="tx1"/>
+                </a:solidFill>
+              </a:rPr>
+            </a:br>
+            <a:endParaRPr lang="en-GB" sz="2500" dirty="0"/>
+          </a:p>
+        </p:txBody>
+      </p:sp>
+    </p:spTree>
   </p:cSld>
   <p:clrMapOvr>
     <a:masterClrMapping/>
@@ -21899,41 +30602,21 @@
             <a:pPr marL="606425" lvl="1" indent="-342900"/>
             <a:r>
               <a:rPr lang="fr-FR" dirty="0" smtClean="0"/>
-              <a:t>Gestion </a:t>
-            </a:r>
+              <a:t>Gestion simplifiée des formulaires</a:t>
+            </a:r>
+          </a:p>
+          <a:p>
+            <a:pPr marL="606425" lvl="1" indent="-342900"/>
             <a:r>
               <a:rPr lang="fr-FR" dirty="0" smtClean="0"/>
-              <a:t>simplifiée des </a:t>
-            </a:r>
+              <a:t>Validation des champs et de l’ensemble du formulaire</a:t>
+            </a:r>
+          </a:p>
+          <a:p>
+            <a:pPr marL="606425" lvl="1" indent="-342900"/>
             <a:r>
               <a:rPr lang="fr-FR" dirty="0" smtClean="0"/>
-              <a:t>formulaires</a:t>
-            </a:r>
-          </a:p>
-          <a:p>
-            <a:pPr marL="606425" lvl="1" indent="-342900"/>
-            <a:r>
-              <a:rPr lang="fr-FR" dirty="0" smtClean="0"/>
-              <a:t>Validation </a:t>
-            </a:r>
-            <a:r>
-              <a:rPr lang="fr-FR" dirty="0" smtClean="0"/>
-              <a:t>des champs et de l’ensemble du </a:t>
-            </a:r>
-            <a:r>
-              <a:rPr lang="fr-FR" dirty="0" smtClean="0"/>
-              <a:t>formulaire</a:t>
-            </a:r>
-          </a:p>
-          <a:p>
-            <a:pPr marL="606425" lvl="1" indent="-342900"/>
-            <a:r>
-              <a:rPr lang="fr-FR" dirty="0" smtClean="0"/>
-              <a:t>Permet </a:t>
-            </a:r>
-            <a:r>
-              <a:rPr lang="fr-FR" dirty="0" smtClean="0"/>
-              <a:t>d’empêcher la validation du formulaire si les exigences ne sont pas couvertes</a:t>
+              <a:t>Permet d’empêcher la validation du formulaire si les exigences ne sont pas couvertes</a:t>
             </a:r>
           </a:p>
           <a:p>
@@ -22223,12 +30906,6 @@
               </a:rPr>
               <a:t> ...,</a:t>
             </a:r>
-            <a:endParaRPr lang="fr-FR" sz="1600" dirty="0" smtClean="0">
-              <a:solidFill>
-                <a:schemeClr val="bg1"/>
-              </a:solidFill>
-              <a:latin typeface="Consolas" pitchFamily="49" charset="0"/>
-            </a:endParaRPr>
           </a:p>
           <a:p>
             <a:r>
@@ -22466,11 +31143,23 @@
 
 <file path=ppt/tags/tag24.xml><?xml version="1.0" encoding="utf-8"?>
 <p:tagLst xmlns:a="http://schemas.openxmlformats.org/drawingml/2006/main" xmlns:r="http://schemas.openxmlformats.org/officeDocument/2006/relationships" xmlns:p="http://schemas.openxmlformats.org/presentationml/2006/main">
+  <p:tag name="NUM" val="3"/>
+</p:tagLst>
+</file>
+
+<file path=ppt/tags/tag25.xml><?xml version="1.0" encoding="utf-8"?>
+<p:tagLst xmlns:a="http://schemas.openxmlformats.org/drawingml/2006/main" xmlns:r="http://schemas.openxmlformats.org/officeDocument/2006/relationships" xmlns:p="http://schemas.openxmlformats.org/presentationml/2006/main">
+  <p:tag name="NUM" val="1"/>
+</p:tagLst>
+</file>
+
+<file path=ppt/tags/tag26.xml><?xml version="1.0" encoding="utf-8"?>
+<p:tagLst xmlns:a="http://schemas.openxmlformats.org/drawingml/2006/main" xmlns:r="http://schemas.openxmlformats.org/officeDocument/2006/relationships" xmlns:p="http://schemas.openxmlformats.org/presentationml/2006/main">
   <p:tag name="NUM" val="2"/>
 </p:tagLst>
 </file>
 
-<file path=ppt/tags/tag25.xml><?xml version="1.0" encoding="utf-8"?>
+<file path=ppt/tags/tag27.xml><?xml version="1.0" encoding="utf-8"?>
 <p:tagLst xmlns:a="http://schemas.openxmlformats.org/drawingml/2006/main" xmlns:r="http://schemas.openxmlformats.org/officeDocument/2006/relationships" xmlns:p="http://schemas.openxmlformats.org/presentationml/2006/main">
   <p:tag name="NUM" val="1"/>
 </p:tagLst>
@@ -23437,132 +32126,6 @@
 </file>
 
 <file path=customXml/item1.xml><?xml version="1.0" encoding="utf-8"?>
-<?mso-contentType ?>
-<spe:Receivers xmlns:spe="http://schemas.microsoft.com/sharepoint/events">
-  <Receiver>
-    <Name>ItemUpdatedEventHandlerForConceptSearch</Name>
-    <Synchronization>Default</Synchronization>
-    <Type>10002</Type>
-    <SequenceNumber>10001</SequenceNumber>
-    <Assembly>conceptSearching.Sharepoint.ContentTypes, Version=1.0.0.0, Culture=neutral, PublicKeyToken=858f8f13980e4745</Assembly>
-    <Class>conceptSearching.Sharepoint.ContentTypes.CSHandleEvent</Class>
-    <Data/>
-    <Filter/>
-  </Receiver>
-  <Receiver>
-    <Name>ItemCheckedInEventHandlerForConceptSearch</Name>
-    <Synchronization>Default</Synchronization>
-    <Type>10004</Type>
-    <SequenceNumber>10002</SequenceNumber>
-    <Assembly>conceptSearching.Sharepoint.ContentTypes, Version=1.0.0.0, Culture=neutral, PublicKeyToken=858f8f13980e4745</Assembly>
-    <Class>conceptSearching.Sharepoint.ContentTypes.CSHandleEvent</Class>
-    <Data/>
-    <Filter/>
-  </Receiver>
-  <Receiver>
-    <Name>ItemUncheckedOutEventHandlerForConceptSearch</Name>
-    <Synchronization>Default</Synchronization>
-    <Type>10006</Type>
-    <SequenceNumber>10003</SequenceNumber>
-    <Assembly>conceptSearching.Sharepoint.ContentTypes, Version=1.0.0.0, Culture=neutral, PublicKeyToken=858f8f13980e4745</Assembly>
-    <Class>conceptSearching.Sharepoint.ContentTypes.CSHandleEvent</Class>
-    <Data/>
-    <Filter/>
-  </Receiver>
-  <Receiver>
-    <Name>ItemAddedEventHandlerForConceptSearch</Name>
-    <Synchronization>Default</Synchronization>
-    <Type>10001</Type>
-    <SequenceNumber>10004</SequenceNumber>
-    <Assembly>conceptSearching.Sharepoint.ContentTypes, Version=1.0.0.0, Culture=neutral, PublicKeyToken=858f8f13980e4745</Assembly>
-    <Class>conceptSearching.Sharepoint.ContentTypes.CSHandleEvent</Class>
-    <Data/>
-    <Filter/>
-  </Receiver>
-  <Receiver>
-    <Name>ItemFileMovedEventHandlerForConceptSearch</Name>
-    <Synchronization>Default</Synchronization>
-    <Type>10009</Type>
-    <SequenceNumber>10005</SequenceNumber>
-    <Assembly>conceptSearching.Sharepoint.ContentTypes, Version=1.0.0.0, Culture=neutral, PublicKeyToken=858f8f13980e4745</Assembly>
-    <Class>conceptSearching.Sharepoint.ContentTypes.CSHandleEvent</Class>
-    <Data/>
-    <Filter/>
-  </Receiver>
-  <Receiver>
-    <Name>ItemDeletedEventHandlerForConceptSearch</Name>
-    <Synchronization>Default</Synchronization>
-    <Type>10003</Type>
-    <SequenceNumber>10006</SequenceNumber>
-    <Assembly>conceptSearching.Sharepoint.ContentTypes, Version=1.0.0.0, Culture=neutral, PublicKeyToken=858f8f13980e4745</Assembly>
-    <Class>conceptSearching.Sharepoint.ContentTypes.CSHandleEvent</Class>
-    <Data/>
-    <Filter/>
-  </Receiver>
-  <Receiver>
-    <Name>ItemUpdatedEventHandlerForConceptSearch</Name>
-    <Synchronization>Asynchronous</Synchronization>
-    <Type>10002</Type>
-    <SequenceNumber>10001</SequenceNumber>
-    <Assembly>conceptSearching.Sharepoint.ContentTypes2010, Version=1.0.0.0, Culture=neutral, PublicKeyToken=858f8f13980e4745</Assembly>
-    <Class>conceptSearching.Sharepoint.ContentTypes2010.CSHandleEvent</Class>
-    <Data/>
-    <Filter/>
-  </Receiver>
-  <Receiver>
-    <Name>ItemCheckedInEventHandlerForConceptSearch</Name>
-    <Synchronization>Asynchronous</Synchronization>
-    <Type>10004</Type>
-    <SequenceNumber>10002</SequenceNumber>
-    <Assembly>conceptSearching.Sharepoint.ContentTypes2010, Version=1.0.0.0, Culture=neutral, PublicKeyToken=858f8f13980e4745</Assembly>
-    <Class>conceptSearching.Sharepoint.ContentTypes2010.CSHandleEvent</Class>
-    <Data/>
-    <Filter/>
-  </Receiver>
-  <Receiver>
-    <Name>ItemUncheckedOutEventHandlerForConceptSearch</Name>
-    <Synchronization>Asynchronous</Synchronization>
-    <Type>10006</Type>
-    <SequenceNumber>10003</SequenceNumber>
-    <Assembly>conceptSearching.Sharepoint.ContentTypes2010, Version=1.0.0.0, Culture=neutral, PublicKeyToken=858f8f13980e4745</Assembly>
-    <Class>conceptSearching.Sharepoint.ContentTypes2010.CSHandleEvent</Class>
-    <Data/>
-    <Filter/>
-  </Receiver>
-  <Receiver>
-    <Name>ItemAddedEventHandlerForConceptSearch</Name>
-    <Synchronization>Asynchronous</Synchronization>
-    <Type>10001</Type>
-    <SequenceNumber>10004</SequenceNumber>
-    <Assembly>conceptSearching.Sharepoint.ContentTypes2010, Version=1.0.0.0, Culture=neutral, PublicKeyToken=858f8f13980e4745</Assembly>
-    <Class>conceptSearching.Sharepoint.ContentTypes2010.CSHandleEvent</Class>
-    <Data/>
-    <Filter/>
-  </Receiver>
-  <Receiver>
-    <Name>ItemFileMovedEventHandlerForConceptSearch</Name>
-    <Synchronization>Asynchronous</Synchronization>
-    <Type>10009</Type>
-    <SequenceNumber>10005</SequenceNumber>
-    <Assembly>conceptSearching.Sharepoint.ContentTypes2010, Version=1.0.0.0, Culture=neutral, PublicKeyToken=858f8f13980e4745</Assembly>
-    <Class>conceptSearching.Sharepoint.ContentTypes2010.CSHandleEvent</Class>
-    <Data/>
-    <Filter/>
-  </Receiver>
-  <Receiver>
-    <Name>ItemDeletedEventHandlerForConceptSearch</Name>
-    <Synchronization>Asynchronous</Synchronization>
-    <Type>10003</Type>
-    <SequenceNumber>10006</SequenceNumber>
-    <Assembly>conceptSearching.Sharepoint.ContentTypes2010, Version=1.0.0.0, Culture=neutral, PublicKeyToken=858f8f13980e4745</Assembly>
-    <Class>conceptSearching.Sharepoint.ContentTypes2010.CSHandleEvent</Class>
-    <Data/>
-    <Filter/>
-  </Receiver>
-</spe:Receivers>
-</file>
-
-<file path=customXml/item2.xml><?xml version="1.0" encoding="utf-8"?>
 <ct:contentTypeSchema xmlns:ct="http://schemas.microsoft.com/office/2006/metadata/contentType" xmlns:ma="http://schemas.microsoft.com/office/2006/metadata/properties/metaAttributes" ct:_="" ma:_="" ma:contentTypeName="Document" ma:contentTypeID="0x01010005E88B5A4C166F4D845B9CCD5CB96BA1" ma:contentTypeVersion="12" ma:contentTypeDescription="Create a new document." ma:contentTypeScope="" ma:versionID="932543ea927b72e086287f4d6b3ada9b">
   <xsd:schema xmlns:xsd="http://www.w3.org/2001/XMLSchema" xmlns:xs="http://www.w3.org/2001/XMLSchema" xmlns:p="http://schemas.microsoft.com/office/2006/metadata/properties" xmlns:ns1="http://schemas.microsoft.com/sharepoint/v3" xmlns:ns2="d95a5b16-1b8d-4c7c-9ebf-89c0983b6970" targetNamespace="http://schemas.microsoft.com/office/2006/metadata/properties" ma:root="true" ma:fieldsID="c4e0bb6a8f3c457cd45f9ca23030de3a" ns1:_="" ns2:_="">
     <xsd:import namespace="http://schemas.microsoft.com/sharepoint/v3"/>
@@ -23757,7 +32320,142 @@
 </ct:contentTypeSchema>
 </file>
 
+<file path=customXml/item2.xml><?xml version="1.0" encoding="utf-8"?>
+<?mso-contentType ?>
+<spe:Receivers xmlns:spe="http://schemas.microsoft.com/sharepoint/events">
+  <Receiver>
+    <Name>ItemUpdatedEventHandlerForConceptSearch</Name>
+    <Synchronization>Default</Synchronization>
+    <Type>10002</Type>
+    <SequenceNumber>10001</SequenceNumber>
+    <Assembly>conceptSearching.Sharepoint.ContentTypes, Version=1.0.0.0, Culture=neutral, PublicKeyToken=858f8f13980e4745</Assembly>
+    <Class>conceptSearching.Sharepoint.ContentTypes.CSHandleEvent</Class>
+    <Data/>
+    <Filter/>
+  </Receiver>
+  <Receiver>
+    <Name>ItemCheckedInEventHandlerForConceptSearch</Name>
+    <Synchronization>Default</Synchronization>
+    <Type>10004</Type>
+    <SequenceNumber>10002</SequenceNumber>
+    <Assembly>conceptSearching.Sharepoint.ContentTypes, Version=1.0.0.0, Culture=neutral, PublicKeyToken=858f8f13980e4745</Assembly>
+    <Class>conceptSearching.Sharepoint.ContentTypes.CSHandleEvent</Class>
+    <Data/>
+    <Filter/>
+  </Receiver>
+  <Receiver>
+    <Name>ItemUncheckedOutEventHandlerForConceptSearch</Name>
+    <Synchronization>Default</Synchronization>
+    <Type>10006</Type>
+    <SequenceNumber>10003</SequenceNumber>
+    <Assembly>conceptSearching.Sharepoint.ContentTypes, Version=1.0.0.0, Culture=neutral, PublicKeyToken=858f8f13980e4745</Assembly>
+    <Class>conceptSearching.Sharepoint.ContentTypes.CSHandleEvent</Class>
+    <Data/>
+    <Filter/>
+  </Receiver>
+  <Receiver>
+    <Name>ItemAddedEventHandlerForConceptSearch</Name>
+    <Synchronization>Default</Synchronization>
+    <Type>10001</Type>
+    <SequenceNumber>10004</SequenceNumber>
+    <Assembly>conceptSearching.Sharepoint.ContentTypes, Version=1.0.0.0, Culture=neutral, PublicKeyToken=858f8f13980e4745</Assembly>
+    <Class>conceptSearching.Sharepoint.ContentTypes.CSHandleEvent</Class>
+    <Data/>
+    <Filter/>
+  </Receiver>
+  <Receiver>
+    <Name>ItemFileMovedEventHandlerForConceptSearch</Name>
+    <Synchronization>Default</Synchronization>
+    <Type>10009</Type>
+    <SequenceNumber>10005</SequenceNumber>
+    <Assembly>conceptSearching.Sharepoint.ContentTypes, Version=1.0.0.0, Culture=neutral, PublicKeyToken=858f8f13980e4745</Assembly>
+    <Class>conceptSearching.Sharepoint.ContentTypes.CSHandleEvent</Class>
+    <Data/>
+    <Filter/>
+  </Receiver>
+  <Receiver>
+    <Name>ItemDeletedEventHandlerForConceptSearch</Name>
+    <Synchronization>Default</Synchronization>
+    <Type>10003</Type>
+    <SequenceNumber>10006</SequenceNumber>
+    <Assembly>conceptSearching.Sharepoint.ContentTypes, Version=1.0.0.0, Culture=neutral, PublicKeyToken=858f8f13980e4745</Assembly>
+    <Class>conceptSearching.Sharepoint.ContentTypes.CSHandleEvent</Class>
+    <Data/>
+    <Filter/>
+  </Receiver>
+  <Receiver>
+    <Name>ItemUpdatedEventHandlerForConceptSearch</Name>
+    <Synchronization>Asynchronous</Synchronization>
+    <Type>10002</Type>
+    <SequenceNumber>10001</SequenceNumber>
+    <Assembly>conceptSearching.Sharepoint.ContentTypes2010, Version=1.0.0.0, Culture=neutral, PublicKeyToken=858f8f13980e4745</Assembly>
+    <Class>conceptSearching.Sharepoint.ContentTypes2010.CSHandleEvent</Class>
+    <Data/>
+    <Filter/>
+  </Receiver>
+  <Receiver>
+    <Name>ItemCheckedInEventHandlerForConceptSearch</Name>
+    <Synchronization>Asynchronous</Synchronization>
+    <Type>10004</Type>
+    <SequenceNumber>10002</SequenceNumber>
+    <Assembly>conceptSearching.Sharepoint.ContentTypes2010, Version=1.0.0.0, Culture=neutral, PublicKeyToken=858f8f13980e4745</Assembly>
+    <Class>conceptSearching.Sharepoint.ContentTypes2010.CSHandleEvent</Class>
+    <Data/>
+    <Filter/>
+  </Receiver>
+  <Receiver>
+    <Name>ItemUncheckedOutEventHandlerForConceptSearch</Name>
+    <Synchronization>Asynchronous</Synchronization>
+    <Type>10006</Type>
+    <SequenceNumber>10003</SequenceNumber>
+    <Assembly>conceptSearching.Sharepoint.ContentTypes2010, Version=1.0.0.0, Culture=neutral, PublicKeyToken=858f8f13980e4745</Assembly>
+    <Class>conceptSearching.Sharepoint.ContentTypes2010.CSHandleEvent</Class>
+    <Data/>
+    <Filter/>
+  </Receiver>
+  <Receiver>
+    <Name>ItemAddedEventHandlerForConceptSearch</Name>
+    <Synchronization>Asynchronous</Synchronization>
+    <Type>10001</Type>
+    <SequenceNumber>10004</SequenceNumber>
+    <Assembly>conceptSearching.Sharepoint.ContentTypes2010, Version=1.0.0.0, Culture=neutral, PublicKeyToken=858f8f13980e4745</Assembly>
+    <Class>conceptSearching.Sharepoint.ContentTypes2010.CSHandleEvent</Class>
+    <Data/>
+    <Filter/>
+  </Receiver>
+  <Receiver>
+    <Name>ItemFileMovedEventHandlerForConceptSearch</Name>
+    <Synchronization>Asynchronous</Synchronization>
+    <Type>10009</Type>
+    <SequenceNumber>10005</SequenceNumber>
+    <Assembly>conceptSearching.Sharepoint.ContentTypes2010, Version=1.0.0.0, Culture=neutral, PublicKeyToken=858f8f13980e4745</Assembly>
+    <Class>conceptSearching.Sharepoint.ContentTypes2010.CSHandleEvent</Class>
+    <Data/>
+    <Filter/>
+  </Receiver>
+  <Receiver>
+    <Name>ItemDeletedEventHandlerForConceptSearch</Name>
+    <Synchronization>Asynchronous</Synchronization>
+    <Type>10003</Type>
+    <SequenceNumber>10006</SequenceNumber>
+    <Assembly>conceptSearching.Sharepoint.ContentTypes2010, Version=1.0.0.0, Culture=neutral, PublicKeyToken=858f8f13980e4745</Assembly>
+    <Class>conceptSearching.Sharepoint.ContentTypes2010.CSHandleEvent</Class>
+    <Data/>
+    <Filter/>
+  </Receiver>
+</spe:Receivers>
+</file>
+
 <file path=customXml/item3.xml><?xml version="1.0" encoding="utf-8"?>
+<?mso-contentType ?>
+<FormTemplates xmlns="http://schemas.microsoft.com/sharepoint/v3/contenttype/forms">
+  <Display>DocumentLibraryForm</Display>
+  <Edit>DocumentLibraryForm</Edit>
+  <New>DocumentLibraryForm</New>
+</FormTemplates>
+</file>
+
+<file path=customXml/item4.xml><?xml version="1.0" encoding="utf-8"?>
 <p:properties xmlns:p="http://schemas.microsoft.com/office/2006/metadata/properties" xmlns:xsi="http://www.w3.org/2001/XMLSchema-instance">
   <documentManagement>
     <CSMeta2010Field xmlns="http://schemas.microsoft.com/sharepoint/v3">e3756241-2df6-41de-be5e-75b6e6bb08f6;2012-09-21 22:00:55;PENDINGCLASSIFICATION;False</CSMeta2010Field>
@@ -23781,24 +32479,7 @@
 </p:properties>
 </file>
 
-<file path=customXml/item4.xml><?xml version="1.0" encoding="utf-8"?>
-<?mso-contentType ?>
-<FormTemplates xmlns="http://schemas.microsoft.com/sharepoint/v3/contenttype/forms">
-  <Display>DocumentLibraryForm</Display>
-  <Edit>DocumentLibraryForm</Edit>
-  <New>DocumentLibraryForm</New>
-</FormTemplates>
-</file>
-
 <file path=customXml/itemProps1.xml><?xml version="1.0" encoding="utf-8"?>
-<ds:datastoreItem xmlns:ds="http://schemas.openxmlformats.org/officeDocument/2006/customXml" ds:itemID="{292B128B-852E-4970-B7DA-406C2DC81E71}">
-  <ds:schemaRefs>
-    <ds:schemaRef ds:uri="http://schemas.microsoft.com/sharepoint/events"/>
-  </ds:schemaRefs>
-</ds:datastoreItem>
-</file>
-
-<file path=customXml/itemProps2.xml><?xml version="1.0" encoding="utf-8"?>
 <ds:datastoreItem xmlns:ds="http://schemas.openxmlformats.org/officeDocument/2006/customXml" ds:itemID="{6F2C6FE6-5625-438C-ACCA-347FE9C06C3F}">
   <ds:schemaRefs>
     <ds:schemaRef ds:uri="http://schemas.microsoft.com/office/2006/metadata/contentType"/>
@@ -23817,7 +32498,23 @@
 </ds:datastoreItem>
 </file>
 
+<file path=customXml/itemProps2.xml><?xml version="1.0" encoding="utf-8"?>
+<ds:datastoreItem xmlns:ds="http://schemas.openxmlformats.org/officeDocument/2006/customXml" ds:itemID="{292B128B-852E-4970-B7DA-406C2DC81E71}">
+  <ds:schemaRefs>
+    <ds:schemaRef ds:uri="http://schemas.microsoft.com/sharepoint/events"/>
+  </ds:schemaRefs>
+</ds:datastoreItem>
+</file>
+
 <file path=customXml/itemProps3.xml><?xml version="1.0" encoding="utf-8"?>
+<ds:datastoreItem xmlns:ds="http://schemas.openxmlformats.org/officeDocument/2006/customXml" ds:itemID="{ADA5D674-9920-4D2F-B065-BC24FD29F86D}">
+  <ds:schemaRefs>
+    <ds:schemaRef ds:uri="http://schemas.microsoft.com/sharepoint/v3/contenttype/forms"/>
+  </ds:schemaRefs>
+</ds:datastoreItem>
+</file>
+
+<file path=customXml/itemProps4.xml><?xml version="1.0" encoding="utf-8"?>
 <ds:datastoreItem xmlns:ds="http://schemas.openxmlformats.org/officeDocument/2006/customXml" ds:itemID="{2F4C4F6A-F6A5-45C8-BAAA-52FB70E387C7}">
   <ds:schemaRefs>
     <ds:schemaRef ds:uri="http://purl.org/dc/dcmitype/"/>
@@ -23832,12 +32529,4 @@
     <ds:schemaRef ds:uri="http://www.w3.org/XML/1998/namespace"/>
   </ds:schemaRefs>
 </ds:datastoreItem>
-</file>
-
-<file path=customXml/itemProps4.xml><?xml version="1.0" encoding="utf-8"?>
-<ds:datastoreItem xmlns:ds="http://schemas.openxmlformats.org/officeDocument/2006/customXml" ds:itemID="{ADA5D674-9920-4D2F-B065-BC24FD29F86D}">
-  <ds:schemaRefs>
-    <ds:schemaRef ds:uri="http://schemas.microsoft.com/sharepoint/v3/contenttype/forms"/>
-  </ds:schemaRefs>
-</ds:datastoreItem>
 </file>
--- a/docs/Formation_Angular_003_Angular-avancé.pptx
+++ b/docs/Formation_Angular_003_Angular-avancé.pptx
@@ -27,7 +27,7 @@
     <p:sldId id="436" r:id="rId19"/>
     <p:sldId id="437" r:id="rId20"/>
     <p:sldId id="438" r:id="rId21"/>
-    <p:sldId id="439" r:id="rId22"/>
+    <p:sldId id="450" r:id="rId22"/>
     <p:sldId id="429" r:id="rId23"/>
     <p:sldId id="427" r:id="rId24"/>
     <p:sldId id="440" r:id="rId25"/>
@@ -311,7 +311,7 @@
                 <a:latin typeface="Arial" pitchFamily="34" charset="0"/>
               </a:rPr>
               <a:pPr/>
-              <a:t>28/11/2019</a:t>
+              <a:t>29/11/2019</a:t>
             </a:fld>
             <a:endParaRPr lang="en-GB" dirty="0">
               <a:latin typeface="Arial" pitchFamily="34" charset="0"/>
@@ -490,7 +490,7 @@
             <a:fld id="{B5D7A87D-1CDA-443F-BAE3-82C9C05446C3}" type="datetimeFigureOut">
               <a:rPr lang="en-GB" smtClean="0"/>
               <a:pPr/>
-              <a:t>28/11/2019</a:t>
+              <a:t>29/11/2019</a:t>
             </a:fld>
             <a:endParaRPr lang="en-GB" dirty="0"/>
           </a:p>
@@ -1296,7 +1296,7 @@
     </p:spTree>
     <p:extLst>
       <p:ext uri="{BB962C8B-B14F-4D97-AF65-F5344CB8AC3E}">
-        <p14:creationId xmlns:p14="http://schemas.microsoft.com/office/powerpoint/2010/main" val="2565275198"/>
+        <p14:creationId xmlns:p14="http://schemas.microsoft.com/office/powerpoint/2010/main" val="101573808"/>
       </p:ext>
     </p:extLst>
   </p:cSld>
@@ -18510,7 +18510,11 @@
           <a:p>
             <a:r>
               <a:rPr lang="fr-CA" dirty="0" smtClean="0"/>
-              <a:t>TP #4</a:t>
+              <a:t>TP </a:t>
+            </a:r>
+            <a:r>
+              <a:rPr lang="fr-CA" dirty="0" smtClean="0"/>
+              <a:t>#4</a:t>
             </a:r>
             <a:endParaRPr lang="fr-CA" dirty="0"/>
           </a:p>
@@ -18518,7 +18522,7 @@
       </p:sp>
       <p:sp>
         <p:nvSpPr>
-          <p:cNvPr id="6" name="Espace réservé du contenu 5"/>
+          <p:cNvPr id="2" name="Espace réservé du contenu 1"/>
           <p:cNvSpPr>
             <a:spLocks noGrp="1"/>
           </p:cNvSpPr>
@@ -18531,13 +18535,14 @@
           <a:bodyPr/>
           <a:lstStyle/>
           <a:p>
-            <a:pPr lvl="1" indent="0">
-              <a:buNone/>
-            </a:pPr>
-            <a:endParaRPr lang="fr-FR" dirty="0" smtClean="0"/>
-          </a:p>
-          <a:p>
-            <a:pPr marL="606425" lvl="1" indent="-342900"/>
+            <a:r>
+              <a:rPr lang="fr-FR" dirty="0" smtClean="0"/>
+              <a:t>≈ </a:t>
+            </a:r>
+            <a:r>
+              <a:rPr lang="fr-FR" dirty="0" smtClean="0"/>
+              <a:t>1h – 1h30</a:t>
+            </a:r>
             <a:endParaRPr lang="fr-FR" dirty="0"/>
           </a:p>
         </p:txBody>
@@ -18572,7 +18577,7 @@
     </p:spTree>
     <p:extLst>
       <p:ext uri="{BB962C8B-B14F-4D97-AF65-F5344CB8AC3E}">
-        <p14:creationId xmlns:p14="http://schemas.microsoft.com/office/powerpoint/2010/main" val="232442163"/>
+        <p14:creationId xmlns:p14="http://schemas.microsoft.com/office/powerpoint/2010/main" val="3272501116"/>
       </p:ext>
     </p:extLst>
   </p:cSld>
@@ -19480,7 +19485,6 @@
               <a:rPr lang="fr-FR" dirty="0" smtClean="0"/>
               <a:t> est toujours structuré comme suit:</a:t>
             </a:r>
-            <a:endParaRPr lang="fr-FR" dirty="0" smtClean="0"/>
           </a:p>
           <a:p>
             <a:pPr marL="342900" indent="-342900"/>
@@ -20335,12 +20339,6 @@
               </a:rPr>
               <a:t>});</a:t>
             </a:r>
-            <a:endParaRPr lang="fr-FR" sz="1600" dirty="0">
-              <a:solidFill>
-                <a:schemeClr val="bg1"/>
-              </a:solidFill>
-              <a:latin typeface="Consolas" pitchFamily="49" charset="0"/>
-            </a:endParaRPr>
           </a:p>
         </p:txBody>
       </p:sp>
@@ -20418,11 +20416,7 @@
             </a:r>
             <a:r>
               <a:rPr lang="fr-FR" dirty="0" err="1" smtClean="0"/>
-              <a:t>custom</a:t>
-            </a:r>
-            <a:r>
-              <a:rPr lang="fr-FR" dirty="0" err="1" smtClean="0"/>
-              <a:t>.service.ts</a:t>
+              <a:t>custom.service.ts</a:t>
             </a:r>
             <a:endParaRPr lang="fr-FR" dirty="0" smtClean="0"/>
           </a:p>
@@ -21428,12 +21422,6 @@
               </a:rPr>
               <a:t>}</a:t>
             </a:r>
-            <a:endParaRPr lang="fr-FR" sz="1600" dirty="0">
-              <a:solidFill>
-                <a:schemeClr val="bg1"/>
-              </a:solidFill>
-              <a:latin typeface="Consolas" pitchFamily="49" charset="0"/>
-            </a:endParaRPr>
           </a:p>
         </p:txBody>
       </p:sp>
@@ -21511,17 +21499,12 @@
             </a:r>
             <a:r>
               <a:rPr lang="fr-FR" dirty="0" err="1" smtClean="0"/>
-              <a:t>custom</a:t>
-            </a:r>
-            <a:r>
-              <a:rPr lang="fr-FR" dirty="0" err="1" smtClean="0"/>
-              <a:t>.service.spec.ts</a:t>
+              <a:t>custom.service.spec.ts</a:t>
             </a:r>
             <a:r>
               <a:rPr lang="fr-FR" dirty="0" smtClean="0"/>
               <a:t> (1/2)</a:t>
             </a:r>
-            <a:endParaRPr lang="fr-FR" dirty="0" smtClean="0"/>
           </a:p>
           <a:p>
             <a:pPr marL="342900" indent="-342900"/>
@@ -22780,17 +22763,12 @@
             </a:r>
             <a:r>
               <a:rPr lang="fr-FR" dirty="0" err="1" smtClean="0"/>
-              <a:t>custom</a:t>
-            </a:r>
-            <a:r>
-              <a:rPr lang="fr-FR" dirty="0" err="1" smtClean="0"/>
-              <a:t>.service.spec.ts</a:t>
+              <a:t>custom.service.spec.ts</a:t>
             </a:r>
             <a:r>
               <a:rPr lang="fr-FR" dirty="0" smtClean="0"/>
               <a:t> (2/2)</a:t>
             </a:r>
-            <a:endParaRPr lang="fr-FR" dirty="0" smtClean="0"/>
           </a:p>
           <a:p>
             <a:pPr marL="342900" indent="-342900"/>
@@ -24151,11 +24129,7 @@
             </a:r>
             <a:r>
               <a:rPr lang="fr-FR" dirty="0" err="1" smtClean="0"/>
-              <a:t>custom</a:t>
-            </a:r>
-            <a:r>
-              <a:rPr lang="fr-FR" dirty="0" err="1" smtClean="0"/>
-              <a:t>.component.ts</a:t>
+              <a:t>custom.component.ts</a:t>
             </a:r>
             <a:endParaRPr lang="fr-FR" dirty="0" smtClean="0"/>
           </a:p>
@@ -24830,25 +24804,12 @@
             </a:r>
             <a:r>
               <a:rPr lang="fr-FR" dirty="0" err="1" smtClean="0"/>
-              <a:t>custom</a:t>
-            </a:r>
-            <a:r>
-              <a:rPr lang="fr-FR" dirty="0" err="1" smtClean="0"/>
-              <a:t>.component</a:t>
-            </a:r>
-            <a:r>
-              <a:rPr lang="fr-FR" dirty="0" err="1" smtClean="0"/>
-              <a:t>.spec</a:t>
-            </a:r>
-            <a:r>
-              <a:rPr lang="fr-FR" dirty="0" err="1" smtClean="0"/>
-              <a:t>.ts</a:t>
+              <a:t>custom.component.spec.ts</a:t>
             </a:r>
             <a:r>
               <a:rPr lang="fr-FR" dirty="0" smtClean="0"/>
               <a:t> (1/2)</a:t>
             </a:r>
-            <a:endParaRPr lang="fr-FR" dirty="0" smtClean="0"/>
           </a:p>
           <a:p>
             <a:pPr marL="342900" indent="-342900"/>
@@ -25929,25 +25890,12 @@
             </a:r>
             <a:r>
               <a:rPr lang="fr-FR" dirty="0" err="1" smtClean="0"/>
-              <a:t>custom</a:t>
-            </a:r>
-            <a:r>
-              <a:rPr lang="fr-FR" dirty="0" err="1" smtClean="0"/>
-              <a:t>.component</a:t>
-            </a:r>
-            <a:r>
-              <a:rPr lang="fr-FR" dirty="0" err="1" smtClean="0"/>
-              <a:t>.spec</a:t>
-            </a:r>
-            <a:r>
-              <a:rPr lang="fr-FR" dirty="0" err="1" smtClean="0"/>
-              <a:t>.ts</a:t>
+              <a:t>custom.component.spec.ts</a:t>
             </a:r>
             <a:r>
               <a:rPr lang="fr-FR" dirty="0" smtClean="0"/>
               <a:t> (2/2)</a:t>
             </a:r>
-            <a:endParaRPr lang="fr-FR" dirty="0" smtClean="0"/>
           </a:p>
           <a:p>
             <a:pPr marL="342900" indent="-342900"/>
@@ -26774,11 +26722,7 @@
           <a:p>
             <a:r>
               <a:rPr lang="fr-CA" dirty="0" smtClean="0"/>
-              <a:t>TP </a:t>
-            </a:r>
-            <a:r>
-              <a:rPr lang="fr-CA" dirty="0" smtClean="0"/>
-              <a:t>#5</a:t>
+              <a:t>TP #5</a:t>
             </a:r>
             <a:endParaRPr lang="fr-CA" dirty="0"/>
           </a:p>
@@ -32126,6 +32070,132 @@
 </file>
 
 <file path=customXml/item1.xml><?xml version="1.0" encoding="utf-8"?>
+<?mso-contentType ?>
+<spe:Receivers xmlns:spe="http://schemas.microsoft.com/sharepoint/events">
+  <Receiver>
+    <Name>ItemUpdatedEventHandlerForConceptSearch</Name>
+    <Synchronization>Default</Synchronization>
+    <Type>10002</Type>
+    <SequenceNumber>10001</SequenceNumber>
+    <Assembly>conceptSearching.Sharepoint.ContentTypes, Version=1.0.0.0, Culture=neutral, PublicKeyToken=858f8f13980e4745</Assembly>
+    <Class>conceptSearching.Sharepoint.ContentTypes.CSHandleEvent</Class>
+    <Data/>
+    <Filter/>
+  </Receiver>
+  <Receiver>
+    <Name>ItemCheckedInEventHandlerForConceptSearch</Name>
+    <Synchronization>Default</Synchronization>
+    <Type>10004</Type>
+    <SequenceNumber>10002</SequenceNumber>
+    <Assembly>conceptSearching.Sharepoint.ContentTypes, Version=1.0.0.0, Culture=neutral, PublicKeyToken=858f8f13980e4745</Assembly>
+    <Class>conceptSearching.Sharepoint.ContentTypes.CSHandleEvent</Class>
+    <Data/>
+    <Filter/>
+  </Receiver>
+  <Receiver>
+    <Name>ItemUncheckedOutEventHandlerForConceptSearch</Name>
+    <Synchronization>Default</Synchronization>
+    <Type>10006</Type>
+    <SequenceNumber>10003</SequenceNumber>
+    <Assembly>conceptSearching.Sharepoint.ContentTypes, Version=1.0.0.0, Culture=neutral, PublicKeyToken=858f8f13980e4745</Assembly>
+    <Class>conceptSearching.Sharepoint.ContentTypes.CSHandleEvent</Class>
+    <Data/>
+    <Filter/>
+  </Receiver>
+  <Receiver>
+    <Name>ItemAddedEventHandlerForConceptSearch</Name>
+    <Synchronization>Default</Synchronization>
+    <Type>10001</Type>
+    <SequenceNumber>10004</SequenceNumber>
+    <Assembly>conceptSearching.Sharepoint.ContentTypes, Version=1.0.0.0, Culture=neutral, PublicKeyToken=858f8f13980e4745</Assembly>
+    <Class>conceptSearching.Sharepoint.ContentTypes.CSHandleEvent</Class>
+    <Data/>
+    <Filter/>
+  </Receiver>
+  <Receiver>
+    <Name>ItemFileMovedEventHandlerForConceptSearch</Name>
+    <Synchronization>Default</Synchronization>
+    <Type>10009</Type>
+    <SequenceNumber>10005</SequenceNumber>
+    <Assembly>conceptSearching.Sharepoint.ContentTypes, Version=1.0.0.0, Culture=neutral, PublicKeyToken=858f8f13980e4745</Assembly>
+    <Class>conceptSearching.Sharepoint.ContentTypes.CSHandleEvent</Class>
+    <Data/>
+    <Filter/>
+  </Receiver>
+  <Receiver>
+    <Name>ItemDeletedEventHandlerForConceptSearch</Name>
+    <Synchronization>Default</Synchronization>
+    <Type>10003</Type>
+    <SequenceNumber>10006</SequenceNumber>
+    <Assembly>conceptSearching.Sharepoint.ContentTypes, Version=1.0.0.0, Culture=neutral, PublicKeyToken=858f8f13980e4745</Assembly>
+    <Class>conceptSearching.Sharepoint.ContentTypes.CSHandleEvent</Class>
+    <Data/>
+    <Filter/>
+  </Receiver>
+  <Receiver>
+    <Name>ItemUpdatedEventHandlerForConceptSearch</Name>
+    <Synchronization>Asynchronous</Synchronization>
+    <Type>10002</Type>
+    <SequenceNumber>10001</SequenceNumber>
+    <Assembly>conceptSearching.Sharepoint.ContentTypes2010, Version=1.0.0.0, Culture=neutral, PublicKeyToken=858f8f13980e4745</Assembly>
+    <Class>conceptSearching.Sharepoint.ContentTypes2010.CSHandleEvent</Class>
+    <Data/>
+    <Filter/>
+  </Receiver>
+  <Receiver>
+    <Name>ItemCheckedInEventHandlerForConceptSearch</Name>
+    <Synchronization>Asynchronous</Synchronization>
+    <Type>10004</Type>
+    <SequenceNumber>10002</SequenceNumber>
+    <Assembly>conceptSearching.Sharepoint.ContentTypes2010, Version=1.0.0.0, Culture=neutral, PublicKeyToken=858f8f13980e4745</Assembly>
+    <Class>conceptSearching.Sharepoint.ContentTypes2010.CSHandleEvent</Class>
+    <Data/>
+    <Filter/>
+  </Receiver>
+  <Receiver>
+    <Name>ItemUncheckedOutEventHandlerForConceptSearch</Name>
+    <Synchronization>Asynchronous</Synchronization>
+    <Type>10006</Type>
+    <SequenceNumber>10003</SequenceNumber>
+    <Assembly>conceptSearching.Sharepoint.ContentTypes2010, Version=1.0.0.0, Culture=neutral, PublicKeyToken=858f8f13980e4745</Assembly>
+    <Class>conceptSearching.Sharepoint.ContentTypes2010.CSHandleEvent</Class>
+    <Data/>
+    <Filter/>
+  </Receiver>
+  <Receiver>
+    <Name>ItemAddedEventHandlerForConceptSearch</Name>
+    <Synchronization>Asynchronous</Synchronization>
+    <Type>10001</Type>
+    <SequenceNumber>10004</SequenceNumber>
+    <Assembly>conceptSearching.Sharepoint.ContentTypes2010, Version=1.0.0.0, Culture=neutral, PublicKeyToken=858f8f13980e4745</Assembly>
+    <Class>conceptSearching.Sharepoint.ContentTypes2010.CSHandleEvent</Class>
+    <Data/>
+    <Filter/>
+  </Receiver>
+  <Receiver>
+    <Name>ItemFileMovedEventHandlerForConceptSearch</Name>
+    <Synchronization>Asynchronous</Synchronization>
+    <Type>10009</Type>
+    <SequenceNumber>10005</SequenceNumber>
+    <Assembly>conceptSearching.Sharepoint.ContentTypes2010, Version=1.0.0.0, Culture=neutral, PublicKeyToken=858f8f13980e4745</Assembly>
+    <Class>conceptSearching.Sharepoint.ContentTypes2010.CSHandleEvent</Class>
+    <Data/>
+    <Filter/>
+  </Receiver>
+  <Receiver>
+    <Name>ItemDeletedEventHandlerForConceptSearch</Name>
+    <Synchronization>Asynchronous</Synchronization>
+    <Type>10003</Type>
+    <SequenceNumber>10006</SequenceNumber>
+    <Assembly>conceptSearching.Sharepoint.ContentTypes2010, Version=1.0.0.0, Culture=neutral, PublicKeyToken=858f8f13980e4745</Assembly>
+    <Class>conceptSearching.Sharepoint.ContentTypes2010.CSHandleEvent</Class>
+    <Data/>
+    <Filter/>
+  </Receiver>
+</spe:Receivers>
+</file>
+
+<file path=customXml/item2.xml><?xml version="1.0" encoding="utf-8"?>
 <ct:contentTypeSchema xmlns:ct="http://schemas.microsoft.com/office/2006/metadata/contentType" xmlns:ma="http://schemas.microsoft.com/office/2006/metadata/properties/metaAttributes" ct:_="" ma:_="" ma:contentTypeName="Document" ma:contentTypeID="0x01010005E88B5A4C166F4D845B9CCD5CB96BA1" ma:contentTypeVersion="12" ma:contentTypeDescription="Create a new document." ma:contentTypeScope="" ma:versionID="932543ea927b72e086287f4d6b3ada9b">
   <xsd:schema xmlns:xsd="http://www.w3.org/2001/XMLSchema" xmlns:xs="http://www.w3.org/2001/XMLSchema" xmlns:p="http://schemas.microsoft.com/office/2006/metadata/properties" xmlns:ns1="http://schemas.microsoft.com/sharepoint/v3" xmlns:ns2="d95a5b16-1b8d-4c7c-9ebf-89c0983b6970" targetNamespace="http://schemas.microsoft.com/office/2006/metadata/properties" ma:root="true" ma:fieldsID="c4e0bb6a8f3c457cd45f9ca23030de3a" ns1:_="" ns2:_="">
     <xsd:import namespace="http://schemas.microsoft.com/sharepoint/v3"/>
@@ -32320,142 +32390,7 @@
 </ct:contentTypeSchema>
 </file>
 
-<file path=customXml/item2.xml><?xml version="1.0" encoding="utf-8"?>
-<?mso-contentType ?>
-<spe:Receivers xmlns:spe="http://schemas.microsoft.com/sharepoint/events">
-  <Receiver>
-    <Name>ItemUpdatedEventHandlerForConceptSearch</Name>
-    <Synchronization>Default</Synchronization>
-    <Type>10002</Type>
-    <SequenceNumber>10001</SequenceNumber>
-    <Assembly>conceptSearching.Sharepoint.ContentTypes, Version=1.0.0.0, Culture=neutral, PublicKeyToken=858f8f13980e4745</Assembly>
-    <Class>conceptSearching.Sharepoint.ContentTypes.CSHandleEvent</Class>
-    <Data/>
-    <Filter/>
-  </Receiver>
-  <Receiver>
-    <Name>ItemCheckedInEventHandlerForConceptSearch</Name>
-    <Synchronization>Default</Synchronization>
-    <Type>10004</Type>
-    <SequenceNumber>10002</SequenceNumber>
-    <Assembly>conceptSearching.Sharepoint.ContentTypes, Version=1.0.0.0, Culture=neutral, PublicKeyToken=858f8f13980e4745</Assembly>
-    <Class>conceptSearching.Sharepoint.ContentTypes.CSHandleEvent</Class>
-    <Data/>
-    <Filter/>
-  </Receiver>
-  <Receiver>
-    <Name>ItemUncheckedOutEventHandlerForConceptSearch</Name>
-    <Synchronization>Default</Synchronization>
-    <Type>10006</Type>
-    <SequenceNumber>10003</SequenceNumber>
-    <Assembly>conceptSearching.Sharepoint.ContentTypes, Version=1.0.0.0, Culture=neutral, PublicKeyToken=858f8f13980e4745</Assembly>
-    <Class>conceptSearching.Sharepoint.ContentTypes.CSHandleEvent</Class>
-    <Data/>
-    <Filter/>
-  </Receiver>
-  <Receiver>
-    <Name>ItemAddedEventHandlerForConceptSearch</Name>
-    <Synchronization>Default</Synchronization>
-    <Type>10001</Type>
-    <SequenceNumber>10004</SequenceNumber>
-    <Assembly>conceptSearching.Sharepoint.ContentTypes, Version=1.0.0.0, Culture=neutral, PublicKeyToken=858f8f13980e4745</Assembly>
-    <Class>conceptSearching.Sharepoint.ContentTypes.CSHandleEvent</Class>
-    <Data/>
-    <Filter/>
-  </Receiver>
-  <Receiver>
-    <Name>ItemFileMovedEventHandlerForConceptSearch</Name>
-    <Synchronization>Default</Synchronization>
-    <Type>10009</Type>
-    <SequenceNumber>10005</SequenceNumber>
-    <Assembly>conceptSearching.Sharepoint.ContentTypes, Version=1.0.0.0, Culture=neutral, PublicKeyToken=858f8f13980e4745</Assembly>
-    <Class>conceptSearching.Sharepoint.ContentTypes.CSHandleEvent</Class>
-    <Data/>
-    <Filter/>
-  </Receiver>
-  <Receiver>
-    <Name>ItemDeletedEventHandlerForConceptSearch</Name>
-    <Synchronization>Default</Synchronization>
-    <Type>10003</Type>
-    <SequenceNumber>10006</SequenceNumber>
-    <Assembly>conceptSearching.Sharepoint.ContentTypes, Version=1.0.0.0, Culture=neutral, PublicKeyToken=858f8f13980e4745</Assembly>
-    <Class>conceptSearching.Sharepoint.ContentTypes.CSHandleEvent</Class>
-    <Data/>
-    <Filter/>
-  </Receiver>
-  <Receiver>
-    <Name>ItemUpdatedEventHandlerForConceptSearch</Name>
-    <Synchronization>Asynchronous</Synchronization>
-    <Type>10002</Type>
-    <SequenceNumber>10001</SequenceNumber>
-    <Assembly>conceptSearching.Sharepoint.ContentTypes2010, Version=1.0.0.0, Culture=neutral, PublicKeyToken=858f8f13980e4745</Assembly>
-    <Class>conceptSearching.Sharepoint.ContentTypes2010.CSHandleEvent</Class>
-    <Data/>
-    <Filter/>
-  </Receiver>
-  <Receiver>
-    <Name>ItemCheckedInEventHandlerForConceptSearch</Name>
-    <Synchronization>Asynchronous</Synchronization>
-    <Type>10004</Type>
-    <SequenceNumber>10002</SequenceNumber>
-    <Assembly>conceptSearching.Sharepoint.ContentTypes2010, Version=1.0.0.0, Culture=neutral, PublicKeyToken=858f8f13980e4745</Assembly>
-    <Class>conceptSearching.Sharepoint.ContentTypes2010.CSHandleEvent</Class>
-    <Data/>
-    <Filter/>
-  </Receiver>
-  <Receiver>
-    <Name>ItemUncheckedOutEventHandlerForConceptSearch</Name>
-    <Synchronization>Asynchronous</Synchronization>
-    <Type>10006</Type>
-    <SequenceNumber>10003</SequenceNumber>
-    <Assembly>conceptSearching.Sharepoint.ContentTypes2010, Version=1.0.0.0, Culture=neutral, PublicKeyToken=858f8f13980e4745</Assembly>
-    <Class>conceptSearching.Sharepoint.ContentTypes2010.CSHandleEvent</Class>
-    <Data/>
-    <Filter/>
-  </Receiver>
-  <Receiver>
-    <Name>ItemAddedEventHandlerForConceptSearch</Name>
-    <Synchronization>Asynchronous</Synchronization>
-    <Type>10001</Type>
-    <SequenceNumber>10004</SequenceNumber>
-    <Assembly>conceptSearching.Sharepoint.ContentTypes2010, Version=1.0.0.0, Culture=neutral, PublicKeyToken=858f8f13980e4745</Assembly>
-    <Class>conceptSearching.Sharepoint.ContentTypes2010.CSHandleEvent</Class>
-    <Data/>
-    <Filter/>
-  </Receiver>
-  <Receiver>
-    <Name>ItemFileMovedEventHandlerForConceptSearch</Name>
-    <Synchronization>Asynchronous</Synchronization>
-    <Type>10009</Type>
-    <SequenceNumber>10005</SequenceNumber>
-    <Assembly>conceptSearching.Sharepoint.ContentTypes2010, Version=1.0.0.0, Culture=neutral, PublicKeyToken=858f8f13980e4745</Assembly>
-    <Class>conceptSearching.Sharepoint.ContentTypes2010.CSHandleEvent</Class>
-    <Data/>
-    <Filter/>
-  </Receiver>
-  <Receiver>
-    <Name>ItemDeletedEventHandlerForConceptSearch</Name>
-    <Synchronization>Asynchronous</Synchronization>
-    <Type>10003</Type>
-    <SequenceNumber>10006</SequenceNumber>
-    <Assembly>conceptSearching.Sharepoint.ContentTypes2010, Version=1.0.0.0, Culture=neutral, PublicKeyToken=858f8f13980e4745</Assembly>
-    <Class>conceptSearching.Sharepoint.ContentTypes2010.CSHandleEvent</Class>
-    <Data/>
-    <Filter/>
-  </Receiver>
-</spe:Receivers>
-</file>
-
 <file path=customXml/item3.xml><?xml version="1.0" encoding="utf-8"?>
-<?mso-contentType ?>
-<FormTemplates xmlns="http://schemas.microsoft.com/sharepoint/v3/contenttype/forms">
-  <Display>DocumentLibraryForm</Display>
-  <Edit>DocumentLibraryForm</Edit>
-  <New>DocumentLibraryForm</New>
-</FormTemplates>
-</file>
-
-<file path=customXml/item4.xml><?xml version="1.0" encoding="utf-8"?>
 <p:properties xmlns:p="http://schemas.microsoft.com/office/2006/metadata/properties" xmlns:xsi="http://www.w3.org/2001/XMLSchema-instance">
   <documentManagement>
     <CSMeta2010Field xmlns="http://schemas.microsoft.com/sharepoint/v3">e3756241-2df6-41de-be5e-75b6e6bb08f6;2012-09-21 22:00:55;PENDINGCLASSIFICATION;False</CSMeta2010Field>
@@ -32479,7 +32414,24 @@
 </p:properties>
 </file>
 
+<file path=customXml/item4.xml><?xml version="1.0" encoding="utf-8"?>
+<?mso-contentType ?>
+<FormTemplates xmlns="http://schemas.microsoft.com/sharepoint/v3/contenttype/forms">
+  <Display>DocumentLibraryForm</Display>
+  <Edit>DocumentLibraryForm</Edit>
+  <New>DocumentLibraryForm</New>
+</FormTemplates>
+</file>
+
 <file path=customXml/itemProps1.xml><?xml version="1.0" encoding="utf-8"?>
+<ds:datastoreItem xmlns:ds="http://schemas.openxmlformats.org/officeDocument/2006/customXml" ds:itemID="{292B128B-852E-4970-B7DA-406C2DC81E71}">
+  <ds:schemaRefs>
+    <ds:schemaRef ds:uri="http://schemas.microsoft.com/sharepoint/events"/>
+  </ds:schemaRefs>
+</ds:datastoreItem>
+</file>
+
+<file path=customXml/itemProps2.xml><?xml version="1.0" encoding="utf-8"?>
 <ds:datastoreItem xmlns:ds="http://schemas.openxmlformats.org/officeDocument/2006/customXml" ds:itemID="{6F2C6FE6-5625-438C-ACCA-347FE9C06C3F}">
   <ds:schemaRefs>
     <ds:schemaRef ds:uri="http://schemas.microsoft.com/office/2006/metadata/contentType"/>
@@ -32498,23 +32450,7 @@
 </ds:datastoreItem>
 </file>
 
-<file path=customXml/itemProps2.xml><?xml version="1.0" encoding="utf-8"?>
-<ds:datastoreItem xmlns:ds="http://schemas.openxmlformats.org/officeDocument/2006/customXml" ds:itemID="{292B128B-852E-4970-B7DA-406C2DC81E71}">
-  <ds:schemaRefs>
-    <ds:schemaRef ds:uri="http://schemas.microsoft.com/sharepoint/events"/>
-  </ds:schemaRefs>
-</ds:datastoreItem>
-</file>
-
 <file path=customXml/itemProps3.xml><?xml version="1.0" encoding="utf-8"?>
-<ds:datastoreItem xmlns:ds="http://schemas.openxmlformats.org/officeDocument/2006/customXml" ds:itemID="{ADA5D674-9920-4D2F-B065-BC24FD29F86D}">
-  <ds:schemaRefs>
-    <ds:schemaRef ds:uri="http://schemas.microsoft.com/sharepoint/v3/contenttype/forms"/>
-  </ds:schemaRefs>
-</ds:datastoreItem>
-</file>
-
-<file path=customXml/itemProps4.xml><?xml version="1.0" encoding="utf-8"?>
 <ds:datastoreItem xmlns:ds="http://schemas.openxmlformats.org/officeDocument/2006/customXml" ds:itemID="{2F4C4F6A-F6A5-45C8-BAAA-52FB70E387C7}">
   <ds:schemaRefs>
     <ds:schemaRef ds:uri="http://purl.org/dc/dcmitype/"/>
@@ -32529,4 +32465,12 @@
     <ds:schemaRef ds:uri="http://www.w3.org/XML/1998/namespace"/>
   </ds:schemaRefs>
 </ds:datastoreItem>
+</file>
+
+<file path=customXml/itemProps4.xml><?xml version="1.0" encoding="utf-8"?>
+<ds:datastoreItem xmlns:ds="http://schemas.openxmlformats.org/officeDocument/2006/customXml" ds:itemID="{ADA5D674-9920-4D2F-B065-BC24FD29F86D}">
+  <ds:schemaRefs>
+    <ds:schemaRef ds:uri="http://schemas.microsoft.com/sharepoint/v3/contenttype/forms"/>
+  </ds:schemaRefs>
+</ds:datastoreItem>
 </file>